--- a/presentation_WordCounter.pptx
+++ b/presentation_WordCounter.pptx
@@ -5,15 +5,20 @@
     <p:sldMasterId id="2147483648" r:id="rId2"/>
     <p:sldMasterId id="2147483661" r:id="rId3"/>
     <p:sldMasterId id="2147483674" r:id="rId4"/>
+    <p:sldMasterId id="2147483687" r:id="rId5"/>
   </p:sldMasterIdLst>
   <p:sldIdLst>
-    <p:sldId id="256" r:id="rId5"/>
-    <p:sldId id="257" r:id="rId6"/>
-    <p:sldId id="258" r:id="rId7"/>
-    <p:sldId id="259" r:id="rId8"/>
-    <p:sldId id="260" r:id="rId9"/>
-    <p:sldId id="261" r:id="rId10"/>
-    <p:sldId id="262" r:id="rId11"/>
+    <p:sldId id="256" r:id="rId6"/>
+    <p:sldId id="257" r:id="rId7"/>
+    <p:sldId id="258" r:id="rId8"/>
+    <p:sldId id="259" r:id="rId9"/>
+    <p:sldId id="260" r:id="rId10"/>
+    <p:sldId id="261" r:id="rId11"/>
+    <p:sldId id="262" r:id="rId12"/>
+    <p:sldId id="263" r:id="rId13"/>
+    <p:sldId id="264" r:id="rId14"/>
+    <p:sldId id="265" r:id="rId15"/>
+    <p:sldId id="266" r:id="rId16"/>
   </p:sldIdLst>
   <p:sldSz cx="12192000" cy="6858000"/>
   <p:notesSz cx="7559675" cy="10691812"/>
@@ -61,7 +66,7 @@
       </p:grpSpPr>
       <p:sp>
         <p:nvSpPr>
-          <p:cNvPr id="30" name="PlaceHolder 1"/>
+          <p:cNvPr id="27" name="PlaceHolder 1"/>
           <p:cNvSpPr>
             <a:spLocks noGrp="1"/>
           </p:cNvSpPr>
@@ -71,8 +76,8 @@
         </p:nvSpPr>
         <p:spPr>
           <a:xfrm>
-            <a:off x="1371600" y="685800"/>
-            <a:ext cx="9600840" cy="1485720"/>
+            <a:off x="609480" y="273600"/>
+            <a:ext cx="10972440" cy="1144800"/>
           </a:xfrm>
           <a:prstGeom prst="rect">
             <a:avLst/>
@@ -83,18 +88,16 @@
             <a:noAutofit/>
           </a:bodyPr>
           <a:p>
-            <a:endParaRPr b="0" lang="en-US" sz="1800" spc="-1" strike="noStrike">
-              <a:solidFill>
-                <a:srgbClr val="000000"/>
-              </a:solidFill>
-              <a:latin typeface="Franklin Gothic Book"/>
-            </a:endParaRPr>
-          </a:p>
-        </p:txBody>
-      </p:sp>
-      <p:sp>
-        <p:nvSpPr>
-          <p:cNvPr id="31" name="PlaceHolder 2"/>
+            <a:pPr algn="ctr"/>
+            <a:endParaRPr b="0" lang="en-US" sz="4400" spc="-1" strike="noStrike">
+              <a:latin typeface="Arial"/>
+            </a:endParaRPr>
+          </a:p>
+        </p:txBody>
+      </p:sp>
+      <p:sp>
+        <p:nvSpPr>
+          <p:cNvPr id="28" name="PlaceHolder 2"/>
           <p:cNvSpPr>
             <a:spLocks noGrp="1"/>
           </p:cNvSpPr>
@@ -116,18 +119,15 @@
             <a:normAutofit/>
           </a:bodyPr>
           <a:p>
-            <a:endParaRPr b="0" lang="en-US" sz="2000" spc="-1" strike="noStrike">
-              <a:solidFill>
-                <a:srgbClr val="191b0e"/>
-              </a:solidFill>
-              <a:latin typeface="Franklin Gothic Book"/>
-            </a:endParaRPr>
-          </a:p>
-        </p:txBody>
-      </p:sp>
-      <p:sp>
-        <p:nvSpPr>
-          <p:cNvPr id="32" name="PlaceHolder 3"/>
+            <a:endParaRPr b="0" lang="en-US" sz="3200" spc="-1" strike="noStrike">
+              <a:latin typeface="Arial"/>
+            </a:endParaRPr>
+          </a:p>
+        </p:txBody>
+      </p:sp>
+      <p:sp>
+        <p:nvSpPr>
+          <p:cNvPr id="29" name="PlaceHolder 3"/>
           <p:cNvSpPr>
             <a:spLocks noGrp="1"/>
           </p:cNvSpPr>
@@ -149,11 +149,8 @@
             <a:normAutofit/>
           </a:bodyPr>
           <a:p>
-            <a:endParaRPr b="0" lang="en-US" sz="2000" spc="-1" strike="noStrike">
-              <a:solidFill>
-                <a:srgbClr val="191b0e"/>
-              </a:solidFill>
-              <a:latin typeface="Franklin Gothic Book"/>
+            <a:endParaRPr b="0" lang="en-US" sz="3200" spc="-1" strike="noStrike">
+              <a:latin typeface="Arial"/>
             </a:endParaRPr>
           </a:p>
         </p:txBody>
@@ -182,7 +179,7 @@
       </p:grpSpPr>
       <p:sp>
         <p:nvSpPr>
-          <p:cNvPr id="33" name="PlaceHolder 1"/>
+          <p:cNvPr id="30" name="PlaceHolder 1"/>
           <p:cNvSpPr>
             <a:spLocks noGrp="1"/>
           </p:cNvSpPr>
@@ -192,8 +189,8 @@
         </p:nvSpPr>
         <p:spPr>
           <a:xfrm>
-            <a:off x="1371600" y="685800"/>
-            <a:ext cx="9600840" cy="1485720"/>
+            <a:off x="609480" y="273600"/>
+            <a:ext cx="10972440" cy="1144800"/>
           </a:xfrm>
           <a:prstGeom prst="rect">
             <a:avLst/>
@@ -204,18 +201,16 @@
             <a:noAutofit/>
           </a:bodyPr>
           <a:p>
-            <a:endParaRPr b="0" lang="en-US" sz="1800" spc="-1" strike="noStrike">
-              <a:solidFill>
-                <a:srgbClr val="000000"/>
-              </a:solidFill>
-              <a:latin typeface="Franklin Gothic Book"/>
-            </a:endParaRPr>
-          </a:p>
-        </p:txBody>
-      </p:sp>
-      <p:sp>
-        <p:nvSpPr>
-          <p:cNvPr id="34" name="PlaceHolder 2"/>
+            <a:pPr algn="ctr"/>
+            <a:endParaRPr b="0" lang="en-US" sz="4400" spc="-1" strike="noStrike">
+              <a:latin typeface="Arial"/>
+            </a:endParaRPr>
+          </a:p>
+        </p:txBody>
+      </p:sp>
+      <p:sp>
+        <p:nvSpPr>
+          <p:cNvPr id="31" name="PlaceHolder 2"/>
           <p:cNvSpPr>
             <a:spLocks noGrp="1"/>
           </p:cNvSpPr>
@@ -237,18 +232,15 @@
             <a:normAutofit/>
           </a:bodyPr>
           <a:p>
-            <a:endParaRPr b="0" lang="en-US" sz="2000" spc="-1" strike="noStrike">
-              <a:solidFill>
-                <a:srgbClr val="191b0e"/>
-              </a:solidFill>
-              <a:latin typeface="Franklin Gothic Book"/>
-            </a:endParaRPr>
-          </a:p>
-        </p:txBody>
-      </p:sp>
-      <p:sp>
-        <p:nvSpPr>
-          <p:cNvPr id="35" name="PlaceHolder 3"/>
+            <a:endParaRPr b="0" lang="en-US" sz="3200" spc="-1" strike="noStrike">
+              <a:latin typeface="Arial"/>
+            </a:endParaRPr>
+          </a:p>
+        </p:txBody>
+      </p:sp>
+      <p:sp>
+        <p:nvSpPr>
+          <p:cNvPr id="32" name="PlaceHolder 3"/>
           <p:cNvSpPr>
             <a:spLocks noGrp="1"/>
           </p:cNvSpPr>
@@ -270,18 +262,15 @@
             <a:normAutofit/>
           </a:bodyPr>
           <a:p>
-            <a:endParaRPr b="0" lang="en-US" sz="2000" spc="-1" strike="noStrike">
-              <a:solidFill>
-                <a:srgbClr val="191b0e"/>
-              </a:solidFill>
-              <a:latin typeface="Franklin Gothic Book"/>
-            </a:endParaRPr>
-          </a:p>
-        </p:txBody>
-      </p:sp>
-      <p:sp>
-        <p:nvSpPr>
-          <p:cNvPr id="36" name="PlaceHolder 4"/>
+            <a:endParaRPr b="0" lang="en-US" sz="3200" spc="-1" strike="noStrike">
+              <a:latin typeface="Arial"/>
+            </a:endParaRPr>
+          </a:p>
+        </p:txBody>
+      </p:sp>
+      <p:sp>
+        <p:nvSpPr>
+          <p:cNvPr id="33" name="PlaceHolder 4"/>
           <p:cNvSpPr>
             <a:spLocks noGrp="1"/>
           </p:cNvSpPr>
@@ -303,18 +292,15 @@
             <a:normAutofit/>
           </a:bodyPr>
           <a:p>
-            <a:endParaRPr b="0" lang="en-US" sz="2000" spc="-1" strike="noStrike">
-              <a:solidFill>
-                <a:srgbClr val="191b0e"/>
-              </a:solidFill>
-              <a:latin typeface="Franklin Gothic Book"/>
-            </a:endParaRPr>
-          </a:p>
-        </p:txBody>
-      </p:sp>
-      <p:sp>
-        <p:nvSpPr>
-          <p:cNvPr id="37" name="PlaceHolder 5"/>
+            <a:endParaRPr b="0" lang="en-US" sz="3200" spc="-1" strike="noStrike">
+              <a:latin typeface="Arial"/>
+            </a:endParaRPr>
+          </a:p>
+        </p:txBody>
+      </p:sp>
+      <p:sp>
+        <p:nvSpPr>
+          <p:cNvPr id="34" name="PlaceHolder 5"/>
           <p:cNvSpPr>
             <a:spLocks noGrp="1"/>
           </p:cNvSpPr>
@@ -336,11 +322,8 @@
             <a:normAutofit/>
           </a:bodyPr>
           <a:p>
-            <a:endParaRPr b="0" lang="en-US" sz="2000" spc="-1" strike="noStrike">
-              <a:solidFill>
-                <a:srgbClr val="191b0e"/>
-              </a:solidFill>
-              <a:latin typeface="Franklin Gothic Book"/>
+            <a:endParaRPr b="0" lang="en-US" sz="3200" spc="-1" strike="noStrike">
+              <a:latin typeface="Arial"/>
             </a:endParaRPr>
           </a:p>
         </p:txBody>
@@ -369,7 +352,7 @@
       </p:grpSpPr>
       <p:sp>
         <p:nvSpPr>
-          <p:cNvPr id="38" name="PlaceHolder 1"/>
+          <p:cNvPr id="35" name="PlaceHolder 1"/>
           <p:cNvSpPr>
             <a:spLocks noGrp="1"/>
           </p:cNvSpPr>
@@ -379,8 +362,8 @@
         </p:nvSpPr>
         <p:spPr>
           <a:xfrm>
-            <a:off x="1371600" y="685800"/>
-            <a:ext cx="9600840" cy="1485720"/>
+            <a:off x="609480" y="273600"/>
+            <a:ext cx="10972440" cy="1144800"/>
           </a:xfrm>
           <a:prstGeom prst="rect">
             <a:avLst/>
@@ -391,18 +374,16 @@
             <a:noAutofit/>
           </a:bodyPr>
           <a:p>
-            <a:endParaRPr b="0" lang="en-US" sz="1800" spc="-1" strike="noStrike">
-              <a:solidFill>
-                <a:srgbClr val="000000"/>
-              </a:solidFill>
-              <a:latin typeface="Franklin Gothic Book"/>
-            </a:endParaRPr>
-          </a:p>
-        </p:txBody>
-      </p:sp>
-      <p:sp>
-        <p:nvSpPr>
-          <p:cNvPr id="39" name="PlaceHolder 2"/>
+            <a:pPr algn="ctr"/>
+            <a:endParaRPr b="0" lang="en-US" sz="4400" spc="-1" strike="noStrike">
+              <a:latin typeface="Arial"/>
+            </a:endParaRPr>
+          </a:p>
+        </p:txBody>
+      </p:sp>
+      <p:sp>
+        <p:nvSpPr>
+          <p:cNvPr id="36" name="PlaceHolder 2"/>
           <p:cNvSpPr>
             <a:spLocks noGrp="1"/>
           </p:cNvSpPr>
@@ -424,18 +405,15 @@
             <a:normAutofit/>
           </a:bodyPr>
           <a:p>
-            <a:endParaRPr b="0" lang="en-US" sz="2000" spc="-1" strike="noStrike">
-              <a:solidFill>
-                <a:srgbClr val="191b0e"/>
-              </a:solidFill>
-              <a:latin typeface="Franklin Gothic Book"/>
-            </a:endParaRPr>
-          </a:p>
-        </p:txBody>
-      </p:sp>
-      <p:sp>
-        <p:nvSpPr>
-          <p:cNvPr id="40" name="PlaceHolder 3"/>
+            <a:endParaRPr b="0" lang="en-US" sz="3200" spc="-1" strike="noStrike">
+              <a:latin typeface="Arial"/>
+            </a:endParaRPr>
+          </a:p>
+        </p:txBody>
+      </p:sp>
+      <p:sp>
+        <p:nvSpPr>
+          <p:cNvPr id="37" name="PlaceHolder 3"/>
           <p:cNvSpPr>
             <a:spLocks noGrp="1"/>
           </p:cNvSpPr>
@@ -457,18 +435,15 @@
             <a:normAutofit/>
           </a:bodyPr>
           <a:p>
-            <a:endParaRPr b="0" lang="en-US" sz="2000" spc="-1" strike="noStrike">
-              <a:solidFill>
-                <a:srgbClr val="191b0e"/>
-              </a:solidFill>
-              <a:latin typeface="Franklin Gothic Book"/>
-            </a:endParaRPr>
-          </a:p>
-        </p:txBody>
-      </p:sp>
-      <p:sp>
-        <p:nvSpPr>
-          <p:cNvPr id="41" name="PlaceHolder 4"/>
+            <a:endParaRPr b="0" lang="en-US" sz="3200" spc="-1" strike="noStrike">
+              <a:latin typeface="Arial"/>
+            </a:endParaRPr>
+          </a:p>
+        </p:txBody>
+      </p:sp>
+      <p:sp>
+        <p:nvSpPr>
+          <p:cNvPr id="38" name="PlaceHolder 4"/>
           <p:cNvSpPr>
             <a:spLocks noGrp="1"/>
           </p:cNvSpPr>
@@ -490,18 +465,15 @@
             <a:normAutofit/>
           </a:bodyPr>
           <a:p>
-            <a:endParaRPr b="0" lang="en-US" sz="2000" spc="-1" strike="noStrike">
-              <a:solidFill>
-                <a:srgbClr val="191b0e"/>
-              </a:solidFill>
-              <a:latin typeface="Franklin Gothic Book"/>
-            </a:endParaRPr>
-          </a:p>
-        </p:txBody>
-      </p:sp>
-      <p:sp>
-        <p:nvSpPr>
-          <p:cNvPr id="42" name="PlaceHolder 5"/>
+            <a:endParaRPr b="0" lang="en-US" sz="3200" spc="-1" strike="noStrike">
+              <a:latin typeface="Arial"/>
+            </a:endParaRPr>
+          </a:p>
+        </p:txBody>
+      </p:sp>
+      <p:sp>
+        <p:nvSpPr>
+          <p:cNvPr id="39" name="PlaceHolder 5"/>
           <p:cNvSpPr>
             <a:spLocks noGrp="1"/>
           </p:cNvSpPr>
@@ -523,18 +495,15 @@
             <a:normAutofit/>
           </a:bodyPr>
           <a:p>
-            <a:endParaRPr b="0" lang="en-US" sz="2000" spc="-1" strike="noStrike">
-              <a:solidFill>
-                <a:srgbClr val="191b0e"/>
-              </a:solidFill>
-              <a:latin typeface="Franklin Gothic Book"/>
-            </a:endParaRPr>
-          </a:p>
-        </p:txBody>
-      </p:sp>
-      <p:sp>
-        <p:nvSpPr>
-          <p:cNvPr id="43" name="PlaceHolder 6"/>
+            <a:endParaRPr b="0" lang="en-US" sz="3200" spc="-1" strike="noStrike">
+              <a:latin typeface="Arial"/>
+            </a:endParaRPr>
+          </a:p>
+        </p:txBody>
+      </p:sp>
+      <p:sp>
+        <p:nvSpPr>
+          <p:cNvPr id="40" name="PlaceHolder 6"/>
           <p:cNvSpPr>
             <a:spLocks noGrp="1"/>
           </p:cNvSpPr>
@@ -556,18 +525,15 @@
             <a:normAutofit/>
           </a:bodyPr>
           <a:p>
-            <a:endParaRPr b="0" lang="en-US" sz="2000" spc="-1" strike="noStrike">
-              <a:solidFill>
-                <a:srgbClr val="191b0e"/>
-              </a:solidFill>
-              <a:latin typeface="Franklin Gothic Book"/>
-            </a:endParaRPr>
-          </a:p>
-        </p:txBody>
-      </p:sp>
-      <p:sp>
-        <p:nvSpPr>
-          <p:cNvPr id="44" name="PlaceHolder 7"/>
+            <a:endParaRPr b="0" lang="en-US" sz="3200" spc="-1" strike="noStrike">
+              <a:latin typeface="Arial"/>
+            </a:endParaRPr>
+          </a:p>
+        </p:txBody>
+      </p:sp>
+      <p:sp>
+        <p:nvSpPr>
+          <p:cNvPr id="41" name="PlaceHolder 7"/>
           <p:cNvSpPr>
             <a:spLocks noGrp="1"/>
           </p:cNvSpPr>
@@ -589,11 +555,8 @@
             <a:normAutofit/>
           </a:bodyPr>
           <a:p>
-            <a:endParaRPr b="0" lang="en-US" sz="2000" spc="-1" strike="noStrike">
-              <a:solidFill>
-                <a:srgbClr val="191b0e"/>
-              </a:solidFill>
-              <a:latin typeface="Franklin Gothic Book"/>
+            <a:endParaRPr b="0" lang="en-US" sz="3200" spc="-1" strike="noStrike">
+              <a:latin typeface="Arial"/>
             </a:endParaRPr>
           </a:p>
         </p:txBody>
@@ -644,7 +607,7 @@
       </p:grpSpPr>
       <p:sp>
         <p:nvSpPr>
-          <p:cNvPr id="51" name="PlaceHolder 1"/>
+          <p:cNvPr id="45" name="PlaceHolder 1"/>
           <p:cNvSpPr>
             <a:spLocks noGrp="1"/>
           </p:cNvSpPr>
@@ -654,8 +617,8 @@
         </p:nvSpPr>
         <p:spPr>
           <a:xfrm>
-            <a:off x="1371600" y="685800"/>
-            <a:ext cx="9600840" cy="1485720"/>
+            <a:off x="609480" y="273600"/>
+            <a:ext cx="10972440" cy="1144800"/>
           </a:xfrm>
           <a:prstGeom prst="rect">
             <a:avLst/>
@@ -666,18 +629,16 @@
             <a:noAutofit/>
           </a:bodyPr>
           <a:p>
-            <a:endParaRPr b="0" lang="en-US" sz="1800" spc="-1" strike="noStrike">
-              <a:solidFill>
-                <a:srgbClr val="000000"/>
-              </a:solidFill>
-              <a:latin typeface="Franklin Gothic Book"/>
-            </a:endParaRPr>
-          </a:p>
-        </p:txBody>
-      </p:sp>
-      <p:sp>
-        <p:nvSpPr>
-          <p:cNvPr id="52" name="PlaceHolder 2"/>
+            <a:pPr algn="ctr"/>
+            <a:endParaRPr b="0" lang="en-US" sz="4400" spc="-1" strike="noStrike">
+              <a:latin typeface="Arial"/>
+            </a:endParaRPr>
+          </a:p>
+        </p:txBody>
+      </p:sp>
+      <p:sp>
+        <p:nvSpPr>
+          <p:cNvPr id="46" name="PlaceHolder 2"/>
           <p:cNvSpPr>
             <a:spLocks noGrp="1"/>
           </p:cNvSpPr>
@@ -730,7 +691,7 @@
       </p:grpSpPr>
       <p:sp>
         <p:nvSpPr>
-          <p:cNvPr id="53" name="PlaceHolder 1"/>
+          <p:cNvPr id="47" name="PlaceHolder 1"/>
           <p:cNvSpPr>
             <a:spLocks noGrp="1"/>
           </p:cNvSpPr>
@@ -740,8 +701,8 @@
         </p:nvSpPr>
         <p:spPr>
           <a:xfrm>
-            <a:off x="1371600" y="685800"/>
-            <a:ext cx="9600840" cy="1485720"/>
+            <a:off x="609480" y="273600"/>
+            <a:ext cx="10972440" cy="1144800"/>
           </a:xfrm>
           <a:prstGeom prst="rect">
             <a:avLst/>
@@ -752,18 +713,16 @@
             <a:noAutofit/>
           </a:bodyPr>
           <a:p>
-            <a:endParaRPr b="0" lang="en-US" sz="1800" spc="-1" strike="noStrike">
-              <a:solidFill>
-                <a:srgbClr val="000000"/>
-              </a:solidFill>
-              <a:latin typeface="Franklin Gothic Book"/>
-            </a:endParaRPr>
-          </a:p>
-        </p:txBody>
-      </p:sp>
-      <p:sp>
-        <p:nvSpPr>
-          <p:cNvPr id="54" name="PlaceHolder 2"/>
+            <a:pPr algn="ctr"/>
+            <a:endParaRPr b="0" lang="en-US" sz="4400" spc="-1" strike="noStrike">
+              <a:latin typeface="Arial"/>
+            </a:endParaRPr>
+          </a:p>
+        </p:txBody>
+      </p:sp>
+      <p:sp>
+        <p:nvSpPr>
+          <p:cNvPr id="48" name="PlaceHolder 2"/>
           <p:cNvSpPr>
             <a:spLocks noGrp="1"/>
           </p:cNvSpPr>
@@ -785,11 +744,8 @@
             <a:normAutofit/>
           </a:bodyPr>
           <a:p>
-            <a:endParaRPr b="0" lang="en-US" sz="2000" spc="-1" strike="noStrike">
-              <a:solidFill>
-                <a:srgbClr val="191b0e"/>
-              </a:solidFill>
-              <a:latin typeface="Franklin Gothic Book"/>
+            <a:endParaRPr b="0" lang="en-US" sz="3200" spc="-1" strike="noStrike">
+              <a:latin typeface="Arial"/>
             </a:endParaRPr>
           </a:p>
         </p:txBody>
@@ -818,7 +774,7 @@
       </p:grpSpPr>
       <p:sp>
         <p:nvSpPr>
-          <p:cNvPr id="55" name="PlaceHolder 1"/>
+          <p:cNvPr id="49" name="PlaceHolder 1"/>
           <p:cNvSpPr>
             <a:spLocks noGrp="1"/>
           </p:cNvSpPr>
@@ -828,8 +784,8 @@
         </p:nvSpPr>
         <p:spPr>
           <a:xfrm>
-            <a:off x="1371600" y="685800"/>
-            <a:ext cx="9600840" cy="1485720"/>
+            <a:off x="609480" y="273600"/>
+            <a:ext cx="10972440" cy="1144800"/>
           </a:xfrm>
           <a:prstGeom prst="rect">
             <a:avLst/>
@@ -840,18 +796,16 @@
             <a:noAutofit/>
           </a:bodyPr>
           <a:p>
-            <a:endParaRPr b="0" lang="en-US" sz="1800" spc="-1" strike="noStrike">
-              <a:solidFill>
-                <a:srgbClr val="000000"/>
-              </a:solidFill>
-              <a:latin typeface="Franklin Gothic Book"/>
-            </a:endParaRPr>
-          </a:p>
-        </p:txBody>
-      </p:sp>
-      <p:sp>
-        <p:nvSpPr>
-          <p:cNvPr id="56" name="PlaceHolder 2"/>
+            <a:pPr algn="ctr"/>
+            <a:endParaRPr b="0" lang="en-US" sz="4400" spc="-1" strike="noStrike">
+              <a:latin typeface="Arial"/>
+            </a:endParaRPr>
+          </a:p>
+        </p:txBody>
+      </p:sp>
+      <p:sp>
+        <p:nvSpPr>
+          <p:cNvPr id="50" name="PlaceHolder 2"/>
           <p:cNvSpPr>
             <a:spLocks noGrp="1"/>
           </p:cNvSpPr>
@@ -873,18 +827,15 @@
             <a:normAutofit/>
           </a:bodyPr>
           <a:p>
-            <a:endParaRPr b="0" lang="en-US" sz="2000" spc="-1" strike="noStrike">
-              <a:solidFill>
-                <a:srgbClr val="191b0e"/>
-              </a:solidFill>
-              <a:latin typeface="Franklin Gothic Book"/>
-            </a:endParaRPr>
-          </a:p>
-        </p:txBody>
-      </p:sp>
-      <p:sp>
-        <p:nvSpPr>
-          <p:cNvPr id="57" name="PlaceHolder 3"/>
+            <a:endParaRPr b="0" lang="en-US" sz="3200" spc="-1" strike="noStrike">
+              <a:latin typeface="Arial"/>
+            </a:endParaRPr>
+          </a:p>
+        </p:txBody>
+      </p:sp>
+      <p:sp>
+        <p:nvSpPr>
+          <p:cNvPr id="51" name="PlaceHolder 3"/>
           <p:cNvSpPr>
             <a:spLocks noGrp="1"/>
           </p:cNvSpPr>
@@ -906,11 +857,8 @@
             <a:normAutofit/>
           </a:bodyPr>
           <a:p>
-            <a:endParaRPr b="0" lang="en-US" sz="2000" spc="-1" strike="noStrike">
-              <a:solidFill>
-                <a:srgbClr val="191b0e"/>
-              </a:solidFill>
-              <a:latin typeface="Franklin Gothic Book"/>
+            <a:endParaRPr b="0" lang="en-US" sz="3200" spc="-1" strike="noStrike">
+              <a:latin typeface="Arial"/>
             </a:endParaRPr>
           </a:p>
         </p:txBody>
@@ -939,7 +887,7 @@
       </p:grpSpPr>
       <p:sp>
         <p:nvSpPr>
-          <p:cNvPr id="58" name="PlaceHolder 1"/>
+          <p:cNvPr id="52" name="PlaceHolder 1"/>
           <p:cNvSpPr>
             <a:spLocks noGrp="1"/>
           </p:cNvSpPr>
@@ -949,8 +897,8 @@
         </p:nvSpPr>
         <p:spPr>
           <a:xfrm>
-            <a:off x="1371600" y="685800"/>
-            <a:ext cx="9600840" cy="1485720"/>
+            <a:off x="609480" y="273600"/>
+            <a:ext cx="10972440" cy="1144800"/>
           </a:xfrm>
           <a:prstGeom prst="rect">
             <a:avLst/>
@@ -961,11 +909,9 @@
             <a:noAutofit/>
           </a:bodyPr>
           <a:p>
-            <a:endParaRPr b="0" lang="en-US" sz="1800" spc="-1" strike="noStrike">
-              <a:solidFill>
-                <a:srgbClr val="000000"/>
-              </a:solidFill>
-              <a:latin typeface="Franklin Gothic Book"/>
+            <a:pPr algn="ctr"/>
+            <a:endParaRPr b="0" lang="en-US" sz="4400" spc="-1" strike="noStrike">
+              <a:latin typeface="Arial"/>
             </a:endParaRPr>
           </a:p>
         </p:txBody>
@@ -994,7 +940,7 @@
       </p:grpSpPr>
       <p:sp>
         <p:nvSpPr>
-          <p:cNvPr id="59" name="PlaceHolder 1"/>
+          <p:cNvPr id="53" name="PlaceHolder 1"/>
           <p:cNvSpPr>
             <a:spLocks noGrp="1"/>
           </p:cNvSpPr>
@@ -1004,8 +950,8 @@
         </p:nvSpPr>
         <p:spPr>
           <a:xfrm>
-            <a:off x="1371600" y="685800"/>
-            <a:ext cx="9600840" cy="6888240"/>
+            <a:off x="609480" y="273600"/>
+            <a:ext cx="10972440" cy="5307840"/>
           </a:xfrm>
           <a:prstGeom prst="rect">
             <a:avLst/>
@@ -1047,7 +993,7 @@
       </p:grpSpPr>
       <p:sp>
         <p:nvSpPr>
-          <p:cNvPr id="60" name="PlaceHolder 1"/>
+          <p:cNvPr id="54" name="PlaceHolder 1"/>
           <p:cNvSpPr>
             <a:spLocks noGrp="1"/>
           </p:cNvSpPr>
@@ -1057,8 +1003,8 @@
         </p:nvSpPr>
         <p:spPr>
           <a:xfrm>
-            <a:off x="1371600" y="685800"/>
-            <a:ext cx="9600840" cy="1485720"/>
+            <a:off x="609480" y="273600"/>
+            <a:ext cx="10972440" cy="1144800"/>
           </a:xfrm>
           <a:prstGeom prst="rect">
             <a:avLst/>
@@ -1069,18 +1015,16 @@
             <a:noAutofit/>
           </a:bodyPr>
           <a:p>
-            <a:endParaRPr b="0" lang="en-US" sz="1800" spc="-1" strike="noStrike">
-              <a:solidFill>
-                <a:srgbClr val="000000"/>
-              </a:solidFill>
-              <a:latin typeface="Franklin Gothic Book"/>
-            </a:endParaRPr>
-          </a:p>
-        </p:txBody>
-      </p:sp>
-      <p:sp>
-        <p:nvSpPr>
-          <p:cNvPr id="61" name="PlaceHolder 2"/>
+            <a:pPr algn="ctr"/>
+            <a:endParaRPr b="0" lang="en-US" sz="4400" spc="-1" strike="noStrike">
+              <a:latin typeface="Arial"/>
+            </a:endParaRPr>
+          </a:p>
+        </p:txBody>
+      </p:sp>
+      <p:sp>
+        <p:nvSpPr>
+          <p:cNvPr id="55" name="PlaceHolder 2"/>
           <p:cNvSpPr>
             <a:spLocks noGrp="1"/>
           </p:cNvSpPr>
@@ -1102,18 +1046,15 @@
             <a:normAutofit/>
           </a:bodyPr>
           <a:p>
-            <a:endParaRPr b="0" lang="en-US" sz="2000" spc="-1" strike="noStrike">
-              <a:solidFill>
-                <a:srgbClr val="191b0e"/>
-              </a:solidFill>
-              <a:latin typeface="Franklin Gothic Book"/>
-            </a:endParaRPr>
-          </a:p>
-        </p:txBody>
-      </p:sp>
-      <p:sp>
-        <p:nvSpPr>
-          <p:cNvPr id="62" name="PlaceHolder 3"/>
+            <a:endParaRPr b="0" lang="en-US" sz="3200" spc="-1" strike="noStrike">
+              <a:latin typeface="Arial"/>
+            </a:endParaRPr>
+          </a:p>
+        </p:txBody>
+      </p:sp>
+      <p:sp>
+        <p:nvSpPr>
+          <p:cNvPr id="56" name="PlaceHolder 3"/>
           <p:cNvSpPr>
             <a:spLocks noGrp="1"/>
           </p:cNvSpPr>
@@ -1135,18 +1076,15 @@
             <a:normAutofit/>
           </a:bodyPr>
           <a:p>
-            <a:endParaRPr b="0" lang="en-US" sz="2000" spc="-1" strike="noStrike">
-              <a:solidFill>
-                <a:srgbClr val="191b0e"/>
-              </a:solidFill>
-              <a:latin typeface="Franklin Gothic Book"/>
-            </a:endParaRPr>
-          </a:p>
-        </p:txBody>
-      </p:sp>
-      <p:sp>
-        <p:nvSpPr>
-          <p:cNvPr id="63" name="PlaceHolder 4"/>
+            <a:endParaRPr b="0" lang="en-US" sz="3200" spc="-1" strike="noStrike">
+              <a:latin typeface="Arial"/>
+            </a:endParaRPr>
+          </a:p>
+        </p:txBody>
+      </p:sp>
+      <p:sp>
+        <p:nvSpPr>
+          <p:cNvPr id="57" name="PlaceHolder 4"/>
           <p:cNvSpPr>
             <a:spLocks noGrp="1"/>
           </p:cNvSpPr>
@@ -1168,11 +1106,8 @@
             <a:normAutofit/>
           </a:bodyPr>
           <a:p>
-            <a:endParaRPr b="0" lang="en-US" sz="2000" spc="-1" strike="noStrike">
-              <a:solidFill>
-                <a:srgbClr val="191b0e"/>
-              </a:solidFill>
-              <a:latin typeface="Franklin Gothic Book"/>
+            <a:endParaRPr b="0" lang="en-US" sz="3200" spc="-1" strike="noStrike">
+              <a:latin typeface="Arial"/>
             </a:endParaRPr>
           </a:p>
         </p:txBody>
@@ -1201,7 +1136,7 @@
       </p:grpSpPr>
       <p:sp>
         <p:nvSpPr>
-          <p:cNvPr id="9" name="PlaceHolder 1"/>
+          <p:cNvPr id="6" name="PlaceHolder 1"/>
           <p:cNvSpPr>
             <a:spLocks noGrp="1"/>
           </p:cNvSpPr>
@@ -1211,8 +1146,8 @@
         </p:nvSpPr>
         <p:spPr>
           <a:xfrm>
-            <a:off x="1371600" y="685800"/>
-            <a:ext cx="9600840" cy="1485720"/>
+            <a:off x="609480" y="273600"/>
+            <a:ext cx="10972440" cy="1144800"/>
           </a:xfrm>
           <a:prstGeom prst="rect">
             <a:avLst/>
@@ -1223,18 +1158,16 @@
             <a:noAutofit/>
           </a:bodyPr>
           <a:p>
-            <a:endParaRPr b="0" lang="en-US" sz="1800" spc="-1" strike="noStrike">
-              <a:solidFill>
-                <a:srgbClr val="000000"/>
-              </a:solidFill>
-              <a:latin typeface="Franklin Gothic Book"/>
-            </a:endParaRPr>
-          </a:p>
-        </p:txBody>
-      </p:sp>
-      <p:sp>
-        <p:nvSpPr>
-          <p:cNvPr id="10" name="PlaceHolder 2"/>
+            <a:pPr algn="ctr"/>
+            <a:endParaRPr b="0" lang="en-US" sz="4400" spc="-1" strike="noStrike">
+              <a:latin typeface="Arial"/>
+            </a:endParaRPr>
+          </a:p>
+        </p:txBody>
+      </p:sp>
+      <p:sp>
+        <p:nvSpPr>
+          <p:cNvPr id="7" name="PlaceHolder 2"/>
           <p:cNvSpPr>
             <a:spLocks noGrp="1"/>
           </p:cNvSpPr>
@@ -1287,7 +1220,7 @@
       </p:grpSpPr>
       <p:sp>
         <p:nvSpPr>
-          <p:cNvPr id="64" name="PlaceHolder 1"/>
+          <p:cNvPr id="58" name="PlaceHolder 1"/>
           <p:cNvSpPr>
             <a:spLocks noGrp="1"/>
           </p:cNvSpPr>
@@ -1297,8 +1230,8 @@
         </p:nvSpPr>
         <p:spPr>
           <a:xfrm>
-            <a:off x="1371600" y="685800"/>
-            <a:ext cx="9600840" cy="1485720"/>
+            <a:off x="609480" y="273600"/>
+            <a:ext cx="10972440" cy="1144800"/>
           </a:xfrm>
           <a:prstGeom prst="rect">
             <a:avLst/>
@@ -1309,18 +1242,16 @@
             <a:noAutofit/>
           </a:bodyPr>
           <a:p>
-            <a:endParaRPr b="0" lang="en-US" sz="1800" spc="-1" strike="noStrike">
-              <a:solidFill>
-                <a:srgbClr val="000000"/>
-              </a:solidFill>
-              <a:latin typeface="Franklin Gothic Book"/>
-            </a:endParaRPr>
-          </a:p>
-        </p:txBody>
-      </p:sp>
-      <p:sp>
-        <p:nvSpPr>
-          <p:cNvPr id="65" name="PlaceHolder 2"/>
+            <a:pPr algn="ctr"/>
+            <a:endParaRPr b="0" lang="en-US" sz="4400" spc="-1" strike="noStrike">
+              <a:latin typeface="Arial"/>
+            </a:endParaRPr>
+          </a:p>
+        </p:txBody>
+      </p:sp>
+      <p:sp>
+        <p:nvSpPr>
+          <p:cNvPr id="59" name="PlaceHolder 2"/>
           <p:cNvSpPr>
             <a:spLocks noGrp="1"/>
           </p:cNvSpPr>
@@ -1342,18 +1273,15 @@
             <a:normAutofit/>
           </a:bodyPr>
           <a:p>
-            <a:endParaRPr b="0" lang="en-US" sz="2000" spc="-1" strike="noStrike">
-              <a:solidFill>
-                <a:srgbClr val="191b0e"/>
-              </a:solidFill>
-              <a:latin typeface="Franklin Gothic Book"/>
-            </a:endParaRPr>
-          </a:p>
-        </p:txBody>
-      </p:sp>
-      <p:sp>
-        <p:nvSpPr>
-          <p:cNvPr id="66" name="PlaceHolder 3"/>
+            <a:endParaRPr b="0" lang="en-US" sz="3200" spc="-1" strike="noStrike">
+              <a:latin typeface="Arial"/>
+            </a:endParaRPr>
+          </a:p>
+        </p:txBody>
+      </p:sp>
+      <p:sp>
+        <p:nvSpPr>
+          <p:cNvPr id="60" name="PlaceHolder 3"/>
           <p:cNvSpPr>
             <a:spLocks noGrp="1"/>
           </p:cNvSpPr>
@@ -1375,18 +1303,15 @@
             <a:normAutofit/>
           </a:bodyPr>
           <a:p>
-            <a:endParaRPr b="0" lang="en-US" sz="2000" spc="-1" strike="noStrike">
-              <a:solidFill>
-                <a:srgbClr val="191b0e"/>
-              </a:solidFill>
-              <a:latin typeface="Franklin Gothic Book"/>
-            </a:endParaRPr>
-          </a:p>
-        </p:txBody>
-      </p:sp>
-      <p:sp>
-        <p:nvSpPr>
-          <p:cNvPr id="67" name="PlaceHolder 4"/>
+            <a:endParaRPr b="0" lang="en-US" sz="3200" spc="-1" strike="noStrike">
+              <a:latin typeface="Arial"/>
+            </a:endParaRPr>
+          </a:p>
+        </p:txBody>
+      </p:sp>
+      <p:sp>
+        <p:nvSpPr>
+          <p:cNvPr id="61" name="PlaceHolder 4"/>
           <p:cNvSpPr>
             <a:spLocks noGrp="1"/>
           </p:cNvSpPr>
@@ -1408,11 +1333,8 @@
             <a:normAutofit/>
           </a:bodyPr>
           <a:p>
-            <a:endParaRPr b="0" lang="en-US" sz="2000" spc="-1" strike="noStrike">
-              <a:solidFill>
-                <a:srgbClr val="191b0e"/>
-              </a:solidFill>
-              <a:latin typeface="Franklin Gothic Book"/>
+            <a:endParaRPr b="0" lang="en-US" sz="3200" spc="-1" strike="noStrike">
+              <a:latin typeface="Arial"/>
             </a:endParaRPr>
           </a:p>
         </p:txBody>
@@ -1441,7 +1363,7 @@
       </p:grpSpPr>
       <p:sp>
         <p:nvSpPr>
-          <p:cNvPr id="68" name="PlaceHolder 1"/>
+          <p:cNvPr id="62" name="PlaceHolder 1"/>
           <p:cNvSpPr>
             <a:spLocks noGrp="1"/>
           </p:cNvSpPr>
@@ -1451,8 +1373,8 @@
         </p:nvSpPr>
         <p:spPr>
           <a:xfrm>
-            <a:off x="1371600" y="685800"/>
-            <a:ext cx="9600840" cy="1485720"/>
+            <a:off x="609480" y="273600"/>
+            <a:ext cx="10972440" cy="1144800"/>
           </a:xfrm>
           <a:prstGeom prst="rect">
             <a:avLst/>
@@ -1463,18 +1385,16 @@
             <a:noAutofit/>
           </a:bodyPr>
           <a:p>
-            <a:endParaRPr b="0" lang="en-US" sz="1800" spc="-1" strike="noStrike">
-              <a:solidFill>
-                <a:srgbClr val="000000"/>
-              </a:solidFill>
-              <a:latin typeface="Franklin Gothic Book"/>
-            </a:endParaRPr>
-          </a:p>
-        </p:txBody>
-      </p:sp>
-      <p:sp>
-        <p:nvSpPr>
-          <p:cNvPr id="69" name="PlaceHolder 2"/>
+            <a:pPr algn="ctr"/>
+            <a:endParaRPr b="0" lang="en-US" sz="4400" spc="-1" strike="noStrike">
+              <a:latin typeface="Arial"/>
+            </a:endParaRPr>
+          </a:p>
+        </p:txBody>
+      </p:sp>
+      <p:sp>
+        <p:nvSpPr>
+          <p:cNvPr id="63" name="PlaceHolder 2"/>
           <p:cNvSpPr>
             <a:spLocks noGrp="1"/>
           </p:cNvSpPr>
@@ -1496,18 +1416,15 @@
             <a:normAutofit/>
           </a:bodyPr>
           <a:p>
-            <a:endParaRPr b="0" lang="en-US" sz="2000" spc="-1" strike="noStrike">
-              <a:solidFill>
-                <a:srgbClr val="191b0e"/>
-              </a:solidFill>
-              <a:latin typeface="Franklin Gothic Book"/>
-            </a:endParaRPr>
-          </a:p>
-        </p:txBody>
-      </p:sp>
-      <p:sp>
-        <p:nvSpPr>
-          <p:cNvPr id="70" name="PlaceHolder 3"/>
+            <a:endParaRPr b="0" lang="en-US" sz="3200" spc="-1" strike="noStrike">
+              <a:latin typeface="Arial"/>
+            </a:endParaRPr>
+          </a:p>
+        </p:txBody>
+      </p:sp>
+      <p:sp>
+        <p:nvSpPr>
+          <p:cNvPr id="64" name="PlaceHolder 3"/>
           <p:cNvSpPr>
             <a:spLocks noGrp="1"/>
           </p:cNvSpPr>
@@ -1529,18 +1446,15 @@
             <a:normAutofit/>
           </a:bodyPr>
           <a:p>
-            <a:endParaRPr b="0" lang="en-US" sz="2000" spc="-1" strike="noStrike">
-              <a:solidFill>
-                <a:srgbClr val="191b0e"/>
-              </a:solidFill>
-              <a:latin typeface="Franklin Gothic Book"/>
-            </a:endParaRPr>
-          </a:p>
-        </p:txBody>
-      </p:sp>
-      <p:sp>
-        <p:nvSpPr>
-          <p:cNvPr id="71" name="PlaceHolder 4"/>
+            <a:endParaRPr b="0" lang="en-US" sz="3200" spc="-1" strike="noStrike">
+              <a:latin typeface="Arial"/>
+            </a:endParaRPr>
+          </a:p>
+        </p:txBody>
+      </p:sp>
+      <p:sp>
+        <p:nvSpPr>
+          <p:cNvPr id="65" name="PlaceHolder 4"/>
           <p:cNvSpPr>
             <a:spLocks noGrp="1"/>
           </p:cNvSpPr>
@@ -1562,11 +1476,8 @@
             <a:normAutofit/>
           </a:bodyPr>
           <a:p>
-            <a:endParaRPr b="0" lang="en-US" sz="2000" spc="-1" strike="noStrike">
-              <a:solidFill>
-                <a:srgbClr val="191b0e"/>
-              </a:solidFill>
-              <a:latin typeface="Franklin Gothic Book"/>
+            <a:endParaRPr b="0" lang="en-US" sz="3200" spc="-1" strike="noStrike">
+              <a:latin typeface="Arial"/>
             </a:endParaRPr>
           </a:p>
         </p:txBody>
@@ -1595,7 +1506,7 @@
       </p:grpSpPr>
       <p:sp>
         <p:nvSpPr>
-          <p:cNvPr id="72" name="PlaceHolder 1"/>
+          <p:cNvPr id="66" name="PlaceHolder 1"/>
           <p:cNvSpPr>
             <a:spLocks noGrp="1"/>
           </p:cNvSpPr>
@@ -1605,8 +1516,8 @@
         </p:nvSpPr>
         <p:spPr>
           <a:xfrm>
-            <a:off x="1371600" y="685800"/>
-            <a:ext cx="9600840" cy="1485720"/>
+            <a:off x="609480" y="273600"/>
+            <a:ext cx="10972440" cy="1144800"/>
           </a:xfrm>
           <a:prstGeom prst="rect">
             <a:avLst/>
@@ -1617,18 +1528,16 @@
             <a:noAutofit/>
           </a:bodyPr>
           <a:p>
-            <a:endParaRPr b="0" lang="en-US" sz="1800" spc="-1" strike="noStrike">
-              <a:solidFill>
-                <a:srgbClr val="000000"/>
-              </a:solidFill>
-              <a:latin typeface="Franklin Gothic Book"/>
-            </a:endParaRPr>
-          </a:p>
-        </p:txBody>
-      </p:sp>
-      <p:sp>
-        <p:nvSpPr>
-          <p:cNvPr id="73" name="PlaceHolder 2"/>
+            <a:pPr algn="ctr"/>
+            <a:endParaRPr b="0" lang="en-US" sz="4400" spc="-1" strike="noStrike">
+              <a:latin typeface="Arial"/>
+            </a:endParaRPr>
+          </a:p>
+        </p:txBody>
+      </p:sp>
+      <p:sp>
+        <p:nvSpPr>
+          <p:cNvPr id="67" name="PlaceHolder 2"/>
           <p:cNvSpPr>
             <a:spLocks noGrp="1"/>
           </p:cNvSpPr>
@@ -1650,18 +1559,15 @@
             <a:normAutofit/>
           </a:bodyPr>
           <a:p>
-            <a:endParaRPr b="0" lang="en-US" sz="2000" spc="-1" strike="noStrike">
-              <a:solidFill>
-                <a:srgbClr val="191b0e"/>
-              </a:solidFill>
-              <a:latin typeface="Franklin Gothic Book"/>
-            </a:endParaRPr>
-          </a:p>
-        </p:txBody>
-      </p:sp>
-      <p:sp>
-        <p:nvSpPr>
-          <p:cNvPr id="74" name="PlaceHolder 3"/>
+            <a:endParaRPr b="0" lang="en-US" sz="3200" spc="-1" strike="noStrike">
+              <a:latin typeface="Arial"/>
+            </a:endParaRPr>
+          </a:p>
+        </p:txBody>
+      </p:sp>
+      <p:sp>
+        <p:nvSpPr>
+          <p:cNvPr id="68" name="PlaceHolder 3"/>
           <p:cNvSpPr>
             <a:spLocks noGrp="1"/>
           </p:cNvSpPr>
@@ -1683,11 +1589,8 @@
             <a:normAutofit/>
           </a:bodyPr>
           <a:p>
-            <a:endParaRPr b="0" lang="en-US" sz="2000" spc="-1" strike="noStrike">
-              <a:solidFill>
-                <a:srgbClr val="191b0e"/>
-              </a:solidFill>
-              <a:latin typeface="Franklin Gothic Book"/>
+            <a:endParaRPr b="0" lang="en-US" sz="3200" spc="-1" strike="noStrike">
+              <a:latin typeface="Arial"/>
             </a:endParaRPr>
           </a:p>
         </p:txBody>
@@ -1716,7 +1619,7 @@
       </p:grpSpPr>
       <p:sp>
         <p:nvSpPr>
-          <p:cNvPr id="75" name="PlaceHolder 1"/>
+          <p:cNvPr id="69" name="PlaceHolder 1"/>
           <p:cNvSpPr>
             <a:spLocks noGrp="1"/>
           </p:cNvSpPr>
@@ -1726,8 +1629,8 @@
         </p:nvSpPr>
         <p:spPr>
           <a:xfrm>
-            <a:off x="1371600" y="685800"/>
-            <a:ext cx="9600840" cy="1485720"/>
+            <a:off x="609480" y="273600"/>
+            <a:ext cx="10972440" cy="1144800"/>
           </a:xfrm>
           <a:prstGeom prst="rect">
             <a:avLst/>
@@ -1738,18 +1641,16 @@
             <a:noAutofit/>
           </a:bodyPr>
           <a:p>
-            <a:endParaRPr b="0" lang="en-US" sz="1800" spc="-1" strike="noStrike">
-              <a:solidFill>
-                <a:srgbClr val="000000"/>
-              </a:solidFill>
-              <a:latin typeface="Franklin Gothic Book"/>
-            </a:endParaRPr>
-          </a:p>
-        </p:txBody>
-      </p:sp>
-      <p:sp>
-        <p:nvSpPr>
-          <p:cNvPr id="76" name="PlaceHolder 2"/>
+            <a:pPr algn="ctr"/>
+            <a:endParaRPr b="0" lang="en-US" sz="4400" spc="-1" strike="noStrike">
+              <a:latin typeface="Arial"/>
+            </a:endParaRPr>
+          </a:p>
+        </p:txBody>
+      </p:sp>
+      <p:sp>
+        <p:nvSpPr>
+          <p:cNvPr id="70" name="PlaceHolder 2"/>
           <p:cNvSpPr>
             <a:spLocks noGrp="1"/>
           </p:cNvSpPr>
@@ -1771,18 +1672,15 @@
             <a:normAutofit/>
           </a:bodyPr>
           <a:p>
-            <a:endParaRPr b="0" lang="en-US" sz="2000" spc="-1" strike="noStrike">
-              <a:solidFill>
-                <a:srgbClr val="191b0e"/>
-              </a:solidFill>
-              <a:latin typeface="Franklin Gothic Book"/>
-            </a:endParaRPr>
-          </a:p>
-        </p:txBody>
-      </p:sp>
-      <p:sp>
-        <p:nvSpPr>
-          <p:cNvPr id="77" name="PlaceHolder 3"/>
+            <a:endParaRPr b="0" lang="en-US" sz="3200" spc="-1" strike="noStrike">
+              <a:latin typeface="Arial"/>
+            </a:endParaRPr>
+          </a:p>
+        </p:txBody>
+      </p:sp>
+      <p:sp>
+        <p:nvSpPr>
+          <p:cNvPr id="71" name="PlaceHolder 3"/>
           <p:cNvSpPr>
             <a:spLocks noGrp="1"/>
           </p:cNvSpPr>
@@ -1804,18 +1702,15 @@
             <a:normAutofit/>
           </a:bodyPr>
           <a:p>
-            <a:endParaRPr b="0" lang="en-US" sz="2000" spc="-1" strike="noStrike">
-              <a:solidFill>
-                <a:srgbClr val="191b0e"/>
-              </a:solidFill>
-              <a:latin typeface="Franklin Gothic Book"/>
-            </a:endParaRPr>
-          </a:p>
-        </p:txBody>
-      </p:sp>
-      <p:sp>
-        <p:nvSpPr>
-          <p:cNvPr id="78" name="PlaceHolder 4"/>
+            <a:endParaRPr b="0" lang="en-US" sz="3200" spc="-1" strike="noStrike">
+              <a:latin typeface="Arial"/>
+            </a:endParaRPr>
+          </a:p>
+        </p:txBody>
+      </p:sp>
+      <p:sp>
+        <p:nvSpPr>
+          <p:cNvPr id="72" name="PlaceHolder 4"/>
           <p:cNvSpPr>
             <a:spLocks noGrp="1"/>
           </p:cNvSpPr>
@@ -1837,18 +1732,15 @@
             <a:normAutofit/>
           </a:bodyPr>
           <a:p>
-            <a:endParaRPr b="0" lang="en-US" sz="2000" spc="-1" strike="noStrike">
-              <a:solidFill>
-                <a:srgbClr val="191b0e"/>
-              </a:solidFill>
-              <a:latin typeface="Franklin Gothic Book"/>
-            </a:endParaRPr>
-          </a:p>
-        </p:txBody>
-      </p:sp>
-      <p:sp>
-        <p:nvSpPr>
-          <p:cNvPr id="79" name="PlaceHolder 5"/>
+            <a:endParaRPr b="0" lang="en-US" sz="3200" spc="-1" strike="noStrike">
+              <a:latin typeface="Arial"/>
+            </a:endParaRPr>
+          </a:p>
+        </p:txBody>
+      </p:sp>
+      <p:sp>
+        <p:nvSpPr>
+          <p:cNvPr id="73" name="PlaceHolder 5"/>
           <p:cNvSpPr>
             <a:spLocks noGrp="1"/>
           </p:cNvSpPr>
@@ -1870,11 +1762,8 @@
             <a:normAutofit/>
           </a:bodyPr>
           <a:p>
-            <a:endParaRPr b="0" lang="en-US" sz="2000" spc="-1" strike="noStrike">
-              <a:solidFill>
-                <a:srgbClr val="191b0e"/>
-              </a:solidFill>
-              <a:latin typeface="Franklin Gothic Book"/>
+            <a:endParaRPr b="0" lang="en-US" sz="3200" spc="-1" strike="noStrike">
+              <a:latin typeface="Arial"/>
             </a:endParaRPr>
           </a:p>
         </p:txBody>
@@ -1903,7 +1792,7 @@
       </p:grpSpPr>
       <p:sp>
         <p:nvSpPr>
-          <p:cNvPr id="80" name="PlaceHolder 1"/>
+          <p:cNvPr id="74" name="PlaceHolder 1"/>
           <p:cNvSpPr>
             <a:spLocks noGrp="1"/>
           </p:cNvSpPr>
@@ -1913,8 +1802,8 @@
         </p:nvSpPr>
         <p:spPr>
           <a:xfrm>
-            <a:off x="1371600" y="685800"/>
-            <a:ext cx="9600840" cy="1485720"/>
+            <a:off x="609480" y="273600"/>
+            <a:ext cx="10972440" cy="1144800"/>
           </a:xfrm>
           <a:prstGeom prst="rect">
             <a:avLst/>
@@ -1925,18 +1814,16 @@
             <a:noAutofit/>
           </a:bodyPr>
           <a:p>
-            <a:endParaRPr b="0" lang="en-US" sz="1800" spc="-1" strike="noStrike">
-              <a:solidFill>
-                <a:srgbClr val="000000"/>
-              </a:solidFill>
-              <a:latin typeface="Franklin Gothic Book"/>
-            </a:endParaRPr>
-          </a:p>
-        </p:txBody>
-      </p:sp>
-      <p:sp>
-        <p:nvSpPr>
-          <p:cNvPr id="81" name="PlaceHolder 2"/>
+            <a:pPr algn="ctr"/>
+            <a:endParaRPr b="0" lang="en-US" sz="4400" spc="-1" strike="noStrike">
+              <a:latin typeface="Arial"/>
+            </a:endParaRPr>
+          </a:p>
+        </p:txBody>
+      </p:sp>
+      <p:sp>
+        <p:nvSpPr>
+          <p:cNvPr id="75" name="PlaceHolder 2"/>
           <p:cNvSpPr>
             <a:spLocks noGrp="1"/>
           </p:cNvSpPr>
@@ -1958,18 +1845,15 @@
             <a:normAutofit/>
           </a:bodyPr>
           <a:p>
-            <a:endParaRPr b="0" lang="en-US" sz="2000" spc="-1" strike="noStrike">
-              <a:solidFill>
-                <a:srgbClr val="191b0e"/>
-              </a:solidFill>
-              <a:latin typeface="Franklin Gothic Book"/>
-            </a:endParaRPr>
-          </a:p>
-        </p:txBody>
-      </p:sp>
-      <p:sp>
-        <p:nvSpPr>
-          <p:cNvPr id="82" name="PlaceHolder 3"/>
+            <a:endParaRPr b="0" lang="en-US" sz="3200" spc="-1" strike="noStrike">
+              <a:latin typeface="Arial"/>
+            </a:endParaRPr>
+          </a:p>
+        </p:txBody>
+      </p:sp>
+      <p:sp>
+        <p:nvSpPr>
+          <p:cNvPr id="76" name="PlaceHolder 3"/>
           <p:cNvSpPr>
             <a:spLocks noGrp="1"/>
           </p:cNvSpPr>
@@ -1991,18 +1875,15 @@
             <a:normAutofit/>
           </a:bodyPr>
           <a:p>
-            <a:endParaRPr b="0" lang="en-US" sz="2000" spc="-1" strike="noStrike">
-              <a:solidFill>
-                <a:srgbClr val="191b0e"/>
-              </a:solidFill>
-              <a:latin typeface="Franklin Gothic Book"/>
-            </a:endParaRPr>
-          </a:p>
-        </p:txBody>
-      </p:sp>
-      <p:sp>
-        <p:nvSpPr>
-          <p:cNvPr id="83" name="PlaceHolder 4"/>
+            <a:endParaRPr b="0" lang="en-US" sz="3200" spc="-1" strike="noStrike">
+              <a:latin typeface="Arial"/>
+            </a:endParaRPr>
+          </a:p>
+        </p:txBody>
+      </p:sp>
+      <p:sp>
+        <p:nvSpPr>
+          <p:cNvPr id="77" name="PlaceHolder 4"/>
           <p:cNvSpPr>
             <a:spLocks noGrp="1"/>
           </p:cNvSpPr>
@@ -2024,18 +1905,15 @@
             <a:normAutofit/>
           </a:bodyPr>
           <a:p>
-            <a:endParaRPr b="0" lang="en-US" sz="2000" spc="-1" strike="noStrike">
-              <a:solidFill>
-                <a:srgbClr val="191b0e"/>
-              </a:solidFill>
-              <a:latin typeface="Franklin Gothic Book"/>
-            </a:endParaRPr>
-          </a:p>
-        </p:txBody>
-      </p:sp>
-      <p:sp>
-        <p:nvSpPr>
-          <p:cNvPr id="84" name="PlaceHolder 5"/>
+            <a:endParaRPr b="0" lang="en-US" sz="3200" spc="-1" strike="noStrike">
+              <a:latin typeface="Arial"/>
+            </a:endParaRPr>
+          </a:p>
+        </p:txBody>
+      </p:sp>
+      <p:sp>
+        <p:nvSpPr>
+          <p:cNvPr id="78" name="PlaceHolder 5"/>
           <p:cNvSpPr>
             <a:spLocks noGrp="1"/>
           </p:cNvSpPr>
@@ -2057,18 +1935,15 @@
             <a:normAutofit/>
           </a:bodyPr>
           <a:p>
-            <a:endParaRPr b="0" lang="en-US" sz="2000" spc="-1" strike="noStrike">
-              <a:solidFill>
-                <a:srgbClr val="191b0e"/>
-              </a:solidFill>
-              <a:latin typeface="Franklin Gothic Book"/>
-            </a:endParaRPr>
-          </a:p>
-        </p:txBody>
-      </p:sp>
-      <p:sp>
-        <p:nvSpPr>
-          <p:cNvPr id="85" name="PlaceHolder 6"/>
+            <a:endParaRPr b="0" lang="en-US" sz="3200" spc="-1" strike="noStrike">
+              <a:latin typeface="Arial"/>
+            </a:endParaRPr>
+          </a:p>
+        </p:txBody>
+      </p:sp>
+      <p:sp>
+        <p:nvSpPr>
+          <p:cNvPr id="79" name="PlaceHolder 6"/>
           <p:cNvSpPr>
             <a:spLocks noGrp="1"/>
           </p:cNvSpPr>
@@ -2090,18 +1965,15 @@
             <a:normAutofit/>
           </a:bodyPr>
           <a:p>
-            <a:endParaRPr b="0" lang="en-US" sz="2000" spc="-1" strike="noStrike">
-              <a:solidFill>
-                <a:srgbClr val="191b0e"/>
-              </a:solidFill>
-              <a:latin typeface="Franklin Gothic Book"/>
-            </a:endParaRPr>
-          </a:p>
-        </p:txBody>
-      </p:sp>
-      <p:sp>
-        <p:nvSpPr>
-          <p:cNvPr id="86" name="PlaceHolder 7"/>
+            <a:endParaRPr b="0" lang="en-US" sz="3200" spc="-1" strike="noStrike">
+              <a:latin typeface="Arial"/>
+            </a:endParaRPr>
+          </a:p>
+        </p:txBody>
+      </p:sp>
+      <p:sp>
+        <p:nvSpPr>
+          <p:cNvPr id="80" name="PlaceHolder 7"/>
           <p:cNvSpPr>
             <a:spLocks noGrp="1"/>
           </p:cNvSpPr>
@@ -2123,11 +1995,8 @@
             <a:normAutofit/>
           </a:bodyPr>
           <a:p>
-            <a:endParaRPr b="0" lang="en-US" sz="2000" spc="-1" strike="noStrike">
-              <a:solidFill>
-                <a:srgbClr val="191b0e"/>
-              </a:solidFill>
-              <a:latin typeface="Franklin Gothic Book"/>
+            <a:endParaRPr b="0" lang="en-US" sz="3200" spc="-1" strike="noStrike">
+              <a:latin typeface="Arial"/>
             </a:endParaRPr>
           </a:p>
         </p:txBody>
@@ -2178,7 +2047,7 @@
       </p:grpSpPr>
       <p:sp>
         <p:nvSpPr>
-          <p:cNvPr id="93" name="PlaceHolder 1"/>
+          <p:cNvPr id="83" name="PlaceHolder 1"/>
           <p:cNvSpPr>
             <a:spLocks noGrp="1"/>
           </p:cNvSpPr>
@@ -2188,8 +2057,8 @@
         </p:nvSpPr>
         <p:spPr>
           <a:xfrm>
-            <a:off x="1371600" y="685800"/>
-            <a:ext cx="9600840" cy="1485720"/>
+            <a:off x="609480" y="273600"/>
+            <a:ext cx="10972440" cy="1144800"/>
           </a:xfrm>
           <a:prstGeom prst="rect">
             <a:avLst/>
@@ -2200,18 +2069,16 @@
             <a:noAutofit/>
           </a:bodyPr>
           <a:p>
-            <a:endParaRPr b="0" lang="en-US" sz="1800" spc="-1" strike="noStrike">
-              <a:solidFill>
-                <a:srgbClr val="000000"/>
-              </a:solidFill>
-              <a:latin typeface="Franklin Gothic Book"/>
-            </a:endParaRPr>
-          </a:p>
-        </p:txBody>
-      </p:sp>
-      <p:sp>
-        <p:nvSpPr>
-          <p:cNvPr id="94" name="PlaceHolder 2"/>
+            <a:pPr algn="ctr"/>
+            <a:endParaRPr b="0" lang="en-US" sz="4400" spc="-1" strike="noStrike">
+              <a:latin typeface="Arial"/>
+            </a:endParaRPr>
+          </a:p>
+        </p:txBody>
+      </p:sp>
+      <p:sp>
+        <p:nvSpPr>
+          <p:cNvPr id="84" name="PlaceHolder 2"/>
           <p:cNvSpPr>
             <a:spLocks noGrp="1"/>
           </p:cNvSpPr>
@@ -2264,7 +2131,7 @@
       </p:grpSpPr>
       <p:sp>
         <p:nvSpPr>
-          <p:cNvPr id="95" name="PlaceHolder 1"/>
+          <p:cNvPr id="85" name="PlaceHolder 1"/>
           <p:cNvSpPr>
             <a:spLocks noGrp="1"/>
           </p:cNvSpPr>
@@ -2274,8 +2141,8 @@
         </p:nvSpPr>
         <p:spPr>
           <a:xfrm>
-            <a:off x="1371600" y="685800"/>
-            <a:ext cx="9600840" cy="1485720"/>
+            <a:off x="609480" y="273600"/>
+            <a:ext cx="10972440" cy="1144800"/>
           </a:xfrm>
           <a:prstGeom prst="rect">
             <a:avLst/>
@@ -2286,18 +2153,16 @@
             <a:noAutofit/>
           </a:bodyPr>
           <a:p>
-            <a:endParaRPr b="0" lang="en-US" sz="1800" spc="-1" strike="noStrike">
-              <a:solidFill>
-                <a:srgbClr val="000000"/>
-              </a:solidFill>
-              <a:latin typeface="Franklin Gothic Book"/>
-            </a:endParaRPr>
-          </a:p>
-        </p:txBody>
-      </p:sp>
-      <p:sp>
-        <p:nvSpPr>
-          <p:cNvPr id="96" name="PlaceHolder 2"/>
+            <a:pPr algn="ctr"/>
+            <a:endParaRPr b="0" lang="en-US" sz="4400" spc="-1" strike="noStrike">
+              <a:latin typeface="Arial"/>
+            </a:endParaRPr>
+          </a:p>
+        </p:txBody>
+      </p:sp>
+      <p:sp>
+        <p:nvSpPr>
+          <p:cNvPr id="86" name="PlaceHolder 2"/>
           <p:cNvSpPr>
             <a:spLocks noGrp="1"/>
           </p:cNvSpPr>
@@ -2319,11 +2184,8 @@
             <a:normAutofit/>
           </a:bodyPr>
           <a:p>
-            <a:endParaRPr b="0" lang="en-US" sz="2000" spc="-1" strike="noStrike">
-              <a:solidFill>
-                <a:srgbClr val="191b0e"/>
-              </a:solidFill>
-              <a:latin typeface="Franklin Gothic Book"/>
+            <a:endParaRPr b="0" lang="en-US" sz="3200" spc="-1" strike="noStrike">
+              <a:latin typeface="Arial"/>
             </a:endParaRPr>
           </a:p>
         </p:txBody>
@@ -2352,7 +2214,7 @@
       </p:grpSpPr>
       <p:sp>
         <p:nvSpPr>
-          <p:cNvPr id="97" name="PlaceHolder 1"/>
+          <p:cNvPr id="87" name="PlaceHolder 1"/>
           <p:cNvSpPr>
             <a:spLocks noGrp="1"/>
           </p:cNvSpPr>
@@ -2362,8 +2224,8 @@
         </p:nvSpPr>
         <p:spPr>
           <a:xfrm>
-            <a:off x="1371600" y="685800"/>
-            <a:ext cx="9600840" cy="1485720"/>
+            <a:off x="609480" y="273600"/>
+            <a:ext cx="10972440" cy="1144800"/>
           </a:xfrm>
           <a:prstGeom prst="rect">
             <a:avLst/>
@@ -2374,18 +2236,16 @@
             <a:noAutofit/>
           </a:bodyPr>
           <a:p>
-            <a:endParaRPr b="0" lang="en-US" sz="1800" spc="-1" strike="noStrike">
-              <a:solidFill>
-                <a:srgbClr val="000000"/>
-              </a:solidFill>
-              <a:latin typeface="Franklin Gothic Book"/>
-            </a:endParaRPr>
-          </a:p>
-        </p:txBody>
-      </p:sp>
-      <p:sp>
-        <p:nvSpPr>
-          <p:cNvPr id="98" name="PlaceHolder 2"/>
+            <a:pPr algn="ctr"/>
+            <a:endParaRPr b="0" lang="en-US" sz="4400" spc="-1" strike="noStrike">
+              <a:latin typeface="Arial"/>
+            </a:endParaRPr>
+          </a:p>
+        </p:txBody>
+      </p:sp>
+      <p:sp>
+        <p:nvSpPr>
+          <p:cNvPr id="88" name="PlaceHolder 2"/>
           <p:cNvSpPr>
             <a:spLocks noGrp="1"/>
           </p:cNvSpPr>
@@ -2407,18 +2267,15 @@
             <a:normAutofit/>
           </a:bodyPr>
           <a:p>
-            <a:endParaRPr b="0" lang="en-US" sz="2000" spc="-1" strike="noStrike">
-              <a:solidFill>
-                <a:srgbClr val="191b0e"/>
-              </a:solidFill>
-              <a:latin typeface="Franklin Gothic Book"/>
-            </a:endParaRPr>
-          </a:p>
-        </p:txBody>
-      </p:sp>
-      <p:sp>
-        <p:nvSpPr>
-          <p:cNvPr id="99" name="PlaceHolder 3"/>
+            <a:endParaRPr b="0" lang="en-US" sz="3200" spc="-1" strike="noStrike">
+              <a:latin typeface="Arial"/>
+            </a:endParaRPr>
+          </a:p>
+        </p:txBody>
+      </p:sp>
+      <p:sp>
+        <p:nvSpPr>
+          <p:cNvPr id="89" name="PlaceHolder 3"/>
           <p:cNvSpPr>
             <a:spLocks noGrp="1"/>
           </p:cNvSpPr>
@@ -2440,11 +2297,8 @@
             <a:normAutofit/>
           </a:bodyPr>
           <a:p>
-            <a:endParaRPr b="0" lang="en-US" sz="2000" spc="-1" strike="noStrike">
-              <a:solidFill>
-                <a:srgbClr val="191b0e"/>
-              </a:solidFill>
-              <a:latin typeface="Franklin Gothic Book"/>
+            <a:endParaRPr b="0" lang="en-US" sz="3200" spc="-1" strike="noStrike">
+              <a:latin typeface="Arial"/>
             </a:endParaRPr>
           </a:p>
         </p:txBody>
@@ -2473,7 +2327,7 @@
       </p:grpSpPr>
       <p:sp>
         <p:nvSpPr>
-          <p:cNvPr id="100" name="PlaceHolder 1"/>
+          <p:cNvPr id="90" name="PlaceHolder 1"/>
           <p:cNvSpPr>
             <a:spLocks noGrp="1"/>
           </p:cNvSpPr>
@@ -2483,8 +2337,8 @@
         </p:nvSpPr>
         <p:spPr>
           <a:xfrm>
-            <a:off x="1371600" y="685800"/>
-            <a:ext cx="9600840" cy="1485720"/>
+            <a:off x="609480" y="273600"/>
+            <a:ext cx="10972440" cy="1144800"/>
           </a:xfrm>
           <a:prstGeom prst="rect">
             <a:avLst/>
@@ -2495,11 +2349,9 @@
             <a:noAutofit/>
           </a:bodyPr>
           <a:p>
-            <a:endParaRPr b="0" lang="en-US" sz="1800" spc="-1" strike="noStrike">
-              <a:solidFill>
-                <a:srgbClr val="000000"/>
-              </a:solidFill>
-              <a:latin typeface="Franklin Gothic Book"/>
+            <a:pPr algn="ctr"/>
+            <a:endParaRPr b="0" lang="en-US" sz="4400" spc="-1" strike="noStrike">
+              <a:latin typeface="Arial"/>
             </a:endParaRPr>
           </a:p>
         </p:txBody>
@@ -2528,7 +2380,7 @@
       </p:grpSpPr>
       <p:sp>
         <p:nvSpPr>
-          <p:cNvPr id="11" name="PlaceHolder 1"/>
+          <p:cNvPr id="8" name="PlaceHolder 1"/>
           <p:cNvSpPr>
             <a:spLocks noGrp="1"/>
           </p:cNvSpPr>
@@ -2538,8 +2390,8 @@
         </p:nvSpPr>
         <p:spPr>
           <a:xfrm>
-            <a:off x="1371600" y="685800"/>
-            <a:ext cx="9600840" cy="1485720"/>
+            <a:off x="609480" y="273600"/>
+            <a:ext cx="10972440" cy="1144800"/>
           </a:xfrm>
           <a:prstGeom prst="rect">
             <a:avLst/>
@@ -2550,18 +2402,16 @@
             <a:noAutofit/>
           </a:bodyPr>
           <a:p>
-            <a:endParaRPr b="0" lang="en-US" sz="1800" spc="-1" strike="noStrike">
-              <a:solidFill>
-                <a:srgbClr val="000000"/>
-              </a:solidFill>
-              <a:latin typeface="Franklin Gothic Book"/>
-            </a:endParaRPr>
-          </a:p>
-        </p:txBody>
-      </p:sp>
-      <p:sp>
-        <p:nvSpPr>
-          <p:cNvPr id="12" name="PlaceHolder 2"/>
+            <a:pPr algn="ctr"/>
+            <a:endParaRPr b="0" lang="en-US" sz="4400" spc="-1" strike="noStrike">
+              <a:latin typeface="Arial"/>
+            </a:endParaRPr>
+          </a:p>
+        </p:txBody>
+      </p:sp>
+      <p:sp>
+        <p:nvSpPr>
+          <p:cNvPr id="9" name="PlaceHolder 2"/>
           <p:cNvSpPr>
             <a:spLocks noGrp="1"/>
           </p:cNvSpPr>
@@ -2583,11 +2433,8 @@
             <a:normAutofit/>
           </a:bodyPr>
           <a:p>
-            <a:endParaRPr b="0" lang="en-US" sz="2000" spc="-1" strike="noStrike">
-              <a:solidFill>
-                <a:srgbClr val="191b0e"/>
-              </a:solidFill>
-              <a:latin typeface="Franklin Gothic Book"/>
+            <a:endParaRPr b="0" lang="en-US" sz="3200" spc="-1" strike="noStrike">
+              <a:latin typeface="Arial"/>
             </a:endParaRPr>
           </a:p>
         </p:txBody>
@@ -2616,7 +2463,7 @@
       </p:grpSpPr>
       <p:sp>
         <p:nvSpPr>
-          <p:cNvPr id="101" name="PlaceHolder 1"/>
+          <p:cNvPr id="91" name="PlaceHolder 1"/>
           <p:cNvSpPr>
             <a:spLocks noGrp="1"/>
           </p:cNvSpPr>
@@ -2626,8 +2473,8 @@
         </p:nvSpPr>
         <p:spPr>
           <a:xfrm>
-            <a:off x="1371600" y="685800"/>
-            <a:ext cx="9600840" cy="6888240"/>
+            <a:off x="609480" y="273600"/>
+            <a:ext cx="10972440" cy="5307840"/>
           </a:xfrm>
           <a:prstGeom prst="rect">
             <a:avLst/>
@@ -2669,7 +2516,7 @@
       </p:grpSpPr>
       <p:sp>
         <p:nvSpPr>
-          <p:cNvPr id="102" name="PlaceHolder 1"/>
+          <p:cNvPr id="92" name="PlaceHolder 1"/>
           <p:cNvSpPr>
             <a:spLocks noGrp="1"/>
           </p:cNvSpPr>
@@ -2679,8 +2526,8 @@
         </p:nvSpPr>
         <p:spPr>
           <a:xfrm>
-            <a:off x="1371600" y="685800"/>
-            <a:ext cx="9600840" cy="1485720"/>
+            <a:off x="609480" y="273600"/>
+            <a:ext cx="10972440" cy="1144800"/>
           </a:xfrm>
           <a:prstGeom prst="rect">
             <a:avLst/>
@@ -2691,18 +2538,16 @@
             <a:noAutofit/>
           </a:bodyPr>
           <a:p>
-            <a:endParaRPr b="0" lang="en-US" sz="1800" spc="-1" strike="noStrike">
-              <a:solidFill>
-                <a:srgbClr val="000000"/>
-              </a:solidFill>
-              <a:latin typeface="Franklin Gothic Book"/>
-            </a:endParaRPr>
-          </a:p>
-        </p:txBody>
-      </p:sp>
-      <p:sp>
-        <p:nvSpPr>
-          <p:cNvPr id="103" name="PlaceHolder 2"/>
+            <a:pPr algn="ctr"/>
+            <a:endParaRPr b="0" lang="en-US" sz="4400" spc="-1" strike="noStrike">
+              <a:latin typeface="Arial"/>
+            </a:endParaRPr>
+          </a:p>
+        </p:txBody>
+      </p:sp>
+      <p:sp>
+        <p:nvSpPr>
+          <p:cNvPr id="93" name="PlaceHolder 2"/>
           <p:cNvSpPr>
             <a:spLocks noGrp="1"/>
           </p:cNvSpPr>
@@ -2724,18 +2569,15 @@
             <a:normAutofit/>
           </a:bodyPr>
           <a:p>
-            <a:endParaRPr b="0" lang="en-US" sz="2000" spc="-1" strike="noStrike">
-              <a:solidFill>
-                <a:srgbClr val="191b0e"/>
-              </a:solidFill>
-              <a:latin typeface="Franklin Gothic Book"/>
-            </a:endParaRPr>
-          </a:p>
-        </p:txBody>
-      </p:sp>
-      <p:sp>
-        <p:nvSpPr>
-          <p:cNvPr id="104" name="PlaceHolder 3"/>
+            <a:endParaRPr b="0" lang="en-US" sz="3200" spc="-1" strike="noStrike">
+              <a:latin typeface="Arial"/>
+            </a:endParaRPr>
+          </a:p>
+        </p:txBody>
+      </p:sp>
+      <p:sp>
+        <p:nvSpPr>
+          <p:cNvPr id="94" name="PlaceHolder 3"/>
           <p:cNvSpPr>
             <a:spLocks noGrp="1"/>
           </p:cNvSpPr>
@@ -2757,18 +2599,15 @@
             <a:normAutofit/>
           </a:bodyPr>
           <a:p>
-            <a:endParaRPr b="0" lang="en-US" sz="2000" spc="-1" strike="noStrike">
-              <a:solidFill>
-                <a:srgbClr val="191b0e"/>
-              </a:solidFill>
-              <a:latin typeface="Franklin Gothic Book"/>
-            </a:endParaRPr>
-          </a:p>
-        </p:txBody>
-      </p:sp>
-      <p:sp>
-        <p:nvSpPr>
-          <p:cNvPr id="105" name="PlaceHolder 4"/>
+            <a:endParaRPr b="0" lang="en-US" sz="3200" spc="-1" strike="noStrike">
+              <a:latin typeface="Arial"/>
+            </a:endParaRPr>
+          </a:p>
+        </p:txBody>
+      </p:sp>
+      <p:sp>
+        <p:nvSpPr>
+          <p:cNvPr id="95" name="PlaceHolder 4"/>
           <p:cNvSpPr>
             <a:spLocks noGrp="1"/>
           </p:cNvSpPr>
@@ -2790,11 +2629,8 @@
             <a:normAutofit/>
           </a:bodyPr>
           <a:p>
-            <a:endParaRPr b="0" lang="en-US" sz="2000" spc="-1" strike="noStrike">
-              <a:solidFill>
-                <a:srgbClr val="191b0e"/>
-              </a:solidFill>
-              <a:latin typeface="Franklin Gothic Book"/>
+            <a:endParaRPr b="0" lang="en-US" sz="3200" spc="-1" strike="noStrike">
+              <a:latin typeface="Arial"/>
             </a:endParaRPr>
           </a:p>
         </p:txBody>
@@ -2823,7 +2659,7 @@
       </p:grpSpPr>
       <p:sp>
         <p:nvSpPr>
-          <p:cNvPr id="106" name="PlaceHolder 1"/>
+          <p:cNvPr id="96" name="PlaceHolder 1"/>
           <p:cNvSpPr>
             <a:spLocks noGrp="1"/>
           </p:cNvSpPr>
@@ -2833,8 +2669,8 @@
         </p:nvSpPr>
         <p:spPr>
           <a:xfrm>
-            <a:off x="1371600" y="685800"/>
-            <a:ext cx="9600840" cy="1485720"/>
+            <a:off x="609480" y="273600"/>
+            <a:ext cx="10972440" cy="1144800"/>
           </a:xfrm>
           <a:prstGeom prst="rect">
             <a:avLst/>
@@ -2845,18 +2681,16 @@
             <a:noAutofit/>
           </a:bodyPr>
           <a:p>
-            <a:endParaRPr b="0" lang="en-US" sz="1800" spc="-1" strike="noStrike">
-              <a:solidFill>
-                <a:srgbClr val="000000"/>
-              </a:solidFill>
-              <a:latin typeface="Franklin Gothic Book"/>
-            </a:endParaRPr>
-          </a:p>
-        </p:txBody>
-      </p:sp>
-      <p:sp>
-        <p:nvSpPr>
-          <p:cNvPr id="107" name="PlaceHolder 2"/>
+            <a:pPr algn="ctr"/>
+            <a:endParaRPr b="0" lang="en-US" sz="4400" spc="-1" strike="noStrike">
+              <a:latin typeface="Arial"/>
+            </a:endParaRPr>
+          </a:p>
+        </p:txBody>
+      </p:sp>
+      <p:sp>
+        <p:nvSpPr>
+          <p:cNvPr id="97" name="PlaceHolder 2"/>
           <p:cNvSpPr>
             <a:spLocks noGrp="1"/>
           </p:cNvSpPr>
@@ -2878,18 +2712,15 @@
             <a:normAutofit/>
           </a:bodyPr>
           <a:p>
-            <a:endParaRPr b="0" lang="en-US" sz="2000" spc="-1" strike="noStrike">
-              <a:solidFill>
-                <a:srgbClr val="191b0e"/>
-              </a:solidFill>
-              <a:latin typeface="Franklin Gothic Book"/>
-            </a:endParaRPr>
-          </a:p>
-        </p:txBody>
-      </p:sp>
-      <p:sp>
-        <p:nvSpPr>
-          <p:cNvPr id="108" name="PlaceHolder 3"/>
+            <a:endParaRPr b="0" lang="en-US" sz="3200" spc="-1" strike="noStrike">
+              <a:latin typeface="Arial"/>
+            </a:endParaRPr>
+          </a:p>
+        </p:txBody>
+      </p:sp>
+      <p:sp>
+        <p:nvSpPr>
+          <p:cNvPr id="98" name="PlaceHolder 3"/>
           <p:cNvSpPr>
             <a:spLocks noGrp="1"/>
           </p:cNvSpPr>
@@ -2911,18 +2742,15 @@
             <a:normAutofit/>
           </a:bodyPr>
           <a:p>
-            <a:endParaRPr b="0" lang="en-US" sz="2000" spc="-1" strike="noStrike">
-              <a:solidFill>
-                <a:srgbClr val="191b0e"/>
-              </a:solidFill>
-              <a:latin typeface="Franklin Gothic Book"/>
-            </a:endParaRPr>
-          </a:p>
-        </p:txBody>
-      </p:sp>
-      <p:sp>
-        <p:nvSpPr>
-          <p:cNvPr id="109" name="PlaceHolder 4"/>
+            <a:endParaRPr b="0" lang="en-US" sz="3200" spc="-1" strike="noStrike">
+              <a:latin typeface="Arial"/>
+            </a:endParaRPr>
+          </a:p>
+        </p:txBody>
+      </p:sp>
+      <p:sp>
+        <p:nvSpPr>
+          <p:cNvPr id="99" name="PlaceHolder 4"/>
           <p:cNvSpPr>
             <a:spLocks noGrp="1"/>
           </p:cNvSpPr>
@@ -2944,11 +2772,8 @@
             <a:normAutofit/>
           </a:bodyPr>
           <a:p>
-            <a:endParaRPr b="0" lang="en-US" sz="2000" spc="-1" strike="noStrike">
-              <a:solidFill>
-                <a:srgbClr val="191b0e"/>
-              </a:solidFill>
-              <a:latin typeface="Franklin Gothic Book"/>
+            <a:endParaRPr b="0" lang="en-US" sz="3200" spc="-1" strike="noStrike">
+              <a:latin typeface="Arial"/>
             </a:endParaRPr>
           </a:p>
         </p:txBody>
@@ -2977,7 +2802,7 @@
       </p:grpSpPr>
       <p:sp>
         <p:nvSpPr>
-          <p:cNvPr id="110" name="PlaceHolder 1"/>
+          <p:cNvPr id="100" name="PlaceHolder 1"/>
           <p:cNvSpPr>
             <a:spLocks noGrp="1"/>
           </p:cNvSpPr>
@@ -2987,8 +2812,8 @@
         </p:nvSpPr>
         <p:spPr>
           <a:xfrm>
-            <a:off x="1371600" y="685800"/>
-            <a:ext cx="9600840" cy="1485720"/>
+            <a:off x="609480" y="273600"/>
+            <a:ext cx="10972440" cy="1144800"/>
           </a:xfrm>
           <a:prstGeom prst="rect">
             <a:avLst/>
@@ -2999,18 +2824,16 @@
             <a:noAutofit/>
           </a:bodyPr>
           <a:p>
-            <a:endParaRPr b="0" lang="en-US" sz="1800" spc="-1" strike="noStrike">
-              <a:solidFill>
-                <a:srgbClr val="000000"/>
-              </a:solidFill>
-              <a:latin typeface="Franklin Gothic Book"/>
-            </a:endParaRPr>
-          </a:p>
-        </p:txBody>
-      </p:sp>
-      <p:sp>
-        <p:nvSpPr>
-          <p:cNvPr id="111" name="PlaceHolder 2"/>
+            <a:pPr algn="ctr"/>
+            <a:endParaRPr b="0" lang="en-US" sz="4400" spc="-1" strike="noStrike">
+              <a:latin typeface="Arial"/>
+            </a:endParaRPr>
+          </a:p>
+        </p:txBody>
+      </p:sp>
+      <p:sp>
+        <p:nvSpPr>
+          <p:cNvPr id="101" name="PlaceHolder 2"/>
           <p:cNvSpPr>
             <a:spLocks noGrp="1"/>
           </p:cNvSpPr>
@@ -3032,18 +2855,15 @@
             <a:normAutofit/>
           </a:bodyPr>
           <a:p>
-            <a:endParaRPr b="0" lang="en-US" sz="2000" spc="-1" strike="noStrike">
-              <a:solidFill>
-                <a:srgbClr val="191b0e"/>
-              </a:solidFill>
-              <a:latin typeface="Franklin Gothic Book"/>
-            </a:endParaRPr>
-          </a:p>
-        </p:txBody>
-      </p:sp>
-      <p:sp>
-        <p:nvSpPr>
-          <p:cNvPr id="112" name="PlaceHolder 3"/>
+            <a:endParaRPr b="0" lang="en-US" sz="3200" spc="-1" strike="noStrike">
+              <a:latin typeface="Arial"/>
+            </a:endParaRPr>
+          </a:p>
+        </p:txBody>
+      </p:sp>
+      <p:sp>
+        <p:nvSpPr>
+          <p:cNvPr id="102" name="PlaceHolder 3"/>
           <p:cNvSpPr>
             <a:spLocks noGrp="1"/>
           </p:cNvSpPr>
@@ -3065,18 +2885,15 @@
             <a:normAutofit/>
           </a:bodyPr>
           <a:p>
-            <a:endParaRPr b="0" lang="en-US" sz="2000" spc="-1" strike="noStrike">
-              <a:solidFill>
-                <a:srgbClr val="191b0e"/>
-              </a:solidFill>
-              <a:latin typeface="Franklin Gothic Book"/>
-            </a:endParaRPr>
-          </a:p>
-        </p:txBody>
-      </p:sp>
-      <p:sp>
-        <p:nvSpPr>
-          <p:cNvPr id="113" name="PlaceHolder 4"/>
+            <a:endParaRPr b="0" lang="en-US" sz="3200" spc="-1" strike="noStrike">
+              <a:latin typeface="Arial"/>
+            </a:endParaRPr>
+          </a:p>
+        </p:txBody>
+      </p:sp>
+      <p:sp>
+        <p:nvSpPr>
+          <p:cNvPr id="103" name="PlaceHolder 4"/>
           <p:cNvSpPr>
             <a:spLocks noGrp="1"/>
           </p:cNvSpPr>
@@ -3098,11 +2915,8 @@
             <a:normAutofit/>
           </a:bodyPr>
           <a:p>
-            <a:endParaRPr b="0" lang="en-US" sz="2000" spc="-1" strike="noStrike">
-              <a:solidFill>
-                <a:srgbClr val="191b0e"/>
-              </a:solidFill>
-              <a:latin typeface="Franklin Gothic Book"/>
+            <a:endParaRPr b="0" lang="en-US" sz="3200" spc="-1" strike="noStrike">
+              <a:latin typeface="Arial"/>
             </a:endParaRPr>
           </a:p>
         </p:txBody>
@@ -3131,7 +2945,7 @@
       </p:grpSpPr>
       <p:sp>
         <p:nvSpPr>
-          <p:cNvPr id="114" name="PlaceHolder 1"/>
+          <p:cNvPr id="104" name="PlaceHolder 1"/>
           <p:cNvSpPr>
             <a:spLocks noGrp="1"/>
           </p:cNvSpPr>
@@ -3141,8 +2955,8 @@
         </p:nvSpPr>
         <p:spPr>
           <a:xfrm>
-            <a:off x="1371600" y="685800"/>
-            <a:ext cx="9600840" cy="1485720"/>
+            <a:off x="609480" y="273600"/>
+            <a:ext cx="10972440" cy="1144800"/>
           </a:xfrm>
           <a:prstGeom prst="rect">
             <a:avLst/>
@@ -3153,18 +2967,16 @@
             <a:noAutofit/>
           </a:bodyPr>
           <a:p>
-            <a:endParaRPr b="0" lang="en-US" sz="1800" spc="-1" strike="noStrike">
-              <a:solidFill>
-                <a:srgbClr val="000000"/>
-              </a:solidFill>
-              <a:latin typeface="Franklin Gothic Book"/>
-            </a:endParaRPr>
-          </a:p>
-        </p:txBody>
-      </p:sp>
-      <p:sp>
-        <p:nvSpPr>
-          <p:cNvPr id="115" name="PlaceHolder 2"/>
+            <a:pPr algn="ctr"/>
+            <a:endParaRPr b="0" lang="en-US" sz="4400" spc="-1" strike="noStrike">
+              <a:latin typeface="Arial"/>
+            </a:endParaRPr>
+          </a:p>
+        </p:txBody>
+      </p:sp>
+      <p:sp>
+        <p:nvSpPr>
+          <p:cNvPr id="105" name="PlaceHolder 2"/>
           <p:cNvSpPr>
             <a:spLocks noGrp="1"/>
           </p:cNvSpPr>
@@ -3186,18 +2998,15 @@
             <a:normAutofit/>
           </a:bodyPr>
           <a:p>
-            <a:endParaRPr b="0" lang="en-US" sz="2000" spc="-1" strike="noStrike">
-              <a:solidFill>
-                <a:srgbClr val="191b0e"/>
-              </a:solidFill>
-              <a:latin typeface="Franklin Gothic Book"/>
-            </a:endParaRPr>
-          </a:p>
-        </p:txBody>
-      </p:sp>
-      <p:sp>
-        <p:nvSpPr>
-          <p:cNvPr id="116" name="PlaceHolder 3"/>
+            <a:endParaRPr b="0" lang="en-US" sz="3200" spc="-1" strike="noStrike">
+              <a:latin typeface="Arial"/>
+            </a:endParaRPr>
+          </a:p>
+        </p:txBody>
+      </p:sp>
+      <p:sp>
+        <p:nvSpPr>
+          <p:cNvPr id="106" name="PlaceHolder 3"/>
           <p:cNvSpPr>
             <a:spLocks noGrp="1"/>
           </p:cNvSpPr>
@@ -3219,11 +3028,8 @@
             <a:normAutofit/>
           </a:bodyPr>
           <a:p>
-            <a:endParaRPr b="0" lang="en-US" sz="2000" spc="-1" strike="noStrike">
-              <a:solidFill>
-                <a:srgbClr val="191b0e"/>
-              </a:solidFill>
-              <a:latin typeface="Franklin Gothic Book"/>
+            <a:endParaRPr b="0" lang="en-US" sz="3200" spc="-1" strike="noStrike">
+              <a:latin typeface="Arial"/>
             </a:endParaRPr>
           </a:p>
         </p:txBody>
@@ -3252,7 +3058,7 @@
       </p:grpSpPr>
       <p:sp>
         <p:nvSpPr>
-          <p:cNvPr id="117" name="PlaceHolder 1"/>
+          <p:cNvPr id="107" name="PlaceHolder 1"/>
           <p:cNvSpPr>
             <a:spLocks noGrp="1"/>
           </p:cNvSpPr>
@@ -3262,8 +3068,8 @@
         </p:nvSpPr>
         <p:spPr>
           <a:xfrm>
-            <a:off x="1371600" y="685800"/>
-            <a:ext cx="9600840" cy="1485720"/>
+            <a:off x="609480" y="273600"/>
+            <a:ext cx="10972440" cy="1144800"/>
           </a:xfrm>
           <a:prstGeom prst="rect">
             <a:avLst/>
@@ -3274,18 +3080,16 @@
             <a:noAutofit/>
           </a:bodyPr>
           <a:p>
-            <a:endParaRPr b="0" lang="en-US" sz="1800" spc="-1" strike="noStrike">
-              <a:solidFill>
-                <a:srgbClr val="000000"/>
-              </a:solidFill>
-              <a:latin typeface="Franklin Gothic Book"/>
-            </a:endParaRPr>
-          </a:p>
-        </p:txBody>
-      </p:sp>
-      <p:sp>
-        <p:nvSpPr>
-          <p:cNvPr id="118" name="PlaceHolder 2"/>
+            <a:pPr algn="ctr"/>
+            <a:endParaRPr b="0" lang="en-US" sz="4400" spc="-1" strike="noStrike">
+              <a:latin typeface="Arial"/>
+            </a:endParaRPr>
+          </a:p>
+        </p:txBody>
+      </p:sp>
+      <p:sp>
+        <p:nvSpPr>
+          <p:cNvPr id="108" name="PlaceHolder 2"/>
           <p:cNvSpPr>
             <a:spLocks noGrp="1"/>
           </p:cNvSpPr>
@@ -3307,18 +3111,15 @@
             <a:normAutofit/>
           </a:bodyPr>
           <a:p>
-            <a:endParaRPr b="0" lang="en-US" sz="2000" spc="-1" strike="noStrike">
-              <a:solidFill>
-                <a:srgbClr val="191b0e"/>
-              </a:solidFill>
-              <a:latin typeface="Franklin Gothic Book"/>
-            </a:endParaRPr>
-          </a:p>
-        </p:txBody>
-      </p:sp>
-      <p:sp>
-        <p:nvSpPr>
-          <p:cNvPr id="119" name="PlaceHolder 3"/>
+            <a:endParaRPr b="0" lang="en-US" sz="3200" spc="-1" strike="noStrike">
+              <a:latin typeface="Arial"/>
+            </a:endParaRPr>
+          </a:p>
+        </p:txBody>
+      </p:sp>
+      <p:sp>
+        <p:nvSpPr>
+          <p:cNvPr id="109" name="PlaceHolder 3"/>
           <p:cNvSpPr>
             <a:spLocks noGrp="1"/>
           </p:cNvSpPr>
@@ -3340,18 +3141,15 @@
             <a:normAutofit/>
           </a:bodyPr>
           <a:p>
-            <a:endParaRPr b="0" lang="en-US" sz="2000" spc="-1" strike="noStrike">
-              <a:solidFill>
-                <a:srgbClr val="191b0e"/>
-              </a:solidFill>
-              <a:latin typeface="Franklin Gothic Book"/>
-            </a:endParaRPr>
-          </a:p>
-        </p:txBody>
-      </p:sp>
-      <p:sp>
-        <p:nvSpPr>
-          <p:cNvPr id="120" name="PlaceHolder 4"/>
+            <a:endParaRPr b="0" lang="en-US" sz="3200" spc="-1" strike="noStrike">
+              <a:latin typeface="Arial"/>
+            </a:endParaRPr>
+          </a:p>
+        </p:txBody>
+      </p:sp>
+      <p:sp>
+        <p:nvSpPr>
+          <p:cNvPr id="110" name="PlaceHolder 4"/>
           <p:cNvSpPr>
             <a:spLocks noGrp="1"/>
           </p:cNvSpPr>
@@ -3373,18 +3171,15 @@
             <a:normAutofit/>
           </a:bodyPr>
           <a:p>
-            <a:endParaRPr b="0" lang="en-US" sz="2000" spc="-1" strike="noStrike">
-              <a:solidFill>
-                <a:srgbClr val="191b0e"/>
-              </a:solidFill>
-              <a:latin typeface="Franklin Gothic Book"/>
-            </a:endParaRPr>
-          </a:p>
-        </p:txBody>
-      </p:sp>
-      <p:sp>
-        <p:nvSpPr>
-          <p:cNvPr id="121" name="PlaceHolder 5"/>
+            <a:endParaRPr b="0" lang="en-US" sz="3200" spc="-1" strike="noStrike">
+              <a:latin typeface="Arial"/>
+            </a:endParaRPr>
+          </a:p>
+        </p:txBody>
+      </p:sp>
+      <p:sp>
+        <p:nvSpPr>
+          <p:cNvPr id="111" name="PlaceHolder 5"/>
           <p:cNvSpPr>
             <a:spLocks noGrp="1"/>
           </p:cNvSpPr>
@@ -3406,11 +3201,8 @@
             <a:normAutofit/>
           </a:bodyPr>
           <a:p>
-            <a:endParaRPr b="0" lang="en-US" sz="2000" spc="-1" strike="noStrike">
-              <a:solidFill>
-                <a:srgbClr val="191b0e"/>
-              </a:solidFill>
-              <a:latin typeface="Franklin Gothic Book"/>
+            <a:endParaRPr b="0" lang="en-US" sz="3200" spc="-1" strike="noStrike">
+              <a:latin typeface="Arial"/>
             </a:endParaRPr>
           </a:p>
         </p:txBody>
@@ -3439,7 +3231,7 @@
       </p:grpSpPr>
       <p:sp>
         <p:nvSpPr>
-          <p:cNvPr id="122" name="PlaceHolder 1"/>
+          <p:cNvPr id="112" name="PlaceHolder 1"/>
           <p:cNvSpPr>
             <a:spLocks noGrp="1"/>
           </p:cNvSpPr>
@@ -3449,8 +3241,8 @@
         </p:nvSpPr>
         <p:spPr>
           <a:xfrm>
-            <a:off x="1371600" y="685800"/>
-            <a:ext cx="9600840" cy="1485720"/>
+            <a:off x="609480" y="273600"/>
+            <a:ext cx="10972440" cy="1144800"/>
           </a:xfrm>
           <a:prstGeom prst="rect">
             <a:avLst/>
@@ -3461,18 +3253,16 @@
             <a:noAutofit/>
           </a:bodyPr>
           <a:p>
-            <a:endParaRPr b="0" lang="en-US" sz="1800" spc="-1" strike="noStrike">
-              <a:solidFill>
-                <a:srgbClr val="000000"/>
-              </a:solidFill>
-              <a:latin typeface="Franklin Gothic Book"/>
-            </a:endParaRPr>
-          </a:p>
-        </p:txBody>
-      </p:sp>
-      <p:sp>
-        <p:nvSpPr>
-          <p:cNvPr id="123" name="PlaceHolder 2"/>
+            <a:pPr algn="ctr"/>
+            <a:endParaRPr b="0" lang="en-US" sz="4400" spc="-1" strike="noStrike">
+              <a:latin typeface="Arial"/>
+            </a:endParaRPr>
+          </a:p>
+        </p:txBody>
+      </p:sp>
+      <p:sp>
+        <p:nvSpPr>
+          <p:cNvPr id="113" name="PlaceHolder 2"/>
           <p:cNvSpPr>
             <a:spLocks noGrp="1"/>
           </p:cNvSpPr>
@@ -3494,18 +3284,15 @@
             <a:normAutofit/>
           </a:bodyPr>
           <a:p>
-            <a:endParaRPr b="0" lang="en-US" sz="2000" spc="-1" strike="noStrike">
-              <a:solidFill>
-                <a:srgbClr val="191b0e"/>
-              </a:solidFill>
-              <a:latin typeface="Franklin Gothic Book"/>
-            </a:endParaRPr>
-          </a:p>
-        </p:txBody>
-      </p:sp>
-      <p:sp>
-        <p:nvSpPr>
-          <p:cNvPr id="124" name="PlaceHolder 3"/>
+            <a:endParaRPr b="0" lang="en-US" sz="3200" spc="-1" strike="noStrike">
+              <a:latin typeface="Arial"/>
+            </a:endParaRPr>
+          </a:p>
+        </p:txBody>
+      </p:sp>
+      <p:sp>
+        <p:nvSpPr>
+          <p:cNvPr id="114" name="PlaceHolder 3"/>
           <p:cNvSpPr>
             <a:spLocks noGrp="1"/>
           </p:cNvSpPr>
@@ -3527,18 +3314,15 @@
             <a:normAutofit/>
           </a:bodyPr>
           <a:p>
-            <a:endParaRPr b="0" lang="en-US" sz="2000" spc="-1" strike="noStrike">
-              <a:solidFill>
-                <a:srgbClr val="191b0e"/>
-              </a:solidFill>
-              <a:latin typeface="Franklin Gothic Book"/>
-            </a:endParaRPr>
-          </a:p>
-        </p:txBody>
-      </p:sp>
-      <p:sp>
-        <p:nvSpPr>
-          <p:cNvPr id="125" name="PlaceHolder 4"/>
+            <a:endParaRPr b="0" lang="en-US" sz="3200" spc="-1" strike="noStrike">
+              <a:latin typeface="Arial"/>
+            </a:endParaRPr>
+          </a:p>
+        </p:txBody>
+      </p:sp>
+      <p:sp>
+        <p:nvSpPr>
+          <p:cNvPr id="115" name="PlaceHolder 4"/>
           <p:cNvSpPr>
             <a:spLocks noGrp="1"/>
           </p:cNvSpPr>
@@ -3560,18 +3344,15 @@
             <a:normAutofit/>
           </a:bodyPr>
           <a:p>
-            <a:endParaRPr b="0" lang="en-US" sz="2000" spc="-1" strike="noStrike">
-              <a:solidFill>
-                <a:srgbClr val="191b0e"/>
-              </a:solidFill>
-              <a:latin typeface="Franklin Gothic Book"/>
-            </a:endParaRPr>
-          </a:p>
-        </p:txBody>
-      </p:sp>
-      <p:sp>
-        <p:nvSpPr>
-          <p:cNvPr id="126" name="PlaceHolder 5"/>
+            <a:endParaRPr b="0" lang="en-US" sz="3200" spc="-1" strike="noStrike">
+              <a:latin typeface="Arial"/>
+            </a:endParaRPr>
+          </a:p>
+        </p:txBody>
+      </p:sp>
+      <p:sp>
+        <p:nvSpPr>
+          <p:cNvPr id="116" name="PlaceHolder 5"/>
           <p:cNvSpPr>
             <a:spLocks noGrp="1"/>
           </p:cNvSpPr>
@@ -3593,18 +3374,15 @@
             <a:normAutofit/>
           </a:bodyPr>
           <a:p>
-            <a:endParaRPr b="0" lang="en-US" sz="2000" spc="-1" strike="noStrike">
-              <a:solidFill>
-                <a:srgbClr val="191b0e"/>
-              </a:solidFill>
-              <a:latin typeface="Franklin Gothic Book"/>
-            </a:endParaRPr>
-          </a:p>
-        </p:txBody>
-      </p:sp>
-      <p:sp>
-        <p:nvSpPr>
-          <p:cNvPr id="127" name="PlaceHolder 6"/>
+            <a:endParaRPr b="0" lang="en-US" sz="3200" spc="-1" strike="noStrike">
+              <a:latin typeface="Arial"/>
+            </a:endParaRPr>
+          </a:p>
+        </p:txBody>
+      </p:sp>
+      <p:sp>
+        <p:nvSpPr>
+          <p:cNvPr id="117" name="PlaceHolder 6"/>
           <p:cNvSpPr>
             <a:spLocks noGrp="1"/>
           </p:cNvSpPr>
@@ -3626,18 +3404,15 @@
             <a:normAutofit/>
           </a:bodyPr>
           <a:p>
-            <a:endParaRPr b="0" lang="en-US" sz="2000" spc="-1" strike="noStrike">
-              <a:solidFill>
-                <a:srgbClr val="191b0e"/>
-              </a:solidFill>
-              <a:latin typeface="Franklin Gothic Book"/>
-            </a:endParaRPr>
-          </a:p>
-        </p:txBody>
-      </p:sp>
-      <p:sp>
-        <p:nvSpPr>
-          <p:cNvPr id="128" name="PlaceHolder 7"/>
+            <a:endParaRPr b="0" lang="en-US" sz="3200" spc="-1" strike="noStrike">
+              <a:latin typeface="Arial"/>
+            </a:endParaRPr>
+          </a:p>
+        </p:txBody>
+      </p:sp>
+      <p:sp>
+        <p:nvSpPr>
+          <p:cNvPr id="118" name="PlaceHolder 7"/>
           <p:cNvSpPr>
             <a:spLocks noGrp="1"/>
           </p:cNvSpPr>
@@ -3659,11 +3434,197 @@
             <a:normAutofit/>
           </a:bodyPr>
           <a:p>
-            <a:endParaRPr b="0" lang="en-US" sz="2000" spc="-1" strike="noStrike">
-              <a:solidFill>
-                <a:srgbClr val="191b0e"/>
-              </a:solidFill>
-              <a:latin typeface="Franklin Gothic Book"/>
+            <a:endParaRPr b="0" lang="en-US" sz="3200" spc="-1" strike="noStrike">
+              <a:latin typeface="Arial"/>
+            </a:endParaRPr>
+          </a:p>
+        </p:txBody>
+      </p:sp>
+    </p:spTree>
+  </p:cSld>
+</p:sldLayout>
+</file>
+
+<file path=ppt/slideLayouts/slideLayout37.xml><?xml version="1.0" encoding="utf-8"?>
+<p:sldLayout xmlns:a="http://schemas.openxmlformats.org/drawingml/2006/main" xmlns:p="http://schemas.openxmlformats.org/presentationml/2006/main" xmlns:r="http://schemas.openxmlformats.org/officeDocument/2006/relationships" xmlns:p14="http://schemas.microsoft.com/office/powerpoint/2010/main" xmlns:p15="http://schemas.microsoft.com/office/powerpoint/2012/main" xmlns:mc="http://schemas.openxmlformats.org/markup-compatibility/2006" type="blank" preserve="1">
+  <p:cSld name="Blank Slide">
+    <p:spTree>
+      <p:nvGrpSpPr>
+        <p:cNvPr id="1" name=""/>
+        <p:cNvGrpSpPr/>
+        <p:nvPr/>
+      </p:nvGrpSpPr>
+      <p:grpSpPr>
+        <a:xfrm>
+          <a:off x="0" y="0"/>
+          <a:ext cx="0" cy="0"/>
+          <a:chOff x="0" y="0"/>
+          <a:chExt cx="0" cy="0"/>
+        </a:xfrm>
+      </p:grpSpPr>
+    </p:spTree>
+  </p:cSld>
+</p:sldLayout>
+</file>
+
+<file path=ppt/slideLayouts/slideLayout38.xml><?xml version="1.0" encoding="utf-8"?>
+<p:sldLayout xmlns:a="http://schemas.openxmlformats.org/drawingml/2006/main" xmlns:p="http://schemas.openxmlformats.org/presentationml/2006/main" xmlns:r="http://schemas.openxmlformats.org/officeDocument/2006/relationships" xmlns:p14="http://schemas.microsoft.com/office/powerpoint/2010/main" xmlns:p15="http://schemas.microsoft.com/office/powerpoint/2012/main" xmlns:mc="http://schemas.openxmlformats.org/markup-compatibility/2006" type="tx" preserve="1">
+  <p:cSld name="Title Slide">
+    <p:spTree>
+      <p:nvGrpSpPr>
+        <p:cNvPr id="1" name=""/>
+        <p:cNvGrpSpPr/>
+        <p:nvPr/>
+      </p:nvGrpSpPr>
+      <p:grpSpPr>
+        <a:xfrm>
+          <a:off x="0" y="0"/>
+          <a:ext cx="0" cy="0"/>
+          <a:chOff x="0" y="0"/>
+          <a:chExt cx="0" cy="0"/>
+        </a:xfrm>
+      </p:grpSpPr>
+      <p:sp>
+        <p:nvSpPr>
+          <p:cNvPr id="122" name="PlaceHolder 1"/>
+          <p:cNvSpPr>
+            <a:spLocks noGrp="1"/>
+          </p:cNvSpPr>
+          <p:nvPr>
+            <p:ph type="title"/>
+          </p:nvPr>
+        </p:nvSpPr>
+        <p:spPr>
+          <a:xfrm>
+            <a:off x="609480" y="273600"/>
+            <a:ext cx="10972440" cy="1144800"/>
+          </a:xfrm>
+          <a:prstGeom prst="rect">
+            <a:avLst/>
+          </a:prstGeom>
+        </p:spPr>
+        <p:txBody>
+          <a:bodyPr lIns="0" rIns="0" tIns="0" bIns="0" anchor="ctr">
+            <a:noAutofit/>
+          </a:bodyPr>
+          <a:p>
+            <a:pPr algn="ctr"/>
+            <a:endParaRPr b="0" lang="en-US" sz="4400" spc="-1" strike="noStrike">
+              <a:latin typeface="Arial"/>
+            </a:endParaRPr>
+          </a:p>
+        </p:txBody>
+      </p:sp>
+      <p:sp>
+        <p:nvSpPr>
+          <p:cNvPr id="123" name="PlaceHolder 2"/>
+          <p:cNvSpPr>
+            <a:spLocks noGrp="1"/>
+          </p:cNvSpPr>
+          <p:nvPr>
+            <p:ph type="subTitle"/>
+          </p:nvPr>
+        </p:nvSpPr>
+        <p:spPr>
+          <a:xfrm>
+            <a:off x="609480" y="1604520"/>
+            <a:ext cx="10972440" cy="3977280"/>
+          </a:xfrm>
+          <a:prstGeom prst="rect">
+            <a:avLst/>
+          </a:prstGeom>
+        </p:spPr>
+        <p:txBody>
+          <a:bodyPr lIns="0" rIns="0" tIns="0" bIns="0" anchor="ctr">
+            <a:noAutofit/>
+          </a:bodyPr>
+          <a:p>
+            <a:pPr algn="ctr"/>
+            <a:endParaRPr b="0" lang="en-US" sz="3200" spc="-1" strike="noStrike">
+              <a:latin typeface="Arial"/>
+            </a:endParaRPr>
+          </a:p>
+        </p:txBody>
+      </p:sp>
+    </p:spTree>
+  </p:cSld>
+</p:sldLayout>
+</file>
+
+<file path=ppt/slideLayouts/slideLayout39.xml><?xml version="1.0" encoding="utf-8"?>
+<p:sldLayout xmlns:a="http://schemas.openxmlformats.org/drawingml/2006/main" xmlns:p="http://schemas.openxmlformats.org/presentationml/2006/main" xmlns:r="http://schemas.openxmlformats.org/officeDocument/2006/relationships" xmlns:p14="http://schemas.microsoft.com/office/powerpoint/2010/main" xmlns:p15="http://schemas.microsoft.com/office/powerpoint/2012/main" xmlns:mc="http://schemas.openxmlformats.org/markup-compatibility/2006" type="obj" preserve="1">
+  <p:cSld name="Title, Content">
+    <p:spTree>
+      <p:nvGrpSpPr>
+        <p:cNvPr id="1" name=""/>
+        <p:cNvGrpSpPr/>
+        <p:nvPr/>
+      </p:nvGrpSpPr>
+      <p:grpSpPr>
+        <a:xfrm>
+          <a:off x="0" y="0"/>
+          <a:ext cx="0" cy="0"/>
+          <a:chOff x="0" y="0"/>
+          <a:chExt cx="0" cy="0"/>
+        </a:xfrm>
+      </p:grpSpPr>
+      <p:sp>
+        <p:nvSpPr>
+          <p:cNvPr id="124" name="PlaceHolder 1"/>
+          <p:cNvSpPr>
+            <a:spLocks noGrp="1"/>
+          </p:cNvSpPr>
+          <p:nvPr>
+            <p:ph type="title"/>
+          </p:nvPr>
+        </p:nvSpPr>
+        <p:spPr>
+          <a:xfrm>
+            <a:off x="609480" y="273600"/>
+            <a:ext cx="10972440" cy="1144800"/>
+          </a:xfrm>
+          <a:prstGeom prst="rect">
+            <a:avLst/>
+          </a:prstGeom>
+        </p:spPr>
+        <p:txBody>
+          <a:bodyPr lIns="0" rIns="0" tIns="0" bIns="0" anchor="ctr">
+            <a:noAutofit/>
+          </a:bodyPr>
+          <a:p>
+            <a:pPr algn="ctr"/>
+            <a:endParaRPr b="0" lang="en-US" sz="4400" spc="-1" strike="noStrike">
+              <a:latin typeface="Arial"/>
+            </a:endParaRPr>
+          </a:p>
+        </p:txBody>
+      </p:sp>
+      <p:sp>
+        <p:nvSpPr>
+          <p:cNvPr id="125" name="PlaceHolder 2"/>
+          <p:cNvSpPr>
+            <a:spLocks noGrp="1"/>
+          </p:cNvSpPr>
+          <p:nvPr>
+            <p:ph type="body"/>
+          </p:nvPr>
+        </p:nvSpPr>
+        <p:spPr>
+          <a:xfrm>
+            <a:off x="609480" y="1604520"/>
+            <a:ext cx="10972440" cy="3977280"/>
+          </a:xfrm>
+          <a:prstGeom prst="rect">
+            <a:avLst/>
+          </a:prstGeom>
+        </p:spPr>
+        <p:txBody>
+          <a:bodyPr lIns="0" rIns="0" tIns="0" bIns="0">
+            <a:normAutofit/>
+          </a:bodyPr>
+          <a:p>
+            <a:endParaRPr b="0" lang="en-US" sz="3200" spc="-1" strike="noStrike">
+              <a:latin typeface="Arial"/>
             </a:endParaRPr>
           </a:p>
         </p:txBody>
@@ -3692,7 +3653,7 @@
       </p:grpSpPr>
       <p:sp>
         <p:nvSpPr>
-          <p:cNvPr id="13" name="PlaceHolder 1"/>
+          <p:cNvPr id="10" name="PlaceHolder 1"/>
           <p:cNvSpPr>
             <a:spLocks noGrp="1"/>
           </p:cNvSpPr>
@@ -3702,8 +3663,8 @@
         </p:nvSpPr>
         <p:spPr>
           <a:xfrm>
-            <a:off x="1371600" y="685800"/>
-            <a:ext cx="9600840" cy="1485720"/>
+            <a:off x="609480" y="273600"/>
+            <a:ext cx="10972440" cy="1144800"/>
           </a:xfrm>
           <a:prstGeom prst="rect">
             <a:avLst/>
@@ -3714,18 +3675,16 @@
             <a:noAutofit/>
           </a:bodyPr>
           <a:p>
-            <a:endParaRPr b="0" lang="en-US" sz="1800" spc="-1" strike="noStrike">
-              <a:solidFill>
-                <a:srgbClr val="000000"/>
-              </a:solidFill>
-              <a:latin typeface="Franklin Gothic Book"/>
-            </a:endParaRPr>
-          </a:p>
-        </p:txBody>
-      </p:sp>
-      <p:sp>
-        <p:nvSpPr>
-          <p:cNvPr id="14" name="PlaceHolder 2"/>
+            <a:pPr algn="ctr"/>
+            <a:endParaRPr b="0" lang="en-US" sz="4400" spc="-1" strike="noStrike">
+              <a:latin typeface="Arial"/>
+            </a:endParaRPr>
+          </a:p>
+        </p:txBody>
+      </p:sp>
+      <p:sp>
+        <p:nvSpPr>
+          <p:cNvPr id="11" name="PlaceHolder 2"/>
           <p:cNvSpPr>
             <a:spLocks noGrp="1"/>
           </p:cNvSpPr>
@@ -3747,18 +3706,15 @@
             <a:normAutofit/>
           </a:bodyPr>
           <a:p>
-            <a:endParaRPr b="0" lang="en-US" sz="2000" spc="-1" strike="noStrike">
-              <a:solidFill>
-                <a:srgbClr val="191b0e"/>
-              </a:solidFill>
-              <a:latin typeface="Franklin Gothic Book"/>
-            </a:endParaRPr>
-          </a:p>
-        </p:txBody>
-      </p:sp>
-      <p:sp>
-        <p:nvSpPr>
-          <p:cNvPr id="15" name="PlaceHolder 3"/>
+            <a:endParaRPr b="0" lang="en-US" sz="3200" spc="-1" strike="noStrike">
+              <a:latin typeface="Arial"/>
+            </a:endParaRPr>
+          </a:p>
+        </p:txBody>
+      </p:sp>
+      <p:sp>
+        <p:nvSpPr>
+          <p:cNvPr id="12" name="PlaceHolder 3"/>
           <p:cNvSpPr>
             <a:spLocks noGrp="1"/>
           </p:cNvSpPr>
@@ -3780,11 +3736,1175 @@
             <a:normAutofit/>
           </a:bodyPr>
           <a:p>
-            <a:endParaRPr b="0" lang="en-US" sz="2000" spc="-1" strike="noStrike">
-              <a:solidFill>
-                <a:srgbClr val="191b0e"/>
-              </a:solidFill>
-              <a:latin typeface="Franklin Gothic Book"/>
+            <a:endParaRPr b="0" lang="en-US" sz="3200" spc="-1" strike="noStrike">
+              <a:latin typeface="Arial"/>
+            </a:endParaRPr>
+          </a:p>
+        </p:txBody>
+      </p:sp>
+    </p:spTree>
+  </p:cSld>
+</p:sldLayout>
+</file>
+
+<file path=ppt/slideLayouts/slideLayout40.xml><?xml version="1.0" encoding="utf-8"?>
+<p:sldLayout xmlns:a="http://schemas.openxmlformats.org/drawingml/2006/main" xmlns:p="http://schemas.openxmlformats.org/presentationml/2006/main" xmlns:r="http://schemas.openxmlformats.org/officeDocument/2006/relationships" xmlns:p14="http://schemas.microsoft.com/office/powerpoint/2010/main" xmlns:p15="http://schemas.microsoft.com/office/powerpoint/2012/main" xmlns:mc="http://schemas.openxmlformats.org/markup-compatibility/2006" type="twoObj" preserve="1">
+  <p:cSld name="Title, 2 Content">
+    <p:spTree>
+      <p:nvGrpSpPr>
+        <p:cNvPr id="1" name=""/>
+        <p:cNvGrpSpPr/>
+        <p:nvPr/>
+      </p:nvGrpSpPr>
+      <p:grpSpPr>
+        <a:xfrm>
+          <a:off x="0" y="0"/>
+          <a:ext cx="0" cy="0"/>
+          <a:chOff x="0" y="0"/>
+          <a:chExt cx="0" cy="0"/>
+        </a:xfrm>
+      </p:grpSpPr>
+      <p:sp>
+        <p:nvSpPr>
+          <p:cNvPr id="126" name="PlaceHolder 1"/>
+          <p:cNvSpPr>
+            <a:spLocks noGrp="1"/>
+          </p:cNvSpPr>
+          <p:nvPr>
+            <p:ph type="title"/>
+          </p:nvPr>
+        </p:nvSpPr>
+        <p:spPr>
+          <a:xfrm>
+            <a:off x="609480" y="273600"/>
+            <a:ext cx="10972440" cy="1144800"/>
+          </a:xfrm>
+          <a:prstGeom prst="rect">
+            <a:avLst/>
+          </a:prstGeom>
+        </p:spPr>
+        <p:txBody>
+          <a:bodyPr lIns="0" rIns="0" tIns="0" bIns="0" anchor="ctr">
+            <a:noAutofit/>
+          </a:bodyPr>
+          <a:p>
+            <a:pPr algn="ctr"/>
+            <a:endParaRPr b="0" lang="en-US" sz="4400" spc="-1" strike="noStrike">
+              <a:latin typeface="Arial"/>
+            </a:endParaRPr>
+          </a:p>
+        </p:txBody>
+      </p:sp>
+      <p:sp>
+        <p:nvSpPr>
+          <p:cNvPr id="127" name="PlaceHolder 2"/>
+          <p:cNvSpPr>
+            <a:spLocks noGrp="1"/>
+          </p:cNvSpPr>
+          <p:nvPr>
+            <p:ph type="body"/>
+          </p:nvPr>
+        </p:nvSpPr>
+        <p:spPr>
+          <a:xfrm>
+            <a:off x="609480" y="1604520"/>
+            <a:ext cx="5354280" cy="3977280"/>
+          </a:xfrm>
+          <a:prstGeom prst="rect">
+            <a:avLst/>
+          </a:prstGeom>
+        </p:spPr>
+        <p:txBody>
+          <a:bodyPr lIns="0" rIns="0" tIns="0" bIns="0">
+            <a:normAutofit/>
+          </a:bodyPr>
+          <a:p>
+            <a:endParaRPr b="0" lang="en-US" sz="3200" spc="-1" strike="noStrike">
+              <a:latin typeface="Arial"/>
+            </a:endParaRPr>
+          </a:p>
+        </p:txBody>
+      </p:sp>
+      <p:sp>
+        <p:nvSpPr>
+          <p:cNvPr id="128" name="PlaceHolder 3"/>
+          <p:cNvSpPr>
+            <a:spLocks noGrp="1"/>
+          </p:cNvSpPr>
+          <p:nvPr>
+            <p:ph type="body"/>
+          </p:nvPr>
+        </p:nvSpPr>
+        <p:spPr>
+          <a:xfrm>
+            <a:off x="6231960" y="1604520"/>
+            <a:ext cx="5354280" cy="3977280"/>
+          </a:xfrm>
+          <a:prstGeom prst="rect">
+            <a:avLst/>
+          </a:prstGeom>
+        </p:spPr>
+        <p:txBody>
+          <a:bodyPr lIns="0" rIns="0" tIns="0" bIns="0">
+            <a:normAutofit/>
+          </a:bodyPr>
+          <a:p>
+            <a:endParaRPr b="0" lang="en-US" sz="3200" spc="-1" strike="noStrike">
+              <a:latin typeface="Arial"/>
+            </a:endParaRPr>
+          </a:p>
+        </p:txBody>
+      </p:sp>
+    </p:spTree>
+  </p:cSld>
+</p:sldLayout>
+</file>
+
+<file path=ppt/slideLayouts/slideLayout41.xml><?xml version="1.0" encoding="utf-8"?>
+<p:sldLayout xmlns:a="http://schemas.openxmlformats.org/drawingml/2006/main" xmlns:p="http://schemas.openxmlformats.org/presentationml/2006/main" xmlns:r="http://schemas.openxmlformats.org/officeDocument/2006/relationships" xmlns:p14="http://schemas.microsoft.com/office/powerpoint/2010/main" xmlns:p15="http://schemas.microsoft.com/office/powerpoint/2012/main" xmlns:mc="http://schemas.openxmlformats.org/markup-compatibility/2006" type="titleOnly" preserve="1">
+  <p:cSld name="Title Only">
+    <p:spTree>
+      <p:nvGrpSpPr>
+        <p:cNvPr id="1" name=""/>
+        <p:cNvGrpSpPr/>
+        <p:nvPr/>
+      </p:nvGrpSpPr>
+      <p:grpSpPr>
+        <a:xfrm>
+          <a:off x="0" y="0"/>
+          <a:ext cx="0" cy="0"/>
+          <a:chOff x="0" y="0"/>
+          <a:chExt cx="0" cy="0"/>
+        </a:xfrm>
+      </p:grpSpPr>
+      <p:sp>
+        <p:nvSpPr>
+          <p:cNvPr id="129" name="PlaceHolder 1"/>
+          <p:cNvSpPr>
+            <a:spLocks noGrp="1"/>
+          </p:cNvSpPr>
+          <p:nvPr>
+            <p:ph type="title"/>
+          </p:nvPr>
+        </p:nvSpPr>
+        <p:spPr>
+          <a:xfrm>
+            <a:off x="609480" y="273600"/>
+            <a:ext cx="10972440" cy="1144800"/>
+          </a:xfrm>
+          <a:prstGeom prst="rect">
+            <a:avLst/>
+          </a:prstGeom>
+        </p:spPr>
+        <p:txBody>
+          <a:bodyPr lIns="0" rIns="0" tIns="0" bIns="0" anchor="ctr">
+            <a:noAutofit/>
+          </a:bodyPr>
+          <a:p>
+            <a:pPr algn="ctr"/>
+            <a:endParaRPr b="0" lang="en-US" sz="4400" spc="-1" strike="noStrike">
+              <a:latin typeface="Arial"/>
+            </a:endParaRPr>
+          </a:p>
+        </p:txBody>
+      </p:sp>
+    </p:spTree>
+  </p:cSld>
+</p:sldLayout>
+</file>
+
+<file path=ppt/slideLayouts/slideLayout42.xml><?xml version="1.0" encoding="utf-8"?>
+<p:sldLayout xmlns:a="http://schemas.openxmlformats.org/drawingml/2006/main" xmlns:p="http://schemas.openxmlformats.org/presentationml/2006/main" xmlns:r="http://schemas.openxmlformats.org/officeDocument/2006/relationships" xmlns:p14="http://schemas.microsoft.com/office/powerpoint/2010/main" xmlns:p15="http://schemas.microsoft.com/office/powerpoint/2012/main" xmlns:mc="http://schemas.openxmlformats.org/markup-compatibility/2006" type="objOnly" preserve="1">
+  <p:cSld name="Centered Text">
+    <p:spTree>
+      <p:nvGrpSpPr>
+        <p:cNvPr id="1" name=""/>
+        <p:cNvGrpSpPr/>
+        <p:nvPr/>
+      </p:nvGrpSpPr>
+      <p:grpSpPr>
+        <a:xfrm>
+          <a:off x="0" y="0"/>
+          <a:ext cx="0" cy="0"/>
+          <a:chOff x="0" y="0"/>
+          <a:chExt cx="0" cy="0"/>
+        </a:xfrm>
+      </p:grpSpPr>
+      <p:sp>
+        <p:nvSpPr>
+          <p:cNvPr id="130" name="PlaceHolder 1"/>
+          <p:cNvSpPr>
+            <a:spLocks noGrp="1"/>
+          </p:cNvSpPr>
+          <p:nvPr>
+            <p:ph type="subTitle"/>
+          </p:nvPr>
+        </p:nvSpPr>
+        <p:spPr>
+          <a:xfrm>
+            <a:off x="609480" y="273600"/>
+            <a:ext cx="10972440" cy="5307840"/>
+          </a:xfrm>
+          <a:prstGeom prst="rect">
+            <a:avLst/>
+          </a:prstGeom>
+        </p:spPr>
+        <p:txBody>
+          <a:bodyPr lIns="0" rIns="0" tIns="0" bIns="0" anchor="ctr">
+            <a:noAutofit/>
+          </a:bodyPr>
+          <a:p>
+            <a:pPr algn="ctr"/>
+            <a:endParaRPr b="0" lang="en-US" sz="3200" spc="-1" strike="noStrike">
+              <a:latin typeface="Arial"/>
+            </a:endParaRPr>
+          </a:p>
+        </p:txBody>
+      </p:sp>
+    </p:spTree>
+  </p:cSld>
+</p:sldLayout>
+</file>
+
+<file path=ppt/slideLayouts/slideLayout43.xml><?xml version="1.0" encoding="utf-8"?>
+<p:sldLayout xmlns:a="http://schemas.openxmlformats.org/drawingml/2006/main" xmlns:p="http://schemas.openxmlformats.org/presentationml/2006/main" xmlns:r="http://schemas.openxmlformats.org/officeDocument/2006/relationships" xmlns:p14="http://schemas.microsoft.com/office/powerpoint/2010/main" xmlns:p15="http://schemas.microsoft.com/office/powerpoint/2012/main" xmlns:mc="http://schemas.openxmlformats.org/markup-compatibility/2006" type="twoObjAndObj" preserve="1">
+  <p:cSld name="Title, 2 Content and Content">
+    <p:spTree>
+      <p:nvGrpSpPr>
+        <p:cNvPr id="1" name=""/>
+        <p:cNvGrpSpPr/>
+        <p:nvPr/>
+      </p:nvGrpSpPr>
+      <p:grpSpPr>
+        <a:xfrm>
+          <a:off x="0" y="0"/>
+          <a:ext cx="0" cy="0"/>
+          <a:chOff x="0" y="0"/>
+          <a:chExt cx="0" cy="0"/>
+        </a:xfrm>
+      </p:grpSpPr>
+      <p:sp>
+        <p:nvSpPr>
+          <p:cNvPr id="131" name="PlaceHolder 1"/>
+          <p:cNvSpPr>
+            <a:spLocks noGrp="1"/>
+          </p:cNvSpPr>
+          <p:nvPr>
+            <p:ph type="title"/>
+          </p:nvPr>
+        </p:nvSpPr>
+        <p:spPr>
+          <a:xfrm>
+            <a:off x="609480" y="273600"/>
+            <a:ext cx="10972440" cy="1144800"/>
+          </a:xfrm>
+          <a:prstGeom prst="rect">
+            <a:avLst/>
+          </a:prstGeom>
+        </p:spPr>
+        <p:txBody>
+          <a:bodyPr lIns="0" rIns="0" tIns="0" bIns="0" anchor="ctr">
+            <a:noAutofit/>
+          </a:bodyPr>
+          <a:p>
+            <a:pPr algn="ctr"/>
+            <a:endParaRPr b="0" lang="en-US" sz="4400" spc="-1" strike="noStrike">
+              <a:latin typeface="Arial"/>
+            </a:endParaRPr>
+          </a:p>
+        </p:txBody>
+      </p:sp>
+      <p:sp>
+        <p:nvSpPr>
+          <p:cNvPr id="132" name="PlaceHolder 2"/>
+          <p:cNvSpPr>
+            <a:spLocks noGrp="1"/>
+          </p:cNvSpPr>
+          <p:nvPr>
+            <p:ph type="body"/>
+          </p:nvPr>
+        </p:nvSpPr>
+        <p:spPr>
+          <a:xfrm>
+            <a:off x="609480" y="1604520"/>
+            <a:ext cx="5354280" cy="1896840"/>
+          </a:xfrm>
+          <a:prstGeom prst="rect">
+            <a:avLst/>
+          </a:prstGeom>
+        </p:spPr>
+        <p:txBody>
+          <a:bodyPr lIns="0" rIns="0" tIns="0" bIns="0">
+            <a:normAutofit/>
+          </a:bodyPr>
+          <a:p>
+            <a:endParaRPr b="0" lang="en-US" sz="3200" spc="-1" strike="noStrike">
+              <a:latin typeface="Arial"/>
+            </a:endParaRPr>
+          </a:p>
+        </p:txBody>
+      </p:sp>
+      <p:sp>
+        <p:nvSpPr>
+          <p:cNvPr id="133" name="PlaceHolder 3"/>
+          <p:cNvSpPr>
+            <a:spLocks noGrp="1"/>
+          </p:cNvSpPr>
+          <p:nvPr>
+            <p:ph type="body"/>
+          </p:nvPr>
+        </p:nvSpPr>
+        <p:spPr>
+          <a:xfrm>
+            <a:off x="6231960" y="1604520"/>
+            <a:ext cx="5354280" cy="3977280"/>
+          </a:xfrm>
+          <a:prstGeom prst="rect">
+            <a:avLst/>
+          </a:prstGeom>
+        </p:spPr>
+        <p:txBody>
+          <a:bodyPr lIns="0" rIns="0" tIns="0" bIns="0">
+            <a:normAutofit/>
+          </a:bodyPr>
+          <a:p>
+            <a:endParaRPr b="0" lang="en-US" sz="3200" spc="-1" strike="noStrike">
+              <a:latin typeface="Arial"/>
+            </a:endParaRPr>
+          </a:p>
+        </p:txBody>
+      </p:sp>
+      <p:sp>
+        <p:nvSpPr>
+          <p:cNvPr id="134" name="PlaceHolder 4"/>
+          <p:cNvSpPr>
+            <a:spLocks noGrp="1"/>
+          </p:cNvSpPr>
+          <p:nvPr>
+            <p:ph type="body"/>
+          </p:nvPr>
+        </p:nvSpPr>
+        <p:spPr>
+          <a:xfrm>
+            <a:off x="609480" y="3682080"/>
+            <a:ext cx="5354280" cy="1896840"/>
+          </a:xfrm>
+          <a:prstGeom prst="rect">
+            <a:avLst/>
+          </a:prstGeom>
+        </p:spPr>
+        <p:txBody>
+          <a:bodyPr lIns="0" rIns="0" tIns="0" bIns="0">
+            <a:normAutofit/>
+          </a:bodyPr>
+          <a:p>
+            <a:endParaRPr b="0" lang="en-US" sz="3200" spc="-1" strike="noStrike">
+              <a:latin typeface="Arial"/>
+            </a:endParaRPr>
+          </a:p>
+        </p:txBody>
+      </p:sp>
+    </p:spTree>
+  </p:cSld>
+</p:sldLayout>
+</file>
+
+<file path=ppt/slideLayouts/slideLayout44.xml><?xml version="1.0" encoding="utf-8"?>
+<p:sldLayout xmlns:a="http://schemas.openxmlformats.org/drawingml/2006/main" xmlns:p="http://schemas.openxmlformats.org/presentationml/2006/main" xmlns:r="http://schemas.openxmlformats.org/officeDocument/2006/relationships" xmlns:p14="http://schemas.microsoft.com/office/powerpoint/2010/main" xmlns:p15="http://schemas.microsoft.com/office/powerpoint/2012/main" xmlns:mc="http://schemas.openxmlformats.org/markup-compatibility/2006" type="objAndTwoObj" preserve="1">
+  <p:cSld name="Title Content and 2 Content">
+    <p:spTree>
+      <p:nvGrpSpPr>
+        <p:cNvPr id="1" name=""/>
+        <p:cNvGrpSpPr/>
+        <p:nvPr/>
+      </p:nvGrpSpPr>
+      <p:grpSpPr>
+        <a:xfrm>
+          <a:off x="0" y="0"/>
+          <a:ext cx="0" cy="0"/>
+          <a:chOff x="0" y="0"/>
+          <a:chExt cx="0" cy="0"/>
+        </a:xfrm>
+      </p:grpSpPr>
+      <p:sp>
+        <p:nvSpPr>
+          <p:cNvPr id="135" name="PlaceHolder 1"/>
+          <p:cNvSpPr>
+            <a:spLocks noGrp="1"/>
+          </p:cNvSpPr>
+          <p:nvPr>
+            <p:ph type="title"/>
+          </p:nvPr>
+        </p:nvSpPr>
+        <p:spPr>
+          <a:xfrm>
+            <a:off x="609480" y="273600"/>
+            <a:ext cx="10972440" cy="1144800"/>
+          </a:xfrm>
+          <a:prstGeom prst="rect">
+            <a:avLst/>
+          </a:prstGeom>
+        </p:spPr>
+        <p:txBody>
+          <a:bodyPr lIns="0" rIns="0" tIns="0" bIns="0" anchor="ctr">
+            <a:noAutofit/>
+          </a:bodyPr>
+          <a:p>
+            <a:pPr algn="ctr"/>
+            <a:endParaRPr b="0" lang="en-US" sz="4400" spc="-1" strike="noStrike">
+              <a:latin typeface="Arial"/>
+            </a:endParaRPr>
+          </a:p>
+        </p:txBody>
+      </p:sp>
+      <p:sp>
+        <p:nvSpPr>
+          <p:cNvPr id="136" name="PlaceHolder 2"/>
+          <p:cNvSpPr>
+            <a:spLocks noGrp="1"/>
+          </p:cNvSpPr>
+          <p:nvPr>
+            <p:ph type="body"/>
+          </p:nvPr>
+        </p:nvSpPr>
+        <p:spPr>
+          <a:xfrm>
+            <a:off x="609480" y="1604520"/>
+            <a:ext cx="5354280" cy="3977280"/>
+          </a:xfrm>
+          <a:prstGeom prst="rect">
+            <a:avLst/>
+          </a:prstGeom>
+        </p:spPr>
+        <p:txBody>
+          <a:bodyPr lIns="0" rIns="0" tIns="0" bIns="0">
+            <a:normAutofit/>
+          </a:bodyPr>
+          <a:p>
+            <a:endParaRPr b="0" lang="en-US" sz="3200" spc="-1" strike="noStrike">
+              <a:latin typeface="Arial"/>
+            </a:endParaRPr>
+          </a:p>
+        </p:txBody>
+      </p:sp>
+      <p:sp>
+        <p:nvSpPr>
+          <p:cNvPr id="137" name="PlaceHolder 3"/>
+          <p:cNvSpPr>
+            <a:spLocks noGrp="1"/>
+          </p:cNvSpPr>
+          <p:nvPr>
+            <p:ph type="body"/>
+          </p:nvPr>
+        </p:nvSpPr>
+        <p:spPr>
+          <a:xfrm>
+            <a:off x="6231960" y="1604520"/>
+            <a:ext cx="5354280" cy="1896840"/>
+          </a:xfrm>
+          <a:prstGeom prst="rect">
+            <a:avLst/>
+          </a:prstGeom>
+        </p:spPr>
+        <p:txBody>
+          <a:bodyPr lIns="0" rIns="0" tIns="0" bIns="0">
+            <a:normAutofit/>
+          </a:bodyPr>
+          <a:p>
+            <a:endParaRPr b="0" lang="en-US" sz="3200" spc="-1" strike="noStrike">
+              <a:latin typeface="Arial"/>
+            </a:endParaRPr>
+          </a:p>
+        </p:txBody>
+      </p:sp>
+      <p:sp>
+        <p:nvSpPr>
+          <p:cNvPr id="138" name="PlaceHolder 4"/>
+          <p:cNvSpPr>
+            <a:spLocks noGrp="1"/>
+          </p:cNvSpPr>
+          <p:nvPr>
+            <p:ph type="body"/>
+          </p:nvPr>
+        </p:nvSpPr>
+        <p:spPr>
+          <a:xfrm>
+            <a:off x="6231960" y="3682080"/>
+            <a:ext cx="5354280" cy="1896840"/>
+          </a:xfrm>
+          <a:prstGeom prst="rect">
+            <a:avLst/>
+          </a:prstGeom>
+        </p:spPr>
+        <p:txBody>
+          <a:bodyPr lIns="0" rIns="0" tIns="0" bIns="0">
+            <a:normAutofit/>
+          </a:bodyPr>
+          <a:p>
+            <a:endParaRPr b="0" lang="en-US" sz="3200" spc="-1" strike="noStrike">
+              <a:latin typeface="Arial"/>
+            </a:endParaRPr>
+          </a:p>
+        </p:txBody>
+      </p:sp>
+    </p:spTree>
+  </p:cSld>
+</p:sldLayout>
+</file>
+
+<file path=ppt/slideLayouts/slideLayout45.xml><?xml version="1.0" encoding="utf-8"?>
+<p:sldLayout xmlns:a="http://schemas.openxmlformats.org/drawingml/2006/main" xmlns:p="http://schemas.openxmlformats.org/presentationml/2006/main" xmlns:r="http://schemas.openxmlformats.org/officeDocument/2006/relationships" xmlns:p14="http://schemas.microsoft.com/office/powerpoint/2010/main" xmlns:p15="http://schemas.microsoft.com/office/powerpoint/2012/main" xmlns:mc="http://schemas.openxmlformats.org/markup-compatibility/2006" type="twoObjOverTx" preserve="1">
+  <p:cSld name="Title, 2 Content over Content">
+    <p:spTree>
+      <p:nvGrpSpPr>
+        <p:cNvPr id="1" name=""/>
+        <p:cNvGrpSpPr/>
+        <p:nvPr/>
+      </p:nvGrpSpPr>
+      <p:grpSpPr>
+        <a:xfrm>
+          <a:off x="0" y="0"/>
+          <a:ext cx="0" cy="0"/>
+          <a:chOff x="0" y="0"/>
+          <a:chExt cx="0" cy="0"/>
+        </a:xfrm>
+      </p:grpSpPr>
+      <p:sp>
+        <p:nvSpPr>
+          <p:cNvPr id="139" name="PlaceHolder 1"/>
+          <p:cNvSpPr>
+            <a:spLocks noGrp="1"/>
+          </p:cNvSpPr>
+          <p:nvPr>
+            <p:ph type="title"/>
+          </p:nvPr>
+        </p:nvSpPr>
+        <p:spPr>
+          <a:xfrm>
+            <a:off x="609480" y="273600"/>
+            <a:ext cx="10972440" cy="1144800"/>
+          </a:xfrm>
+          <a:prstGeom prst="rect">
+            <a:avLst/>
+          </a:prstGeom>
+        </p:spPr>
+        <p:txBody>
+          <a:bodyPr lIns="0" rIns="0" tIns="0" bIns="0" anchor="ctr">
+            <a:noAutofit/>
+          </a:bodyPr>
+          <a:p>
+            <a:pPr algn="ctr"/>
+            <a:endParaRPr b="0" lang="en-US" sz="4400" spc="-1" strike="noStrike">
+              <a:latin typeface="Arial"/>
+            </a:endParaRPr>
+          </a:p>
+        </p:txBody>
+      </p:sp>
+      <p:sp>
+        <p:nvSpPr>
+          <p:cNvPr id="140" name="PlaceHolder 2"/>
+          <p:cNvSpPr>
+            <a:spLocks noGrp="1"/>
+          </p:cNvSpPr>
+          <p:nvPr>
+            <p:ph type="body"/>
+          </p:nvPr>
+        </p:nvSpPr>
+        <p:spPr>
+          <a:xfrm>
+            <a:off x="609480" y="1604520"/>
+            <a:ext cx="5354280" cy="1896840"/>
+          </a:xfrm>
+          <a:prstGeom prst="rect">
+            <a:avLst/>
+          </a:prstGeom>
+        </p:spPr>
+        <p:txBody>
+          <a:bodyPr lIns="0" rIns="0" tIns="0" bIns="0">
+            <a:normAutofit/>
+          </a:bodyPr>
+          <a:p>
+            <a:endParaRPr b="0" lang="en-US" sz="3200" spc="-1" strike="noStrike">
+              <a:latin typeface="Arial"/>
+            </a:endParaRPr>
+          </a:p>
+        </p:txBody>
+      </p:sp>
+      <p:sp>
+        <p:nvSpPr>
+          <p:cNvPr id="141" name="PlaceHolder 3"/>
+          <p:cNvSpPr>
+            <a:spLocks noGrp="1"/>
+          </p:cNvSpPr>
+          <p:nvPr>
+            <p:ph type="body"/>
+          </p:nvPr>
+        </p:nvSpPr>
+        <p:spPr>
+          <a:xfrm>
+            <a:off x="6231960" y="1604520"/>
+            <a:ext cx="5354280" cy="1896840"/>
+          </a:xfrm>
+          <a:prstGeom prst="rect">
+            <a:avLst/>
+          </a:prstGeom>
+        </p:spPr>
+        <p:txBody>
+          <a:bodyPr lIns="0" rIns="0" tIns="0" bIns="0">
+            <a:normAutofit/>
+          </a:bodyPr>
+          <a:p>
+            <a:endParaRPr b="0" lang="en-US" sz="3200" spc="-1" strike="noStrike">
+              <a:latin typeface="Arial"/>
+            </a:endParaRPr>
+          </a:p>
+        </p:txBody>
+      </p:sp>
+      <p:sp>
+        <p:nvSpPr>
+          <p:cNvPr id="142" name="PlaceHolder 4"/>
+          <p:cNvSpPr>
+            <a:spLocks noGrp="1"/>
+          </p:cNvSpPr>
+          <p:nvPr>
+            <p:ph type="body"/>
+          </p:nvPr>
+        </p:nvSpPr>
+        <p:spPr>
+          <a:xfrm>
+            <a:off x="609480" y="3682080"/>
+            <a:ext cx="10972440" cy="1896840"/>
+          </a:xfrm>
+          <a:prstGeom prst="rect">
+            <a:avLst/>
+          </a:prstGeom>
+        </p:spPr>
+        <p:txBody>
+          <a:bodyPr lIns="0" rIns="0" tIns="0" bIns="0">
+            <a:normAutofit/>
+          </a:bodyPr>
+          <a:p>
+            <a:endParaRPr b="0" lang="en-US" sz="3200" spc="-1" strike="noStrike">
+              <a:latin typeface="Arial"/>
+            </a:endParaRPr>
+          </a:p>
+        </p:txBody>
+      </p:sp>
+    </p:spTree>
+  </p:cSld>
+</p:sldLayout>
+</file>
+
+<file path=ppt/slideLayouts/slideLayout46.xml><?xml version="1.0" encoding="utf-8"?>
+<p:sldLayout xmlns:a="http://schemas.openxmlformats.org/drawingml/2006/main" xmlns:p="http://schemas.openxmlformats.org/presentationml/2006/main" xmlns:r="http://schemas.openxmlformats.org/officeDocument/2006/relationships" xmlns:p14="http://schemas.microsoft.com/office/powerpoint/2010/main" xmlns:p15="http://schemas.microsoft.com/office/powerpoint/2012/main" xmlns:mc="http://schemas.openxmlformats.org/markup-compatibility/2006" type="objOverTx" preserve="1">
+  <p:cSld name="Title, Content over Content">
+    <p:spTree>
+      <p:nvGrpSpPr>
+        <p:cNvPr id="1" name=""/>
+        <p:cNvGrpSpPr/>
+        <p:nvPr/>
+      </p:nvGrpSpPr>
+      <p:grpSpPr>
+        <a:xfrm>
+          <a:off x="0" y="0"/>
+          <a:ext cx="0" cy="0"/>
+          <a:chOff x="0" y="0"/>
+          <a:chExt cx="0" cy="0"/>
+        </a:xfrm>
+      </p:grpSpPr>
+      <p:sp>
+        <p:nvSpPr>
+          <p:cNvPr id="143" name="PlaceHolder 1"/>
+          <p:cNvSpPr>
+            <a:spLocks noGrp="1"/>
+          </p:cNvSpPr>
+          <p:nvPr>
+            <p:ph type="title"/>
+          </p:nvPr>
+        </p:nvSpPr>
+        <p:spPr>
+          <a:xfrm>
+            <a:off x="609480" y="273600"/>
+            <a:ext cx="10972440" cy="1144800"/>
+          </a:xfrm>
+          <a:prstGeom prst="rect">
+            <a:avLst/>
+          </a:prstGeom>
+        </p:spPr>
+        <p:txBody>
+          <a:bodyPr lIns="0" rIns="0" tIns="0" bIns="0" anchor="ctr">
+            <a:noAutofit/>
+          </a:bodyPr>
+          <a:p>
+            <a:pPr algn="ctr"/>
+            <a:endParaRPr b="0" lang="en-US" sz="4400" spc="-1" strike="noStrike">
+              <a:latin typeface="Arial"/>
+            </a:endParaRPr>
+          </a:p>
+        </p:txBody>
+      </p:sp>
+      <p:sp>
+        <p:nvSpPr>
+          <p:cNvPr id="144" name="PlaceHolder 2"/>
+          <p:cNvSpPr>
+            <a:spLocks noGrp="1"/>
+          </p:cNvSpPr>
+          <p:nvPr>
+            <p:ph type="body"/>
+          </p:nvPr>
+        </p:nvSpPr>
+        <p:spPr>
+          <a:xfrm>
+            <a:off x="609480" y="1604520"/>
+            <a:ext cx="10972440" cy="1896840"/>
+          </a:xfrm>
+          <a:prstGeom prst="rect">
+            <a:avLst/>
+          </a:prstGeom>
+        </p:spPr>
+        <p:txBody>
+          <a:bodyPr lIns="0" rIns="0" tIns="0" bIns="0">
+            <a:normAutofit/>
+          </a:bodyPr>
+          <a:p>
+            <a:endParaRPr b="0" lang="en-US" sz="3200" spc="-1" strike="noStrike">
+              <a:latin typeface="Arial"/>
+            </a:endParaRPr>
+          </a:p>
+        </p:txBody>
+      </p:sp>
+      <p:sp>
+        <p:nvSpPr>
+          <p:cNvPr id="145" name="PlaceHolder 3"/>
+          <p:cNvSpPr>
+            <a:spLocks noGrp="1"/>
+          </p:cNvSpPr>
+          <p:nvPr>
+            <p:ph type="body"/>
+          </p:nvPr>
+        </p:nvSpPr>
+        <p:spPr>
+          <a:xfrm>
+            <a:off x="609480" y="3682080"/>
+            <a:ext cx="10972440" cy="1896840"/>
+          </a:xfrm>
+          <a:prstGeom prst="rect">
+            <a:avLst/>
+          </a:prstGeom>
+        </p:spPr>
+        <p:txBody>
+          <a:bodyPr lIns="0" rIns="0" tIns="0" bIns="0">
+            <a:normAutofit/>
+          </a:bodyPr>
+          <a:p>
+            <a:endParaRPr b="0" lang="en-US" sz="3200" spc="-1" strike="noStrike">
+              <a:latin typeface="Arial"/>
+            </a:endParaRPr>
+          </a:p>
+        </p:txBody>
+      </p:sp>
+    </p:spTree>
+  </p:cSld>
+</p:sldLayout>
+</file>
+
+<file path=ppt/slideLayouts/slideLayout47.xml><?xml version="1.0" encoding="utf-8"?>
+<p:sldLayout xmlns:a="http://schemas.openxmlformats.org/drawingml/2006/main" xmlns:p="http://schemas.openxmlformats.org/presentationml/2006/main" xmlns:r="http://schemas.openxmlformats.org/officeDocument/2006/relationships" xmlns:p14="http://schemas.microsoft.com/office/powerpoint/2010/main" xmlns:p15="http://schemas.microsoft.com/office/powerpoint/2012/main" xmlns:mc="http://schemas.openxmlformats.org/markup-compatibility/2006" type="fourObj" preserve="1">
+  <p:cSld name="Title, 4 Content">
+    <p:spTree>
+      <p:nvGrpSpPr>
+        <p:cNvPr id="1" name=""/>
+        <p:cNvGrpSpPr/>
+        <p:nvPr/>
+      </p:nvGrpSpPr>
+      <p:grpSpPr>
+        <a:xfrm>
+          <a:off x="0" y="0"/>
+          <a:ext cx="0" cy="0"/>
+          <a:chOff x="0" y="0"/>
+          <a:chExt cx="0" cy="0"/>
+        </a:xfrm>
+      </p:grpSpPr>
+      <p:sp>
+        <p:nvSpPr>
+          <p:cNvPr id="146" name="PlaceHolder 1"/>
+          <p:cNvSpPr>
+            <a:spLocks noGrp="1"/>
+          </p:cNvSpPr>
+          <p:nvPr>
+            <p:ph type="title"/>
+          </p:nvPr>
+        </p:nvSpPr>
+        <p:spPr>
+          <a:xfrm>
+            <a:off x="609480" y="273600"/>
+            <a:ext cx="10972440" cy="1144800"/>
+          </a:xfrm>
+          <a:prstGeom prst="rect">
+            <a:avLst/>
+          </a:prstGeom>
+        </p:spPr>
+        <p:txBody>
+          <a:bodyPr lIns="0" rIns="0" tIns="0" bIns="0" anchor="ctr">
+            <a:noAutofit/>
+          </a:bodyPr>
+          <a:p>
+            <a:pPr algn="ctr"/>
+            <a:endParaRPr b="0" lang="en-US" sz="4400" spc="-1" strike="noStrike">
+              <a:latin typeface="Arial"/>
+            </a:endParaRPr>
+          </a:p>
+        </p:txBody>
+      </p:sp>
+      <p:sp>
+        <p:nvSpPr>
+          <p:cNvPr id="147" name="PlaceHolder 2"/>
+          <p:cNvSpPr>
+            <a:spLocks noGrp="1"/>
+          </p:cNvSpPr>
+          <p:nvPr>
+            <p:ph type="body"/>
+          </p:nvPr>
+        </p:nvSpPr>
+        <p:spPr>
+          <a:xfrm>
+            <a:off x="609480" y="1604520"/>
+            <a:ext cx="5354280" cy="1896840"/>
+          </a:xfrm>
+          <a:prstGeom prst="rect">
+            <a:avLst/>
+          </a:prstGeom>
+        </p:spPr>
+        <p:txBody>
+          <a:bodyPr lIns="0" rIns="0" tIns="0" bIns="0">
+            <a:normAutofit/>
+          </a:bodyPr>
+          <a:p>
+            <a:endParaRPr b="0" lang="en-US" sz="3200" spc="-1" strike="noStrike">
+              <a:latin typeface="Arial"/>
+            </a:endParaRPr>
+          </a:p>
+        </p:txBody>
+      </p:sp>
+      <p:sp>
+        <p:nvSpPr>
+          <p:cNvPr id="148" name="PlaceHolder 3"/>
+          <p:cNvSpPr>
+            <a:spLocks noGrp="1"/>
+          </p:cNvSpPr>
+          <p:nvPr>
+            <p:ph type="body"/>
+          </p:nvPr>
+        </p:nvSpPr>
+        <p:spPr>
+          <a:xfrm>
+            <a:off x="6231960" y="1604520"/>
+            <a:ext cx="5354280" cy="1896840"/>
+          </a:xfrm>
+          <a:prstGeom prst="rect">
+            <a:avLst/>
+          </a:prstGeom>
+        </p:spPr>
+        <p:txBody>
+          <a:bodyPr lIns="0" rIns="0" tIns="0" bIns="0">
+            <a:normAutofit/>
+          </a:bodyPr>
+          <a:p>
+            <a:endParaRPr b="0" lang="en-US" sz="3200" spc="-1" strike="noStrike">
+              <a:latin typeface="Arial"/>
+            </a:endParaRPr>
+          </a:p>
+        </p:txBody>
+      </p:sp>
+      <p:sp>
+        <p:nvSpPr>
+          <p:cNvPr id="149" name="PlaceHolder 4"/>
+          <p:cNvSpPr>
+            <a:spLocks noGrp="1"/>
+          </p:cNvSpPr>
+          <p:nvPr>
+            <p:ph type="body"/>
+          </p:nvPr>
+        </p:nvSpPr>
+        <p:spPr>
+          <a:xfrm>
+            <a:off x="609480" y="3682080"/>
+            <a:ext cx="5354280" cy="1896840"/>
+          </a:xfrm>
+          <a:prstGeom prst="rect">
+            <a:avLst/>
+          </a:prstGeom>
+        </p:spPr>
+        <p:txBody>
+          <a:bodyPr lIns="0" rIns="0" tIns="0" bIns="0">
+            <a:normAutofit/>
+          </a:bodyPr>
+          <a:p>
+            <a:endParaRPr b="0" lang="en-US" sz="3200" spc="-1" strike="noStrike">
+              <a:latin typeface="Arial"/>
+            </a:endParaRPr>
+          </a:p>
+        </p:txBody>
+      </p:sp>
+      <p:sp>
+        <p:nvSpPr>
+          <p:cNvPr id="150" name="PlaceHolder 5"/>
+          <p:cNvSpPr>
+            <a:spLocks noGrp="1"/>
+          </p:cNvSpPr>
+          <p:nvPr>
+            <p:ph type="body"/>
+          </p:nvPr>
+        </p:nvSpPr>
+        <p:spPr>
+          <a:xfrm>
+            <a:off x="6231960" y="3682080"/>
+            <a:ext cx="5354280" cy="1896840"/>
+          </a:xfrm>
+          <a:prstGeom prst="rect">
+            <a:avLst/>
+          </a:prstGeom>
+        </p:spPr>
+        <p:txBody>
+          <a:bodyPr lIns="0" rIns="0" tIns="0" bIns="0">
+            <a:normAutofit/>
+          </a:bodyPr>
+          <a:p>
+            <a:endParaRPr b="0" lang="en-US" sz="3200" spc="-1" strike="noStrike">
+              <a:latin typeface="Arial"/>
+            </a:endParaRPr>
+          </a:p>
+        </p:txBody>
+      </p:sp>
+    </p:spTree>
+  </p:cSld>
+</p:sldLayout>
+</file>
+
+<file path=ppt/slideLayouts/slideLayout48.xml><?xml version="1.0" encoding="utf-8"?>
+<p:sldLayout xmlns:a="http://schemas.openxmlformats.org/drawingml/2006/main" xmlns:p="http://schemas.openxmlformats.org/presentationml/2006/main" xmlns:r="http://schemas.openxmlformats.org/officeDocument/2006/relationships" xmlns:p14="http://schemas.microsoft.com/office/powerpoint/2010/main" xmlns:p15="http://schemas.microsoft.com/office/powerpoint/2012/main" xmlns:mc="http://schemas.openxmlformats.org/markup-compatibility/2006" type="blank" preserve="1">
+  <p:cSld name="Title, 6 Content">
+    <p:spTree>
+      <p:nvGrpSpPr>
+        <p:cNvPr id="1" name=""/>
+        <p:cNvGrpSpPr/>
+        <p:nvPr/>
+      </p:nvGrpSpPr>
+      <p:grpSpPr>
+        <a:xfrm>
+          <a:off x="0" y="0"/>
+          <a:ext cx="0" cy="0"/>
+          <a:chOff x="0" y="0"/>
+          <a:chExt cx="0" cy="0"/>
+        </a:xfrm>
+      </p:grpSpPr>
+      <p:sp>
+        <p:nvSpPr>
+          <p:cNvPr id="151" name="PlaceHolder 1"/>
+          <p:cNvSpPr>
+            <a:spLocks noGrp="1"/>
+          </p:cNvSpPr>
+          <p:nvPr>
+            <p:ph type="title"/>
+          </p:nvPr>
+        </p:nvSpPr>
+        <p:spPr>
+          <a:xfrm>
+            <a:off x="609480" y="273600"/>
+            <a:ext cx="10972440" cy="1144800"/>
+          </a:xfrm>
+          <a:prstGeom prst="rect">
+            <a:avLst/>
+          </a:prstGeom>
+        </p:spPr>
+        <p:txBody>
+          <a:bodyPr lIns="0" rIns="0" tIns="0" bIns="0" anchor="ctr">
+            <a:noAutofit/>
+          </a:bodyPr>
+          <a:p>
+            <a:pPr algn="ctr"/>
+            <a:endParaRPr b="0" lang="en-US" sz="4400" spc="-1" strike="noStrike">
+              <a:latin typeface="Arial"/>
+            </a:endParaRPr>
+          </a:p>
+        </p:txBody>
+      </p:sp>
+      <p:sp>
+        <p:nvSpPr>
+          <p:cNvPr id="152" name="PlaceHolder 2"/>
+          <p:cNvSpPr>
+            <a:spLocks noGrp="1"/>
+          </p:cNvSpPr>
+          <p:nvPr>
+            <p:ph type="body"/>
+          </p:nvPr>
+        </p:nvSpPr>
+        <p:spPr>
+          <a:xfrm>
+            <a:off x="609480" y="1604520"/>
+            <a:ext cx="3533040" cy="1896840"/>
+          </a:xfrm>
+          <a:prstGeom prst="rect">
+            <a:avLst/>
+          </a:prstGeom>
+        </p:spPr>
+        <p:txBody>
+          <a:bodyPr lIns="0" rIns="0" tIns="0" bIns="0">
+            <a:normAutofit/>
+          </a:bodyPr>
+          <a:p>
+            <a:endParaRPr b="0" lang="en-US" sz="3200" spc="-1" strike="noStrike">
+              <a:latin typeface="Arial"/>
+            </a:endParaRPr>
+          </a:p>
+        </p:txBody>
+      </p:sp>
+      <p:sp>
+        <p:nvSpPr>
+          <p:cNvPr id="153" name="PlaceHolder 3"/>
+          <p:cNvSpPr>
+            <a:spLocks noGrp="1"/>
+          </p:cNvSpPr>
+          <p:nvPr>
+            <p:ph type="body"/>
+          </p:nvPr>
+        </p:nvSpPr>
+        <p:spPr>
+          <a:xfrm>
+            <a:off x="4319640" y="1604520"/>
+            <a:ext cx="3533040" cy="1896840"/>
+          </a:xfrm>
+          <a:prstGeom prst="rect">
+            <a:avLst/>
+          </a:prstGeom>
+        </p:spPr>
+        <p:txBody>
+          <a:bodyPr lIns="0" rIns="0" tIns="0" bIns="0">
+            <a:normAutofit/>
+          </a:bodyPr>
+          <a:p>
+            <a:endParaRPr b="0" lang="en-US" sz="3200" spc="-1" strike="noStrike">
+              <a:latin typeface="Arial"/>
+            </a:endParaRPr>
+          </a:p>
+        </p:txBody>
+      </p:sp>
+      <p:sp>
+        <p:nvSpPr>
+          <p:cNvPr id="154" name="PlaceHolder 4"/>
+          <p:cNvSpPr>
+            <a:spLocks noGrp="1"/>
+          </p:cNvSpPr>
+          <p:nvPr>
+            <p:ph type="body"/>
+          </p:nvPr>
+        </p:nvSpPr>
+        <p:spPr>
+          <a:xfrm>
+            <a:off x="8029800" y="1604520"/>
+            <a:ext cx="3533040" cy="1896840"/>
+          </a:xfrm>
+          <a:prstGeom prst="rect">
+            <a:avLst/>
+          </a:prstGeom>
+        </p:spPr>
+        <p:txBody>
+          <a:bodyPr lIns="0" rIns="0" tIns="0" bIns="0">
+            <a:normAutofit/>
+          </a:bodyPr>
+          <a:p>
+            <a:endParaRPr b="0" lang="en-US" sz="3200" spc="-1" strike="noStrike">
+              <a:latin typeface="Arial"/>
+            </a:endParaRPr>
+          </a:p>
+        </p:txBody>
+      </p:sp>
+      <p:sp>
+        <p:nvSpPr>
+          <p:cNvPr id="155" name="PlaceHolder 5"/>
+          <p:cNvSpPr>
+            <a:spLocks noGrp="1"/>
+          </p:cNvSpPr>
+          <p:nvPr>
+            <p:ph type="body"/>
+          </p:nvPr>
+        </p:nvSpPr>
+        <p:spPr>
+          <a:xfrm>
+            <a:off x="609480" y="3682080"/>
+            <a:ext cx="3533040" cy="1896840"/>
+          </a:xfrm>
+          <a:prstGeom prst="rect">
+            <a:avLst/>
+          </a:prstGeom>
+        </p:spPr>
+        <p:txBody>
+          <a:bodyPr lIns="0" rIns="0" tIns="0" bIns="0">
+            <a:normAutofit/>
+          </a:bodyPr>
+          <a:p>
+            <a:endParaRPr b="0" lang="en-US" sz="3200" spc="-1" strike="noStrike">
+              <a:latin typeface="Arial"/>
+            </a:endParaRPr>
+          </a:p>
+        </p:txBody>
+      </p:sp>
+      <p:sp>
+        <p:nvSpPr>
+          <p:cNvPr id="156" name="PlaceHolder 6"/>
+          <p:cNvSpPr>
+            <a:spLocks noGrp="1"/>
+          </p:cNvSpPr>
+          <p:nvPr>
+            <p:ph type="body"/>
+          </p:nvPr>
+        </p:nvSpPr>
+        <p:spPr>
+          <a:xfrm>
+            <a:off x="4319640" y="3682080"/>
+            <a:ext cx="3533040" cy="1896840"/>
+          </a:xfrm>
+          <a:prstGeom prst="rect">
+            <a:avLst/>
+          </a:prstGeom>
+        </p:spPr>
+        <p:txBody>
+          <a:bodyPr lIns="0" rIns="0" tIns="0" bIns="0">
+            <a:normAutofit/>
+          </a:bodyPr>
+          <a:p>
+            <a:endParaRPr b="0" lang="en-US" sz="3200" spc="-1" strike="noStrike">
+              <a:latin typeface="Arial"/>
+            </a:endParaRPr>
+          </a:p>
+        </p:txBody>
+      </p:sp>
+      <p:sp>
+        <p:nvSpPr>
+          <p:cNvPr id="157" name="PlaceHolder 7"/>
+          <p:cNvSpPr>
+            <a:spLocks noGrp="1"/>
+          </p:cNvSpPr>
+          <p:nvPr>
+            <p:ph type="body"/>
+          </p:nvPr>
+        </p:nvSpPr>
+        <p:spPr>
+          <a:xfrm>
+            <a:off x="8029800" y="3682080"/>
+            <a:ext cx="3533040" cy="1896840"/>
+          </a:xfrm>
+          <a:prstGeom prst="rect">
+            <a:avLst/>
+          </a:prstGeom>
+        </p:spPr>
+        <p:txBody>
+          <a:bodyPr lIns="0" rIns="0" tIns="0" bIns="0">
+            <a:normAutofit/>
+          </a:bodyPr>
+          <a:p>
+            <a:endParaRPr b="0" lang="en-US" sz="3200" spc="-1" strike="noStrike">
+              <a:latin typeface="Arial"/>
             </a:endParaRPr>
           </a:p>
         </p:txBody>
@@ -3813,7 +4933,7 @@
       </p:grpSpPr>
       <p:sp>
         <p:nvSpPr>
-          <p:cNvPr id="16" name="PlaceHolder 1"/>
+          <p:cNvPr id="13" name="PlaceHolder 1"/>
           <p:cNvSpPr>
             <a:spLocks noGrp="1"/>
           </p:cNvSpPr>
@@ -3823,8 +4943,8 @@
         </p:nvSpPr>
         <p:spPr>
           <a:xfrm>
-            <a:off x="1371600" y="685800"/>
-            <a:ext cx="9600840" cy="1485720"/>
+            <a:off x="609480" y="273600"/>
+            <a:ext cx="10972440" cy="1144800"/>
           </a:xfrm>
           <a:prstGeom prst="rect">
             <a:avLst/>
@@ -3835,11 +4955,9 @@
             <a:noAutofit/>
           </a:bodyPr>
           <a:p>
-            <a:endParaRPr b="0" lang="en-US" sz="1800" spc="-1" strike="noStrike">
-              <a:solidFill>
-                <a:srgbClr val="000000"/>
-              </a:solidFill>
-              <a:latin typeface="Franklin Gothic Book"/>
+            <a:pPr algn="ctr"/>
+            <a:endParaRPr b="0" lang="en-US" sz="4400" spc="-1" strike="noStrike">
+              <a:latin typeface="Arial"/>
             </a:endParaRPr>
           </a:p>
         </p:txBody>
@@ -3868,7 +4986,7 @@
       </p:grpSpPr>
       <p:sp>
         <p:nvSpPr>
-          <p:cNvPr id="17" name="PlaceHolder 1"/>
+          <p:cNvPr id="14" name="PlaceHolder 1"/>
           <p:cNvSpPr>
             <a:spLocks noGrp="1"/>
           </p:cNvSpPr>
@@ -3878,8 +4996,8 @@
         </p:nvSpPr>
         <p:spPr>
           <a:xfrm>
-            <a:off x="1371600" y="685800"/>
-            <a:ext cx="9600840" cy="6888240"/>
+            <a:off x="609480" y="273600"/>
+            <a:ext cx="10972440" cy="5307840"/>
           </a:xfrm>
           <a:prstGeom prst="rect">
             <a:avLst/>
@@ -3921,7 +5039,7 @@
       </p:grpSpPr>
       <p:sp>
         <p:nvSpPr>
-          <p:cNvPr id="18" name="PlaceHolder 1"/>
+          <p:cNvPr id="15" name="PlaceHolder 1"/>
           <p:cNvSpPr>
             <a:spLocks noGrp="1"/>
           </p:cNvSpPr>
@@ -3931,8 +5049,8 @@
         </p:nvSpPr>
         <p:spPr>
           <a:xfrm>
-            <a:off x="1371600" y="685800"/>
-            <a:ext cx="9600840" cy="1485720"/>
+            <a:off x="609480" y="273600"/>
+            <a:ext cx="10972440" cy="1144800"/>
           </a:xfrm>
           <a:prstGeom prst="rect">
             <a:avLst/>
@@ -3943,18 +5061,16 @@
             <a:noAutofit/>
           </a:bodyPr>
           <a:p>
-            <a:endParaRPr b="0" lang="en-US" sz="1800" spc="-1" strike="noStrike">
-              <a:solidFill>
-                <a:srgbClr val="000000"/>
-              </a:solidFill>
-              <a:latin typeface="Franklin Gothic Book"/>
-            </a:endParaRPr>
-          </a:p>
-        </p:txBody>
-      </p:sp>
-      <p:sp>
-        <p:nvSpPr>
-          <p:cNvPr id="19" name="PlaceHolder 2"/>
+            <a:pPr algn="ctr"/>
+            <a:endParaRPr b="0" lang="en-US" sz="4400" spc="-1" strike="noStrike">
+              <a:latin typeface="Arial"/>
+            </a:endParaRPr>
+          </a:p>
+        </p:txBody>
+      </p:sp>
+      <p:sp>
+        <p:nvSpPr>
+          <p:cNvPr id="16" name="PlaceHolder 2"/>
           <p:cNvSpPr>
             <a:spLocks noGrp="1"/>
           </p:cNvSpPr>
@@ -3976,18 +5092,15 @@
             <a:normAutofit/>
           </a:bodyPr>
           <a:p>
-            <a:endParaRPr b="0" lang="en-US" sz="2000" spc="-1" strike="noStrike">
-              <a:solidFill>
-                <a:srgbClr val="191b0e"/>
-              </a:solidFill>
-              <a:latin typeface="Franklin Gothic Book"/>
-            </a:endParaRPr>
-          </a:p>
-        </p:txBody>
-      </p:sp>
-      <p:sp>
-        <p:nvSpPr>
-          <p:cNvPr id="20" name="PlaceHolder 3"/>
+            <a:endParaRPr b="0" lang="en-US" sz="3200" spc="-1" strike="noStrike">
+              <a:latin typeface="Arial"/>
+            </a:endParaRPr>
+          </a:p>
+        </p:txBody>
+      </p:sp>
+      <p:sp>
+        <p:nvSpPr>
+          <p:cNvPr id="17" name="PlaceHolder 3"/>
           <p:cNvSpPr>
             <a:spLocks noGrp="1"/>
           </p:cNvSpPr>
@@ -4009,18 +5122,15 @@
             <a:normAutofit/>
           </a:bodyPr>
           <a:p>
-            <a:endParaRPr b="0" lang="en-US" sz="2000" spc="-1" strike="noStrike">
-              <a:solidFill>
-                <a:srgbClr val="191b0e"/>
-              </a:solidFill>
-              <a:latin typeface="Franklin Gothic Book"/>
-            </a:endParaRPr>
-          </a:p>
-        </p:txBody>
-      </p:sp>
-      <p:sp>
-        <p:nvSpPr>
-          <p:cNvPr id="21" name="PlaceHolder 4"/>
+            <a:endParaRPr b="0" lang="en-US" sz="3200" spc="-1" strike="noStrike">
+              <a:latin typeface="Arial"/>
+            </a:endParaRPr>
+          </a:p>
+        </p:txBody>
+      </p:sp>
+      <p:sp>
+        <p:nvSpPr>
+          <p:cNvPr id="18" name="PlaceHolder 4"/>
           <p:cNvSpPr>
             <a:spLocks noGrp="1"/>
           </p:cNvSpPr>
@@ -4042,11 +5152,8 @@
             <a:normAutofit/>
           </a:bodyPr>
           <a:p>
-            <a:endParaRPr b="0" lang="en-US" sz="2000" spc="-1" strike="noStrike">
-              <a:solidFill>
-                <a:srgbClr val="191b0e"/>
-              </a:solidFill>
-              <a:latin typeface="Franklin Gothic Book"/>
+            <a:endParaRPr b="0" lang="en-US" sz="3200" spc="-1" strike="noStrike">
+              <a:latin typeface="Arial"/>
             </a:endParaRPr>
           </a:p>
         </p:txBody>
@@ -4075,7 +5182,7 @@
       </p:grpSpPr>
       <p:sp>
         <p:nvSpPr>
-          <p:cNvPr id="22" name="PlaceHolder 1"/>
+          <p:cNvPr id="19" name="PlaceHolder 1"/>
           <p:cNvSpPr>
             <a:spLocks noGrp="1"/>
           </p:cNvSpPr>
@@ -4085,8 +5192,8 @@
         </p:nvSpPr>
         <p:spPr>
           <a:xfrm>
-            <a:off x="1371600" y="685800"/>
-            <a:ext cx="9600840" cy="1485720"/>
+            <a:off x="609480" y="273600"/>
+            <a:ext cx="10972440" cy="1144800"/>
           </a:xfrm>
           <a:prstGeom prst="rect">
             <a:avLst/>
@@ -4097,18 +5204,16 @@
             <a:noAutofit/>
           </a:bodyPr>
           <a:p>
-            <a:endParaRPr b="0" lang="en-US" sz="1800" spc="-1" strike="noStrike">
-              <a:solidFill>
-                <a:srgbClr val="000000"/>
-              </a:solidFill>
-              <a:latin typeface="Franklin Gothic Book"/>
-            </a:endParaRPr>
-          </a:p>
-        </p:txBody>
-      </p:sp>
-      <p:sp>
-        <p:nvSpPr>
-          <p:cNvPr id="23" name="PlaceHolder 2"/>
+            <a:pPr algn="ctr"/>
+            <a:endParaRPr b="0" lang="en-US" sz="4400" spc="-1" strike="noStrike">
+              <a:latin typeface="Arial"/>
+            </a:endParaRPr>
+          </a:p>
+        </p:txBody>
+      </p:sp>
+      <p:sp>
+        <p:nvSpPr>
+          <p:cNvPr id="20" name="PlaceHolder 2"/>
           <p:cNvSpPr>
             <a:spLocks noGrp="1"/>
           </p:cNvSpPr>
@@ -4130,18 +5235,15 @@
             <a:normAutofit/>
           </a:bodyPr>
           <a:p>
-            <a:endParaRPr b="0" lang="en-US" sz="2000" spc="-1" strike="noStrike">
-              <a:solidFill>
-                <a:srgbClr val="191b0e"/>
-              </a:solidFill>
-              <a:latin typeface="Franklin Gothic Book"/>
-            </a:endParaRPr>
-          </a:p>
-        </p:txBody>
-      </p:sp>
-      <p:sp>
-        <p:nvSpPr>
-          <p:cNvPr id="24" name="PlaceHolder 3"/>
+            <a:endParaRPr b="0" lang="en-US" sz="3200" spc="-1" strike="noStrike">
+              <a:latin typeface="Arial"/>
+            </a:endParaRPr>
+          </a:p>
+        </p:txBody>
+      </p:sp>
+      <p:sp>
+        <p:nvSpPr>
+          <p:cNvPr id="21" name="PlaceHolder 3"/>
           <p:cNvSpPr>
             <a:spLocks noGrp="1"/>
           </p:cNvSpPr>
@@ -4163,18 +5265,15 @@
             <a:normAutofit/>
           </a:bodyPr>
           <a:p>
-            <a:endParaRPr b="0" lang="en-US" sz="2000" spc="-1" strike="noStrike">
-              <a:solidFill>
-                <a:srgbClr val="191b0e"/>
-              </a:solidFill>
-              <a:latin typeface="Franklin Gothic Book"/>
-            </a:endParaRPr>
-          </a:p>
-        </p:txBody>
-      </p:sp>
-      <p:sp>
-        <p:nvSpPr>
-          <p:cNvPr id="25" name="PlaceHolder 4"/>
+            <a:endParaRPr b="0" lang="en-US" sz="3200" spc="-1" strike="noStrike">
+              <a:latin typeface="Arial"/>
+            </a:endParaRPr>
+          </a:p>
+        </p:txBody>
+      </p:sp>
+      <p:sp>
+        <p:nvSpPr>
+          <p:cNvPr id="22" name="PlaceHolder 4"/>
           <p:cNvSpPr>
             <a:spLocks noGrp="1"/>
           </p:cNvSpPr>
@@ -4196,11 +5295,8 @@
             <a:normAutofit/>
           </a:bodyPr>
           <a:p>
-            <a:endParaRPr b="0" lang="en-US" sz="2000" spc="-1" strike="noStrike">
-              <a:solidFill>
-                <a:srgbClr val="191b0e"/>
-              </a:solidFill>
-              <a:latin typeface="Franklin Gothic Book"/>
+            <a:endParaRPr b="0" lang="en-US" sz="3200" spc="-1" strike="noStrike">
+              <a:latin typeface="Arial"/>
             </a:endParaRPr>
           </a:p>
         </p:txBody>
@@ -4229,7 +5325,7 @@
       </p:grpSpPr>
       <p:sp>
         <p:nvSpPr>
-          <p:cNvPr id="26" name="PlaceHolder 1"/>
+          <p:cNvPr id="23" name="PlaceHolder 1"/>
           <p:cNvSpPr>
             <a:spLocks noGrp="1"/>
           </p:cNvSpPr>
@@ -4239,8 +5335,8 @@
         </p:nvSpPr>
         <p:spPr>
           <a:xfrm>
-            <a:off x="1371600" y="685800"/>
-            <a:ext cx="9600840" cy="1485720"/>
+            <a:off x="609480" y="273600"/>
+            <a:ext cx="10972440" cy="1144800"/>
           </a:xfrm>
           <a:prstGeom prst="rect">
             <a:avLst/>
@@ -4251,18 +5347,16 @@
             <a:noAutofit/>
           </a:bodyPr>
           <a:p>
-            <a:endParaRPr b="0" lang="en-US" sz="1800" spc="-1" strike="noStrike">
-              <a:solidFill>
-                <a:srgbClr val="000000"/>
-              </a:solidFill>
-              <a:latin typeface="Franklin Gothic Book"/>
-            </a:endParaRPr>
-          </a:p>
-        </p:txBody>
-      </p:sp>
-      <p:sp>
-        <p:nvSpPr>
-          <p:cNvPr id="27" name="PlaceHolder 2"/>
+            <a:pPr algn="ctr"/>
+            <a:endParaRPr b="0" lang="en-US" sz="4400" spc="-1" strike="noStrike">
+              <a:latin typeface="Arial"/>
+            </a:endParaRPr>
+          </a:p>
+        </p:txBody>
+      </p:sp>
+      <p:sp>
+        <p:nvSpPr>
+          <p:cNvPr id="24" name="PlaceHolder 2"/>
           <p:cNvSpPr>
             <a:spLocks noGrp="1"/>
           </p:cNvSpPr>
@@ -4284,18 +5378,15 @@
             <a:normAutofit/>
           </a:bodyPr>
           <a:p>
-            <a:endParaRPr b="0" lang="en-US" sz="2000" spc="-1" strike="noStrike">
-              <a:solidFill>
-                <a:srgbClr val="191b0e"/>
-              </a:solidFill>
-              <a:latin typeface="Franklin Gothic Book"/>
-            </a:endParaRPr>
-          </a:p>
-        </p:txBody>
-      </p:sp>
-      <p:sp>
-        <p:nvSpPr>
-          <p:cNvPr id="28" name="PlaceHolder 3"/>
+            <a:endParaRPr b="0" lang="en-US" sz="3200" spc="-1" strike="noStrike">
+              <a:latin typeface="Arial"/>
+            </a:endParaRPr>
+          </a:p>
+        </p:txBody>
+      </p:sp>
+      <p:sp>
+        <p:nvSpPr>
+          <p:cNvPr id="25" name="PlaceHolder 3"/>
           <p:cNvSpPr>
             <a:spLocks noGrp="1"/>
           </p:cNvSpPr>
@@ -4317,18 +5408,15 @@
             <a:normAutofit/>
           </a:bodyPr>
           <a:p>
-            <a:endParaRPr b="0" lang="en-US" sz="2000" spc="-1" strike="noStrike">
-              <a:solidFill>
-                <a:srgbClr val="191b0e"/>
-              </a:solidFill>
-              <a:latin typeface="Franklin Gothic Book"/>
-            </a:endParaRPr>
-          </a:p>
-        </p:txBody>
-      </p:sp>
-      <p:sp>
-        <p:nvSpPr>
-          <p:cNvPr id="29" name="PlaceHolder 4"/>
+            <a:endParaRPr b="0" lang="en-US" sz="3200" spc="-1" strike="noStrike">
+              <a:latin typeface="Arial"/>
+            </a:endParaRPr>
+          </a:p>
+        </p:txBody>
+      </p:sp>
+      <p:sp>
+        <p:nvSpPr>
+          <p:cNvPr id="26" name="PlaceHolder 4"/>
           <p:cNvSpPr>
             <a:spLocks noGrp="1"/>
           </p:cNvSpPr>
@@ -4350,11 +5438,8 @@
             <a:normAutofit/>
           </a:bodyPr>
           <a:p>
-            <a:endParaRPr b="0" lang="en-US" sz="2000" spc="-1" strike="noStrike">
-              <a:solidFill>
-                <a:srgbClr val="191b0e"/>
-              </a:solidFill>
-              <a:latin typeface="Franklin Gothic Book"/>
+            <a:endParaRPr b="0" lang="en-US" sz="3200" spc="-1" strike="noStrike">
+              <a:latin typeface="Arial"/>
             </a:endParaRPr>
           </a:p>
         </p:txBody>
@@ -4397,7 +5482,7 @@
         <p:spPr>
           <a:xfrm>
             <a:off x="478080" y="360"/>
-            <a:ext cx="228240" cy="6857640"/>
+            <a:ext cx="227880" cy="6857280"/>
           </a:xfrm>
           <a:prstGeom prst="rect">
             <a:avLst/>
@@ -4424,195 +5509,30 @@
           <a:fontRef idx="minor"/>
         </p:style>
       </p:sp>
-      <p:sp>
-        <p:nvSpPr>
-          <p:cNvPr id="1" name="PlaceHolder 2"/>
-          <p:cNvSpPr>
-            <a:spLocks noGrp="1"/>
-          </p:cNvSpPr>
-          <p:nvPr>
-            <p:ph type="title"/>
-          </p:nvPr>
-        </p:nvSpPr>
-        <p:spPr>
-          <a:xfrm>
-            <a:off x="1915200" y="1788480"/>
-            <a:ext cx="8361000" cy="2097720"/>
-          </a:xfrm>
-          <a:prstGeom prst="rect">
-            <a:avLst/>
-          </a:prstGeom>
-        </p:spPr>
-        <p:txBody>
-          <a:bodyPr anchor="b">
-            <a:noAutofit/>
-          </a:bodyPr>
-          <a:p>
-            <a:pPr algn="ctr">
-              <a:lnSpc>
-                <a:spcPct val="89000"/>
-              </a:lnSpc>
-            </a:pPr>
-            <a:r>
-              <a:rPr b="0" lang="de-DE" sz="7200" spc="-1" strike="noStrike" cap="all">
-                <a:solidFill>
-                  <a:srgbClr val="191b0e"/>
-                </a:solidFill>
-                <a:latin typeface="Franklin Gothic Book"/>
-              </a:rPr>
-              <a:t>Mastertitelformat bearbeiten</a:t>
-            </a:r>
-            <a:endParaRPr b="0" lang="en-US" sz="7200" spc="-1" strike="noStrike">
-              <a:solidFill>
-                <a:srgbClr val="000000"/>
-              </a:solidFill>
-              <a:latin typeface="Franklin Gothic Book"/>
-            </a:endParaRPr>
-          </a:p>
-        </p:txBody>
-      </p:sp>
-      <p:sp>
-        <p:nvSpPr>
-          <p:cNvPr id="2" name="PlaceHolder 3"/>
-          <p:cNvSpPr>
-            <a:spLocks noGrp="1"/>
-          </p:cNvSpPr>
-          <p:nvPr>
-            <p:ph type="dt"/>
-          </p:nvPr>
-        </p:nvSpPr>
-        <p:spPr>
-          <a:xfrm>
-            <a:off x="752760" y="6453360"/>
-            <a:ext cx="1607760" cy="404280"/>
-          </a:xfrm>
-          <a:prstGeom prst="rect">
-            <a:avLst/>
-          </a:prstGeom>
-        </p:spPr>
-        <p:txBody>
-          <a:bodyPr anchor="ctr">
-            <a:noAutofit/>
-          </a:bodyPr>
-          <a:p>
-            <a:pPr>
-              <a:lnSpc>
-                <a:spcPct val="100000"/>
-              </a:lnSpc>
-            </a:pPr>
-            <a:fld id="{E90FB705-197D-47AC-8BFE-2255E601C394}" type="datetime">
-              <a:rPr b="0" lang="en-US" sz="1200" spc="-1" strike="noStrike">
-                <a:solidFill>
-                  <a:srgbClr val="191b0e"/>
-                </a:solidFill>
-                <a:latin typeface="Franklin Gothic Book"/>
-              </a:rPr>
-              <a:t>3/16/22</a:t>
-            </a:fld>
-            <a:endParaRPr b="0" lang="en-US" sz="1200" spc="-1" strike="noStrike">
-              <a:latin typeface="Times New Roman"/>
-            </a:endParaRPr>
-          </a:p>
-        </p:txBody>
-      </p:sp>
-      <p:sp>
-        <p:nvSpPr>
-          <p:cNvPr id="3" name="PlaceHolder 4"/>
-          <p:cNvSpPr>
-            <a:spLocks noGrp="1"/>
-          </p:cNvSpPr>
-          <p:nvPr>
-            <p:ph type="ftr"/>
-          </p:nvPr>
-        </p:nvSpPr>
-        <p:spPr>
-          <a:xfrm>
-            <a:off x="2584080" y="6453360"/>
-            <a:ext cx="7022880" cy="404280"/>
-          </a:xfrm>
-          <a:prstGeom prst="rect">
-            <a:avLst/>
-          </a:prstGeom>
-        </p:spPr>
-        <p:txBody>
-          <a:bodyPr anchor="ctr">
-            <a:noAutofit/>
-          </a:bodyPr>
-          <a:p>
-            <a:endParaRPr b="0" lang="en-US" sz="2400" spc="-1" strike="noStrike">
-              <a:latin typeface="Times New Roman"/>
-            </a:endParaRPr>
-          </a:p>
-        </p:txBody>
-      </p:sp>
-      <p:sp>
-        <p:nvSpPr>
-          <p:cNvPr id="4" name="PlaceHolder 5"/>
-          <p:cNvSpPr>
-            <a:spLocks noGrp="1"/>
-          </p:cNvSpPr>
-          <p:nvPr>
-            <p:ph type="sldNum"/>
-          </p:nvPr>
-        </p:nvSpPr>
-        <p:spPr>
-          <a:xfrm>
-            <a:off x="9830520" y="6453360"/>
-            <a:ext cx="1595880" cy="404280"/>
-          </a:xfrm>
-          <a:prstGeom prst="rect">
-            <a:avLst/>
-          </a:prstGeom>
-        </p:spPr>
-        <p:txBody>
-          <a:bodyPr anchor="ctr">
-            <a:noAutofit/>
-          </a:bodyPr>
-          <a:p>
-            <a:pPr algn="r">
-              <a:lnSpc>
-                <a:spcPct val="100000"/>
-              </a:lnSpc>
-            </a:pPr>
-            <a:fld id="{FA623F35-F783-40BB-81A9-D6B889B1E63D}" type="slidenum">
-              <a:rPr b="0" lang="en-US" sz="1200" spc="-1" strike="noStrike">
-                <a:solidFill>
-                  <a:srgbClr val="191b0e"/>
-                </a:solidFill>
-                <a:latin typeface="Franklin Gothic Book"/>
-              </a:rPr>
-              <a:t>&lt;number&gt;</a:t>
-            </a:fld>
-            <a:endParaRPr b="0" lang="en-US" sz="1200" spc="-1" strike="noStrike">
-              <a:latin typeface="Times New Roman"/>
-            </a:endParaRPr>
-          </a:p>
-        </p:txBody>
-      </p:sp>
       <p:grpSp>
         <p:nvGrpSpPr>
-          <p:cNvPr id="5" name="Group 6"/>
+          <p:cNvPr id="1" name="Group 2"/>
           <p:cNvGrpSpPr/>
           <p:nvPr/>
         </p:nvGrpSpPr>
         <p:grpSpPr>
           <a:xfrm>
-            <a:off x="752760" y="744120"/>
-            <a:ext cx="10673640" cy="5349600"/>
-            <a:chOff x="752760" y="744120"/>
-            <a:chExt cx="10673640" cy="5349600"/>
+            <a:off x="752040" y="743760"/>
+            <a:ext cx="10674000" cy="5349600"/>
+            <a:chOff x="752040" y="743760"/>
+            <a:chExt cx="10674000" cy="5349600"/>
           </a:xfrm>
         </p:grpSpPr>
         <p:sp>
           <p:nvSpPr>
-            <p:cNvPr id="6" name="CustomShape 7"/>
+            <p:cNvPr id="2" name="CustomShape 3"/>
             <p:cNvSpPr/>
             <p:nvPr/>
           </p:nvSpPr>
           <p:spPr>
             <a:xfrm>
               <a:off x="8151840" y="1685520"/>
-              <a:ext cx="3274560" cy="4408200"/>
+              <a:ext cx="3274200" cy="4407840"/>
             </a:xfrm>
             <a:custGeom>
               <a:avLst/>
@@ -4662,14 +5582,14 @@
         </p:sp>
         <p:sp>
           <p:nvSpPr>
-            <p:cNvPr id="7" name="CustomShape 8"/>
+            <p:cNvPr id="3" name="CustomShape 4"/>
             <p:cNvSpPr/>
             <p:nvPr/>
           </p:nvSpPr>
           <p:spPr>
             <a:xfrm flipH="1" flipV="1">
-              <a:off x="752400" y="743760"/>
-              <a:ext cx="3275280" cy="4408200"/>
+              <a:off x="751320" y="743760"/>
+              <a:ext cx="3274920" cy="4407840"/>
             </a:xfrm>
             <a:custGeom>
               <a:avLst/>
@@ -4722,7 +5642,43 @@
       </p:grpSp>
       <p:sp>
         <p:nvSpPr>
-          <p:cNvPr id="8" name="PlaceHolder 9"/>
+          <p:cNvPr id="4" name="PlaceHolder 5"/>
+          <p:cNvSpPr>
+            <a:spLocks noGrp="1"/>
+          </p:cNvSpPr>
+          <p:nvPr>
+            <p:ph type="title"/>
+          </p:nvPr>
+        </p:nvSpPr>
+        <p:spPr>
+          <a:xfrm>
+            <a:off x="1371600" y="685800"/>
+            <a:ext cx="9600480" cy="1485360"/>
+          </a:xfrm>
+          <a:prstGeom prst="rect">
+            <a:avLst/>
+          </a:prstGeom>
+        </p:spPr>
+        <p:txBody>
+          <a:bodyPr lIns="0" rIns="0" tIns="0" bIns="0" anchor="ctr">
+            <a:noAutofit/>
+          </a:bodyPr>
+          <a:p>
+            <a:r>
+              <a:rPr b="0" lang="en-US" sz="1800" spc="-1" strike="noStrike">
+                <a:latin typeface="Arial"/>
+              </a:rPr>
+              <a:t>Click to edit the title text format</a:t>
+            </a:r>
+            <a:endParaRPr b="0" lang="en-US" sz="1800" spc="-1" strike="noStrike">
+              <a:latin typeface="Arial"/>
+            </a:endParaRPr>
+          </a:p>
+        </p:txBody>
+      </p:sp>
+      <p:sp>
+        <p:nvSpPr>
+          <p:cNvPr id="5" name="PlaceHolder 6"/>
           <p:cNvSpPr>
             <a:spLocks noGrp="1"/>
           </p:cNvSpPr>
@@ -4756,19 +5712,13 @@
               <a:buChar char=""/>
             </a:pPr>
             <a:r>
-              <a:rPr b="0" lang="en-US" sz="2000" spc="-1" strike="noStrike">
-                <a:solidFill>
-                  <a:srgbClr val="191b0e"/>
-                </a:solidFill>
-                <a:latin typeface="Franklin Gothic Book"/>
+              <a:rPr b="0" lang="en-US" sz="3200" spc="-1" strike="noStrike">
+                <a:latin typeface="Arial"/>
               </a:rPr>
               <a:t>Click to edit the outline text format</a:t>
             </a:r>
-            <a:endParaRPr b="0" lang="en-US" sz="2000" spc="-1" strike="noStrike">
-              <a:solidFill>
-                <a:srgbClr val="191b0e"/>
-              </a:solidFill>
-              <a:latin typeface="Franklin Gothic Book"/>
+            <a:endParaRPr b="0" lang="en-US" sz="3200" spc="-1" strike="noStrike">
+              <a:latin typeface="Arial"/>
             </a:endParaRPr>
           </a:p>
           <a:p>
@@ -4784,19 +5734,13 @@
               <a:buChar char=""/>
             </a:pPr>
             <a:r>
-              <a:rPr b="0" lang="en-US" sz="1800" spc="-1" strike="noStrike">
-                <a:solidFill>
-                  <a:srgbClr val="191b0e"/>
-                </a:solidFill>
-                <a:latin typeface="Franklin Gothic Book"/>
+              <a:rPr b="0" lang="en-US" sz="2800" spc="-1" strike="noStrike">
+                <a:latin typeface="Arial"/>
               </a:rPr>
               <a:t>Second Outline Level</a:t>
             </a:r>
-            <a:endParaRPr b="0" lang="en-US" sz="1800" spc="-1" strike="noStrike">
-              <a:solidFill>
-                <a:srgbClr val="191b0e"/>
-              </a:solidFill>
-              <a:latin typeface="Franklin Gothic Book"/>
+            <a:endParaRPr b="0" lang="en-US" sz="2800" spc="-1" strike="noStrike">
+              <a:latin typeface="Arial"/>
             </a:endParaRPr>
           </a:p>
           <a:p>
@@ -4812,19 +5756,13 @@
               <a:buChar char=""/>
             </a:pPr>
             <a:r>
-              <a:rPr b="0" i="1" lang="en-US" sz="1800" spc="-1" strike="noStrike">
-                <a:solidFill>
-                  <a:srgbClr val="191b0e"/>
-                </a:solidFill>
-                <a:latin typeface="Franklin Gothic Book"/>
+              <a:rPr b="0" lang="en-US" sz="2400" spc="-1" strike="noStrike">
+                <a:latin typeface="Arial"/>
               </a:rPr>
               <a:t>Third Outline Level</a:t>
             </a:r>
-            <a:endParaRPr b="0" i="1" lang="en-US" sz="1800" spc="-1" strike="noStrike">
-              <a:solidFill>
-                <a:srgbClr val="191b0e"/>
-              </a:solidFill>
-              <a:latin typeface="Franklin Gothic Book"/>
+            <a:endParaRPr b="0" lang="en-US" sz="2400" spc="-1" strike="noStrike">
+              <a:latin typeface="Arial"/>
             </a:endParaRPr>
           </a:p>
           <a:p>
@@ -4840,19 +5778,13 @@
               <a:buChar char=""/>
             </a:pPr>
             <a:r>
-              <a:rPr b="0" lang="en-US" sz="1600" spc="-1" strike="noStrike">
-                <a:solidFill>
-                  <a:srgbClr val="191b0e"/>
-                </a:solidFill>
-                <a:latin typeface="Franklin Gothic Book"/>
+              <a:rPr b="0" lang="en-US" sz="2000" spc="-1" strike="noStrike">
+                <a:latin typeface="Arial"/>
               </a:rPr>
               <a:t>Fourth Outline Level</a:t>
             </a:r>
-            <a:endParaRPr b="0" lang="en-US" sz="1600" spc="-1" strike="noStrike">
-              <a:solidFill>
-                <a:srgbClr val="191b0e"/>
-              </a:solidFill>
-              <a:latin typeface="Franklin Gothic Book"/>
+            <a:endParaRPr b="0" lang="en-US" sz="2000" spc="-1" strike="noStrike">
+              <a:latin typeface="Arial"/>
             </a:endParaRPr>
           </a:p>
           <a:p>
@@ -4869,18 +5801,12 @@
             </a:pPr>
             <a:r>
               <a:rPr b="0" lang="en-US" sz="2000" spc="-1" strike="noStrike">
-                <a:solidFill>
-                  <a:srgbClr val="191b0e"/>
-                </a:solidFill>
-                <a:latin typeface="Franklin Gothic Book"/>
+                <a:latin typeface="Arial"/>
               </a:rPr>
               <a:t>Fifth Outline Level</a:t>
             </a:r>
             <a:endParaRPr b="0" lang="en-US" sz="2000" spc="-1" strike="noStrike">
-              <a:solidFill>
-                <a:srgbClr val="191b0e"/>
-              </a:solidFill>
-              <a:latin typeface="Franklin Gothic Book"/>
+              <a:latin typeface="Arial"/>
             </a:endParaRPr>
           </a:p>
           <a:p>
@@ -4897,18 +5823,12 @@
             </a:pPr>
             <a:r>
               <a:rPr b="0" lang="en-US" sz="2000" spc="-1" strike="noStrike">
-                <a:solidFill>
-                  <a:srgbClr val="191b0e"/>
-                </a:solidFill>
-                <a:latin typeface="Franklin Gothic Book"/>
+                <a:latin typeface="Arial"/>
               </a:rPr>
               <a:t>Sixth Outline Level</a:t>
             </a:r>
             <a:endParaRPr b="0" lang="en-US" sz="2000" spc="-1" strike="noStrike">
-              <a:solidFill>
-                <a:srgbClr val="191b0e"/>
-              </a:solidFill>
-              <a:latin typeface="Franklin Gothic Book"/>
+              <a:latin typeface="Arial"/>
             </a:endParaRPr>
           </a:p>
           <a:p>
@@ -4925,18 +5845,12 @@
             </a:pPr>
             <a:r>
               <a:rPr b="0" lang="en-US" sz="2000" spc="-1" strike="noStrike">
-                <a:solidFill>
-                  <a:srgbClr val="191b0e"/>
-                </a:solidFill>
-                <a:latin typeface="Franklin Gothic Book"/>
+                <a:latin typeface="Arial"/>
               </a:rPr>
               <a:t>Seventh Outline Level</a:t>
             </a:r>
             <a:endParaRPr b="0" lang="en-US" sz="2000" spc="-1" strike="noStrike">
-              <a:solidFill>
-                <a:srgbClr val="191b0e"/>
-              </a:solidFill>
-              <a:latin typeface="Franklin Gothic Book"/>
+              <a:latin typeface="Arial"/>
             </a:endParaRPr>
           </a:p>
         </p:txBody>
@@ -4987,14 +5901,14 @@
       </p:grpSpPr>
       <p:sp>
         <p:nvSpPr>
-          <p:cNvPr id="45" name="CustomShape 1"/>
+          <p:cNvPr id="42" name="CustomShape 1"/>
           <p:cNvSpPr/>
           <p:nvPr/>
         </p:nvSpPr>
         <p:spPr>
           <a:xfrm>
             <a:off x="478080" y="360"/>
-            <a:ext cx="228240" cy="6857640"/>
+            <a:ext cx="227880" cy="6857280"/>
           </a:xfrm>
           <a:prstGeom prst="rect">
             <a:avLst/>
@@ -5023,7 +5937,7 @@
       </p:sp>
       <p:sp>
         <p:nvSpPr>
-          <p:cNvPr id="46" name="PlaceHolder 2"/>
+          <p:cNvPr id="43" name="PlaceHolder 2"/>
           <p:cNvSpPr>
             <a:spLocks noGrp="1"/>
           </p:cNvSpPr>
@@ -5033,345 +5947,206 @@
         </p:nvSpPr>
         <p:spPr>
           <a:xfrm>
-            <a:off x="1371600" y="685800"/>
-            <a:ext cx="9600840" cy="1485720"/>
-          </a:xfrm>
-          <a:prstGeom prst="rect">
-            <a:avLst/>
-          </a:prstGeom>
-        </p:spPr>
-        <p:txBody>
-          <a:bodyPr>
+            <a:off x="609480" y="273600"/>
+            <a:ext cx="10972440" cy="1144800"/>
+          </a:xfrm>
+          <a:prstGeom prst="rect">
+            <a:avLst/>
+          </a:prstGeom>
+        </p:spPr>
+        <p:txBody>
+          <a:bodyPr lIns="0" rIns="0" tIns="0" bIns="0" anchor="ctr">
             <a:noAutofit/>
           </a:bodyPr>
           <a:p>
-            <a:pPr>
-              <a:lnSpc>
-                <a:spcPct val="89000"/>
-              </a:lnSpc>
+            <a:pPr algn="ctr"/>
+            <a:r>
+              <a:rPr b="0" lang="en-US" sz="4400" spc="-1" strike="noStrike">
+                <a:latin typeface="Arial"/>
+              </a:rPr>
+              <a:t>Click to edit the title text format</a:t>
+            </a:r>
+            <a:endParaRPr b="0" lang="en-US" sz="4400" spc="-1" strike="noStrike">
+              <a:latin typeface="Arial"/>
+            </a:endParaRPr>
+          </a:p>
+        </p:txBody>
+      </p:sp>
+      <p:sp>
+        <p:nvSpPr>
+          <p:cNvPr id="44" name="PlaceHolder 3"/>
+          <p:cNvSpPr>
+            <a:spLocks noGrp="1"/>
+          </p:cNvSpPr>
+          <p:nvPr>
+            <p:ph type="body"/>
+          </p:nvPr>
+        </p:nvSpPr>
+        <p:spPr>
+          <a:xfrm>
+            <a:off x="609480" y="1604520"/>
+            <a:ext cx="10972440" cy="3977280"/>
+          </a:xfrm>
+          <a:prstGeom prst="rect">
+            <a:avLst/>
+          </a:prstGeom>
+        </p:spPr>
+        <p:txBody>
+          <a:bodyPr lIns="0" rIns="0" tIns="0" bIns="0">
+            <a:normAutofit/>
+          </a:bodyPr>
+          <a:p>
+            <a:pPr marL="432000" indent="-324000">
+              <a:spcBef>
+                <a:spcPts val="1417"/>
+              </a:spcBef>
+              <a:buClr>
+                <a:srgbClr val="000000"/>
+              </a:buClr>
+              <a:buSzPct val="45000"/>
+              <a:buFont typeface="Wingdings" charset="2"/>
+              <a:buChar char=""/>
             </a:pPr>
             <a:r>
-              <a:rPr b="0" lang="de-DE" sz="4400" spc="-1" strike="noStrike">
-                <a:solidFill>
-                  <a:srgbClr val="191b0e"/>
-                </a:solidFill>
-                <a:latin typeface="Franklin Gothic Book"/>
+              <a:rPr b="0" lang="en-US" sz="3200" spc="-1" strike="noStrike">
+                <a:latin typeface="Arial"/>
               </a:rPr>
-              <a:t>Mastertitelformat bearbeiten</a:t>
+              <a:t>Click to edit the outline text format</a:t>
             </a:r>
-            <a:endParaRPr b="0" lang="en-US" sz="4400" spc="-1" strike="noStrike">
-              <a:solidFill>
+            <a:endParaRPr b="0" lang="en-US" sz="3200" spc="-1" strike="noStrike">
+              <a:latin typeface="Arial"/>
+            </a:endParaRPr>
+          </a:p>
+          <a:p>
+            <a:pPr lvl="1" marL="864000" indent="-324000">
+              <a:spcBef>
+                <a:spcPts val="1134"/>
+              </a:spcBef>
+              <a:buClr>
                 <a:srgbClr val="000000"/>
-              </a:solidFill>
-              <a:latin typeface="Franklin Gothic Book"/>
-            </a:endParaRPr>
-          </a:p>
-        </p:txBody>
-      </p:sp>
-      <p:sp>
-        <p:nvSpPr>
-          <p:cNvPr id="47" name="PlaceHolder 3"/>
-          <p:cNvSpPr>
-            <a:spLocks noGrp="1"/>
-          </p:cNvSpPr>
-          <p:nvPr>
-            <p:ph type="body"/>
-          </p:nvPr>
-        </p:nvSpPr>
-        <p:spPr>
-          <a:xfrm>
-            <a:off x="1371600" y="2286000"/>
-            <a:ext cx="9600840" cy="3580920"/>
-          </a:xfrm>
-          <a:prstGeom prst="rect">
-            <a:avLst/>
-          </a:prstGeom>
-        </p:spPr>
-        <p:txBody>
-          <a:bodyPr>
-            <a:noAutofit/>
-          </a:bodyPr>
-          <a:p>
-            <a:pPr marL="384120" indent="-383760">
-              <a:lnSpc>
-                <a:spcPct val="94000"/>
-              </a:lnSpc>
-              <a:spcBef>
-                <a:spcPts val="1001"/>
-              </a:spcBef>
-              <a:spcAft>
-                <a:spcPts val="201"/>
-              </a:spcAft>
-              <a:buClr>
-                <a:srgbClr val="191b0e"/>
               </a:buClr>
-              <a:buFont typeface="Franklin Gothic Book"/>
-              <a:buChar char="■"/>
+              <a:buSzPct val="75000"/>
+              <a:buFont typeface="Symbol" charset="2"/>
+              <a:buChar char=""/>
             </a:pPr>
             <a:r>
-              <a:rPr b="0" lang="de-DE" sz="2000" spc="-1" strike="noStrike">
-                <a:solidFill>
-                  <a:srgbClr val="191b0e"/>
-                </a:solidFill>
-                <a:latin typeface="Franklin Gothic Book"/>
+              <a:rPr b="0" lang="en-US" sz="2800" spc="-1" strike="noStrike">
+                <a:latin typeface="Arial"/>
               </a:rPr>
-              <a:t>Mastertextformat bearbeiten</a:t>
+              <a:t>Second Outline Level</a:t>
+            </a:r>
+            <a:endParaRPr b="0" lang="en-US" sz="2800" spc="-1" strike="noStrike">
+              <a:latin typeface="Arial"/>
+            </a:endParaRPr>
+          </a:p>
+          <a:p>
+            <a:pPr lvl="2" marL="1296000" indent="-288000">
+              <a:spcBef>
+                <a:spcPts val="850"/>
+              </a:spcBef>
+              <a:buClr>
+                <a:srgbClr val="000000"/>
+              </a:buClr>
+              <a:buSzPct val="45000"/>
+              <a:buFont typeface="Wingdings" charset="2"/>
+              <a:buChar char=""/>
+            </a:pPr>
+            <a:r>
+              <a:rPr b="0" lang="en-US" sz="2400" spc="-1" strike="noStrike">
+                <a:latin typeface="Arial"/>
+              </a:rPr>
+              <a:t>Third Outline Level</a:t>
+            </a:r>
+            <a:endParaRPr b="0" lang="en-US" sz="2400" spc="-1" strike="noStrike">
+              <a:latin typeface="Arial"/>
+            </a:endParaRPr>
+          </a:p>
+          <a:p>
+            <a:pPr lvl="3" marL="1728000" indent="-216000">
+              <a:spcBef>
+                <a:spcPts val="567"/>
+              </a:spcBef>
+              <a:buClr>
+                <a:srgbClr val="000000"/>
+              </a:buClr>
+              <a:buSzPct val="75000"/>
+              <a:buFont typeface="Symbol" charset="2"/>
+              <a:buChar char=""/>
+            </a:pPr>
+            <a:r>
+              <a:rPr b="0" lang="en-US" sz="2000" spc="-1" strike="noStrike">
+                <a:latin typeface="Arial"/>
+              </a:rPr>
+              <a:t>Fourth Outline Level</a:t>
             </a:r>
             <a:endParaRPr b="0" lang="en-US" sz="2000" spc="-1" strike="noStrike">
-              <a:solidFill>
-                <a:srgbClr val="191b0e"/>
-              </a:solidFill>
-              <a:latin typeface="Franklin Gothic Book"/>
-            </a:endParaRPr>
-          </a:p>
-          <a:p>
-            <a:pPr lvl="1" marL="914400" indent="-383760">
-              <a:lnSpc>
-                <a:spcPct val="94000"/>
-              </a:lnSpc>
+              <a:latin typeface="Arial"/>
+            </a:endParaRPr>
+          </a:p>
+          <a:p>
+            <a:pPr lvl="4" marL="2160000" indent="-216000">
               <a:spcBef>
-                <a:spcPts val="499"/>
+                <a:spcPts val="283"/>
               </a:spcBef>
-              <a:spcAft>
-                <a:spcPts val="201"/>
-              </a:spcAft>
               <a:buClr>
-                <a:srgbClr val="191b0e"/>
+                <a:srgbClr val="000000"/>
               </a:buClr>
-              <a:buFont typeface="Franklin Gothic Book"/>
-              <a:buChar char="–"/>
+              <a:buSzPct val="45000"/>
+              <a:buFont typeface="Wingdings" charset="2"/>
+              <a:buChar char=""/>
             </a:pPr>
             <a:r>
-              <a:rPr b="0" i="1" lang="de-DE" sz="2000" spc="-1" strike="noStrike">
-                <a:solidFill>
-                  <a:srgbClr val="191b0e"/>
-                </a:solidFill>
-                <a:latin typeface="Franklin Gothic Book"/>
+              <a:rPr b="0" lang="en-US" sz="2000" spc="-1" strike="noStrike">
+                <a:latin typeface="Arial"/>
               </a:rPr>
-              <a:t>Zweite Ebene</a:t>
+              <a:t>Fifth Outline Level</a:t>
             </a:r>
             <a:endParaRPr b="0" lang="en-US" sz="2000" spc="-1" strike="noStrike">
-              <a:solidFill>
-                <a:srgbClr val="191b0e"/>
-              </a:solidFill>
-              <a:latin typeface="Franklin Gothic Book"/>
-            </a:endParaRPr>
-          </a:p>
-          <a:p>
-            <a:pPr lvl="2" marL="1371600" indent="-383760">
-              <a:lnSpc>
-                <a:spcPct val="94000"/>
-              </a:lnSpc>
+              <a:latin typeface="Arial"/>
+            </a:endParaRPr>
+          </a:p>
+          <a:p>
+            <a:pPr lvl="5" marL="2592000" indent="-216000">
               <a:spcBef>
-                <a:spcPts val="499"/>
+                <a:spcPts val="283"/>
               </a:spcBef>
-              <a:spcAft>
-                <a:spcPts val="201"/>
-              </a:spcAft>
               <a:buClr>
-                <a:srgbClr val="191b0e"/>
+                <a:srgbClr val="000000"/>
               </a:buClr>
-              <a:buFont typeface="Franklin Gothic Book"/>
-              <a:buChar char="■"/>
+              <a:buSzPct val="45000"/>
+              <a:buFont typeface="Wingdings" charset="2"/>
+              <a:buChar char=""/>
             </a:pPr>
             <a:r>
-              <a:rPr b="0" lang="de-DE" sz="1800" spc="-1" strike="noStrike">
-                <a:solidFill>
-                  <a:srgbClr val="191b0e"/>
-                </a:solidFill>
-                <a:latin typeface="Franklin Gothic Book"/>
+              <a:rPr b="0" lang="en-US" sz="2000" spc="-1" strike="noStrike">
+                <a:latin typeface="Arial"/>
               </a:rPr>
-              <a:t>Dritte Ebene</a:t>
+              <a:t>Sixth Outline Level</a:t>
             </a:r>
-            <a:endParaRPr b="0" i="1" lang="en-US" sz="1800" spc="-1" strike="noStrike">
-              <a:solidFill>
-                <a:srgbClr val="191b0e"/>
-              </a:solidFill>
-              <a:latin typeface="Franklin Gothic Book"/>
-            </a:endParaRPr>
-          </a:p>
-          <a:p>
-            <a:pPr lvl="3" marL="1828800" indent="-383760">
-              <a:lnSpc>
-                <a:spcPct val="94000"/>
-              </a:lnSpc>
+            <a:endParaRPr b="0" lang="en-US" sz="2000" spc="-1" strike="noStrike">
+              <a:latin typeface="Arial"/>
+            </a:endParaRPr>
+          </a:p>
+          <a:p>
+            <a:pPr lvl="6" marL="3024000" indent="-216000">
               <a:spcBef>
-                <a:spcPts val="499"/>
+                <a:spcPts val="283"/>
               </a:spcBef>
-              <a:spcAft>
-                <a:spcPts val="201"/>
-              </a:spcAft>
               <a:buClr>
-                <a:srgbClr val="191b0e"/>
+                <a:srgbClr val="000000"/>
               </a:buClr>
-              <a:buFont typeface="Franklin Gothic Book"/>
-              <a:buChar char="–"/>
+              <a:buSzPct val="45000"/>
+              <a:buFont typeface="Wingdings" charset="2"/>
+              <a:buChar char=""/>
             </a:pPr>
             <a:r>
-              <a:rPr b="0" i="1" lang="de-DE" sz="1800" spc="-1" strike="noStrike">
-                <a:solidFill>
-                  <a:srgbClr val="191b0e"/>
-                </a:solidFill>
-                <a:latin typeface="Franklin Gothic Book"/>
+              <a:rPr b="0" lang="en-US" sz="2000" spc="-1" strike="noStrike">
+                <a:latin typeface="Arial"/>
               </a:rPr>
-              <a:t>Vierte Ebene</a:t>
+              <a:t>Seventh Outline Level</a:t>
             </a:r>
-            <a:endParaRPr b="0" lang="en-US" sz="1800" spc="-1" strike="noStrike">
-              <a:solidFill>
-                <a:srgbClr val="191b0e"/>
-              </a:solidFill>
-              <a:latin typeface="Franklin Gothic Book"/>
-            </a:endParaRPr>
-          </a:p>
-          <a:p>
-            <a:pPr lvl="4" marL="2286000" indent="-383760">
-              <a:lnSpc>
-                <a:spcPct val="94000"/>
-              </a:lnSpc>
-              <a:spcBef>
-                <a:spcPts val="499"/>
-              </a:spcBef>
-              <a:spcAft>
-                <a:spcPts val="201"/>
-              </a:spcAft>
-              <a:buClr>
-                <a:srgbClr val="191b0e"/>
-              </a:buClr>
-              <a:buFont typeface="Franklin Gothic Book"/>
-              <a:buChar char="■"/>
-            </a:pPr>
-            <a:r>
-              <a:rPr b="0" lang="de-DE" sz="1600" spc="-1" strike="noStrike">
-                <a:solidFill>
-                  <a:srgbClr val="191b0e"/>
-                </a:solidFill>
-                <a:latin typeface="Franklin Gothic Book"/>
-              </a:rPr>
-              <a:t>Fünfte Ebene</a:t>
-            </a:r>
-            <a:endParaRPr b="0" lang="en-US" sz="1600" spc="-1" strike="noStrike">
-              <a:solidFill>
-                <a:srgbClr val="191b0e"/>
-              </a:solidFill>
-              <a:latin typeface="Franklin Gothic Book"/>
-            </a:endParaRPr>
-          </a:p>
-        </p:txBody>
-      </p:sp>
-      <p:sp>
-        <p:nvSpPr>
-          <p:cNvPr id="48" name="PlaceHolder 4"/>
-          <p:cNvSpPr>
-            <a:spLocks noGrp="1"/>
-          </p:cNvSpPr>
-          <p:nvPr>
-            <p:ph type="dt"/>
-          </p:nvPr>
-        </p:nvSpPr>
-        <p:spPr>
-          <a:xfrm>
-            <a:off x="1390680" y="6453360"/>
-            <a:ext cx="1204200" cy="404280"/>
-          </a:xfrm>
-          <a:prstGeom prst="rect">
-            <a:avLst/>
-          </a:prstGeom>
-        </p:spPr>
-        <p:txBody>
-          <a:bodyPr anchor="ctr">
-            <a:noAutofit/>
-          </a:bodyPr>
-          <a:p>
-            <a:pPr>
-              <a:lnSpc>
-                <a:spcPct val="100000"/>
-              </a:lnSpc>
-            </a:pPr>
-            <a:fld id="{5F68D930-F6F9-4221-881D-BA82A7549325}" type="datetime">
-              <a:rPr b="0" lang="en-US" sz="1200" spc="-1" strike="noStrike">
-                <a:solidFill>
-                  <a:srgbClr val="191b0e"/>
-                </a:solidFill>
-                <a:latin typeface="Franklin Gothic Book"/>
-              </a:rPr>
-              <a:t>3/16/22</a:t>
-            </a:fld>
-            <a:endParaRPr b="0" lang="en-US" sz="1200" spc="-1" strike="noStrike">
-              <a:latin typeface="Times New Roman"/>
-            </a:endParaRPr>
-          </a:p>
-        </p:txBody>
-      </p:sp>
-      <p:sp>
-        <p:nvSpPr>
-          <p:cNvPr id="49" name="PlaceHolder 5"/>
-          <p:cNvSpPr>
-            <a:spLocks noGrp="1"/>
-          </p:cNvSpPr>
-          <p:nvPr>
-            <p:ph type="ftr"/>
-          </p:nvPr>
-        </p:nvSpPr>
-        <p:spPr>
-          <a:xfrm>
-            <a:off x="2893680" y="6453360"/>
-            <a:ext cx="6280560" cy="404280"/>
-          </a:xfrm>
-          <a:prstGeom prst="rect">
-            <a:avLst/>
-          </a:prstGeom>
-        </p:spPr>
-        <p:txBody>
-          <a:bodyPr anchor="ctr">
-            <a:noAutofit/>
-          </a:bodyPr>
-          <a:p>
-            <a:endParaRPr b="0" lang="en-US" sz="2400" spc="-1" strike="noStrike">
-              <a:latin typeface="Times New Roman"/>
-            </a:endParaRPr>
-          </a:p>
-        </p:txBody>
-      </p:sp>
-      <p:sp>
-        <p:nvSpPr>
-          <p:cNvPr id="50" name="PlaceHolder 6"/>
-          <p:cNvSpPr>
-            <a:spLocks noGrp="1"/>
-          </p:cNvSpPr>
-          <p:nvPr>
-            <p:ph type="sldNum"/>
-          </p:nvPr>
-        </p:nvSpPr>
-        <p:spPr>
-          <a:xfrm>
-            <a:off x="9472680" y="6453360"/>
-            <a:ext cx="1595880" cy="404280"/>
-          </a:xfrm>
-          <a:prstGeom prst="rect">
-            <a:avLst/>
-          </a:prstGeom>
-        </p:spPr>
-        <p:txBody>
-          <a:bodyPr anchor="ctr">
-            <a:noAutofit/>
-          </a:bodyPr>
-          <a:p>
-            <a:pPr algn="r">
-              <a:lnSpc>
-                <a:spcPct val="100000"/>
-              </a:lnSpc>
-            </a:pPr>
-            <a:fld id="{E2DE8F42-8684-4D34-BFD2-16EF47360B29}" type="slidenum">
-              <a:rPr b="0" lang="en-US" sz="1200" spc="-1" strike="noStrike">
-                <a:solidFill>
-                  <a:srgbClr val="191b0e"/>
-                </a:solidFill>
-                <a:latin typeface="Franklin Gothic Book"/>
-              </a:rPr>
-              <a:t>&lt;number&gt;</a:t>
-            </a:fld>
-            <a:endParaRPr b="0" lang="en-US" sz="1200" spc="-1" strike="noStrike">
-              <a:latin typeface="Times New Roman"/>
+            <a:endParaRPr b="0" lang="en-US" sz="2000" spc="-1" strike="noStrike">
+              <a:latin typeface="Arial"/>
             </a:endParaRPr>
           </a:p>
         </p:txBody>
@@ -5422,14 +6197,14 @@
       </p:grpSpPr>
       <p:sp>
         <p:nvSpPr>
-          <p:cNvPr id="87" name="CustomShape 1"/>
+          <p:cNvPr id="81" name="CustomShape 1"/>
           <p:cNvSpPr/>
           <p:nvPr/>
         </p:nvSpPr>
         <p:spPr>
           <a:xfrm>
             <a:off x="478080" y="360"/>
-            <a:ext cx="228240" cy="6857640"/>
+            <a:ext cx="227880" cy="6857280"/>
           </a:xfrm>
           <a:prstGeom prst="rect">
             <a:avLst/>
@@ -5458,7 +6233,7 @@
       </p:sp>
       <p:sp>
         <p:nvSpPr>
-          <p:cNvPr id="88" name="PlaceHolder 2"/>
+          <p:cNvPr id="82" name="PlaceHolder 2"/>
           <p:cNvSpPr>
             <a:spLocks noGrp="1"/>
           </p:cNvSpPr>
@@ -5469,375 +6244,25 @@
         <p:spPr>
           <a:xfrm>
             <a:off x="1371600" y="685800"/>
-            <a:ext cx="9600840" cy="1485720"/>
-          </a:xfrm>
-          <a:prstGeom prst="rect">
-            <a:avLst/>
-          </a:prstGeom>
-        </p:spPr>
-        <p:txBody>
-          <a:bodyPr>
+            <a:ext cx="9600480" cy="1485360"/>
+          </a:xfrm>
+          <a:prstGeom prst="rect">
+            <a:avLst/>
+          </a:prstGeom>
+        </p:spPr>
+        <p:txBody>
+          <a:bodyPr lIns="0" rIns="0" tIns="0" bIns="0" anchor="ctr">
             <a:noAutofit/>
           </a:bodyPr>
           <a:p>
-            <a:pPr>
-              <a:lnSpc>
-                <a:spcPct val="89000"/>
-              </a:lnSpc>
-            </a:pPr>
-            <a:r>
-              <a:rPr b="0" lang="de-DE" sz="4400" spc="-1" strike="noStrike">
-                <a:solidFill>
-                  <a:srgbClr val="191b0e"/>
-                </a:solidFill>
-                <a:latin typeface="Franklin Gothic Book"/>
-              </a:rPr>
-              <a:t>Mastertitelformat bearbeiten</a:t>
-            </a:r>
-            <a:endParaRPr b="0" lang="en-US" sz="4400" spc="-1" strike="noStrike">
-              <a:solidFill>
-                <a:srgbClr val="000000"/>
-              </a:solidFill>
-              <a:latin typeface="Franklin Gothic Book"/>
-            </a:endParaRPr>
-          </a:p>
-        </p:txBody>
-      </p:sp>
-      <p:sp>
-        <p:nvSpPr>
-          <p:cNvPr id="89" name="PlaceHolder 3"/>
-          <p:cNvSpPr>
-            <a:spLocks noGrp="1"/>
-          </p:cNvSpPr>
-          <p:nvPr>
-            <p:ph type="dt"/>
-          </p:nvPr>
-        </p:nvSpPr>
-        <p:spPr>
-          <a:xfrm>
-            <a:off x="1390680" y="6453360"/>
-            <a:ext cx="1204200" cy="404280"/>
-          </a:xfrm>
-          <a:prstGeom prst="rect">
-            <a:avLst/>
-          </a:prstGeom>
-        </p:spPr>
-        <p:txBody>
-          <a:bodyPr anchor="ctr">
-            <a:noAutofit/>
-          </a:bodyPr>
-          <a:p>
-            <a:pPr>
-              <a:lnSpc>
-                <a:spcPct val="100000"/>
-              </a:lnSpc>
-            </a:pPr>
-            <a:fld id="{DF36AE62-6E21-4968-A83A-F5369CC976E2}" type="datetime">
-              <a:rPr b="0" lang="en-US" sz="1200" spc="-1" strike="noStrike">
-                <a:solidFill>
-                  <a:srgbClr val="191b0e"/>
-                </a:solidFill>
-                <a:latin typeface="Franklin Gothic Book"/>
-              </a:rPr>
-              <a:t>3/16/22</a:t>
-            </a:fld>
-            <a:endParaRPr b="0" lang="en-US" sz="1200" spc="-1" strike="noStrike">
-              <a:latin typeface="Times New Roman"/>
-            </a:endParaRPr>
-          </a:p>
-        </p:txBody>
-      </p:sp>
-      <p:sp>
-        <p:nvSpPr>
-          <p:cNvPr id="90" name="PlaceHolder 4"/>
-          <p:cNvSpPr>
-            <a:spLocks noGrp="1"/>
-          </p:cNvSpPr>
-          <p:nvPr>
-            <p:ph type="ftr"/>
-          </p:nvPr>
-        </p:nvSpPr>
-        <p:spPr>
-          <a:xfrm>
-            <a:off x="2893680" y="6453360"/>
-            <a:ext cx="6280560" cy="404280"/>
-          </a:xfrm>
-          <a:prstGeom prst="rect">
-            <a:avLst/>
-          </a:prstGeom>
-        </p:spPr>
-        <p:txBody>
-          <a:bodyPr anchor="ctr">
-            <a:noAutofit/>
-          </a:bodyPr>
-          <a:p>
-            <a:endParaRPr b="0" lang="en-US" sz="2400" spc="-1" strike="noStrike">
-              <a:latin typeface="Times New Roman"/>
-            </a:endParaRPr>
-          </a:p>
-        </p:txBody>
-      </p:sp>
-      <p:sp>
-        <p:nvSpPr>
-          <p:cNvPr id="91" name="PlaceHolder 5"/>
-          <p:cNvSpPr>
-            <a:spLocks noGrp="1"/>
-          </p:cNvSpPr>
-          <p:nvPr>
-            <p:ph type="sldNum"/>
-          </p:nvPr>
-        </p:nvSpPr>
-        <p:spPr>
-          <a:xfrm>
-            <a:off x="9472680" y="6453360"/>
-            <a:ext cx="1595880" cy="404280"/>
-          </a:xfrm>
-          <a:prstGeom prst="rect">
-            <a:avLst/>
-          </a:prstGeom>
-        </p:spPr>
-        <p:txBody>
-          <a:bodyPr anchor="ctr">
-            <a:noAutofit/>
-          </a:bodyPr>
-          <a:p>
-            <a:pPr algn="r">
-              <a:lnSpc>
-                <a:spcPct val="100000"/>
-              </a:lnSpc>
-            </a:pPr>
-            <a:fld id="{7F2FC0D1-A270-4FDD-997A-337EEB4AD973}" type="slidenum">
-              <a:rPr b="0" lang="en-US" sz="1200" spc="-1" strike="noStrike">
-                <a:solidFill>
-                  <a:srgbClr val="191b0e"/>
-                </a:solidFill>
-                <a:latin typeface="Franklin Gothic Book"/>
-              </a:rPr>
-              <a:t>&lt;number&gt;</a:t>
-            </a:fld>
-            <a:endParaRPr b="0" lang="en-US" sz="1200" spc="-1" strike="noStrike">
-              <a:latin typeface="Times New Roman"/>
-            </a:endParaRPr>
-          </a:p>
-        </p:txBody>
-      </p:sp>
-      <p:sp>
-        <p:nvSpPr>
-          <p:cNvPr id="92" name="PlaceHolder 6"/>
-          <p:cNvSpPr>
-            <a:spLocks noGrp="1"/>
-          </p:cNvSpPr>
-          <p:nvPr>
-            <p:ph type="body"/>
-          </p:nvPr>
-        </p:nvSpPr>
-        <p:spPr>
-          <a:xfrm>
-            <a:off x="609480" y="1604520"/>
-            <a:ext cx="10972440" cy="3977280"/>
-          </a:xfrm>
-          <a:prstGeom prst="rect">
-            <a:avLst/>
-          </a:prstGeom>
-        </p:spPr>
-        <p:txBody>
-          <a:bodyPr lIns="0" rIns="0" tIns="0" bIns="0">
-            <a:normAutofit/>
-          </a:bodyPr>
-          <a:p>
-            <a:pPr marL="432000" indent="-324000">
-              <a:spcBef>
-                <a:spcPts val="1417"/>
-              </a:spcBef>
-              <a:buClr>
-                <a:srgbClr val="000000"/>
-              </a:buClr>
-              <a:buSzPct val="45000"/>
-              <a:buFont typeface="Wingdings" charset="2"/>
-              <a:buChar char=""/>
-            </a:pPr>
-            <a:r>
-              <a:rPr b="0" lang="en-US" sz="2000" spc="-1" strike="noStrike">
-                <a:solidFill>
-                  <a:srgbClr val="191b0e"/>
-                </a:solidFill>
-                <a:latin typeface="Franklin Gothic Book"/>
-              </a:rPr>
-              <a:t>Click to edit the outline text format</a:t>
-            </a:r>
-            <a:endParaRPr b="0" lang="en-US" sz="2000" spc="-1" strike="noStrike">
-              <a:solidFill>
-                <a:srgbClr val="191b0e"/>
-              </a:solidFill>
-              <a:latin typeface="Franklin Gothic Book"/>
-            </a:endParaRPr>
-          </a:p>
-          <a:p>
-            <a:pPr lvl="1" marL="864000" indent="-324000">
-              <a:spcBef>
-                <a:spcPts val="1134"/>
-              </a:spcBef>
-              <a:buClr>
-                <a:srgbClr val="000000"/>
-              </a:buClr>
-              <a:buSzPct val="75000"/>
-              <a:buFont typeface="Symbol" charset="2"/>
-              <a:buChar char=""/>
-            </a:pPr>
             <a:r>
               <a:rPr b="0" lang="en-US" sz="1800" spc="-1" strike="noStrike">
-                <a:solidFill>
-                  <a:srgbClr val="191b0e"/>
-                </a:solidFill>
-                <a:latin typeface="Franklin Gothic Book"/>
+                <a:latin typeface="Arial"/>
               </a:rPr>
-              <a:t>Second Outline Level</a:t>
+              <a:t>Click to edit the title text format</a:t>
             </a:r>
             <a:endParaRPr b="0" lang="en-US" sz="1800" spc="-1" strike="noStrike">
-              <a:solidFill>
-                <a:srgbClr val="191b0e"/>
-              </a:solidFill>
-              <a:latin typeface="Franklin Gothic Book"/>
-            </a:endParaRPr>
-          </a:p>
-          <a:p>
-            <a:pPr lvl="2" marL="1296000" indent="-288000">
-              <a:spcBef>
-                <a:spcPts val="850"/>
-              </a:spcBef>
-              <a:buClr>
-                <a:srgbClr val="000000"/>
-              </a:buClr>
-              <a:buSzPct val="45000"/>
-              <a:buFont typeface="Wingdings" charset="2"/>
-              <a:buChar char=""/>
-            </a:pPr>
-            <a:r>
-              <a:rPr b="0" i="1" lang="en-US" sz="1800" spc="-1" strike="noStrike">
-                <a:solidFill>
-                  <a:srgbClr val="191b0e"/>
-                </a:solidFill>
-                <a:latin typeface="Franklin Gothic Book"/>
-              </a:rPr>
-              <a:t>Third Outline Level</a:t>
-            </a:r>
-            <a:endParaRPr b="0" i="1" lang="en-US" sz="1800" spc="-1" strike="noStrike">
-              <a:solidFill>
-                <a:srgbClr val="191b0e"/>
-              </a:solidFill>
-              <a:latin typeface="Franklin Gothic Book"/>
-            </a:endParaRPr>
-          </a:p>
-          <a:p>
-            <a:pPr lvl="3" marL="1728000" indent="-216000">
-              <a:spcBef>
-                <a:spcPts val="567"/>
-              </a:spcBef>
-              <a:buClr>
-                <a:srgbClr val="000000"/>
-              </a:buClr>
-              <a:buSzPct val="75000"/>
-              <a:buFont typeface="Symbol" charset="2"/>
-              <a:buChar char=""/>
-            </a:pPr>
-            <a:r>
-              <a:rPr b="0" lang="en-US" sz="1600" spc="-1" strike="noStrike">
-                <a:solidFill>
-                  <a:srgbClr val="191b0e"/>
-                </a:solidFill>
-                <a:latin typeface="Franklin Gothic Book"/>
-              </a:rPr>
-              <a:t>Fourth Outline Level</a:t>
-            </a:r>
-            <a:endParaRPr b="0" lang="en-US" sz="1600" spc="-1" strike="noStrike">
-              <a:solidFill>
-                <a:srgbClr val="191b0e"/>
-              </a:solidFill>
-              <a:latin typeface="Franklin Gothic Book"/>
-            </a:endParaRPr>
-          </a:p>
-          <a:p>
-            <a:pPr lvl="4" marL="2160000" indent="-216000">
-              <a:spcBef>
-                <a:spcPts val="283"/>
-              </a:spcBef>
-              <a:buClr>
-                <a:srgbClr val="000000"/>
-              </a:buClr>
-              <a:buSzPct val="45000"/>
-              <a:buFont typeface="Wingdings" charset="2"/>
-              <a:buChar char=""/>
-            </a:pPr>
-            <a:r>
-              <a:rPr b="0" lang="en-US" sz="2000" spc="-1" strike="noStrike">
-                <a:solidFill>
-                  <a:srgbClr val="191b0e"/>
-                </a:solidFill>
-                <a:latin typeface="Franklin Gothic Book"/>
-              </a:rPr>
-              <a:t>Fifth Outline Level</a:t>
-            </a:r>
-            <a:endParaRPr b="0" lang="en-US" sz="2000" spc="-1" strike="noStrike">
-              <a:solidFill>
-                <a:srgbClr val="191b0e"/>
-              </a:solidFill>
-              <a:latin typeface="Franklin Gothic Book"/>
-            </a:endParaRPr>
-          </a:p>
-          <a:p>
-            <a:pPr lvl="5" marL="2592000" indent="-216000">
-              <a:spcBef>
-                <a:spcPts val="283"/>
-              </a:spcBef>
-              <a:buClr>
-                <a:srgbClr val="000000"/>
-              </a:buClr>
-              <a:buSzPct val="45000"/>
-              <a:buFont typeface="Wingdings" charset="2"/>
-              <a:buChar char=""/>
-            </a:pPr>
-            <a:r>
-              <a:rPr b="0" lang="en-US" sz="2000" spc="-1" strike="noStrike">
-                <a:solidFill>
-                  <a:srgbClr val="191b0e"/>
-                </a:solidFill>
-                <a:latin typeface="Franklin Gothic Book"/>
-              </a:rPr>
-              <a:t>Sixth Outline Level</a:t>
-            </a:r>
-            <a:endParaRPr b="0" lang="en-US" sz="2000" spc="-1" strike="noStrike">
-              <a:solidFill>
-                <a:srgbClr val="191b0e"/>
-              </a:solidFill>
-              <a:latin typeface="Franklin Gothic Book"/>
-            </a:endParaRPr>
-          </a:p>
-          <a:p>
-            <a:pPr lvl="6" marL="3024000" indent="-216000">
-              <a:spcBef>
-                <a:spcPts val="283"/>
-              </a:spcBef>
-              <a:buClr>
-                <a:srgbClr val="000000"/>
-              </a:buClr>
-              <a:buSzPct val="45000"/>
-              <a:buFont typeface="Wingdings" charset="2"/>
-              <a:buChar char=""/>
-            </a:pPr>
-            <a:r>
-              <a:rPr b="0" lang="en-US" sz="2000" spc="-1" strike="noStrike">
-                <a:solidFill>
-                  <a:srgbClr val="191b0e"/>
-                </a:solidFill>
-                <a:latin typeface="Franklin Gothic Book"/>
-              </a:rPr>
-              <a:t>Seventh Outline Level</a:t>
-            </a:r>
-            <a:endParaRPr b="0" lang="en-US" sz="2000" spc="-1" strike="noStrike">
-              <a:solidFill>
-                <a:srgbClr val="191b0e"/>
-              </a:solidFill>
-              <a:latin typeface="Franklin Gothic Book"/>
+              <a:latin typeface="Arial"/>
             </a:endParaRPr>
           </a:p>
         </p:txBody>
@@ -5858,6 +6283,302 @@
     <p:sldLayoutId id="2147483684" r:id="rId11"/>
     <p:sldLayoutId id="2147483685" r:id="rId12"/>
     <p:sldLayoutId id="2147483686" r:id="rId13"/>
+  </p:sldLayoutIdLst>
+</p:sldMaster>
+</file>
+
+<file path=ppt/slideMasters/slideMaster4.xml><?xml version="1.0" encoding="utf-8"?>
+<p:sldMaster xmlns:a="http://schemas.openxmlformats.org/drawingml/2006/main" xmlns:p="http://schemas.openxmlformats.org/presentationml/2006/main" xmlns:r="http://schemas.openxmlformats.org/officeDocument/2006/relationships" xmlns:p14="http://schemas.microsoft.com/office/powerpoint/2010/main" xmlns:p15="http://schemas.microsoft.com/office/powerpoint/2012/main" xmlns:mc="http://schemas.openxmlformats.org/markup-compatibility/2006">
+  <p:cSld>
+    <p:bg>
+      <p:bgPr>
+        <a:solidFill>
+          <a:srgbClr val="efede3"/>
+        </a:solidFill>
+      </p:bgPr>
+    </p:bg>
+    <p:spTree>
+      <p:nvGrpSpPr>
+        <p:cNvPr id="1" name=""/>
+        <p:cNvGrpSpPr/>
+        <p:nvPr/>
+      </p:nvGrpSpPr>
+      <p:grpSpPr>
+        <a:xfrm>
+          <a:off x="0" y="0"/>
+          <a:ext cx="0" cy="0"/>
+          <a:chOff x="0" y="0"/>
+          <a:chExt cx="0" cy="0"/>
+        </a:xfrm>
+      </p:grpSpPr>
+      <p:sp>
+        <p:nvSpPr>
+          <p:cNvPr id="119" name="CustomShape 1"/>
+          <p:cNvSpPr/>
+          <p:nvPr/>
+        </p:nvSpPr>
+        <p:spPr>
+          <a:xfrm>
+            <a:off x="478080" y="360"/>
+            <a:ext cx="227880" cy="6857280"/>
+          </a:xfrm>
+          <a:prstGeom prst="rect">
+            <a:avLst/>
+          </a:prstGeom>
+          <a:solidFill>
+            <a:schemeClr val="tx2"/>
+          </a:solidFill>
+          <a:ln>
+            <a:noFill/>
+          </a:ln>
+        </p:spPr>
+        <p:style>
+          <a:lnRef idx="2">
+            <a:schemeClr val="accent1">
+              <a:shade val="50000"/>
+            </a:schemeClr>
+          </a:lnRef>
+          <a:fillRef idx="1">
+            <a:schemeClr val="accent1"/>
+          </a:fillRef>
+          <a:effectRef idx="0">
+            <a:schemeClr val="accent1"/>
+          </a:effectRef>
+          <a:fontRef idx="minor"/>
+        </p:style>
+      </p:sp>
+      <p:sp>
+        <p:nvSpPr>
+          <p:cNvPr id="120" name="PlaceHolder 2"/>
+          <p:cNvSpPr>
+            <a:spLocks noGrp="1"/>
+          </p:cNvSpPr>
+          <p:nvPr>
+            <p:ph type="title"/>
+          </p:nvPr>
+        </p:nvSpPr>
+        <p:spPr>
+          <a:xfrm>
+            <a:off x="609480" y="273600"/>
+            <a:ext cx="10972440" cy="1144800"/>
+          </a:xfrm>
+          <a:prstGeom prst="rect">
+            <a:avLst/>
+          </a:prstGeom>
+        </p:spPr>
+        <p:txBody>
+          <a:bodyPr lIns="0" rIns="0" tIns="0" bIns="0" anchor="ctr">
+            <a:noAutofit/>
+          </a:bodyPr>
+          <a:p>
+            <a:pPr algn="ctr"/>
+            <a:r>
+              <a:rPr b="0" lang="en-US" sz="4400" spc="-1" strike="noStrike">
+                <a:latin typeface="Arial"/>
+              </a:rPr>
+              <a:t>Click to edit the title text format</a:t>
+            </a:r>
+            <a:endParaRPr b="0" lang="en-US" sz="4400" spc="-1" strike="noStrike">
+              <a:latin typeface="Arial"/>
+            </a:endParaRPr>
+          </a:p>
+        </p:txBody>
+      </p:sp>
+      <p:sp>
+        <p:nvSpPr>
+          <p:cNvPr id="121" name="PlaceHolder 3"/>
+          <p:cNvSpPr>
+            <a:spLocks noGrp="1"/>
+          </p:cNvSpPr>
+          <p:nvPr>
+            <p:ph type="body"/>
+          </p:nvPr>
+        </p:nvSpPr>
+        <p:spPr>
+          <a:xfrm>
+            <a:off x="609480" y="1604520"/>
+            <a:ext cx="10972440" cy="3977280"/>
+          </a:xfrm>
+          <a:prstGeom prst="rect">
+            <a:avLst/>
+          </a:prstGeom>
+        </p:spPr>
+        <p:txBody>
+          <a:bodyPr lIns="0" rIns="0" tIns="0" bIns="0">
+            <a:normAutofit/>
+          </a:bodyPr>
+          <a:p>
+            <a:pPr marL="432000" indent="-324000">
+              <a:spcBef>
+                <a:spcPts val="1417"/>
+              </a:spcBef>
+              <a:buClr>
+                <a:srgbClr val="000000"/>
+              </a:buClr>
+              <a:buSzPct val="45000"/>
+              <a:buFont typeface="Wingdings" charset="2"/>
+              <a:buChar char=""/>
+            </a:pPr>
+            <a:r>
+              <a:rPr b="0" lang="en-US" sz="3200" spc="-1" strike="noStrike">
+                <a:latin typeface="Arial"/>
+              </a:rPr>
+              <a:t>Click to edit the outline text format</a:t>
+            </a:r>
+            <a:endParaRPr b="0" lang="en-US" sz="3200" spc="-1" strike="noStrike">
+              <a:latin typeface="Arial"/>
+            </a:endParaRPr>
+          </a:p>
+          <a:p>
+            <a:pPr lvl="1" marL="864000" indent="-324000">
+              <a:spcBef>
+                <a:spcPts val="1134"/>
+              </a:spcBef>
+              <a:buClr>
+                <a:srgbClr val="000000"/>
+              </a:buClr>
+              <a:buSzPct val="75000"/>
+              <a:buFont typeface="Symbol" charset="2"/>
+              <a:buChar char=""/>
+            </a:pPr>
+            <a:r>
+              <a:rPr b="0" lang="en-US" sz="2800" spc="-1" strike="noStrike">
+                <a:latin typeface="Arial"/>
+              </a:rPr>
+              <a:t>Second Outline Level</a:t>
+            </a:r>
+            <a:endParaRPr b="0" lang="en-US" sz="2800" spc="-1" strike="noStrike">
+              <a:latin typeface="Arial"/>
+            </a:endParaRPr>
+          </a:p>
+          <a:p>
+            <a:pPr lvl="2" marL="1296000" indent="-288000">
+              <a:spcBef>
+                <a:spcPts val="850"/>
+              </a:spcBef>
+              <a:buClr>
+                <a:srgbClr val="000000"/>
+              </a:buClr>
+              <a:buSzPct val="45000"/>
+              <a:buFont typeface="Wingdings" charset="2"/>
+              <a:buChar char=""/>
+            </a:pPr>
+            <a:r>
+              <a:rPr b="0" lang="en-US" sz="2400" spc="-1" strike="noStrike">
+                <a:latin typeface="Arial"/>
+              </a:rPr>
+              <a:t>Third Outline Level</a:t>
+            </a:r>
+            <a:endParaRPr b="0" lang="en-US" sz="2400" spc="-1" strike="noStrike">
+              <a:latin typeface="Arial"/>
+            </a:endParaRPr>
+          </a:p>
+          <a:p>
+            <a:pPr lvl="3" marL="1728000" indent="-216000">
+              <a:spcBef>
+                <a:spcPts val="567"/>
+              </a:spcBef>
+              <a:buClr>
+                <a:srgbClr val="000000"/>
+              </a:buClr>
+              <a:buSzPct val="75000"/>
+              <a:buFont typeface="Symbol" charset="2"/>
+              <a:buChar char=""/>
+            </a:pPr>
+            <a:r>
+              <a:rPr b="0" lang="en-US" sz="2000" spc="-1" strike="noStrike">
+                <a:latin typeface="Arial"/>
+              </a:rPr>
+              <a:t>Fourth Outline Level</a:t>
+            </a:r>
+            <a:endParaRPr b="0" lang="en-US" sz="2000" spc="-1" strike="noStrike">
+              <a:latin typeface="Arial"/>
+            </a:endParaRPr>
+          </a:p>
+          <a:p>
+            <a:pPr lvl="4" marL="2160000" indent="-216000">
+              <a:spcBef>
+                <a:spcPts val="283"/>
+              </a:spcBef>
+              <a:buClr>
+                <a:srgbClr val="000000"/>
+              </a:buClr>
+              <a:buSzPct val="45000"/>
+              <a:buFont typeface="Wingdings" charset="2"/>
+              <a:buChar char=""/>
+            </a:pPr>
+            <a:r>
+              <a:rPr b="0" lang="en-US" sz="2000" spc="-1" strike="noStrike">
+                <a:latin typeface="Arial"/>
+              </a:rPr>
+              <a:t>Fifth Outline Level</a:t>
+            </a:r>
+            <a:endParaRPr b="0" lang="en-US" sz="2000" spc="-1" strike="noStrike">
+              <a:latin typeface="Arial"/>
+            </a:endParaRPr>
+          </a:p>
+          <a:p>
+            <a:pPr lvl="5" marL="2592000" indent="-216000">
+              <a:spcBef>
+                <a:spcPts val="283"/>
+              </a:spcBef>
+              <a:buClr>
+                <a:srgbClr val="000000"/>
+              </a:buClr>
+              <a:buSzPct val="45000"/>
+              <a:buFont typeface="Wingdings" charset="2"/>
+              <a:buChar char=""/>
+            </a:pPr>
+            <a:r>
+              <a:rPr b="0" lang="en-US" sz="2000" spc="-1" strike="noStrike">
+                <a:latin typeface="Arial"/>
+              </a:rPr>
+              <a:t>Sixth Outline Level</a:t>
+            </a:r>
+            <a:endParaRPr b="0" lang="en-US" sz="2000" spc="-1" strike="noStrike">
+              <a:latin typeface="Arial"/>
+            </a:endParaRPr>
+          </a:p>
+          <a:p>
+            <a:pPr lvl="6" marL="3024000" indent="-216000">
+              <a:spcBef>
+                <a:spcPts val="283"/>
+              </a:spcBef>
+              <a:buClr>
+                <a:srgbClr val="000000"/>
+              </a:buClr>
+              <a:buSzPct val="45000"/>
+              <a:buFont typeface="Wingdings" charset="2"/>
+              <a:buChar char=""/>
+            </a:pPr>
+            <a:r>
+              <a:rPr b="0" lang="en-US" sz="2000" spc="-1" strike="noStrike">
+                <a:latin typeface="Arial"/>
+              </a:rPr>
+              <a:t>Seventh Outline Level</a:t>
+            </a:r>
+            <a:endParaRPr b="0" lang="en-US" sz="2000" spc="-1" strike="noStrike">
+              <a:latin typeface="Arial"/>
+            </a:endParaRPr>
+          </a:p>
+        </p:txBody>
+      </p:sp>
+    </p:spTree>
+  </p:cSld>
+  <p:clrMap bg1="lt1" bg2="lt2" tx1="dk1" tx2="dk2" accent1="accent1" accent2="accent2" accent3="accent3" accent4="accent4" accent5="accent5" accent6="accent6" hlink="hlink" folHlink="folHlink"/>
+  <p:sldLayoutIdLst>
+    <p:sldLayoutId id="2147483688" r:id="rId2"/>
+    <p:sldLayoutId id="2147483689" r:id="rId3"/>
+    <p:sldLayoutId id="2147483690" r:id="rId4"/>
+    <p:sldLayoutId id="2147483691" r:id="rId5"/>
+    <p:sldLayoutId id="2147483692" r:id="rId6"/>
+    <p:sldLayoutId id="2147483693" r:id="rId7"/>
+    <p:sldLayoutId id="2147483694" r:id="rId8"/>
+    <p:sldLayoutId id="2147483695" r:id="rId9"/>
+    <p:sldLayoutId id="2147483696" r:id="rId10"/>
+    <p:sldLayoutId id="2147483697" r:id="rId11"/>
+    <p:sldLayoutId id="2147483698" r:id="rId12"/>
+    <p:sldLayoutId id="2147483699" r:id="rId13"/>
   </p:sldLayoutIdLst>
 </p:sldMaster>
 </file>
@@ -5881,14 +6602,14 @@
       </p:grpSpPr>
       <p:sp>
         <p:nvSpPr>
-          <p:cNvPr id="129" name="TextShape 1"/>
-          <p:cNvSpPr txBox="1"/>
+          <p:cNvPr id="158" name="CustomShape 1"/>
+          <p:cNvSpPr/>
           <p:nvPr/>
         </p:nvSpPr>
         <p:spPr>
           <a:xfrm>
             <a:off x="1915200" y="1788480"/>
-            <a:ext cx="8361000" cy="2097720"/>
+            <a:ext cx="8360640" cy="2097360"/>
           </a:xfrm>
           <a:prstGeom prst="rect">
             <a:avLst/>
@@ -5898,8 +6619,14 @@
             <a:noFill/>
           </a:ln>
         </p:spPr>
-        <p:txBody>
-          <a:bodyPr anchor="b">
+        <p:style>
+          <a:lnRef idx="0"/>
+          <a:fillRef idx="0"/>
+          <a:effectRef idx="0"/>
+          <a:fontRef idx="minor"/>
+        </p:style>
+        <p:txBody>
+          <a:bodyPr lIns="90000" rIns="90000" tIns="45000" bIns="45000" anchor="b">
             <a:noAutofit/>
           </a:bodyPr>
           <a:p>
@@ -5918,10 +6645,581 @@
               <a:t>WordCounter</a:t>
             </a:r>
             <a:endParaRPr b="0" lang="en-US" sz="7200" spc="-1" strike="noStrike">
-              <a:solidFill>
-                <a:srgbClr val="000000"/>
-              </a:solidFill>
-              <a:latin typeface="Franklin Gothic Book"/>
+              <a:latin typeface="Arial"/>
+            </a:endParaRPr>
+          </a:p>
+        </p:txBody>
+      </p:sp>
+    </p:spTree>
+  </p:cSld>
+  <mc:AlternateContent>
+    <mc:Choice Requires="p14">
+      <p:transition spd="slow" p14:dur="2000"/>
+    </mc:Choice>
+    <mc:Fallback>
+      <p:transition spd="slow"/>
+    </mc:Fallback>
+  </mc:AlternateContent>
+</p:sld>
+</file>
+
+<file path=ppt/slides/slide10.xml><?xml version="1.0" encoding="utf-8"?>
+<p:sld xmlns:a="http://schemas.openxmlformats.org/drawingml/2006/main" xmlns:p="http://schemas.openxmlformats.org/presentationml/2006/main" xmlns:r="http://schemas.openxmlformats.org/officeDocument/2006/relationships" xmlns:p14="http://schemas.microsoft.com/office/powerpoint/2010/main" xmlns:p15="http://schemas.microsoft.com/office/powerpoint/2012/main" xmlns:mc="http://schemas.openxmlformats.org/markup-compatibility/2006">
+  <p:cSld>
+    <p:spTree>
+      <p:nvGrpSpPr>
+        <p:cNvPr id="1" name=""/>
+        <p:cNvGrpSpPr/>
+        <p:nvPr/>
+      </p:nvGrpSpPr>
+      <p:grpSpPr>
+        <a:xfrm>
+          <a:off x="0" y="0"/>
+          <a:ext cx="0" cy="0"/>
+          <a:chOff x="0" y="0"/>
+          <a:chExt cx="0" cy="0"/>
+        </a:xfrm>
+      </p:grpSpPr>
+      <p:sp>
+        <p:nvSpPr>
+          <p:cNvPr id="177" name="CustomShape 1"/>
+          <p:cNvSpPr/>
+          <p:nvPr/>
+        </p:nvSpPr>
+        <p:spPr>
+          <a:xfrm>
+            <a:off x="1371600" y="685800"/>
+            <a:ext cx="9600480" cy="1485360"/>
+          </a:xfrm>
+          <a:prstGeom prst="rect">
+            <a:avLst/>
+          </a:prstGeom>
+          <a:noFill/>
+          <a:ln>
+            <a:noFill/>
+          </a:ln>
+        </p:spPr>
+        <p:style>
+          <a:lnRef idx="0"/>
+          <a:fillRef idx="0"/>
+          <a:effectRef idx="0"/>
+          <a:fontRef idx="minor"/>
+        </p:style>
+        <p:txBody>
+          <a:bodyPr lIns="90000" rIns="90000" tIns="45000" bIns="45000">
+            <a:noAutofit/>
+          </a:bodyPr>
+          <a:p>
+            <a:pPr>
+              <a:lnSpc>
+                <a:spcPct val="89000"/>
+              </a:lnSpc>
+            </a:pPr>
+            <a:r>
+              <a:rPr b="0" lang="de-DE" sz="4400" spc="-1" strike="noStrike">
+                <a:solidFill>
+                  <a:srgbClr val="191b0e"/>
+                </a:solidFill>
+                <a:latin typeface="Franklin Gothic Book"/>
+              </a:rPr>
+              <a:t>Wordcount</a:t>
+            </a:r>
+            <a:endParaRPr b="0" lang="en-US" sz="4400" spc="-1" strike="noStrike">
+              <a:latin typeface="Arial"/>
+            </a:endParaRPr>
+          </a:p>
+        </p:txBody>
+      </p:sp>
+      <p:sp>
+        <p:nvSpPr>
+          <p:cNvPr id="178" name="CustomShape 2"/>
+          <p:cNvSpPr/>
+          <p:nvPr/>
+        </p:nvSpPr>
+        <p:spPr>
+          <a:xfrm>
+            <a:off x="1371600" y="2286000"/>
+            <a:ext cx="9600480" cy="3580560"/>
+          </a:xfrm>
+          <a:prstGeom prst="rect">
+            <a:avLst/>
+          </a:prstGeom>
+          <a:noFill/>
+          <a:ln>
+            <a:noFill/>
+          </a:ln>
+        </p:spPr>
+        <p:style>
+          <a:lnRef idx="0"/>
+          <a:fillRef idx="0"/>
+          <a:effectRef idx="0"/>
+          <a:fontRef idx="minor"/>
+        </p:style>
+      </p:sp>
+      <p:sp>
+        <p:nvSpPr>
+          <p:cNvPr id="179" name="CustomShape 3"/>
+          <p:cNvSpPr/>
+          <p:nvPr/>
+        </p:nvSpPr>
+        <p:spPr>
+          <a:xfrm>
+            <a:off x="1371600" y="2286000"/>
+            <a:ext cx="9600480" cy="3580560"/>
+          </a:xfrm>
+          <a:prstGeom prst="rect">
+            <a:avLst/>
+          </a:prstGeom>
+          <a:noFill/>
+          <a:ln>
+            <a:noFill/>
+          </a:ln>
+        </p:spPr>
+        <p:style>
+          <a:lnRef idx="0"/>
+          <a:fillRef idx="0"/>
+          <a:effectRef idx="0"/>
+          <a:fontRef idx="minor"/>
+        </p:style>
+        <p:txBody>
+          <a:bodyPr lIns="90000" rIns="90000" tIns="45000" bIns="45000">
+            <a:noAutofit/>
+          </a:bodyPr>
+          <a:p>
+            <a:pPr marL="384120" indent="-383400">
+              <a:lnSpc>
+                <a:spcPct val="94000"/>
+              </a:lnSpc>
+              <a:spcBef>
+                <a:spcPts val="1001"/>
+              </a:spcBef>
+              <a:spcAft>
+                <a:spcPts val="201"/>
+              </a:spcAft>
+              <a:buClr>
+                <a:srgbClr val="191b0e"/>
+              </a:buClr>
+              <a:buFont typeface="Franklin Gothic Book"/>
+              <a:buChar char="■"/>
+            </a:pPr>
+            <a:r>
+              <a:rPr b="0" lang="de-DE" sz="2000" spc="-1" strike="noStrike">
+                <a:solidFill>
+                  <a:srgbClr val="191b0e"/>
+                </a:solidFill>
+                <a:latin typeface="Franklin Gothic Book"/>
+              </a:rPr>
+              <a:t>Idee</a:t>
+            </a:r>
+            <a:endParaRPr b="0" lang="en-US" sz="2000" spc="-1" strike="noStrike">
+              <a:latin typeface="Arial"/>
+            </a:endParaRPr>
+          </a:p>
+          <a:p>
+            <a:pPr marL="384120" indent="-383400">
+              <a:lnSpc>
+                <a:spcPct val="94000"/>
+              </a:lnSpc>
+              <a:spcBef>
+                <a:spcPts val="1001"/>
+              </a:spcBef>
+              <a:spcAft>
+                <a:spcPts val="201"/>
+              </a:spcAft>
+              <a:buClr>
+                <a:srgbClr val="191b0e"/>
+              </a:buClr>
+              <a:buFont typeface="Franklin Gothic Book"/>
+              <a:buChar char="■"/>
+            </a:pPr>
+            <a:r>
+              <a:rPr b="0" lang="de-DE" sz="2000" spc="-1" strike="noStrike">
+                <a:solidFill>
+                  <a:srgbClr val="191b0e"/>
+                </a:solidFill>
+                <a:latin typeface="Franklin Gothic Book"/>
+              </a:rPr>
+              <a:t>Anforderungen</a:t>
+            </a:r>
+            <a:endParaRPr b="0" lang="en-US" sz="2000" spc="-1" strike="noStrike">
+              <a:latin typeface="Arial"/>
+            </a:endParaRPr>
+          </a:p>
+          <a:p>
+            <a:pPr marL="384120" indent="-383400">
+              <a:lnSpc>
+                <a:spcPct val="94000"/>
+              </a:lnSpc>
+              <a:spcBef>
+                <a:spcPts val="1001"/>
+              </a:spcBef>
+              <a:spcAft>
+                <a:spcPts val="201"/>
+              </a:spcAft>
+              <a:buClr>
+                <a:srgbClr val="191b0e"/>
+              </a:buClr>
+              <a:buFont typeface="Franklin Gothic Book"/>
+              <a:buChar char="■"/>
+            </a:pPr>
+            <a:r>
+              <a:rPr b="0" lang="de-DE" sz="2000" spc="-1" strike="noStrike">
+                <a:solidFill>
+                  <a:srgbClr val="191b0e"/>
+                </a:solidFill>
+                <a:latin typeface="Franklin Gothic Book"/>
+              </a:rPr>
+              <a:t>Aufbau</a:t>
+            </a:r>
+            <a:endParaRPr b="0" lang="en-US" sz="2000" spc="-1" strike="noStrike">
+              <a:latin typeface="Arial"/>
+            </a:endParaRPr>
+          </a:p>
+          <a:p>
+            <a:pPr marL="384120" indent="-383400">
+              <a:lnSpc>
+                <a:spcPct val="94000"/>
+              </a:lnSpc>
+              <a:spcBef>
+                <a:spcPts val="1001"/>
+              </a:spcBef>
+              <a:spcAft>
+                <a:spcPts val="201"/>
+              </a:spcAft>
+              <a:buClr>
+                <a:srgbClr val="191b0e"/>
+              </a:buClr>
+              <a:buFont typeface="Franklin Gothic Book"/>
+              <a:buChar char="■"/>
+            </a:pPr>
+            <a:r>
+              <a:rPr b="0" lang="de-DE" sz="2000" spc="-1" strike="noStrike">
+                <a:solidFill>
+                  <a:srgbClr val="191b0e"/>
+                </a:solidFill>
+                <a:latin typeface="Franklin Gothic Book"/>
+              </a:rPr>
+              <a:t>Verwendete Technologien</a:t>
+            </a:r>
+            <a:endParaRPr b="0" lang="en-US" sz="2000" spc="-1" strike="noStrike">
+              <a:latin typeface="Arial"/>
+            </a:endParaRPr>
+          </a:p>
+          <a:p>
+            <a:pPr marL="384120" indent="-383400">
+              <a:lnSpc>
+                <a:spcPct val="94000"/>
+              </a:lnSpc>
+              <a:spcBef>
+                <a:spcPts val="1001"/>
+              </a:spcBef>
+              <a:spcAft>
+                <a:spcPts val="201"/>
+              </a:spcAft>
+              <a:buClr>
+                <a:srgbClr val="191b0e"/>
+              </a:buClr>
+              <a:buFont typeface="Franklin Gothic Book"/>
+              <a:buChar char="■"/>
+            </a:pPr>
+            <a:r>
+              <a:rPr b="0" lang="de-DE" sz="2000" spc="-1" strike="noStrike">
+                <a:solidFill>
+                  <a:srgbClr val="191b0e"/>
+                </a:solidFill>
+                <a:latin typeface="Franklin Gothic Book"/>
+              </a:rPr>
+              <a:t>Webseite</a:t>
+            </a:r>
+            <a:endParaRPr b="0" lang="en-US" sz="2000" spc="-1" strike="noStrike">
+              <a:latin typeface="Arial"/>
+            </a:endParaRPr>
+          </a:p>
+        </p:txBody>
+      </p:sp>
+    </p:spTree>
+  </p:cSld>
+  <mc:AlternateContent>
+    <mc:Choice Requires="p14">
+      <p:transition spd="slow" p14:dur="2000"/>
+    </mc:Choice>
+    <mc:Fallback>
+      <p:transition spd="slow"/>
+    </mc:Fallback>
+  </mc:AlternateContent>
+</p:sld>
+</file>
+
+<file path=ppt/slides/slide11.xml><?xml version="1.0" encoding="utf-8"?>
+<p:sld xmlns:a="http://schemas.openxmlformats.org/drawingml/2006/main" xmlns:p="http://schemas.openxmlformats.org/presentationml/2006/main" xmlns:r="http://schemas.openxmlformats.org/officeDocument/2006/relationships" xmlns:p14="http://schemas.microsoft.com/office/powerpoint/2010/main" xmlns:p15="http://schemas.microsoft.com/office/powerpoint/2012/main" xmlns:mc="http://schemas.openxmlformats.org/markup-compatibility/2006">
+  <p:cSld>
+    <p:spTree>
+      <p:nvGrpSpPr>
+        <p:cNvPr id="1" name=""/>
+        <p:cNvGrpSpPr/>
+        <p:nvPr/>
+      </p:nvGrpSpPr>
+      <p:grpSpPr>
+        <a:xfrm>
+          <a:off x="0" y="0"/>
+          <a:ext cx="0" cy="0"/>
+          <a:chOff x="0" y="0"/>
+          <a:chExt cx="0" cy="0"/>
+        </a:xfrm>
+      </p:grpSpPr>
+      <p:sp>
+        <p:nvSpPr>
+          <p:cNvPr id="180" name="CustomShape 1"/>
+          <p:cNvSpPr/>
+          <p:nvPr/>
+        </p:nvSpPr>
+        <p:spPr>
+          <a:xfrm>
+            <a:off x="1371600" y="685800"/>
+            <a:ext cx="9600480" cy="1485360"/>
+          </a:xfrm>
+          <a:prstGeom prst="rect">
+            <a:avLst/>
+          </a:prstGeom>
+          <a:noFill/>
+          <a:ln>
+            <a:noFill/>
+          </a:ln>
+        </p:spPr>
+        <p:style>
+          <a:lnRef idx="0"/>
+          <a:fillRef idx="0"/>
+          <a:effectRef idx="0"/>
+          <a:fontRef idx="minor"/>
+        </p:style>
+        <p:txBody>
+          <a:bodyPr lIns="90000" rIns="90000" tIns="45000" bIns="45000">
+            <a:noAutofit/>
+          </a:bodyPr>
+          <a:p>
+            <a:pPr>
+              <a:lnSpc>
+                <a:spcPct val="89000"/>
+              </a:lnSpc>
+            </a:pPr>
+            <a:r>
+              <a:rPr b="0" lang="de-DE" sz="4400" spc="-1" strike="noStrike">
+                <a:solidFill>
+                  <a:srgbClr val="191b0e"/>
+                </a:solidFill>
+                <a:latin typeface="Franklin Gothic Book"/>
+              </a:rPr>
+              <a:t>Dark Mode</a:t>
+            </a:r>
+            <a:endParaRPr b="0" lang="en-US" sz="4400" spc="-1" strike="noStrike">
+              <a:latin typeface="Arial"/>
+            </a:endParaRPr>
+          </a:p>
+        </p:txBody>
+      </p:sp>
+      <p:sp>
+        <p:nvSpPr>
+          <p:cNvPr id="181" name="CustomShape 2"/>
+          <p:cNvSpPr/>
+          <p:nvPr/>
+        </p:nvSpPr>
+        <p:spPr>
+          <a:xfrm>
+            <a:off x="1371600" y="2286000"/>
+            <a:ext cx="9600480" cy="3580560"/>
+          </a:xfrm>
+          <a:prstGeom prst="rect">
+            <a:avLst/>
+          </a:prstGeom>
+          <a:noFill/>
+          <a:ln>
+            <a:noFill/>
+          </a:ln>
+        </p:spPr>
+        <p:style>
+          <a:lnRef idx="0"/>
+          <a:fillRef idx="0"/>
+          <a:effectRef idx="0"/>
+          <a:fontRef idx="minor"/>
+        </p:style>
+      </p:sp>
+      <p:sp>
+        <p:nvSpPr>
+          <p:cNvPr id="182" name="CustomShape 3"/>
+          <p:cNvSpPr/>
+          <p:nvPr/>
+        </p:nvSpPr>
+        <p:spPr>
+          <a:xfrm>
+            <a:off x="1371600" y="2286000"/>
+            <a:ext cx="9600480" cy="3580560"/>
+          </a:xfrm>
+          <a:prstGeom prst="rect">
+            <a:avLst/>
+          </a:prstGeom>
+          <a:noFill/>
+          <a:ln>
+            <a:noFill/>
+          </a:ln>
+        </p:spPr>
+        <p:style>
+          <a:lnRef idx="0"/>
+          <a:fillRef idx="0"/>
+          <a:effectRef idx="0"/>
+          <a:fontRef idx="minor"/>
+        </p:style>
+        <p:txBody>
+          <a:bodyPr lIns="90000" rIns="90000" tIns="45000" bIns="45000">
+            <a:noAutofit/>
+          </a:bodyPr>
+          <a:p>
+            <a:pPr marL="384120" indent="-383400">
+              <a:lnSpc>
+                <a:spcPct val="94000"/>
+              </a:lnSpc>
+              <a:spcBef>
+                <a:spcPts val="1001"/>
+              </a:spcBef>
+              <a:spcAft>
+                <a:spcPts val="201"/>
+              </a:spcAft>
+              <a:buClr>
+                <a:srgbClr val="191b0e"/>
+              </a:buClr>
+              <a:buFont typeface="Franklin Gothic Book"/>
+              <a:buChar char="■"/>
+            </a:pPr>
+            <a:r>
+              <a:rPr b="0" lang="de-DE" sz="2000" spc="-1" strike="noStrike">
+                <a:solidFill>
+                  <a:srgbClr val="191b0e"/>
+                </a:solidFill>
+                <a:latin typeface="Franklin Gothic Book"/>
+              </a:rPr>
+              <a:t>Idee</a:t>
+            </a:r>
+            <a:endParaRPr b="0" lang="en-US" sz="2000" spc="-1" strike="noStrike">
+              <a:latin typeface="Arial"/>
+            </a:endParaRPr>
+          </a:p>
+          <a:p>
+            <a:pPr marL="384120" indent="-383400">
+              <a:lnSpc>
+                <a:spcPct val="94000"/>
+              </a:lnSpc>
+              <a:spcBef>
+                <a:spcPts val="1001"/>
+              </a:spcBef>
+              <a:spcAft>
+                <a:spcPts val="201"/>
+              </a:spcAft>
+              <a:buClr>
+                <a:srgbClr val="191b0e"/>
+              </a:buClr>
+              <a:buFont typeface="Franklin Gothic Book"/>
+              <a:buChar char="■"/>
+            </a:pPr>
+            <a:r>
+              <a:rPr b="0" lang="de-DE" sz="2000" spc="-1" strike="noStrike">
+                <a:solidFill>
+                  <a:srgbClr val="191b0e"/>
+                </a:solidFill>
+                <a:latin typeface="Franklin Gothic Book"/>
+              </a:rPr>
+              <a:t>Anforderungen</a:t>
+            </a:r>
+            <a:endParaRPr b="0" lang="en-US" sz="2000" spc="-1" strike="noStrike">
+              <a:latin typeface="Arial"/>
+            </a:endParaRPr>
+          </a:p>
+          <a:p>
+            <a:pPr marL="384120" indent="-383400">
+              <a:lnSpc>
+                <a:spcPct val="94000"/>
+              </a:lnSpc>
+              <a:spcBef>
+                <a:spcPts val="1001"/>
+              </a:spcBef>
+              <a:spcAft>
+                <a:spcPts val="201"/>
+              </a:spcAft>
+              <a:buClr>
+                <a:srgbClr val="191b0e"/>
+              </a:buClr>
+              <a:buFont typeface="Franklin Gothic Book"/>
+              <a:buChar char="■"/>
+            </a:pPr>
+            <a:r>
+              <a:rPr b="0" lang="de-DE" sz="2000" spc="-1" strike="noStrike">
+                <a:solidFill>
+                  <a:srgbClr val="191b0e"/>
+                </a:solidFill>
+                <a:latin typeface="Franklin Gothic Book"/>
+              </a:rPr>
+              <a:t>Aufbau</a:t>
+            </a:r>
+            <a:endParaRPr b="0" lang="en-US" sz="2000" spc="-1" strike="noStrike">
+              <a:latin typeface="Arial"/>
+            </a:endParaRPr>
+          </a:p>
+          <a:p>
+            <a:pPr marL="384120" indent="-383400">
+              <a:lnSpc>
+                <a:spcPct val="94000"/>
+              </a:lnSpc>
+              <a:spcBef>
+                <a:spcPts val="1001"/>
+              </a:spcBef>
+              <a:spcAft>
+                <a:spcPts val="201"/>
+              </a:spcAft>
+              <a:buClr>
+                <a:srgbClr val="191b0e"/>
+              </a:buClr>
+              <a:buFont typeface="Franklin Gothic Book"/>
+              <a:buChar char="■"/>
+            </a:pPr>
+            <a:r>
+              <a:rPr b="0" lang="de-DE" sz="2000" spc="-1" strike="noStrike">
+                <a:solidFill>
+                  <a:srgbClr val="191b0e"/>
+                </a:solidFill>
+                <a:latin typeface="Franklin Gothic Book"/>
+              </a:rPr>
+              <a:t>Verwendete Technologien</a:t>
+            </a:r>
+            <a:endParaRPr b="0" lang="en-US" sz="2000" spc="-1" strike="noStrike">
+              <a:latin typeface="Arial"/>
+            </a:endParaRPr>
+          </a:p>
+          <a:p>
+            <a:pPr marL="384120" indent="-383400">
+              <a:lnSpc>
+                <a:spcPct val="94000"/>
+              </a:lnSpc>
+              <a:spcBef>
+                <a:spcPts val="1001"/>
+              </a:spcBef>
+              <a:spcAft>
+                <a:spcPts val="201"/>
+              </a:spcAft>
+              <a:buClr>
+                <a:srgbClr val="191b0e"/>
+              </a:buClr>
+              <a:buFont typeface="Franklin Gothic Book"/>
+              <a:buChar char="■"/>
+            </a:pPr>
+            <a:r>
+              <a:rPr b="0" lang="de-DE" sz="2000" spc="-1" strike="noStrike">
+                <a:solidFill>
+                  <a:srgbClr val="191b0e"/>
+                </a:solidFill>
+                <a:latin typeface="Franklin Gothic Book"/>
+              </a:rPr>
+              <a:t>Webseite</a:t>
+            </a:r>
+            <a:endParaRPr b="0" lang="en-US" sz="2000" spc="-1" strike="noStrike">
+              <a:latin typeface="Arial"/>
             </a:endParaRPr>
           </a:p>
         </p:txBody>
@@ -5958,14 +7256,14 @@
       </p:grpSpPr>
       <p:sp>
         <p:nvSpPr>
-          <p:cNvPr id="130" name="TextShape 1"/>
-          <p:cNvSpPr txBox="1"/>
+          <p:cNvPr id="159" name="CustomShape 1"/>
+          <p:cNvSpPr/>
           <p:nvPr/>
         </p:nvSpPr>
         <p:spPr>
           <a:xfrm>
             <a:off x="1371600" y="685800"/>
-            <a:ext cx="9600840" cy="1485720"/>
+            <a:ext cx="9600480" cy="1485360"/>
           </a:xfrm>
           <a:prstGeom prst="rect">
             <a:avLst/>
@@ -5975,8 +7273,14 @@
             <a:noFill/>
           </a:ln>
         </p:spPr>
-        <p:txBody>
-          <a:bodyPr>
+        <p:style>
+          <a:lnRef idx="0"/>
+          <a:fillRef idx="0"/>
+          <a:effectRef idx="0"/>
+          <a:fontRef idx="minor"/>
+        </p:style>
+        <p:txBody>
+          <a:bodyPr lIns="90000" rIns="90000" tIns="45000" bIns="45000">
             <a:noAutofit/>
           </a:bodyPr>
           <a:p>
@@ -5995,24 +7299,21 @@
               <a:t>Gliederung</a:t>
             </a:r>
             <a:endParaRPr b="0" lang="en-US" sz="4400" spc="-1" strike="noStrike">
-              <a:solidFill>
-                <a:srgbClr val="000000"/>
-              </a:solidFill>
-              <a:latin typeface="Franklin Gothic Book"/>
-            </a:endParaRPr>
-          </a:p>
-        </p:txBody>
-      </p:sp>
-      <p:sp>
-        <p:nvSpPr>
-          <p:cNvPr id="131" name="TextShape 2"/>
-          <p:cNvSpPr txBox="1"/>
+              <a:latin typeface="Arial"/>
+            </a:endParaRPr>
+          </a:p>
+        </p:txBody>
+      </p:sp>
+      <p:sp>
+        <p:nvSpPr>
+          <p:cNvPr id="160" name="CustomShape 2"/>
+          <p:cNvSpPr/>
           <p:nvPr/>
         </p:nvSpPr>
         <p:spPr>
           <a:xfrm>
             <a:off x="1371600" y="2286000"/>
-            <a:ext cx="9600840" cy="3580920"/>
+            <a:ext cx="9600480" cy="3580560"/>
           </a:xfrm>
           <a:prstGeom prst="rect">
             <a:avLst/>
@@ -6022,12 +7323,18 @@
             <a:noFill/>
           </a:ln>
         </p:spPr>
-        <p:txBody>
-          <a:bodyPr>
+        <p:style>
+          <a:lnRef idx="0"/>
+          <a:fillRef idx="0"/>
+          <a:effectRef idx="0"/>
+          <a:fontRef idx="minor"/>
+        </p:style>
+        <p:txBody>
+          <a:bodyPr lIns="90000" rIns="90000" tIns="45000" bIns="45000">
             <a:noAutofit/>
           </a:bodyPr>
           <a:p>
-            <a:pPr marL="384120" indent="-383760">
+            <a:pPr marL="384120" indent="-383400">
               <a:lnSpc>
                 <a:spcPct val="94000"/>
               </a:lnSpc>
@@ -6053,14 +7360,11 @@
               <a:t>Idee</a:t>
             </a:r>
             <a:endParaRPr b="0" lang="en-US" sz="2000" spc="-1" strike="noStrike">
-              <a:solidFill>
-                <a:srgbClr val="191b0e"/>
-              </a:solidFill>
-              <a:latin typeface="Franklin Gothic Book"/>
-            </a:endParaRPr>
-          </a:p>
-          <a:p>
-            <a:pPr marL="384120" indent="-383760">
+              <a:latin typeface="Arial"/>
+            </a:endParaRPr>
+          </a:p>
+          <a:p>
+            <a:pPr marL="384120" indent="-383400">
               <a:lnSpc>
                 <a:spcPct val="94000"/>
               </a:lnSpc>
@@ -6086,14 +7390,11 @@
               <a:t>Anforderungen</a:t>
             </a:r>
             <a:endParaRPr b="0" lang="en-US" sz="2000" spc="-1" strike="noStrike">
-              <a:solidFill>
-                <a:srgbClr val="191b0e"/>
-              </a:solidFill>
-              <a:latin typeface="Franklin Gothic Book"/>
-            </a:endParaRPr>
-          </a:p>
-          <a:p>
-            <a:pPr marL="384120" indent="-383760">
+              <a:latin typeface="Arial"/>
+            </a:endParaRPr>
+          </a:p>
+          <a:p>
+            <a:pPr marL="384120" indent="-383400">
               <a:lnSpc>
                 <a:spcPct val="94000"/>
               </a:lnSpc>
@@ -6119,14 +7420,11 @@
               <a:t>Aufbau</a:t>
             </a:r>
             <a:endParaRPr b="0" lang="en-US" sz="2000" spc="-1" strike="noStrike">
-              <a:solidFill>
-                <a:srgbClr val="191b0e"/>
-              </a:solidFill>
-              <a:latin typeface="Franklin Gothic Book"/>
-            </a:endParaRPr>
-          </a:p>
-          <a:p>
-            <a:pPr marL="384120" indent="-383760">
+              <a:latin typeface="Arial"/>
+            </a:endParaRPr>
+          </a:p>
+          <a:p>
+            <a:pPr marL="384120" indent="-383400">
               <a:lnSpc>
                 <a:spcPct val="94000"/>
               </a:lnSpc>
@@ -6152,14 +7450,11 @@
               <a:t>Verwendete Technologien</a:t>
             </a:r>
             <a:endParaRPr b="0" lang="en-US" sz="2000" spc="-1" strike="noStrike">
-              <a:solidFill>
-                <a:srgbClr val="191b0e"/>
-              </a:solidFill>
-              <a:latin typeface="Franklin Gothic Book"/>
-            </a:endParaRPr>
-          </a:p>
-          <a:p>
-            <a:pPr marL="384120" indent="-383760">
+              <a:latin typeface="Arial"/>
+            </a:endParaRPr>
+          </a:p>
+          <a:p>
+            <a:pPr marL="384120" indent="-383400">
               <a:lnSpc>
                 <a:spcPct val="94000"/>
               </a:lnSpc>
@@ -6185,10 +7480,7 @@
               <a:t>Webseite</a:t>
             </a:r>
             <a:endParaRPr b="0" lang="en-US" sz="2000" spc="-1" strike="noStrike">
-              <a:solidFill>
-                <a:srgbClr val="191b0e"/>
-              </a:solidFill>
-              <a:latin typeface="Franklin Gothic Book"/>
+              <a:latin typeface="Arial"/>
             </a:endParaRPr>
           </a:p>
         </p:txBody>
@@ -6225,14 +7517,14 @@
       </p:grpSpPr>
       <p:sp>
         <p:nvSpPr>
-          <p:cNvPr id="132" name="TextShape 1"/>
-          <p:cNvSpPr txBox="1"/>
+          <p:cNvPr id="161" name="CustomShape 1"/>
+          <p:cNvSpPr/>
           <p:nvPr/>
         </p:nvSpPr>
         <p:spPr>
           <a:xfrm>
             <a:off x="1371600" y="685800"/>
-            <a:ext cx="9600840" cy="1485720"/>
+            <a:ext cx="9600480" cy="1485360"/>
           </a:xfrm>
           <a:prstGeom prst="rect">
             <a:avLst/>
@@ -6242,8 +7534,14 @@
             <a:noFill/>
           </a:ln>
         </p:spPr>
-        <p:txBody>
-          <a:bodyPr>
+        <p:style>
+          <a:lnRef idx="0"/>
+          <a:fillRef idx="0"/>
+          <a:effectRef idx="0"/>
+          <a:fontRef idx="minor"/>
+        </p:style>
+        <p:txBody>
+          <a:bodyPr lIns="90000" rIns="90000" tIns="45000" bIns="45000">
             <a:noAutofit/>
           </a:bodyPr>
           <a:p>
@@ -6262,24 +7560,21 @@
               <a:t>Idee</a:t>
             </a:r>
             <a:endParaRPr b="0" lang="en-US" sz="4400" spc="-1" strike="noStrike">
-              <a:solidFill>
-                <a:srgbClr val="000000"/>
-              </a:solidFill>
-              <a:latin typeface="Franklin Gothic Book"/>
-            </a:endParaRPr>
-          </a:p>
-        </p:txBody>
-      </p:sp>
-      <p:sp>
-        <p:nvSpPr>
-          <p:cNvPr id="133" name="TextShape 2"/>
-          <p:cNvSpPr txBox="1"/>
+              <a:latin typeface="Arial"/>
+            </a:endParaRPr>
+          </a:p>
+        </p:txBody>
+      </p:sp>
+      <p:sp>
+        <p:nvSpPr>
+          <p:cNvPr id="162" name="CustomShape 2"/>
+          <p:cNvSpPr/>
           <p:nvPr/>
         </p:nvSpPr>
         <p:spPr>
           <a:xfrm>
             <a:off x="1371600" y="2286000"/>
-            <a:ext cx="9600840" cy="3580920"/>
+            <a:ext cx="9600480" cy="3580560"/>
           </a:xfrm>
           <a:prstGeom prst="rect">
             <a:avLst/>
@@ -6289,12 +7584,18 @@
             <a:noFill/>
           </a:ln>
         </p:spPr>
-        <p:txBody>
-          <a:bodyPr>
+        <p:style>
+          <a:lnRef idx="0"/>
+          <a:fillRef idx="0"/>
+          <a:effectRef idx="0"/>
+          <a:fontRef idx="minor"/>
+        </p:style>
+        <p:txBody>
+          <a:bodyPr lIns="90000" rIns="90000" tIns="45000" bIns="45000">
             <a:noAutofit/>
           </a:bodyPr>
           <a:p>
-            <a:pPr marL="384120" indent="-383760">
+            <a:pPr marL="384120" indent="-383400">
               <a:lnSpc>
                 <a:spcPct val="94000"/>
               </a:lnSpc>
@@ -6320,14 +7621,11 @@
               <a:t>Eine interaktive Seite, in welche man einen Text eingibt, und diese die Anzahl der Worte und Buchstaben ausgibt.</a:t>
             </a:r>
             <a:endParaRPr b="0" lang="en-US" sz="2000" spc="-1" strike="noStrike">
-              <a:solidFill>
-                <a:srgbClr val="191b0e"/>
-              </a:solidFill>
-              <a:latin typeface="Franklin Gothic Book"/>
-            </a:endParaRPr>
-          </a:p>
-          <a:p>
-            <a:pPr marL="384120" indent="-383760">
+              <a:latin typeface="Arial"/>
+            </a:endParaRPr>
+          </a:p>
+          <a:p>
+            <a:pPr marL="384120" indent="-383400">
               <a:lnSpc>
                 <a:spcPct val="94000"/>
               </a:lnSpc>
@@ -6353,14 +7651,11 @@
               <a:t>Login und Registrierung für zukünftige Erweiterung (Text speichern, …)</a:t>
             </a:r>
             <a:endParaRPr b="0" lang="en-US" sz="2000" spc="-1" strike="noStrike">
-              <a:solidFill>
-                <a:srgbClr val="191b0e"/>
-              </a:solidFill>
-              <a:latin typeface="Franklin Gothic Book"/>
-            </a:endParaRPr>
-          </a:p>
-          <a:p>
-            <a:pPr marL="384120" indent="-383760">
+              <a:latin typeface="Arial"/>
+            </a:endParaRPr>
+          </a:p>
+          <a:p>
+            <a:pPr marL="384120" indent="-383400">
               <a:lnSpc>
                 <a:spcPct val="94000"/>
               </a:lnSpc>
@@ -6386,10 +7681,7 @@
               <a:t>Dark mode, für eine Möglichkeit das Interface nach user Wunsch anzupassen</a:t>
             </a:r>
             <a:endParaRPr b="0" lang="en-US" sz="2000" spc="-1" strike="noStrike">
-              <a:solidFill>
-                <a:srgbClr val="191b0e"/>
-              </a:solidFill>
-              <a:latin typeface="Franklin Gothic Book"/>
+              <a:latin typeface="Arial"/>
             </a:endParaRPr>
           </a:p>
         </p:txBody>
@@ -6426,14 +7718,14 @@
       </p:grpSpPr>
       <p:sp>
         <p:nvSpPr>
-          <p:cNvPr id="134" name="TextShape 1"/>
-          <p:cNvSpPr txBox="1"/>
+          <p:cNvPr id="163" name="CustomShape 1"/>
+          <p:cNvSpPr/>
           <p:nvPr/>
         </p:nvSpPr>
         <p:spPr>
           <a:xfrm>
             <a:off x="1371600" y="685800"/>
-            <a:ext cx="9600840" cy="1485720"/>
+            <a:ext cx="9600480" cy="1485360"/>
           </a:xfrm>
           <a:prstGeom prst="rect">
             <a:avLst/>
@@ -6443,8 +7735,14 @@
             <a:noFill/>
           </a:ln>
         </p:spPr>
-        <p:txBody>
-          <a:bodyPr>
+        <p:style>
+          <a:lnRef idx="0"/>
+          <a:fillRef idx="0"/>
+          <a:effectRef idx="0"/>
+          <a:fontRef idx="minor"/>
+        </p:style>
+        <p:txBody>
+          <a:bodyPr lIns="90000" rIns="90000" tIns="45000" bIns="45000">
             <a:noAutofit/>
           </a:bodyPr>
           <a:p>
@@ -6463,24 +7761,21 @@
               <a:t>Anforderungen</a:t>
             </a:r>
             <a:endParaRPr b="0" lang="en-US" sz="4400" spc="-1" strike="noStrike">
-              <a:solidFill>
-                <a:srgbClr val="000000"/>
-              </a:solidFill>
-              <a:latin typeface="Franklin Gothic Book"/>
-            </a:endParaRPr>
-          </a:p>
-        </p:txBody>
-      </p:sp>
-      <p:sp>
-        <p:nvSpPr>
-          <p:cNvPr id="135" name="TextShape 2"/>
-          <p:cNvSpPr txBox="1"/>
+              <a:latin typeface="Arial"/>
+            </a:endParaRPr>
+          </a:p>
+        </p:txBody>
+      </p:sp>
+      <p:sp>
+        <p:nvSpPr>
+          <p:cNvPr id="164" name="CustomShape 2"/>
+          <p:cNvSpPr/>
           <p:nvPr/>
         </p:nvSpPr>
         <p:spPr>
           <a:xfrm>
             <a:off x="1371600" y="2286000"/>
-            <a:ext cx="9600840" cy="3580920"/>
+            <a:ext cx="9600480" cy="3580560"/>
           </a:xfrm>
           <a:prstGeom prst="rect">
             <a:avLst/>
@@ -6490,12 +7785,18 @@
             <a:noFill/>
           </a:ln>
         </p:spPr>
-        <p:txBody>
-          <a:bodyPr>
+        <p:style>
+          <a:lnRef idx="0"/>
+          <a:fillRef idx="0"/>
+          <a:effectRef idx="0"/>
+          <a:fontRef idx="minor"/>
+        </p:style>
+        <p:txBody>
+          <a:bodyPr lIns="90000" rIns="90000" tIns="45000" bIns="45000">
             <a:noAutofit/>
           </a:bodyPr>
           <a:p>
-            <a:pPr marL="384120" indent="-383760">
+            <a:pPr marL="384120" indent="-383400">
               <a:lnSpc>
                 <a:spcPct val="94000"/>
               </a:lnSpc>
@@ -6521,14 +7822,11 @@
               <a:t>Nutzer sollen sich registrieren und anmelden können</a:t>
             </a:r>
             <a:endParaRPr b="0" lang="en-US" sz="2000" spc="-1" strike="noStrike">
-              <a:solidFill>
-                <a:srgbClr val="191b0e"/>
-              </a:solidFill>
-              <a:latin typeface="Franklin Gothic Book"/>
-            </a:endParaRPr>
-          </a:p>
-          <a:p>
-            <a:pPr marL="384120" indent="-383760">
+              <a:latin typeface="Arial"/>
+            </a:endParaRPr>
+          </a:p>
+          <a:p>
+            <a:pPr marL="384120" indent="-383400">
               <a:lnSpc>
                 <a:spcPct val="94000"/>
               </a:lnSpc>
@@ -6551,26 +7849,14 @@
                 </a:solidFill>
                 <a:latin typeface="Franklin Gothic Book"/>
               </a:rPr>
-              <a:t>Darkmode soll einheitlich für alle Webseiten ein-/ausgeschaltet </a:t>
-            </a:r>
-            <a:r>
-              <a:rPr b="0" lang="de-DE" sz="2000" spc="-1" strike="noStrike">
-                <a:solidFill>
-                  <a:srgbClr val="191b0e"/>
-                </a:solidFill>
-                <a:latin typeface="Franklin Gothic Book"/>
-              </a:rPr>
-              <a:t>werden können</a:t>
+              <a:t>Darkmode soll einheitlich für alle Webseiten ein-/ausgeschaltet werden können</a:t>
             </a:r>
             <a:endParaRPr b="0" lang="en-US" sz="2000" spc="-1" strike="noStrike">
-              <a:solidFill>
-                <a:srgbClr val="191b0e"/>
-              </a:solidFill>
-              <a:latin typeface="Franklin Gothic Book"/>
-            </a:endParaRPr>
-          </a:p>
-          <a:p>
-            <a:pPr marL="384120" indent="-383760">
+              <a:latin typeface="Arial"/>
+            </a:endParaRPr>
+          </a:p>
+          <a:p>
+            <a:pPr marL="384120" indent="-383400">
               <a:lnSpc>
                 <a:spcPct val="94000"/>
               </a:lnSpc>
@@ -6596,14 +7882,11 @@
               <a:t>Funktion „WordCounter“ soll erfüllt werden </a:t>
             </a:r>
             <a:endParaRPr b="0" lang="en-US" sz="2000" spc="-1" strike="noStrike">
-              <a:solidFill>
-                <a:srgbClr val="191b0e"/>
-              </a:solidFill>
-              <a:latin typeface="Franklin Gothic Book"/>
-            </a:endParaRPr>
-          </a:p>
-          <a:p>
-            <a:pPr lvl="1" marL="914400" indent="-383760">
+              <a:latin typeface="Arial"/>
+            </a:endParaRPr>
+          </a:p>
+          <a:p>
+            <a:pPr lvl="1" marL="914400" indent="-383400">
               <a:lnSpc>
                 <a:spcPct val="94000"/>
               </a:lnSpc>
@@ -6629,14 +7912,11 @@
               <a:t>Zeichen werden gezählt und ausgegeben</a:t>
             </a:r>
             <a:endParaRPr b="0" lang="en-US" sz="2000" spc="-1" strike="noStrike">
-              <a:solidFill>
-                <a:srgbClr val="191b0e"/>
-              </a:solidFill>
-              <a:latin typeface="Franklin Gothic Book"/>
-            </a:endParaRPr>
-          </a:p>
-          <a:p>
-            <a:pPr lvl="1" marL="914400" indent="-383760">
+              <a:latin typeface="Arial"/>
+            </a:endParaRPr>
+          </a:p>
+          <a:p>
+            <a:pPr lvl="1" marL="914400" indent="-383400">
               <a:lnSpc>
                 <a:spcPct val="94000"/>
               </a:lnSpc>
@@ -6662,10 +7942,7 @@
               <a:t>Wörter werden gezählt und ausgegeben</a:t>
             </a:r>
             <a:endParaRPr b="0" lang="en-US" sz="2000" spc="-1" strike="noStrike">
-              <a:solidFill>
-                <a:srgbClr val="191b0e"/>
-              </a:solidFill>
-              <a:latin typeface="Franklin Gothic Book"/>
+              <a:latin typeface="Arial"/>
             </a:endParaRPr>
           </a:p>
         </p:txBody>
@@ -6702,14 +7979,14 @@
       </p:grpSpPr>
       <p:sp>
         <p:nvSpPr>
-          <p:cNvPr id="136" name="TextShape 1"/>
-          <p:cNvSpPr txBox="1"/>
+          <p:cNvPr id="165" name="CustomShape 1"/>
+          <p:cNvSpPr/>
           <p:nvPr/>
         </p:nvSpPr>
         <p:spPr>
           <a:xfrm>
             <a:off x="1371600" y="685800"/>
-            <a:ext cx="9600840" cy="1485720"/>
+            <a:ext cx="9600480" cy="1485360"/>
           </a:xfrm>
           <a:prstGeom prst="rect">
             <a:avLst/>
@@ -6719,8 +7996,14 @@
             <a:noFill/>
           </a:ln>
         </p:spPr>
-        <p:txBody>
-          <a:bodyPr>
+        <p:style>
+          <a:lnRef idx="0"/>
+          <a:fillRef idx="0"/>
+          <a:effectRef idx="0"/>
+          <a:fontRef idx="minor"/>
+        </p:style>
+        <p:txBody>
+          <a:bodyPr lIns="90000" rIns="90000" tIns="45000" bIns="45000">
             <a:noAutofit/>
           </a:bodyPr>
           <a:p>
@@ -6739,17 +8022,14 @@
               <a:t>Aufbau</a:t>
             </a:r>
             <a:endParaRPr b="0" lang="en-US" sz="4400" spc="-1" strike="noStrike">
-              <a:solidFill>
-                <a:srgbClr val="000000"/>
-              </a:solidFill>
-              <a:latin typeface="Franklin Gothic Book"/>
+              <a:latin typeface="Arial"/>
             </a:endParaRPr>
           </a:p>
         </p:txBody>
       </p:sp>
       <p:pic>
         <p:nvPicPr>
-          <p:cNvPr id="137" name="Inhaltsplatzhalter 4" descr=""/>
+          <p:cNvPr id="166" name="Inhaltsplatzhalter 4" descr=""/>
           <p:cNvPicPr/>
           <p:nvPr/>
         </p:nvPicPr>
@@ -6760,7 +8040,7 @@
         <p:spPr>
           <a:xfrm>
             <a:off x="1335960" y="2171880"/>
-            <a:ext cx="4759560" cy="4216680"/>
+            <a:ext cx="4759200" cy="4216320"/>
           </a:xfrm>
           <a:prstGeom prst="rect">
             <a:avLst/>
@@ -6772,7 +8052,7 @@
       </p:pic>
       <p:pic>
         <p:nvPicPr>
-          <p:cNvPr id="138" name="Grafik 6" descr=""/>
+          <p:cNvPr id="167" name="Grafik 6" descr=""/>
           <p:cNvPicPr/>
           <p:nvPr/>
         </p:nvPicPr>
@@ -6783,7 +8063,7 @@
         <p:spPr>
           <a:xfrm>
             <a:off x="1335960" y="2172960"/>
-            <a:ext cx="7705440" cy="4215240"/>
+            <a:ext cx="7705080" cy="4214880"/>
           </a:xfrm>
           <a:prstGeom prst="rect">
             <a:avLst/>
@@ -6837,7 +8117,7 @@
                                           </p:stCondLst>
                                         </p:cTn>
                                         <p:tgtEl>
-                                          <p:spTgt spid="138"/>
+                                          <p:spTgt spid="167"/>
                                         </p:tgtEl>
                                         <p:attrNameLst>
                                           <p:attrName>style.visibility</p:attrName>
@@ -6851,7 +8131,7 @@
                                       <p:cBhvr additive="repl">
                                         <p:cTn id="7" dur="500"/>
                                         <p:tgtEl>
-                                          <p:spTgt spid="138"/>
+                                          <p:spTgt spid="167"/>
                                         </p:tgtEl>
                                       </p:cBhvr>
                                     </p:animEffect>
@@ -6908,14 +8188,14 @@
       </p:grpSpPr>
       <p:sp>
         <p:nvSpPr>
-          <p:cNvPr id="139" name="TextShape 1"/>
-          <p:cNvSpPr txBox="1"/>
+          <p:cNvPr id="168" name="CustomShape 1"/>
+          <p:cNvSpPr/>
           <p:nvPr/>
         </p:nvSpPr>
         <p:spPr>
           <a:xfrm>
             <a:off x="1371600" y="685800"/>
-            <a:ext cx="9600840" cy="1485720"/>
+            <a:ext cx="9600480" cy="1485360"/>
           </a:xfrm>
           <a:prstGeom prst="rect">
             <a:avLst/>
@@ -6925,8 +8205,14 @@
             <a:noFill/>
           </a:ln>
         </p:spPr>
-        <p:txBody>
-          <a:bodyPr>
+        <p:style>
+          <a:lnRef idx="0"/>
+          <a:fillRef idx="0"/>
+          <a:effectRef idx="0"/>
+          <a:fontRef idx="minor"/>
+        </p:style>
+        <p:txBody>
+          <a:bodyPr lIns="90000" rIns="90000" tIns="45000" bIns="45000">
             <a:noAutofit/>
           </a:bodyPr>
           <a:p>
@@ -6945,24 +8231,21 @@
               <a:t>Verwendete Technologien</a:t>
             </a:r>
             <a:endParaRPr b="0" lang="en-US" sz="4400" spc="-1" strike="noStrike">
-              <a:solidFill>
-                <a:srgbClr val="000000"/>
-              </a:solidFill>
-              <a:latin typeface="Franklin Gothic Book"/>
-            </a:endParaRPr>
-          </a:p>
-        </p:txBody>
-      </p:sp>
-      <p:sp>
-        <p:nvSpPr>
-          <p:cNvPr id="140" name="TextShape 2"/>
-          <p:cNvSpPr txBox="1"/>
+              <a:latin typeface="Arial"/>
+            </a:endParaRPr>
+          </a:p>
+        </p:txBody>
+      </p:sp>
+      <p:sp>
+        <p:nvSpPr>
+          <p:cNvPr id="169" name="CustomShape 2"/>
+          <p:cNvSpPr/>
           <p:nvPr/>
         </p:nvSpPr>
         <p:spPr>
           <a:xfrm>
             <a:off x="1371600" y="2286000"/>
-            <a:ext cx="9600840" cy="3580920"/>
+            <a:ext cx="9600480" cy="3580560"/>
           </a:xfrm>
           <a:prstGeom prst="rect">
             <a:avLst/>
@@ -6972,12 +8255,18 @@
             <a:noFill/>
           </a:ln>
         </p:spPr>
-        <p:txBody>
-          <a:bodyPr>
+        <p:style>
+          <a:lnRef idx="0"/>
+          <a:fillRef idx="0"/>
+          <a:effectRef idx="0"/>
+          <a:fontRef idx="minor"/>
+        </p:style>
+        <p:txBody>
+          <a:bodyPr lIns="90000" rIns="90000" tIns="45000" bIns="45000">
             <a:noAutofit/>
           </a:bodyPr>
           <a:p>
-            <a:pPr marL="384120" indent="-383760">
+            <a:pPr marL="384120" indent="-383400">
               <a:lnSpc>
                 <a:spcPct val="94000"/>
               </a:lnSpc>
@@ -7003,14 +8292,11 @@
               <a:t>HTML</a:t>
             </a:r>
             <a:endParaRPr b="0" lang="en-US" sz="2000" spc="-1" strike="noStrike">
-              <a:solidFill>
-                <a:srgbClr val="191b0e"/>
-              </a:solidFill>
-              <a:latin typeface="Franklin Gothic Book"/>
-            </a:endParaRPr>
-          </a:p>
-          <a:p>
-            <a:pPr lvl="1" marL="914400" indent="-383760">
+              <a:latin typeface="Arial"/>
+            </a:endParaRPr>
+          </a:p>
+          <a:p>
+            <a:pPr lvl="1" marL="914400" indent="-383400">
               <a:lnSpc>
                 <a:spcPct val="94000"/>
               </a:lnSpc>
@@ -7036,14 +8322,11 @@
               <a:t>Seitenstruktur</a:t>
             </a:r>
             <a:endParaRPr b="0" lang="en-US" sz="2000" spc="-1" strike="noStrike">
-              <a:solidFill>
-                <a:srgbClr val="191b0e"/>
-              </a:solidFill>
-              <a:latin typeface="Franklin Gothic Book"/>
-            </a:endParaRPr>
-          </a:p>
-          <a:p>
-            <a:pPr marL="384120" indent="-383760">
+              <a:latin typeface="Arial"/>
+            </a:endParaRPr>
+          </a:p>
+          <a:p>
+            <a:pPr marL="384120" indent="-383400">
               <a:lnSpc>
                 <a:spcPct val="94000"/>
               </a:lnSpc>
@@ -7069,14 +8352,11 @@
               <a:t>CSS</a:t>
             </a:r>
             <a:endParaRPr b="0" lang="en-US" sz="2000" spc="-1" strike="noStrike">
-              <a:solidFill>
-                <a:srgbClr val="191b0e"/>
-              </a:solidFill>
-              <a:latin typeface="Franklin Gothic Book"/>
-            </a:endParaRPr>
-          </a:p>
-          <a:p>
-            <a:pPr lvl="1" marL="914400" indent="-383760">
+              <a:latin typeface="Arial"/>
+            </a:endParaRPr>
+          </a:p>
+          <a:p>
+            <a:pPr lvl="1" marL="914400" indent="-383400">
               <a:lnSpc>
                 <a:spcPct val="94000"/>
               </a:lnSpc>
@@ -7102,14 +8382,11 @@
               <a:t>Gestaltung / Design, responsive Design</a:t>
             </a:r>
             <a:endParaRPr b="0" lang="en-US" sz="2000" spc="-1" strike="noStrike">
-              <a:solidFill>
-                <a:srgbClr val="191b0e"/>
-              </a:solidFill>
-              <a:latin typeface="Franklin Gothic Book"/>
-            </a:endParaRPr>
-          </a:p>
-          <a:p>
-            <a:pPr marL="384120" indent="-383760">
+              <a:latin typeface="Arial"/>
+            </a:endParaRPr>
+          </a:p>
+          <a:p>
+            <a:pPr marL="384120" indent="-383400">
               <a:lnSpc>
                 <a:spcPct val="94000"/>
               </a:lnSpc>
@@ -7135,14 +8412,11 @@
               <a:t>JavaScript</a:t>
             </a:r>
             <a:endParaRPr b="0" lang="en-US" sz="2000" spc="-1" strike="noStrike">
-              <a:solidFill>
-                <a:srgbClr val="191b0e"/>
-              </a:solidFill>
-              <a:latin typeface="Franklin Gothic Book"/>
-            </a:endParaRPr>
-          </a:p>
-          <a:p>
-            <a:pPr lvl="1" marL="914400" indent="-383760">
+              <a:latin typeface="Arial"/>
+            </a:endParaRPr>
+          </a:p>
+          <a:p>
+            <a:pPr lvl="1" marL="914400" indent="-383400">
               <a:lnSpc>
                 <a:spcPct val="94000"/>
               </a:lnSpc>
@@ -7168,10 +8442,7 @@
               <a:t>Funktionalität z.B. WordCounter, darkmode, Anmeldung, Registrierung</a:t>
             </a:r>
             <a:endParaRPr b="0" lang="en-US" sz="2000" spc="-1" strike="noStrike">
-              <a:solidFill>
-                <a:srgbClr val="191b0e"/>
-              </a:solidFill>
-              <a:latin typeface="Franklin Gothic Book"/>
+              <a:latin typeface="Arial"/>
             </a:endParaRPr>
           </a:p>
         </p:txBody>
@@ -7208,14 +8479,14 @@
       </p:grpSpPr>
       <p:sp>
         <p:nvSpPr>
-          <p:cNvPr id="141" name="TextShape 1"/>
-          <p:cNvSpPr txBox="1"/>
+          <p:cNvPr id="170" name="CustomShape 1"/>
+          <p:cNvSpPr/>
           <p:nvPr/>
         </p:nvSpPr>
         <p:spPr>
           <a:xfrm>
             <a:off x="1295280" y="2895120"/>
-            <a:ext cx="9600840" cy="1485720"/>
+            <a:ext cx="9600480" cy="1485360"/>
           </a:xfrm>
           <a:prstGeom prst="rect">
             <a:avLst/>
@@ -7225,8 +8496,14 @@
             <a:noFill/>
           </a:ln>
         </p:spPr>
-        <p:txBody>
-          <a:bodyPr>
+        <p:style>
+          <a:lnRef idx="0"/>
+          <a:fillRef idx="0"/>
+          <a:effectRef idx="0"/>
+          <a:fontRef idx="minor"/>
+        </p:style>
+        <p:txBody>
+          <a:bodyPr lIns="90000" rIns="90000" tIns="45000" bIns="45000">
             <a:noAutofit/>
           </a:bodyPr>
           <a:p>
@@ -7242,22 +8519,584 @@
                 </a:solidFill>
                 <a:latin typeface="Franklin Gothic Book"/>
               </a:rPr>
-              <a:t>Webseite </a:t>
+              <a:t>Webseite</a:t>
             </a:r>
+            <a:endParaRPr b="0" lang="en-US" sz="4400" spc="-1" strike="noStrike">
+              <a:latin typeface="Arial"/>
+            </a:endParaRPr>
+          </a:p>
+        </p:txBody>
+      </p:sp>
+    </p:spTree>
+  </p:cSld>
+  <mc:AlternateContent>
+    <mc:Choice Requires="p14">
+      <p:transition spd="slow" p14:dur="2000"/>
+    </mc:Choice>
+    <mc:Fallback>
+      <p:transition spd="slow"/>
+    </mc:Fallback>
+  </mc:AlternateContent>
+</p:sld>
+</file>
+
+<file path=ppt/slides/slide8.xml><?xml version="1.0" encoding="utf-8"?>
+<p:sld xmlns:a="http://schemas.openxmlformats.org/drawingml/2006/main" xmlns:p="http://schemas.openxmlformats.org/presentationml/2006/main" xmlns:r="http://schemas.openxmlformats.org/officeDocument/2006/relationships" xmlns:p14="http://schemas.microsoft.com/office/powerpoint/2010/main" xmlns:p15="http://schemas.microsoft.com/office/powerpoint/2012/main" xmlns:mc="http://schemas.openxmlformats.org/markup-compatibility/2006">
+  <p:cSld>
+    <p:spTree>
+      <p:nvGrpSpPr>
+        <p:cNvPr id="1" name=""/>
+        <p:cNvGrpSpPr/>
+        <p:nvPr/>
+      </p:nvGrpSpPr>
+      <p:grpSpPr>
+        <a:xfrm>
+          <a:off x="0" y="0"/>
+          <a:ext cx="0" cy="0"/>
+          <a:chOff x="0" y="0"/>
+          <a:chExt cx="0" cy="0"/>
+        </a:xfrm>
+      </p:grpSpPr>
+      <p:sp>
+        <p:nvSpPr>
+          <p:cNvPr id="171" name="CustomShape 1"/>
+          <p:cNvSpPr/>
+          <p:nvPr/>
+        </p:nvSpPr>
+        <p:spPr>
+          <a:xfrm>
+            <a:off x="1371600" y="685800"/>
+            <a:ext cx="9600480" cy="1485360"/>
+          </a:xfrm>
+          <a:prstGeom prst="rect">
+            <a:avLst/>
+          </a:prstGeom>
+          <a:noFill/>
+          <a:ln>
+            <a:noFill/>
+          </a:ln>
+        </p:spPr>
+        <p:style>
+          <a:lnRef idx="0"/>
+          <a:fillRef idx="0"/>
+          <a:effectRef idx="0"/>
+          <a:fontRef idx="minor"/>
+        </p:style>
+        <p:txBody>
+          <a:bodyPr lIns="90000" rIns="90000" tIns="45000" bIns="45000">
+            <a:noAutofit/>
+          </a:bodyPr>
+          <a:p>
+            <a:pPr>
+              <a:lnSpc>
+                <a:spcPct val="89000"/>
+              </a:lnSpc>
+            </a:pPr>
             <a:r>
               <a:rPr b="0" lang="de-DE" sz="4400" spc="-1" strike="noStrike">
                 <a:solidFill>
                   <a:srgbClr val="191b0e"/>
                 </a:solidFill>
-                <a:latin typeface="Wingdings"/>
+                <a:latin typeface="Franklin Gothic Book"/>
               </a:rPr>
-              <a:t></a:t>
+              <a:t>Login und Registrierung</a:t>
             </a:r>
             <a:endParaRPr b="0" lang="en-US" sz="4400" spc="-1" strike="noStrike">
-              <a:solidFill>
-                <a:srgbClr val="000000"/>
-              </a:solidFill>
-              <a:latin typeface="Franklin Gothic Book"/>
+              <a:latin typeface="Arial"/>
+            </a:endParaRPr>
+          </a:p>
+        </p:txBody>
+      </p:sp>
+      <p:sp>
+        <p:nvSpPr>
+          <p:cNvPr id="172" name="CustomShape 2"/>
+          <p:cNvSpPr/>
+          <p:nvPr/>
+        </p:nvSpPr>
+        <p:spPr>
+          <a:xfrm>
+            <a:off x="1371600" y="2286000"/>
+            <a:ext cx="9600480" cy="3580560"/>
+          </a:xfrm>
+          <a:prstGeom prst="rect">
+            <a:avLst/>
+          </a:prstGeom>
+          <a:noFill/>
+          <a:ln>
+            <a:noFill/>
+          </a:ln>
+        </p:spPr>
+        <p:style>
+          <a:lnRef idx="0"/>
+          <a:fillRef idx="0"/>
+          <a:effectRef idx="0"/>
+          <a:fontRef idx="minor"/>
+        </p:style>
+      </p:sp>
+      <p:sp>
+        <p:nvSpPr>
+          <p:cNvPr id="173" name="CustomShape 3"/>
+          <p:cNvSpPr/>
+          <p:nvPr/>
+        </p:nvSpPr>
+        <p:spPr>
+          <a:xfrm>
+            <a:off x="1371600" y="2286000"/>
+            <a:ext cx="9600480" cy="3580560"/>
+          </a:xfrm>
+          <a:prstGeom prst="rect">
+            <a:avLst/>
+          </a:prstGeom>
+          <a:noFill/>
+          <a:ln>
+            <a:noFill/>
+          </a:ln>
+        </p:spPr>
+        <p:style>
+          <a:lnRef idx="0"/>
+          <a:fillRef idx="0"/>
+          <a:effectRef idx="0"/>
+          <a:fontRef idx="minor"/>
+        </p:style>
+        <p:txBody>
+          <a:bodyPr lIns="90000" rIns="90000" tIns="45000" bIns="45000">
+            <a:noAutofit/>
+          </a:bodyPr>
+          <a:p>
+            <a:pPr marL="384120" indent="-383400">
+              <a:lnSpc>
+                <a:spcPct val="94000"/>
+              </a:lnSpc>
+              <a:spcBef>
+                <a:spcPts val="1001"/>
+              </a:spcBef>
+              <a:spcAft>
+                <a:spcPts val="201"/>
+              </a:spcAft>
+              <a:buClr>
+                <a:srgbClr val="191b0e"/>
+              </a:buClr>
+              <a:buFont typeface="Franklin Gothic Book"/>
+              <a:buChar char="■"/>
+            </a:pPr>
+            <a:r>
+              <a:rPr b="0" lang="de-DE" sz="2000" spc="-1" strike="noStrike">
+                <a:solidFill>
+                  <a:srgbClr val="191b0e"/>
+                </a:solidFill>
+                <a:latin typeface="Franklin Gothic Book"/>
+              </a:rPr>
+              <a:t>Idee</a:t>
+            </a:r>
+            <a:endParaRPr b="0" lang="en-US" sz="2000" spc="-1" strike="noStrike">
+              <a:latin typeface="Arial"/>
+            </a:endParaRPr>
+          </a:p>
+          <a:p>
+            <a:pPr marL="384120" indent="-383400">
+              <a:lnSpc>
+                <a:spcPct val="94000"/>
+              </a:lnSpc>
+              <a:spcBef>
+                <a:spcPts val="1001"/>
+              </a:spcBef>
+              <a:spcAft>
+                <a:spcPts val="201"/>
+              </a:spcAft>
+              <a:buClr>
+                <a:srgbClr val="191b0e"/>
+              </a:buClr>
+              <a:buFont typeface="Franklin Gothic Book"/>
+              <a:buChar char="■"/>
+            </a:pPr>
+            <a:r>
+              <a:rPr b="0" lang="de-DE" sz="2000" spc="-1" strike="noStrike">
+                <a:solidFill>
+                  <a:srgbClr val="191b0e"/>
+                </a:solidFill>
+                <a:latin typeface="Franklin Gothic Book"/>
+              </a:rPr>
+              <a:t>Anforderungen</a:t>
+            </a:r>
+            <a:endParaRPr b="0" lang="en-US" sz="2000" spc="-1" strike="noStrike">
+              <a:latin typeface="Arial"/>
+            </a:endParaRPr>
+          </a:p>
+          <a:p>
+            <a:pPr marL="384120" indent="-383400">
+              <a:lnSpc>
+                <a:spcPct val="94000"/>
+              </a:lnSpc>
+              <a:spcBef>
+                <a:spcPts val="1001"/>
+              </a:spcBef>
+              <a:spcAft>
+                <a:spcPts val="201"/>
+              </a:spcAft>
+              <a:buClr>
+                <a:srgbClr val="191b0e"/>
+              </a:buClr>
+              <a:buFont typeface="Franklin Gothic Book"/>
+              <a:buChar char="■"/>
+            </a:pPr>
+            <a:r>
+              <a:rPr b="0" lang="de-DE" sz="2000" spc="-1" strike="noStrike">
+                <a:solidFill>
+                  <a:srgbClr val="191b0e"/>
+                </a:solidFill>
+                <a:latin typeface="Franklin Gothic Book"/>
+              </a:rPr>
+              <a:t>Aufbau</a:t>
+            </a:r>
+            <a:endParaRPr b="0" lang="en-US" sz="2000" spc="-1" strike="noStrike">
+              <a:latin typeface="Arial"/>
+            </a:endParaRPr>
+          </a:p>
+          <a:p>
+            <a:pPr marL="384120" indent="-383400">
+              <a:lnSpc>
+                <a:spcPct val="94000"/>
+              </a:lnSpc>
+              <a:spcBef>
+                <a:spcPts val="1001"/>
+              </a:spcBef>
+              <a:spcAft>
+                <a:spcPts val="201"/>
+              </a:spcAft>
+              <a:buClr>
+                <a:srgbClr val="191b0e"/>
+              </a:buClr>
+              <a:buFont typeface="Franklin Gothic Book"/>
+              <a:buChar char="■"/>
+            </a:pPr>
+            <a:r>
+              <a:rPr b="0" lang="de-DE" sz="2000" spc="-1" strike="noStrike">
+                <a:solidFill>
+                  <a:srgbClr val="191b0e"/>
+                </a:solidFill>
+                <a:latin typeface="Franklin Gothic Book"/>
+              </a:rPr>
+              <a:t>Verwendete Technologien</a:t>
+            </a:r>
+            <a:endParaRPr b="0" lang="en-US" sz="2000" spc="-1" strike="noStrike">
+              <a:latin typeface="Arial"/>
+            </a:endParaRPr>
+          </a:p>
+          <a:p>
+            <a:pPr marL="384120" indent="-383400">
+              <a:lnSpc>
+                <a:spcPct val="94000"/>
+              </a:lnSpc>
+              <a:spcBef>
+                <a:spcPts val="1001"/>
+              </a:spcBef>
+              <a:spcAft>
+                <a:spcPts val="201"/>
+              </a:spcAft>
+              <a:buClr>
+                <a:srgbClr val="191b0e"/>
+              </a:buClr>
+              <a:buFont typeface="Franklin Gothic Book"/>
+              <a:buChar char="■"/>
+            </a:pPr>
+            <a:r>
+              <a:rPr b="0" lang="de-DE" sz="2000" spc="-1" strike="noStrike">
+                <a:solidFill>
+                  <a:srgbClr val="191b0e"/>
+                </a:solidFill>
+                <a:latin typeface="Franklin Gothic Book"/>
+              </a:rPr>
+              <a:t>Webseite</a:t>
+            </a:r>
+            <a:endParaRPr b="0" lang="en-US" sz="2000" spc="-1" strike="noStrike">
+              <a:latin typeface="Arial"/>
+            </a:endParaRPr>
+          </a:p>
+        </p:txBody>
+      </p:sp>
+    </p:spTree>
+  </p:cSld>
+  <mc:AlternateContent>
+    <mc:Choice Requires="p14">
+      <p:transition spd="slow" p14:dur="2000"/>
+    </mc:Choice>
+    <mc:Fallback>
+      <p:transition spd="slow"/>
+    </mc:Fallback>
+  </mc:AlternateContent>
+</p:sld>
+</file>
+
+<file path=ppt/slides/slide9.xml><?xml version="1.0" encoding="utf-8"?>
+<p:sld xmlns:a="http://schemas.openxmlformats.org/drawingml/2006/main" xmlns:p="http://schemas.openxmlformats.org/presentationml/2006/main" xmlns:r="http://schemas.openxmlformats.org/officeDocument/2006/relationships" xmlns:p14="http://schemas.microsoft.com/office/powerpoint/2010/main" xmlns:p15="http://schemas.microsoft.com/office/powerpoint/2012/main" xmlns:mc="http://schemas.openxmlformats.org/markup-compatibility/2006">
+  <p:cSld>
+    <p:spTree>
+      <p:nvGrpSpPr>
+        <p:cNvPr id="1" name=""/>
+        <p:cNvGrpSpPr/>
+        <p:nvPr/>
+      </p:nvGrpSpPr>
+      <p:grpSpPr>
+        <a:xfrm>
+          <a:off x="0" y="0"/>
+          <a:ext cx="0" cy="0"/>
+          <a:chOff x="0" y="0"/>
+          <a:chExt cx="0" cy="0"/>
+        </a:xfrm>
+      </p:grpSpPr>
+      <p:sp>
+        <p:nvSpPr>
+          <p:cNvPr id="174" name="CustomShape 1"/>
+          <p:cNvSpPr/>
+          <p:nvPr/>
+        </p:nvSpPr>
+        <p:spPr>
+          <a:xfrm>
+            <a:off x="1371600" y="685800"/>
+            <a:ext cx="9600480" cy="1485360"/>
+          </a:xfrm>
+          <a:prstGeom prst="rect">
+            <a:avLst/>
+          </a:prstGeom>
+          <a:noFill/>
+          <a:ln>
+            <a:noFill/>
+          </a:ln>
+        </p:spPr>
+        <p:style>
+          <a:lnRef idx="0"/>
+          <a:fillRef idx="0"/>
+          <a:effectRef idx="0"/>
+          <a:fontRef idx="minor"/>
+        </p:style>
+        <p:txBody>
+          <a:bodyPr lIns="90000" rIns="90000" tIns="45000" bIns="45000">
+            <a:noAutofit/>
+          </a:bodyPr>
+          <a:p>
+            <a:pPr>
+              <a:lnSpc>
+                <a:spcPct val="89000"/>
+              </a:lnSpc>
+            </a:pPr>
+            <a:r>
+              <a:rPr b="0" lang="de-DE" sz="4400" spc="-1" strike="noStrike">
+                <a:solidFill>
+                  <a:srgbClr val="191b0e"/>
+                </a:solidFill>
+                <a:latin typeface="Franklin Gothic Book"/>
+              </a:rPr>
+              <a:t>Impressum</a:t>
+            </a:r>
+            <a:endParaRPr b="0" lang="en-US" sz="4400" spc="-1" strike="noStrike">
+              <a:latin typeface="Arial"/>
+            </a:endParaRPr>
+          </a:p>
+        </p:txBody>
+      </p:sp>
+      <p:sp>
+        <p:nvSpPr>
+          <p:cNvPr id="175" name="CustomShape 2"/>
+          <p:cNvSpPr/>
+          <p:nvPr/>
+        </p:nvSpPr>
+        <p:spPr>
+          <a:xfrm>
+            <a:off x="1371600" y="2286000"/>
+            <a:ext cx="9600480" cy="3580560"/>
+          </a:xfrm>
+          <a:prstGeom prst="rect">
+            <a:avLst/>
+          </a:prstGeom>
+          <a:noFill/>
+          <a:ln>
+            <a:noFill/>
+          </a:ln>
+        </p:spPr>
+        <p:style>
+          <a:lnRef idx="0"/>
+          <a:fillRef idx="0"/>
+          <a:effectRef idx="0"/>
+          <a:fontRef idx="minor"/>
+        </p:style>
+      </p:sp>
+      <p:sp>
+        <p:nvSpPr>
+          <p:cNvPr id="176" name="CustomShape 3"/>
+          <p:cNvSpPr/>
+          <p:nvPr/>
+        </p:nvSpPr>
+        <p:spPr>
+          <a:xfrm>
+            <a:off x="1371600" y="2286000"/>
+            <a:ext cx="9600480" cy="3580560"/>
+          </a:xfrm>
+          <a:prstGeom prst="rect">
+            <a:avLst/>
+          </a:prstGeom>
+          <a:noFill/>
+          <a:ln>
+            <a:noFill/>
+          </a:ln>
+        </p:spPr>
+        <p:style>
+          <a:lnRef idx="0"/>
+          <a:fillRef idx="0"/>
+          <a:effectRef idx="0"/>
+          <a:fontRef idx="minor"/>
+        </p:style>
+        <p:txBody>
+          <a:bodyPr lIns="90000" rIns="90000" tIns="45000" bIns="45000">
+            <a:noAutofit/>
+          </a:bodyPr>
+          <a:p>
+            <a:pPr marL="384120" indent="-383400">
+              <a:lnSpc>
+                <a:spcPct val="94000"/>
+              </a:lnSpc>
+              <a:spcBef>
+                <a:spcPts val="1001"/>
+              </a:spcBef>
+              <a:spcAft>
+                <a:spcPts val="201"/>
+              </a:spcAft>
+              <a:buClr>
+                <a:srgbClr val="191b0e"/>
+              </a:buClr>
+              <a:buFont typeface="Franklin Gothic Book"/>
+              <a:buChar char="■"/>
+            </a:pPr>
+            <a:r>
+              <a:rPr b="0" lang="de-DE" sz="2000" spc="-1" strike="noStrike">
+                <a:solidFill>
+                  <a:srgbClr val="191b0e"/>
+                </a:solidFill>
+                <a:latin typeface="Franklin Gothic Book"/>
+              </a:rPr>
+              <a:t>Idee</a:t>
+            </a:r>
+            <a:endParaRPr b="0" lang="en-US" sz="2000" spc="-1" strike="noStrike">
+              <a:latin typeface="Arial"/>
+            </a:endParaRPr>
+          </a:p>
+          <a:p>
+            <a:pPr marL="384120" indent="-383400">
+              <a:lnSpc>
+                <a:spcPct val="94000"/>
+              </a:lnSpc>
+              <a:spcBef>
+                <a:spcPts val="1001"/>
+              </a:spcBef>
+              <a:spcAft>
+                <a:spcPts val="201"/>
+              </a:spcAft>
+              <a:buClr>
+                <a:srgbClr val="191b0e"/>
+              </a:buClr>
+              <a:buFont typeface="Franklin Gothic Book"/>
+              <a:buChar char="■"/>
+            </a:pPr>
+            <a:r>
+              <a:rPr b="0" lang="de-DE" sz="2000" spc="-1" strike="noStrike">
+                <a:solidFill>
+                  <a:srgbClr val="191b0e"/>
+                </a:solidFill>
+                <a:latin typeface="Franklin Gothic Book"/>
+              </a:rPr>
+              <a:t>Anforderungen</a:t>
+            </a:r>
+            <a:endParaRPr b="0" lang="en-US" sz="2000" spc="-1" strike="noStrike">
+              <a:latin typeface="Arial"/>
+            </a:endParaRPr>
+          </a:p>
+          <a:p>
+            <a:pPr marL="384120" indent="-383400">
+              <a:lnSpc>
+                <a:spcPct val="94000"/>
+              </a:lnSpc>
+              <a:spcBef>
+                <a:spcPts val="1001"/>
+              </a:spcBef>
+              <a:spcAft>
+                <a:spcPts val="201"/>
+              </a:spcAft>
+              <a:buClr>
+                <a:srgbClr val="191b0e"/>
+              </a:buClr>
+              <a:buFont typeface="Franklin Gothic Book"/>
+              <a:buChar char="■"/>
+            </a:pPr>
+            <a:r>
+              <a:rPr b="0" lang="de-DE" sz="2000" spc="-1" strike="noStrike">
+                <a:solidFill>
+                  <a:srgbClr val="191b0e"/>
+                </a:solidFill>
+                <a:latin typeface="Franklin Gothic Book"/>
+              </a:rPr>
+              <a:t>Aufbau</a:t>
+            </a:r>
+            <a:endParaRPr b="0" lang="en-US" sz="2000" spc="-1" strike="noStrike">
+              <a:latin typeface="Arial"/>
+            </a:endParaRPr>
+          </a:p>
+          <a:p>
+            <a:pPr marL="384120" indent="-383400">
+              <a:lnSpc>
+                <a:spcPct val="94000"/>
+              </a:lnSpc>
+              <a:spcBef>
+                <a:spcPts val="1001"/>
+              </a:spcBef>
+              <a:spcAft>
+                <a:spcPts val="201"/>
+              </a:spcAft>
+              <a:buClr>
+                <a:srgbClr val="191b0e"/>
+              </a:buClr>
+              <a:buFont typeface="Franklin Gothic Book"/>
+              <a:buChar char="■"/>
+            </a:pPr>
+            <a:r>
+              <a:rPr b="0" lang="de-DE" sz="2000" spc="-1" strike="noStrike">
+                <a:solidFill>
+                  <a:srgbClr val="191b0e"/>
+                </a:solidFill>
+                <a:latin typeface="Franklin Gothic Book"/>
+              </a:rPr>
+              <a:t>Verwendete Technologien</a:t>
+            </a:r>
+            <a:endParaRPr b="0" lang="en-US" sz="2000" spc="-1" strike="noStrike">
+              <a:latin typeface="Arial"/>
+            </a:endParaRPr>
+          </a:p>
+          <a:p>
+            <a:pPr marL="384120" indent="-383400">
+              <a:lnSpc>
+                <a:spcPct val="94000"/>
+              </a:lnSpc>
+              <a:spcBef>
+                <a:spcPts val="1001"/>
+              </a:spcBef>
+              <a:spcAft>
+                <a:spcPts val="201"/>
+              </a:spcAft>
+              <a:buClr>
+                <a:srgbClr val="191b0e"/>
+              </a:buClr>
+              <a:buFont typeface="Franklin Gothic Book"/>
+              <a:buChar char="■"/>
+            </a:pPr>
+            <a:r>
+              <a:rPr b="0" lang="de-DE" sz="2000" spc="-1" strike="noStrike">
+                <a:solidFill>
+                  <a:srgbClr val="191b0e"/>
+                </a:solidFill>
+                <a:latin typeface="Franklin Gothic Book"/>
+              </a:rPr>
+              <a:t>Webseite</a:t>
+            </a:r>
+            <a:endParaRPr b="0" lang="en-US" sz="2000" spc="-1" strike="noStrike">
+              <a:latin typeface="Arial"/>
             </a:endParaRPr>
           </a:p>
         </p:txBody>
@@ -7951,4 +9790,230 @@
     </a:fmtScheme>
   </a:themeElements>
 </a:theme>
+</file>
+
+<file path=ppt/theme/theme4.xml><?xml version="1.0" encoding="utf-8"?>
+<a:theme xmlns:a="http://schemas.openxmlformats.org/drawingml/2006/main" name="Office Theme">
+  <a:themeElements>
+    <a:clrScheme name="Office">
+      <a:dk1>
+        <a:sysClr val="windowText" lastClr="000000"/>
+      </a:dk1>
+      <a:lt1>
+        <a:sysClr val="window" lastClr="FFFFFF"/>
+      </a:lt1>
+      <a:dk2>
+        <a:srgbClr val="191b0e"/>
+      </a:dk2>
+      <a:lt2>
+        <a:srgbClr val="efede3"/>
+      </a:lt2>
+      <a:accent1>
+        <a:srgbClr val="8c8d86"/>
+      </a:accent1>
+      <a:accent2>
+        <a:srgbClr val="e6c069"/>
+      </a:accent2>
+      <a:accent3>
+        <a:srgbClr val="897b61"/>
+      </a:accent3>
+      <a:accent4>
+        <a:srgbClr val="8dab8e"/>
+      </a:accent4>
+      <a:accent5>
+        <a:srgbClr val="77a2bb"/>
+      </a:accent5>
+      <a:accent6>
+        <a:srgbClr val="e28394"/>
+      </a:accent6>
+      <a:hlink>
+        <a:srgbClr val="77a2bb"/>
+      </a:hlink>
+      <a:folHlink>
+        <a:srgbClr val="957a99"/>
+      </a:folHlink>
+    </a:clrScheme>
+    <a:fontScheme name="Office">
+      <a:majorFont>
+        <a:latin typeface="Arial"/>
+        <a:ea typeface="DejaVu Sans"/>
+        <a:cs typeface="DejaVu Sans"/>
+      </a:majorFont>
+      <a:minorFont>
+        <a:latin typeface="Arial"/>
+        <a:ea typeface="DejaVu Sans"/>
+        <a:cs typeface="DejaVu Sans"/>
+      </a:minorFont>
+    </a:fontScheme>
+    <a:fmtScheme name="Office">
+      <a:fillStyleLst>
+        <a:solidFill>
+          <a:schemeClr val="phClr"/>
+        </a:solidFill>
+        <a:gradFill rotWithShape="1">
+          <a:gsLst>
+            <a:gs pos="0">
+              <a:schemeClr val="phClr">
+                <a:tint val="50000"/>
+                <a:satMod val="300000"/>
+              </a:schemeClr>
+            </a:gs>
+            <a:gs pos="35000">
+              <a:schemeClr val="phClr">
+                <a:tint val="37000"/>
+                <a:satMod val="300000"/>
+              </a:schemeClr>
+            </a:gs>
+            <a:gs pos="100000">
+              <a:schemeClr val="phClr">
+                <a:tint val="15000"/>
+                <a:satMod val="350000"/>
+              </a:schemeClr>
+            </a:gs>
+          </a:gsLst>
+          <a:lin ang="16200000" scaled="1"/>
+        </a:gradFill>
+        <a:gradFill rotWithShape="1">
+          <a:gsLst>
+            <a:gs pos="0">
+              <a:schemeClr val="phClr">
+                <a:shade val="51000"/>
+                <a:satMod val="130000"/>
+              </a:schemeClr>
+            </a:gs>
+            <a:gs pos="80000">
+              <a:schemeClr val="phClr">
+                <a:shade val="93000"/>
+                <a:satMod val="130000"/>
+              </a:schemeClr>
+            </a:gs>
+            <a:gs pos="100000">
+              <a:schemeClr val="phClr">
+                <a:shade val="94000"/>
+                <a:satMod val="135000"/>
+              </a:schemeClr>
+            </a:gs>
+          </a:gsLst>
+          <a:lin ang="16200000" scaled="0"/>
+        </a:gradFill>
+      </a:fillStyleLst>
+      <a:lnStyleLst>
+        <a:ln w="9525" cap="flat" cmpd="sng" algn="ctr">
+          <a:solidFill>
+            <a:schemeClr val="phClr">
+              <a:shade val="95000"/>
+              <a:satMod val="105000"/>
+            </a:schemeClr>
+          </a:solidFill>
+          <a:prstDash val="solid"/>
+          <a:miter/>
+        </a:ln>
+        <a:ln w="25400" cap="flat" cmpd="sng" algn="ctr">
+          <a:solidFill>
+            <a:schemeClr val="phClr"/>
+          </a:solidFill>
+          <a:prstDash val="solid"/>
+          <a:miter/>
+        </a:ln>
+        <a:ln w="38100" cap="flat" cmpd="sng" algn="ctr">
+          <a:solidFill>
+            <a:schemeClr val="phClr"/>
+          </a:solidFill>
+          <a:prstDash val="solid"/>
+          <a:miter/>
+        </a:ln>
+      </a:lnStyleLst>
+      <a:effectStyleLst>
+        <a:effectStyle>
+          <a:effectLst>
+            <a:outerShdw blurRad="40000" dist="20000" dir="5400000" rotWithShape="0">
+              <a:srgbClr val="000000">
+                <a:alpha val="38000"/>
+              </a:srgbClr>
+            </a:outerShdw>
+          </a:effectLst>
+        </a:effectStyle>
+        <a:effectStyle>
+          <a:effectLst>
+            <a:outerShdw blurRad="40000" dist="23000" dir="5400000" rotWithShape="0">
+              <a:srgbClr val="000000">
+                <a:alpha val="35000"/>
+              </a:srgbClr>
+            </a:outerShdw>
+          </a:effectLst>
+        </a:effectStyle>
+        <a:effectStyle>
+          <a:effectLst>
+            <a:outerShdw blurRad="40000" dist="23000" dir="5400000" rotWithShape="0">
+              <a:srgbClr val="000000">
+                <a:alpha val="35000"/>
+              </a:srgbClr>
+            </a:outerShdw>
+          </a:effectLst>
+          <a:scene3d>
+            <a:camera prst="orthographicFront">
+              <a:rot lat="0" lon="0" rev="0"/>
+            </a:camera>
+            <a:lightRig rig="threePt" dir="t">
+              <a:rot lat="0" lon="0" rev="1200000"/>
+            </a:lightRig>
+          </a:scene3d>
+          <a:sp3d>
+            <a:bevelT w="63500" h="25400"/>
+          </a:sp3d>
+        </a:effectStyle>
+      </a:effectStyleLst>
+      <a:bgFillStyleLst>
+        <a:solidFill>
+          <a:schemeClr val="phClr"/>
+        </a:solidFill>
+        <a:gradFill rotWithShape="1">
+          <a:gsLst>
+            <a:gs pos="0">
+              <a:schemeClr val="phClr">
+                <a:tint val="40000"/>
+                <a:satMod val="350000"/>
+              </a:schemeClr>
+            </a:gs>
+            <a:gs pos="40000">
+              <a:schemeClr val="phClr">
+                <a:tint val="45000"/>
+                <a:shade val="99000"/>
+                <a:satMod val="350000"/>
+              </a:schemeClr>
+            </a:gs>
+            <a:gs pos="100000">
+              <a:schemeClr val="phClr">
+                <a:shade val="20000"/>
+                <a:satMod val="255000"/>
+              </a:schemeClr>
+            </a:gs>
+          </a:gsLst>
+          <a:path path="circle">
+            <a:fillToRect l="50000" t="-80000" r="50000" b="180000"/>
+          </a:path>
+        </a:gradFill>
+        <a:gradFill rotWithShape="1">
+          <a:gsLst>
+            <a:gs pos="0">
+              <a:schemeClr val="phClr">
+                <a:tint val="80000"/>
+                <a:satMod val="300000"/>
+              </a:schemeClr>
+            </a:gs>
+            <a:gs pos="100000">
+              <a:schemeClr val="phClr">
+                <a:shade val="30000"/>
+                <a:satMod val="200000"/>
+              </a:schemeClr>
+            </a:gs>
+          </a:gsLst>
+          <a:path path="circle">
+            <a:fillToRect l="50000" t="50000" r="50000" b="50000"/>
+          </a:path>
+        </a:gradFill>
+      </a:bgFillStyleLst>
+    </a:fmtScheme>
+  </a:themeElements>
+</a:theme>
 </file>
--- a/presentation_WordCounter.pptx
+++ b/presentation_WordCounter.pptx
@@ -6,19 +6,20 @@
     <p:sldMasterId id="2147483661" r:id="rId3"/>
     <p:sldMasterId id="2147483674" r:id="rId4"/>
     <p:sldMasterId id="2147483687" r:id="rId5"/>
+    <p:sldMasterId id="2147483700" r:id="rId6"/>
   </p:sldMasterIdLst>
   <p:sldIdLst>
-    <p:sldId id="256" r:id="rId6"/>
-    <p:sldId id="257" r:id="rId7"/>
-    <p:sldId id="258" r:id="rId8"/>
-    <p:sldId id="259" r:id="rId9"/>
-    <p:sldId id="260" r:id="rId10"/>
-    <p:sldId id="261" r:id="rId11"/>
-    <p:sldId id="262" r:id="rId12"/>
-    <p:sldId id="263" r:id="rId13"/>
-    <p:sldId id="264" r:id="rId14"/>
-    <p:sldId id="265" r:id="rId15"/>
-    <p:sldId id="266" r:id="rId16"/>
+    <p:sldId id="256" r:id="rId7"/>
+    <p:sldId id="257" r:id="rId8"/>
+    <p:sldId id="258" r:id="rId9"/>
+    <p:sldId id="259" r:id="rId10"/>
+    <p:sldId id="260" r:id="rId11"/>
+    <p:sldId id="261" r:id="rId12"/>
+    <p:sldId id="262" r:id="rId13"/>
+    <p:sldId id="263" r:id="rId14"/>
+    <p:sldId id="264" r:id="rId15"/>
+    <p:sldId id="265" r:id="rId16"/>
+    <p:sldId id="266" r:id="rId17"/>
   </p:sldIdLst>
   <p:sldSz cx="12192000" cy="6858000"/>
   <p:notesSz cx="7559675" cy="10691812"/>
@@ -76,8 +77,8 @@
         </p:nvSpPr>
         <p:spPr>
           <a:xfrm>
-            <a:off x="609480" y="273600"/>
-            <a:ext cx="10972440" cy="1144800"/>
+            <a:off x="1371600" y="685800"/>
+            <a:ext cx="9600480" cy="1485360"/>
           </a:xfrm>
           <a:prstGeom prst="rect">
             <a:avLst/>
@@ -189,8 +190,8 @@
         </p:nvSpPr>
         <p:spPr>
           <a:xfrm>
-            <a:off x="609480" y="273600"/>
-            <a:ext cx="10972440" cy="1144800"/>
+            <a:off x="1371600" y="685800"/>
+            <a:ext cx="9600480" cy="1485360"/>
           </a:xfrm>
           <a:prstGeom prst="rect">
             <a:avLst/>
@@ -362,8 +363,8 @@
         </p:nvSpPr>
         <p:spPr>
           <a:xfrm>
-            <a:off x="609480" y="273600"/>
-            <a:ext cx="10972440" cy="1144800"/>
+            <a:off x="1371600" y="685800"/>
+            <a:ext cx="9600480" cy="1485360"/>
           </a:xfrm>
           <a:prstGeom prst="rect">
             <a:avLst/>
@@ -617,8 +618,8 @@
         </p:nvSpPr>
         <p:spPr>
           <a:xfrm>
-            <a:off x="609480" y="273600"/>
-            <a:ext cx="10972440" cy="1144800"/>
+            <a:off x="1371600" y="685800"/>
+            <a:ext cx="9600480" cy="1485360"/>
           </a:xfrm>
           <a:prstGeom prst="rect">
             <a:avLst/>
@@ -701,8 +702,8 @@
         </p:nvSpPr>
         <p:spPr>
           <a:xfrm>
-            <a:off x="609480" y="273600"/>
-            <a:ext cx="10972440" cy="1144800"/>
+            <a:off x="1371600" y="685800"/>
+            <a:ext cx="9600480" cy="1485360"/>
           </a:xfrm>
           <a:prstGeom prst="rect">
             <a:avLst/>
@@ -784,8 +785,8 @@
         </p:nvSpPr>
         <p:spPr>
           <a:xfrm>
-            <a:off x="609480" y="273600"/>
-            <a:ext cx="10972440" cy="1144800"/>
+            <a:off x="1371600" y="685800"/>
+            <a:ext cx="9600480" cy="1485360"/>
           </a:xfrm>
           <a:prstGeom prst="rect">
             <a:avLst/>
@@ -897,8 +898,8 @@
         </p:nvSpPr>
         <p:spPr>
           <a:xfrm>
-            <a:off x="609480" y="273600"/>
-            <a:ext cx="10972440" cy="1144800"/>
+            <a:off x="1371600" y="685800"/>
+            <a:ext cx="9600480" cy="1485360"/>
           </a:xfrm>
           <a:prstGeom prst="rect">
             <a:avLst/>
@@ -950,8 +951,8 @@
         </p:nvSpPr>
         <p:spPr>
           <a:xfrm>
-            <a:off x="609480" y="273600"/>
-            <a:ext cx="10972440" cy="5307840"/>
+            <a:off x="1371600" y="685800"/>
+            <a:ext cx="9600480" cy="6886440"/>
           </a:xfrm>
           <a:prstGeom prst="rect">
             <a:avLst/>
@@ -1003,8 +1004,8 @@
         </p:nvSpPr>
         <p:spPr>
           <a:xfrm>
-            <a:off x="609480" y="273600"/>
-            <a:ext cx="10972440" cy="1144800"/>
+            <a:off x="1371600" y="685800"/>
+            <a:ext cx="9600480" cy="1485360"/>
           </a:xfrm>
           <a:prstGeom prst="rect">
             <a:avLst/>
@@ -1146,8 +1147,8 @@
         </p:nvSpPr>
         <p:spPr>
           <a:xfrm>
-            <a:off x="609480" y="273600"/>
-            <a:ext cx="10972440" cy="1144800"/>
+            <a:off x="1371600" y="685800"/>
+            <a:ext cx="9600480" cy="1485360"/>
           </a:xfrm>
           <a:prstGeom prst="rect">
             <a:avLst/>
@@ -1230,8 +1231,8 @@
         </p:nvSpPr>
         <p:spPr>
           <a:xfrm>
-            <a:off x="609480" y="273600"/>
-            <a:ext cx="10972440" cy="1144800"/>
+            <a:off x="1371600" y="685800"/>
+            <a:ext cx="9600480" cy="1485360"/>
           </a:xfrm>
           <a:prstGeom prst="rect">
             <a:avLst/>
@@ -1373,8 +1374,8 @@
         </p:nvSpPr>
         <p:spPr>
           <a:xfrm>
-            <a:off x="609480" y="273600"/>
-            <a:ext cx="10972440" cy="1144800"/>
+            <a:off x="1371600" y="685800"/>
+            <a:ext cx="9600480" cy="1485360"/>
           </a:xfrm>
           <a:prstGeom prst="rect">
             <a:avLst/>
@@ -1516,8 +1517,8 @@
         </p:nvSpPr>
         <p:spPr>
           <a:xfrm>
-            <a:off x="609480" y="273600"/>
-            <a:ext cx="10972440" cy="1144800"/>
+            <a:off x="1371600" y="685800"/>
+            <a:ext cx="9600480" cy="1485360"/>
           </a:xfrm>
           <a:prstGeom prst="rect">
             <a:avLst/>
@@ -1629,8 +1630,8 @@
         </p:nvSpPr>
         <p:spPr>
           <a:xfrm>
-            <a:off x="609480" y="273600"/>
-            <a:ext cx="10972440" cy="1144800"/>
+            <a:off x="1371600" y="685800"/>
+            <a:ext cx="9600480" cy="1485360"/>
           </a:xfrm>
           <a:prstGeom prst="rect">
             <a:avLst/>
@@ -1802,8 +1803,8 @@
         </p:nvSpPr>
         <p:spPr>
           <a:xfrm>
-            <a:off x="609480" y="273600"/>
-            <a:ext cx="10972440" cy="1144800"/>
+            <a:off x="1371600" y="685800"/>
+            <a:ext cx="9600480" cy="1485360"/>
           </a:xfrm>
           <a:prstGeom prst="rect">
             <a:avLst/>
@@ -2057,8 +2058,8 @@
         </p:nvSpPr>
         <p:spPr>
           <a:xfrm>
-            <a:off x="609480" y="273600"/>
-            <a:ext cx="10972440" cy="1144800"/>
+            <a:off x="1371600" y="685800"/>
+            <a:ext cx="9600480" cy="1485360"/>
           </a:xfrm>
           <a:prstGeom prst="rect">
             <a:avLst/>
@@ -2141,8 +2142,8 @@
         </p:nvSpPr>
         <p:spPr>
           <a:xfrm>
-            <a:off x="609480" y="273600"/>
-            <a:ext cx="10972440" cy="1144800"/>
+            <a:off x="1371600" y="685800"/>
+            <a:ext cx="9600480" cy="1485360"/>
           </a:xfrm>
           <a:prstGeom prst="rect">
             <a:avLst/>
@@ -2224,8 +2225,8 @@
         </p:nvSpPr>
         <p:spPr>
           <a:xfrm>
-            <a:off x="609480" y="273600"/>
-            <a:ext cx="10972440" cy="1144800"/>
+            <a:off x="1371600" y="685800"/>
+            <a:ext cx="9600480" cy="1485360"/>
           </a:xfrm>
           <a:prstGeom prst="rect">
             <a:avLst/>
@@ -2337,8 +2338,8 @@
         </p:nvSpPr>
         <p:spPr>
           <a:xfrm>
-            <a:off x="609480" y="273600"/>
-            <a:ext cx="10972440" cy="1144800"/>
+            <a:off x="1371600" y="685800"/>
+            <a:ext cx="9600480" cy="1485360"/>
           </a:xfrm>
           <a:prstGeom prst="rect">
             <a:avLst/>
@@ -2390,8 +2391,8 @@
         </p:nvSpPr>
         <p:spPr>
           <a:xfrm>
-            <a:off x="609480" y="273600"/>
-            <a:ext cx="10972440" cy="1144800"/>
+            <a:off x="1371600" y="685800"/>
+            <a:ext cx="9600480" cy="1485360"/>
           </a:xfrm>
           <a:prstGeom prst="rect">
             <a:avLst/>
@@ -2473,8 +2474,8 @@
         </p:nvSpPr>
         <p:spPr>
           <a:xfrm>
-            <a:off x="609480" y="273600"/>
-            <a:ext cx="10972440" cy="5307840"/>
+            <a:off x="1371600" y="685800"/>
+            <a:ext cx="9600480" cy="6886440"/>
           </a:xfrm>
           <a:prstGeom prst="rect">
             <a:avLst/>
@@ -2526,8 +2527,8 @@
         </p:nvSpPr>
         <p:spPr>
           <a:xfrm>
-            <a:off x="609480" y="273600"/>
-            <a:ext cx="10972440" cy="1144800"/>
+            <a:off x="1371600" y="685800"/>
+            <a:ext cx="9600480" cy="1485360"/>
           </a:xfrm>
           <a:prstGeom prst="rect">
             <a:avLst/>
@@ -2669,8 +2670,8 @@
         </p:nvSpPr>
         <p:spPr>
           <a:xfrm>
-            <a:off x="609480" y="273600"/>
-            <a:ext cx="10972440" cy="1144800"/>
+            <a:off x="1371600" y="685800"/>
+            <a:ext cx="9600480" cy="1485360"/>
           </a:xfrm>
           <a:prstGeom prst="rect">
             <a:avLst/>
@@ -2812,8 +2813,8 @@
         </p:nvSpPr>
         <p:spPr>
           <a:xfrm>
-            <a:off x="609480" y="273600"/>
-            <a:ext cx="10972440" cy="1144800"/>
+            <a:off x="1371600" y="685800"/>
+            <a:ext cx="9600480" cy="1485360"/>
           </a:xfrm>
           <a:prstGeom prst="rect">
             <a:avLst/>
@@ -2955,8 +2956,8 @@
         </p:nvSpPr>
         <p:spPr>
           <a:xfrm>
-            <a:off x="609480" y="273600"/>
-            <a:ext cx="10972440" cy="1144800"/>
+            <a:off x="1371600" y="685800"/>
+            <a:ext cx="9600480" cy="1485360"/>
           </a:xfrm>
           <a:prstGeom prst="rect">
             <a:avLst/>
@@ -3068,8 +3069,8 @@
         </p:nvSpPr>
         <p:spPr>
           <a:xfrm>
-            <a:off x="609480" y="273600"/>
-            <a:ext cx="10972440" cy="1144800"/>
+            <a:off x="1371600" y="685800"/>
+            <a:ext cx="9600480" cy="1485360"/>
           </a:xfrm>
           <a:prstGeom prst="rect">
             <a:avLst/>
@@ -3241,8 +3242,8 @@
         </p:nvSpPr>
         <p:spPr>
           <a:xfrm>
-            <a:off x="609480" y="273600"/>
-            <a:ext cx="10972440" cy="1144800"/>
+            <a:off x="1371600" y="685800"/>
+            <a:ext cx="9600480" cy="1485360"/>
           </a:xfrm>
           <a:prstGeom prst="rect">
             <a:avLst/>
@@ -3496,8 +3497,8 @@
         </p:nvSpPr>
         <p:spPr>
           <a:xfrm>
-            <a:off x="609480" y="273600"/>
-            <a:ext cx="10972440" cy="1144800"/>
+            <a:off x="1371600" y="685800"/>
+            <a:ext cx="9600480" cy="1485360"/>
           </a:xfrm>
           <a:prstGeom prst="rect">
             <a:avLst/>
@@ -3580,8 +3581,8 @@
         </p:nvSpPr>
         <p:spPr>
           <a:xfrm>
-            <a:off x="609480" y="273600"/>
-            <a:ext cx="10972440" cy="1144800"/>
+            <a:off x="1371600" y="685800"/>
+            <a:ext cx="9600480" cy="1485360"/>
           </a:xfrm>
           <a:prstGeom prst="rect">
             <a:avLst/>
@@ -3663,8 +3664,8 @@
         </p:nvSpPr>
         <p:spPr>
           <a:xfrm>
-            <a:off x="609480" y="273600"/>
-            <a:ext cx="10972440" cy="1144800"/>
+            <a:off x="1371600" y="685800"/>
+            <a:ext cx="9600480" cy="1485360"/>
           </a:xfrm>
           <a:prstGeom prst="rect">
             <a:avLst/>
@@ -3776,8 +3777,8 @@
         </p:nvSpPr>
         <p:spPr>
           <a:xfrm>
-            <a:off x="609480" y="273600"/>
-            <a:ext cx="10972440" cy="1144800"/>
+            <a:off x="1371600" y="685800"/>
+            <a:ext cx="9600480" cy="1485360"/>
           </a:xfrm>
           <a:prstGeom prst="rect">
             <a:avLst/>
@@ -3889,8 +3890,8 @@
         </p:nvSpPr>
         <p:spPr>
           <a:xfrm>
-            <a:off x="609480" y="273600"/>
-            <a:ext cx="10972440" cy="1144800"/>
+            <a:off x="1371600" y="685800"/>
+            <a:ext cx="9600480" cy="1485360"/>
           </a:xfrm>
           <a:prstGeom prst="rect">
             <a:avLst/>
@@ -3942,8 +3943,8 @@
         </p:nvSpPr>
         <p:spPr>
           <a:xfrm>
-            <a:off x="609480" y="273600"/>
-            <a:ext cx="10972440" cy="5307840"/>
+            <a:off x="1371600" y="685800"/>
+            <a:ext cx="9600480" cy="6886440"/>
           </a:xfrm>
           <a:prstGeom prst="rect">
             <a:avLst/>
@@ -3995,8 +3996,8 @@
         </p:nvSpPr>
         <p:spPr>
           <a:xfrm>
-            <a:off x="609480" y="273600"/>
-            <a:ext cx="10972440" cy="1144800"/>
+            <a:off x="1371600" y="685800"/>
+            <a:ext cx="9600480" cy="1485360"/>
           </a:xfrm>
           <a:prstGeom prst="rect">
             <a:avLst/>
@@ -4138,8 +4139,8 @@
         </p:nvSpPr>
         <p:spPr>
           <a:xfrm>
-            <a:off x="609480" y="273600"/>
-            <a:ext cx="10972440" cy="1144800"/>
+            <a:off x="1371600" y="685800"/>
+            <a:ext cx="9600480" cy="1485360"/>
           </a:xfrm>
           <a:prstGeom prst="rect">
             <a:avLst/>
@@ -4281,8 +4282,8 @@
         </p:nvSpPr>
         <p:spPr>
           <a:xfrm>
-            <a:off x="609480" y="273600"/>
-            <a:ext cx="10972440" cy="1144800"/>
+            <a:off x="1371600" y="685800"/>
+            <a:ext cx="9600480" cy="1485360"/>
           </a:xfrm>
           <a:prstGeom prst="rect">
             <a:avLst/>
@@ -4424,8 +4425,8 @@
         </p:nvSpPr>
         <p:spPr>
           <a:xfrm>
-            <a:off x="609480" y="273600"/>
-            <a:ext cx="10972440" cy="1144800"/>
+            <a:off x="1371600" y="685800"/>
+            <a:ext cx="9600480" cy="1485360"/>
           </a:xfrm>
           <a:prstGeom prst="rect">
             <a:avLst/>
@@ -4537,8 +4538,8 @@
         </p:nvSpPr>
         <p:spPr>
           <a:xfrm>
-            <a:off x="609480" y="273600"/>
-            <a:ext cx="10972440" cy="1144800"/>
+            <a:off x="1371600" y="685800"/>
+            <a:ext cx="9600480" cy="1485360"/>
           </a:xfrm>
           <a:prstGeom prst="rect">
             <a:avLst/>
@@ -4710,8 +4711,8 @@
         </p:nvSpPr>
         <p:spPr>
           <a:xfrm>
-            <a:off x="609480" y="273600"/>
-            <a:ext cx="10972440" cy="1144800"/>
+            <a:off x="1371600" y="685800"/>
+            <a:ext cx="9600480" cy="1485360"/>
           </a:xfrm>
           <a:prstGeom prst="rect">
             <a:avLst/>
@@ -4909,6 +4910,28 @@
           </a:p>
         </p:txBody>
       </p:sp>
+    </p:spTree>
+  </p:cSld>
+</p:sldLayout>
+</file>
+
+<file path=ppt/slideLayouts/slideLayout49.xml><?xml version="1.0" encoding="utf-8"?>
+<p:sldLayout xmlns:a="http://schemas.openxmlformats.org/drawingml/2006/main" xmlns:p="http://schemas.openxmlformats.org/presentationml/2006/main" xmlns:r="http://schemas.openxmlformats.org/officeDocument/2006/relationships" xmlns:p14="http://schemas.microsoft.com/office/powerpoint/2010/main" xmlns:p15="http://schemas.microsoft.com/office/powerpoint/2012/main" xmlns:mc="http://schemas.openxmlformats.org/markup-compatibility/2006" type="blank" preserve="1">
+  <p:cSld name="Blank Slide">
+    <p:spTree>
+      <p:nvGrpSpPr>
+        <p:cNvPr id="1" name=""/>
+        <p:cNvGrpSpPr/>
+        <p:nvPr/>
+      </p:nvGrpSpPr>
+      <p:grpSpPr>
+        <a:xfrm>
+          <a:off x="0" y="0"/>
+          <a:ext cx="0" cy="0"/>
+          <a:chOff x="0" y="0"/>
+          <a:chExt cx="0" cy="0"/>
+        </a:xfrm>
+      </p:grpSpPr>
     </p:spTree>
   </p:cSld>
 </p:sldLayout>
@@ -4943,8 +4966,8 @@
         </p:nvSpPr>
         <p:spPr>
           <a:xfrm>
-            <a:off x="609480" y="273600"/>
-            <a:ext cx="10972440" cy="1144800"/>
+            <a:off x="1371600" y="685800"/>
+            <a:ext cx="9600480" cy="1485360"/>
           </a:xfrm>
           <a:prstGeom prst="rect">
             <a:avLst/>
@@ -4957,6 +4980,1107 @@
           <a:p>
             <a:pPr algn="ctr"/>
             <a:endParaRPr b="0" lang="en-US" sz="4400" spc="-1" strike="noStrike">
+              <a:latin typeface="Arial"/>
+            </a:endParaRPr>
+          </a:p>
+        </p:txBody>
+      </p:sp>
+    </p:spTree>
+  </p:cSld>
+</p:sldLayout>
+</file>
+
+<file path=ppt/slideLayouts/slideLayout50.xml><?xml version="1.0" encoding="utf-8"?>
+<p:sldLayout xmlns:a="http://schemas.openxmlformats.org/drawingml/2006/main" xmlns:p="http://schemas.openxmlformats.org/presentationml/2006/main" xmlns:r="http://schemas.openxmlformats.org/officeDocument/2006/relationships" xmlns:p14="http://schemas.microsoft.com/office/powerpoint/2010/main" xmlns:p15="http://schemas.microsoft.com/office/powerpoint/2012/main" xmlns:mc="http://schemas.openxmlformats.org/markup-compatibility/2006" type="tx" preserve="1">
+  <p:cSld name="Title Slide">
+    <p:spTree>
+      <p:nvGrpSpPr>
+        <p:cNvPr id="1" name=""/>
+        <p:cNvGrpSpPr/>
+        <p:nvPr/>
+      </p:nvGrpSpPr>
+      <p:grpSpPr>
+        <a:xfrm>
+          <a:off x="0" y="0"/>
+          <a:ext cx="0" cy="0"/>
+          <a:chOff x="0" y="0"/>
+          <a:chExt cx="0" cy="0"/>
+        </a:xfrm>
+      </p:grpSpPr>
+      <p:sp>
+        <p:nvSpPr>
+          <p:cNvPr id="161" name="PlaceHolder 1"/>
+          <p:cNvSpPr>
+            <a:spLocks noGrp="1"/>
+          </p:cNvSpPr>
+          <p:nvPr>
+            <p:ph type="title"/>
+          </p:nvPr>
+        </p:nvSpPr>
+        <p:spPr>
+          <a:xfrm>
+            <a:off x="1371600" y="685800"/>
+            <a:ext cx="9600480" cy="1485360"/>
+          </a:xfrm>
+          <a:prstGeom prst="rect">
+            <a:avLst/>
+          </a:prstGeom>
+        </p:spPr>
+        <p:txBody>
+          <a:bodyPr lIns="0" rIns="0" tIns="0" bIns="0" anchor="ctr">
+            <a:noAutofit/>
+          </a:bodyPr>
+          <a:p>
+            <a:pPr algn="ctr"/>
+            <a:endParaRPr b="0" lang="en-US" sz="4400" spc="-1" strike="noStrike">
+              <a:latin typeface="Arial"/>
+            </a:endParaRPr>
+          </a:p>
+        </p:txBody>
+      </p:sp>
+      <p:sp>
+        <p:nvSpPr>
+          <p:cNvPr id="162" name="PlaceHolder 2"/>
+          <p:cNvSpPr>
+            <a:spLocks noGrp="1"/>
+          </p:cNvSpPr>
+          <p:nvPr>
+            <p:ph type="subTitle"/>
+          </p:nvPr>
+        </p:nvSpPr>
+        <p:spPr>
+          <a:xfrm>
+            <a:off x="609480" y="1604520"/>
+            <a:ext cx="10972440" cy="3977280"/>
+          </a:xfrm>
+          <a:prstGeom prst="rect">
+            <a:avLst/>
+          </a:prstGeom>
+        </p:spPr>
+        <p:txBody>
+          <a:bodyPr lIns="0" rIns="0" tIns="0" bIns="0" anchor="ctr">
+            <a:noAutofit/>
+          </a:bodyPr>
+          <a:p>
+            <a:pPr algn="ctr"/>
+            <a:endParaRPr b="0" lang="en-US" sz="3200" spc="-1" strike="noStrike">
+              <a:latin typeface="Arial"/>
+            </a:endParaRPr>
+          </a:p>
+        </p:txBody>
+      </p:sp>
+    </p:spTree>
+  </p:cSld>
+</p:sldLayout>
+</file>
+
+<file path=ppt/slideLayouts/slideLayout51.xml><?xml version="1.0" encoding="utf-8"?>
+<p:sldLayout xmlns:a="http://schemas.openxmlformats.org/drawingml/2006/main" xmlns:p="http://schemas.openxmlformats.org/presentationml/2006/main" xmlns:r="http://schemas.openxmlformats.org/officeDocument/2006/relationships" xmlns:p14="http://schemas.microsoft.com/office/powerpoint/2010/main" xmlns:p15="http://schemas.microsoft.com/office/powerpoint/2012/main" xmlns:mc="http://schemas.openxmlformats.org/markup-compatibility/2006" type="obj" preserve="1">
+  <p:cSld name="Title, Content">
+    <p:spTree>
+      <p:nvGrpSpPr>
+        <p:cNvPr id="1" name=""/>
+        <p:cNvGrpSpPr/>
+        <p:nvPr/>
+      </p:nvGrpSpPr>
+      <p:grpSpPr>
+        <a:xfrm>
+          <a:off x="0" y="0"/>
+          <a:ext cx="0" cy="0"/>
+          <a:chOff x="0" y="0"/>
+          <a:chExt cx="0" cy="0"/>
+        </a:xfrm>
+      </p:grpSpPr>
+      <p:sp>
+        <p:nvSpPr>
+          <p:cNvPr id="163" name="PlaceHolder 1"/>
+          <p:cNvSpPr>
+            <a:spLocks noGrp="1"/>
+          </p:cNvSpPr>
+          <p:nvPr>
+            <p:ph type="title"/>
+          </p:nvPr>
+        </p:nvSpPr>
+        <p:spPr>
+          <a:xfrm>
+            <a:off x="1371600" y="685800"/>
+            <a:ext cx="9600480" cy="1485360"/>
+          </a:xfrm>
+          <a:prstGeom prst="rect">
+            <a:avLst/>
+          </a:prstGeom>
+        </p:spPr>
+        <p:txBody>
+          <a:bodyPr lIns="0" rIns="0" tIns="0" bIns="0" anchor="ctr">
+            <a:noAutofit/>
+          </a:bodyPr>
+          <a:p>
+            <a:pPr algn="ctr"/>
+            <a:endParaRPr b="0" lang="en-US" sz="4400" spc="-1" strike="noStrike">
+              <a:latin typeface="Arial"/>
+            </a:endParaRPr>
+          </a:p>
+        </p:txBody>
+      </p:sp>
+      <p:sp>
+        <p:nvSpPr>
+          <p:cNvPr id="164" name="PlaceHolder 2"/>
+          <p:cNvSpPr>
+            <a:spLocks noGrp="1"/>
+          </p:cNvSpPr>
+          <p:nvPr>
+            <p:ph type="body"/>
+          </p:nvPr>
+        </p:nvSpPr>
+        <p:spPr>
+          <a:xfrm>
+            <a:off x="609480" y="1604520"/>
+            <a:ext cx="10972440" cy="3977280"/>
+          </a:xfrm>
+          <a:prstGeom prst="rect">
+            <a:avLst/>
+          </a:prstGeom>
+        </p:spPr>
+        <p:txBody>
+          <a:bodyPr lIns="0" rIns="0" tIns="0" bIns="0">
+            <a:normAutofit/>
+          </a:bodyPr>
+          <a:p>
+            <a:endParaRPr b="0" lang="en-US" sz="3200" spc="-1" strike="noStrike">
+              <a:latin typeface="Arial"/>
+            </a:endParaRPr>
+          </a:p>
+        </p:txBody>
+      </p:sp>
+    </p:spTree>
+  </p:cSld>
+</p:sldLayout>
+</file>
+
+<file path=ppt/slideLayouts/slideLayout52.xml><?xml version="1.0" encoding="utf-8"?>
+<p:sldLayout xmlns:a="http://schemas.openxmlformats.org/drawingml/2006/main" xmlns:p="http://schemas.openxmlformats.org/presentationml/2006/main" xmlns:r="http://schemas.openxmlformats.org/officeDocument/2006/relationships" xmlns:p14="http://schemas.microsoft.com/office/powerpoint/2010/main" xmlns:p15="http://schemas.microsoft.com/office/powerpoint/2012/main" xmlns:mc="http://schemas.openxmlformats.org/markup-compatibility/2006" type="twoObj" preserve="1">
+  <p:cSld name="Title, 2 Content">
+    <p:spTree>
+      <p:nvGrpSpPr>
+        <p:cNvPr id="1" name=""/>
+        <p:cNvGrpSpPr/>
+        <p:nvPr/>
+      </p:nvGrpSpPr>
+      <p:grpSpPr>
+        <a:xfrm>
+          <a:off x="0" y="0"/>
+          <a:ext cx="0" cy="0"/>
+          <a:chOff x="0" y="0"/>
+          <a:chExt cx="0" cy="0"/>
+        </a:xfrm>
+      </p:grpSpPr>
+      <p:sp>
+        <p:nvSpPr>
+          <p:cNvPr id="165" name="PlaceHolder 1"/>
+          <p:cNvSpPr>
+            <a:spLocks noGrp="1"/>
+          </p:cNvSpPr>
+          <p:nvPr>
+            <p:ph type="title"/>
+          </p:nvPr>
+        </p:nvSpPr>
+        <p:spPr>
+          <a:xfrm>
+            <a:off x="1371600" y="685800"/>
+            <a:ext cx="9600480" cy="1485360"/>
+          </a:xfrm>
+          <a:prstGeom prst="rect">
+            <a:avLst/>
+          </a:prstGeom>
+        </p:spPr>
+        <p:txBody>
+          <a:bodyPr lIns="0" rIns="0" tIns="0" bIns="0" anchor="ctr">
+            <a:noAutofit/>
+          </a:bodyPr>
+          <a:p>
+            <a:pPr algn="ctr"/>
+            <a:endParaRPr b="0" lang="en-US" sz="4400" spc="-1" strike="noStrike">
+              <a:latin typeface="Arial"/>
+            </a:endParaRPr>
+          </a:p>
+        </p:txBody>
+      </p:sp>
+      <p:sp>
+        <p:nvSpPr>
+          <p:cNvPr id="166" name="PlaceHolder 2"/>
+          <p:cNvSpPr>
+            <a:spLocks noGrp="1"/>
+          </p:cNvSpPr>
+          <p:nvPr>
+            <p:ph type="body"/>
+          </p:nvPr>
+        </p:nvSpPr>
+        <p:spPr>
+          <a:xfrm>
+            <a:off x="609480" y="1604520"/>
+            <a:ext cx="5354280" cy="3977280"/>
+          </a:xfrm>
+          <a:prstGeom prst="rect">
+            <a:avLst/>
+          </a:prstGeom>
+        </p:spPr>
+        <p:txBody>
+          <a:bodyPr lIns="0" rIns="0" tIns="0" bIns="0">
+            <a:normAutofit/>
+          </a:bodyPr>
+          <a:p>
+            <a:endParaRPr b="0" lang="en-US" sz="3200" spc="-1" strike="noStrike">
+              <a:latin typeface="Arial"/>
+            </a:endParaRPr>
+          </a:p>
+        </p:txBody>
+      </p:sp>
+      <p:sp>
+        <p:nvSpPr>
+          <p:cNvPr id="167" name="PlaceHolder 3"/>
+          <p:cNvSpPr>
+            <a:spLocks noGrp="1"/>
+          </p:cNvSpPr>
+          <p:nvPr>
+            <p:ph type="body"/>
+          </p:nvPr>
+        </p:nvSpPr>
+        <p:spPr>
+          <a:xfrm>
+            <a:off x="6231960" y="1604520"/>
+            <a:ext cx="5354280" cy="3977280"/>
+          </a:xfrm>
+          <a:prstGeom prst="rect">
+            <a:avLst/>
+          </a:prstGeom>
+        </p:spPr>
+        <p:txBody>
+          <a:bodyPr lIns="0" rIns="0" tIns="0" bIns="0">
+            <a:normAutofit/>
+          </a:bodyPr>
+          <a:p>
+            <a:endParaRPr b="0" lang="en-US" sz="3200" spc="-1" strike="noStrike">
+              <a:latin typeface="Arial"/>
+            </a:endParaRPr>
+          </a:p>
+        </p:txBody>
+      </p:sp>
+    </p:spTree>
+  </p:cSld>
+</p:sldLayout>
+</file>
+
+<file path=ppt/slideLayouts/slideLayout53.xml><?xml version="1.0" encoding="utf-8"?>
+<p:sldLayout xmlns:a="http://schemas.openxmlformats.org/drawingml/2006/main" xmlns:p="http://schemas.openxmlformats.org/presentationml/2006/main" xmlns:r="http://schemas.openxmlformats.org/officeDocument/2006/relationships" xmlns:p14="http://schemas.microsoft.com/office/powerpoint/2010/main" xmlns:p15="http://schemas.microsoft.com/office/powerpoint/2012/main" xmlns:mc="http://schemas.openxmlformats.org/markup-compatibility/2006" type="titleOnly" preserve="1">
+  <p:cSld name="Title Only">
+    <p:spTree>
+      <p:nvGrpSpPr>
+        <p:cNvPr id="1" name=""/>
+        <p:cNvGrpSpPr/>
+        <p:nvPr/>
+      </p:nvGrpSpPr>
+      <p:grpSpPr>
+        <a:xfrm>
+          <a:off x="0" y="0"/>
+          <a:ext cx="0" cy="0"/>
+          <a:chOff x="0" y="0"/>
+          <a:chExt cx="0" cy="0"/>
+        </a:xfrm>
+      </p:grpSpPr>
+      <p:sp>
+        <p:nvSpPr>
+          <p:cNvPr id="168" name="PlaceHolder 1"/>
+          <p:cNvSpPr>
+            <a:spLocks noGrp="1"/>
+          </p:cNvSpPr>
+          <p:nvPr>
+            <p:ph type="title"/>
+          </p:nvPr>
+        </p:nvSpPr>
+        <p:spPr>
+          <a:xfrm>
+            <a:off x="1371600" y="685800"/>
+            <a:ext cx="9600480" cy="1485360"/>
+          </a:xfrm>
+          <a:prstGeom prst="rect">
+            <a:avLst/>
+          </a:prstGeom>
+        </p:spPr>
+        <p:txBody>
+          <a:bodyPr lIns="0" rIns="0" tIns="0" bIns="0" anchor="ctr">
+            <a:noAutofit/>
+          </a:bodyPr>
+          <a:p>
+            <a:pPr algn="ctr"/>
+            <a:endParaRPr b="0" lang="en-US" sz="4400" spc="-1" strike="noStrike">
+              <a:latin typeface="Arial"/>
+            </a:endParaRPr>
+          </a:p>
+        </p:txBody>
+      </p:sp>
+    </p:spTree>
+  </p:cSld>
+</p:sldLayout>
+</file>
+
+<file path=ppt/slideLayouts/slideLayout54.xml><?xml version="1.0" encoding="utf-8"?>
+<p:sldLayout xmlns:a="http://schemas.openxmlformats.org/drawingml/2006/main" xmlns:p="http://schemas.openxmlformats.org/presentationml/2006/main" xmlns:r="http://schemas.openxmlformats.org/officeDocument/2006/relationships" xmlns:p14="http://schemas.microsoft.com/office/powerpoint/2010/main" xmlns:p15="http://schemas.microsoft.com/office/powerpoint/2012/main" xmlns:mc="http://schemas.openxmlformats.org/markup-compatibility/2006" type="objOnly" preserve="1">
+  <p:cSld name="Centered Text">
+    <p:spTree>
+      <p:nvGrpSpPr>
+        <p:cNvPr id="1" name=""/>
+        <p:cNvGrpSpPr/>
+        <p:nvPr/>
+      </p:nvGrpSpPr>
+      <p:grpSpPr>
+        <a:xfrm>
+          <a:off x="0" y="0"/>
+          <a:ext cx="0" cy="0"/>
+          <a:chOff x="0" y="0"/>
+          <a:chExt cx="0" cy="0"/>
+        </a:xfrm>
+      </p:grpSpPr>
+      <p:sp>
+        <p:nvSpPr>
+          <p:cNvPr id="169" name="PlaceHolder 1"/>
+          <p:cNvSpPr>
+            <a:spLocks noGrp="1"/>
+          </p:cNvSpPr>
+          <p:nvPr>
+            <p:ph type="subTitle"/>
+          </p:nvPr>
+        </p:nvSpPr>
+        <p:spPr>
+          <a:xfrm>
+            <a:off x="1371600" y="685800"/>
+            <a:ext cx="9600480" cy="6886440"/>
+          </a:xfrm>
+          <a:prstGeom prst="rect">
+            <a:avLst/>
+          </a:prstGeom>
+        </p:spPr>
+        <p:txBody>
+          <a:bodyPr lIns="0" rIns="0" tIns="0" bIns="0" anchor="ctr">
+            <a:noAutofit/>
+          </a:bodyPr>
+          <a:p>
+            <a:pPr algn="ctr"/>
+            <a:endParaRPr b="0" lang="en-US" sz="3200" spc="-1" strike="noStrike">
+              <a:latin typeface="Arial"/>
+            </a:endParaRPr>
+          </a:p>
+        </p:txBody>
+      </p:sp>
+    </p:spTree>
+  </p:cSld>
+</p:sldLayout>
+</file>
+
+<file path=ppt/slideLayouts/slideLayout55.xml><?xml version="1.0" encoding="utf-8"?>
+<p:sldLayout xmlns:a="http://schemas.openxmlformats.org/drawingml/2006/main" xmlns:p="http://schemas.openxmlformats.org/presentationml/2006/main" xmlns:r="http://schemas.openxmlformats.org/officeDocument/2006/relationships" xmlns:p14="http://schemas.microsoft.com/office/powerpoint/2010/main" xmlns:p15="http://schemas.microsoft.com/office/powerpoint/2012/main" xmlns:mc="http://schemas.openxmlformats.org/markup-compatibility/2006" type="twoObjAndObj" preserve="1">
+  <p:cSld name="Title, 2 Content and Content">
+    <p:spTree>
+      <p:nvGrpSpPr>
+        <p:cNvPr id="1" name=""/>
+        <p:cNvGrpSpPr/>
+        <p:nvPr/>
+      </p:nvGrpSpPr>
+      <p:grpSpPr>
+        <a:xfrm>
+          <a:off x="0" y="0"/>
+          <a:ext cx="0" cy="0"/>
+          <a:chOff x="0" y="0"/>
+          <a:chExt cx="0" cy="0"/>
+        </a:xfrm>
+      </p:grpSpPr>
+      <p:sp>
+        <p:nvSpPr>
+          <p:cNvPr id="170" name="PlaceHolder 1"/>
+          <p:cNvSpPr>
+            <a:spLocks noGrp="1"/>
+          </p:cNvSpPr>
+          <p:nvPr>
+            <p:ph type="title"/>
+          </p:nvPr>
+        </p:nvSpPr>
+        <p:spPr>
+          <a:xfrm>
+            <a:off x="1371600" y="685800"/>
+            <a:ext cx="9600480" cy="1485360"/>
+          </a:xfrm>
+          <a:prstGeom prst="rect">
+            <a:avLst/>
+          </a:prstGeom>
+        </p:spPr>
+        <p:txBody>
+          <a:bodyPr lIns="0" rIns="0" tIns="0" bIns="0" anchor="ctr">
+            <a:noAutofit/>
+          </a:bodyPr>
+          <a:p>
+            <a:pPr algn="ctr"/>
+            <a:endParaRPr b="0" lang="en-US" sz="4400" spc="-1" strike="noStrike">
+              <a:latin typeface="Arial"/>
+            </a:endParaRPr>
+          </a:p>
+        </p:txBody>
+      </p:sp>
+      <p:sp>
+        <p:nvSpPr>
+          <p:cNvPr id="171" name="PlaceHolder 2"/>
+          <p:cNvSpPr>
+            <a:spLocks noGrp="1"/>
+          </p:cNvSpPr>
+          <p:nvPr>
+            <p:ph type="body"/>
+          </p:nvPr>
+        </p:nvSpPr>
+        <p:spPr>
+          <a:xfrm>
+            <a:off x="609480" y="1604520"/>
+            <a:ext cx="5354280" cy="1896840"/>
+          </a:xfrm>
+          <a:prstGeom prst="rect">
+            <a:avLst/>
+          </a:prstGeom>
+        </p:spPr>
+        <p:txBody>
+          <a:bodyPr lIns="0" rIns="0" tIns="0" bIns="0">
+            <a:normAutofit/>
+          </a:bodyPr>
+          <a:p>
+            <a:endParaRPr b="0" lang="en-US" sz="3200" spc="-1" strike="noStrike">
+              <a:latin typeface="Arial"/>
+            </a:endParaRPr>
+          </a:p>
+        </p:txBody>
+      </p:sp>
+      <p:sp>
+        <p:nvSpPr>
+          <p:cNvPr id="172" name="PlaceHolder 3"/>
+          <p:cNvSpPr>
+            <a:spLocks noGrp="1"/>
+          </p:cNvSpPr>
+          <p:nvPr>
+            <p:ph type="body"/>
+          </p:nvPr>
+        </p:nvSpPr>
+        <p:spPr>
+          <a:xfrm>
+            <a:off x="6231960" y="1604520"/>
+            <a:ext cx="5354280" cy="3977280"/>
+          </a:xfrm>
+          <a:prstGeom prst="rect">
+            <a:avLst/>
+          </a:prstGeom>
+        </p:spPr>
+        <p:txBody>
+          <a:bodyPr lIns="0" rIns="0" tIns="0" bIns="0">
+            <a:normAutofit/>
+          </a:bodyPr>
+          <a:p>
+            <a:endParaRPr b="0" lang="en-US" sz="3200" spc="-1" strike="noStrike">
+              <a:latin typeface="Arial"/>
+            </a:endParaRPr>
+          </a:p>
+        </p:txBody>
+      </p:sp>
+      <p:sp>
+        <p:nvSpPr>
+          <p:cNvPr id="173" name="PlaceHolder 4"/>
+          <p:cNvSpPr>
+            <a:spLocks noGrp="1"/>
+          </p:cNvSpPr>
+          <p:nvPr>
+            <p:ph type="body"/>
+          </p:nvPr>
+        </p:nvSpPr>
+        <p:spPr>
+          <a:xfrm>
+            <a:off x="609480" y="3682080"/>
+            <a:ext cx="5354280" cy="1896840"/>
+          </a:xfrm>
+          <a:prstGeom prst="rect">
+            <a:avLst/>
+          </a:prstGeom>
+        </p:spPr>
+        <p:txBody>
+          <a:bodyPr lIns="0" rIns="0" tIns="0" bIns="0">
+            <a:normAutofit/>
+          </a:bodyPr>
+          <a:p>
+            <a:endParaRPr b="0" lang="en-US" sz="3200" spc="-1" strike="noStrike">
+              <a:latin typeface="Arial"/>
+            </a:endParaRPr>
+          </a:p>
+        </p:txBody>
+      </p:sp>
+    </p:spTree>
+  </p:cSld>
+</p:sldLayout>
+</file>
+
+<file path=ppt/slideLayouts/slideLayout56.xml><?xml version="1.0" encoding="utf-8"?>
+<p:sldLayout xmlns:a="http://schemas.openxmlformats.org/drawingml/2006/main" xmlns:p="http://schemas.openxmlformats.org/presentationml/2006/main" xmlns:r="http://schemas.openxmlformats.org/officeDocument/2006/relationships" xmlns:p14="http://schemas.microsoft.com/office/powerpoint/2010/main" xmlns:p15="http://schemas.microsoft.com/office/powerpoint/2012/main" xmlns:mc="http://schemas.openxmlformats.org/markup-compatibility/2006" type="objAndTwoObj" preserve="1">
+  <p:cSld name="Title Content and 2 Content">
+    <p:spTree>
+      <p:nvGrpSpPr>
+        <p:cNvPr id="1" name=""/>
+        <p:cNvGrpSpPr/>
+        <p:nvPr/>
+      </p:nvGrpSpPr>
+      <p:grpSpPr>
+        <a:xfrm>
+          <a:off x="0" y="0"/>
+          <a:ext cx="0" cy="0"/>
+          <a:chOff x="0" y="0"/>
+          <a:chExt cx="0" cy="0"/>
+        </a:xfrm>
+      </p:grpSpPr>
+      <p:sp>
+        <p:nvSpPr>
+          <p:cNvPr id="174" name="PlaceHolder 1"/>
+          <p:cNvSpPr>
+            <a:spLocks noGrp="1"/>
+          </p:cNvSpPr>
+          <p:nvPr>
+            <p:ph type="title"/>
+          </p:nvPr>
+        </p:nvSpPr>
+        <p:spPr>
+          <a:xfrm>
+            <a:off x="1371600" y="685800"/>
+            <a:ext cx="9600480" cy="1485360"/>
+          </a:xfrm>
+          <a:prstGeom prst="rect">
+            <a:avLst/>
+          </a:prstGeom>
+        </p:spPr>
+        <p:txBody>
+          <a:bodyPr lIns="0" rIns="0" tIns="0" bIns="0" anchor="ctr">
+            <a:noAutofit/>
+          </a:bodyPr>
+          <a:p>
+            <a:pPr algn="ctr"/>
+            <a:endParaRPr b="0" lang="en-US" sz="4400" spc="-1" strike="noStrike">
+              <a:latin typeface="Arial"/>
+            </a:endParaRPr>
+          </a:p>
+        </p:txBody>
+      </p:sp>
+      <p:sp>
+        <p:nvSpPr>
+          <p:cNvPr id="175" name="PlaceHolder 2"/>
+          <p:cNvSpPr>
+            <a:spLocks noGrp="1"/>
+          </p:cNvSpPr>
+          <p:nvPr>
+            <p:ph type="body"/>
+          </p:nvPr>
+        </p:nvSpPr>
+        <p:spPr>
+          <a:xfrm>
+            <a:off x="609480" y="1604520"/>
+            <a:ext cx="5354280" cy="3977280"/>
+          </a:xfrm>
+          <a:prstGeom prst="rect">
+            <a:avLst/>
+          </a:prstGeom>
+        </p:spPr>
+        <p:txBody>
+          <a:bodyPr lIns="0" rIns="0" tIns="0" bIns="0">
+            <a:normAutofit/>
+          </a:bodyPr>
+          <a:p>
+            <a:endParaRPr b="0" lang="en-US" sz="3200" spc="-1" strike="noStrike">
+              <a:latin typeface="Arial"/>
+            </a:endParaRPr>
+          </a:p>
+        </p:txBody>
+      </p:sp>
+      <p:sp>
+        <p:nvSpPr>
+          <p:cNvPr id="176" name="PlaceHolder 3"/>
+          <p:cNvSpPr>
+            <a:spLocks noGrp="1"/>
+          </p:cNvSpPr>
+          <p:nvPr>
+            <p:ph type="body"/>
+          </p:nvPr>
+        </p:nvSpPr>
+        <p:spPr>
+          <a:xfrm>
+            <a:off x="6231960" y="1604520"/>
+            <a:ext cx="5354280" cy="1896840"/>
+          </a:xfrm>
+          <a:prstGeom prst="rect">
+            <a:avLst/>
+          </a:prstGeom>
+        </p:spPr>
+        <p:txBody>
+          <a:bodyPr lIns="0" rIns="0" tIns="0" bIns="0">
+            <a:normAutofit/>
+          </a:bodyPr>
+          <a:p>
+            <a:endParaRPr b="0" lang="en-US" sz="3200" spc="-1" strike="noStrike">
+              <a:latin typeface="Arial"/>
+            </a:endParaRPr>
+          </a:p>
+        </p:txBody>
+      </p:sp>
+      <p:sp>
+        <p:nvSpPr>
+          <p:cNvPr id="177" name="PlaceHolder 4"/>
+          <p:cNvSpPr>
+            <a:spLocks noGrp="1"/>
+          </p:cNvSpPr>
+          <p:nvPr>
+            <p:ph type="body"/>
+          </p:nvPr>
+        </p:nvSpPr>
+        <p:spPr>
+          <a:xfrm>
+            <a:off x="6231960" y="3682080"/>
+            <a:ext cx="5354280" cy="1896840"/>
+          </a:xfrm>
+          <a:prstGeom prst="rect">
+            <a:avLst/>
+          </a:prstGeom>
+        </p:spPr>
+        <p:txBody>
+          <a:bodyPr lIns="0" rIns="0" tIns="0" bIns="0">
+            <a:normAutofit/>
+          </a:bodyPr>
+          <a:p>
+            <a:endParaRPr b="0" lang="en-US" sz="3200" spc="-1" strike="noStrike">
+              <a:latin typeface="Arial"/>
+            </a:endParaRPr>
+          </a:p>
+        </p:txBody>
+      </p:sp>
+    </p:spTree>
+  </p:cSld>
+</p:sldLayout>
+</file>
+
+<file path=ppt/slideLayouts/slideLayout57.xml><?xml version="1.0" encoding="utf-8"?>
+<p:sldLayout xmlns:a="http://schemas.openxmlformats.org/drawingml/2006/main" xmlns:p="http://schemas.openxmlformats.org/presentationml/2006/main" xmlns:r="http://schemas.openxmlformats.org/officeDocument/2006/relationships" xmlns:p14="http://schemas.microsoft.com/office/powerpoint/2010/main" xmlns:p15="http://schemas.microsoft.com/office/powerpoint/2012/main" xmlns:mc="http://schemas.openxmlformats.org/markup-compatibility/2006" type="twoObjOverTx" preserve="1">
+  <p:cSld name="Title, 2 Content over Content">
+    <p:spTree>
+      <p:nvGrpSpPr>
+        <p:cNvPr id="1" name=""/>
+        <p:cNvGrpSpPr/>
+        <p:nvPr/>
+      </p:nvGrpSpPr>
+      <p:grpSpPr>
+        <a:xfrm>
+          <a:off x="0" y="0"/>
+          <a:ext cx="0" cy="0"/>
+          <a:chOff x="0" y="0"/>
+          <a:chExt cx="0" cy="0"/>
+        </a:xfrm>
+      </p:grpSpPr>
+      <p:sp>
+        <p:nvSpPr>
+          <p:cNvPr id="178" name="PlaceHolder 1"/>
+          <p:cNvSpPr>
+            <a:spLocks noGrp="1"/>
+          </p:cNvSpPr>
+          <p:nvPr>
+            <p:ph type="title"/>
+          </p:nvPr>
+        </p:nvSpPr>
+        <p:spPr>
+          <a:xfrm>
+            <a:off x="1371600" y="685800"/>
+            <a:ext cx="9600480" cy="1485360"/>
+          </a:xfrm>
+          <a:prstGeom prst="rect">
+            <a:avLst/>
+          </a:prstGeom>
+        </p:spPr>
+        <p:txBody>
+          <a:bodyPr lIns="0" rIns="0" tIns="0" bIns="0" anchor="ctr">
+            <a:noAutofit/>
+          </a:bodyPr>
+          <a:p>
+            <a:pPr algn="ctr"/>
+            <a:endParaRPr b="0" lang="en-US" sz="4400" spc="-1" strike="noStrike">
+              <a:latin typeface="Arial"/>
+            </a:endParaRPr>
+          </a:p>
+        </p:txBody>
+      </p:sp>
+      <p:sp>
+        <p:nvSpPr>
+          <p:cNvPr id="179" name="PlaceHolder 2"/>
+          <p:cNvSpPr>
+            <a:spLocks noGrp="1"/>
+          </p:cNvSpPr>
+          <p:nvPr>
+            <p:ph type="body"/>
+          </p:nvPr>
+        </p:nvSpPr>
+        <p:spPr>
+          <a:xfrm>
+            <a:off x="609480" y="1604520"/>
+            <a:ext cx="5354280" cy="1896840"/>
+          </a:xfrm>
+          <a:prstGeom prst="rect">
+            <a:avLst/>
+          </a:prstGeom>
+        </p:spPr>
+        <p:txBody>
+          <a:bodyPr lIns="0" rIns="0" tIns="0" bIns="0">
+            <a:normAutofit/>
+          </a:bodyPr>
+          <a:p>
+            <a:endParaRPr b="0" lang="en-US" sz="3200" spc="-1" strike="noStrike">
+              <a:latin typeface="Arial"/>
+            </a:endParaRPr>
+          </a:p>
+        </p:txBody>
+      </p:sp>
+      <p:sp>
+        <p:nvSpPr>
+          <p:cNvPr id="180" name="PlaceHolder 3"/>
+          <p:cNvSpPr>
+            <a:spLocks noGrp="1"/>
+          </p:cNvSpPr>
+          <p:nvPr>
+            <p:ph type="body"/>
+          </p:nvPr>
+        </p:nvSpPr>
+        <p:spPr>
+          <a:xfrm>
+            <a:off x="6231960" y="1604520"/>
+            <a:ext cx="5354280" cy="1896840"/>
+          </a:xfrm>
+          <a:prstGeom prst="rect">
+            <a:avLst/>
+          </a:prstGeom>
+        </p:spPr>
+        <p:txBody>
+          <a:bodyPr lIns="0" rIns="0" tIns="0" bIns="0">
+            <a:normAutofit/>
+          </a:bodyPr>
+          <a:p>
+            <a:endParaRPr b="0" lang="en-US" sz="3200" spc="-1" strike="noStrike">
+              <a:latin typeface="Arial"/>
+            </a:endParaRPr>
+          </a:p>
+        </p:txBody>
+      </p:sp>
+      <p:sp>
+        <p:nvSpPr>
+          <p:cNvPr id="181" name="PlaceHolder 4"/>
+          <p:cNvSpPr>
+            <a:spLocks noGrp="1"/>
+          </p:cNvSpPr>
+          <p:nvPr>
+            <p:ph type="body"/>
+          </p:nvPr>
+        </p:nvSpPr>
+        <p:spPr>
+          <a:xfrm>
+            <a:off x="609480" y="3682080"/>
+            <a:ext cx="10972440" cy="1896840"/>
+          </a:xfrm>
+          <a:prstGeom prst="rect">
+            <a:avLst/>
+          </a:prstGeom>
+        </p:spPr>
+        <p:txBody>
+          <a:bodyPr lIns="0" rIns="0" tIns="0" bIns="0">
+            <a:normAutofit/>
+          </a:bodyPr>
+          <a:p>
+            <a:endParaRPr b="0" lang="en-US" sz="3200" spc="-1" strike="noStrike">
+              <a:latin typeface="Arial"/>
+            </a:endParaRPr>
+          </a:p>
+        </p:txBody>
+      </p:sp>
+    </p:spTree>
+  </p:cSld>
+</p:sldLayout>
+</file>
+
+<file path=ppt/slideLayouts/slideLayout58.xml><?xml version="1.0" encoding="utf-8"?>
+<p:sldLayout xmlns:a="http://schemas.openxmlformats.org/drawingml/2006/main" xmlns:p="http://schemas.openxmlformats.org/presentationml/2006/main" xmlns:r="http://schemas.openxmlformats.org/officeDocument/2006/relationships" xmlns:p14="http://schemas.microsoft.com/office/powerpoint/2010/main" xmlns:p15="http://schemas.microsoft.com/office/powerpoint/2012/main" xmlns:mc="http://schemas.openxmlformats.org/markup-compatibility/2006" type="objOverTx" preserve="1">
+  <p:cSld name="Title, Content over Content">
+    <p:spTree>
+      <p:nvGrpSpPr>
+        <p:cNvPr id="1" name=""/>
+        <p:cNvGrpSpPr/>
+        <p:nvPr/>
+      </p:nvGrpSpPr>
+      <p:grpSpPr>
+        <a:xfrm>
+          <a:off x="0" y="0"/>
+          <a:ext cx="0" cy="0"/>
+          <a:chOff x="0" y="0"/>
+          <a:chExt cx="0" cy="0"/>
+        </a:xfrm>
+      </p:grpSpPr>
+      <p:sp>
+        <p:nvSpPr>
+          <p:cNvPr id="182" name="PlaceHolder 1"/>
+          <p:cNvSpPr>
+            <a:spLocks noGrp="1"/>
+          </p:cNvSpPr>
+          <p:nvPr>
+            <p:ph type="title"/>
+          </p:nvPr>
+        </p:nvSpPr>
+        <p:spPr>
+          <a:xfrm>
+            <a:off x="1371600" y="685800"/>
+            <a:ext cx="9600480" cy="1485360"/>
+          </a:xfrm>
+          <a:prstGeom prst="rect">
+            <a:avLst/>
+          </a:prstGeom>
+        </p:spPr>
+        <p:txBody>
+          <a:bodyPr lIns="0" rIns="0" tIns="0" bIns="0" anchor="ctr">
+            <a:noAutofit/>
+          </a:bodyPr>
+          <a:p>
+            <a:pPr algn="ctr"/>
+            <a:endParaRPr b="0" lang="en-US" sz="4400" spc="-1" strike="noStrike">
+              <a:latin typeface="Arial"/>
+            </a:endParaRPr>
+          </a:p>
+        </p:txBody>
+      </p:sp>
+      <p:sp>
+        <p:nvSpPr>
+          <p:cNvPr id="183" name="PlaceHolder 2"/>
+          <p:cNvSpPr>
+            <a:spLocks noGrp="1"/>
+          </p:cNvSpPr>
+          <p:nvPr>
+            <p:ph type="body"/>
+          </p:nvPr>
+        </p:nvSpPr>
+        <p:spPr>
+          <a:xfrm>
+            <a:off x="609480" y="1604520"/>
+            <a:ext cx="10972440" cy="1896840"/>
+          </a:xfrm>
+          <a:prstGeom prst="rect">
+            <a:avLst/>
+          </a:prstGeom>
+        </p:spPr>
+        <p:txBody>
+          <a:bodyPr lIns="0" rIns="0" tIns="0" bIns="0">
+            <a:normAutofit/>
+          </a:bodyPr>
+          <a:p>
+            <a:endParaRPr b="0" lang="en-US" sz="3200" spc="-1" strike="noStrike">
+              <a:latin typeface="Arial"/>
+            </a:endParaRPr>
+          </a:p>
+        </p:txBody>
+      </p:sp>
+      <p:sp>
+        <p:nvSpPr>
+          <p:cNvPr id="184" name="PlaceHolder 3"/>
+          <p:cNvSpPr>
+            <a:spLocks noGrp="1"/>
+          </p:cNvSpPr>
+          <p:nvPr>
+            <p:ph type="body"/>
+          </p:nvPr>
+        </p:nvSpPr>
+        <p:spPr>
+          <a:xfrm>
+            <a:off x="609480" y="3682080"/>
+            <a:ext cx="10972440" cy="1896840"/>
+          </a:xfrm>
+          <a:prstGeom prst="rect">
+            <a:avLst/>
+          </a:prstGeom>
+        </p:spPr>
+        <p:txBody>
+          <a:bodyPr lIns="0" rIns="0" tIns="0" bIns="0">
+            <a:normAutofit/>
+          </a:bodyPr>
+          <a:p>
+            <a:endParaRPr b="0" lang="en-US" sz="3200" spc="-1" strike="noStrike">
+              <a:latin typeface="Arial"/>
+            </a:endParaRPr>
+          </a:p>
+        </p:txBody>
+      </p:sp>
+    </p:spTree>
+  </p:cSld>
+</p:sldLayout>
+</file>
+
+<file path=ppt/slideLayouts/slideLayout59.xml><?xml version="1.0" encoding="utf-8"?>
+<p:sldLayout xmlns:a="http://schemas.openxmlformats.org/drawingml/2006/main" xmlns:p="http://schemas.openxmlformats.org/presentationml/2006/main" xmlns:r="http://schemas.openxmlformats.org/officeDocument/2006/relationships" xmlns:p14="http://schemas.microsoft.com/office/powerpoint/2010/main" xmlns:p15="http://schemas.microsoft.com/office/powerpoint/2012/main" xmlns:mc="http://schemas.openxmlformats.org/markup-compatibility/2006" type="fourObj" preserve="1">
+  <p:cSld name="Title, 4 Content">
+    <p:spTree>
+      <p:nvGrpSpPr>
+        <p:cNvPr id="1" name=""/>
+        <p:cNvGrpSpPr/>
+        <p:nvPr/>
+      </p:nvGrpSpPr>
+      <p:grpSpPr>
+        <a:xfrm>
+          <a:off x="0" y="0"/>
+          <a:ext cx="0" cy="0"/>
+          <a:chOff x="0" y="0"/>
+          <a:chExt cx="0" cy="0"/>
+        </a:xfrm>
+      </p:grpSpPr>
+      <p:sp>
+        <p:nvSpPr>
+          <p:cNvPr id="185" name="PlaceHolder 1"/>
+          <p:cNvSpPr>
+            <a:spLocks noGrp="1"/>
+          </p:cNvSpPr>
+          <p:nvPr>
+            <p:ph type="title"/>
+          </p:nvPr>
+        </p:nvSpPr>
+        <p:spPr>
+          <a:xfrm>
+            <a:off x="1371600" y="685800"/>
+            <a:ext cx="9600480" cy="1485360"/>
+          </a:xfrm>
+          <a:prstGeom prst="rect">
+            <a:avLst/>
+          </a:prstGeom>
+        </p:spPr>
+        <p:txBody>
+          <a:bodyPr lIns="0" rIns="0" tIns="0" bIns="0" anchor="ctr">
+            <a:noAutofit/>
+          </a:bodyPr>
+          <a:p>
+            <a:pPr algn="ctr"/>
+            <a:endParaRPr b="0" lang="en-US" sz="4400" spc="-1" strike="noStrike">
+              <a:latin typeface="Arial"/>
+            </a:endParaRPr>
+          </a:p>
+        </p:txBody>
+      </p:sp>
+      <p:sp>
+        <p:nvSpPr>
+          <p:cNvPr id="186" name="PlaceHolder 2"/>
+          <p:cNvSpPr>
+            <a:spLocks noGrp="1"/>
+          </p:cNvSpPr>
+          <p:nvPr>
+            <p:ph type="body"/>
+          </p:nvPr>
+        </p:nvSpPr>
+        <p:spPr>
+          <a:xfrm>
+            <a:off x="609480" y="1604520"/>
+            <a:ext cx="5354280" cy="1896840"/>
+          </a:xfrm>
+          <a:prstGeom prst="rect">
+            <a:avLst/>
+          </a:prstGeom>
+        </p:spPr>
+        <p:txBody>
+          <a:bodyPr lIns="0" rIns="0" tIns="0" bIns="0">
+            <a:normAutofit/>
+          </a:bodyPr>
+          <a:p>
+            <a:endParaRPr b="0" lang="en-US" sz="3200" spc="-1" strike="noStrike">
+              <a:latin typeface="Arial"/>
+            </a:endParaRPr>
+          </a:p>
+        </p:txBody>
+      </p:sp>
+      <p:sp>
+        <p:nvSpPr>
+          <p:cNvPr id="187" name="PlaceHolder 3"/>
+          <p:cNvSpPr>
+            <a:spLocks noGrp="1"/>
+          </p:cNvSpPr>
+          <p:nvPr>
+            <p:ph type="body"/>
+          </p:nvPr>
+        </p:nvSpPr>
+        <p:spPr>
+          <a:xfrm>
+            <a:off x="6231960" y="1604520"/>
+            <a:ext cx="5354280" cy="1896840"/>
+          </a:xfrm>
+          <a:prstGeom prst="rect">
+            <a:avLst/>
+          </a:prstGeom>
+        </p:spPr>
+        <p:txBody>
+          <a:bodyPr lIns="0" rIns="0" tIns="0" bIns="0">
+            <a:normAutofit/>
+          </a:bodyPr>
+          <a:p>
+            <a:endParaRPr b="0" lang="en-US" sz="3200" spc="-1" strike="noStrike">
+              <a:latin typeface="Arial"/>
+            </a:endParaRPr>
+          </a:p>
+        </p:txBody>
+      </p:sp>
+      <p:sp>
+        <p:nvSpPr>
+          <p:cNvPr id="188" name="PlaceHolder 4"/>
+          <p:cNvSpPr>
+            <a:spLocks noGrp="1"/>
+          </p:cNvSpPr>
+          <p:nvPr>
+            <p:ph type="body"/>
+          </p:nvPr>
+        </p:nvSpPr>
+        <p:spPr>
+          <a:xfrm>
+            <a:off x="609480" y="3682080"/>
+            <a:ext cx="5354280" cy="1896840"/>
+          </a:xfrm>
+          <a:prstGeom prst="rect">
+            <a:avLst/>
+          </a:prstGeom>
+        </p:spPr>
+        <p:txBody>
+          <a:bodyPr lIns="0" rIns="0" tIns="0" bIns="0">
+            <a:normAutofit/>
+          </a:bodyPr>
+          <a:p>
+            <a:endParaRPr b="0" lang="en-US" sz="3200" spc="-1" strike="noStrike">
+              <a:latin typeface="Arial"/>
+            </a:endParaRPr>
+          </a:p>
+        </p:txBody>
+      </p:sp>
+      <p:sp>
+        <p:nvSpPr>
+          <p:cNvPr id="189" name="PlaceHolder 5"/>
+          <p:cNvSpPr>
+            <a:spLocks noGrp="1"/>
+          </p:cNvSpPr>
+          <p:nvPr>
+            <p:ph type="body"/>
+          </p:nvPr>
+        </p:nvSpPr>
+        <p:spPr>
+          <a:xfrm>
+            <a:off x="6231960" y="3682080"/>
+            <a:ext cx="5354280" cy="1896840"/>
+          </a:xfrm>
+          <a:prstGeom prst="rect">
+            <a:avLst/>
+          </a:prstGeom>
+        </p:spPr>
+        <p:txBody>
+          <a:bodyPr lIns="0" rIns="0" tIns="0" bIns="0">
+            <a:normAutofit/>
+          </a:bodyPr>
+          <a:p>
+            <a:endParaRPr b="0" lang="en-US" sz="3200" spc="-1" strike="noStrike">
               <a:latin typeface="Arial"/>
             </a:endParaRPr>
           </a:p>
@@ -4996,8 +6120,8 @@
         </p:nvSpPr>
         <p:spPr>
           <a:xfrm>
-            <a:off x="609480" y="273600"/>
-            <a:ext cx="10972440" cy="5307840"/>
+            <a:off x="1371600" y="685800"/>
+            <a:ext cx="9600480" cy="6886440"/>
           </a:xfrm>
           <a:prstGeom prst="rect">
             <a:avLst/>
@@ -5009,6 +6133,239 @@
           </a:bodyPr>
           <a:p>
             <a:pPr algn="ctr"/>
+            <a:endParaRPr b="0" lang="en-US" sz="3200" spc="-1" strike="noStrike">
+              <a:latin typeface="Arial"/>
+            </a:endParaRPr>
+          </a:p>
+        </p:txBody>
+      </p:sp>
+    </p:spTree>
+  </p:cSld>
+</p:sldLayout>
+</file>
+
+<file path=ppt/slideLayouts/slideLayout60.xml><?xml version="1.0" encoding="utf-8"?>
+<p:sldLayout xmlns:a="http://schemas.openxmlformats.org/drawingml/2006/main" xmlns:p="http://schemas.openxmlformats.org/presentationml/2006/main" xmlns:r="http://schemas.openxmlformats.org/officeDocument/2006/relationships" xmlns:p14="http://schemas.microsoft.com/office/powerpoint/2010/main" xmlns:p15="http://schemas.microsoft.com/office/powerpoint/2012/main" xmlns:mc="http://schemas.openxmlformats.org/markup-compatibility/2006" type="blank" preserve="1">
+  <p:cSld name="Title, 6 Content">
+    <p:spTree>
+      <p:nvGrpSpPr>
+        <p:cNvPr id="1" name=""/>
+        <p:cNvGrpSpPr/>
+        <p:nvPr/>
+      </p:nvGrpSpPr>
+      <p:grpSpPr>
+        <a:xfrm>
+          <a:off x="0" y="0"/>
+          <a:ext cx="0" cy="0"/>
+          <a:chOff x="0" y="0"/>
+          <a:chExt cx="0" cy="0"/>
+        </a:xfrm>
+      </p:grpSpPr>
+      <p:sp>
+        <p:nvSpPr>
+          <p:cNvPr id="190" name="PlaceHolder 1"/>
+          <p:cNvSpPr>
+            <a:spLocks noGrp="1"/>
+          </p:cNvSpPr>
+          <p:nvPr>
+            <p:ph type="title"/>
+          </p:nvPr>
+        </p:nvSpPr>
+        <p:spPr>
+          <a:xfrm>
+            <a:off x="1371600" y="685800"/>
+            <a:ext cx="9600480" cy="1485360"/>
+          </a:xfrm>
+          <a:prstGeom prst="rect">
+            <a:avLst/>
+          </a:prstGeom>
+        </p:spPr>
+        <p:txBody>
+          <a:bodyPr lIns="0" rIns="0" tIns="0" bIns="0" anchor="ctr">
+            <a:noAutofit/>
+          </a:bodyPr>
+          <a:p>
+            <a:pPr algn="ctr"/>
+            <a:endParaRPr b="0" lang="en-US" sz="4400" spc="-1" strike="noStrike">
+              <a:latin typeface="Arial"/>
+            </a:endParaRPr>
+          </a:p>
+        </p:txBody>
+      </p:sp>
+      <p:sp>
+        <p:nvSpPr>
+          <p:cNvPr id="191" name="PlaceHolder 2"/>
+          <p:cNvSpPr>
+            <a:spLocks noGrp="1"/>
+          </p:cNvSpPr>
+          <p:nvPr>
+            <p:ph type="body"/>
+          </p:nvPr>
+        </p:nvSpPr>
+        <p:spPr>
+          <a:xfrm>
+            <a:off x="609480" y="1604520"/>
+            <a:ext cx="3533040" cy="1896840"/>
+          </a:xfrm>
+          <a:prstGeom prst="rect">
+            <a:avLst/>
+          </a:prstGeom>
+        </p:spPr>
+        <p:txBody>
+          <a:bodyPr lIns="0" rIns="0" tIns="0" bIns="0">
+            <a:normAutofit/>
+          </a:bodyPr>
+          <a:p>
+            <a:endParaRPr b="0" lang="en-US" sz="3200" spc="-1" strike="noStrike">
+              <a:latin typeface="Arial"/>
+            </a:endParaRPr>
+          </a:p>
+        </p:txBody>
+      </p:sp>
+      <p:sp>
+        <p:nvSpPr>
+          <p:cNvPr id="192" name="PlaceHolder 3"/>
+          <p:cNvSpPr>
+            <a:spLocks noGrp="1"/>
+          </p:cNvSpPr>
+          <p:nvPr>
+            <p:ph type="body"/>
+          </p:nvPr>
+        </p:nvSpPr>
+        <p:spPr>
+          <a:xfrm>
+            <a:off x="4319640" y="1604520"/>
+            <a:ext cx="3533040" cy="1896840"/>
+          </a:xfrm>
+          <a:prstGeom prst="rect">
+            <a:avLst/>
+          </a:prstGeom>
+        </p:spPr>
+        <p:txBody>
+          <a:bodyPr lIns="0" rIns="0" tIns="0" bIns="0">
+            <a:normAutofit/>
+          </a:bodyPr>
+          <a:p>
+            <a:endParaRPr b="0" lang="en-US" sz="3200" spc="-1" strike="noStrike">
+              <a:latin typeface="Arial"/>
+            </a:endParaRPr>
+          </a:p>
+        </p:txBody>
+      </p:sp>
+      <p:sp>
+        <p:nvSpPr>
+          <p:cNvPr id="193" name="PlaceHolder 4"/>
+          <p:cNvSpPr>
+            <a:spLocks noGrp="1"/>
+          </p:cNvSpPr>
+          <p:nvPr>
+            <p:ph type="body"/>
+          </p:nvPr>
+        </p:nvSpPr>
+        <p:spPr>
+          <a:xfrm>
+            <a:off x="8029800" y="1604520"/>
+            <a:ext cx="3533040" cy="1896840"/>
+          </a:xfrm>
+          <a:prstGeom prst="rect">
+            <a:avLst/>
+          </a:prstGeom>
+        </p:spPr>
+        <p:txBody>
+          <a:bodyPr lIns="0" rIns="0" tIns="0" bIns="0">
+            <a:normAutofit/>
+          </a:bodyPr>
+          <a:p>
+            <a:endParaRPr b="0" lang="en-US" sz="3200" spc="-1" strike="noStrike">
+              <a:latin typeface="Arial"/>
+            </a:endParaRPr>
+          </a:p>
+        </p:txBody>
+      </p:sp>
+      <p:sp>
+        <p:nvSpPr>
+          <p:cNvPr id="194" name="PlaceHolder 5"/>
+          <p:cNvSpPr>
+            <a:spLocks noGrp="1"/>
+          </p:cNvSpPr>
+          <p:nvPr>
+            <p:ph type="body"/>
+          </p:nvPr>
+        </p:nvSpPr>
+        <p:spPr>
+          <a:xfrm>
+            <a:off x="609480" y="3682080"/>
+            <a:ext cx="3533040" cy="1896840"/>
+          </a:xfrm>
+          <a:prstGeom prst="rect">
+            <a:avLst/>
+          </a:prstGeom>
+        </p:spPr>
+        <p:txBody>
+          <a:bodyPr lIns="0" rIns="0" tIns="0" bIns="0">
+            <a:normAutofit/>
+          </a:bodyPr>
+          <a:p>
+            <a:endParaRPr b="0" lang="en-US" sz="3200" spc="-1" strike="noStrike">
+              <a:latin typeface="Arial"/>
+            </a:endParaRPr>
+          </a:p>
+        </p:txBody>
+      </p:sp>
+      <p:sp>
+        <p:nvSpPr>
+          <p:cNvPr id="195" name="PlaceHolder 6"/>
+          <p:cNvSpPr>
+            <a:spLocks noGrp="1"/>
+          </p:cNvSpPr>
+          <p:nvPr>
+            <p:ph type="body"/>
+          </p:nvPr>
+        </p:nvSpPr>
+        <p:spPr>
+          <a:xfrm>
+            <a:off x="4319640" y="3682080"/>
+            <a:ext cx="3533040" cy="1896840"/>
+          </a:xfrm>
+          <a:prstGeom prst="rect">
+            <a:avLst/>
+          </a:prstGeom>
+        </p:spPr>
+        <p:txBody>
+          <a:bodyPr lIns="0" rIns="0" tIns="0" bIns="0">
+            <a:normAutofit/>
+          </a:bodyPr>
+          <a:p>
+            <a:endParaRPr b="0" lang="en-US" sz="3200" spc="-1" strike="noStrike">
+              <a:latin typeface="Arial"/>
+            </a:endParaRPr>
+          </a:p>
+        </p:txBody>
+      </p:sp>
+      <p:sp>
+        <p:nvSpPr>
+          <p:cNvPr id="196" name="PlaceHolder 7"/>
+          <p:cNvSpPr>
+            <a:spLocks noGrp="1"/>
+          </p:cNvSpPr>
+          <p:nvPr>
+            <p:ph type="body"/>
+          </p:nvPr>
+        </p:nvSpPr>
+        <p:spPr>
+          <a:xfrm>
+            <a:off x="8029800" y="3682080"/>
+            <a:ext cx="3533040" cy="1896840"/>
+          </a:xfrm>
+          <a:prstGeom prst="rect">
+            <a:avLst/>
+          </a:prstGeom>
+        </p:spPr>
+        <p:txBody>
+          <a:bodyPr lIns="0" rIns="0" tIns="0" bIns="0">
+            <a:normAutofit/>
+          </a:bodyPr>
+          <a:p>
             <a:endParaRPr b="0" lang="en-US" sz="3200" spc="-1" strike="noStrike">
               <a:latin typeface="Arial"/>
             </a:endParaRPr>
@@ -5049,8 +6406,8 @@
         </p:nvSpPr>
         <p:spPr>
           <a:xfrm>
-            <a:off x="609480" y="273600"/>
-            <a:ext cx="10972440" cy="1144800"/>
+            <a:off x="1371600" y="685800"/>
+            <a:ext cx="9600480" cy="1485360"/>
           </a:xfrm>
           <a:prstGeom prst="rect">
             <a:avLst/>
@@ -5192,8 +6549,8 @@
         </p:nvSpPr>
         <p:spPr>
           <a:xfrm>
-            <a:off x="609480" y="273600"/>
-            <a:ext cx="10972440" cy="1144800"/>
+            <a:off x="1371600" y="685800"/>
+            <a:ext cx="9600480" cy="1485360"/>
           </a:xfrm>
           <a:prstGeom prst="rect">
             <a:avLst/>
@@ -5335,8 +6692,8 @@
         </p:nvSpPr>
         <p:spPr>
           <a:xfrm>
-            <a:off x="609480" y="273600"/>
-            <a:ext cx="10972440" cy="1144800"/>
+            <a:off x="1371600" y="685800"/>
+            <a:ext cx="9600480" cy="1485360"/>
           </a:xfrm>
           <a:prstGeom prst="rect">
             <a:avLst/>
@@ -6583,6 +7940,301 @@
 </p:sldMaster>
 </file>
 
+<file path=ppt/slideMasters/slideMaster5.xml><?xml version="1.0" encoding="utf-8"?>
+<p:sldMaster xmlns:a="http://schemas.openxmlformats.org/drawingml/2006/main" xmlns:p="http://schemas.openxmlformats.org/presentationml/2006/main" xmlns:r="http://schemas.openxmlformats.org/officeDocument/2006/relationships" xmlns:p14="http://schemas.microsoft.com/office/powerpoint/2010/main" xmlns:p15="http://schemas.microsoft.com/office/powerpoint/2012/main" xmlns:mc="http://schemas.openxmlformats.org/markup-compatibility/2006">
+  <p:cSld>
+    <p:bg>
+      <p:bgPr>
+        <a:solidFill>
+          <a:srgbClr val="efede3"/>
+        </a:solidFill>
+      </p:bgPr>
+    </p:bg>
+    <p:spTree>
+      <p:nvGrpSpPr>
+        <p:cNvPr id="1" name=""/>
+        <p:cNvGrpSpPr/>
+        <p:nvPr/>
+      </p:nvGrpSpPr>
+      <p:grpSpPr>
+        <a:xfrm>
+          <a:off x="0" y="0"/>
+          <a:ext cx="0" cy="0"/>
+          <a:chOff x="0" y="0"/>
+          <a:chExt cx="0" cy="0"/>
+        </a:xfrm>
+      </p:grpSpPr>
+      <p:sp>
+        <p:nvSpPr>
+          <p:cNvPr id="158" name="CustomShape 1"/>
+          <p:cNvSpPr/>
+          <p:nvPr/>
+        </p:nvSpPr>
+        <p:spPr>
+          <a:xfrm>
+            <a:off x="478080" y="360"/>
+            <a:ext cx="227880" cy="6857280"/>
+          </a:xfrm>
+          <a:prstGeom prst="rect">
+            <a:avLst/>
+          </a:prstGeom>
+          <a:solidFill>
+            <a:schemeClr val="tx2"/>
+          </a:solidFill>
+          <a:ln>
+            <a:noFill/>
+          </a:ln>
+        </p:spPr>
+        <p:style>
+          <a:lnRef idx="2">
+            <a:schemeClr val="accent1">
+              <a:shade val="50000"/>
+            </a:schemeClr>
+          </a:lnRef>
+          <a:fillRef idx="1">
+            <a:schemeClr val="accent1"/>
+          </a:fillRef>
+          <a:effectRef idx="0">
+            <a:schemeClr val="accent1"/>
+          </a:effectRef>
+          <a:fontRef idx="minor"/>
+        </p:style>
+      </p:sp>
+      <p:sp>
+        <p:nvSpPr>
+          <p:cNvPr id="159" name="PlaceHolder 2"/>
+          <p:cNvSpPr>
+            <a:spLocks noGrp="1"/>
+          </p:cNvSpPr>
+          <p:nvPr>
+            <p:ph type="title"/>
+          </p:nvPr>
+        </p:nvSpPr>
+        <p:spPr>
+          <a:xfrm>
+            <a:off x="1371600" y="685800"/>
+            <a:ext cx="9600480" cy="1485360"/>
+          </a:xfrm>
+          <a:prstGeom prst="rect">
+            <a:avLst/>
+          </a:prstGeom>
+        </p:spPr>
+        <p:txBody>
+          <a:bodyPr lIns="0" rIns="0" tIns="0" bIns="0" anchor="ctr">
+            <a:noAutofit/>
+          </a:bodyPr>
+          <a:p>
+            <a:r>
+              <a:rPr b="0" lang="en-US" sz="1800" spc="-1" strike="noStrike">
+                <a:latin typeface="Arial"/>
+              </a:rPr>
+              <a:t>Click to edit the title text format</a:t>
+            </a:r>
+            <a:endParaRPr b="0" lang="en-US" sz="1800" spc="-1" strike="noStrike">
+              <a:latin typeface="Arial"/>
+            </a:endParaRPr>
+          </a:p>
+        </p:txBody>
+      </p:sp>
+      <p:sp>
+        <p:nvSpPr>
+          <p:cNvPr id="160" name="PlaceHolder 3"/>
+          <p:cNvSpPr>
+            <a:spLocks noGrp="1"/>
+          </p:cNvSpPr>
+          <p:nvPr>
+            <p:ph type="body"/>
+          </p:nvPr>
+        </p:nvSpPr>
+        <p:spPr>
+          <a:xfrm>
+            <a:off x="609480" y="1604520"/>
+            <a:ext cx="10972440" cy="3977280"/>
+          </a:xfrm>
+          <a:prstGeom prst="rect">
+            <a:avLst/>
+          </a:prstGeom>
+        </p:spPr>
+        <p:txBody>
+          <a:bodyPr lIns="0" rIns="0" tIns="0" bIns="0">
+            <a:normAutofit/>
+          </a:bodyPr>
+          <a:p>
+            <a:pPr marL="432000" indent="-324000">
+              <a:spcBef>
+                <a:spcPts val="1417"/>
+              </a:spcBef>
+              <a:buClr>
+                <a:srgbClr val="000000"/>
+              </a:buClr>
+              <a:buSzPct val="45000"/>
+              <a:buFont typeface="Wingdings" charset="2"/>
+              <a:buChar char=""/>
+            </a:pPr>
+            <a:r>
+              <a:rPr b="0" lang="en-US" sz="3200" spc="-1" strike="noStrike">
+                <a:latin typeface="Arial"/>
+              </a:rPr>
+              <a:t>Click to edit the outline text format</a:t>
+            </a:r>
+            <a:endParaRPr b="0" lang="en-US" sz="3200" spc="-1" strike="noStrike">
+              <a:latin typeface="Arial"/>
+            </a:endParaRPr>
+          </a:p>
+          <a:p>
+            <a:pPr lvl="1" marL="864000" indent="-324000">
+              <a:spcBef>
+                <a:spcPts val="1134"/>
+              </a:spcBef>
+              <a:buClr>
+                <a:srgbClr val="000000"/>
+              </a:buClr>
+              <a:buSzPct val="75000"/>
+              <a:buFont typeface="Symbol" charset="2"/>
+              <a:buChar char=""/>
+            </a:pPr>
+            <a:r>
+              <a:rPr b="0" lang="en-US" sz="2800" spc="-1" strike="noStrike">
+                <a:latin typeface="Arial"/>
+              </a:rPr>
+              <a:t>Second Outline Level</a:t>
+            </a:r>
+            <a:endParaRPr b="0" lang="en-US" sz="2800" spc="-1" strike="noStrike">
+              <a:latin typeface="Arial"/>
+            </a:endParaRPr>
+          </a:p>
+          <a:p>
+            <a:pPr lvl="2" marL="1296000" indent="-288000">
+              <a:spcBef>
+                <a:spcPts val="850"/>
+              </a:spcBef>
+              <a:buClr>
+                <a:srgbClr val="000000"/>
+              </a:buClr>
+              <a:buSzPct val="45000"/>
+              <a:buFont typeface="Wingdings" charset="2"/>
+              <a:buChar char=""/>
+            </a:pPr>
+            <a:r>
+              <a:rPr b="0" lang="en-US" sz="2400" spc="-1" strike="noStrike">
+                <a:latin typeface="Arial"/>
+              </a:rPr>
+              <a:t>Third Outline Level</a:t>
+            </a:r>
+            <a:endParaRPr b="0" lang="en-US" sz="2400" spc="-1" strike="noStrike">
+              <a:latin typeface="Arial"/>
+            </a:endParaRPr>
+          </a:p>
+          <a:p>
+            <a:pPr lvl="3" marL="1728000" indent="-216000">
+              <a:spcBef>
+                <a:spcPts val="567"/>
+              </a:spcBef>
+              <a:buClr>
+                <a:srgbClr val="000000"/>
+              </a:buClr>
+              <a:buSzPct val="75000"/>
+              <a:buFont typeface="Symbol" charset="2"/>
+              <a:buChar char=""/>
+            </a:pPr>
+            <a:r>
+              <a:rPr b="0" lang="en-US" sz="2000" spc="-1" strike="noStrike">
+                <a:latin typeface="Arial"/>
+              </a:rPr>
+              <a:t>Fourth Outline Level</a:t>
+            </a:r>
+            <a:endParaRPr b="0" lang="en-US" sz="2000" spc="-1" strike="noStrike">
+              <a:latin typeface="Arial"/>
+            </a:endParaRPr>
+          </a:p>
+          <a:p>
+            <a:pPr lvl="4" marL="2160000" indent="-216000">
+              <a:spcBef>
+                <a:spcPts val="283"/>
+              </a:spcBef>
+              <a:buClr>
+                <a:srgbClr val="000000"/>
+              </a:buClr>
+              <a:buSzPct val="45000"/>
+              <a:buFont typeface="Wingdings" charset="2"/>
+              <a:buChar char=""/>
+            </a:pPr>
+            <a:r>
+              <a:rPr b="0" lang="en-US" sz="2000" spc="-1" strike="noStrike">
+                <a:latin typeface="Arial"/>
+              </a:rPr>
+              <a:t>Fifth Outline Level</a:t>
+            </a:r>
+            <a:endParaRPr b="0" lang="en-US" sz="2000" spc="-1" strike="noStrike">
+              <a:latin typeface="Arial"/>
+            </a:endParaRPr>
+          </a:p>
+          <a:p>
+            <a:pPr lvl="5" marL="2592000" indent="-216000">
+              <a:spcBef>
+                <a:spcPts val="283"/>
+              </a:spcBef>
+              <a:buClr>
+                <a:srgbClr val="000000"/>
+              </a:buClr>
+              <a:buSzPct val="45000"/>
+              <a:buFont typeface="Wingdings" charset="2"/>
+              <a:buChar char=""/>
+            </a:pPr>
+            <a:r>
+              <a:rPr b="0" lang="en-US" sz="2000" spc="-1" strike="noStrike">
+                <a:latin typeface="Arial"/>
+              </a:rPr>
+              <a:t>Sixth Outline Level</a:t>
+            </a:r>
+            <a:endParaRPr b="0" lang="en-US" sz="2000" spc="-1" strike="noStrike">
+              <a:latin typeface="Arial"/>
+            </a:endParaRPr>
+          </a:p>
+          <a:p>
+            <a:pPr lvl="6" marL="3024000" indent="-216000">
+              <a:spcBef>
+                <a:spcPts val="283"/>
+              </a:spcBef>
+              <a:buClr>
+                <a:srgbClr val="000000"/>
+              </a:buClr>
+              <a:buSzPct val="45000"/>
+              <a:buFont typeface="Wingdings" charset="2"/>
+              <a:buChar char=""/>
+            </a:pPr>
+            <a:r>
+              <a:rPr b="0" lang="en-US" sz="2000" spc="-1" strike="noStrike">
+                <a:latin typeface="Arial"/>
+              </a:rPr>
+              <a:t>Seventh Outline Level</a:t>
+            </a:r>
+            <a:endParaRPr b="0" lang="en-US" sz="2000" spc="-1" strike="noStrike">
+              <a:latin typeface="Arial"/>
+            </a:endParaRPr>
+          </a:p>
+        </p:txBody>
+      </p:sp>
+    </p:spTree>
+  </p:cSld>
+  <p:clrMap bg1="lt1" bg2="lt2" tx1="dk1" tx2="dk2" accent1="accent1" accent2="accent2" accent3="accent3" accent4="accent4" accent5="accent5" accent6="accent6" hlink="hlink" folHlink="folHlink"/>
+  <p:sldLayoutIdLst>
+    <p:sldLayoutId id="2147483701" r:id="rId2"/>
+    <p:sldLayoutId id="2147483702" r:id="rId3"/>
+    <p:sldLayoutId id="2147483703" r:id="rId4"/>
+    <p:sldLayoutId id="2147483704" r:id="rId5"/>
+    <p:sldLayoutId id="2147483705" r:id="rId6"/>
+    <p:sldLayoutId id="2147483706" r:id="rId7"/>
+    <p:sldLayoutId id="2147483707" r:id="rId8"/>
+    <p:sldLayoutId id="2147483708" r:id="rId9"/>
+    <p:sldLayoutId id="2147483709" r:id="rId10"/>
+    <p:sldLayoutId id="2147483710" r:id="rId11"/>
+    <p:sldLayoutId id="2147483711" r:id="rId12"/>
+    <p:sldLayoutId id="2147483712" r:id="rId13"/>
+  </p:sldLayoutIdLst>
+</p:sldMaster>
+</file>
+
 <file path=ppt/slides/slide1.xml><?xml version="1.0" encoding="utf-8"?>
 <p:sld xmlns:a="http://schemas.openxmlformats.org/drawingml/2006/main" xmlns:p="http://schemas.openxmlformats.org/presentationml/2006/main" xmlns:r="http://schemas.openxmlformats.org/officeDocument/2006/relationships" xmlns:p14="http://schemas.microsoft.com/office/powerpoint/2010/main" xmlns:p15="http://schemas.microsoft.com/office/powerpoint/2012/main" xmlns:mc="http://schemas.openxmlformats.org/markup-compatibility/2006">
   <p:cSld>
@@ -6602,7 +8254,7 @@
       </p:grpSpPr>
       <p:sp>
         <p:nvSpPr>
-          <p:cNvPr id="158" name="CustomShape 1"/>
+          <p:cNvPr id="197" name="CustomShape 1"/>
           <p:cNvSpPr/>
           <p:nvPr/>
         </p:nvSpPr>
@@ -6682,8 +8334,8 @@
       </p:grpSpPr>
       <p:sp>
         <p:nvSpPr>
-          <p:cNvPr id="177" name="CustomShape 1"/>
-          <p:cNvSpPr/>
+          <p:cNvPr id="213" name="TextShape 1"/>
+          <p:cNvSpPr txBox="1"/>
           <p:nvPr/>
         </p:nvSpPr>
         <p:spPr>
@@ -6699,30 +8351,17 @@
             <a:noFill/>
           </a:ln>
         </p:spPr>
-        <p:style>
-          <a:lnRef idx="0"/>
-          <a:fillRef idx="0"/>
-          <a:effectRef idx="0"/>
-          <a:fontRef idx="minor"/>
-        </p:style>
-        <p:txBody>
-          <a:bodyPr lIns="90000" rIns="90000" tIns="45000" bIns="45000">
+        <p:txBody>
+          <a:bodyPr lIns="0" rIns="0" tIns="0" bIns="0" anchor="ctr">
             <a:noAutofit/>
           </a:bodyPr>
           <a:p>
-            <a:pPr>
-              <a:lnSpc>
-                <a:spcPct val="89000"/>
-              </a:lnSpc>
-            </a:pPr>
+            <a:pPr algn="ctr"/>
             <a:r>
-              <a:rPr b="0" lang="de-DE" sz="4400" spc="-1" strike="noStrike">
-                <a:solidFill>
-                  <a:srgbClr val="191b0e"/>
-                </a:solidFill>
-                <a:latin typeface="Franklin Gothic Book"/>
+              <a:rPr b="0" lang="en-US" sz="4400" spc="-1" strike="noStrike">
+                <a:latin typeface="Arial"/>
               </a:rPr>
-              <a:t>Wordcount</a:t>
+              <a:t>Word Counter</a:t>
             </a:r>
             <a:endParaRPr b="0" lang="en-US" sz="4400" spc="-1" strike="noStrike">
               <a:latin typeface="Arial"/>
@@ -6732,33 +8371,7 @@
       </p:sp>
       <p:sp>
         <p:nvSpPr>
-          <p:cNvPr id="178" name="CustomShape 2"/>
-          <p:cNvSpPr/>
-          <p:nvPr/>
-        </p:nvSpPr>
-        <p:spPr>
-          <a:xfrm>
-            <a:off x="1371600" y="2286000"/>
-            <a:ext cx="9600480" cy="3580560"/>
-          </a:xfrm>
-          <a:prstGeom prst="rect">
-            <a:avLst/>
-          </a:prstGeom>
-          <a:noFill/>
-          <a:ln>
-            <a:noFill/>
-          </a:ln>
-        </p:spPr>
-        <p:style>
-          <a:lnRef idx="0"/>
-          <a:fillRef idx="0"/>
-          <a:effectRef idx="0"/>
-          <a:fontRef idx="minor"/>
-        </p:style>
-      </p:sp>
-      <p:sp>
-        <p:nvSpPr>
-          <p:cNvPr id="179" name="CustomShape 3"/>
+          <p:cNvPr id="214" name="CustomShape 2"/>
           <p:cNvSpPr/>
           <p:nvPr/>
         </p:nvSpPr>
@@ -6809,7 +8422,7 @@
                 </a:solidFill>
                 <a:latin typeface="Franklin Gothic Book"/>
               </a:rPr>
-              <a:t>Idee</a:t>
+              <a:t>Bugs müssen behoben werden</a:t>
             </a:r>
             <a:endParaRPr b="0" lang="en-US" sz="2000" spc="-1" strike="noStrike">
               <a:latin typeface="Arial"/>
@@ -6839,97 +8452,7 @@
                 </a:solidFill>
                 <a:latin typeface="Franklin Gothic Book"/>
               </a:rPr>
-              <a:t>Anforderungen</a:t>
-            </a:r>
-            <a:endParaRPr b="0" lang="en-US" sz="2000" spc="-1" strike="noStrike">
-              <a:latin typeface="Arial"/>
-            </a:endParaRPr>
-          </a:p>
-          <a:p>
-            <a:pPr marL="384120" indent="-383400">
-              <a:lnSpc>
-                <a:spcPct val="94000"/>
-              </a:lnSpc>
-              <a:spcBef>
-                <a:spcPts val="1001"/>
-              </a:spcBef>
-              <a:spcAft>
-                <a:spcPts val="201"/>
-              </a:spcAft>
-              <a:buClr>
-                <a:srgbClr val="191b0e"/>
-              </a:buClr>
-              <a:buFont typeface="Franklin Gothic Book"/>
-              <a:buChar char="■"/>
-            </a:pPr>
-            <a:r>
-              <a:rPr b="0" lang="de-DE" sz="2000" spc="-1" strike="noStrike">
-                <a:solidFill>
-                  <a:srgbClr val="191b0e"/>
-                </a:solidFill>
-                <a:latin typeface="Franklin Gothic Book"/>
-              </a:rPr>
-              <a:t>Aufbau</a:t>
-            </a:r>
-            <a:endParaRPr b="0" lang="en-US" sz="2000" spc="-1" strike="noStrike">
-              <a:latin typeface="Arial"/>
-            </a:endParaRPr>
-          </a:p>
-          <a:p>
-            <a:pPr marL="384120" indent="-383400">
-              <a:lnSpc>
-                <a:spcPct val="94000"/>
-              </a:lnSpc>
-              <a:spcBef>
-                <a:spcPts val="1001"/>
-              </a:spcBef>
-              <a:spcAft>
-                <a:spcPts val="201"/>
-              </a:spcAft>
-              <a:buClr>
-                <a:srgbClr val="191b0e"/>
-              </a:buClr>
-              <a:buFont typeface="Franklin Gothic Book"/>
-              <a:buChar char="■"/>
-            </a:pPr>
-            <a:r>
-              <a:rPr b="0" lang="de-DE" sz="2000" spc="-1" strike="noStrike">
-                <a:solidFill>
-                  <a:srgbClr val="191b0e"/>
-                </a:solidFill>
-                <a:latin typeface="Franklin Gothic Book"/>
-              </a:rPr>
-              <a:t>Verwendete Technologien</a:t>
-            </a:r>
-            <a:endParaRPr b="0" lang="en-US" sz="2000" spc="-1" strike="noStrike">
-              <a:latin typeface="Arial"/>
-            </a:endParaRPr>
-          </a:p>
-          <a:p>
-            <a:pPr marL="384120" indent="-383400">
-              <a:lnSpc>
-                <a:spcPct val="94000"/>
-              </a:lnSpc>
-              <a:spcBef>
-                <a:spcPts val="1001"/>
-              </a:spcBef>
-              <a:spcAft>
-                <a:spcPts val="201"/>
-              </a:spcAft>
-              <a:buClr>
-                <a:srgbClr val="191b0e"/>
-              </a:buClr>
-              <a:buFont typeface="Franklin Gothic Book"/>
-              <a:buChar char="■"/>
-            </a:pPr>
-            <a:r>
-              <a:rPr b="0" lang="de-DE" sz="2000" spc="-1" strike="noStrike">
-                <a:solidFill>
-                  <a:srgbClr val="191b0e"/>
-                </a:solidFill>
-                <a:latin typeface="Franklin Gothic Book"/>
-              </a:rPr>
-              <a:t>Webseite</a:t>
+              <a:t>Sätze und Paragraphen sollen gezählt werden</a:t>
             </a:r>
             <a:endParaRPr b="0" lang="en-US" sz="2000" spc="-1" strike="noStrike">
               <a:latin typeface="Arial"/>
@@ -6969,8 +8492,8 @@
       </p:grpSpPr>
       <p:sp>
         <p:nvSpPr>
-          <p:cNvPr id="180" name="CustomShape 1"/>
-          <p:cNvSpPr/>
+          <p:cNvPr id="215" name="TextShape 1"/>
+          <p:cNvSpPr txBox="1"/>
           <p:nvPr/>
         </p:nvSpPr>
         <p:spPr>
@@ -6986,30 +8509,17 @@
             <a:noFill/>
           </a:ln>
         </p:spPr>
-        <p:style>
-          <a:lnRef idx="0"/>
-          <a:fillRef idx="0"/>
-          <a:effectRef idx="0"/>
-          <a:fontRef idx="minor"/>
-        </p:style>
-        <p:txBody>
-          <a:bodyPr lIns="90000" rIns="90000" tIns="45000" bIns="45000">
+        <p:txBody>
+          <a:bodyPr lIns="0" rIns="0" tIns="0" bIns="0" anchor="ctr">
             <a:noAutofit/>
           </a:bodyPr>
           <a:p>
-            <a:pPr>
-              <a:lnSpc>
-                <a:spcPct val="89000"/>
-              </a:lnSpc>
-            </a:pPr>
+            <a:pPr algn="ctr"/>
             <a:r>
-              <a:rPr b="0" lang="de-DE" sz="4400" spc="-1" strike="noStrike">
-                <a:solidFill>
-                  <a:srgbClr val="191b0e"/>
-                </a:solidFill>
-                <a:latin typeface="Franklin Gothic Book"/>
+              <a:rPr b="0" lang="en-US" sz="4400" spc="-1" strike="noStrike">
+                <a:latin typeface="Arial"/>
               </a:rPr>
-              <a:t>Dark Mode</a:t>
+              <a:t>Darkmode</a:t>
             </a:r>
             <a:endParaRPr b="0" lang="en-US" sz="4400" spc="-1" strike="noStrike">
               <a:latin typeface="Arial"/>
@@ -7019,33 +8529,7 @@
       </p:sp>
       <p:sp>
         <p:nvSpPr>
-          <p:cNvPr id="181" name="CustomShape 2"/>
-          <p:cNvSpPr/>
-          <p:nvPr/>
-        </p:nvSpPr>
-        <p:spPr>
-          <a:xfrm>
-            <a:off x="1371600" y="2286000"/>
-            <a:ext cx="9600480" cy="3580560"/>
-          </a:xfrm>
-          <a:prstGeom prst="rect">
-            <a:avLst/>
-          </a:prstGeom>
-          <a:noFill/>
-          <a:ln>
-            <a:noFill/>
-          </a:ln>
-        </p:spPr>
-        <p:style>
-          <a:lnRef idx="0"/>
-          <a:fillRef idx="0"/>
-          <a:effectRef idx="0"/>
-          <a:fontRef idx="minor"/>
-        </p:style>
-      </p:sp>
-      <p:sp>
-        <p:nvSpPr>
-          <p:cNvPr id="182" name="CustomShape 3"/>
+          <p:cNvPr id="216" name="CustomShape 2"/>
           <p:cNvSpPr/>
           <p:nvPr/>
         </p:nvSpPr>
@@ -7096,7 +8580,7 @@
                 </a:solidFill>
                 <a:latin typeface="Franklin Gothic Book"/>
               </a:rPr>
-              <a:t>Idee</a:t>
+              <a:t>Soll mit allen Browsern kompatibel sein</a:t>
             </a:r>
             <a:endParaRPr b="0" lang="en-US" sz="2000" spc="-1" strike="noStrike">
               <a:latin typeface="Arial"/>
@@ -7126,7 +8610,16 @@
                 </a:solidFill>
                 <a:latin typeface="Franklin Gothic Book"/>
               </a:rPr>
-              <a:t>Anforderungen</a:t>
+              <a:t>→ </a:t>
+            </a:r>
+            <a:r>
+              <a:rPr b="0" lang="de-DE" sz="2000" spc="-1" strike="noStrike">
+                <a:solidFill>
+                  <a:srgbClr val="191b0e"/>
+                </a:solidFill>
+                <a:latin typeface="Franklin Gothic Book"/>
+              </a:rPr>
+              <a:t>Speichern in Cookies</a:t>
             </a:r>
             <a:endParaRPr b="0" lang="en-US" sz="2000" spc="-1" strike="noStrike">
               <a:latin typeface="Arial"/>
@@ -7149,75 +8642,6 @@
               <a:buFont typeface="Franklin Gothic Book"/>
               <a:buChar char="■"/>
             </a:pPr>
-            <a:r>
-              <a:rPr b="0" lang="de-DE" sz="2000" spc="-1" strike="noStrike">
-                <a:solidFill>
-                  <a:srgbClr val="191b0e"/>
-                </a:solidFill>
-                <a:latin typeface="Franklin Gothic Book"/>
-              </a:rPr>
-              <a:t>Aufbau</a:t>
-            </a:r>
-            <a:endParaRPr b="0" lang="en-US" sz="2000" spc="-1" strike="noStrike">
-              <a:latin typeface="Arial"/>
-            </a:endParaRPr>
-          </a:p>
-          <a:p>
-            <a:pPr marL="384120" indent="-383400">
-              <a:lnSpc>
-                <a:spcPct val="94000"/>
-              </a:lnSpc>
-              <a:spcBef>
-                <a:spcPts val="1001"/>
-              </a:spcBef>
-              <a:spcAft>
-                <a:spcPts val="201"/>
-              </a:spcAft>
-              <a:buClr>
-                <a:srgbClr val="191b0e"/>
-              </a:buClr>
-              <a:buFont typeface="Franklin Gothic Book"/>
-              <a:buChar char="■"/>
-            </a:pPr>
-            <a:r>
-              <a:rPr b="0" lang="de-DE" sz="2000" spc="-1" strike="noStrike">
-                <a:solidFill>
-                  <a:srgbClr val="191b0e"/>
-                </a:solidFill>
-                <a:latin typeface="Franklin Gothic Book"/>
-              </a:rPr>
-              <a:t>Verwendete Technologien</a:t>
-            </a:r>
-            <a:endParaRPr b="0" lang="en-US" sz="2000" spc="-1" strike="noStrike">
-              <a:latin typeface="Arial"/>
-            </a:endParaRPr>
-          </a:p>
-          <a:p>
-            <a:pPr marL="384120" indent="-383400">
-              <a:lnSpc>
-                <a:spcPct val="94000"/>
-              </a:lnSpc>
-              <a:spcBef>
-                <a:spcPts val="1001"/>
-              </a:spcBef>
-              <a:spcAft>
-                <a:spcPts val="201"/>
-              </a:spcAft>
-              <a:buClr>
-                <a:srgbClr val="191b0e"/>
-              </a:buClr>
-              <a:buFont typeface="Franklin Gothic Book"/>
-              <a:buChar char="■"/>
-            </a:pPr>
-            <a:r>
-              <a:rPr b="0" lang="de-DE" sz="2000" spc="-1" strike="noStrike">
-                <a:solidFill>
-                  <a:srgbClr val="191b0e"/>
-                </a:solidFill>
-                <a:latin typeface="Franklin Gothic Book"/>
-              </a:rPr>
-              <a:t>Webseite</a:t>
-            </a:r>
             <a:endParaRPr b="0" lang="en-US" sz="2000" spc="-1" strike="noStrike">
               <a:latin typeface="Arial"/>
             </a:endParaRPr>
@@ -7256,7 +8680,7 @@
       </p:grpSpPr>
       <p:sp>
         <p:nvSpPr>
-          <p:cNvPr id="159" name="CustomShape 1"/>
+          <p:cNvPr id="198" name="CustomShape 1"/>
           <p:cNvSpPr/>
           <p:nvPr/>
         </p:nvSpPr>
@@ -7306,7 +8730,7 @@
       </p:sp>
       <p:sp>
         <p:nvSpPr>
-          <p:cNvPr id="160" name="CustomShape 2"/>
+          <p:cNvPr id="199" name="CustomShape 2"/>
           <p:cNvSpPr/>
           <p:nvPr/>
         </p:nvSpPr>
@@ -7517,7 +8941,7 @@
       </p:grpSpPr>
       <p:sp>
         <p:nvSpPr>
-          <p:cNvPr id="161" name="CustomShape 1"/>
+          <p:cNvPr id="200" name="CustomShape 1"/>
           <p:cNvSpPr/>
           <p:nvPr/>
         </p:nvSpPr>
@@ -7567,7 +8991,7 @@
       </p:sp>
       <p:sp>
         <p:nvSpPr>
-          <p:cNvPr id="162" name="CustomShape 2"/>
+          <p:cNvPr id="201" name="CustomShape 2"/>
           <p:cNvSpPr/>
           <p:nvPr/>
         </p:nvSpPr>
@@ -7718,7 +9142,7 @@
       </p:grpSpPr>
       <p:sp>
         <p:nvSpPr>
-          <p:cNvPr id="163" name="CustomShape 1"/>
+          <p:cNvPr id="202" name="CustomShape 1"/>
           <p:cNvSpPr/>
           <p:nvPr/>
         </p:nvSpPr>
@@ -7768,7 +9192,7 @@
       </p:sp>
       <p:sp>
         <p:nvSpPr>
-          <p:cNvPr id="164" name="CustomShape 2"/>
+          <p:cNvPr id="203" name="CustomShape 2"/>
           <p:cNvSpPr/>
           <p:nvPr/>
         </p:nvSpPr>
@@ -7979,7 +9403,7 @@
       </p:grpSpPr>
       <p:sp>
         <p:nvSpPr>
-          <p:cNvPr id="165" name="CustomShape 1"/>
+          <p:cNvPr id="204" name="CustomShape 1"/>
           <p:cNvSpPr/>
           <p:nvPr/>
         </p:nvSpPr>
@@ -8029,7 +9453,7 @@
       </p:sp>
       <p:pic>
         <p:nvPicPr>
-          <p:cNvPr id="166" name="Inhaltsplatzhalter 4" descr=""/>
+          <p:cNvPr id="205" name="Inhaltsplatzhalter 4" descr=""/>
           <p:cNvPicPr/>
           <p:nvPr/>
         </p:nvPicPr>
@@ -8052,7 +9476,7 @@
       </p:pic>
       <p:pic>
         <p:nvPicPr>
-          <p:cNvPr id="167" name="Grafik 6" descr=""/>
+          <p:cNvPr id="206" name="Grafik 6" descr=""/>
           <p:cNvPicPr/>
           <p:nvPr/>
         </p:nvPicPr>
@@ -8117,7 +9541,7 @@
                                           </p:stCondLst>
                                         </p:cTn>
                                         <p:tgtEl>
-                                          <p:spTgt spid="167"/>
+                                          <p:spTgt spid="206"/>
                                         </p:tgtEl>
                                         <p:attrNameLst>
                                           <p:attrName>style.visibility</p:attrName>
@@ -8131,7 +9555,7 @@
                                       <p:cBhvr additive="repl">
                                         <p:cTn id="7" dur="500"/>
                                         <p:tgtEl>
-                                          <p:spTgt spid="167"/>
+                                          <p:spTgt spid="206"/>
                                         </p:tgtEl>
                                       </p:cBhvr>
                                     </p:animEffect>
@@ -8188,7 +9612,7 @@
       </p:grpSpPr>
       <p:sp>
         <p:nvSpPr>
-          <p:cNvPr id="168" name="CustomShape 1"/>
+          <p:cNvPr id="207" name="CustomShape 1"/>
           <p:cNvSpPr/>
           <p:nvPr/>
         </p:nvSpPr>
@@ -8238,7 +9662,7 @@
       </p:sp>
       <p:sp>
         <p:nvSpPr>
-          <p:cNvPr id="169" name="CustomShape 2"/>
+          <p:cNvPr id="208" name="CustomShape 2"/>
           <p:cNvSpPr/>
           <p:nvPr/>
         </p:nvSpPr>
@@ -8479,7 +9903,7 @@
       </p:grpSpPr>
       <p:sp>
         <p:nvSpPr>
-          <p:cNvPr id="170" name="CustomShape 1"/>
+          <p:cNvPr id="209" name="CustomShape 1"/>
           <p:cNvSpPr/>
           <p:nvPr/>
         </p:nvSpPr>
@@ -8559,13 +9983,13 @@
       </p:grpSpPr>
       <p:sp>
         <p:nvSpPr>
-          <p:cNvPr id="171" name="CustomShape 1"/>
+          <p:cNvPr id="210" name="CustomShape 1"/>
           <p:cNvSpPr/>
           <p:nvPr/>
         </p:nvSpPr>
         <p:spPr>
           <a:xfrm>
-            <a:off x="1371600" y="685800"/>
+            <a:off x="1295280" y="2895120"/>
             <a:ext cx="9600480" cy="1485360"/>
           </a:xfrm>
           <a:prstGeom prst="rect">
@@ -8587,7 +10011,7 @@
             <a:noAutofit/>
           </a:bodyPr>
           <a:p>
-            <a:pPr>
+            <a:pPr algn="ctr">
               <a:lnSpc>
                 <a:spcPct val="89000"/>
               </a:lnSpc>
@@ -8599,216 +10023,28 @@
                 </a:solidFill>
                 <a:latin typeface="Franklin Gothic Book"/>
               </a:rPr>
-              <a:t>Login und Registrierung</a:t>
+              <a:t>Ideen zur</a:t>
             </a:r>
             <a:endParaRPr b="0" lang="en-US" sz="4400" spc="-1" strike="noStrike">
               <a:latin typeface="Arial"/>
             </a:endParaRPr>
           </a:p>
-        </p:txBody>
-      </p:sp>
-      <p:sp>
-        <p:nvSpPr>
-          <p:cNvPr id="172" name="CustomShape 2"/>
-          <p:cNvSpPr/>
-          <p:nvPr/>
-        </p:nvSpPr>
-        <p:spPr>
-          <a:xfrm>
-            <a:off x="1371600" y="2286000"/>
-            <a:ext cx="9600480" cy="3580560"/>
-          </a:xfrm>
-          <a:prstGeom prst="rect">
-            <a:avLst/>
-          </a:prstGeom>
-          <a:noFill/>
-          <a:ln>
-            <a:noFill/>
-          </a:ln>
-        </p:spPr>
-        <p:style>
-          <a:lnRef idx="0"/>
-          <a:fillRef idx="0"/>
-          <a:effectRef idx="0"/>
-          <a:fontRef idx="minor"/>
-        </p:style>
-      </p:sp>
-      <p:sp>
-        <p:nvSpPr>
-          <p:cNvPr id="173" name="CustomShape 3"/>
-          <p:cNvSpPr/>
-          <p:nvPr/>
-        </p:nvSpPr>
-        <p:spPr>
-          <a:xfrm>
-            <a:off x="1371600" y="2286000"/>
-            <a:ext cx="9600480" cy="3580560"/>
-          </a:xfrm>
-          <a:prstGeom prst="rect">
-            <a:avLst/>
-          </a:prstGeom>
-          <a:noFill/>
-          <a:ln>
-            <a:noFill/>
-          </a:ln>
-        </p:spPr>
-        <p:style>
-          <a:lnRef idx="0"/>
-          <a:fillRef idx="0"/>
-          <a:effectRef idx="0"/>
-          <a:fontRef idx="minor"/>
-        </p:style>
-        <p:txBody>
-          <a:bodyPr lIns="90000" rIns="90000" tIns="45000" bIns="45000">
-            <a:noAutofit/>
-          </a:bodyPr>
-          <a:p>
-            <a:pPr marL="384120" indent="-383400">
+          <a:p>
+            <a:pPr algn="ctr">
               <a:lnSpc>
-                <a:spcPct val="94000"/>
+                <a:spcPct val="89000"/>
               </a:lnSpc>
-              <a:spcBef>
-                <a:spcPts val="1001"/>
-              </a:spcBef>
-              <a:spcAft>
-                <a:spcPts val="201"/>
-              </a:spcAft>
-              <a:buClr>
-                <a:srgbClr val="191b0e"/>
-              </a:buClr>
-              <a:buFont typeface="Franklin Gothic Book"/>
-              <a:buChar char="■"/>
             </a:pPr>
             <a:r>
-              <a:rPr b="0" lang="de-DE" sz="2000" spc="-1" strike="noStrike">
+              <a:rPr b="0" lang="de-DE" sz="4400" spc="-1" strike="noStrike">
                 <a:solidFill>
                   <a:srgbClr val="191b0e"/>
                 </a:solidFill>
                 <a:latin typeface="Franklin Gothic Book"/>
               </a:rPr>
-              <a:t>Idee</a:t>
+              <a:t>Verbesserung und Erweiterung</a:t>
             </a:r>
-            <a:endParaRPr b="0" lang="en-US" sz="2000" spc="-1" strike="noStrike">
-              <a:latin typeface="Arial"/>
-            </a:endParaRPr>
-          </a:p>
-          <a:p>
-            <a:pPr marL="384120" indent="-383400">
-              <a:lnSpc>
-                <a:spcPct val="94000"/>
-              </a:lnSpc>
-              <a:spcBef>
-                <a:spcPts val="1001"/>
-              </a:spcBef>
-              <a:spcAft>
-                <a:spcPts val="201"/>
-              </a:spcAft>
-              <a:buClr>
-                <a:srgbClr val="191b0e"/>
-              </a:buClr>
-              <a:buFont typeface="Franklin Gothic Book"/>
-              <a:buChar char="■"/>
-            </a:pPr>
-            <a:r>
-              <a:rPr b="0" lang="de-DE" sz="2000" spc="-1" strike="noStrike">
-                <a:solidFill>
-                  <a:srgbClr val="191b0e"/>
-                </a:solidFill>
-                <a:latin typeface="Franklin Gothic Book"/>
-              </a:rPr>
-              <a:t>Anforderungen</a:t>
-            </a:r>
-            <a:endParaRPr b="0" lang="en-US" sz="2000" spc="-1" strike="noStrike">
-              <a:latin typeface="Arial"/>
-            </a:endParaRPr>
-          </a:p>
-          <a:p>
-            <a:pPr marL="384120" indent="-383400">
-              <a:lnSpc>
-                <a:spcPct val="94000"/>
-              </a:lnSpc>
-              <a:spcBef>
-                <a:spcPts val="1001"/>
-              </a:spcBef>
-              <a:spcAft>
-                <a:spcPts val="201"/>
-              </a:spcAft>
-              <a:buClr>
-                <a:srgbClr val="191b0e"/>
-              </a:buClr>
-              <a:buFont typeface="Franklin Gothic Book"/>
-              <a:buChar char="■"/>
-            </a:pPr>
-            <a:r>
-              <a:rPr b="0" lang="de-DE" sz="2000" spc="-1" strike="noStrike">
-                <a:solidFill>
-                  <a:srgbClr val="191b0e"/>
-                </a:solidFill>
-                <a:latin typeface="Franklin Gothic Book"/>
-              </a:rPr>
-              <a:t>Aufbau</a:t>
-            </a:r>
-            <a:endParaRPr b="0" lang="en-US" sz="2000" spc="-1" strike="noStrike">
-              <a:latin typeface="Arial"/>
-            </a:endParaRPr>
-          </a:p>
-          <a:p>
-            <a:pPr marL="384120" indent="-383400">
-              <a:lnSpc>
-                <a:spcPct val="94000"/>
-              </a:lnSpc>
-              <a:spcBef>
-                <a:spcPts val="1001"/>
-              </a:spcBef>
-              <a:spcAft>
-                <a:spcPts val="201"/>
-              </a:spcAft>
-              <a:buClr>
-                <a:srgbClr val="191b0e"/>
-              </a:buClr>
-              <a:buFont typeface="Franklin Gothic Book"/>
-              <a:buChar char="■"/>
-            </a:pPr>
-            <a:r>
-              <a:rPr b="0" lang="de-DE" sz="2000" spc="-1" strike="noStrike">
-                <a:solidFill>
-                  <a:srgbClr val="191b0e"/>
-                </a:solidFill>
-                <a:latin typeface="Franklin Gothic Book"/>
-              </a:rPr>
-              <a:t>Verwendete Technologien</a:t>
-            </a:r>
-            <a:endParaRPr b="0" lang="en-US" sz="2000" spc="-1" strike="noStrike">
-              <a:latin typeface="Arial"/>
-            </a:endParaRPr>
-          </a:p>
-          <a:p>
-            <a:pPr marL="384120" indent="-383400">
-              <a:lnSpc>
-                <a:spcPct val="94000"/>
-              </a:lnSpc>
-              <a:spcBef>
-                <a:spcPts val="1001"/>
-              </a:spcBef>
-              <a:spcAft>
-                <a:spcPts val="201"/>
-              </a:spcAft>
-              <a:buClr>
-                <a:srgbClr val="191b0e"/>
-              </a:buClr>
-              <a:buFont typeface="Franklin Gothic Book"/>
-              <a:buChar char="■"/>
-            </a:pPr>
-            <a:r>
-              <a:rPr b="0" lang="de-DE" sz="2000" spc="-1" strike="noStrike">
-                <a:solidFill>
-                  <a:srgbClr val="191b0e"/>
-                </a:solidFill>
-                <a:latin typeface="Franklin Gothic Book"/>
-              </a:rPr>
-              <a:t>Webseite</a:t>
-            </a:r>
-            <a:endParaRPr b="0" lang="en-US" sz="2000" spc="-1" strike="noStrike">
+            <a:endParaRPr b="0" lang="en-US" sz="4400" spc="-1" strike="noStrike">
               <a:latin typeface="Arial"/>
             </a:endParaRPr>
           </a:p>
@@ -8846,8 +10082,8 @@
       </p:grpSpPr>
       <p:sp>
         <p:nvSpPr>
-          <p:cNvPr id="174" name="CustomShape 1"/>
-          <p:cNvSpPr/>
+          <p:cNvPr id="211" name="TextShape 1"/>
+          <p:cNvSpPr txBox="1"/>
           <p:nvPr/>
         </p:nvSpPr>
         <p:spPr>
@@ -8863,30 +10099,17 @@
             <a:noFill/>
           </a:ln>
         </p:spPr>
-        <p:style>
-          <a:lnRef idx="0"/>
-          <a:fillRef idx="0"/>
-          <a:effectRef idx="0"/>
-          <a:fontRef idx="minor"/>
-        </p:style>
-        <p:txBody>
-          <a:bodyPr lIns="90000" rIns="90000" tIns="45000" bIns="45000">
+        <p:txBody>
+          <a:bodyPr lIns="0" rIns="0" tIns="0" bIns="0" anchor="ctr">
             <a:noAutofit/>
           </a:bodyPr>
           <a:p>
-            <a:pPr>
-              <a:lnSpc>
-                <a:spcPct val="89000"/>
-              </a:lnSpc>
-            </a:pPr>
+            <a:pPr algn="ctr"/>
             <a:r>
-              <a:rPr b="0" lang="de-DE" sz="4400" spc="-1" strike="noStrike">
-                <a:solidFill>
-                  <a:srgbClr val="191b0e"/>
-                </a:solidFill>
-                <a:latin typeface="Franklin Gothic Book"/>
+              <a:rPr b="0" lang="en-US" sz="4400" spc="-1" strike="noStrike">
+                <a:latin typeface="Arial"/>
               </a:rPr>
-              <a:t>Impressum</a:t>
+              <a:t>Login und Registrierung</a:t>
             </a:r>
             <a:endParaRPr b="0" lang="en-US" sz="4400" spc="-1" strike="noStrike">
               <a:latin typeface="Arial"/>
@@ -8896,33 +10119,7 @@
       </p:sp>
       <p:sp>
         <p:nvSpPr>
-          <p:cNvPr id="175" name="CustomShape 2"/>
-          <p:cNvSpPr/>
-          <p:nvPr/>
-        </p:nvSpPr>
-        <p:spPr>
-          <a:xfrm>
-            <a:off x="1371600" y="2286000"/>
-            <a:ext cx="9600480" cy="3580560"/>
-          </a:xfrm>
-          <a:prstGeom prst="rect">
-            <a:avLst/>
-          </a:prstGeom>
-          <a:noFill/>
-          <a:ln>
-            <a:noFill/>
-          </a:ln>
-        </p:spPr>
-        <p:style>
-          <a:lnRef idx="0"/>
-          <a:fillRef idx="0"/>
-          <a:effectRef idx="0"/>
-          <a:fontRef idx="minor"/>
-        </p:style>
-      </p:sp>
-      <p:sp>
-        <p:nvSpPr>
-          <p:cNvPr id="176" name="CustomShape 3"/>
+          <p:cNvPr id="212" name="CustomShape 2"/>
           <p:cNvSpPr/>
           <p:nvPr/>
         </p:nvSpPr>
@@ -8973,7 +10170,7 @@
                 </a:solidFill>
                 <a:latin typeface="Franklin Gothic Book"/>
               </a:rPr>
-              <a:t>Idee</a:t>
+              <a:t>Registrierte Nutzer sollen in Datenbank gespeichert werden</a:t>
             </a:r>
             <a:endParaRPr b="0" lang="en-US" sz="2000" spc="-1" strike="noStrike">
               <a:latin typeface="Arial"/>
@@ -9003,97 +10200,7 @@
                 </a:solidFill>
                 <a:latin typeface="Franklin Gothic Book"/>
               </a:rPr>
-              <a:t>Anforderungen</a:t>
-            </a:r>
-            <a:endParaRPr b="0" lang="en-US" sz="2000" spc="-1" strike="noStrike">
-              <a:latin typeface="Arial"/>
-            </a:endParaRPr>
-          </a:p>
-          <a:p>
-            <a:pPr marL="384120" indent="-383400">
-              <a:lnSpc>
-                <a:spcPct val="94000"/>
-              </a:lnSpc>
-              <a:spcBef>
-                <a:spcPts val="1001"/>
-              </a:spcBef>
-              <a:spcAft>
-                <a:spcPts val="201"/>
-              </a:spcAft>
-              <a:buClr>
-                <a:srgbClr val="191b0e"/>
-              </a:buClr>
-              <a:buFont typeface="Franklin Gothic Book"/>
-              <a:buChar char="■"/>
-            </a:pPr>
-            <a:r>
-              <a:rPr b="0" lang="de-DE" sz="2000" spc="-1" strike="noStrike">
-                <a:solidFill>
-                  <a:srgbClr val="191b0e"/>
-                </a:solidFill>
-                <a:latin typeface="Franklin Gothic Book"/>
-              </a:rPr>
-              <a:t>Aufbau</a:t>
-            </a:r>
-            <a:endParaRPr b="0" lang="en-US" sz="2000" spc="-1" strike="noStrike">
-              <a:latin typeface="Arial"/>
-            </a:endParaRPr>
-          </a:p>
-          <a:p>
-            <a:pPr marL="384120" indent="-383400">
-              <a:lnSpc>
-                <a:spcPct val="94000"/>
-              </a:lnSpc>
-              <a:spcBef>
-                <a:spcPts val="1001"/>
-              </a:spcBef>
-              <a:spcAft>
-                <a:spcPts val="201"/>
-              </a:spcAft>
-              <a:buClr>
-                <a:srgbClr val="191b0e"/>
-              </a:buClr>
-              <a:buFont typeface="Franklin Gothic Book"/>
-              <a:buChar char="■"/>
-            </a:pPr>
-            <a:r>
-              <a:rPr b="0" lang="de-DE" sz="2000" spc="-1" strike="noStrike">
-                <a:solidFill>
-                  <a:srgbClr val="191b0e"/>
-                </a:solidFill>
-                <a:latin typeface="Franklin Gothic Book"/>
-              </a:rPr>
-              <a:t>Verwendete Technologien</a:t>
-            </a:r>
-            <a:endParaRPr b="0" lang="en-US" sz="2000" spc="-1" strike="noStrike">
-              <a:latin typeface="Arial"/>
-            </a:endParaRPr>
-          </a:p>
-          <a:p>
-            <a:pPr marL="384120" indent="-383400">
-              <a:lnSpc>
-                <a:spcPct val="94000"/>
-              </a:lnSpc>
-              <a:spcBef>
-                <a:spcPts val="1001"/>
-              </a:spcBef>
-              <a:spcAft>
-                <a:spcPts val="201"/>
-              </a:spcAft>
-              <a:buClr>
-                <a:srgbClr val="191b0e"/>
-              </a:buClr>
-              <a:buFont typeface="Franklin Gothic Book"/>
-              <a:buChar char="■"/>
-            </a:pPr>
-            <a:r>
-              <a:rPr b="0" lang="de-DE" sz="2000" spc="-1" strike="noStrike">
-                <a:solidFill>
-                  <a:srgbClr val="191b0e"/>
-                </a:solidFill>
-                <a:latin typeface="Franklin Gothic Book"/>
-              </a:rPr>
-              <a:t>Webseite</a:t>
+              <a:t>Nutzer sollen Texte Abspeichern und Abrufen können</a:t>
             </a:r>
             <a:endParaRPr b="0" lang="en-US" sz="2000" spc="-1" strike="noStrike">
               <a:latin typeface="Arial"/>
@@ -10016,4 +11123,230 @@
     </a:fmtScheme>
   </a:themeElements>
 </a:theme>
+</file>
+
+<file path=ppt/theme/theme5.xml><?xml version="1.0" encoding="utf-8"?>
+<a:theme xmlns:a="http://schemas.openxmlformats.org/drawingml/2006/main" name="Office Theme">
+  <a:themeElements>
+    <a:clrScheme name="Office">
+      <a:dk1>
+        <a:sysClr val="windowText" lastClr="000000"/>
+      </a:dk1>
+      <a:lt1>
+        <a:sysClr val="window" lastClr="FFFFFF"/>
+      </a:lt1>
+      <a:dk2>
+        <a:srgbClr val="191b0e"/>
+      </a:dk2>
+      <a:lt2>
+        <a:srgbClr val="efede3"/>
+      </a:lt2>
+      <a:accent1>
+        <a:srgbClr val="8c8d86"/>
+      </a:accent1>
+      <a:accent2>
+        <a:srgbClr val="e6c069"/>
+      </a:accent2>
+      <a:accent3>
+        <a:srgbClr val="897b61"/>
+      </a:accent3>
+      <a:accent4>
+        <a:srgbClr val="8dab8e"/>
+      </a:accent4>
+      <a:accent5>
+        <a:srgbClr val="77a2bb"/>
+      </a:accent5>
+      <a:accent6>
+        <a:srgbClr val="e28394"/>
+      </a:accent6>
+      <a:hlink>
+        <a:srgbClr val="77a2bb"/>
+      </a:hlink>
+      <a:folHlink>
+        <a:srgbClr val="957a99"/>
+      </a:folHlink>
+    </a:clrScheme>
+    <a:fontScheme name="Office">
+      <a:majorFont>
+        <a:latin typeface="Arial"/>
+        <a:ea typeface="DejaVu Sans"/>
+        <a:cs typeface="DejaVu Sans"/>
+      </a:majorFont>
+      <a:minorFont>
+        <a:latin typeface="Arial"/>
+        <a:ea typeface="DejaVu Sans"/>
+        <a:cs typeface="DejaVu Sans"/>
+      </a:minorFont>
+    </a:fontScheme>
+    <a:fmtScheme name="Office">
+      <a:fillStyleLst>
+        <a:solidFill>
+          <a:schemeClr val="phClr"/>
+        </a:solidFill>
+        <a:gradFill rotWithShape="1">
+          <a:gsLst>
+            <a:gs pos="0">
+              <a:schemeClr val="phClr">
+                <a:tint val="50000"/>
+                <a:satMod val="300000"/>
+              </a:schemeClr>
+            </a:gs>
+            <a:gs pos="35000">
+              <a:schemeClr val="phClr">
+                <a:tint val="37000"/>
+                <a:satMod val="300000"/>
+              </a:schemeClr>
+            </a:gs>
+            <a:gs pos="100000">
+              <a:schemeClr val="phClr">
+                <a:tint val="15000"/>
+                <a:satMod val="350000"/>
+              </a:schemeClr>
+            </a:gs>
+          </a:gsLst>
+          <a:lin ang="16200000" scaled="1"/>
+        </a:gradFill>
+        <a:gradFill rotWithShape="1">
+          <a:gsLst>
+            <a:gs pos="0">
+              <a:schemeClr val="phClr">
+                <a:shade val="51000"/>
+                <a:satMod val="130000"/>
+              </a:schemeClr>
+            </a:gs>
+            <a:gs pos="80000">
+              <a:schemeClr val="phClr">
+                <a:shade val="93000"/>
+                <a:satMod val="130000"/>
+              </a:schemeClr>
+            </a:gs>
+            <a:gs pos="100000">
+              <a:schemeClr val="phClr">
+                <a:shade val="94000"/>
+                <a:satMod val="135000"/>
+              </a:schemeClr>
+            </a:gs>
+          </a:gsLst>
+          <a:lin ang="16200000" scaled="0"/>
+        </a:gradFill>
+      </a:fillStyleLst>
+      <a:lnStyleLst>
+        <a:ln w="9525" cap="flat" cmpd="sng" algn="ctr">
+          <a:solidFill>
+            <a:schemeClr val="phClr">
+              <a:shade val="95000"/>
+              <a:satMod val="105000"/>
+            </a:schemeClr>
+          </a:solidFill>
+          <a:prstDash val="solid"/>
+          <a:miter/>
+        </a:ln>
+        <a:ln w="25400" cap="flat" cmpd="sng" algn="ctr">
+          <a:solidFill>
+            <a:schemeClr val="phClr"/>
+          </a:solidFill>
+          <a:prstDash val="solid"/>
+          <a:miter/>
+        </a:ln>
+        <a:ln w="38100" cap="flat" cmpd="sng" algn="ctr">
+          <a:solidFill>
+            <a:schemeClr val="phClr"/>
+          </a:solidFill>
+          <a:prstDash val="solid"/>
+          <a:miter/>
+        </a:ln>
+      </a:lnStyleLst>
+      <a:effectStyleLst>
+        <a:effectStyle>
+          <a:effectLst>
+            <a:outerShdw blurRad="40000" dist="20000" dir="5400000" rotWithShape="0">
+              <a:srgbClr val="000000">
+                <a:alpha val="38000"/>
+              </a:srgbClr>
+            </a:outerShdw>
+          </a:effectLst>
+        </a:effectStyle>
+        <a:effectStyle>
+          <a:effectLst>
+            <a:outerShdw blurRad="40000" dist="23000" dir="5400000" rotWithShape="0">
+              <a:srgbClr val="000000">
+                <a:alpha val="35000"/>
+              </a:srgbClr>
+            </a:outerShdw>
+          </a:effectLst>
+        </a:effectStyle>
+        <a:effectStyle>
+          <a:effectLst>
+            <a:outerShdw blurRad="40000" dist="23000" dir="5400000" rotWithShape="0">
+              <a:srgbClr val="000000">
+                <a:alpha val="35000"/>
+              </a:srgbClr>
+            </a:outerShdw>
+          </a:effectLst>
+          <a:scene3d>
+            <a:camera prst="orthographicFront">
+              <a:rot lat="0" lon="0" rev="0"/>
+            </a:camera>
+            <a:lightRig rig="threePt" dir="t">
+              <a:rot lat="0" lon="0" rev="1200000"/>
+            </a:lightRig>
+          </a:scene3d>
+          <a:sp3d>
+            <a:bevelT w="63500" h="25400"/>
+          </a:sp3d>
+        </a:effectStyle>
+      </a:effectStyleLst>
+      <a:bgFillStyleLst>
+        <a:solidFill>
+          <a:schemeClr val="phClr"/>
+        </a:solidFill>
+        <a:gradFill rotWithShape="1">
+          <a:gsLst>
+            <a:gs pos="0">
+              <a:schemeClr val="phClr">
+                <a:tint val="40000"/>
+                <a:satMod val="350000"/>
+              </a:schemeClr>
+            </a:gs>
+            <a:gs pos="40000">
+              <a:schemeClr val="phClr">
+                <a:tint val="45000"/>
+                <a:shade val="99000"/>
+                <a:satMod val="350000"/>
+              </a:schemeClr>
+            </a:gs>
+            <a:gs pos="100000">
+              <a:schemeClr val="phClr">
+                <a:shade val="20000"/>
+                <a:satMod val="255000"/>
+              </a:schemeClr>
+            </a:gs>
+          </a:gsLst>
+          <a:path path="circle">
+            <a:fillToRect l="50000" t="-80000" r="50000" b="180000"/>
+          </a:path>
+        </a:gradFill>
+        <a:gradFill rotWithShape="1">
+          <a:gsLst>
+            <a:gs pos="0">
+              <a:schemeClr val="phClr">
+                <a:tint val="80000"/>
+                <a:satMod val="300000"/>
+              </a:schemeClr>
+            </a:gs>
+            <a:gs pos="100000">
+              <a:schemeClr val="phClr">
+                <a:shade val="30000"/>
+                <a:satMod val="200000"/>
+              </a:schemeClr>
+            </a:gs>
+          </a:gsLst>
+          <a:path path="circle">
+            <a:fillToRect l="50000" t="50000" r="50000" b="50000"/>
+          </a:path>
+        </a:gradFill>
+      </a:bgFillStyleLst>
+    </a:fmtScheme>
+  </a:themeElements>
+</a:theme>
 </file>
--- a/presentation_WordCounter.pptx
+++ b/presentation_WordCounter.pptx
@@ -1,33 +1,128 @@
 
 <file path=ppt/presentation.xml><?xml version="1.0" encoding="utf-8"?>
-<p:presentation xmlns:a="http://schemas.openxmlformats.org/drawingml/2006/main" xmlns:p="http://schemas.openxmlformats.org/presentationml/2006/main" xmlns:r="http://schemas.openxmlformats.org/officeDocument/2006/relationships" xmlns:p14="http://schemas.microsoft.com/office/powerpoint/2010/main" xmlns:p15="http://schemas.microsoft.com/office/powerpoint/2012/main" xmlns:mc="http://schemas.openxmlformats.org/markup-compatibility/2006">
+<p:presentation xmlns:a="http://schemas.openxmlformats.org/drawingml/2006/main" xmlns:r="http://schemas.openxmlformats.org/officeDocument/2006/relationships" xmlns:p="http://schemas.openxmlformats.org/presentationml/2006/main">
   <p:sldMasterIdLst>
-    <p:sldMasterId id="2147483648" r:id="rId2"/>
-    <p:sldMasterId id="2147483661" r:id="rId3"/>
-    <p:sldMasterId id="2147483674" r:id="rId4"/>
-    <p:sldMasterId id="2147483687" r:id="rId5"/>
-    <p:sldMasterId id="2147483700" r:id="rId6"/>
+    <p:sldMasterId id="2147483648" r:id="rId1"/>
+    <p:sldMasterId id="2147483661" r:id="rId2"/>
+    <p:sldMasterId id="2147483674" r:id="rId3"/>
+    <p:sldMasterId id="2147483687" r:id="rId4"/>
+    <p:sldMasterId id="2147483700" r:id="rId5"/>
   </p:sldMasterIdLst>
   <p:sldIdLst>
-    <p:sldId id="256" r:id="rId7"/>
-    <p:sldId id="257" r:id="rId8"/>
-    <p:sldId id="258" r:id="rId9"/>
-    <p:sldId id="259" r:id="rId10"/>
-    <p:sldId id="260" r:id="rId11"/>
-    <p:sldId id="261" r:id="rId12"/>
-    <p:sldId id="262" r:id="rId13"/>
-    <p:sldId id="263" r:id="rId14"/>
-    <p:sldId id="264" r:id="rId15"/>
-    <p:sldId id="265" r:id="rId16"/>
-    <p:sldId id="266" r:id="rId17"/>
+    <p:sldId id="256" r:id="rId6"/>
+    <p:sldId id="257" r:id="rId7"/>
+    <p:sldId id="258" r:id="rId8"/>
+    <p:sldId id="259" r:id="rId9"/>
+    <p:sldId id="260" r:id="rId10"/>
+    <p:sldId id="261" r:id="rId11"/>
+    <p:sldId id="262" r:id="rId12"/>
+    <p:sldId id="263" r:id="rId13"/>
+    <p:sldId id="264" r:id="rId14"/>
+    <p:sldId id="265" r:id="rId15"/>
+    <p:sldId id="266" r:id="rId16"/>
   </p:sldIdLst>
   <p:sldSz cx="12192000" cy="6858000"/>
-  <p:notesSz cx="7559675" cy="10691812"/>
+  <p:notesSz cx="7559675" cy="10691813"/>
+  <p:defaultTextStyle>
+    <a:defPPr>
+      <a:defRPr lang="de-DE"/>
+    </a:defPPr>
+    <a:lvl1pPr marL="0" algn="l" defTabSz="914400" rtl="0" eaLnBrk="1" latinLnBrk="0" hangingPunct="1">
+      <a:defRPr sz="1800" kern="1200">
+        <a:solidFill>
+          <a:schemeClr val="tx1"/>
+        </a:solidFill>
+        <a:latin typeface="+mn-lt"/>
+        <a:ea typeface="+mn-ea"/>
+        <a:cs typeface="+mn-cs"/>
+      </a:defRPr>
+    </a:lvl1pPr>
+    <a:lvl2pPr marL="457200" algn="l" defTabSz="914400" rtl="0" eaLnBrk="1" latinLnBrk="0" hangingPunct="1">
+      <a:defRPr sz="1800" kern="1200">
+        <a:solidFill>
+          <a:schemeClr val="tx1"/>
+        </a:solidFill>
+        <a:latin typeface="+mn-lt"/>
+        <a:ea typeface="+mn-ea"/>
+        <a:cs typeface="+mn-cs"/>
+      </a:defRPr>
+    </a:lvl2pPr>
+    <a:lvl3pPr marL="914400" algn="l" defTabSz="914400" rtl="0" eaLnBrk="1" latinLnBrk="0" hangingPunct="1">
+      <a:defRPr sz="1800" kern="1200">
+        <a:solidFill>
+          <a:schemeClr val="tx1"/>
+        </a:solidFill>
+        <a:latin typeface="+mn-lt"/>
+        <a:ea typeface="+mn-ea"/>
+        <a:cs typeface="+mn-cs"/>
+      </a:defRPr>
+    </a:lvl3pPr>
+    <a:lvl4pPr marL="1371600" algn="l" defTabSz="914400" rtl="0" eaLnBrk="1" latinLnBrk="0" hangingPunct="1">
+      <a:defRPr sz="1800" kern="1200">
+        <a:solidFill>
+          <a:schemeClr val="tx1"/>
+        </a:solidFill>
+        <a:latin typeface="+mn-lt"/>
+        <a:ea typeface="+mn-ea"/>
+        <a:cs typeface="+mn-cs"/>
+      </a:defRPr>
+    </a:lvl4pPr>
+    <a:lvl5pPr marL="1828800" algn="l" defTabSz="914400" rtl="0" eaLnBrk="1" latinLnBrk="0" hangingPunct="1">
+      <a:defRPr sz="1800" kern="1200">
+        <a:solidFill>
+          <a:schemeClr val="tx1"/>
+        </a:solidFill>
+        <a:latin typeface="+mn-lt"/>
+        <a:ea typeface="+mn-ea"/>
+        <a:cs typeface="+mn-cs"/>
+      </a:defRPr>
+    </a:lvl5pPr>
+    <a:lvl6pPr marL="2286000" algn="l" defTabSz="914400" rtl="0" eaLnBrk="1" latinLnBrk="0" hangingPunct="1">
+      <a:defRPr sz="1800" kern="1200">
+        <a:solidFill>
+          <a:schemeClr val="tx1"/>
+        </a:solidFill>
+        <a:latin typeface="+mn-lt"/>
+        <a:ea typeface="+mn-ea"/>
+        <a:cs typeface="+mn-cs"/>
+      </a:defRPr>
+    </a:lvl6pPr>
+    <a:lvl7pPr marL="2743200" algn="l" defTabSz="914400" rtl="0" eaLnBrk="1" latinLnBrk="0" hangingPunct="1">
+      <a:defRPr sz="1800" kern="1200">
+        <a:solidFill>
+          <a:schemeClr val="tx1"/>
+        </a:solidFill>
+        <a:latin typeface="+mn-lt"/>
+        <a:ea typeface="+mn-ea"/>
+        <a:cs typeface="+mn-cs"/>
+      </a:defRPr>
+    </a:lvl7pPr>
+    <a:lvl8pPr marL="3200400" algn="l" defTabSz="914400" rtl="0" eaLnBrk="1" latinLnBrk="0" hangingPunct="1">
+      <a:defRPr sz="1800" kern="1200">
+        <a:solidFill>
+          <a:schemeClr val="tx1"/>
+        </a:solidFill>
+        <a:latin typeface="+mn-lt"/>
+        <a:ea typeface="+mn-ea"/>
+        <a:cs typeface="+mn-cs"/>
+      </a:defRPr>
+    </a:lvl8pPr>
+    <a:lvl9pPr marL="3657600" algn="l" defTabSz="914400" rtl="0" eaLnBrk="1" latinLnBrk="0" hangingPunct="1">
+      <a:defRPr sz="1800" kern="1200">
+        <a:solidFill>
+          <a:schemeClr val="tx1"/>
+        </a:solidFill>
+        <a:latin typeface="+mn-lt"/>
+        <a:ea typeface="+mn-ea"/>
+        <a:cs typeface="+mn-cs"/>
+      </a:defRPr>
+    </a:lvl9pPr>
+  </p:defaultTextStyle>
 </p:presentation>
 </file>
 
 <file path=ppt/slideLayouts/slideLayout1.xml><?xml version="1.0" encoding="utf-8"?>
-<p:sldLayout xmlns:a="http://schemas.openxmlformats.org/drawingml/2006/main" xmlns:p="http://schemas.openxmlformats.org/presentationml/2006/main" xmlns:r="http://schemas.openxmlformats.org/officeDocument/2006/relationships" xmlns:p14="http://schemas.microsoft.com/office/powerpoint/2010/main" xmlns:p15="http://schemas.microsoft.com/office/powerpoint/2012/main" xmlns:mc="http://schemas.openxmlformats.org/markup-compatibility/2006" type="blank" preserve="1">
+<p:sldLayout xmlns:a="http://schemas.openxmlformats.org/drawingml/2006/main" xmlns:r="http://schemas.openxmlformats.org/officeDocument/2006/relationships" xmlns:p="http://schemas.openxmlformats.org/presentationml/2006/main" type="blank" preserve="1">
   <p:cSld name="Blank Slide">
     <p:spTree>
       <p:nvGrpSpPr>
@@ -45,11 +140,14 @@
       </p:grpSpPr>
     </p:spTree>
   </p:cSld>
+  <p:clrMapOvr>
+    <a:masterClrMapping/>
+  </p:clrMapOvr>
 </p:sldLayout>
 </file>
 
 <file path=ppt/slideLayouts/slideLayout10.xml><?xml version="1.0" encoding="utf-8"?>
-<p:sldLayout xmlns:a="http://schemas.openxmlformats.org/drawingml/2006/main" xmlns:p="http://schemas.openxmlformats.org/presentationml/2006/main" xmlns:r="http://schemas.openxmlformats.org/officeDocument/2006/relationships" xmlns:p14="http://schemas.microsoft.com/office/powerpoint/2010/main" xmlns:p15="http://schemas.microsoft.com/office/powerpoint/2012/main" xmlns:mc="http://schemas.openxmlformats.org/markup-compatibility/2006" type="objOverTx" preserve="1">
+<p:sldLayout xmlns:a="http://schemas.openxmlformats.org/drawingml/2006/main" xmlns:r="http://schemas.openxmlformats.org/officeDocument/2006/relationships" xmlns:p="http://schemas.openxmlformats.org/presentationml/2006/main" type="objOverTx" preserve="1">
   <p:cSld name="Title, Content over Content">
     <p:spTree>
       <p:nvGrpSpPr>
@@ -85,12 +183,13 @@
           </a:prstGeom>
         </p:spPr>
         <p:txBody>
-          <a:bodyPr lIns="0" rIns="0" tIns="0" bIns="0" anchor="ctr">
+          <a:bodyPr lIns="0" tIns="0" rIns="0" bIns="0" anchor="ctr">
             <a:noAutofit/>
           </a:bodyPr>
+          <a:lstStyle/>
           <a:p>
             <a:pPr algn="ctr"/>
-            <a:endParaRPr b="0" lang="en-US" sz="4400" spc="-1" strike="noStrike">
+            <a:endParaRPr lang="en-US" sz="4400" b="0" strike="noStrike" spc="-1">
               <a:latin typeface="Arial"/>
             </a:endParaRPr>
           </a:p>
@@ -116,11 +215,12 @@
           </a:prstGeom>
         </p:spPr>
         <p:txBody>
-          <a:bodyPr lIns="0" rIns="0" tIns="0" bIns="0">
+          <a:bodyPr lIns="0" tIns="0" rIns="0" bIns="0">
             <a:normAutofit/>
           </a:bodyPr>
-          <a:p>
-            <a:endParaRPr b="0" lang="en-US" sz="3200" spc="-1" strike="noStrike">
+          <a:lstStyle/>
+          <a:p>
+            <a:endParaRPr lang="en-US" sz="3200" b="0" strike="noStrike" spc="-1">
               <a:latin typeface="Arial"/>
             </a:endParaRPr>
           </a:p>
@@ -146,11 +246,12 @@
           </a:prstGeom>
         </p:spPr>
         <p:txBody>
-          <a:bodyPr lIns="0" rIns="0" tIns="0" bIns="0">
+          <a:bodyPr lIns="0" tIns="0" rIns="0" bIns="0">
             <a:normAutofit/>
           </a:bodyPr>
-          <a:p>
-            <a:endParaRPr b="0" lang="en-US" sz="3200" spc="-1" strike="noStrike">
+          <a:lstStyle/>
+          <a:p>
+            <a:endParaRPr lang="en-US" sz="3200" b="0" strike="noStrike" spc="-1">
               <a:latin typeface="Arial"/>
             </a:endParaRPr>
           </a:p>
@@ -158,11 +259,14 @@
       </p:sp>
     </p:spTree>
   </p:cSld>
+  <p:clrMapOvr>
+    <a:masterClrMapping/>
+  </p:clrMapOvr>
 </p:sldLayout>
 </file>
 
 <file path=ppt/slideLayouts/slideLayout11.xml><?xml version="1.0" encoding="utf-8"?>
-<p:sldLayout xmlns:a="http://schemas.openxmlformats.org/drawingml/2006/main" xmlns:p="http://schemas.openxmlformats.org/presentationml/2006/main" xmlns:r="http://schemas.openxmlformats.org/officeDocument/2006/relationships" xmlns:p14="http://schemas.microsoft.com/office/powerpoint/2010/main" xmlns:p15="http://schemas.microsoft.com/office/powerpoint/2012/main" xmlns:mc="http://schemas.openxmlformats.org/markup-compatibility/2006" type="fourObj" preserve="1">
+<p:sldLayout xmlns:a="http://schemas.openxmlformats.org/drawingml/2006/main" xmlns:r="http://schemas.openxmlformats.org/officeDocument/2006/relationships" xmlns:p="http://schemas.openxmlformats.org/presentationml/2006/main" type="fourObj" preserve="1">
   <p:cSld name="Title, 4 Content">
     <p:spTree>
       <p:nvGrpSpPr>
@@ -198,12 +302,13 @@
           </a:prstGeom>
         </p:spPr>
         <p:txBody>
-          <a:bodyPr lIns="0" rIns="0" tIns="0" bIns="0" anchor="ctr">
+          <a:bodyPr lIns="0" tIns="0" rIns="0" bIns="0" anchor="ctr">
             <a:noAutofit/>
           </a:bodyPr>
+          <a:lstStyle/>
           <a:p>
             <a:pPr algn="ctr"/>
-            <a:endParaRPr b="0" lang="en-US" sz="4400" spc="-1" strike="noStrike">
+            <a:endParaRPr lang="en-US" sz="4400" b="0" strike="noStrike" spc="-1">
               <a:latin typeface="Arial"/>
             </a:endParaRPr>
           </a:p>
@@ -229,11 +334,12 @@
           </a:prstGeom>
         </p:spPr>
         <p:txBody>
-          <a:bodyPr lIns="0" rIns="0" tIns="0" bIns="0">
+          <a:bodyPr lIns="0" tIns="0" rIns="0" bIns="0">
             <a:normAutofit/>
           </a:bodyPr>
-          <a:p>
-            <a:endParaRPr b="0" lang="en-US" sz="3200" spc="-1" strike="noStrike">
+          <a:lstStyle/>
+          <a:p>
+            <a:endParaRPr lang="en-US" sz="3200" b="0" strike="noStrike" spc="-1">
               <a:latin typeface="Arial"/>
             </a:endParaRPr>
           </a:p>
@@ -259,11 +365,12 @@
           </a:prstGeom>
         </p:spPr>
         <p:txBody>
-          <a:bodyPr lIns="0" rIns="0" tIns="0" bIns="0">
+          <a:bodyPr lIns="0" tIns="0" rIns="0" bIns="0">
             <a:normAutofit/>
           </a:bodyPr>
-          <a:p>
-            <a:endParaRPr b="0" lang="en-US" sz="3200" spc="-1" strike="noStrike">
+          <a:lstStyle/>
+          <a:p>
+            <a:endParaRPr lang="en-US" sz="3200" b="0" strike="noStrike" spc="-1">
               <a:latin typeface="Arial"/>
             </a:endParaRPr>
           </a:p>
@@ -289,11 +396,12 @@
           </a:prstGeom>
         </p:spPr>
         <p:txBody>
-          <a:bodyPr lIns="0" rIns="0" tIns="0" bIns="0">
+          <a:bodyPr lIns="0" tIns="0" rIns="0" bIns="0">
             <a:normAutofit/>
           </a:bodyPr>
-          <a:p>
-            <a:endParaRPr b="0" lang="en-US" sz="3200" spc="-1" strike="noStrike">
+          <a:lstStyle/>
+          <a:p>
+            <a:endParaRPr lang="en-US" sz="3200" b="0" strike="noStrike" spc="-1">
               <a:latin typeface="Arial"/>
             </a:endParaRPr>
           </a:p>
@@ -319,11 +427,12 @@
           </a:prstGeom>
         </p:spPr>
         <p:txBody>
-          <a:bodyPr lIns="0" rIns="0" tIns="0" bIns="0">
+          <a:bodyPr lIns="0" tIns="0" rIns="0" bIns="0">
             <a:normAutofit/>
           </a:bodyPr>
-          <a:p>
-            <a:endParaRPr b="0" lang="en-US" sz="3200" spc="-1" strike="noStrike">
+          <a:lstStyle/>
+          <a:p>
+            <a:endParaRPr lang="en-US" sz="3200" b="0" strike="noStrike" spc="-1">
               <a:latin typeface="Arial"/>
             </a:endParaRPr>
           </a:p>
@@ -331,11 +440,14 @@
       </p:sp>
     </p:spTree>
   </p:cSld>
+  <p:clrMapOvr>
+    <a:masterClrMapping/>
+  </p:clrMapOvr>
 </p:sldLayout>
 </file>
 
 <file path=ppt/slideLayouts/slideLayout12.xml><?xml version="1.0" encoding="utf-8"?>
-<p:sldLayout xmlns:a="http://schemas.openxmlformats.org/drawingml/2006/main" xmlns:p="http://schemas.openxmlformats.org/presentationml/2006/main" xmlns:r="http://schemas.openxmlformats.org/officeDocument/2006/relationships" xmlns:p14="http://schemas.microsoft.com/office/powerpoint/2010/main" xmlns:p15="http://schemas.microsoft.com/office/powerpoint/2012/main" xmlns:mc="http://schemas.openxmlformats.org/markup-compatibility/2006" type="blank" preserve="1">
+<p:sldLayout xmlns:a="http://schemas.openxmlformats.org/drawingml/2006/main" xmlns:r="http://schemas.openxmlformats.org/officeDocument/2006/relationships" xmlns:p="http://schemas.openxmlformats.org/presentationml/2006/main" type="blank" preserve="1">
   <p:cSld name="Title, 6 Content">
     <p:spTree>
       <p:nvGrpSpPr>
@@ -371,12 +483,13 @@
           </a:prstGeom>
         </p:spPr>
         <p:txBody>
-          <a:bodyPr lIns="0" rIns="0" tIns="0" bIns="0" anchor="ctr">
+          <a:bodyPr lIns="0" tIns="0" rIns="0" bIns="0" anchor="ctr">
             <a:noAutofit/>
           </a:bodyPr>
+          <a:lstStyle/>
           <a:p>
             <a:pPr algn="ctr"/>
-            <a:endParaRPr b="0" lang="en-US" sz="4400" spc="-1" strike="noStrike">
+            <a:endParaRPr lang="en-US" sz="4400" b="0" strike="noStrike" spc="-1">
               <a:latin typeface="Arial"/>
             </a:endParaRPr>
           </a:p>
@@ -402,11 +515,12 @@
           </a:prstGeom>
         </p:spPr>
         <p:txBody>
-          <a:bodyPr lIns="0" rIns="0" tIns="0" bIns="0">
+          <a:bodyPr lIns="0" tIns="0" rIns="0" bIns="0">
             <a:normAutofit/>
           </a:bodyPr>
-          <a:p>
-            <a:endParaRPr b="0" lang="en-US" sz="3200" spc="-1" strike="noStrike">
+          <a:lstStyle/>
+          <a:p>
+            <a:endParaRPr lang="en-US" sz="3200" b="0" strike="noStrike" spc="-1">
               <a:latin typeface="Arial"/>
             </a:endParaRPr>
           </a:p>
@@ -432,11 +546,12 @@
           </a:prstGeom>
         </p:spPr>
         <p:txBody>
-          <a:bodyPr lIns="0" rIns="0" tIns="0" bIns="0">
+          <a:bodyPr lIns="0" tIns="0" rIns="0" bIns="0">
             <a:normAutofit/>
           </a:bodyPr>
-          <a:p>
-            <a:endParaRPr b="0" lang="en-US" sz="3200" spc="-1" strike="noStrike">
+          <a:lstStyle/>
+          <a:p>
+            <a:endParaRPr lang="en-US" sz="3200" b="0" strike="noStrike" spc="-1">
               <a:latin typeface="Arial"/>
             </a:endParaRPr>
           </a:p>
@@ -462,11 +577,12 @@
           </a:prstGeom>
         </p:spPr>
         <p:txBody>
-          <a:bodyPr lIns="0" rIns="0" tIns="0" bIns="0">
+          <a:bodyPr lIns="0" tIns="0" rIns="0" bIns="0">
             <a:normAutofit/>
           </a:bodyPr>
-          <a:p>
-            <a:endParaRPr b="0" lang="en-US" sz="3200" spc="-1" strike="noStrike">
+          <a:lstStyle/>
+          <a:p>
+            <a:endParaRPr lang="en-US" sz="3200" b="0" strike="noStrike" spc="-1">
               <a:latin typeface="Arial"/>
             </a:endParaRPr>
           </a:p>
@@ -492,11 +608,12 @@
           </a:prstGeom>
         </p:spPr>
         <p:txBody>
-          <a:bodyPr lIns="0" rIns="0" tIns="0" bIns="0">
+          <a:bodyPr lIns="0" tIns="0" rIns="0" bIns="0">
             <a:normAutofit/>
           </a:bodyPr>
-          <a:p>
-            <a:endParaRPr b="0" lang="en-US" sz="3200" spc="-1" strike="noStrike">
+          <a:lstStyle/>
+          <a:p>
+            <a:endParaRPr lang="en-US" sz="3200" b="0" strike="noStrike" spc="-1">
               <a:latin typeface="Arial"/>
             </a:endParaRPr>
           </a:p>
@@ -522,11 +639,12 @@
           </a:prstGeom>
         </p:spPr>
         <p:txBody>
-          <a:bodyPr lIns="0" rIns="0" tIns="0" bIns="0">
+          <a:bodyPr lIns="0" tIns="0" rIns="0" bIns="0">
             <a:normAutofit/>
           </a:bodyPr>
-          <a:p>
-            <a:endParaRPr b="0" lang="en-US" sz="3200" spc="-1" strike="noStrike">
+          <a:lstStyle/>
+          <a:p>
+            <a:endParaRPr lang="en-US" sz="3200" b="0" strike="noStrike" spc="-1">
               <a:latin typeface="Arial"/>
             </a:endParaRPr>
           </a:p>
@@ -552,11 +670,12 @@
           </a:prstGeom>
         </p:spPr>
         <p:txBody>
-          <a:bodyPr lIns="0" rIns="0" tIns="0" bIns="0">
+          <a:bodyPr lIns="0" tIns="0" rIns="0" bIns="0">
             <a:normAutofit/>
           </a:bodyPr>
-          <a:p>
-            <a:endParaRPr b="0" lang="en-US" sz="3200" spc="-1" strike="noStrike">
+          <a:lstStyle/>
+          <a:p>
+            <a:endParaRPr lang="en-US" sz="3200" b="0" strike="noStrike" spc="-1">
               <a:latin typeface="Arial"/>
             </a:endParaRPr>
           </a:p>
@@ -564,11 +683,14 @@
       </p:sp>
     </p:spTree>
   </p:cSld>
+  <p:clrMapOvr>
+    <a:masterClrMapping/>
+  </p:clrMapOvr>
 </p:sldLayout>
 </file>
 
 <file path=ppt/slideLayouts/slideLayout13.xml><?xml version="1.0" encoding="utf-8"?>
-<p:sldLayout xmlns:a="http://schemas.openxmlformats.org/drawingml/2006/main" xmlns:p="http://schemas.openxmlformats.org/presentationml/2006/main" xmlns:r="http://schemas.openxmlformats.org/officeDocument/2006/relationships" xmlns:p14="http://schemas.microsoft.com/office/powerpoint/2010/main" xmlns:p15="http://schemas.microsoft.com/office/powerpoint/2012/main" xmlns:mc="http://schemas.openxmlformats.org/markup-compatibility/2006" type="blank" preserve="1">
+<p:sldLayout xmlns:a="http://schemas.openxmlformats.org/drawingml/2006/main" xmlns:r="http://schemas.openxmlformats.org/officeDocument/2006/relationships" xmlns:p="http://schemas.openxmlformats.org/presentationml/2006/main" type="blank" preserve="1">
   <p:cSld name="Blank Slide">
     <p:spTree>
       <p:nvGrpSpPr>
@@ -586,11 +708,14 @@
       </p:grpSpPr>
     </p:spTree>
   </p:cSld>
+  <p:clrMapOvr>
+    <a:masterClrMapping/>
+  </p:clrMapOvr>
 </p:sldLayout>
 </file>
 
 <file path=ppt/slideLayouts/slideLayout14.xml><?xml version="1.0" encoding="utf-8"?>
-<p:sldLayout xmlns:a="http://schemas.openxmlformats.org/drawingml/2006/main" xmlns:p="http://schemas.openxmlformats.org/presentationml/2006/main" xmlns:r="http://schemas.openxmlformats.org/officeDocument/2006/relationships" xmlns:p14="http://schemas.microsoft.com/office/powerpoint/2010/main" xmlns:p15="http://schemas.microsoft.com/office/powerpoint/2012/main" xmlns:mc="http://schemas.openxmlformats.org/markup-compatibility/2006" type="tx" preserve="1">
+<p:sldLayout xmlns:a="http://schemas.openxmlformats.org/drawingml/2006/main" xmlns:r="http://schemas.openxmlformats.org/officeDocument/2006/relationships" xmlns:p="http://schemas.openxmlformats.org/presentationml/2006/main" type="tx" preserve="1">
   <p:cSld name="Title Slide">
     <p:spTree>
       <p:nvGrpSpPr>
@@ -626,12 +751,13 @@
           </a:prstGeom>
         </p:spPr>
         <p:txBody>
-          <a:bodyPr lIns="0" rIns="0" tIns="0" bIns="0" anchor="ctr">
+          <a:bodyPr lIns="0" tIns="0" rIns="0" bIns="0" anchor="ctr">
             <a:noAutofit/>
           </a:bodyPr>
+          <a:lstStyle/>
           <a:p>
             <a:pPr algn="ctr"/>
-            <a:endParaRPr b="0" lang="en-US" sz="4400" spc="-1" strike="noStrike">
+            <a:endParaRPr lang="en-US" sz="4400" b="0" strike="noStrike" spc="-1">
               <a:latin typeface="Arial"/>
             </a:endParaRPr>
           </a:p>
@@ -657,12 +783,13 @@
           </a:prstGeom>
         </p:spPr>
         <p:txBody>
-          <a:bodyPr lIns="0" rIns="0" tIns="0" bIns="0" anchor="ctr">
+          <a:bodyPr lIns="0" tIns="0" rIns="0" bIns="0" anchor="ctr">
             <a:noAutofit/>
           </a:bodyPr>
+          <a:lstStyle/>
           <a:p>
             <a:pPr algn="ctr"/>
-            <a:endParaRPr b="0" lang="en-US" sz="3200" spc="-1" strike="noStrike">
+            <a:endParaRPr lang="en-US" sz="3200" b="0" strike="noStrike" spc="-1">
               <a:latin typeface="Arial"/>
             </a:endParaRPr>
           </a:p>
@@ -670,11 +797,14 @@
       </p:sp>
     </p:spTree>
   </p:cSld>
+  <p:clrMapOvr>
+    <a:masterClrMapping/>
+  </p:clrMapOvr>
 </p:sldLayout>
 </file>
 
 <file path=ppt/slideLayouts/slideLayout15.xml><?xml version="1.0" encoding="utf-8"?>
-<p:sldLayout xmlns:a="http://schemas.openxmlformats.org/drawingml/2006/main" xmlns:p="http://schemas.openxmlformats.org/presentationml/2006/main" xmlns:r="http://schemas.openxmlformats.org/officeDocument/2006/relationships" xmlns:p14="http://schemas.microsoft.com/office/powerpoint/2010/main" xmlns:p15="http://schemas.microsoft.com/office/powerpoint/2012/main" xmlns:mc="http://schemas.openxmlformats.org/markup-compatibility/2006" type="obj" preserve="1">
+<p:sldLayout xmlns:a="http://schemas.openxmlformats.org/drawingml/2006/main" xmlns:r="http://schemas.openxmlformats.org/officeDocument/2006/relationships" xmlns:p="http://schemas.openxmlformats.org/presentationml/2006/main" type="obj" preserve="1">
   <p:cSld name="Title, Content">
     <p:spTree>
       <p:nvGrpSpPr>
@@ -710,12 +840,13 @@
           </a:prstGeom>
         </p:spPr>
         <p:txBody>
-          <a:bodyPr lIns="0" rIns="0" tIns="0" bIns="0" anchor="ctr">
+          <a:bodyPr lIns="0" tIns="0" rIns="0" bIns="0" anchor="ctr">
             <a:noAutofit/>
           </a:bodyPr>
+          <a:lstStyle/>
           <a:p>
             <a:pPr algn="ctr"/>
-            <a:endParaRPr b="0" lang="en-US" sz="4400" spc="-1" strike="noStrike">
+            <a:endParaRPr lang="en-US" sz="4400" b="0" strike="noStrike" spc="-1">
               <a:latin typeface="Arial"/>
             </a:endParaRPr>
           </a:p>
@@ -741,11 +872,12 @@
           </a:prstGeom>
         </p:spPr>
         <p:txBody>
-          <a:bodyPr lIns="0" rIns="0" tIns="0" bIns="0">
+          <a:bodyPr lIns="0" tIns="0" rIns="0" bIns="0">
             <a:normAutofit/>
           </a:bodyPr>
-          <a:p>
-            <a:endParaRPr b="0" lang="en-US" sz="3200" spc="-1" strike="noStrike">
+          <a:lstStyle/>
+          <a:p>
+            <a:endParaRPr lang="en-US" sz="3200" b="0" strike="noStrike" spc="-1">
               <a:latin typeface="Arial"/>
             </a:endParaRPr>
           </a:p>
@@ -753,11 +885,14 @@
       </p:sp>
     </p:spTree>
   </p:cSld>
+  <p:clrMapOvr>
+    <a:masterClrMapping/>
+  </p:clrMapOvr>
 </p:sldLayout>
 </file>
 
 <file path=ppt/slideLayouts/slideLayout16.xml><?xml version="1.0" encoding="utf-8"?>
-<p:sldLayout xmlns:a="http://schemas.openxmlformats.org/drawingml/2006/main" xmlns:p="http://schemas.openxmlformats.org/presentationml/2006/main" xmlns:r="http://schemas.openxmlformats.org/officeDocument/2006/relationships" xmlns:p14="http://schemas.microsoft.com/office/powerpoint/2010/main" xmlns:p15="http://schemas.microsoft.com/office/powerpoint/2012/main" xmlns:mc="http://schemas.openxmlformats.org/markup-compatibility/2006" type="twoObj" preserve="1">
+<p:sldLayout xmlns:a="http://schemas.openxmlformats.org/drawingml/2006/main" xmlns:r="http://schemas.openxmlformats.org/officeDocument/2006/relationships" xmlns:p="http://schemas.openxmlformats.org/presentationml/2006/main" type="twoObj" preserve="1">
   <p:cSld name="Title, 2 Content">
     <p:spTree>
       <p:nvGrpSpPr>
@@ -793,12 +928,13 @@
           </a:prstGeom>
         </p:spPr>
         <p:txBody>
-          <a:bodyPr lIns="0" rIns="0" tIns="0" bIns="0" anchor="ctr">
+          <a:bodyPr lIns="0" tIns="0" rIns="0" bIns="0" anchor="ctr">
             <a:noAutofit/>
           </a:bodyPr>
+          <a:lstStyle/>
           <a:p>
             <a:pPr algn="ctr"/>
-            <a:endParaRPr b="0" lang="en-US" sz="4400" spc="-1" strike="noStrike">
+            <a:endParaRPr lang="en-US" sz="4400" b="0" strike="noStrike" spc="-1">
               <a:latin typeface="Arial"/>
             </a:endParaRPr>
           </a:p>
@@ -824,11 +960,12 @@
           </a:prstGeom>
         </p:spPr>
         <p:txBody>
-          <a:bodyPr lIns="0" rIns="0" tIns="0" bIns="0">
+          <a:bodyPr lIns="0" tIns="0" rIns="0" bIns="0">
             <a:normAutofit/>
           </a:bodyPr>
-          <a:p>
-            <a:endParaRPr b="0" lang="en-US" sz="3200" spc="-1" strike="noStrike">
+          <a:lstStyle/>
+          <a:p>
+            <a:endParaRPr lang="en-US" sz="3200" b="0" strike="noStrike" spc="-1">
               <a:latin typeface="Arial"/>
             </a:endParaRPr>
           </a:p>
@@ -854,11 +991,12 @@
           </a:prstGeom>
         </p:spPr>
         <p:txBody>
-          <a:bodyPr lIns="0" rIns="0" tIns="0" bIns="0">
+          <a:bodyPr lIns="0" tIns="0" rIns="0" bIns="0">
             <a:normAutofit/>
           </a:bodyPr>
-          <a:p>
-            <a:endParaRPr b="0" lang="en-US" sz="3200" spc="-1" strike="noStrike">
+          <a:lstStyle/>
+          <a:p>
+            <a:endParaRPr lang="en-US" sz="3200" b="0" strike="noStrike" spc="-1">
               <a:latin typeface="Arial"/>
             </a:endParaRPr>
           </a:p>
@@ -866,11 +1004,14 @@
       </p:sp>
     </p:spTree>
   </p:cSld>
+  <p:clrMapOvr>
+    <a:masterClrMapping/>
+  </p:clrMapOvr>
 </p:sldLayout>
 </file>
 
 <file path=ppt/slideLayouts/slideLayout17.xml><?xml version="1.0" encoding="utf-8"?>
-<p:sldLayout xmlns:a="http://schemas.openxmlformats.org/drawingml/2006/main" xmlns:p="http://schemas.openxmlformats.org/presentationml/2006/main" xmlns:r="http://schemas.openxmlformats.org/officeDocument/2006/relationships" xmlns:p14="http://schemas.microsoft.com/office/powerpoint/2010/main" xmlns:p15="http://schemas.microsoft.com/office/powerpoint/2012/main" xmlns:mc="http://schemas.openxmlformats.org/markup-compatibility/2006" type="titleOnly" preserve="1">
+<p:sldLayout xmlns:a="http://schemas.openxmlformats.org/drawingml/2006/main" xmlns:r="http://schemas.openxmlformats.org/officeDocument/2006/relationships" xmlns:p="http://schemas.openxmlformats.org/presentationml/2006/main" type="titleOnly" preserve="1">
   <p:cSld name="Title Only">
     <p:spTree>
       <p:nvGrpSpPr>
@@ -906,12 +1047,13 @@
           </a:prstGeom>
         </p:spPr>
         <p:txBody>
-          <a:bodyPr lIns="0" rIns="0" tIns="0" bIns="0" anchor="ctr">
+          <a:bodyPr lIns="0" tIns="0" rIns="0" bIns="0" anchor="ctr">
             <a:noAutofit/>
           </a:bodyPr>
+          <a:lstStyle/>
           <a:p>
             <a:pPr algn="ctr"/>
-            <a:endParaRPr b="0" lang="en-US" sz="4400" spc="-1" strike="noStrike">
+            <a:endParaRPr lang="en-US" sz="4400" b="0" strike="noStrike" spc="-1">
               <a:latin typeface="Arial"/>
             </a:endParaRPr>
           </a:p>
@@ -919,11 +1061,14 @@
       </p:sp>
     </p:spTree>
   </p:cSld>
+  <p:clrMapOvr>
+    <a:masterClrMapping/>
+  </p:clrMapOvr>
 </p:sldLayout>
 </file>
 
 <file path=ppt/slideLayouts/slideLayout18.xml><?xml version="1.0" encoding="utf-8"?>
-<p:sldLayout xmlns:a="http://schemas.openxmlformats.org/drawingml/2006/main" xmlns:p="http://schemas.openxmlformats.org/presentationml/2006/main" xmlns:r="http://schemas.openxmlformats.org/officeDocument/2006/relationships" xmlns:p14="http://schemas.microsoft.com/office/powerpoint/2010/main" xmlns:p15="http://schemas.microsoft.com/office/powerpoint/2012/main" xmlns:mc="http://schemas.openxmlformats.org/markup-compatibility/2006" type="objOnly" preserve="1">
+<p:sldLayout xmlns:a="http://schemas.openxmlformats.org/drawingml/2006/main" xmlns:r="http://schemas.openxmlformats.org/officeDocument/2006/relationships" xmlns:p="http://schemas.openxmlformats.org/presentationml/2006/main" type="objOnly" preserve="1">
   <p:cSld name="Centered Text">
     <p:spTree>
       <p:nvGrpSpPr>
@@ -959,12 +1104,13 @@
           </a:prstGeom>
         </p:spPr>
         <p:txBody>
-          <a:bodyPr lIns="0" rIns="0" tIns="0" bIns="0" anchor="ctr">
+          <a:bodyPr lIns="0" tIns="0" rIns="0" bIns="0" anchor="ctr">
             <a:noAutofit/>
           </a:bodyPr>
+          <a:lstStyle/>
           <a:p>
             <a:pPr algn="ctr"/>
-            <a:endParaRPr b="0" lang="en-US" sz="3200" spc="-1" strike="noStrike">
+            <a:endParaRPr lang="en-US" sz="3200" b="0" strike="noStrike" spc="-1">
               <a:latin typeface="Arial"/>
             </a:endParaRPr>
           </a:p>
@@ -972,11 +1118,14 @@
       </p:sp>
     </p:spTree>
   </p:cSld>
+  <p:clrMapOvr>
+    <a:masterClrMapping/>
+  </p:clrMapOvr>
 </p:sldLayout>
 </file>
 
 <file path=ppt/slideLayouts/slideLayout19.xml><?xml version="1.0" encoding="utf-8"?>
-<p:sldLayout xmlns:a="http://schemas.openxmlformats.org/drawingml/2006/main" xmlns:p="http://schemas.openxmlformats.org/presentationml/2006/main" xmlns:r="http://schemas.openxmlformats.org/officeDocument/2006/relationships" xmlns:p14="http://schemas.microsoft.com/office/powerpoint/2010/main" xmlns:p15="http://schemas.microsoft.com/office/powerpoint/2012/main" xmlns:mc="http://schemas.openxmlformats.org/markup-compatibility/2006" type="twoObjAndObj" preserve="1">
+<p:sldLayout xmlns:a="http://schemas.openxmlformats.org/drawingml/2006/main" xmlns:r="http://schemas.openxmlformats.org/officeDocument/2006/relationships" xmlns:p="http://schemas.openxmlformats.org/presentationml/2006/main" type="twoObjAndObj" preserve="1">
   <p:cSld name="Title, 2 Content and Content">
     <p:spTree>
       <p:nvGrpSpPr>
@@ -1012,12 +1161,13 @@
           </a:prstGeom>
         </p:spPr>
         <p:txBody>
-          <a:bodyPr lIns="0" rIns="0" tIns="0" bIns="0" anchor="ctr">
+          <a:bodyPr lIns="0" tIns="0" rIns="0" bIns="0" anchor="ctr">
             <a:noAutofit/>
           </a:bodyPr>
+          <a:lstStyle/>
           <a:p>
             <a:pPr algn="ctr"/>
-            <a:endParaRPr b="0" lang="en-US" sz="4400" spc="-1" strike="noStrike">
+            <a:endParaRPr lang="en-US" sz="4400" b="0" strike="noStrike" spc="-1">
               <a:latin typeface="Arial"/>
             </a:endParaRPr>
           </a:p>
@@ -1043,11 +1193,12 @@
           </a:prstGeom>
         </p:spPr>
         <p:txBody>
-          <a:bodyPr lIns="0" rIns="0" tIns="0" bIns="0">
+          <a:bodyPr lIns="0" tIns="0" rIns="0" bIns="0">
             <a:normAutofit/>
           </a:bodyPr>
-          <a:p>
-            <a:endParaRPr b="0" lang="en-US" sz="3200" spc="-1" strike="noStrike">
+          <a:lstStyle/>
+          <a:p>
+            <a:endParaRPr lang="en-US" sz="3200" b="0" strike="noStrike" spc="-1">
               <a:latin typeface="Arial"/>
             </a:endParaRPr>
           </a:p>
@@ -1073,11 +1224,12 @@
           </a:prstGeom>
         </p:spPr>
         <p:txBody>
-          <a:bodyPr lIns="0" rIns="0" tIns="0" bIns="0">
+          <a:bodyPr lIns="0" tIns="0" rIns="0" bIns="0">
             <a:normAutofit/>
           </a:bodyPr>
-          <a:p>
-            <a:endParaRPr b="0" lang="en-US" sz="3200" spc="-1" strike="noStrike">
+          <a:lstStyle/>
+          <a:p>
+            <a:endParaRPr lang="en-US" sz="3200" b="0" strike="noStrike" spc="-1">
               <a:latin typeface="Arial"/>
             </a:endParaRPr>
           </a:p>
@@ -1103,11 +1255,12 @@
           </a:prstGeom>
         </p:spPr>
         <p:txBody>
-          <a:bodyPr lIns="0" rIns="0" tIns="0" bIns="0">
+          <a:bodyPr lIns="0" tIns="0" rIns="0" bIns="0">
             <a:normAutofit/>
           </a:bodyPr>
-          <a:p>
-            <a:endParaRPr b="0" lang="en-US" sz="3200" spc="-1" strike="noStrike">
+          <a:lstStyle/>
+          <a:p>
+            <a:endParaRPr lang="en-US" sz="3200" b="0" strike="noStrike" spc="-1">
               <a:latin typeface="Arial"/>
             </a:endParaRPr>
           </a:p>
@@ -1115,11 +1268,14 @@
       </p:sp>
     </p:spTree>
   </p:cSld>
+  <p:clrMapOvr>
+    <a:masterClrMapping/>
+  </p:clrMapOvr>
 </p:sldLayout>
 </file>
 
 <file path=ppt/slideLayouts/slideLayout2.xml><?xml version="1.0" encoding="utf-8"?>
-<p:sldLayout xmlns:a="http://schemas.openxmlformats.org/drawingml/2006/main" xmlns:p="http://schemas.openxmlformats.org/presentationml/2006/main" xmlns:r="http://schemas.openxmlformats.org/officeDocument/2006/relationships" xmlns:p14="http://schemas.microsoft.com/office/powerpoint/2010/main" xmlns:p15="http://schemas.microsoft.com/office/powerpoint/2012/main" xmlns:mc="http://schemas.openxmlformats.org/markup-compatibility/2006" type="tx" preserve="1">
+<p:sldLayout xmlns:a="http://schemas.openxmlformats.org/drawingml/2006/main" xmlns:r="http://schemas.openxmlformats.org/officeDocument/2006/relationships" xmlns:p="http://schemas.openxmlformats.org/presentationml/2006/main" type="tx" preserve="1">
   <p:cSld name="Title Slide">
     <p:spTree>
       <p:nvGrpSpPr>
@@ -1155,12 +1311,13 @@
           </a:prstGeom>
         </p:spPr>
         <p:txBody>
-          <a:bodyPr lIns="0" rIns="0" tIns="0" bIns="0" anchor="ctr">
+          <a:bodyPr lIns="0" tIns="0" rIns="0" bIns="0" anchor="ctr">
             <a:noAutofit/>
           </a:bodyPr>
+          <a:lstStyle/>
           <a:p>
             <a:pPr algn="ctr"/>
-            <a:endParaRPr b="0" lang="en-US" sz="4400" spc="-1" strike="noStrike">
+            <a:endParaRPr lang="en-US" sz="4400" b="0" strike="noStrike" spc="-1">
               <a:latin typeface="Arial"/>
             </a:endParaRPr>
           </a:p>
@@ -1186,12 +1343,13 @@
           </a:prstGeom>
         </p:spPr>
         <p:txBody>
-          <a:bodyPr lIns="0" rIns="0" tIns="0" bIns="0" anchor="ctr">
+          <a:bodyPr lIns="0" tIns="0" rIns="0" bIns="0" anchor="ctr">
             <a:noAutofit/>
           </a:bodyPr>
+          <a:lstStyle/>
           <a:p>
             <a:pPr algn="ctr"/>
-            <a:endParaRPr b="0" lang="en-US" sz="3200" spc="-1" strike="noStrike">
+            <a:endParaRPr lang="en-US" sz="3200" b="0" strike="noStrike" spc="-1">
               <a:latin typeface="Arial"/>
             </a:endParaRPr>
           </a:p>
@@ -1199,11 +1357,14 @@
       </p:sp>
     </p:spTree>
   </p:cSld>
+  <p:clrMapOvr>
+    <a:masterClrMapping/>
+  </p:clrMapOvr>
 </p:sldLayout>
 </file>
 
 <file path=ppt/slideLayouts/slideLayout20.xml><?xml version="1.0" encoding="utf-8"?>
-<p:sldLayout xmlns:a="http://schemas.openxmlformats.org/drawingml/2006/main" xmlns:p="http://schemas.openxmlformats.org/presentationml/2006/main" xmlns:r="http://schemas.openxmlformats.org/officeDocument/2006/relationships" xmlns:p14="http://schemas.microsoft.com/office/powerpoint/2010/main" xmlns:p15="http://schemas.microsoft.com/office/powerpoint/2012/main" xmlns:mc="http://schemas.openxmlformats.org/markup-compatibility/2006" type="objAndTwoObj" preserve="1">
+<p:sldLayout xmlns:a="http://schemas.openxmlformats.org/drawingml/2006/main" xmlns:r="http://schemas.openxmlformats.org/officeDocument/2006/relationships" xmlns:p="http://schemas.openxmlformats.org/presentationml/2006/main" type="objAndTwoObj" preserve="1">
   <p:cSld name="Title Content and 2 Content">
     <p:spTree>
       <p:nvGrpSpPr>
@@ -1239,12 +1400,13 @@
           </a:prstGeom>
         </p:spPr>
         <p:txBody>
-          <a:bodyPr lIns="0" rIns="0" tIns="0" bIns="0" anchor="ctr">
+          <a:bodyPr lIns="0" tIns="0" rIns="0" bIns="0" anchor="ctr">
             <a:noAutofit/>
           </a:bodyPr>
+          <a:lstStyle/>
           <a:p>
             <a:pPr algn="ctr"/>
-            <a:endParaRPr b="0" lang="en-US" sz="4400" spc="-1" strike="noStrike">
+            <a:endParaRPr lang="en-US" sz="4400" b="0" strike="noStrike" spc="-1">
               <a:latin typeface="Arial"/>
             </a:endParaRPr>
           </a:p>
@@ -1270,11 +1432,12 @@
           </a:prstGeom>
         </p:spPr>
         <p:txBody>
-          <a:bodyPr lIns="0" rIns="0" tIns="0" bIns="0">
+          <a:bodyPr lIns="0" tIns="0" rIns="0" bIns="0">
             <a:normAutofit/>
           </a:bodyPr>
-          <a:p>
-            <a:endParaRPr b="0" lang="en-US" sz="3200" spc="-1" strike="noStrike">
+          <a:lstStyle/>
+          <a:p>
+            <a:endParaRPr lang="en-US" sz="3200" b="0" strike="noStrike" spc="-1">
               <a:latin typeface="Arial"/>
             </a:endParaRPr>
           </a:p>
@@ -1300,11 +1463,12 @@
           </a:prstGeom>
         </p:spPr>
         <p:txBody>
-          <a:bodyPr lIns="0" rIns="0" tIns="0" bIns="0">
+          <a:bodyPr lIns="0" tIns="0" rIns="0" bIns="0">
             <a:normAutofit/>
           </a:bodyPr>
-          <a:p>
-            <a:endParaRPr b="0" lang="en-US" sz="3200" spc="-1" strike="noStrike">
+          <a:lstStyle/>
+          <a:p>
+            <a:endParaRPr lang="en-US" sz="3200" b="0" strike="noStrike" spc="-1">
               <a:latin typeface="Arial"/>
             </a:endParaRPr>
           </a:p>
@@ -1330,11 +1494,12 @@
           </a:prstGeom>
         </p:spPr>
         <p:txBody>
-          <a:bodyPr lIns="0" rIns="0" tIns="0" bIns="0">
+          <a:bodyPr lIns="0" tIns="0" rIns="0" bIns="0">
             <a:normAutofit/>
           </a:bodyPr>
-          <a:p>
-            <a:endParaRPr b="0" lang="en-US" sz="3200" spc="-1" strike="noStrike">
+          <a:lstStyle/>
+          <a:p>
+            <a:endParaRPr lang="en-US" sz="3200" b="0" strike="noStrike" spc="-1">
               <a:latin typeface="Arial"/>
             </a:endParaRPr>
           </a:p>
@@ -1342,11 +1507,14 @@
       </p:sp>
     </p:spTree>
   </p:cSld>
+  <p:clrMapOvr>
+    <a:masterClrMapping/>
+  </p:clrMapOvr>
 </p:sldLayout>
 </file>
 
 <file path=ppt/slideLayouts/slideLayout21.xml><?xml version="1.0" encoding="utf-8"?>
-<p:sldLayout xmlns:a="http://schemas.openxmlformats.org/drawingml/2006/main" xmlns:p="http://schemas.openxmlformats.org/presentationml/2006/main" xmlns:r="http://schemas.openxmlformats.org/officeDocument/2006/relationships" xmlns:p14="http://schemas.microsoft.com/office/powerpoint/2010/main" xmlns:p15="http://schemas.microsoft.com/office/powerpoint/2012/main" xmlns:mc="http://schemas.openxmlformats.org/markup-compatibility/2006" type="twoObjOverTx" preserve="1">
+<p:sldLayout xmlns:a="http://schemas.openxmlformats.org/drawingml/2006/main" xmlns:r="http://schemas.openxmlformats.org/officeDocument/2006/relationships" xmlns:p="http://schemas.openxmlformats.org/presentationml/2006/main" type="twoObjOverTx" preserve="1">
   <p:cSld name="Title, 2 Content over Content">
     <p:spTree>
       <p:nvGrpSpPr>
@@ -1382,12 +1550,13 @@
           </a:prstGeom>
         </p:spPr>
         <p:txBody>
-          <a:bodyPr lIns="0" rIns="0" tIns="0" bIns="0" anchor="ctr">
+          <a:bodyPr lIns="0" tIns="0" rIns="0" bIns="0" anchor="ctr">
             <a:noAutofit/>
           </a:bodyPr>
+          <a:lstStyle/>
           <a:p>
             <a:pPr algn="ctr"/>
-            <a:endParaRPr b="0" lang="en-US" sz="4400" spc="-1" strike="noStrike">
+            <a:endParaRPr lang="en-US" sz="4400" b="0" strike="noStrike" spc="-1">
               <a:latin typeface="Arial"/>
             </a:endParaRPr>
           </a:p>
@@ -1413,11 +1582,12 @@
           </a:prstGeom>
         </p:spPr>
         <p:txBody>
-          <a:bodyPr lIns="0" rIns="0" tIns="0" bIns="0">
+          <a:bodyPr lIns="0" tIns="0" rIns="0" bIns="0">
             <a:normAutofit/>
           </a:bodyPr>
-          <a:p>
-            <a:endParaRPr b="0" lang="en-US" sz="3200" spc="-1" strike="noStrike">
+          <a:lstStyle/>
+          <a:p>
+            <a:endParaRPr lang="en-US" sz="3200" b="0" strike="noStrike" spc="-1">
               <a:latin typeface="Arial"/>
             </a:endParaRPr>
           </a:p>
@@ -1443,11 +1613,12 @@
           </a:prstGeom>
         </p:spPr>
         <p:txBody>
-          <a:bodyPr lIns="0" rIns="0" tIns="0" bIns="0">
+          <a:bodyPr lIns="0" tIns="0" rIns="0" bIns="0">
             <a:normAutofit/>
           </a:bodyPr>
-          <a:p>
-            <a:endParaRPr b="0" lang="en-US" sz="3200" spc="-1" strike="noStrike">
+          <a:lstStyle/>
+          <a:p>
+            <a:endParaRPr lang="en-US" sz="3200" b="0" strike="noStrike" spc="-1">
               <a:latin typeface="Arial"/>
             </a:endParaRPr>
           </a:p>
@@ -1473,11 +1644,12 @@
           </a:prstGeom>
         </p:spPr>
         <p:txBody>
-          <a:bodyPr lIns="0" rIns="0" tIns="0" bIns="0">
+          <a:bodyPr lIns="0" tIns="0" rIns="0" bIns="0">
             <a:normAutofit/>
           </a:bodyPr>
-          <a:p>
-            <a:endParaRPr b="0" lang="en-US" sz="3200" spc="-1" strike="noStrike">
+          <a:lstStyle/>
+          <a:p>
+            <a:endParaRPr lang="en-US" sz="3200" b="0" strike="noStrike" spc="-1">
               <a:latin typeface="Arial"/>
             </a:endParaRPr>
           </a:p>
@@ -1485,11 +1657,14 @@
       </p:sp>
     </p:spTree>
   </p:cSld>
+  <p:clrMapOvr>
+    <a:masterClrMapping/>
+  </p:clrMapOvr>
 </p:sldLayout>
 </file>
 
 <file path=ppt/slideLayouts/slideLayout22.xml><?xml version="1.0" encoding="utf-8"?>
-<p:sldLayout xmlns:a="http://schemas.openxmlformats.org/drawingml/2006/main" xmlns:p="http://schemas.openxmlformats.org/presentationml/2006/main" xmlns:r="http://schemas.openxmlformats.org/officeDocument/2006/relationships" xmlns:p14="http://schemas.microsoft.com/office/powerpoint/2010/main" xmlns:p15="http://schemas.microsoft.com/office/powerpoint/2012/main" xmlns:mc="http://schemas.openxmlformats.org/markup-compatibility/2006" type="objOverTx" preserve="1">
+<p:sldLayout xmlns:a="http://schemas.openxmlformats.org/drawingml/2006/main" xmlns:r="http://schemas.openxmlformats.org/officeDocument/2006/relationships" xmlns:p="http://schemas.openxmlformats.org/presentationml/2006/main" type="objOverTx" preserve="1">
   <p:cSld name="Title, Content over Content">
     <p:spTree>
       <p:nvGrpSpPr>
@@ -1525,12 +1700,13 @@
           </a:prstGeom>
         </p:spPr>
         <p:txBody>
-          <a:bodyPr lIns="0" rIns="0" tIns="0" bIns="0" anchor="ctr">
+          <a:bodyPr lIns="0" tIns="0" rIns="0" bIns="0" anchor="ctr">
             <a:noAutofit/>
           </a:bodyPr>
+          <a:lstStyle/>
           <a:p>
             <a:pPr algn="ctr"/>
-            <a:endParaRPr b="0" lang="en-US" sz="4400" spc="-1" strike="noStrike">
+            <a:endParaRPr lang="en-US" sz="4400" b="0" strike="noStrike" spc="-1">
               <a:latin typeface="Arial"/>
             </a:endParaRPr>
           </a:p>
@@ -1556,11 +1732,12 @@
           </a:prstGeom>
         </p:spPr>
         <p:txBody>
-          <a:bodyPr lIns="0" rIns="0" tIns="0" bIns="0">
+          <a:bodyPr lIns="0" tIns="0" rIns="0" bIns="0">
             <a:normAutofit/>
           </a:bodyPr>
-          <a:p>
-            <a:endParaRPr b="0" lang="en-US" sz="3200" spc="-1" strike="noStrike">
+          <a:lstStyle/>
+          <a:p>
+            <a:endParaRPr lang="en-US" sz="3200" b="0" strike="noStrike" spc="-1">
               <a:latin typeface="Arial"/>
             </a:endParaRPr>
           </a:p>
@@ -1586,11 +1763,12 @@
           </a:prstGeom>
         </p:spPr>
         <p:txBody>
-          <a:bodyPr lIns="0" rIns="0" tIns="0" bIns="0">
+          <a:bodyPr lIns="0" tIns="0" rIns="0" bIns="0">
             <a:normAutofit/>
           </a:bodyPr>
-          <a:p>
-            <a:endParaRPr b="0" lang="en-US" sz="3200" spc="-1" strike="noStrike">
+          <a:lstStyle/>
+          <a:p>
+            <a:endParaRPr lang="en-US" sz="3200" b="0" strike="noStrike" spc="-1">
               <a:latin typeface="Arial"/>
             </a:endParaRPr>
           </a:p>
@@ -1598,11 +1776,14 @@
       </p:sp>
     </p:spTree>
   </p:cSld>
+  <p:clrMapOvr>
+    <a:masterClrMapping/>
+  </p:clrMapOvr>
 </p:sldLayout>
 </file>
 
 <file path=ppt/slideLayouts/slideLayout23.xml><?xml version="1.0" encoding="utf-8"?>
-<p:sldLayout xmlns:a="http://schemas.openxmlformats.org/drawingml/2006/main" xmlns:p="http://schemas.openxmlformats.org/presentationml/2006/main" xmlns:r="http://schemas.openxmlformats.org/officeDocument/2006/relationships" xmlns:p14="http://schemas.microsoft.com/office/powerpoint/2010/main" xmlns:p15="http://schemas.microsoft.com/office/powerpoint/2012/main" xmlns:mc="http://schemas.openxmlformats.org/markup-compatibility/2006" type="fourObj" preserve="1">
+<p:sldLayout xmlns:a="http://schemas.openxmlformats.org/drawingml/2006/main" xmlns:r="http://schemas.openxmlformats.org/officeDocument/2006/relationships" xmlns:p="http://schemas.openxmlformats.org/presentationml/2006/main" type="fourObj" preserve="1">
   <p:cSld name="Title, 4 Content">
     <p:spTree>
       <p:nvGrpSpPr>
@@ -1638,12 +1819,13 @@
           </a:prstGeom>
         </p:spPr>
         <p:txBody>
-          <a:bodyPr lIns="0" rIns="0" tIns="0" bIns="0" anchor="ctr">
+          <a:bodyPr lIns="0" tIns="0" rIns="0" bIns="0" anchor="ctr">
             <a:noAutofit/>
           </a:bodyPr>
+          <a:lstStyle/>
           <a:p>
             <a:pPr algn="ctr"/>
-            <a:endParaRPr b="0" lang="en-US" sz="4400" spc="-1" strike="noStrike">
+            <a:endParaRPr lang="en-US" sz="4400" b="0" strike="noStrike" spc="-1">
               <a:latin typeface="Arial"/>
             </a:endParaRPr>
           </a:p>
@@ -1669,11 +1851,12 @@
           </a:prstGeom>
         </p:spPr>
         <p:txBody>
-          <a:bodyPr lIns="0" rIns="0" tIns="0" bIns="0">
+          <a:bodyPr lIns="0" tIns="0" rIns="0" bIns="0">
             <a:normAutofit/>
           </a:bodyPr>
-          <a:p>
-            <a:endParaRPr b="0" lang="en-US" sz="3200" spc="-1" strike="noStrike">
+          <a:lstStyle/>
+          <a:p>
+            <a:endParaRPr lang="en-US" sz="3200" b="0" strike="noStrike" spc="-1">
               <a:latin typeface="Arial"/>
             </a:endParaRPr>
           </a:p>
@@ -1699,11 +1882,12 @@
           </a:prstGeom>
         </p:spPr>
         <p:txBody>
-          <a:bodyPr lIns="0" rIns="0" tIns="0" bIns="0">
+          <a:bodyPr lIns="0" tIns="0" rIns="0" bIns="0">
             <a:normAutofit/>
           </a:bodyPr>
-          <a:p>
-            <a:endParaRPr b="0" lang="en-US" sz="3200" spc="-1" strike="noStrike">
+          <a:lstStyle/>
+          <a:p>
+            <a:endParaRPr lang="en-US" sz="3200" b="0" strike="noStrike" spc="-1">
               <a:latin typeface="Arial"/>
             </a:endParaRPr>
           </a:p>
@@ -1729,11 +1913,12 @@
           </a:prstGeom>
         </p:spPr>
         <p:txBody>
-          <a:bodyPr lIns="0" rIns="0" tIns="0" bIns="0">
+          <a:bodyPr lIns="0" tIns="0" rIns="0" bIns="0">
             <a:normAutofit/>
           </a:bodyPr>
-          <a:p>
-            <a:endParaRPr b="0" lang="en-US" sz="3200" spc="-1" strike="noStrike">
+          <a:lstStyle/>
+          <a:p>
+            <a:endParaRPr lang="en-US" sz="3200" b="0" strike="noStrike" spc="-1">
               <a:latin typeface="Arial"/>
             </a:endParaRPr>
           </a:p>
@@ -1759,11 +1944,12 @@
           </a:prstGeom>
         </p:spPr>
         <p:txBody>
-          <a:bodyPr lIns="0" rIns="0" tIns="0" bIns="0">
+          <a:bodyPr lIns="0" tIns="0" rIns="0" bIns="0">
             <a:normAutofit/>
           </a:bodyPr>
-          <a:p>
-            <a:endParaRPr b="0" lang="en-US" sz="3200" spc="-1" strike="noStrike">
+          <a:lstStyle/>
+          <a:p>
+            <a:endParaRPr lang="en-US" sz="3200" b="0" strike="noStrike" spc="-1">
               <a:latin typeface="Arial"/>
             </a:endParaRPr>
           </a:p>
@@ -1771,11 +1957,14 @@
       </p:sp>
     </p:spTree>
   </p:cSld>
+  <p:clrMapOvr>
+    <a:masterClrMapping/>
+  </p:clrMapOvr>
 </p:sldLayout>
 </file>
 
 <file path=ppt/slideLayouts/slideLayout24.xml><?xml version="1.0" encoding="utf-8"?>
-<p:sldLayout xmlns:a="http://schemas.openxmlformats.org/drawingml/2006/main" xmlns:p="http://schemas.openxmlformats.org/presentationml/2006/main" xmlns:r="http://schemas.openxmlformats.org/officeDocument/2006/relationships" xmlns:p14="http://schemas.microsoft.com/office/powerpoint/2010/main" xmlns:p15="http://schemas.microsoft.com/office/powerpoint/2012/main" xmlns:mc="http://schemas.openxmlformats.org/markup-compatibility/2006" type="blank" preserve="1">
+<p:sldLayout xmlns:a="http://schemas.openxmlformats.org/drawingml/2006/main" xmlns:r="http://schemas.openxmlformats.org/officeDocument/2006/relationships" xmlns:p="http://schemas.openxmlformats.org/presentationml/2006/main" type="blank" preserve="1">
   <p:cSld name="Title, 6 Content">
     <p:spTree>
       <p:nvGrpSpPr>
@@ -1811,12 +2000,13 @@
           </a:prstGeom>
         </p:spPr>
         <p:txBody>
-          <a:bodyPr lIns="0" rIns="0" tIns="0" bIns="0" anchor="ctr">
+          <a:bodyPr lIns="0" tIns="0" rIns="0" bIns="0" anchor="ctr">
             <a:noAutofit/>
           </a:bodyPr>
+          <a:lstStyle/>
           <a:p>
             <a:pPr algn="ctr"/>
-            <a:endParaRPr b="0" lang="en-US" sz="4400" spc="-1" strike="noStrike">
+            <a:endParaRPr lang="en-US" sz="4400" b="0" strike="noStrike" spc="-1">
               <a:latin typeface="Arial"/>
             </a:endParaRPr>
           </a:p>
@@ -1842,11 +2032,12 @@
           </a:prstGeom>
         </p:spPr>
         <p:txBody>
-          <a:bodyPr lIns="0" rIns="0" tIns="0" bIns="0">
+          <a:bodyPr lIns="0" tIns="0" rIns="0" bIns="0">
             <a:normAutofit/>
           </a:bodyPr>
-          <a:p>
-            <a:endParaRPr b="0" lang="en-US" sz="3200" spc="-1" strike="noStrike">
+          <a:lstStyle/>
+          <a:p>
+            <a:endParaRPr lang="en-US" sz="3200" b="0" strike="noStrike" spc="-1">
               <a:latin typeface="Arial"/>
             </a:endParaRPr>
           </a:p>
@@ -1872,11 +2063,12 @@
           </a:prstGeom>
         </p:spPr>
         <p:txBody>
-          <a:bodyPr lIns="0" rIns="0" tIns="0" bIns="0">
+          <a:bodyPr lIns="0" tIns="0" rIns="0" bIns="0">
             <a:normAutofit/>
           </a:bodyPr>
-          <a:p>
-            <a:endParaRPr b="0" lang="en-US" sz="3200" spc="-1" strike="noStrike">
+          <a:lstStyle/>
+          <a:p>
+            <a:endParaRPr lang="en-US" sz="3200" b="0" strike="noStrike" spc="-1">
               <a:latin typeface="Arial"/>
             </a:endParaRPr>
           </a:p>
@@ -1902,11 +2094,12 @@
           </a:prstGeom>
         </p:spPr>
         <p:txBody>
-          <a:bodyPr lIns="0" rIns="0" tIns="0" bIns="0">
+          <a:bodyPr lIns="0" tIns="0" rIns="0" bIns="0">
             <a:normAutofit/>
           </a:bodyPr>
-          <a:p>
-            <a:endParaRPr b="0" lang="en-US" sz="3200" spc="-1" strike="noStrike">
+          <a:lstStyle/>
+          <a:p>
+            <a:endParaRPr lang="en-US" sz="3200" b="0" strike="noStrike" spc="-1">
               <a:latin typeface="Arial"/>
             </a:endParaRPr>
           </a:p>
@@ -1932,11 +2125,12 @@
           </a:prstGeom>
         </p:spPr>
         <p:txBody>
-          <a:bodyPr lIns="0" rIns="0" tIns="0" bIns="0">
+          <a:bodyPr lIns="0" tIns="0" rIns="0" bIns="0">
             <a:normAutofit/>
           </a:bodyPr>
-          <a:p>
-            <a:endParaRPr b="0" lang="en-US" sz="3200" spc="-1" strike="noStrike">
+          <a:lstStyle/>
+          <a:p>
+            <a:endParaRPr lang="en-US" sz="3200" b="0" strike="noStrike" spc="-1">
               <a:latin typeface="Arial"/>
             </a:endParaRPr>
           </a:p>
@@ -1962,11 +2156,12 @@
           </a:prstGeom>
         </p:spPr>
         <p:txBody>
-          <a:bodyPr lIns="0" rIns="0" tIns="0" bIns="0">
+          <a:bodyPr lIns="0" tIns="0" rIns="0" bIns="0">
             <a:normAutofit/>
           </a:bodyPr>
-          <a:p>
-            <a:endParaRPr b="0" lang="en-US" sz="3200" spc="-1" strike="noStrike">
+          <a:lstStyle/>
+          <a:p>
+            <a:endParaRPr lang="en-US" sz="3200" b="0" strike="noStrike" spc="-1">
               <a:latin typeface="Arial"/>
             </a:endParaRPr>
           </a:p>
@@ -1992,11 +2187,12 @@
           </a:prstGeom>
         </p:spPr>
         <p:txBody>
-          <a:bodyPr lIns="0" rIns="0" tIns="0" bIns="0">
+          <a:bodyPr lIns="0" tIns="0" rIns="0" bIns="0">
             <a:normAutofit/>
           </a:bodyPr>
-          <a:p>
-            <a:endParaRPr b="0" lang="en-US" sz="3200" spc="-1" strike="noStrike">
+          <a:lstStyle/>
+          <a:p>
+            <a:endParaRPr lang="en-US" sz="3200" b="0" strike="noStrike" spc="-1">
               <a:latin typeface="Arial"/>
             </a:endParaRPr>
           </a:p>
@@ -2004,11 +2200,14 @@
       </p:sp>
     </p:spTree>
   </p:cSld>
+  <p:clrMapOvr>
+    <a:masterClrMapping/>
+  </p:clrMapOvr>
 </p:sldLayout>
 </file>
 
 <file path=ppt/slideLayouts/slideLayout25.xml><?xml version="1.0" encoding="utf-8"?>
-<p:sldLayout xmlns:a="http://schemas.openxmlformats.org/drawingml/2006/main" xmlns:p="http://schemas.openxmlformats.org/presentationml/2006/main" xmlns:r="http://schemas.openxmlformats.org/officeDocument/2006/relationships" xmlns:p14="http://schemas.microsoft.com/office/powerpoint/2010/main" xmlns:p15="http://schemas.microsoft.com/office/powerpoint/2012/main" xmlns:mc="http://schemas.openxmlformats.org/markup-compatibility/2006" type="blank" preserve="1">
+<p:sldLayout xmlns:a="http://schemas.openxmlformats.org/drawingml/2006/main" xmlns:r="http://schemas.openxmlformats.org/officeDocument/2006/relationships" xmlns:p="http://schemas.openxmlformats.org/presentationml/2006/main" type="blank" preserve="1">
   <p:cSld name="Blank Slide">
     <p:spTree>
       <p:nvGrpSpPr>
@@ -2026,11 +2225,14 @@
       </p:grpSpPr>
     </p:spTree>
   </p:cSld>
+  <p:clrMapOvr>
+    <a:masterClrMapping/>
+  </p:clrMapOvr>
 </p:sldLayout>
 </file>
 
 <file path=ppt/slideLayouts/slideLayout26.xml><?xml version="1.0" encoding="utf-8"?>
-<p:sldLayout xmlns:a="http://schemas.openxmlformats.org/drawingml/2006/main" xmlns:p="http://schemas.openxmlformats.org/presentationml/2006/main" xmlns:r="http://schemas.openxmlformats.org/officeDocument/2006/relationships" xmlns:p14="http://schemas.microsoft.com/office/powerpoint/2010/main" xmlns:p15="http://schemas.microsoft.com/office/powerpoint/2012/main" xmlns:mc="http://schemas.openxmlformats.org/markup-compatibility/2006" type="tx" preserve="1">
+<p:sldLayout xmlns:a="http://schemas.openxmlformats.org/drawingml/2006/main" xmlns:r="http://schemas.openxmlformats.org/officeDocument/2006/relationships" xmlns:p="http://schemas.openxmlformats.org/presentationml/2006/main" type="tx" preserve="1">
   <p:cSld name="Title Slide">
     <p:spTree>
       <p:nvGrpSpPr>
@@ -2066,12 +2268,13 @@
           </a:prstGeom>
         </p:spPr>
         <p:txBody>
-          <a:bodyPr lIns="0" rIns="0" tIns="0" bIns="0" anchor="ctr">
+          <a:bodyPr lIns="0" tIns="0" rIns="0" bIns="0" anchor="ctr">
             <a:noAutofit/>
           </a:bodyPr>
+          <a:lstStyle/>
           <a:p>
             <a:pPr algn="ctr"/>
-            <a:endParaRPr b="0" lang="en-US" sz="4400" spc="-1" strike="noStrike">
+            <a:endParaRPr lang="en-US" sz="4400" b="0" strike="noStrike" spc="-1">
               <a:latin typeface="Arial"/>
             </a:endParaRPr>
           </a:p>
@@ -2097,12 +2300,13 @@
           </a:prstGeom>
         </p:spPr>
         <p:txBody>
-          <a:bodyPr lIns="0" rIns="0" tIns="0" bIns="0" anchor="ctr">
+          <a:bodyPr lIns="0" tIns="0" rIns="0" bIns="0" anchor="ctr">
             <a:noAutofit/>
           </a:bodyPr>
+          <a:lstStyle/>
           <a:p>
             <a:pPr algn="ctr"/>
-            <a:endParaRPr b="0" lang="en-US" sz="3200" spc="-1" strike="noStrike">
+            <a:endParaRPr lang="en-US" sz="3200" b="0" strike="noStrike" spc="-1">
               <a:latin typeface="Arial"/>
             </a:endParaRPr>
           </a:p>
@@ -2110,11 +2314,14 @@
       </p:sp>
     </p:spTree>
   </p:cSld>
+  <p:clrMapOvr>
+    <a:masterClrMapping/>
+  </p:clrMapOvr>
 </p:sldLayout>
 </file>
 
 <file path=ppt/slideLayouts/slideLayout27.xml><?xml version="1.0" encoding="utf-8"?>
-<p:sldLayout xmlns:a="http://schemas.openxmlformats.org/drawingml/2006/main" xmlns:p="http://schemas.openxmlformats.org/presentationml/2006/main" xmlns:r="http://schemas.openxmlformats.org/officeDocument/2006/relationships" xmlns:p14="http://schemas.microsoft.com/office/powerpoint/2010/main" xmlns:p15="http://schemas.microsoft.com/office/powerpoint/2012/main" xmlns:mc="http://schemas.openxmlformats.org/markup-compatibility/2006" type="obj" preserve="1">
+<p:sldLayout xmlns:a="http://schemas.openxmlformats.org/drawingml/2006/main" xmlns:r="http://schemas.openxmlformats.org/officeDocument/2006/relationships" xmlns:p="http://schemas.openxmlformats.org/presentationml/2006/main" type="obj" preserve="1">
   <p:cSld name="Title, Content">
     <p:spTree>
       <p:nvGrpSpPr>
@@ -2150,12 +2357,13 @@
           </a:prstGeom>
         </p:spPr>
         <p:txBody>
-          <a:bodyPr lIns="0" rIns="0" tIns="0" bIns="0" anchor="ctr">
+          <a:bodyPr lIns="0" tIns="0" rIns="0" bIns="0" anchor="ctr">
             <a:noAutofit/>
           </a:bodyPr>
+          <a:lstStyle/>
           <a:p>
             <a:pPr algn="ctr"/>
-            <a:endParaRPr b="0" lang="en-US" sz="4400" spc="-1" strike="noStrike">
+            <a:endParaRPr lang="en-US" sz="4400" b="0" strike="noStrike" spc="-1">
               <a:latin typeface="Arial"/>
             </a:endParaRPr>
           </a:p>
@@ -2181,11 +2389,12 @@
           </a:prstGeom>
         </p:spPr>
         <p:txBody>
-          <a:bodyPr lIns="0" rIns="0" tIns="0" bIns="0">
+          <a:bodyPr lIns="0" tIns="0" rIns="0" bIns="0">
             <a:normAutofit/>
           </a:bodyPr>
-          <a:p>
-            <a:endParaRPr b="0" lang="en-US" sz="3200" spc="-1" strike="noStrike">
+          <a:lstStyle/>
+          <a:p>
+            <a:endParaRPr lang="en-US" sz="3200" b="0" strike="noStrike" spc="-1">
               <a:latin typeface="Arial"/>
             </a:endParaRPr>
           </a:p>
@@ -2193,11 +2402,14 @@
       </p:sp>
     </p:spTree>
   </p:cSld>
+  <p:clrMapOvr>
+    <a:masterClrMapping/>
+  </p:clrMapOvr>
 </p:sldLayout>
 </file>
 
 <file path=ppt/slideLayouts/slideLayout28.xml><?xml version="1.0" encoding="utf-8"?>
-<p:sldLayout xmlns:a="http://schemas.openxmlformats.org/drawingml/2006/main" xmlns:p="http://schemas.openxmlformats.org/presentationml/2006/main" xmlns:r="http://schemas.openxmlformats.org/officeDocument/2006/relationships" xmlns:p14="http://schemas.microsoft.com/office/powerpoint/2010/main" xmlns:p15="http://schemas.microsoft.com/office/powerpoint/2012/main" xmlns:mc="http://schemas.openxmlformats.org/markup-compatibility/2006" type="twoObj" preserve="1">
+<p:sldLayout xmlns:a="http://schemas.openxmlformats.org/drawingml/2006/main" xmlns:r="http://schemas.openxmlformats.org/officeDocument/2006/relationships" xmlns:p="http://schemas.openxmlformats.org/presentationml/2006/main" type="twoObj" preserve="1">
   <p:cSld name="Title, 2 Content">
     <p:spTree>
       <p:nvGrpSpPr>
@@ -2233,12 +2445,13 @@
           </a:prstGeom>
         </p:spPr>
         <p:txBody>
-          <a:bodyPr lIns="0" rIns="0" tIns="0" bIns="0" anchor="ctr">
+          <a:bodyPr lIns="0" tIns="0" rIns="0" bIns="0" anchor="ctr">
             <a:noAutofit/>
           </a:bodyPr>
+          <a:lstStyle/>
           <a:p>
             <a:pPr algn="ctr"/>
-            <a:endParaRPr b="0" lang="en-US" sz="4400" spc="-1" strike="noStrike">
+            <a:endParaRPr lang="en-US" sz="4400" b="0" strike="noStrike" spc="-1">
               <a:latin typeface="Arial"/>
             </a:endParaRPr>
           </a:p>
@@ -2264,11 +2477,12 @@
           </a:prstGeom>
         </p:spPr>
         <p:txBody>
-          <a:bodyPr lIns="0" rIns="0" tIns="0" bIns="0">
+          <a:bodyPr lIns="0" tIns="0" rIns="0" bIns="0">
             <a:normAutofit/>
           </a:bodyPr>
-          <a:p>
-            <a:endParaRPr b="0" lang="en-US" sz="3200" spc="-1" strike="noStrike">
+          <a:lstStyle/>
+          <a:p>
+            <a:endParaRPr lang="en-US" sz="3200" b="0" strike="noStrike" spc="-1">
               <a:latin typeface="Arial"/>
             </a:endParaRPr>
           </a:p>
@@ -2294,11 +2508,12 @@
           </a:prstGeom>
         </p:spPr>
         <p:txBody>
-          <a:bodyPr lIns="0" rIns="0" tIns="0" bIns="0">
+          <a:bodyPr lIns="0" tIns="0" rIns="0" bIns="0">
             <a:normAutofit/>
           </a:bodyPr>
-          <a:p>
-            <a:endParaRPr b="0" lang="en-US" sz="3200" spc="-1" strike="noStrike">
+          <a:lstStyle/>
+          <a:p>
+            <a:endParaRPr lang="en-US" sz="3200" b="0" strike="noStrike" spc="-1">
               <a:latin typeface="Arial"/>
             </a:endParaRPr>
           </a:p>
@@ -2306,11 +2521,14 @@
       </p:sp>
     </p:spTree>
   </p:cSld>
+  <p:clrMapOvr>
+    <a:masterClrMapping/>
+  </p:clrMapOvr>
 </p:sldLayout>
 </file>
 
 <file path=ppt/slideLayouts/slideLayout29.xml><?xml version="1.0" encoding="utf-8"?>
-<p:sldLayout xmlns:a="http://schemas.openxmlformats.org/drawingml/2006/main" xmlns:p="http://schemas.openxmlformats.org/presentationml/2006/main" xmlns:r="http://schemas.openxmlformats.org/officeDocument/2006/relationships" xmlns:p14="http://schemas.microsoft.com/office/powerpoint/2010/main" xmlns:p15="http://schemas.microsoft.com/office/powerpoint/2012/main" xmlns:mc="http://schemas.openxmlformats.org/markup-compatibility/2006" type="titleOnly" preserve="1">
+<p:sldLayout xmlns:a="http://schemas.openxmlformats.org/drawingml/2006/main" xmlns:r="http://schemas.openxmlformats.org/officeDocument/2006/relationships" xmlns:p="http://schemas.openxmlformats.org/presentationml/2006/main" type="titleOnly" preserve="1">
   <p:cSld name="Title Only">
     <p:spTree>
       <p:nvGrpSpPr>
@@ -2346,12 +2564,13 @@
           </a:prstGeom>
         </p:spPr>
         <p:txBody>
-          <a:bodyPr lIns="0" rIns="0" tIns="0" bIns="0" anchor="ctr">
+          <a:bodyPr lIns="0" tIns="0" rIns="0" bIns="0" anchor="ctr">
             <a:noAutofit/>
           </a:bodyPr>
+          <a:lstStyle/>
           <a:p>
             <a:pPr algn="ctr"/>
-            <a:endParaRPr b="0" lang="en-US" sz="4400" spc="-1" strike="noStrike">
+            <a:endParaRPr lang="en-US" sz="4400" b="0" strike="noStrike" spc="-1">
               <a:latin typeface="Arial"/>
             </a:endParaRPr>
           </a:p>
@@ -2359,11 +2578,14 @@
       </p:sp>
     </p:spTree>
   </p:cSld>
+  <p:clrMapOvr>
+    <a:masterClrMapping/>
+  </p:clrMapOvr>
 </p:sldLayout>
 </file>
 
 <file path=ppt/slideLayouts/slideLayout3.xml><?xml version="1.0" encoding="utf-8"?>
-<p:sldLayout xmlns:a="http://schemas.openxmlformats.org/drawingml/2006/main" xmlns:p="http://schemas.openxmlformats.org/presentationml/2006/main" xmlns:r="http://schemas.openxmlformats.org/officeDocument/2006/relationships" xmlns:p14="http://schemas.microsoft.com/office/powerpoint/2010/main" xmlns:p15="http://schemas.microsoft.com/office/powerpoint/2012/main" xmlns:mc="http://schemas.openxmlformats.org/markup-compatibility/2006" type="obj" preserve="1">
+<p:sldLayout xmlns:a="http://schemas.openxmlformats.org/drawingml/2006/main" xmlns:r="http://schemas.openxmlformats.org/officeDocument/2006/relationships" xmlns:p="http://schemas.openxmlformats.org/presentationml/2006/main" type="obj" preserve="1">
   <p:cSld name="Title, Content">
     <p:spTree>
       <p:nvGrpSpPr>
@@ -2399,12 +2621,13 @@
           </a:prstGeom>
         </p:spPr>
         <p:txBody>
-          <a:bodyPr lIns="0" rIns="0" tIns="0" bIns="0" anchor="ctr">
+          <a:bodyPr lIns="0" tIns="0" rIns="0" bIns="0" anchor="ctr">
             <a:noAutofit/>
           </a:bodyPr>
+          <a:lstStyle/>
           <a:p>
             <a:pPr algn="ctr"/>
-            <a:endParaRPr b="0" lang="en-US" sz="4400" spc="-1" strike="noStrike">
+            <a:endParaRPr lang="en-US" sz="4400" b="0" strike="noStrike" spc="-1">
               <a:latin typeface="Arial"/>
             </a:endParaRPr>
           </a:p>
@@ -2430,11 +2653,12 @@
           </a:prstGeom>
         </p:spPr>
         <p:txBody>
-          <a:bodyPr lIns="0" rIns="0" tIns="0" bIns="0">
+          <a:bodyPr lIns="0" tIns="0" rIns="0" bIns="0">
             <a:normAutofit/>
           </a:bodyPr>
-          <a:p>
-            <a:endParaRPr b="0" lang="en-US" sz="3200" spc="-1" strike="noStrike">
+          <a:lstStyle/>
+          <a:p>
+            <a:endParaRPr lang="en-US" sz="3200" b="0" strike="noStrike" spc="-1">
               <a:latin typeface="Arial"/>
             </a:endParaRPr>
           </a:p>
@@ -2442,11 +2666,14 @@
       </p:sp>
     </p:spTree>
   </p:cSld>
+  <p:clrMapOvr>
+    <a:masterClrMapping/>
+  </p:clrMapOvr>
 </p:sldLayout>
 </file>
 
 <file path=ppt/slideLayouts/slideLayout30.xml><?xml version="1.0" encoding="utf-8"?>
-<p:sldLayout xmlns:a="http://schemas.openxmlformats.org/drawingml/2006/main" xmlns:p="http://schemas.openxmlformats.org/presentationml/2006/main" xmlns:r="http://schemas.openxmlformats.org/officeDocument/2006/relationships" xmlns:p14="http://schemas.microsoft.com/office/powerpoint/2010/main" xmlns:p15="http://schemas.microsoft.com/office/powerpoint/2012/main" xmlns:mc="http://schemas.openxmlformats.org/markup-compatibility/2006" type="objOnly" preserve="1">
+<p:sldLayout xmlns:a="http://schemas.openxmlformats.org/drawingml/2006/main" xmlns:r="http://schemas.openxmlformats.org/officeDocument/2006/relationships" xmlns:p="http://schemas.openxmlformats.org/presentationml/2006/main" type="objOnly" preserve="1">
   <p:cSld name="Centered Text">
     <p:spTree>
       <p:nvGrpSpPr>
@@ -2482,12 +2709,13 @@
           </a:prstGeom>
         </p:spPr>
         <p:txBody>
-          <a:bodyPr lIns="0" rIns="0" tIns="0" bIns="0" anchor="ctr">
+          <a:bodyPr lIns="0" tIns="0" rIns="0" bIns="0" anchor="ctr">
             <a:noAutofit/>
           </a:bodyPr>
+          <a:lstStyle/>
           <a:p>
             <a:pPr algn="ctr"/>
-            <a:endParaRPr b="0" lang="en-US" sz="3200" spc="-1" strike="noStrike">
+            <a:endParaRPr lang="en-US" sz="3200" b="0" strike="noStrike" spc="-1">
               <a:latin typeface="Arial"/>
             </a:endParaRPr>
           </a:p>
@@ -2495,11 +2723,14 @@
       </p:sp>
     </p:spTree>
   </p:cSld>
+  <p:clrMapOvr>
+    <a:masterClrMapping/>
+  </p:clrMapOvr>
 </p:sldLayout>
 </file>
 
 <file path=ppt/slideLayouts/slideLayout31.xml><?xml version="1.0" encoding="utf-8"?>
-<p:sldLayout xmlns:a="http://schemas.openxmlformats.org/drawingml/2006/main" xmlns:p="http://schemas.openxmlformats.org/presentationml/2006/main" xmlns:r="http://schemas.openxmlformats.org/officeDocument/2006/relationships" xmlns:p14="http://schemas.microsoft.com/office/powerpoint/2010/main" xmlns:p15="http://schemas.microsoft.com/office/powerpoint/2012/main" xmlns:mc="http://schemas.openxmlformats.org/markup-compatibility/2006" type="twoObjAndObj" preserve="1">
+<p:sldLayout xmlns:a="http://schemas.openxmlformats.org/drawingml/2006/main" xmlns:r="http://schemas.openxmlformats.org/officeDocument/2006/relationships" xmlns:p="http://schemas.openxmlformats.org/presentationml/2006/main" type="twoObjAndObj" preserve="1">
   <p:cSld name="Title, 2 Content and Content">
     <p:spTree>
       <p:nvGrpSpPr>
@@ -2535,12 +2766,13 @@
           </a:prstGeom>
         </p:spPr>
         <p:txBody>
-          <a:bodyPr lIns="0" rIns="0" tIns="0" bIns="0" anchor="ctr">
+          <a:bodyPr lIns="0" tIns="0" rIns="0" bIns="0" anchor="ctr">
             <a:noAutofit/>
           </a:bodyPr>
+          <a:lstStyle/>
           <a:p>
             <a:pPr algn="ctr"/>
-            <a:endParaRPr b="0" lang="en-US" sz="4400" spc="-1" strike="noStrike">
+            <a:endParaRPr lang="en-US" sz="4400" b="0" strike="noStrike" spc="-1">
               <a:latin typeface="Arial"/>
             </a:endParaRPr>
           </a:p>
@@ -2566,11 +2798,12 @@
           </a:prstGeom>
         </p:spPr>
         <p:txBody>
-          <a:bodyPr lIns="0" rIns="0" tIns="0" bIns="0">
+          <a:bodyPr lIns="0" tIns="0" rIns="0" bIns="0">
             <a:normAutofit/>
           </a:bodyPr>
-          <a:p>
-            <a:endParaRPr b="0" lang="en-US" sz="3200" spc="-1" strike="noStrike">
+          <a:lstStyle/>
+          <a:p>
+            <a:endParaRPr lang="en-US" sz="3200" b="0" strike="noStrike" spc="-1">
               <a:latin typeface="Arial"/>
             </a:endParaRPr>
           </a:p>
@@ -2596,11 +2829,12 @@
           </a:prstGeom>
         </p:spPr>
         <p:txBody>
-          <a:bodyPr lIns="0" rIns="0" tIns="0" bIns="0">
+          <a:bodyPr lIns="0" tIns="0" rIns="0" bIns="0">
             <a:normAutofit/>
           </a:bodyPr>
-          <a:p>
-            <a:endParaRPr b="0" lang="en-US" sz="3200" spc="-1" strike="noStrike">
+          <a:lstStyle/>
+          <a:p>
+            <a:endParaRPr lang="en-US" sz="3200" b="0" strike="noStrike" spc="-1">
               <a:latin typeface="Arial"/>
             </a:endParaRPr>
           </a:p>
@@ -2626,11 +2860,12 @@
           </a:prstGeom>
         </p:spPr>
         <p:txBody>
-          <a:bodyPr lIns="0" rIns="0" tIns="0" bIns="0">
+          <a:bodyPr lIns="0" tIns="0" rIns="0" bIns="0">
             <a:normAutofit/>
           </a:bodyPr>
-          <a:p>
-            <a:endParaRPr b="0" lang="en-US" sz="3200" spc="-1" strike="noStrike">
+          <a:lstStyle/>
+          <a:p>
+            <a:endParaRPr lang="en-US" sz="3200" b="0" strike="noStrike" spc="-1">
               <a:latin typeface="Arial"/>
             </a:endParaRPr>
           </a:p>
@@ -2638,11 +2873,14 @@
       </p:sp>
     </p:spTree>
   </p:cSld>
+  <p:clrMapOvr>
+    <a:masterClrMapping/>
+  </p:clrMapOvr>
 </p:sldLayout>
 </file>
 
 <file path=ppt/slideLayouts/slideLayout32.xml><?xml version="1.0" encoding="utf-8"?>
-<p:sldLayout xmlns:a="http://schemas.openxmlformats.org/drawingml/2006/main" xmlns:p="http://schemas.openxmlformats.org/presentationml/2006/main" xmlns:r="http://schemas.openxmlformats.org/officeDocument/2006/relationships" xmlns:p14="http://schemas.microsoft.com/office/powerpoint/2010/main" xmlns:p15="http://schemas.microsoft.com/office/powerpoint/2012/main" xmlns:mc="http://schemas.openxmlformats.org/markup-compatibility/2006" type="objAndTwoObj" preserve="1">
+<p:sldLayout xmlns:a="http://schemas.openxmlformats.org/drawingml/2006/main" xmlns:r="http://schemas.openxmlformats.org/officeDocument/2006/relationships" xmlns:p="http://schemas.openxmlformats.org/presentationml/2006/main" type="objAndTwoObj" preserve="1">
   <p:cSld name="Title Content and 2 Content">
     <p:spTree>
       <p:nvGrpSpPr>
@@ -2678,12 +2916,13 @@
           </a:prstGeom>
         </p:spPr>
         <p:txBody>
-          <a:bodyPr lIns="0" rIns="0" tIns="0" bIns="0" anchor="ctr">
+          <a:bodyPr lIns="0" tIns="0" rIns="0" bIns="0" anchor="ctr">
             <a:noAutofit/>
           </a:bodyPr>
+          <a:lstStyle/>
           <a:p>
             <a:pPr algn="ctr"/>
-            <a:endParaRPr b="0" lang="en-US" sz="4400" spc="-1" strike="noStrike">
+            <a:endParaRPr lang="en-US" sz="4400" b="0" strike="noStrike" spc="-1">
               <a:latin typeface="Arial"/>
             </a:endParaRPr>
           </a:p>
@@ -2709,11 +2948,12 @@
           </a:prstGeom>
         </p:spPr>
         <p:txBody>
-          <a:bodyPr lIns="0" rIns="0" tIns="0" bIns="0">
+          <a:bodyPr lIns="0" tIns="0" rIns="0" bIns="0">
             <a:normAutofit/>
           </a:bodyPr>
-          <a:p>
-            <a:endParaRPr b="0" lang="en-US" sz="3200" spc="-1" strike="noStrike">
+          <a:lstStyle/>
+          <a:p>
+            <a:endParaRPr lang="en-US" sz="3200" b="0" strike="noStrike" spc="-1">
               <a:latin typeface="Arial"/>
             </a:endParaRPr>
           </a:p>
@@ -2739,11 +2979,12 @@
           </a:prstGeom>
         </p:spPr>
         <p:txBody>
-          <a:bodyPr lIns="0" rIns="0" tIns="0" bIns="0">
+          <a:bodyPr lIns="0" tIns="0" rIns="0" bIns="0">
             <a:normAutofit/>
           </a:bodyPr>
-          <a:p>
-            <a:endParaRPr b="0" lang="en-US" sz="3200" spc="-1" strike="noStrike">
+          <a:lstStyle/>
+          <a:p>
+            <a:endParaRPr lang="en-US" sz="3200" b="0" strike="noStrike" spc="-1">
               <a:latin typeface="Arial"/>
             </a:endParaRPr>
           </a:p>
@@ -2769,11 +3010,12 @@
           </a:prstGeom>
         </p:spPr>
         <p:txBody>
-          <a:bodyPr lIns="0" rIns="0" tIns="0" bIns="0">
+          <a:bodyPr lIns="0" tIns="0" rIns="0" bIns="0">
             <a:normAutofit/>
           </a:bodyPr>
-          <a:p>
-            <a:endParaRPr b="0" lang="en-US" sz="3200" spc="-1" strike="noStrike">
+          <a:lstStyle/>
+          <a:p>
+            <a:endParaRPr lang="en-US" sz="3200" b="0" strike="noStrike" spc="-1">
               <a:latin typeface="Arial"/>
             </a:endParaRPr>
           </a:p>
@@ -2781,11 +3023,14 @@
       </p:sp>
     </p:spTree>
   </p:cSld>
+  <p:clrMapOvr>
+    <a:masterClrMapping/>
+  </p:clrMapOvr>
 </p:sldLayout>
 </file>
 
 <file path=ppt/slideLayouts/slideLayout33.xml><?xml version="1.0" encoding="utf-8"?>
-<p:sldLayout xmlns:a="http://schemas.openxmlformats.org/drawingml/2006/main" xmlns:p="http://schemas.openxmlformats.org/presentationml/2006/main" xmlns:r="http://schemas.openxmlformats.org/officeDocument/2006/relationships" xmlns:p14="http://schemas.microsoft.com/office/powerpoint/2010/main" xmlns:p15="http://schemas.microsoft.com/office/powerpoint/2012/main" xmlns:mc="http://schemas.openxmlformats.org/markup-compatibility/2006" type="twoObjOverTx" preserve="1">
+<p:sldLayout xmlns:a="http://schemas.openxmlformats.org/drawingml/2006/main" xmlns:r="http://schemas.openxmlformats.org/officeDocument/2006/relationships" xmlns:p="http://schemas.openxmlformats.org/presentationml/2006/main" type="twoObjOverTx" preserve="1">
   <p:cSld name="Title, 2 Content over Content">
     <p:spTree>
       <p:nvGrpSpPr>
@@ -2821,12 +3066,13 @@
           </a:prstGeom>
         </p:spPr>
         <p:txBody>
-          <a:bodyPr lIns="0" rIns="0" tIns="0" bIns="0" anchor="ctr">
+          <a:bodyPr lIns="0" tIns="0" rIns="0" bIns="0" anchor="ctr">
             <a:noAutofit/>
           </a:bodyPr>
+          <a:lstStyle/>
           <a:p>
             <a:pPr algn="ctr"/>
-            <a:endParaRPr b="0" lang="en-US" sz="4400" spc="-1" strike="noStrike">
+            <a:endParaRPr lang="en-US" sz="4400" b="0" strike="noStrike" spc="-1">
               <a:latin typeface="Arial"/>
             </a:endParaRPr>
           </a:p>
@@ -2852,11 +3098,12 @@
           </a:prstGeom>
         </p:spPr>
         <p:txBody>
-          <a:bodyPr lIns="0" rIns="0" tIns="0" bIns="0">
+          <a:bodyPr lIns="0" tIns="0" rIns="0" bIns="0">
             <a:normAutofit/>
           </a:bodyPr>
-          <a:p>
-            <a:endParaRPr b="0" lang="en-US" sz="3200" spc="-1" strike="noStrike">
+          <a:lstStyle/>
+          <a:p>
+            <a:endParaRPr lang="en-US" sz="3200" b="0" strike="noStrike" spc="-1">
               <a:latin typeface="Arial"/>
             </a:endParaRPr>
           </a:p>
@@ -2882,11 +3129,12 @@
           </a:prstGeom>
         </p:spPr>
         <p:txBody>
-          <a:bodyPr lIns="0" rIns="0" tIns="0" bIns="0">
+          <a:bodyPr lIns="0" tIns="0" rIns="0" bIns="0">
             <a:normAutofit/>
           </a:bodyPr>
-          <a:p>
-            <a:endParaRPr b="0" lang="en-US" sz="3200" spc="-1" strike="noStrike">
+          <a:lstStyle/>
+          <a:p>
+            <a:endParaRPr lang="en-US" sz="3200" b="0" strike="noStrike" spc="-1">
               <a:latin typeface="Arial"/>
             </a:endParaRPr>
           </a:p>
@@ -2912,11 +3160,12 @@
           </a:prstGeom>
         </p:spPr>
         <p:txBody>
-          <a:bodyPr lIns="0" rIns="0" tIns="0" bIns="0">
+          <a:bodyPr lIns="0" tIns="0" rIns="0" bIns="0">
             <a:normAutofit/>
           </a:bodyPr>
-          <a:p>
-            <a:endParaRPr b="0" lang="en-US" sz="3200" spc="-1" strike="noStrike">
+          <a:lstStyle/>
+          <a:p>
+            <a:endParaRPr lang="en-US" sz="3200" b="0" strike="noStrike" spc="-1">
               <a:latin typeface="Arial"/>
             </a:endParaRPr>
           </a:p>
@@ -2924,11 +3173,14 @@
       </p:sp>
     </p:spTree>
   </p:cSld>
+  <p:clrMapOvr>
+    <a:masterClrMapping/>
+  </p:clrMapOvr>
 </p:sldLayout>
 </file>
 
 <file path=ppt/slideLayouts/slideLayout34.xml><?xml version="1.0" encoding="utf-8"?>
-<p:sldLayout xmlns:a="http://schemas.openxmlformats.org/drawingml/2006/main" xmlns:p="http://schemas.openxmlformats.org/presentationml/2006/main" xmlns:r="http://schemas.openxmlformats.org/officeDocument/2006/relationships" xmlns:p14="http://schemas.microsoft.com/office/powerpoint/2010/main" xmlns:p15="http://schemas.microsoft.com/office/powerpoint/2012/main" xmlns:mc="http://schemas.openxmlformats.org/markup-compatibility/2006" type="objOverTx" preserve="1">
+<p:sldLayout xmlns:a="http://schemas.openxmlformats.org/drawingml/2006/main" xmlns:r="http://schemas.openxmlformats.org/officeDocument/2006/relationships" xmlns:p="http://schemas.openxmlformats.org/presentationml/2006/main" type="objOverTx" preserve="1">
   <p:cSld name="Title, Content over Content">
     <p:spTree>
       <p:nvGrpSpPr>
@@ -2964,12 +3216,13 @@
           </a:prstGeom>
         </p:spPr>
         <p:txBody>
-          <a:bodyPr lIns="0" rIns="0" tIns="0" bIns="0" anchor="ctr">
+          <a:bodyPr lIns="0" tIns="0" rIns="0" bIns="0" anchor="ctr">
             <a:noAutofit/>
           </a:bodyPr>
+          <a:lstStyle/>
           <a:p>
             <a:pPr algn="ctr"/>
-            <a:endParaRPr b="0" lang="en-US" sz="4400" spc="-1" strike="noStrike">
+            <a:endParaRPr lang="en-US" sz="4400" b="0" strike="noStrike" spc="-1">
               <a:latin typeface="Arial"/>
             </a:endParaRPr>
           </a:p>
@@ -2995,11 +3248,12 @@
           </a:prstGeom>
         </p:spPr>
         <p:txBody>
-          <a:bodyPr lIns="0" rIns="0" tIns="0" bIns="0">
+          <a:bodyPr lIns="0" tIns="0" rIns="0" bIns="0">
             <a:normAutofit/>
           </a:bodyPr>
-          <a:p>
-            <a:endParaRPr b="0" lang="en-US" sz="3200" spc="-1" strike="noStrike">
+          <a:lstStyle/>
+          <a:p>
+            <a:endParaRPr lang="en-US" sz="3200" b="0" strike="noStrike" spc="-1">
               <a:latin typeface="Arial"/>
             </a:endParaRPr>
           </a:p>
@@ -3025,11 +3279,12 @@
           </a:prstGeom>
         </p:spPr>
         <p:txBody>
-          <a:bodyPr lIns="0" rIns="0" tIns="0" bIns="0">
+          <a:bodyPr lIns="0" tIns="0" rIns="0" bIns="0">
             <a:normAutofit/>
           </a:bodyPr>
-          <a:p>
-            <a:endParaRPr b="0" lang="en-US" sz="3200" spc="-1" strike="noStrike">
+          <a:lstStyle/>
+          <a:p>
+            <a:endParaRPr lang="en-US" sz="3200" b="0" strike="noStrike" spc="-1">
               <a:latin typeface="Arial"/>
             </a:endParaRPr>
           </a:p>
@@ -3037,11 +3292,14 @@
       </p:sp>
     </p:spTree>
   </p:cSld>
+  <p:clrMapOvr>
+    <a:masterClrMapping/>
+  </p:clrMapOvr>
 </p:sldLayout>
 </file>
 
 <file path=ppt/slideLayouts/slideLayout35.xml><?xml version="1.0" encoding="utf-8"?>
-<p:sldLayout xmlns:a="http://schemas.openxmlformats.org/drawingml/2006/main" xmlns:p="http://schemas.openxmlformats.org/presentationml/2006/main" xmlns:r="http://schemas.openxmlformats.org/officeDocument/2006/relationships" xmlns:p14="http://schemas.microsoft.com/office/powerpoint/2010/main" xmlns:p15="http://schemas.microsoft.com/office/powerpoint/2012/main" xmlns:mc="http://schemas.openxmlformats.org/markup-compatibility/2006" type="fourObj" preserve="1">
+<p:sldLayout xmlns:a="http://schemas.openxmlformats.org/drawingml/2006/main" xmlns:r="http://schemas.openxmlformats.org/officeDocument/2006/relationships" xmlns:p="http://schemas.openxmlformats.org/presentationml/2006/main" type="fourObj" preserve="1">
   <p:cSld name="Title, 4 Content">
     <p:spTree>
       <p:nvGrpSpPr>
@@ -3077,12 +3335,13 @@
           </a:prstGeom>
         </p:spPr>
         <p:txBody>
-          <a:bodyPr lIns="0" rIns="0" tIns="0" bIns="0" anchor="ctr">
+          <a:bodyPr lIns="0" tIns="0" rIns="0" bIns="0" anchor="ctr">
             <a:noAutofit/>
           </a:bodyPr>
+          <a:lstStyle/>
           <a:p>
             <a:pPr algn="ctr"/>
-            <a:endParaRPr b="0" lang="en-US" sz="4400" spc="-1" strike="noStrike">
+            <a:endParaRPr lang="en-US" sz="4400" b="0" strike="noStrike" spc="-1">
               <a:latin typeface="Arial"/>
             </a:endParaRPr>
           </a:p>
@@ -3108,11 +3367,12 @@
           </a:prstGeom>
         </p:spPr>
         <p:txBody>
-          <a:bodyPr lIns="0" rIns="0" tIns="0" bIns="0">
+          <a:bodyPr lIns="0" tIns="0" rIns="0" bIns="0">
             <a:normAutofit/>
           </a:bodyPr>
-          <a:p>
-            <a:endParaRPr b="0" lang="en-US" sz="3200" spc="-1" strike="noStrike">
+          <a:lstStyle/>
+          <a:p>
+            <a:endParaRPr lang="en-US" sz="3200" b="0" strike="noStrike" spc="-1">
               <a:latin typeface="Arial"/>
             </a:endParaRPr>
           </a:p>
@@ -3138,11 +3398,12 @@
           </a:prstGeom>
         </p:spPr>
         <p:txBody>
-          <a:bodyPr lIns="0" rIns="0" tIns="0" bIns="0">
+          <a:bodyPr lIns="0" tIns="0" rIns="0" bIns="0">
             <a:normAutofit/>
           </a:bodyPr>
-          <a:p>
-            <a:endParaRPr b="0" lang="en-US" sz="3200" spc="-1" strike="noStrike">
+          <a:lstStyle/>
+          <a:p>
+            <a:endParaRPr lang="en-US" sz="3200" b="0" strike="noStrike" spc="-1">
               <a:latin typeface="Arial"/>
             </a:endParaRPr>
           </a:p>
@@ -3168,11 +3429,12 @@
           </a:prstGeom>
         </p:spPr>
         <p:txBody>
-          <a:bodyPr lIns="0" rIns="0" tIns="0" bIns="0">
+          <a:bodyPr lIns="0" tIns="0" rIns="0" bIns="0">
             <a:normAutofit/>
           </a:bodyPr>
-          <a:p>
-            <a:endParaRPr b="0" lang="en-US" sz="3200" spc="-1" strike="noStrike">
+          <a:lstStyle/>
+          <a:p>
+            <a:endParaRPr lang="en-US" sz="3200" b="0" strike="noStrike" spc="-1">
               <a:latin typeface="Arial"/>
             </a:endParaRPr>
           </a:p>
@@ -3198,11 +3460,12 @@
           </a:prstGeom>
         </p:spPr>
         <p:txBody>
-          <a:bodyPr lIns="0" rIns="0" tIns="0" bIns="0">
+          <a:bodyPr lIns="0" tIns="0" rIns="0" bIns="0">
             <a:normAutofit/>
           </a:bodyPr>
-          <a:p>
-            <a:endParaRPr b="0" lang="en-US" sz="3200" spc="-1" strike="noStrike">
+          <a:lstStyle/>
+          <a:p>
+            <a:endParaRPr lang="en-US" sz="3200" b="0" strike="noStrike" spc="-1">
               <a:latin typeface="Arial"/>
             </a:endParaRPr>
           </a:p>
@@ -3210,11 +3473,14 @@
       </p:sp>
     </p:spTree>
   </p:cSld>
+  <p:clrMapOvr>
+    <a:masterClrMapping/>
+  </p:clrMapOvr>
 </p:sldLayout>
 </file>
 
 <file path=ppt/slideLayouts/slideLayout36.xml><?xml version="1.0" encoding="utf-8"?>
-<p:sldLayout xmlns:a="http://schemas.openxmlformats.org/drawingml/2006/main" xmlns:p="http://schemas.openxmlformats.org/presentationml/2006/main" xmlns:r="http://schemas.openxmlformats.org/officeDocument/2006/relationships" xmlns:p14="http://schemas.microsoft.com/office/powerpoint/2010/main" xmlns:p15="http://schemas.microsoft.com/office/powerpoint/2012/main" xmlns:mc="http://schemas.openxmlformats.org/markup-compatibility/2006" type="blank" preserve="1">
+<p:sldLayout xmlns:a="http://schemas.openxmlformats.org/drawingml/2006/main" xmlns:r="http://schemas.openxmlformats.org/officeDocument/2006/relationships" xmlns:p="http://schemas.openxmlformats.org/presentationml/2006/main" type="blank" preserve="1">
   <p:cSld name="Title, 6 Content">
     <p:spTree>
       <p:nvGrpSpPr>
@@ -3250,12 +3516,13 @@
           </a:prstGeom>
         </p:spPr>
         <p:txBody>
-          <a:bodyPr lIns="0" rIns="0" tIns="0" bIns="0" anchor="ctr">
+          <a:bodyPr lIns="0" tIns="0" rIns="0" bIns="0" anchor="ctr">
             <a:noAutofit/>
           </a:bodyPr>
+          <a:lstStyle/>
           <a:p>
             <a:pPr algn="ctr"/>
-            <a:endParaRPr b="0" lang="en-US" sz="4400" spc="-1" strike="noStrike">
+            <a:endParaRPr lang="en-US" sz="4400" b="0" strike="noStrike" spc="-1">
               <a:latin typeface="Arial"/>
             </a:endParaRPr>
           </a:p>
@@ -3281,11 +3548,12 @@
           </a:prstGeom>
         </p:spPr>
         <p:txBody>
-          <a:bodyPr lIns="0" rIns="0" tIns="0" bIns="0">
+          <a:bodyPr lIns="0" tIns="0" rIns="0" bIns="0">
             <a:normAutofit/>
           </a:bodyPr>
-          <a:p>
-            <a:endParaRPr b="0" lang="en-US" sz="3200" spc="-1" strike="noStrike">
+          <a:lstStyle/>
+          <a:p>
+            <a:endParaRPr lang="en-US" sz="3200" b="0" strike="noStrike" spc="-1">
               <a:latin typeface="Arial"/>
             </a:endParaRPr>
           </a:p>
@@ -3311,11 +3579,12 @@
           </a:prstGeom>
         </p:spPr>
         <p:txBody>
-          <a:bodyPr lIns="0" rIns="0" tIns="0" bIns="0">
+          <a:bodyPr lIns="0" tIns="0" rIns="0" bIns="0">
             <a:normAutofit/>
           </a:bodyPr>
-          <a:p>
-            <a:endParaRPr b="0" lang="en-US" sz="3200" spc="-1" strike="noStrike">
+          <a:lstStyle/>
+          <a:p>
+            <a:endParaRPr lang="en-US" sz="3200" b="0" strike="noStrike" spc="-1">
               <a:latin typeface="Arial"/>
             </a:endParaRPr>
           </a:p>
@@ -3341,11 +3610,12 @@
           </a:prstGeom>
         </p:spPr>
         <p:txBody>
-          <a:bodyPr lIns="0" rIns="0" tIns="0" bIns="0">
+          <a:bodyPr lIns="0" tIns="0" rIns="0" bIns="0">
             <a:normAutofit/>
           </a:bodyPr>
-          <a:p>
-            <a:endParaRPr b="0" lang="en-US" sz="3200" spc="-1" strike="noStrike">
+          <a:lstStyle/>
+          <a:p>
+            <a:endParaRPr lang="en-US" sz="3200" b="0" strike="noStrike" spc="-1">
               <a:latin typeface="Arial"/>
             </a:endParaRPr>
           </a:p>
@@ -3371,11 +3641,12 @@
           </a:prstGeom>
         </p:spPr>
         <p:txBody>
-          <a:bodyPr lIns="0" rIns="0" tIns="0" bIns="0">
+          <a:bodyPr lIns="0" tIns="0" rIns="0" bIns="0">
             <a:normAutofit/>
           </a:bodyPr>
-          <a:p>
-            <a:endParaRPr b="0" lang="en-US" sz="3200" spc="-1" strike="noStrike">
+          <a:lstStyle/>
+          <a:p>
+            <a:endParaRPr lang="en-US" sz="3200" b="0" strike="noStrike" spc="-1">
               <a:latin typeface="Arial"/>
             </a:endParaRPr>
           </a:p>
@@ -3401,11 +3672,12 @@
           </a:prstGeom>
         </p:spPr>
         <p:txBody>
-          <a:bodyPr lIns="0" rIns="0" tIns="0" bIns="0">
+          <a:bodyPr lIns="0" tIns="0" rIns="0" bIns="0">
             <a:normAutofit/>
           </a:bodyPr>
-          <a:p>
-            <a:endParaRPr b="0" lang="en-US" sz="3200" spc="-1" strike="noStrike">
+          <a:lstStyle/>
+          <a:p>
+            <a:endParaRPr lang="en-US" sz="3200" b="0" strike="noStrike" spc="-1">
               <a:latin typeface="Arial"/>
             </a:endParaRPr>
           </a:p>
@@ -3431,11 +3703,12 @@
           </a:prstGeom>
         </p:spPr>
         <p:txBody>
-          <a:bodyPr lIns="0" rIns="0" tIns="0" bIns="0">
+          <a:bodyPr lIns="0" tIns="0" rIns="0" bIns="0">
             <a:normAutofit/>
           </a:bodyPr>
-          <a:p>
-            <a:endParaRPr b="0" lang="en-US" sz="3200" spc="-1" strike="noStrike">
+          <a:lstStyle/>
+          <a:p>
+            <a:endParaRPr lang="en-US" sz="3200" b="0" strike="noStrike" spc="-1">
               <a:latin typeface="Arial"/>
             </a:endParaRPr>
           </a:p>
@@ -3443,11 +3716,14 @@
       </p:sp>
     </p:spTree>
   </p:cSld>
+  <p:clrMapOvr>
+    <a:masterClrMapping/>
+  </p:clrMapOvr>
 </p:sldLayout>
 </file>
 
 <file path=ppt/slideLayouts/slideLayout37.xml><?xml version="1.0" encoding="utf-8"?>
-<p:sldLayout xmlns:a="http://schemas.openxmlformats.org/drawingml/2006/main" xmlns:p="http://schemas.openxmlformats.org/presentationml/2006/main" xmlns:r="http://schemas.openxmlformats.org/officeDocument/2006/relationships" xmlns:p14="http://schemas.microsoft.com/office/powerpoint/2010/main" xmlns:p15="http://schemas.microsoft.com/office/powerpoint/2012/main" xmlns:mc="http://schemas.openxmlformats.org/markup-compatibility/2006" type="blank" preserve="1">
+<p:sldLayout xmlns:a="http://schemas.openxmlformats.org/drawingml/2006/main" xmlns:r="http://schemas.openxmlformats.org/officeDocument/2006/relationships" xmlns:p="http://schemas.openxmlformats.org/presentationml/2006/main" type="blank" preserve="1">
   <p:cSld name="Blank Slide">
     <p:spTree>
       <p:nvGrpSpPr>
@@ -3465,11 +3741,14 @@
       </p:grpSpPr>
     </p:spTree>
   </p:cSld>
+  <p:clrMapOvr>
+    <a:masterClrMapping/>
+  </p:clrMapOvr>
 </p:sldLayout>
 </file>
 
 <file path=ppt/slideLayouts/slideLayout38.xml><?xml version="1.0" encoding="utf-8"?>
-<p:sldLayout xmlns:a="http://schemas.openxmlformats.org/drawingml/2006/main" xmlns:p="http://schemas.openxmlformats.org/presentationml/2006/main" xmlns:r="http://schemas.openxmlformats.org/officeDocument/2006/relationships" xmlns:p14="http://schemas.microsoft.com/office/powerpoint/2010/main" xmlns:p15="http://schemas.microsoft.com/office/powerpoint/2012/main" xmlns:mc="http://schemas.openxmlformats.org/markup-compatibility/2006" type="tx" preserve="1">
+<p:sldLayout xmlns:a="http://schemas.openxmlformats.org/drawingml/2006/main" xmlns:r="http://schemas.openxmlformats.org/officeDocument/2006/relationships" xmlns:p="http://schemas.openxmlformats.org/presentationml/2006/main" type="tx" preserve="1">
   <p:cSld name="Title Slide">
     <p:spTree>
       <p:nvGrpSpPr>
@@ -3505,12 +3784,13 @@
           </a:prstGeom>
         </p:spPr>
         <p:txBody>
-          <a:bodyPr lIns="0" rIns="0" tIns="0" bIns="0" anchor="ctr">
+          <a:bodyPr lIns="0" tIns="0" rIns="0" bIns="0" anchor="ctr">
             <a:noAutofit/>
           </a:bodyPr>
+          <a:lstStyle/>
           <a:p>
             <a:pPr algn="ctr"/>
-            <a:endParaRPr b="0" lang="en-US" sz="4400" spc="-1" strike="noStrike">
+            <a:endParaRPr lang="en-US" sz="4400" b="0" strike="noStrike" spc="-1">
               <a:latin typeface="Arial"/>
             </a:endParaRPr>
           </a:p>
@@ -3536,12 +3816,13 @@
           </a:prstGeom>
         </p:spPr>
         <p:txBody>
-          <a:bodyPr lIns="0" rIns="0" tIns="0" bIns="0" anchor="ctr">
+          <a:bodyPr lIns="0" tIns="0" rIns="0" bIns="0" anchor="ctr">
             <a:noAutofit/>
           </a:bodyPr>
+          <a:lstStyle/>
           <a:p>
             <a:pPr algn="ctr"/>
-            <a:endParaRPr b="0" lang="en-US" sz="3200" spc="-1" strike="noStrike">
+            <a:endParaRPr lang="en-US" sz="3200" b="0" strike="noStrike" spc="-1">
               <a:latin typeface="Arial"/>
             </a:endParaRPr>
           </a:p>
@@ -3549,11 +3830,14 @@
       </p:sp>
     </p:spTree>
   </p:cSld>
+  <p:clrMapOvr>
+    <a:masterClrMapping/>
+  </p:clrMapOvr>
 </p:sldLayout>
 </file>
 
 <file path=ppt/slideLayouts/slideLayout39.xml><?xml version="1.0" encoding="utf-8"?>
-<p:sldLayout xmlns:a="http://schemas.openxmlformats.org/drawingml/2006/main" xmlns:p="http://schemas.openxmlformats.org/presentationml/2006/main" xmlns:r="http://schemas.openxmlformats.org/officeDocument/2006/relationships" xmlns:p14="http://schemas.microsoft.com/office/powerpoint/2010/main" xmlns:p15="http://schemas.microsoft.com/office/powerpoint/2012/main" xmlns:mc="http://schemas.openxmlformats.org/markup-compatibility/2006" type="obj" preserve="1">
+<p:sldLayout xmlns:a="http://schemas.openxmlformats.org/drawingml/2006/main" xmlns:r="http://schemas.openxmlformats.org/officeDocument/2006/relationships" xmlns:p="http://schemas.openxmlformats.org/presentationml/2006/main" type="obj" preserve="1">
   <p:cSld name="Title, Content">
     <p:spTree>
       <p:nvGrpSpPr>
@@ -3589,12 +3873,13 @@
           </a:prstGeom>
         </p:spPr>
         <p:txBody>
-          <a:bodyPr lIns="0" rIns="0" tIns="0" bIns="0" anchor="ctr">
+          <a:bodyPr lIns="0" tIns="0" rIns="0" bIns="0" anchor="ctr">
             <a:noAutofit/>
           </a:bodyPr>
+          <a:lstStyle/>
           <a:p>
             <a:pPr algn="ctr"/>
-            <a:endParaRPr b="0" lang="en-US" sz="4400" spc="-1" strike="noStrike">
+            <a:endParaRPr lang="en-US" sz="4400" b="0" strike="noStrike" spc="-1">
               <a:latin typeface="Arial"/>
             </a:endParaRPr>
           </a:p>
@@ -3620,11 +3905,12 @@
           </a:prstGeom>
         </p:spPr>
         <p:txBody>
-          <a:bodyPr lIns="0" rIns="0" tIns="0" bIns="0">
+          <a:bodyPr lIns="0" tIns="0" rIns="0" bIns="0">
             <a:normAutofit/>
           </a:bodyPr>
-          <a:p>
-            <a:endParaRPr b="0" lang="en-US" sz="3200" spc="-1" strike="noStrike">
+          <a:lstStyle/>
+          <a:p>
+            <a:endParaRPr lang="en-US" sz="3200" b="0" strike="noStrike" spc="-1">
               <a:latin typeface="Arial"/>
             </a:endParaRPr>
           </a:p>
@@ -3632,11 +3918,14 @@
       </p:sp>
     </p:spTree>
   </p:cSld>
+  <p:clrMapOvr>
+    <a:masterClrMapping/>
+  </p:clrMapOvr>
 </p:sldLayout>
 </file>
 
 <file path=ppt/slideLayouts/slideLayout4.xml><?xml version="1.0" encoding="utf-8"?>
-<p:sldLayout xmlns:a="http://schemas.openxmlformats.org/drawingml/2006/main" xmlns:p="http://schemas.openxmlformats.org/presentationml/2006/main" xmlns:r="http://schemas.openxmlformats.org/officeDocument/2006/relationships" xmlns:p14="http://schemas.microsoft.com/office/powerpoint/2010/main" xmlns:p15="http://schemas.microsoft.com/office/powerpoint/2012/main" xmlns:mc="http://schemas.openxmlformats.org/markup-compatibility/2006" type="twoObj" preserve="1">
+<p:sldLayout xmlns:a="http://schemas.openxmlformats.org/drawingml/2006/main" xmlns:r="http://schemas.openxmlformats.org/officeDocument/2006/relationships" xmlns:p="http://schemas.openxmlformats.org/presentationml/2006/main" type="twoObj" preserve="1">
   <p:cSld name="Title, 2 Content">
     <p:spTree>
       <p:nvGrpSpPr>
@@ -3672,12 +3961,13 @@
           </a:prstGeom>
         </p:spPr>
         <p:txBody>
-          <a:bodyPr lIns="0" rIns="0" tIns="0" bIns="0" anchor="ctr">
+          <a:bodyPr lIns="0" tIns="0" rIns="0" bIns="0" anchor="ctr">
             <a:noAutofit/>
           </a:bodyPr>
+          <a:lstStyle/>
           <a:p>
             <a:pPr algn="ctr"/>
-            <a:endParaRPr b="0" lang="en-US" sz="4400" spc="-1" strike="noStrike">
+            <a:endParaRPr lang="en-US" sz="4400" b="0" strike="noStrike" spc="-1">
               <a:latin typeface="Arial"/>
             </a:endParaRPr>
           </a:p>
@@ -3703,11 +3993,12 @@
           </a:prstGeom>
         </p:spPr>
         <p:txBody>
-          <a:bodyPr lIns="0" rIns="0" tIns="0" bIns="0">
+          <a:bodyPr lIns="0" tIns="0" rIns="0" bIns="0">
             <a:normAutofit/>
           </a:bodyPr>
-          <a:p>
-            <a:endParaRPr b="0" lang="en-US" sz="3200" spc="-1" strike="noStrike">
+          <a:lstStyle/>
+          <a:p>
+            <a:endParaRPr lang="en-US" sz="3200" b="0" strike="noStrike" spc="-1">
               <a:latin typeface="Arial"/>
             </a:endParaRPr>
           </a:p>
@@ -3733,11 +4024,12 @@
           </a:prstGeom>
         </p:spPr>
         <p:txBody>
-          <a:bodyPr lIns="0" rIns="0" tIns="0" bIns="0">
+          <a:bodyPr lIns="0" tIns="0" rIns="0" bIns="0">
             <a:normAutofit/>
           </a:bodyPr>
-          <a:p>
-            <a:endParaRPr b="0" lang="en-US" sz="3200" spc="-1" strike="noStrike">
+          <a:lstStyle/>
+          <a:p>
+            <a:endParaRPr lang="en-US" sz="3200" b="0" strike="noStrike" spc="-1">
               <a:latin typeface="Arial"/>
             </a:endParaRPr>
           </a:p>
@@ -3745,11 +4037,14 @@
       </p:sp>
     </p:spTree>
   </p:cSld>
+  <p:clrMapOvr>
+    <a:masterClrMapping/>
+  </p:clrMapOvr>
 </p:sldLayout>
 </file>
 
 <file path=ppt/slideLayouts/slideLayout40.xml><?xml version="1.0" encoding="utf-8"?>
-<p:sldLayout xmlns:a="http://schemas.openxmlformats.org/drawingml/2006/main" xmlns:p="http://schemas.openxmlformats.org/presentationml/2006/main" xmlns:r="http://schemas.openxmlformats.org/officeDocument/2006/relationships" xmlns:p14="http://schemas.microsoft.com/office/powerpoint/2010/main" xmlns:p15="http://schemas.microsoft.com/office/powerpoint/2012/main" xmlns:mc="http://schemas.openxmlformats.org/markup-compatibility/2006" type="twoObj" preserve="1">
+<p:sldLayout xmlns:a="http://schemas.openxmlformats.org/drawingml/2006/main" xmlns:r="http://schemas.openxmlformats.org/officeDocument/2006/relationships" xmlns:p="http://schemas.openxmlformats.org/presentationml/2006/main" type="twoObj" preserve="1">
   <p:cSld name="Title, 2 Content">
     <p:spTree>
       <p:nvGrpSpPr>
@@ -3785,12 +4080,13 @@
           </a:prstGeom>
         </p:spPr>
         <p:txBody>
-          <a:bodyPr lIns="0" rIns="0" tIns="0" bIns="0" anchor="ctr">
+          <a:bodyPr lIns="0" tIns="0" rIns="0" bIns="0" anchor="ctr">
             <a:noAutofit/>
           </a:bodyPr>
+          <a:lstStyle/>
           <a:p>
             <a:pPr algn="ctr"/>
-            <a:endParaRPr b="0" lang="en-US" sz="4400" spc="-1" strike="noStrike">
+            <a:endParaRPr lang="en-US" sz="4400" b="0" strike="noStrike" spc="-1">
               <a:latin typeface="Arial"/>
             </a:endParaRPr>
           </a:p>
@@ -3816,11 +4112,12 @@
           </a:prstGeom>
         </p:spPr>
         <p:txBody>
-          <a:bodyPr lIns="0" rIns="0" tIns="0" bIns="0">
+          <a:bodyPr lIns="0" tIns="0" rIns="0" bIns="0">
             <a:normAutofit/>
           </a:bodyPr>
-          <a:p>
-            <a:endParaRPr b="0" lang="en-US" sz="3200" spc="-1" strike="noStrike">
+          <a:lstStyle/>
+          <a:p>
+            <a:endParaRPr lang="en-US" sz="3200" b="0" strike="noStrike" spc="-1">
               <a:latin typeface="Arial"/>
             </a:endParaRPr>
           </a:p>
@@ -3846,11 +4143,12 @@
           </a:prstGeom>
         </p:spPr>
         <p:txBody>
-          <a:bodyPr lIns="0" rIns="0" tIns="0" bIns="0">
+          <a:bodyPr lIns="0" tIns="0" rIns="0" bIns="0">
             <a:normAutofit/>
           </a:bodyPr>
-          <a:p>
-            <a:endParaRPr b="0" lang="en-US" sz="3200" spc="-1" strike="noStrike">
+          <a:lstStyle/>
+          <a:p>
+            <a:endParaRPr lang="en-US" sz="3200" b="0" strike="noStrike" spc="-1">
               <a:latin typeface="Arial"/>
             </a:endParaRPr>
           </a:p>
@@ -3858,11 +4156,14 @@
       </p:sp>
     </p:spTree>
   </p:cSld>
+  <p:clrMapOvr>
+    <a:masterClrMapping/>
+  </p:clrMapOvr>
 </p:sldLayout>
 </file>
 
 <file path=ppt/slideLayouts/slideLayout41.xml><?xml version="1.0" encoding="utf-8"?>
-<p:sldLayout xmlns:a="http://schemas.openxmlformats.org/drawingml/2006/main" xmlns:p="http://schemas.openxmlformats.org/presentationml/2006/main" xmlns:r="http://schemas.openxmlformats.org/officeDocument/2006/relationships" xmlns:p14="http://schemas.microsoft.com/office/powerpoint/2010/main" xmlns:p15="http://schemas.microsoft.com/office/powerpoint/2012/main" xmlns:mc="http://schemas.openxmlformats.org/markup-compatibility/2006" type="titleOnly" preserve="1">
+<p:sldLayout xmlns:a="http://schemas.openxmlformats.org/drawingml/2006/main" xmlns:r="http://schemas.openxmlformats.org/officeDocument/2006/relationships" xmlns:p="http://schemas.openxmlformats.org/presentationml/2006/main" type="titleOnly" preserve="1">
   <p:cSld name="Title Only">
     <p:spTree>
       <p:nvGrpSpPr>
@@ -3898,12 +4199,13 @@
           </a:prstGeom>
         </p:spPr>
         <p:txBody>
-          <a:bodyPr lIns="0" rIns="0" tIns="0" bIns="0" anchor="ctr">
+          <a:bodyPr lIns="0" tIns="0" rIns="0" bIns="0" anchor="ctr">
             <a:noAutofit/>
           </a:bodyPr>
+          <a:lstStyle/>
           <a:p>
             <a:pPr algn="ctr"/>
-            <a:endParaRPr b="0" lang="en-US" sz="4400" spc="-1" strike="noStrike">
+            <a:endParaRPr lang="en-US" sz="4400" b="0" strike="noStrike" spc="-1">
               <a:latin typeface="Arial"/>
             </a:endParaRPr>
           </a:p>
@@ -3911,11 +4213,14 @@
       </p:sp>
     </p:spTree>
   </p:cSld>
+  <p:clrMapOvr>
+    <a:masterClrMapping/>
+  </p:clrMapOvr>
 </p:sldLayout>
 </file>
 
 <file path=ppt/slideLayouts/slideLayout42.xml><?xml version="1.0" encoding="utf-8"?>
-<p:sldLayout xmlns:a="http://schemas.openxmlformats.org/drawingml/2006/main" xmlns:p="http://schemas.openxmlformats.org/presentationml/2006/main" xmlns:r="http://schemas.openxmlformats.org/officeDocument/2006/relationships" xmlns:p14="http://schemas.microsoft.com/office/powerpoint/2010/main" xmlns:p15="http://schemas.microsoft.com/office/powerpoint/2012/main" xmlns:mc="http://schemas.openxmlformats.org/markup-compatibility/2006" type="objOnly" preserve="1">
+<p:sldLayout xmlns:a="http://schemas.openxmlformats.org/drawingml/2006/main" xmlns:r="http://schemas.openxmlformats.org/officeDocument/2006/relationships" xmlns:p="http://schemas.openxmlformats.org/presentationml/2006/main" type="objOnly" preserve="1">
   <p:cSld name="Centered Text">
     <p:spTree>
       <p:nvGrpSpPr>
@@ -3951,12 +4256,13 @@
           </a:prstGeom>
         </p:spPr>
         <p:txBody>
-          <a:bodyPr lIns="0" rIns="0" tIns="0" bIns="0" anchor="ctr">
+          <a:bodyPr lIns="0" tIns="0" rIns="0" bIns="0" anchor="ctr">
             <a:noAutofit/>
           </a:bodyPr>
+          <a:lstStyle/>
           <a:p>
             <a:pPr algn="ctr"/>
-            <a:endParaRPr b="0" lang="en-US" sz="3200" spc="-1" strike="noStrike">
+            <a:endParaRPr lang="en-US" sz="3200" b="0" strike="noStrike" spc="-1">
               <a:latin typeface="Arial"/>
             </a:endParaRPr>
           </a:p>
@@ -3964,11 +4270,14 @@
       </p:sp>
     </p:spTree>
   </p:cSld>
+  <p:clrMapOvr>
+    <a:masterClrMapping/>
+  </p:clrMapOvr>
 </p:sldLayout>
 </file>
 
 <file path=ppt/slideLayouts/slideLayout43.xml><?xml version="1.0" encoding="utf-8"?>
-<p:sldLayout xmlns:a="http://schemas.openxmlformats.org/drawingml/2006/main" xmlns:p="http://schemas.openxmlformats.org/presentationml/2006/main" xmlns:r="http://schemas.openxmlformats.org/officeDocument/2006/relationships" xmlns:p14="http://schemas.microsoft.com/office/powerpoint/2010/main" xmlns:p15="http://schemas.microsoft.com/office/powerpoint/2012/main" xmlns:mc="http://schemas.openxmlformats.org/markup-compatibility/2006" type="twoObjAndObj" preserve="1">
+<p:sldLayout xmlns:a="http://schemas.openxmlformats.org/drawingml/2006/main" xmlns:r="http://schemas.openxmlformats.org/officeDocument/2006/relationships" xmlns:p="http://schemas.openxmlformats.org/presentationml/2006/main" type="twoObjAndObj" preserve="1">
   <p:cSld name="Title, 2 Content and Content">
     <p:spTree>
       <p:nvGrpSpPr>
@@ -4004,12 +4313,13 @@
           </a:prstGeom>
         </p:spPr>
         <p:txBody>
-          <a:bodyPr lIns="0" rIns="0" tIns="0" bIns="0" anchor="ctr">
+          <a:bodyPr lIns="0" tIns="0" rIns="0" bIns="0" anchor="ctr">
             <a:noAutofit/>
           </a:bodyPr>
+          <a:lstStyle/>
           <a:p>
             <a:pPr algn="ctr"/>
-            <a:endParaRPr b="0" lang="en-US" sz="4400" spc="-1" strike="noStrike">
+            <a:endParaRPr lang="en-US" sz="4400" b="0" strike="noStrike" spc="-1">
               <a:latin typeface="Arial"/>
             </a:endParaRPr>
           </a:p>
@@ -4035,11 +4345,12 @@
           </a:prstGeom>
         </p:spPr>
         <p:txBody>
-          <a:bodyPr lIns="0" rIns="0" tIns="0" bIns="0">
+          <a:bodyPr lIns="0" tIns="0" rIns="0" bIns="0">
             <a:normAutofit/>
           </a:bodyPr>
-          <a:p>
-            <a:endParaRPr b="0" lang="en-US" sz="3200" spc="-1" strike="noStrike">
+          <a:lstStyle/>
+          <a:p>
+            <a:endParaRPr lang="en-US" sz="3200" b="0" strike="noStrike" spc="-1">
               <a:latin typeface="Arial"/>
             </a:endParaRPr>
           </a:p>
@@ -4065,11 +4376,12 @@
           </a:prstGeom>
         </p:spPr>
         <p:txBody>
-          <a:bodyPr lIns="0" rIns="0" tIns="0" bIns="0">
+          <a:bodyPr lIns="0" tIns="0" rIns="0" bIns="0">
             <a:normAutofit/>
           </a:bodyPr>
-          <a:p>
-            <a:endParaRPr b="0" lang="en-US" sz="3200" spc="-1" strike="noStrike">
+          <a:lstStyle/>
+          <a:p>
+            <a:endParaRPr lang="en-US" sz="3200" b="0" strike="noStrike" spc="-1">
               <a:latin typeface="Arial"/>
             </a:endParaRPr>
           </a:p>
@@ -4095,11 +4407,12 @@
           </a:prstGeom>
         </p:spPr>
         <p:txBody>
-          <a:bodyPr lIns="0" rIns="0" tIns="0" bIns="0">
+          <a:bodyPr lIns="0" tIns="0" rIns="0" bIns="0">
             <a:normAutofit/>
           </a:bodyPr>
-          <a:p>
-            <a:endParaRPr b="0" lang="en-US" sz="3200" spc="-1" strike="noStrike">
+          <a:lstStyle/>
+          <a:p>
+            <a:endParaRPr lang="en-US" sz="3200" b="0" strike="noStrike" spc="-1">
               <a:latin typeface="Arial"/>
             </a:endParaRPr>
           </a:p>
@@ -4107,11 +4420,14 @@
       </p:sp>
     </p:spTree>
   </p:cSld>
+  <p:clrMapOvr>
+    <a:masterClrMapping/>
+  </p:clrMapOvr>
 </p:sldLayout>
 </file>
 
 <file path=ppt/slideLayouts/slideLayout44.xml><?xml version="1.0" encoding="utf-8"?>
-<p:sldLayout xmlns:a="http://schemas.openxmlformats.org/drawingml/2006/main" xmlns:p="http://schemas.openxmlformats.org/presentationml/2006/main" xmlns:r="http://schemas.openxmlformats.org/officeDocument/2006/relationships" xmlns:p14="http://schemas.microsoft.com/office/powerpoint/2010/main" xmlns:p15="http://schemas.microsoft.com/office/powerpoint/2012/main" xmlns:mc="http://schemas.openxmlformats.org/markup-compatibility/2006" type="objAndTwoObj" preserve="1">
+<p:sldLayout xmlns:a="http://schemas.openxmlformats.org/drawingml/2006/main" xmlns:r="http://schemas.openxmlformats.org/officeDocument/2006/relationships" xmlns:p="http://schemas.openxmlformats.org/presentationml/2006/main" type="objAndTwoObj" preserve="1">
   <p:cSld name="Title Content and 2 Content">
     <p:spTree>
       <p:nvGrpSpPr>
@@ -4147,12 +4463,13 @@
           </a:prstGeom>
         </p:spPr>
         <p:txBody>
-          <a:bodyPr lIns="0" rIns="0" tIns="0" bIns="0" anchor="ctr">
+          <a:bodyPr lIns="0" tIns="0" rIns="0" bIns="0" anchor="ctr">
             <a:noAutofit/>
           </a:bodyPr>
+          <a:lstStyle/>
           <a:p>
             <a:pPr algn="ctr"/>
-            <a:endParaRPr b="0" lang="en-US" sz="4400" spc="-1" strike="noStrike">
+            <a:endParaRPr lang="en-US" sz="4400" b="0" strike="noStrike" spc="-1">
               <a:latin typeface="Arial"/>
             </a:endParaRPr>
           </a:p>
@@ -4178,11 +4495,12 @@
           </a:prstGeom>
         </p:spPr>
         <p:txBody>
-          <a:bodyPr lIns="0" rIns="0" tIns="0" bIns="0">
+          <a:bodyPr lIns="0" tIns="0" rIns="0" bIns="0">
             <a:normAutofit/>
           </a:bodyPr>
-          <a:p>
-            <a:endParaRPr b="0" lang="en-US" sz="3200" spc="-1" strike="noStrike">
+          <a:lstStyle/>
+          <a:p>
+            <a:endParaRPr lang="en-US" sz="3200" b="0" strike="noStrike" spc="-1">
               <a:latin typeface="Arial"/>
             </a:endParaRPr>
           </a:p>
@@ -4208,11 +4526,12 @@
           </a:prstGeom>
         </p:spPr>
         <p:txBody>
-          <a:bodyPr lIns="0" rIns="0" tIns="0" bIns="0">
+          <a:bodyPr lIns="0" tIns="0" rIns="0" bIns="0">
             <a:normAutofit/>
           </a:bodyPr>
-          <a:p>
-            <a:endParaRPr b="0" lang="en-US" sz="3200" spc="-1" strike="noStrike">
+          <a:lstStyle/>
+          <a:p>
+            <a:endParaRPr lang="en-US" sz="3200" b="0" strike="noStrike" spc="-1">
               <a:latin typeface="Arial"/>
             </a:endParaRPr>
           </a:p>
@@ -4238,11 +4557,12 @@
           </a:prstGeom>
         </p:spPr>
         <p:txBody>
-          <a:bodyPr lIns="0" rIns="0" tIns="0" bIns="0">
+          <a:bodyPr lIns="0" tIns="0" rIns="0" bIns="0">
             <a:normAutofit/>
           </a:bodyPr>
-          <a:p>
-            <a:endParaRPr b="0" lang="en-US" sz="3200" spc="-1" strike="noStrike">
+          <a:lstStyle/>
+          <a:p>
+            <a:endParaRPr lang="en-US" sz="3200" b="0" strike="noStrike" spc="-1">
               <a:latin typeface="Arial"/>
             </a:endParaRPr>
           </a:p>
@@ -4250,11 +4570,14 @@
       </p:sp>
     </p:spTree>
   </p:cSld>
+  <p:clrMapOvr>
+    <a:masterClrMapping/>
+  </p:clrMapOvr>
 </p:sldLayout>
 </file>
 
 <file path=ppt/slideLayouts/slideLayout45.xml><?xml version="1.0" encoding="utf-8"?>
-<p:sldLayout xmlns:a="http://schemas.openxmlformats.org/drawingml/2006/main" xmlns:p="http://schemas.openxmlformats.org/presentationml/2006/main" xmlns:r="http://schemas.openxmlformats.org/officeDocument/2006/relationships" xmlns:p14="http://schemas.microsoft.com/office/powerpoint/2010/main" xmlns:p15="http://schemas.microsoft.com/office/powerpoint/2012/main" xmlns:mc="http://schemas.openxmlformats.org/markup-compatibility/2006" type="twoObjOverTx" preserve="1">
+<p:sldLayout xmlns:a="http://schemas.openxmlformats.org/drawingml/2006/main" xmlns:r="http://schemas.openxmlformats.org/officeDocument/2006/relationships" xmlns:p="http://schemas.openxmlformats.org/presentationml/2006/main" type="twoObjOverTx" preserve="1">
   <p:cSld name="Title, 2 Content over Content">
     <p:spTree>
       <p:nvGrpSpPr>
@@ -4290,12 +4613,13 @@
           </a:prstGeom>
         </p:spPr>
         <p:txBody>
-          <a:bodyPr lIns="0" rIns="0" tIns="0" bIns="0" anchor="ctr">
+          <a:bodyPr lIns="0" tIns="0" rIns="0" bIns="0" anchor="ctr">
             <a:noAutofit/>
           </a:bodyPr>
+          <a:lstStyle/>
           <a:p>
             <a:pPr algn="ctr"/>
-            <a:endParaRPr b="0" lang="en-US" sz="4400" spc="-1" strike="noStrike">
+            <a:endParaRPr lang="en-US" sz="4400" b="0" strike="noStrike" spc="-1">
               <a:latin typeface="Arial"/>
             </a:endParaRPr>
           </a:p>
@@ -4321,11 +4645,12 @@
           </a:prstGeom>
         </p:spPr>
         <p:txBody>
-          <a:bodyPr lIns="0" rIns="0" tIns="0" bIns="0">
+          <a:bodyPr lIns="0" tIns="0" rIns="0" bIns="0">
             <a:normAutofit/>
           </a:bodyPr>
-          <a:p>
-            <a:endParaRPr b="0" lang="en-US" sz="3200" spc="-1" strike="noStrike">
+          <a:lstStyle/>
+          <a:p>
+            <a:endParaRPr lang="en-US" sz="3200" b="0" strike="noStrike" spc="-1">
               <a:latin typeface="Arial"/>
             </a:endParaRPr>
           </a:p>
@@ -4351,11 +4676,12 @@
           </a:prstGeom>
         </p:spPr>
         <p:txBody>
-          <a:bodyPr lIns="0" rIns="0" tIns="0" bIns="0">
+          <a:bodyPr lIns="0" tIns="0" rIns="0" bIns="0">
             <a:normAutofit/>
           </a:bodyPr>
-          <a:p>
-            <a:endParaRPr b="0" lang="en-US" sz="3200" spc="-1" strike="noStrike">
+          <a:lstStyle/>
+          <a:p>
+            <a:endParaRPr lang="en-US" sz="3200" b="0" strike="noStrike" spc="-1">
               <a:latin typeface="Arial"/>
             </a:endParaRPr>
           </a:p>
@@ -4381,11 +4707,12 @@
           </a:prstGeom>
         </p:spPr>
         <p:txBody>
-          <a:bodyPr lIns="0" rIns="0" tIns="0" bIns="0">
+          <a:bodyPr lIns="0" tIns="0" rIns="0" bIns="0">
             <a:normAutofit/>
           </a:bodyPr>
-          <a:p>
-            <a:endParaRPr b="0" lang="en-US" sz="3200" spc="-1" strike="noStrike">
+          <a:lstStyle/>
+          <a:p>
+            <a:endParaRPr lang="en-US" sz="3200" b="0" strike="noStrike" spc="-1">
               <a:latin typeface="Arial"/>
             </a:endParaRPr>
           </a:p>
@@ -4393,11 +4720,14 @@
       </p:sp>
     </p:spTree>
   </p:cSld>
+  <p:clrMapOvr>
+    <a:masterClrMapping/>
+  </p:clrMapOvr>
 </p:sldLayout>
 </file>
 
 <file path=ppt/slideLayouts/slideLayout46.xml><?xml version="1.0" encoding="utf-8"?>
-<p:sldLayout xmlns:a="http://schemas.openxmlformats.org/drawingml/2006/main" xmlns:p="http://schemas.openxmlformats.org/presentationml/2006/main" xmlns:r="http://schemas.openxmlformats.org/officeDocument/2006/relationships" xmlns:p14="http://schemas.microsoft.com/office/powerpoint/2010/main" xmlns:p15="http://schemas.microsoft.com/office/powerpoint/2012/main" xmlns:mc="http://schemas.openxmlformats.org/markup-compatibility/2006" type="objOverTx" preserve="1">
+<p:sldLayout xmlns:a="http://schemas.openxmlformats.org/drawingml/2006/main" xmlns:r="http://schemas.openxmlformats.org/officeDocument/2006/relationships" xmlns:p="http://schemas.openxmlformats.org/presentationml/2006/main" type="objOverTx" preserve="1">
   <p:cSld name="Title, Content over Content">
     <p:spTree>
       <p:nvGrpSpPr>
@@ -4433,12 +4763,13 @@
           </a:prstGeom>
         </p:spPr>
         <p:txBody>
-          <a:bodyPr lIns="0" rIns="0" tIns="0" bIns="0" anchor="ctr">
+          <a:bodyPr lIns="0" tIns="0" rIns="0" bIns="0" anchor="ctr">
             <a:noAutofit/>
           </a:bodyPr>
+          <a:lstStyle/>
           <a:p>
             <a:pPr algn="ctr"/>
-            <a:endParaRPr b="0" lang="en-US" sz="4400" spc="-1" strike="noStrike">
+            <a:endParaRPr lang="en-US" sz="4400" b="0" strike="noStrike" spc="-1">
               <a:latin typeface="Arial"/>
             </a:endParaRPr>
           </a:p>
@@ -4464,11 +4795,12 @@
           </a:prstGeom>
         </p:spPr>
         <p:txBody>
-          <a:bodyPr lIns="0" rIns="0" tIns="0" bIns="0">
+          <a:bodyPr lIns="0" tIns="0" rIns="0" bIns="0">
             <a:normAutofit/>
           </a:bodyPr>
-          <a:p>
-            <a:endParaRPr b="0" lang="en-US" sz="3200" spc="-1" strike="noStrike">
+          <a:lstStyle/>
+          <a:p>
+            <a:endParaRPr lang="en-US" sz="3200" b="0" strike="noStrike" spc="-1">
               <a:latin typeface="Arial"/>
             </a:endParaRPr>
           </a:p>
@@ -4494,11 +4826,12 @@
           </a:prstGeom>
         </p:spPr>
         <p:txBody>
-          <a:bodyPr lIns="0" rIns="0" tIns="0" bIns="0">
+          <a:bodyPr lIns="0" tIns="0" rIns="0" bIns="0">
             <a:normAutofit/>
           </a:bodyPr>
-          <a:p>
-            <a:endParaRPr b="0" lang="en-US" sz="3200" spc="-1" strike="noStrike">
+          <a:lstStyle/>
+          <a:p>
+            <a:endParaRPr lang="en-US" sz="3200" b="0" strike="noStrike" spc="-1">
               <a:latin typeface="Arial"/>
             </a:endParaRPr>
           </a:p>
@@ -4506,11 +4839,14 @@
       </p:sp>
     </p:spTree>
   </p:cSld>
+  <p:clrMapOvr>
+    <a:masterClrMapping/>
+  </p:clrMapOvr>
 </p:sldLayout>
 </file>
 
 <file path=ppt/slideLayouts/slideLayout47.xml><?xml version="1.0" encoding="utf-8"?>
-<p:sldLayout xmlns:a="http://schemas.openxmlformats.org/drawingml/2006/main" xmlns:p="http://schemas.openxmlformats.org/presentationml/2006/main" xmlns:r="http://schemas.openxmlformats.org/officeDocument/2006/relationships" xmlns:p14="http://schemas.microsoft.com/office/powerpoint/2010/main" xmlns:p15="http://schemas.microsoft.com/office/powerpoint/2012/main" xmlns:mc="http://schemas.openxmlformats.org/markup-compatibility/2006" type="fourObj" preserve="1">
+<p:sldLayout xmlns:a="http://schemas.openxmlformats.org/drawingml/2006/main" xmlns:r="http://schemas.openxmlformats.org/officeDocument/2006/relationships" xmlns:p="http://schemas.openxmlformats.org/presentationml/2006/main" type="fourObj" preserve="1">
   <p:cSld name="Title, 4 Content">
     <p:spTree>
       <p:nvGrpSpPr>
@@ -4546,12 +4882,13 @@
           </a:prstGeom>
         </p:spPr>
         <p:txBody>
-          <a:bodyPr lIns="0" rIns="0" tIns="0" bIns="0" anchor="ctr">
+          <a:bodyPr lIns="0" tIns="0" rIns="0" bIns="0" anchor="ctr">
             <a:noAutofit/>
           </a:bodyPr>
+          <a:lstStyle/>
           <a:p>
             <a:pPr algn="ctr"/>
-            <a:endParaRPr b="0" lang="en-US" sz="4400" spc="-1" strike="noStrike">
+            <a:endParaRPr lang="en-US" sz="4400" b="0" strike="noStrike" spc="-1">
               <a:latin typeface="Arial"/>
             </a:endParaRPr>
           </a:p>
@@ -4577,11 +4914,12 @@
           </a:prstGeom>
         </p:spPr>
         <p:txBody>
-          <a:bodyPr lIns="0" rIns="0" tIns="0" bIns="0">
+          <a:bodyPr lIns="0" tIns="0" rIns="0" bIns="0">
             <a:normAutofit/>
           </a:bodyPr>
-          <a:p>
-            <a:endParaRPr b="0" lang="en-US" sz="3200" spc="-1" strike="noStrike">
+          <a:lstStyle/>
+          <a:p>
+            <a:endParaRPr lang="en-US" sz="3200" b="0" strike="noStrike" spc="-1">
               <a:latin typeface="Arial"/>
             </a:endParaRPr>
           </a:p>
@@ -4607,11 +4945,12 @@
           </a:prstGeom>
         </p:spPr>
         <p:txBody>
-          <a:bodyPr lIns="0" rIns="0" tIns="0" bIns="0">
+          <a:bodyPr lIns="0" tIns="0" rIns="0" bIns="0">
             <a:normAutofit/>
           </a:bodyPr>
-          <a:p>
-            <a:endParaRPr b="0" lang="en-US" sz="3200" spc="-1" strike="noStrike">
+          <a:lstStyle/>
+          <a:p>
+            <a:endParaRPr lang="en-US" sz="3200" b="0" strike="noStrike" spc="-1">
               <a:latin typeface="Arial"/>
             </a:endParaRPr>
           </a:p>
@@ -4637,11 +4976,12 @@
           </a:prstGeom>
         </p:spPr>
         <p:txBody>
-          <a:bodyPr lIns="0" rIns="0" tIns="0" bIns="0">
+          <a:bodyPr lIns="0" tIns="0" rIns="0" bIns="0">
             <a:normAutofit/>
           </a:bodyPr>
-          <a:p>
-            <a:endParaRPr b="0" lang="en-US" sz="3200" spc="-1" strike="noStrike">
+          <a:lstStyle/>
+          <a:p>
+            <a:endParaRPr lang="en-US" sz="3200" b="0" strike="noStrike" spc="-1">
               <a:latin typeface="Arial"/>
             </a:endParaRPr>
           </a:p>
@@ -4667,11 +5007,12 @@
           </a:prstGeom>
         </p:spPr>
         <p:txBody>
-          <a:bodyPr lIns="0" rIns="0" tIns="0" bIns="0">
+          <a:bodyPr lIns="0" tIns="0" rIns="0" bIns="0">
             <a:normAutofit/>
           </a:bodyPr>
-          <a:p>
-            <a:endParaRPr b="0" lang="en-US" sz="3200" spc="-1" strike="noStrike">
+          <a:lstStyle/>
+          <a:p>
+            <a:endParaRPr lang="en-US" sz="3200" b="0" strike="noStrike" spc="-1">
               <a:latin typeface="Arial"/>
             </a:endParaRPr>
           </a:p>
@@ -4679,11 +5020,14 @@
       </p:sp>
     </p:spTree>
   </p:cSld>
+  <p:clrMapOvr>
+    <a:masterClrMapping/>
+  </p:clrMapOvr>
 </p:sldLayout>
 </file>
 
 <file path=ppt/slideLayouts/slideLayout48.xml><?xml version="1.0" encoding="utf-8"?>
-<p:sldLayout xmlns:a="http://schemas.openxmlformats.org/drawingml/2006/main" xmlns:p="http://schemas.openxmlformats.org/presentationml/2006/main" xmlns:r="http://schemas.openxmlformats.org/officeDocument/2006/relationships" xmlns:p14="http://schemas.microsoft.com/office/powerpoint/2010/main" xmlns:p15="http://schemas.microsoft.com/office/powerpoint/2012/main" xmlns:mc="http://schemas.openxmlformats.org/markup-compatibility/2006" type="blank" preserve="1">
+<p:sldLayout xmlns:a="http://schemas.openxmlformats.org/drawingml/2006/main" xmlns:r="http://schemas.openxmlformats.org/officeDocument/2006/relationships" xmlns:p="http://schemas.openxmlformats.org/presentationml/2006/main" type="blank" preserve="1">
   <p:cSld name="Title, 6 Content">
     <p:spTree>
       <p:nvGrpSpPr>
@@ -4719,12 +5063,13 @@
           </a:prstGeom>
         </p:spPr>
         <p:txBody>
-          <a:bodyPr lIns="0" rIns="0" tIns="0" bIns="0" anchor="ctr">
+          <a:bodyPr lIns="0" tIns="0" rIns="0" bIns="0" anchor="ctr">
             <a:noAutofit/>
           </a:bodyPr>
+          <a:lstStyle/>
           <a:p>
             <a:pPr algn="ctr"/>
-            <a:endParaRPr b="0" lang="en-US" sz="4400" spc="-1" strike="noStrike">
+            <a:endParaRPr lang="en-US" sz="4400" b="0" strike="noStrike" spc="-1">
               <a:latin typeface="Arial"/>
             </a:endParaRPr>
           </a:p>
@@ -4750,11 +5095,12 @@
           </a:prstGeom>
         </p:spPr>
         <p:txBody>
-          <a:bodyPr lIns="0" rIns="0" tIns="0" bIns="0">
+          <a:bodyPr lIns="0" tIns="0" rIns="0" bIns="0">
             <a:normAutofit/>
           </a:bodyPr>
-          <a:p>
-            <a:endParaRPr b="0" lang="en-US" sz="3200" spc="-1" strike="noStrike">
+          <a:lstStyle/>
+          <a:p>
+            <a:endParaRPr lang="en-US" sz="3200" b="0" strike="noStrike" spc="-1">
               <a:latin typeface="Arial"/>
             </a:endParaRPr>
           </a:p>
@@ -4780,11 +5126,12 @@
           </a:prstGeom>
         </p:spPr>
         <p:txBody>
-          <a:bodyPr lIns="0" rIns="0" tIns="0" bIns="0">
+          <a:bodyPr lIns="0" tIns="0" rIns="0" bIns="0">
             <a:normAutofit/>
           </a:bodyPr>
-          <a:p>
-            <a:endParaRPr b="0" lang="en-US" sz="3200" spc="-1" strike="noStrike">
+          <a:lstStyle/>
+          <a:p>
+            <a:endParaRPr lang="en-US" sz="3200" b="0" strike="noStrike" spc="-1">
               <a:latin typeface="Arial"/>
             </a:endParaRPr>
           </a:p>
@@ -4810,11 +5157,12 @@
           </a:prstGeom>
         </p:spPr>
         <p:txBody>
-          <a:bodyPr lIns="0" rIns="0" tIns="0" bIns="0">
+          <a:bodyPr lIns="0" tIns="0" rIns="0" bIns="0">
             <a:normAutofit/>
           </a:bodyPr>
-          <a:p>
-            <a:endParaRPr b="0" lang="en-US" sz="3200" spc="-1" strike="noStrike">
+          <a:lstStyle/>
+          <a:p>
+            <a:endParaRPr lang="en-US" sz="3200" b="0" strike="noStrike" spc="-1">
               <a:latin typeface="Arial"/>
             </a:endParaRPr>
           </a:p>
@@ -4840,11 +5188,12 @@
           </a:prstGeom>
         </p:spPr>
         <p:txBody>
-          <a:bodyPr lIns="0" rIns="0" tIns="0" bIns="0">
+          <a:bodyPr lIns="0" tIns="0" rIns="0" bIns="0">
             <a:normAutofit/>
           </a:bodyPr>
-          <a:p>
-            <a:endParaRPr b="0" lang="en-US" sz="3200" spc="-1" strike="noStrike">
+          <a:lstStyle/>
+          <a:p>
+            <a:endParaRPr lang="en-US" sz="3200" b="0" strike="noStrike" spc="-1">
               <a:latin typeface="Arial"/>
             </a:endParaRPr>
           </a:p>
@@ -4870,11 +5219,12 @@
           </a:prstGeom>
         </p:spPr>
         <p:txBody>
-          <a:bodyPr lIns="0" rIns="0" tIns="0" bIns="0">
+          <a:bodyPr lIns="0" tIns="0" rIns="0" bIns="0">
             <a:normAutofit/>
           </a:bodyPr>
-          <a:p>
-            <a:endParaRPr b="0" lang="en-US" sz="3200" spc="-1" strike="noStrike">
+          <a:lstStyle/>
+          <a:p>
+            <a:endParaRPr lang="en-US" sz="3200" b="0" strike="noStrike" spc="-1">
               <a:latin typeface="Arial"/>
             </a:endParaRPr>
           </a:p>
@@ -4900,11 +5250,12 @@
           </a:prstGeom>
         </p:spPr>
         <p:txBody>
-          <a:bodyPr lIns="0" rIns="0" tIns="0" bIns="0">
+          <a:bodyPr lIns="0" tIns="0" rIns="0" bIns="0">
             <a:normAutofit/>
           </a:bodyPr>
-          <a:p>
-            <a:endParaRPr b="0" lang="en-US" sz="3200" spc="-1" strike="noStrike">
+          <a:lstStyle/>
+          <a:p>
+            <a:endParaRPr lang="en-US" sz="3200" b="0" strike="noStrike" spc="-1">
               <a:latin typeface="Arial"/>
             </a:endParaRPr>
           </a:p>
@@ -4912,11 +5263,14 @@
       </p:sp>
     </p:spTree>
   </p:cSld>
+  <p:clrMapOvr>
+    <a:masterClrMapping/>
+  </p:clrMapOvr>
 </p:sldLayout>
 </file>
 
 <file path=ppt/slideLayouts/slideLayout49.xml><?xml version="1.0" encoding="utf-8"?>
-<p:sldLayout xmlns:a="http://schemas.openxmlformats.org/drawingml/2006/main" xmlns:p="http://schemas.openxmlformats.org/presentationml/2006/main" xmlns:r="http://schemas.openxmlformats.org/officeDocument/2006/relationships" xmlns:p14="http://schemas.microsoft.com/office/powerpoint/2010/main" xmlns:p15="http://schemas.microsoft.com/office/powerpoint/2012/main" xmlns:mc="http://schemas.openxmlformats.org/markup-compatibility/2006" type="blank" preserve="1">
+<p:sldLayout xmlns:a="http://schemas.openxmlformats.org/drawingml/2006/main" xmlns:r="http://schemas.openxmlformats.org/officeDocument/2006/relationships" xmlns:p="http://schemas.openxmlformats.org/presentationml/2006/main" type="blank" preserve="1">
   <p:cSld name="Blank Slide">
     <p:spTree>
       <p:nvGrpSpPr>
@@ -4934,11 +5288,14 @@
       </p:grpSpPr>
     </p:spTree>
   </p:cSld>
+  <p:clrMapOvr>
+    <a:masterClrMapping/>
+  </p:clrMapOvr>
 </p:sldLayout>
 </file>
 
 <file path=ppt/slideLayouts/slideLayout5.xml><?xml version="1.0" encoding="utf-8"?>
-<p:sldLayout xmlns:a="http://schemas.openxmlformats.org/drawingml/2006/main" xmlns:p="http://schemas.openxmlformats.org/presentationml/2006/main" xmlns:r="http://schemas.openxmlformats.org/officeDocument/2006/relationships" xmlns:p14="http://schemas.microsoft.com/office/powerpoint/2010/main" xmlns:p15="http://schemas.microsoft.com/office/powerpoint/2012/main" xmlns:mc="http://schemas.openxmlformats.org/markup-compatibility/2006" type="titleOnly" preserve="1">
+<p:sldLayout xmlns:a="http://schemas.openxmlformats.org/drawingml/2006/main" xmlns:r="http://schemas.openxmlformats.org/officeDocument/2006/relationships" xmlns:p="http://schemas.openxmlformats.org/presentationml/2006/main" type="titleOnly" preserve="1">
   <p:cSld name="Title Only">
     <p:spTree>
       <p:nvGrpSpPr>
@@ -4974,12 +5331,13 @@
           </a:prstGeom>
         </p:spPr>
         <p:txBody>
-          <a:bodyPr lIns="0" rIns="0" tIns="0" bIns="0" anchor="ctr">
+          <a:bodyPr lIns="0" tIns="0" rIns="0" bIns="0" anchor="ctr">
             <a:noAutofit/>
           </a:bodyPr>
+          <a:lstStyle/>
           <a:p>
             <a:pPr algn="ctr"/>
-            <a:endParaRPr b="0" lang="en-US" sz="4400" spc="-1" strike="noStrike">
+            <a:endParaRPr lang="en-US" sz="4400" b="0" strike="noStrike" spc="-1">
               <a:latin typeface="Arial"/>
             </a:endParaRPr>
           </a:p>
@@ -4987,11 +5345,14 @@
       </p:sp>
     </p:spTree>
   </p:cSld>
+  <p:clrMapOvr>
+    <a:masterClrMapping/>
+  </p:clrMapOvr>
 </p:sldLayout>
 </file>
 
 <file path=ppt/slideLayouts/slideLayout50.xml><?xml version="1.0" encoding="utf-8"?>
-<p:sldLayout xmlns:a="http://schemas.openxmlformats.org/drawingml/2006/main" xmlns:p="http://schemas.openxmlformats.org/presentationml/2006/main" xmlns:r="http://schemas.openxmlformats.org/officeDocument/2006/relationships" xmlns:p14="http://schemas.microsoft.com/office/powerpoint/2010/main" xmlns:p15="http://schemas.microsoft.com/office/powerpoint/2012/main" xmlns:mc="http://schemas.openxmlformats.org/markup-compatibility/2006" type="tx" preserve="1">
+<p:sldLayout xmlns:a="http://schemas.openxmlformats.org/drawingml/2006/main" xmlns:r="http://schemas.openxmlformats.org/officeDocument/2006/relationships" xmlns:p="http://schemas.openxmlformats.org/presentationml/2006/main" type="tx" preserve="1">
   <p:cSld name="Title Slide">
     <p:spTree>
       <p:nvGrpSpPr>
@@ -5027,12 +5388,13 @@
           </a:prstGeom>
         </p:spPr>
         <p:txBody>
-          <a:bodyPr lIns="0" rIns="0" tIns="0" bIns="0" anchor="ctr">
+          <a:bodyPr lIns="0" tIns="0" rIns="0" bIns="0" anchor="ctr">
             <a:noAutofit/>
           </a:bodyPr>
+          <a:lstStyle/>
           <a:p>
             <a:pPr algn="ctr"/>
-            <a:endParaRPr b="0" lang="en-US" sz="4400" spc="-1" strike="noStrike">
+            <a:endParaRPr lang="en-US" sz="4400" b="0" strike="noStrike" spc="-1">
               <a:latin typeface="Arial"/>
             </a:endParaRPr>
           </a:p>
@@ -5058,12 +5420,13 @@
           </a:prstGeom>
         </p:spPr>
         <p:txBody>
-          <a:bodyPr lIns="0" rIns="0" tIns="0" bIns="0" anchor="ctr">
+          <a:bodyPr lIns="0" tIns="0" rIns="0" bIns="0" anchor="ctr">
             <a:noAutofit/>
           </a:bodyPr>
+          <a:lstStyle/>
           <a:p>
             <a:pPr algn="ctr"/>
-            <a:endParaRPr b="0" lang="en-US" sz="3200" spc="-1" strike="noStrike">
+            <a:endParaRPr lang="en-US" sz="3200" b="0" strike="noStrike" spc="-1">
               <a:latin typeface="Arial"/>
             </a:endParaRPr>
           </a:p>
@@ -5071,11 +5434,14 @@
       </p:sp>
     </p:spTree>
   </p:cSld>
+  <p:clrMapOvr>
+    <a:masterClrMapping/>
+  </p:clrMapOvr>
 </p:sldLayout>
 </file>
 
 <file path=ppt/slideLayouts/slideLayout51.xml><?xml version="1.0" encoding="utf-8"?>
-<p:sldLayout xmlns:a="http://schemas.openxmlformats.org/drawingml/2006/main" xmlns:p="http://schemas.openxmlformats.org/presentationml/2006/main" xmlns:r="http://schemas.openxmlformats.org/officeDocument/2006/relationships" xmlns:p14="http://schemas.microsoft.com/office/powerpoint/2010/main" xmlns:p15="http://schemas.microsoft.com/office/powerpoint/2012/main" xmlns:mc="http://schemas.openxmlformats.org/markup-compatibility/2006" type="obj" preserve="1">
+<p:sldLayout xmlns:a="http://schemas.openxmlformats.org/drawingml/2006/main" xmlns:r="http://schemas.openxmlformats.org/officeDocument/2006/relationships" xmlns:p="http://schemas.openxmlformats.org/presentationml/2006/main" type="obj" preserve="1">
   <p:cSld name="Title, Content">
     <p:spTree>
       <p:nvGrpSpPr>
@@ -5111,12 +5477,13 @@
           </a:prstGeom>
         </p:spPr>
         <p:txBody>
-          <a:bodyPr lIns="0" rIns="0" tIns="0" bIns="0" anchor="ctr">
+          <a:bodyPr lIns="0" tIns="0" rIns="0" bIns="0" anchor="ctr">
             <a:noAutofit/>
           </a:bodyPr>
+          <a:lstStyle/>
           <a:p>
             <a:pPr algn="ctr"/>
-            <a:endParaRPr b="0" lang="en-US" sz="4400" spc="-1" strike="noStrike">
+            <a:endParaRPr lang="en-US" sz="4400" b="0" strike="noStrike" spc="-1">
               <a:latin typeface="Arial"/>
             </a:endParaRPr>
           </a:p>
@@ -5142,11 +5509,12 @@
           </a:prstGeom>
         </p:spPr>
         <p:txBody>
-          <a:bodyPr lIns="0" rIns="0" tIns="0" bIns="0">
+          <a:bodyPr lIns="0" tIns="0" rIns="0" bIns="0">
             <a:normAutofit/>
           </a:bodyPr>
-          <a:p>
-            <a:endParaRPr b="0" lang="en-US" sz="3200" spc="-1" strike="noStrike">
+          <a:lstStyle/>
+          <a:p>
+            <a:endParaRPr lang="en-US" sz="3200" b="0" strike="noStrike" spc="-1">
               <a:latin typeface="Arial"/>
             </a:endParaRPr>
           </a:p>
@@ -5154,11 +5522,14 @@
       </p:sp>
     </p:spTree>
   </p:cSld>
+  <p:clrMapOvr>
+    <a:masterClrMapping/>
+  </p:clrMapOvr>
 </p:sldLayout>
 </file>
 
 <file path=ppt/slideLayouts/slideLayout52.xml><?xml version="1.0" encoding="utf-8"?>
-<p:sldLayout xmlns:a="http://schemas.openxmlformats.org/drawingml/2006/main" xmlns:p="http://schemas.openxmlformats.org/presentationml/2006/main" xmlns:r="http://schemas.openxmlformats.org/officeDocument/2006/relationships" xmlns:p14="http://schemas.microsoft.com/office/powerpoint/2010/main" xmlns:p15="http://schemas.microsoft.com/office/powerpoint/2012/main" xmlns:mc="http://schemas.openxmlformats.org/markup-compatibility/2006" type="twoObj" preserve="1">
+<p:sldLayout xmlns:a="http://schemas.openxmlformats.org/drawingml/2006/main" xmlns:r="http://schemas.openxmlformats.org/officeDocument/2006/relationships" xmlns:p="http://schemas.openxmlformats.org/presentationml/2006/main" type="twoObj" preserve="1">
   <p:cSld name="Title, 2 Content">
     <p:spTree>
       <p:nvGrpSpPr>
@@ -5194,12 +5565,13 @@
           </a:prstGeom>
         </p:spPr>
         <p:txBody>
-          <a:bodyPr lIns="0" rIns="0" tIns="0" bIns="0" anchor="ctr">
+          <a:bodyPr lIns="0" tIns="0" rIns="0" bIns="0" anchor="ctr">
             <a:noAutofit/>
           </a:bodyPr>
+          <a:lstStyle/>
           <a:p>
             <a:pPr algn="ctr"/>
-            <a:endParaRPr b="0" lang="en-US" sz="4400" spc="-1" strike="noStrike">
+            <a:endParaRPr lang="en-US" sz="4400" b="0" strike="noStrike" spc="-1">
               <a:latin typeface="Arial"/>
             </a:endParaRPr>
           </a:p>
@@ -5225,11 +5597,12 @@
           </a:prstGeom>
         </p:spPr>
         <p:txBody>
-          <a:bodyPr lIns="0" rIns="0" tIns="0" bIns="0">
+          <a:bodyPr lIns="0" tIns="0" rIns="0" bIns="0">
             <a:normAutofit/>
           </a:bodyPr>
-          <a:p>
-            <a:endParaRPr b="0" lang="en-US" sz="3200" spc="-1" strike="noStrike">
+          <a:lstStyle/>
+          <a:p>
+            <a:endParaRPr lang="en-US" sz="3200" b="0" strike="noStrike" spc="-1">
               <a:latin typeface="Arial"/>
             </a:endParaRPr>
           </a:p>
@@ -5255,11 +5628,12 @@
           </a:prstGeom>
         </p:spPr>
         <p:txBody>
-          <a:bodyPr lIns="0" rIns="0" tIns="0" bIns="0">
+          <a:bodyPr lIns="0" tIns="0" rIns="0" bIns="0">
             <a:normAutofit/>
           </a:bodyPr>
-          <a:p>
-            <a:endParaRPr b="0" lang="en-US" sz="3200" spc="-1" strike="noStrike">
+          <a:lstStyle/>
+          <a:p>
+            <a:endParaRPr lang="en-US" sz="3200" b="0" strike="noStrike" spc="-1">
               <a:latin typeface="Arial"/>
             </a:endParaRPr>
           </a:p>
@@ -5267,11 +5641,14 @@
       </p:sp>
     </p:spTree>
   </p:cSld>
+  <p:clrMapOvr>
+    <a:masterClrMapping/>
+  </p:clrMapOvr>
 </p:sldLayout>
 </file>
 
 <file path=ppt/slideLayouts/slideLayout53.xml><?xml version="1.0" encoding="utf-8"?>
-<p:sldLayout xmlns:a="http://schemas.openxmlformats.org/drawingml/2006/main" xmlns:p="http://schemas.openxmlformats.org/presentationml/2006/main" xmlns:r="http://schemas.openxmlformats.org/officeDocument/2006/relationships" xmlns:p14="http://schemas.microsoft.com/office/powerpoint/2010/main" xmlns:p15="http://schemas.microsoft.com/office/powerpoint/2012/main" xmlns:mc="http://schemas.openxmlformats.org/markup-compatibility/2006" type="titleOnly" preserve="1">
+<p:sldLayout xmlns:a="http://schemas.openxmlformats.org/drawingml/2006/main" xmlns:r="http://schemas.openxmlformats.org/officeDocument/2006/relationships" xmlns:p="http://schemas.openxmlformats.org/presentationml/2006/main" type="titleOnly" preserve="1">
   <p:cSld name="Title Only">
     <p:spTree>
       <p:nvGrpSpPr>
@@ -5307,12 +5684,13 @@
           </a:prstGeom>
         </p:spPr>
         <p:txBody>
-          <a:bodyPr lIns="0" rIns="0" tIns="0" bIns="0" anchor="ctr">
+          <a:bodyPr lIns="0" tIns="0" rIns="0" bIns="0" anchor="ctr">
             <a:noAutofit/>
           </a:bodyPr>
+          <a:lstStyle/>
           <a:p>
             <a:pPr algn="ctr"/>
-            <a:endParaRPr b="0" lang="en-US" sz="4400" spc="-1" strike="noStrike">
+            <a:endParaRPr lang="en-US" sz="4400" b="0" strike="noStrike" spc="-1">
               <a:latin typeface="Arial"/>
             </a:endParaRPr>
           </a:p>
@@ -5320,11 +5698,14 @@
       </p:sp>
     </p:spTree>
   </p:cSld>
+  <p:clrMapOvr>
+    <a:masterClrMapping/>
+  </p:clrMapOvr>
 </p:sldLayout>
 </file>
 
 <file path=ppt/slideLayouts/slideLayout54.xml><?xml version="1.0" encoding="utf-8"?>
-<p:sldLayout xmlns:a="http://schemas.openxmlformats.org/drawingml/2006/main" xmlns:p="http://schemas.openxmlformats.org/presentationml/2006/main" xmlns:r="http://schemas.openxmlformats.org/officeDocument/2006/relationships" xmlns:p14="http://schemas.microsoft.com/office/powerpoint/2010/main" xmlns:p15="http://schemas.microsoft.com/office/powerpoint/2012/main" xmlns:mc="http://schemas.openxmlformats.org/markup-compatibility/2006" type="objOnly" preserve="1">
+<p:sldLayout xmlns:a="http://schemas.openxmlformats.org/drawingml/2006/main" xmlns:r="http://schemas.openxmlformats.org/officeDocument/2006/relationships" xmlns:p="http://schemas.openxmlformats.org/presentationml/2006/main" type="objOnly" preserve="1">
   <p:cSld name="Centered Text">
     <p:spTree>
       <p:nvGrpSpPr>
@@ -5360,12 +5741,13 @@
           </a:prstGeom>
         </p:spPr>
         <p:txBody>
-          <a:bodyPr lIns="0" rIns="0" tIns="0" bIns="0" anchor="ctr">
+          <a:bodyPr lIns="0" tIns="0" rIns="0" bIns="0" anchor="ctr">
             <a:noAutofit/>
           </a:bodyPr>
+          <a:lstStyle/>
           <a:p>
             <a:pPr algn="ctr"/>
-            <a:endParaRPr b="0" lang="en-US" sz="3200" spc="-1" strike="noStrike">
+            <a:endParaRPr lang="en-US" sz="3200" b="0" strike="noStrike" spc="-1">
               <a:latin typeface="Arial"/>
             </a:endParaRPr>
           </a:p>
@@ -5373,11 +5755,14 @@
       </p:sp>
     </p:spTree>
   </p:cSld>
+  <p:clrMapOvr>
+    <a:masterClrMapping/>
+  </p:clrMapOvr>
 </p:sldLayout>
 </file>
 
 <file path=ppt/slideLayouts/slideLayout55.xml><?xml version="1.0" encoding="utf-8"?>
-<p:sldLayout xmlns:a="http://schemas.openxmlformats.org/drawingml/2006/main" xmlns:p="http://schemas.openxmlformats.org/presentationml/2006/main" xmlns:r="http://schemas.openxmlformats.org/officeDocument/2006/relationships" xmlns:p14="http://schemas.microsoft.com/office/powerpoint/2010/main" xmlns:p15="http://schemas.microsoft.com/office/powerpoint/2012/main" xmlns:mc="http://schemas.openxmlformats.org/markup-compatibility/2006" type="twoObjAndObj" preserve="1">
+<p:sldLayout xmlns:a="http://schemas.openxmlformats.org/drawingml/2006/main" xmlns:r="http://schemas.openxmlformats.org/officeDocument/2006/relationships" xmlns:p="http://schemas.openxmlformats.org/presentationml/2006/main" type="twoObjAndObj" preserve="1">
   <p:cSld name="Title, 2 Content and Content">
     <p:spTree>
       <p:nvGrpSpPr>
@@ -5413,12 +5798,13 @@
           </a:prstGeom>
         </p:spPr>
         <p:txBody>
-          <a:bodyPr lIns="0" rIns="0" tIns="0" bIns="0" anchor="ctr">
+          <a:bodyPr lIns="0" tIns="0" rIns="0" bIns="0" anchor="ctr">
             <a:noAutofit/>
           </a:bodyPr>
+          <a:lstStyle/>
           <a:p>
             <a:pPr algn="ctr"/>
-            <a:endParaRPr b="0" lang="en-US" sz="4400" spc="-1" strike="noStrike">
+            <a:endParaRPr lang="en-US" sz="4400" b="0" strike="noStrike" spc="-1">
               <a:latin typeface="Arial"/>
             </a:endParaRPr>
           </a:p>
@@ -5444,11 +5830,12 @@
           </a:prstGeom>
         </p:spPr>
         <p:txBody>
-          <a:bodyPr lIns="0" rIns="0" tIns="0" bIns="0">
+          <a:bodyPr lIns="0" tIns="0" rIns="0" bIns="0">
             <a:normAutofit/>
           </a:bodyPr>
-          <a:p>
-            <a:endParaRPr b="0" lang="en-US" sz="3200" spc="-1" strike="noStrike">
+          <a:lstStyle/>
+          <a:p>
+            <a:endParaRPr lang="en-US" sz="3200" b="0" strike="noStrike" spc="-1">
               <a:latin typeface="Arial"/>
             </a:endParaRPr>
           </a:p>
@@ -5474,11 +5861,12 @@
           </a:prstGeom>
         </p:spPr>
         <p:txBody>
-          <a:bodyPr lIns="0" rIns="0" tIns="0" bIns="0">
+          <a:bodyPr lIns="0" tIns="0" rIns="0" bIns="0">
             <a:normAutofit/>
           </a:bodyPr>
-          <a:p>
-            <a:endParaRPr b="0" lang="en-US" sz="3200" spc="-1" strike="noStrike">
+          <a:lstStyle/>
+          <a:p>
+            <a:endParaRPr lang="en-US" sz="3200" b="0" strike="noStrike" spc="-1">
               <a:latin typeface="Arial"/>
             </a:endParaRPr>
           </a:p>
@@ -5504,11 +5892,12 @@
           </a:prstGeom>
         </p:spPr>
         <p:txBody>
-          <a:bodyPr lIns="0" rIns="0" tIns="0" bIns="0">
+          <a:bodyPr lIns="0" tIns="0" rIns="0" bIns="0">
             <a:normAutofit/>
           </a:bodyPr>
-          <a:p>
-            <a:endParaRPr b="0" lang="en-US" sz="3200" spc="-1" strike="noStrike">
+          <a:lstStyle/>
+          <a:p>
+            <a:endParaRPr lang="en-US" sz="3200" b="0" strike="noStrike" spc="-1">
               <a:latin typeface="Arial"/>
             </a:endParaRPr>
           </a:p>
@@ -5516,11 +5905,14 @@
       </p:sp>
     </p:spTree>
   </p:cSld>
+  <p:clrMapOvr>
+    <a:masterClrMapping/>
+  </p:clrMapOvr>
 </p:sldLayout>
 </file>
 
 <file path=ppt/slideLayouts/slideLayout56.xml><?xml version="1.0" encoding="utf-8"?>
-<p:sldLayout xmlns:a="http://schemas.openxmlformats.org/drawingml/2006/main" xmlns:p="http://schemas.openxmlformats.org/presentationml/2006/main" xmlns:r="http://schemas.openxmlformats.org/officeDocument/2006/relationships" xmlns:p14="http://schemas.microsoft.com/office/powerpoint/2010/main" xmlns:p15="http://schemas.microsoft.com/office/powerpoint/2012/main" xmlns:mc="http://schemas.openxmlformats.org/markup-compatibility/2006" type="objAndTwoObj" preserve="1">
+<p:sldLayout xmlns:a="http://schemas.openxmlformats.org/drawingml/2006/main" xmlns:r="http://schemas.openxmlformats.org/officeDocument/2006/relationships" xmlns:p="http://schemas.openxmlformats.org/presentationml/2006/main" type="objAndTwoObj" preserve="1">
   <p:cSld name="Title Content and 2 Content">
     <p:spTree>
       <p:nvGrpSpPr>
@@ -5556,12 +5948,13 @@
           </a:prstGeom>
         </p:spPr>
         <p:txBody>
-          <a:bodyPr lIns="0" rIns="0" tIns="0" bIns="0" anchor="ctr">
+          <a:bodyPr lIns="0" tIns="0" rIns="0" bIns="0" anchor="ctr">
             <a:noAutofit/>
           </a:bodyPr>
+          <a:lstStyle/>
           <a:p>
             <a:pPr algn="ctr"/>
-            <a:endParaRPr b="0" lang="en-US" sz="4400" spc="-1" strike="noStrike">
+            <a:endParaRPr lang="en-US" sz="4400" b="0" strike="noStrike" spc="-1">
               <a:latin typeface="Arial"/>
             </a:endParaRPr>
           </a:p>
@@ -5587,11 +5980,12 @@
           </a:prstGeom>
         </p:spPr>
         <p:txBody>
-          <a:bodyPr lIns="0" rIns="0" tIns="0" bIns="0">
+          <a:bodyPr lIns="0" tIns="0" rIns="0" bIns="0">
             <a:normAutofit/>
           </a:bodyPr>
-          <a:p>
-            <a:endParaRPr b="0" lang="en-US" sz="3200" spc="-1" strike="noStrike">
+          <a:lstStyle/>
+          <a:p>
+            <a:endParaRPr lang="en-US" sz="3200" b="0" strike="noStrike" spc="-1">
               <a:latin typeface="Arial"/>
             </a:endParaRPr>
           </a:p>
@@ -5617,11 +6011,12 @@
           </a:prstGeom>
         </p:spPr>
         <p:txBody>
-          <a:bodyPr lIns="0" rIns="0" tIns="0" bIns="0">
+          <a:bodyPr lIns="0" tIns="0" rIns="0" bIns="0">
             <a:normAutofit/>
           </a:bodyPr>
-          <a:p>
-            <a:endParaRPr b="0" lang="en-US" sz="3200" spc="-1" strike="noStrike">
+          <a:lstStyle/>
+          <a:p>
+            <a:endParaRPr lang="en-US" sz="3200" b="0" strike="noStrike" spc="-1">
               <a:latin typeface="Arial"/>
             </a:endParaRPr>
           </a:p>
@@ -5647,11 +6042,12 @@
           </a:prstGeom>
         </p:spPr>
         <p:txBody>
-          <a:bodyPr lIns="0" rIns="0" tIns="0" bIns="0">
+          <a:bodyPr lIns="0" tIns="0" rIns="0" bIns="0">
             <a:normAutofit/>
           </a:bodyPr>
-          <a:p>
-            <a:endParaRPr b="0" lang="en-US" sz="3200" spc="-1" strike="noStrike">
+          <a:lstStyle/>
+          <a:p>
+            <a:endParaRPr lang="en-US" sz="3200" b="0" strike="noStrike" spc="-1">
               <a:latin typeface="Arial"/>
             </a:endParaRPr>
           </a:p>
@@ -5659,11 +6055,14 @@
       </p:sp>
     </p:spTree>
   </p:cSld>
+  <p:clrMapOvr>
+    <a:masterClrMapping/>
+  </p:clrMapOvr>
 </p:sldLayout>
 </file>
 
 <file path=ppt/slideLayouts/slideLayout57.xml><?xml version="1.0" encoding="utf-8"?>
-<p:sldLayout xmlns:a="http://schemas.openxmlformats.org/drawingml/2006/main" xmlns:p="http://schemas.openxmlformats.org/presentationml/2006/main" xmlns:r="http://schemas.openxmlformats.org/officeDocument/2006/relationships" xmlns:p14="http://schemas.microsoft.com/office/powerpoint/2010/main" xmlns:p15="http://schemas.microsoft.com/office/powerpoint/2012/main" xmlns:mc="http://schemas.openxmlformats.org/markup-compatibility/2006" type="twoObjOverTx" preserve="1">
+<p:sldLayout xmlns:a="http://schemas.openxmlformats.org/drawingml/2006/main" xmlns:r="http://schemas.openxmlformats.org/officeDocument/2006/relationships" xmlns:p="http://schemas.openxmlformats.org/presentationml/2006/main" type="twoObjOverTx" preserve="1">
   <p:cSld name="Title, 2 Content over Content">
     <p:spTree>
       <p:nvGrpSpPr>
@@ -5699,12 +6098,13 @@
           </a:prstGeom>
         </p:spPr>
         <p:txBody>
-          <a:bodyPr lIns="0" rIns="0" tIns="0" bIns="0" anchor="ctr">
+          <a:bodyPr lIns="0" tIns="0" rIns="0" bIns="0" anchor="ctr">
             <a:noAutofit/>
           </a:bodyPr>
+          <a:lstStyle/>
           <a:p>
             <a:pPr algn="ctr"/>
-            <a:endParaRPr b="0" lang="en-US" sz="4400" spc="-1" strike="noStrike">
+            <a:endParaRPr lang="en-US" sz="4400" b="0" strike="noStrike" spc="-1">
               <a:latin typeface="Arial"/>
             </a:endParaRPr>
           </a:p>
@@ -5730,11 +6130,12 @@
           </a:prstGeom>
         </p:spPr>
         <p:txBody>
-          <a:bodyPr lIns="0" rIns="0" tIns="0" bIns="0">
+          <a:bodyPr lIns="0" tIns="0" rIns="0" bIns="0">
             <a:normAutofit/>
           </a:bodyPr>
-          <a:p>
-            <a:endParaRPr b="0" lang="en-US" sz="3200" spc="-1" strike="noStrike">
+          <a:lstStyle/>
+          <a:p>
+            <a:endParaRPr lang="en-US" sz="3200" b="0" strike="noStrike" spc="-1">
               <a:latin typeface="Arial"/>
             </a:endParaRPr>
           </a:p>
@@ -5760,11 +6161,12 @@
           </a:prstGeom>
         </p:spPr>
         <p:txBody>
-          <a:bodyPr lIns="0" rIns="0" tIns="0" bIns="0">
+          <a:bodyPr lIns="0" tIns="0" rIns="0" bIns="0">
             <a:normAutofit/>
           </a:bodyPr>
-          <a:p>
-            <a:endParaRPr b="0" lang="en-US" sz="3200" spc="-1" strike="noStrike">
+          <a:lstStyle/>
+          <a:p>
+            <a:endParaRPr lang="en-US" sz="3200" b="0" strike="noStrike" spc="-1">
               <a:latin typeface="Arial"/>
             </a:endParaRPr>
           </a:p>
@@ -5790,11 +6192,12 @@
           </a:prstGeom>
         </p:spPr>
         <p:txBody>
-          <a:bodyPr lIns="0" rIns="0" tIns="0" bIns="0">
+          <a:bodyPr lIns="0" tIns="0" rIns="0" bIns="0">
             <a:normAutofit/>
           </a:bodyPr>
-          <a:p>
-            <a:endParaRPr b="0" lang="en-US" sz="3200" spc="-1" strike="noStrike">
+          <a:lstStyle/>
+          <a:p>
+            <a:endParaRPr lang="en-US" sz="3200" b="0" strike="noStrike" spc="-1">
               <a:latin typeface="Arial"/>
             </a:endParaRPr>
           </a:p>
@@ -5802,11 +6205,14 @@
       </p:sp>
     </p:spTree>
   </p:cSld>
+  <p:clrMapOvr>
+    <a:masterClrMapping/>
+  </p:clrMapOvr>
 </p:sldLayout>
 </file>
 
 <file path=ppt/slideLayouts/slideLayout58.xml><?xml version="1.0" encoding="utf-8"?>
-<p:sldLayout xmlns:a="http://schemas.openxmlformats.org/drawingml/2006/main" xmlns:p="http://schemas.openxmlformats.org/presentationml/2006/main" xmlns:r="http://schemas.openxmlformats.org/officeDocument/2006/relationships" xmlns:p14="http://schemas.microsoft.com/office/powerpoint/2010/main" xmlns:p15="http://schemas.microsoft.com/office/powerpoint/2012/main" xmlns:mc="http://schemas.openxmlformats.org/markup-compatibility/2006" type="objOverTx" preserve="1">
+<p:sldLayout xmlns:a="http://schemas.openxmlformats.org/drawingml/2006/main" xmlns:r="http://schemas.openxmlformats.org/officeDocument/2006/relationships" xmlns:p="http://schemas.openxmlformats.org/presentationml/2006/main" type="objOverTx" preserve="1">
   <p:cSld name="Title, Content over Content">
     <p:spTree>
       <p:nvGrpSpPr>
@@ -5842,12 +6248,13 @@
           </a:prstGeom>
         </p:spPr>
         <p:txBody>
-          <a:bodyPr lIns="0" rIns="0" tIns="0" bIns="0" anchor="ctr">
+          <a:bodyPr lIns="0" tIns="0" rIns="0" bIns="0" anchor="ctr">
             <a:noAutofit/>
           </a:bodyPr>
+          <a:lstStyle/>
           <a:p>
             <a:pPr algn="ctr"/>
-            <a:endParaRPr b="0" lang="en-US" sz="4400" spc="-1" strike="noStrike">
+            <a:endParaRPr lang="en-US" sz="4400" b="0" strike="noStrike" spc="-1">
               <a:latin typeface="Arial"/>
             </a:endParaRPr>
           </a:p>
@@ -5873,11 +6280,12 @@
           </a:prstGeom>
         </p:spPr>
         <p:txBody>
-          <a:bodyPr lIns="0" rIns="0" tIns="0" bIns="0">
+          <a:bodyPr lIns="0" tIns="0" rIns="0" bIns="0">
             <a:normAutofit/>
           </a:bodyPr>
-          <a:p>
-            <a:endParaRPr b="0" lang="en-US" sz="3200" spc="-1" strike="noStrike">
+          <a:lstStyle/>
+          <a:p>
+            <a:endParaRPr lang="en-US" sz="3200" b="0" strike="noStrike" spc="-1">
               <a:latin typeface="Arial"/>
             </a:endParaRPr>
           </a:p>
@@ -5903,11 +6311,12 @@
           </a:prstGeom>
         </p:spPr>
         <p:txBody>
-          <a:bodyPr lIns="0" rIns="0" tIns="0" bIns="0">
+          <a:bodyPr lIns="0" tIns="0" rIns="0" bIns="0">
             <a:normAutofit/>
           </a:bodyPr>
-          <a:p>
-            <a:endParaRPr b="0" lang="en-US" sz="3200" spc="-1" strike="noStrike">
+          <a:lstStyle/>
+          <a:p>
+            <a:endParaRPr lang="en-US" sz="3200" b="0" strike="noStrike" spc="-1">
               <a:latin typeface="Arial"/>
             </a:endParaRPr>
           </a:p>
@@ -5915,11 +6324,14 @@
       </p:sp>
     </p:spTree>
   </p:cSld>
+  <p:clrMapOvr>
+    <a:masterClrMapping/>
+  </p:clrMapOvr>
 </p:sldLayout>
 </file>
 
 <file path=ppt/slideLayouts/slideLayout59.xml><?xml version="1.0" encoding="utf-8"?>
-<p:sldLayout xmlns:a="http://schemas.openxmlformats.org/drawingml/2006/main" xmlns:p="http://schemas.openxmlformats.org/presentationml/2006/main" xmlns:r="http://schemas.openxmlformats.org/officeDocument/2006/relationships" xmlns:p14="http://schemas.microsoft.com/office/powerpoint/2010/main" xmlns:p15="http://schemas.microsoft.com/office/powerpoint/2012/main" xmlns:mc="http://schemas.openxmlformats.org/markup-compatibility/2006" type="fourObj" preserve="1">
+<p:sldLayout xmlns:a="http://schemas.openxmlformats.org/drawingml/2006/main" xmlns:r="http://schemas.openxmlformats.org/officeDocument/2006/relationships" xmlns:p="http://schemas.openxmlformats.org/presentationml/2006/main" type="fourObj" preserve="1">
   <p:cSld name="Title, 4 Content">
     <p:spTree>
       <p:nvGrpSpPr>
@@ -5955,12 +6367,13 @@
           </a:prstGeom>
         </p:spPr>
         <p:txBody>
-          <a:bodyPr lIns="0" rIns="0" tIns="0" bIns="0" anchor="ctr">
+          <a:bodyPr lIns="0" tIns="0" rIns="0" bIns="0" anchor="ctr">
             <a:noAutofit/>
           </a:bodyPr>
+          <a:lstStyle/>
           <a:p>
             <a:pPr algn="ctr"/>
-            <a:endParaRPr b="0" lang="en-US" sz="4400" spc="-1" strike="noStrike">
+            <a:endParaRPr lang="en-US" sz="4400" b="0" strike="noStrike" spc="-1">
               <a:latin typeface="Arial"/>
             </a:endParaRPr>
           </a:p>
@@ -5986,11 +6399,12 @@
           </a:prstGeom>
         </p:spPr>
         <p:txBody>
-          <a:bodyPr lIns="0" rIns="0" tIns="0" bIns="0">
+          <a:bodyPr lIns="0" tIns="0" rIns="0" bIns="0">
             <a:normAutofit/>
           </a:bodyPr>
-          <a:p>
-            <a:endParaRPr b="0" lang="en-US" sz="3200" spc="-1" strike="noStrike">
+          <a:lstStyle/>
+          <a:p>
+            <a:endParaRPr lang="en-US" sz="3200" b="0" strike="noStrike" spc="-1">
               <a:latin typeface="Arial"/>
             </a:endParaRPr>
           </a:p>
@@ -6016,11 +6430,12 @@
           </a:prstGeom>
         </p:spPr>
         <p:txBody>
-          <a:bodyPr lIns="0" rIns="0" tIns="0" bIns="0">
+          <a:bodyPr lIns="0" tIns="0" rIns="0" bIns="0">
             <a:normAutofit/>
           </a:bodyPr>
-          <a:p>
-            <a:endParaRPr b="0" lang="en-US" sz="3200" spc="-1" strike="noStrike">
+          <a:lstStyle/>
+          <a:p>
+            <a:endParaRPr lang="en-US" sz="3200" b="0" strike="noStrike" spc="-1">
               <a:latin typeface="Arial"/>
             </a:endParaRPr>
           </a:p>
@@ -6046,11 +6461,12 @@
           </a:prstGeom>
         </p:spPr>
         <p:txBody>
-          <a:bodyPr lIns="0" rIns="0" tIns="0" bIns="0">
+          <a:bodyPr lIns="0" tIns="0" rIns="0" bIns="0">
             <a:normAutofit/>
           </a:bodyPr>
-          <a:p>
-            <a:endParaRPr b="0" lang="en-US" sz="3200" spc="-1" strike="noStrike">
+          <a:lstStyle/>
+          <a:p>
+            <a:endParaRPr lang="en-US" sz="3200" b="0" strike="noStrike" spc="-1">
               <a:latin typeface="Arial"/>
             </a:endParaRPr>
           </a:p>
@@ -6076,11 +6492,12 @@
           </a:prstGeom>
         </p:spPr>
         <p:txBody>
-          <a:bodyPr lIns="0" rIns="0" tIns="0" bIns="0">
+          <a:bodyPr lIns="0" tIns="0" rIns="0" bIns="0">
             <a:normAutofit/>
           </a:bodyPr>
-          <a:p>
-            <a:endParaRPr b="0" lang="en-US" sz="3200" spc="-1" strike="noStrike">
+          <a:lstStyle/>
+          <a:p>
+            <a:endParaRPr lang="en-US" sz="3200" b="0" strike="noStrike" spc="-1">
               <a:latin typeface="Arial"/>
             </a:endParaRPr>
           </a:p>
@@ -6088,11 +6505,14 @@
       </p:sp>
     </p:spTree>
   </p:cSld>
+  <p:clrMapOvr>
+    <a:masterClrMapping/>
+  </p:clrMapOvr>
 </p:sldLayout>
 </file>
 
 <file path=ppt/slideLayouts/slideLayout6.xml><?xml version="1.0" encoding="utf-8"?>
-<p:sldLayout xmlns:a="http://schemas.openxmlformats.org/drawingml/2006/main" xmlns:p="http://schemas.openxmlformats.org/presentationml/2006/main" xmlns:r="http://schemas.openxmlformats.org/officeDocument/2006/relationships" xmlns:p14="http://schemas.microsoft.com/office/powerpoint/2010/main" xmlns:p15="http://schemas.microsoft.com/office/powerpoint/2012/main" xmlns:mc="http://schemas.openxmlformats.org/markup-compatibility/2006" type="objOnly" preserve="1">
+<p:sldLayout xmlns:a="http://schemas.openxmlformats.org/drawingml/2006/main" xmlns:r="http://schemas.openxmlformats.org/officeDocument/2006/relationships" xmlns:p="http://schemas.openxmlformats.org/presentationml/2006/main" type="objOnly" preserve="1">
   <p:cSld name="Centered Text">
     <p:spTree>
       <p:nvGrpSpPr>
@@ -6128,12 +6548,13 @@
           </a:prstGeom>
         </p:spPr>
         <p:txBody>
-          <a:bodyPr lIns="0" rIns="0" tIns="0" bIns="0" anchor="ctr">
+          <a:bodyPr lIns="0" tIns="0" rIns="0" bIns="0" anchor="ctr">
             <a:noAutofit/>
           </a:bodyPr>
+          <a:lstStyle/>
           <a:p>
             <a:pPr algn="ctr"/>
-            <a:endParaRPr b="0" lang="en-US" sz="3200" spc="-1" strike="noStrike">
+            <a:endParaRPr lang="en-US" sz="3200" b="0" strike="noStrike" spc="-1">
               <a:latin typeface="Arial"/>
             </a:endParaRPr>
           </a:p>
@@ -6141,11 +6562,14 @@
       </p:sp>
     </p:spTree>
   </p:cSld>
+  <p:clrMapOvr>
+    <a:masterClrMapping/>
+  </p:clrMapOvr>
 </p:sldLayout>
 </file>
 
 <file path=ppt/slideLayouts/slideLayout60.xml><?xml version="1.0" encoding="utf-8"?>
-<p:sldLayout xmlns:a="http://schemas.openxmlformats.org/drawingml/2006/main" xmlns:p="http://schemas.openxmlformats.org/presentationml/2006/main" xmlns:r="http://schemas.openxmlformats.org/officeDocument/2006/relationships" xmlns:p14="http://schemas.microsoft.com/office/powerpoint/2010/main" xmlns:p15="http://schemas.microsoft.com/office/powerpoint/2012/main" xmlns:mc="http://schemas.openxmlformats.org/markup-compatibility/2006" type="blank" preserve="1">
+<p:sldLayout xmlns:a="http://schemas.openxmlformats.org/drawingml/2006/main" xmlns:r="http://schemas.openxmlformats.org/officeDocument/2006/relationships" xmlns:p="http://schemas.openxmlformats.org/presentationml/2006/main" type="blank" preserve="1">
   <p:cSld name="Title, 6 Content">
     <p:spTree>
       <p:nvGrpSpPr>
@@ -6181,12 +6605,13 @@
           </a:prstGeom>
         </p:spPr>
         <p:txBody>
-          <a:bodyPr lIns="0" rIns="0" tIns="0" bIns="0" anchor="ctr">
+          <a:bodyPr lIns="0" tIns="0" rIns="0" bIns="0" anchor="ctr">
             <a:noAutofit/>
           </a:bodyPr>
+          <a:lstStyle/>
           <a:p>
             <a:pPr algn="ctr"/>
-            <a:endParaRPr b="0" lang="en-US" sz="4400" spc="-1" strike="noStrike">
+            <a:endParaRPr lang="en-US" sz="4400" b="0" strike="noStrike" spc="-1">
               <a:latin typeface="Arial"/>
             </a:endParaRPr>
           </a:p>
@@ -6212,11 +6637,12 @@
           </a:prstGeom>
         </p:spPr>
         <p:txBody>
-          <a:bodyPr lIns="0" rIns="0" tIns="0" bIns="0">
+          <a:bodyPr lIns="0" tIns="0" rIns="0" bIns="0">
             <a:normAutofit/>
           </a:bodyPr>
-          <a:p>
-            <a:endParaRPr b="0" lang="en-US" sz="3200" spc="-1" strike="noStrike">
+          <a:lstStyle/>
+          <a:p>
+            <a:endParaRPr lang="en-US" sz="3200" b="0" strike="noStrike" spc="-1">
               <a:latin typeface="Arial"/>
             </a:endParaRPr>
           </a:p>
@@ -6242,11 +6668,12 @@
           </a:prstGeom>
         </p:spPr>
         <p:txBody>
-          <a:bodyPr lIns="0" rIns="0" tIns="0" bIns="0">
+          <a:bodyPr lIns="0" tIns="0" rIns="0" bIns="0">
             <a:normAutofit/>
           </a:bodyPr>
-          <a:p>
-            <a:endParaRPr b="0" lang="en-US" sz="3200" spc="-1" strike="noStrike">
+          <a:lstStyle/>
+          <a:p>
+            <a:endParaRPr lang="en-US" sz="3200" b="0" strike="noStrike" spc="-1">
               <a:latin typeface="Arial"/>
             </a:endParaRPr>
           </a:p>
@@ -6272,11 +6699,12 @@
           </a:prstGeom>
         </p:spPr>
         <p:txBody>
-          <a:bodyPr lIns="0" rIns="0" tIns="0" bIns="0">
+          <a:bodyPr lIns="0" tIns="0" rIns="0" bIns="0">
             <a:normAutofit/>
           </a:bodyPr>
-          <a:p>
-            <a:endParaRPr b="0" lang="en-US" sz="3200" spc="-1" strike="noStrike">
+          <a:lstStyle/>
+          <a:p>
+            <a:endParaRPr lang="en-US" sz="3200" b="0" strike="noStrike" spc="-1">
               <a:latin typeface="Arial"/>
             </a:endParaRPr>
           </a:p>
@@ -6302,11 +6730,12 @@
           </a:prstGeom>
         </p:spPr>
         <p:txBody>
-          <a:bodyPr lIns="0" rIns="0" tIns="0" bIns="0">
+          <a:bodyPr lIns="0" tIns="0" rIns="0" bIns="0">
             <a:normAutofit/>
           </a:bodyPr>
-          <a:p>
-            <a:endParaRPr b="0" lang="en-US" sz="3200" spc="-1" strike="noStrike">
+          <a:lstStyle/>
+          <a:p>
+            <a:endParaRPr lang="en-US" sz="3200" b="0" strike="noStrike" spc="-1">
               <a:latin typeface="Arial"/>
             </a:endParaRPr>
           </a:p>
@@ -6332,11 +6761,12 @@
           </a:prstGeom>
         </p:spPr>
         <p:txBody>
-          <a:bodyPr lIns="0" rIns="0" tIns="0" bIns="0">
+          <a:bodyPr lIns="0" tIns="0" rIns="0" bIns="0">
             <a:normAutofit/>
           </a:bodyPr>
-          <a:p>
-            <a:endParaRPr b="0" lang="en-US" sz="3200" spc="-1" strike="noStrike">
+          <a:lstStyle/>
+          <a:p>
+            <a:endParaRPr lang="en-US" sz="3200" b="0" strike="noStrike" spc="-1">
               <a:latin typeface="Arial"/>
             </a:endParaRPr>
           </a:p>
@@ -6362,11 +6792,12 @@
           </a:prstGeom>
         </p:spPr>
         <p:txBody>
-          <a:bodyPr lIns="0" rIns="0" tIns="0" bIns="0">
+          <a:bodyPr lIns="0" tIns="0" rIns="0" bIns="0">
             <a:normAutofit/>
           </a:bodyPr>
-          <a:p>
-            <a:endParaRPr b="0" lang="en-US" sz="3200" spc="-1" strike="noStrike">
+          <a:lstStyle/>
+          <a:p>
+            <a:endParaRPr lang="en-US" sz="3200" b="0" strike="noStrike" spc="-1">
               <a:latin typeface="Arial"/>
             </a:endParaRPr>
           </a:p>
@@ -6374,11 +6805,14 @@
       </p:sp>
     </p:spTree>
   </p:cSld>
+  <p:clrMapOvr>
+    <a:masterClrMapping/>
+  </p:clrMapOvr>
 </p:sldLayout>
 </file>
 
 <file path=ppt/slideLayouts/slideLayout7.xml><?xml version="1.0" encoding="utf-8"?>
-<p:sldLayout xmlns:a="http://schemas.openxmlformats.org/drawingml/2006/main" xmlns:p="http://schemas.openxmlformats.org/presentationml/2006/main" xmlns:r="http://schemas.openxmlformats.org/officeDocument/2006/relationships" xmlns:p14="http://schemas.microsoft.com/office/powerpoint/2010/main" xmlns:p15="http://schemas.microsoft.com/office/powerpoint/2012/main" xmlns:mc="http://schemas.openxmlformats.org/markup-compatibility/2006" type="twoObjAndObj" preserve="1">
+<p:sldLayout xmlns:a="http://schemas.openxmlformats.org/drawingml/2006/main" xmlns:r="http://schemas.openxmlformats.org/officeDocument/2006/relationships" xmlns:p="http://schemas.openxmlformats.org/presentationml/2006/main" type="twoObjAndObj" preserve="1">
   <p:cSld name="Title, 2 Content and Content">
     <p:spTree>
       <p:nvGrpSpPr>
@@ -6414,12 +6848,13 @@
           </a:prstGeom>
         </p:spPr>
         <p:txBody>
-          <a:bodyPr lIns="0" rIns="0" tIns="0" bIns="0" anchor="ctr">
+          <a:bodyPr lIns="0" tIns="0" rIns="0" bIns="0" anchor="ctr">
             <a:noAutofit/>
           </a:bodyPr>
+          <a:lstStyle/>
           <a:p>
             <a:pPr algn="ctr"/>
-            <a:endParaRPr b="0" lang="en-US" sz="4400" spc="-1" strike="noStrike">
+            <a:endParaRPr lang="en-US" sz="4400" b="0" strike="noStrike" spc="-1">
               <a:latin typeface="Arial"/>
             </a:endParaRPr>
           </a:p>
@@ -6445,11 +6880,12 @@
           </a:prstGeom>
         </p:spPr>
         <p:txBody>
-          <a:bodyPr lIns="0" rIns="0" tIns="0" bIns="0">
+          <a:bodyPr lIns="0" tIns="0" rIns="0" bIns="0">
             <a:normAutofit/>
           </a:bodyPr>
-          <a:p>
-            <a:endParaRPr b="0" lang="en-US" sz="3200" spc="-1" strike="noStrike">
+          <a:lstStyle/>
+          <a:p>
+            <a:endParaRPr lang="en-US" sz="3200" b="0" strike="noStrike" spc="-1">
               <a:latin typeface="Arial"/>
             </a:endParaRPr>
           </a:p>
@@ -6475,11 +6911,12 @@
           </a:prstGeom>
         </p:spPr>
         <p:txBody>
-          <a:bodyPr lIns="0" rIns="0" tIns="0" bIns="0">
+          <a:bodyPr lIns="0" tIns="0" rIns="0" bIns="0">
             <a:normAutofit/>
           </a:bodyPr>
-          <a:p>
-            <a:endParaRPr b="0" lang="en-US" sz="3200" spc="-1" strike="noStrike">
+          <a:lstStyle/>
+          <a:p>
+            <a:endParaRPr lang="en-US" sz="3200" b="0" strike="noStrike" spc="-1">
               <a:latin typeface="Arial"/>
             </a:endParaRPr>
           </a:p>
@@ -6505,11 +6942,12 @@
           </a:prstGeom>
         </p:spPr>
         <p:txBody>
-          <a:bodyPr lIns="0" rIns="0" tIns="0" bIns="0">
+          <a:bodyPr lIns="0" tIns="0" rIns="0" bIns="0">
             <a:normAutofit/>
           </a:bodyPr>
-          <a:p>
-            <a:endParaRPr b="0" lang="en-US" sz="3200" spc="-1" strike="noStrike">
+          <a:lstStyle/>
+          <a:p>
+            <a:endParaRPr lang="en-US" sz="3200" b="0" strike="noStrike" spc="-1">
               <a:latin typeface="Arial"/>
             </a:endParaRPr>
           </a:p>
@@ -6517,11 +6955,14 @@
       </p:sp>
     </p:spTree>
   </p:cSld>
+  <p:clrMapOvr>
+    <a:masterClrMapping/>
+  </p:clrMapOvr>
 </p:sldLayout>
 </file>
 
 <file path=ppt/slideLayouts/slideLayout8.xml><?xml version="1.0" encoding="utf-8"?>
-<p:sldLayout xmlns:a="http://schemas.openxmlformats.org/drawingml/2006/main" xmlns:p="http://schemas.openxmlformats.org/presentationml/2006/main" xmlns:r="http://schemas.openxmlformats.org/officeDocument/2006/relationships" xmlns:p14="http://schemas.microsoft.com/office/powerpoint/2010/main" xmlns:p15="http://schemas.microsoft.com/office/powerpoint/2012/main" xmlns:mc="http://schemas.openxmlformats.org/markup-compatibility/2006" type="objAndTwoObj" preserve="1">
+<p:sldLayout xmlns:a="http://schemas.openxmlformats.org/drawingml/2006/main" xmlns:r="http://schemas.openxmlformats.org/officeDocument/2006/relationships" xmlns:p="http://schemas.openxmlformats.org/presentationml/2006/main" type="objAndTwoObj" preserve="1">
   <p:cSld name="Title Content and 2 Content">
     <p:spTree>
       <p:nvGrpSpPr>
@@ -6557,12 +6998,13 @@
           </a:prstGeom>
         </p:spPr>
         <p:txBody>
-          <a:bodyPr lIns="0" rIns="0" tIns="0" bIns="0" anchor="ctr">
+          <a:bodyPr lIns="0" tIns="0" rIns="0" bIns="0" anchor="ctr">
             <a:noAutofit/>
           </a:bodyPr>
+          <a:lstStyle/>
           <a:p>
             <a:pPr algn="ctr"/>
-            <a:endParaRPr b="0" lang="en-US" sz="4400" spc="-1" strike="noStrike">
+            <a:endParaRPr lang="en-US" sz="4400" b="0" strike="noStrike" spc="-1">
               <a:latin typeface="Arial"/>
             </a:endParaRPr>
           </a:p>
@@ -6588,11 +7030,12 @@
           </a:prstGeom>
         </p:spPr>
         <p:txBody>
-          <a:bodyPr lIns="0" rIns="0" tIns="0" bIns="0">
+          <a:bodyPr lIns="0" tIns="0" rIns="0" bIns="0">
             <a:normAutofit/>
           </a:bodyPr>
-          <a:p>
-            <a:endParaRPr b="0" lang="en-US" sz="3200" spc="-1" strike="noStrike">
+          <a:lstStyle/>
+          <a:p>
+            <a:endParaRPr lang="en-US" sz="3200" b="0" strike="noStrike" spc="-1">
               <a:latin typeface="Arial"/>
             </a:endParaRPr>
           </a:p>
@@ -6618,11 +7061,12 @@
           </a:prstGeom>
         </p:spPr>
         <p:txBody>
-          <a:bodyPr lIns="0" rIns="0" tIns="0" bIns="0">
+          <a:bodyPr lIns="0" tIns="0" rIns="0" bIns="0">
             <a:normAutofit/>
           </a:bodyPr>
-          <a:p>
-            <a:endParaRPr b="0" lang="en-US" sz="3200" spc="-1" strike="noStrike">
+          <a:lstStyle/>
+          <a:p>
+            <a:endParaRPr lang="en-US" sz="3200" b="0" strike="noStrike" spc="-1">
               <a:latin typeface="Arial"/>
             </a:endParaRPr>
           </a:p>
@@ -6648,11 +7092,12 @@
           </a:prstGeom>
         </p:spPr>
         <p:txBody>
-          <a:bodyPr lIns="0" rIns="0" tIns="0" bIns="0">
+          <a:bodyPr lIns="0" tIns="0" rIns="0" bIns="0">
             <a:normAutofit/>
           </a:bodyPr>
-          <a:p>
-            <a:endParaRPr b="0" lang="en-US" sz="3200" spc="-1" strike="noStrike">
+          <a:lstStyle/>
+          <a:p>
+            <a:endParaRPr lang="en-US" sz="3200" b="0" strike="noStrike" spc="-1">
               <a:latin typeface="Arial"/>
             </a:endParaRPr>
           </a:p>
@@ -6660,11 +7105,14 @@
       </p:sp>
     </p:spTree>
   </p:cSld>
+  <p:clrMapOvr>
+    <a:masterClrMapping/>
+  </p:clrMapOvr>
 </p:sldLayout>
 </file>
 
 <file path=ppt/slideLayouts/slideLayout9.xml><?xml version="1.0" encoding="utf-8"?>
-<p:sldLayout xmlns:a="http://schemas.openxmlformats.org/drawingml/2006/main" xmlns:p="http://schemas.openxmlformats.org/presentationml/2006/main" xmlns:r="http://schemas.openxmlformats.org/officeDocument/2006/relationships" xmlns:p14="http://schemas.microsoft.com/office/powerpoint/2010/main" xmlns:p15="http://schemas.microsoft.com/office/powerpoint/2012/main" xmlns:mc="http://schemas.openxmlformats.org/markup-compatibility/2006" type="twoObjOverTx" preserve="1">
+<p:sldLayout xmlns:a="http://schemas.openxmlformats.org/drawingml/2006/main" xmlns:r="http://schemas.openxmlformats.org/officeDocument/2006/relationships" xmlns:p="http://schemas.openxmlformats.org/presentationml/2006/main" type="twoObjOverTx" preserve="1">
   <p:cSld name="Title, 2 Content over Content">
     <p:spTree>
       <p:nvGrpSpPr>
@@ -6700,12 +7148,13 @@
           </a:prstGeom>
         </p:spPr>
         <p:txBody>
-          <a:bodyPr lIns="0" rIns="0" tIns="0" bIns="0" anchor="ctr">
+          <a:bodyPr lIns="0" tIns="0" rIns="0" bIns="0" anchor="ctr">
             <a:noAutofit/>
           </a:bodyPr>
+          <a:lstStyle/>
           <a:p>
             <a:pPr algn="ctr"/>
-            <a:endParaRPr b="0" lang="en-US" sz="4400" spc="-1" strike="noStrike">
+            <a:endParaRPr lang="en-US" sz="4400" b="0" strike="noStrike" spc="-1">
               <a:latin typeface="Arial"/>
             </a:endParaRPr>
           </a:p>
@@ -6731,11 +7180,12 @@
           </a:prstGeom>
         </p:spPr>
         <p:txBody>
-          <a:bodyPr lIns="0" rIns="0" tIns="0" bIns="0">
+          <a:bodyPr lIns="0" tIns="0" rIns="0" bIns="0">
             <a:normAutofit/>
           </a:bodyPr>
-          <a:p>
-            <a:endParaRPr b="0" lang="en-US" sz="3200" spc="-1" strike="noStrike">
+          <a:lstStyle/>
+          <a:p>
+            <a:endParaRPr lang="en-US" sz="3200" b="0" strike="noStrike" spc="-1">
               <a:latin typeface="Arial"/>
             </a:endParaRPr>
           </a:p>
@@ -6761,11 +7211,12 @@
           </a:prstGeom>
         </p:spPr>
         <p:txBody>
-          <a:bodyPr lIns="0" rIns="0" tIns="0" bIns="0">
+          <a:bodyPr lIns="0" tIns="0" rIns="0" bIns="0">
             <a:normAutofit/>
           </a:bodyPr>
-          <a:p>
-            <a:endParaRPr b="0" lang="en-US" sz="3200" spc="-1" strike="noStrike">
+          <a:lstStyle/>
+          <a:p>
+            <a:endParaRPr lang="en-US" sz="3200" b="0" strike="noStrike" spc="-1">
               <a:latin typeface="Arial"/>
             </a:endParaRPr>
           </a:p>
@@ -6791,11 +7242,12 @@
           </a:prstGeom>
         </p:spPr>
         <p:txBody>
-          <a:bodyPr lIns="0" rIns="0" tIns="0" bIns="0">
+          <a:bodyPr lIns="0" tIns="0" rIns="0" bIns="0">
             <a:normAutofit/>
           </a:bodyPr>
-          <a:p>
-            <a:endParaRPr b="0" lang="en-US" sz="3200" spc="-1" strike="noStrike">
+          <a:lstStyle/>
+          <a:p>
+            <a:endParaRPr lang="en-US" sz="3200" b="0" strike="noStrike" spc="-1">
               <a:latin typeface="Arial"/>
             </a:endParaRPr>
           </a:p>
@@ -6803,17 +7255,21 @@
       </p:sp>
     </p:spTree>
   </p:cSld>
+  <p:clrMapOvr>
+    <a:masterClrMapping/>
+  </p:clrMapOvr>
 </p:sldLayout>
 </file>
 
 <file path=ppt/slideMasters/slideMaster1.xml><?xml version="1.0" encoding="utf-8"?>
-<p:sldMaster xmlns:a="http://schemas.openxmlformats.org/drawingml/2006/main" xmlns:p="http://schemas.openxmlformats.org/presentationml/2006/main" xmlns:r="http://schemas.openxmlformats.org/officeDocument/2006/relationships" xmlns:p14="http://schemas.microsoft.com/office/powerpoint/2010/main" xmlns:p15="http://schemas.microsoft.com/office/powerpoint/2012/main" xmlns:mc="http://schemas.openxmlformats.org/markup-compatibility/2006">
+<p:sldMaster xmlns:a="http://schemas.openxmlformats.org/drawingml/2006/main" xmlns:r="http://schemas.openxmlformats.org/officeDocument/2006/relationships" xmlns:p="http://schemas.openxmlformats.org/presentationml/2006/main">
   <p:cSld>
     <p:bg>
       <p:bgPr>
         <a:solidFill>
-          <a:srgbClr val="efede3"/>
+          <a:srgbClr val="EFEDE3"/>
         </a:solidFill>
+        <a:effectLst/>
       </p:bgPr>
     </p:bg>
     <p:spTree>
@@ -6832,7 +7288,7 @@
       </p:grpSpPr>
       <p:sp>
         <p:nvSpPr>
-          <p:cNvPr id="0" name="CustomShape 1" hidden="1"/>
+          <p:cNvPr id="6" name="CustomShape 1" hidden="1"/>
           <p:cNvSpPr/>
           <p:nvPr/>
         </p:nvSpPr>
@@ -6868,7 +7324,7 @@
       </p:sp>
       <p:grpSp>
         <p:nvGrpSpPr>
-          <p:cNvPr id="1" name="Group 2"/>
+          <p:cNvPr id="7" name="Group 2"/>
           <p:cNvGrpSpPr/>
           <p:nvPr/>
         </p:nvGrpSpPr>
@@ -6895,6 +7351,7 @@
               <a:avLst/>
               <a:gdLst/>
               <a:ahLst/>
+              <a:cxnLst/>
               <a:rect l="l" t="t" r="r" b="b"/>
               <a:pathLst>
                 <a:path w="10000" h="10000">
@@ -6931,9 +7388,15 @@
             </a:ln>
           </p:spPr>
           <p:style>
-            <a:lnRef idx="0"/>
-            <a:fillRef idx="0"/>
-            <a:effectRef idx="0"/>
+            <a:lnRef idx="0">
+              <a:scrgbClr r="0" g="0" b="0"/>
+            </a:lnRef>
+            <a:fillRef idx="0">
+              <a:scrgbClr r="0" g="0" b="0"/>
+            </a:fillRef>
+            <a:effectRef idx="0">
+              <a:scrgbClr r="0" g="0" b="0"/>
+            </a:effectRef>
             <a:fontRef idx="minor"/>
           </p:style>
         </p:sp>
@@ -6952,6 +7415,7 @@
               <a:avLst/>
               <a:gdLst/>
               <a:ahLst/>
+              <a:cxnLst/>
               <a:rect l="l" t="t" r="r" b="b"/>
               <a:pathLst>
                 <a:path w="10002" h="10000">
@@ -6990,9 +7454,15 @@
             </a:ln>
           </p:spPr>
           <p:style>
-            <a:lnRef idx="0"/>
-            <a:fillRef idx="0"/>
-            <a:effectRef idx="0"/>
+            <a:lnRef idx="0">
+              <a:scrgbClr r="0" g="0" b="0"/>
+            </a:lnRef>
+            <a:fillRef idx="0">
+              <a:scrgbClr r="0" g="0" b="0"/>
+            </a:fillRef>
+            <a:effectRef idx="0">
+              <a:scrgbClr r="0" g="0" b="0"/>
+            </a:effectRef>
             <a:fontRef idx="minor"/>
           </p:style>
         </p:sp>
@@ -7017,19 +7487,17 @@
           </a:prstGeom>
         </p:spPr>
         <p:txBody>
-          <a:bodyPr lIns="0" rIns="0" tIns="0" bIns="0" anchor="ctr">
+          <a:bodyPr lIns="0" tIns="0" rIns="0" bIns="0" anchor="ctr">
             <a:noAutofit/>
           </a:bodyPr>
+          <a:lstStyle/>
           <a:p>
             <a:r>
-              <a:rPr b="0" lang="en-US" sz="1800" spc="-1" strike="noStrike">
+              <a:rPr lang="en-US" sz="1800" b="0" strike="noStrike" spc="-1">
                 <a:latin typeface="Arial"/>
               </a:rPr>
               <a:t>Click to edit the title text format</a:t>
             </a:r>
-            <a:endParaRPr b="0" lang="en-US" sz="1800" spc="-1" strike="noStrike">
-              <a:latin typeface="Arial"/>
-            </a:endParaRPr>
           </a:p>
         </p:txBody>
       </p:sp>
@@ -7053,9 +7521,10 @@
           </a:prstGeom>
         </p:spPr>
         <p:txBody>
-          <a:bodyPr lIns="0" rIns="0" tIns="0" bIns="0">
+          <a:bodyPr lIns="0" tIns="0" rIns="0" bIns="0">
             <a:normAutofit/>
           </a:bodyPr>
+          <a:lstStyle/>
           <a:p>
             <a:pPr marL="432000" indent="-324000">
               <a:spcBef>
@@ -7069,17 +7538,14 @@
               <a:buChar char=""/>
             </a:pPr>
             <a:r>
-              <a:rPr b="0" lang="en-US" sz="3200" spc="-1" strike="noStrike">
+              <a:rPr lang="en-US" sz="3200" b="0" strike="noStrike" spc="-1">
                 <a:latin typeface="Arial"/>
               </a:rPr>
               <a:t>Click to edit the outline text format</a:t>
             </a:r>
-            <a:endParaRPr b="0" lang="en-US" sz="3200" spc="-1" strike="noStrike">
-              <a:latin typeface="Arial"/>
-            </a:endParaRPr>
-          </a:p>
-          <a:p>
-            <a:pPr lvl="1" marL="864000" indent="-324000">
+          </a:p>
+          <a:p>
+            <a:pPr marL="864000" lvl="1" indent="-324000">
               <a:spcBef>
                 <a:spcPts val="1134"/>
               </a:spcBef>
@@ -7091,17 +7557,14 @@
               <a:buChar char=""/>
             </a:pPr>
             <a:r>
-              <a:rPr b="0" lang="en-US" sz="2800" spc="-1" strike="noStrike">
+              <a:rPr lang="en-US" sz="2800" b="0" strike="noStrike" spc="-1">
                 <a:latin typeface="Arial"/>
               </a:rPr>
               <a:t>Second Outline Level</a:t>
             </a:r>
-            <a:endParaRPr b="0" lang="en-US" sz="2800" spc="-1" strike="noStrike">
-              <a:latin typeface="Arial"/>
-            </a:endParaRPr>
-          </a:p>
-          <a:p>
-            <a:pPr lvl="2" marL="1296000" indent="-288000">
+          </a:p>
+          <a:p>
+            <a:pPr marL="1296000" lvl="2" indent="-288000">
               <a:spcBef>
                 <a:spcPts val="850"/>
               </a:spcBef>
@@ -7113,17 +7576,14 @@
               <a:buChar char=""/>
             </a:pPr>
             <a:r>
-              <a:rPr b="0" lang="en-US" sz="2400" spc="-1" strike="noStrike">
+              <a:rPr lang="en-US" sz="2400" b="0" strike="noStrike" spc="-1">
                 <a:latin typeface="Arial"/>
               </a:rPr>
               <a:t>Third Outline Level</a:t>
             </a:r>
-            <a:endParaRPr b="0" lang="en-US" sz="2400" spc="-1" strike="noStrike">
-              <a:latin typeface="Arial"/>
-            </a:endParaRPr>
-          </a:p>
-          <a:p>
-            <a:pPr lvl="3" marL="1728000" indent="-216000">
+          </a:p>
+          <a:p>
+            <a:pPr marL="1728000" lvl="3" indent="-216000">
               <a:spcBef>
                 <a:spcPts val="567"/>
               </a:spcBef>
@@ -7135,17 +7595,14 @@
               <a:buChar char=""/>
             </a:pPr>
             <a:r>
-              <a:rPr b="0" lang="en-US" sz="2000" spc="-1" strike="noStrike">
+              <a:rPr lang="en-US" sz="2000" b="0" strike="noStrike" spc="-1">
                 <a:latin typeface="Arial"/>
               </a:rPr>
               <a:t>Fourth Outline Level</a:t>
             </a:r>
-            <a:endParaRPr b="0" lang="en-US" sz="2000" spc="-1" strike="noStrike">
-              <a:latin typeface="Arial"/>
-            </a:endParaRPr>
-          </a:p>
-          <a:p>
-            <a:pPr lvl="4" marL="2160000" indent="-216000">
+          </a:p>
+          <a:p>
+            <a:pPr marL="2160000" lvl="4" indent="-216000">
               <a:spcBef>
                 <a:spcPts val="283"/>
               </a:spcBef>
@@ -7157,17 +7614,14 @@
               <a:buChar char=""/>
             </a:pPr>
             <a:r>
-              <a:rPr b="0" lang="en-US" sz="2000" spc="-1" strike="noStrike">
+              <a:rPr lang="en-US" sz="2000" b="0" strike="noStrike" spc="-1">
                 <a:latin typeface="Arial"/>
               </a:rPr>
               <a:t>Fifth Outline Level</a:t>
             </a:r>
-            <a:endParaRPr b="0" lang="en-US" sz="2000" spc="-1" strike="noStrike">
-              <a:latin typeface="Arial"/>
-            </a:endParaRPr>
-          </a:p>
-          <a:p>
-            <a:pPr lvl="5" marL="2592000" indent="-216000">
+          </a:p>
+          <a:p>
+            <a:pPr marL="2592000" lvl="5" indent="-216000">
               <a:spcBef>
                 <a:spcPts val="283"/>
               </a:spcBef>
@@ -7179,17 +7633,14 @@
               <a:buChar char=""/>
             </a:pPr>
             <a:r>
-              <a:rPr b="0" lang="en-US" sz="2000" spc="-1" strike="noStrike">
+              <a:rPr lang="en-US" sz="2000" b="0" strike="noStrike" spc="-1">
                 <a:latin typeface="Arial"/>
               </a:rPr>
               <a:t>Sixth Outline Level</a:t>
             </a:r>
-            <a:endParaRPr b="0" lang="en-US" sz="2000" spc="-1" strike="noStrike">
-              <a:latin typeface="Arial"/>
-            </a:endParaRPr>
-          </a:p>
-          <a:p>
-            <a:pPr lvl="6" marL="3024000" indent="-216000">
+          </a:p>
+          <a:p>
+            <a:pPr marL="3024000" lvl="6" indent="-216000">
               <a:spcBef>
                 <a:spcPts val="283"/>
               </a:spcBef>
@@ -7201,45 +7652,323 @@
               <a:buChar char=""/>
             </a:pPr>
             <a:r>
-              <a:rPr b="0" lang="en-US" sz="2000" spc="-1" strike="noStrike">
+              <a:rPr lang="en-US" sz="2000" b="0" strike="noStrike" spc="-1">
                 <a:latin typeface="Arial"/>
               </a:rPr>
               <a:t>Seventh Outline Level</a:t>
             </a:r>
-            <a:endParaRPr b="0" lang="en-US" sz="2000" spc="-1" strike="noStrike">
-              <a:latin typeface="Arial"/>
-            </a:endParaRPr>
           </a:p>
         </p:txBody>
       </p:sp>
     </p:spTree>
   </p:cSld>
-  <p:clrMap bg1="lt1" bg2="lt2" tx1="dk1" tx2="dk2" accent1="accent1" accent2="accent2" accent3="accent3" accent4="accent4" accent5="accent5" accent6="accent6" hlink="hlink" folHlink="folHlink"/>
+  <p:clrMap bg1="lt1" tx1="dk1" bg2="lt2" tx2="dk2" accent1="accent1" accent2="accent2" accent3="accent3" accent4="accent4" accent5="accent5" accent6="accent6" hlink="hlink" folHlink="folHlink"/>
   <p:sldLayoutIdLst>
-    <p:sldLayoutId id="2147483649" r:id="rId2"/>
-    <p:sldLayoutId id="2147483650" r:id="rId3"/>
-    <p:sldLayoutId id="2147483651" r:id="rId4"/>
-    <p:sldLayoutId id="2147483652" r:id="rId5"/>
-    <p:sldLayoutId id="2147483653" r:id="rId6"/>
-    <p:sldLayoutId id="2147483654" r:id="rId7"/>
-    <p:sldLayoutId id="2147483655" r:id="rId8"/>
-    <p:sldLayoutId id="2147483656" r:id="rId9"/>
-    <p:sldLayoutId id="2147483657" r:id="rId10"/>
-    <p:sldLayoutId id="2147483658" r:id="rId11"/>
-    <p:sldLayoutId id="2147483659" r:id="rId12"/>
-    <p:sldLayoutId id="2147483660" r:id="rId13"/>
+    <p:sldLayoutId id="2147483649" r:id="rId1"/>
+    <p:sldLayoutId id="2147483650" r:id="rId2"/>
+    <p:sldLayoutId id="2147483651" r:id="rId3"/>
+    <p:sldLayoutId id="2147483652" r:id="rId4"/>
+    <p:sldLayoutId id="2147483653" r:id="rId5"/>
+    <p:sldLayoutId id="2147483654" r:id="rId6"/>
+    <p:sldLayoutId id="2147483655" r:id="rId7"/>
+    <p:sldLayoutId id="2147483656" r:id="rId8"/>
+    <p:sldLayoutId id="2147483657" r:id="rId9"/>
+    <p:sldLayoutId id="2147483658" r:id="rId10"/>
+    <p:sldLayoutId id="2147483659" r:id="rId11"/>
+    <p:sldLayoutId id="2147483660" r:id="rId12"/>
   </p:sldLayoutIdLst>
+  <p:txStyles>
+    <p:titleStyle>
+      <a:lvl1pPr algn="l" defTabSz="914400" rtl="0" eaLnBrk="1" latinLnBrk="0" hangingPunct="1">
+        <a:lnSpc>
+          <a:spcPct val="90000"/>
+        </a:lnSpc>
+        <a:spcBef>
+          <a:spcPct val="0"/>
+        </a:spcBef>
+        <a:buNone/>
+        <a:defRPr sz="4400" kern="1200">
+          <a:solidFill>
+            <a:schemeClr val="tx1"/>
+          </a:solidFill>
+          <a:latin typeface="+mj-lt"/>
+          <a:ea typeface="+mj-ea"/>
+          <a:cs typeface="+mj-cs"/>
+        </a:defRPr>
+      </a:lvl1pPr>
+    </p:titleStyle>
+    <p:bodyStyle>
+      <a:lvl1pPr marL="228600" indent="-228600" algn="l" defTabSz="914400" rtl="0" eaLnBrk="1" latinLnBrk="0" hangingPunct="1">
+        <a:lnSpc>
+          <a:spcPct val="90000"/>
+        </a:lnSpc>
+        <a:spcBef>
+          <a:spcPts val="1000"/>
+        </a:spcBef>
+        <a:buFont typeface="Arial" panose="020B0604020202020204" pitchFamily="34" charset="0"/>
+        <a:buChar char="•"/>
+        <a:defRPr sz="2800" kern="1200">
+          <a:solidFill>
+            <a:schemeClr val="tx1"/>
+          </a:solidFill>
+          <a:latin typeface="+mn-lt"/>
+          <a:ea typeface="+mn-ea"/>
+          <a:cs typeface="+mn-cs"/>
+        </a:defRPr>
+      </a:lvl1pPr>
+      <a:lvl2pPr marL="685800" indent="-228600" algn="l" defTabSz="914400" rtl="0" eaLnBrk="1" latinLnBrk="0" hangingPunct="1">
+        <a:lnSpc>
+          <a:spcPct val="90000"/>
+        </a:lnSpc>
+        <a:spcBef>
+          <a:spcPts val="500"/>
+        </a:spcBef>
+        <a:buFont typeface="Arial" panose="020B0604020202020204" pitchFamily="34" charset="0"/>
+        <a:buChar char="•"/>
+        <a:defRPr sz="2400" kern="1200">
+          <a:solidFill>
+            <a:schemeClr val="tx1"/>
+          </a:solidFill>
+          <a:latin typeface="+mn-lt"/>
+          <a:ea typeface="+mn-ea"/>
+          <a:cs typeface="+mn-cs"/>
+        </a:defRPr>
+      </a:lvl2pPr>
+      <a:lvl3pPr marL="1143000" indent="-228600" algn="l" defTabSz="914400" rtl="0" eaLnBrk="1" latinLnBrk="0" hangingPunct="1">
+        <a:lnSpc>
+          <a:spcPct val="90000"/>
+        </a:lnSpc>
+        <a:spcBef>
+          <a:spcPts val="500"/>
+        </a:spcBef>
+        <a:buFont typeface="Arial" panose="020B0604020202020204" pitchFamily="34" charset="0"/>
+        <a:buChar char="•"/>
+        <a:defRPr sz="2000" kern="1200">
+          <a:solidFill>
+            <a:schemeClr val="tx1"/>
+          </a:solidFill>
+          <a:latin typeface="+mn-lt"/>
+          <a:ea typeface="+mn-ea"/>
+          <a:cs typeface="+mn-cs"/>
+        </a:defRPr>
+      </a:lvl3pPr>
+      <a:lvl4pPr marL="1600200" indent="-228600" algn="l" defTabSz="914400" rtl="0" eaLnBrk="1" latinLnBrk="0" hangingPunct="1">
+        <a:lnSpc>
+          <a:spcPct val="90000"/>
+        </a:lnSpc>
+        <a:spcBef>
+          <a:spcPts val="500"/>
+        </a:spcBef>
+        <a:buFont typeface="Arial" panose="020B0604020202020204" pitchFamily="34" charset="0"/>
+        <a:buChar char="•"/>
+        <a:defRPr sz="1800" kern="1200">
+          <a:solidFill>
+            <a:schemeClr val="tx1"/>
+          </a:solidFill>
+          <a:latin typeface="+mn-lt"/>
+          <a:ea typeface="+mn-ea"/>
+          <a:cs typeface="+mn-cs"/>
+        </a:defRPr>
+      </a:lvl4pPr>
+      <a:lvl5pPr marL="2057400" indent="-228600" algn="l" defTabSz="914400" rtl="0" eaLnBrk="1" latinLnBrk="0" hangingPunct="1">
+        <a:lnSpc>
+          <a:spcPct val="90000"/>
+        </a:lnSpc>
+        <a:spcBef>
+          <a:spcPts val="500"/>
+        </a:spcBef>
+        <a:buFont typeface="Arial" panose="020B0604020202020204" pitchFamily="34" charset="0"/>
+        <a:buChar char="•"/>
+        <a:defRPr sz="1800" kern="1200">
+          <a:solidFill>
+            <a:schemeClr val="tx1"/>
+          </a:solidFill>
+          <a:latin typeface="+mn-lt"/>
+          <a:ea typeface="+mn-ea"/>
+          <a:cs typeface="+mn-cs"/>
+        </a:defRPr>
+      </a:lvl5pPr>
+      <a:lvl6pPr marL="2514600" indent="-228600" algn="l" defTabSz="914400" rtl="0" eaLnBrk="1" latinLnBrk="0" hangingPunct="1">
+        <a:lnSpc>
+          <a:spcPct val="90000"/>
+        </a:lnSpc>
+        <a:spcBef>
+          <a:spcPts val="500"/>
+        </a:spcBef>
+        <a:buFont typeface="Arial" panose="020B0604020202020204" pitchFamily="34" charset="0"/>
+        <a:buChar char="•"/>
+        <a:defRPr sz="1800" kern="1200">
+          <a:solidFill>
+            <a:schemeClr val="tx1"/>
+          </a:solidFill>
+          <a:latin typeface="+mn-lt"/>
+          <a:ea typeface="+mn-ea"/>
+          <a:cs typeface="+mn-cs"/>
+        </a:defRPr>
+      </a:lvl6pPr>
+      <a:lvl7pPr marL="2971800" indent="-228600" algn="l" defTabSz="914400" rtl="0" eaLnBrk="1" latinLnBrk="0" hangingPunct="1">
+        <a:lnSpc>
+          <a:spcPct val="90000"/>
+        </a:lnSpc>
+        <a:spcBef>
+          <a:spcPts val="500"/>
+        </a:spcBef>
+        <a:buFont typeface="Arial" panose="020B0604020202020204" pitchFamily="34" charset="0"/>
+        <a:buChar char="•"/>
+        <a:defRPr sz="1800" kern="1200">
+          <a:solidFill>
+            <a:schemeClr val="tx1"/>
+          </a:solidFill>
+          <a:latin typeface="+mn-lt"/>
+          <a:ea typeface="+mn-ea"/>
+          <a:cs typeface="+mn-cs"/>
+        </a:defRPr>
+      </a:lvl7pPr>
+      <a:lvl8pPr marL="3429000" indent="-228600" algn="l" defTabSz="914400" rtl="0" eaLnBrk="1" latinLnBrk="0" hangingPunct="1">
+        <a:lnSpc>
+          <a:spcPct val="90000"/>
+        </a:lnSpc>
+        <a:spcBef>
+          <a:spcPts val="500"/>
+        </a:spcBef>
+        <a:buFont typeface="Arial" panose="020B0604020202020204" pitchFamily="34" charset="0"/>
+        <a:buChar char="•"/>
+        <a:defRPr sz="1800" kern="1200">
+          <a:solidFill>
+            <a:schemeClr val="tx1"/>
+          </a:solidFill>
+          <a:latin typeface="+mn-lt"/>
+          <a:ea typeface="+mn-ea"/>
+          <a:cs typeface="+mn-cs"/>
+        </a:defRPr>
+      </a:lvl8pPr>
+      <a:lvl9pPr marL="3886200" indent="-228600" algn="l" defTabSz="914400" rtl="0" eaLnBrk="1" latinLnBrk="0" hangingPunct="1">
+        <a:lnSpc>
+          <a:spcPct val="90000"/>
+        </a:lnSpc>
+        <a:spcBef>
+          <a:spcPts val="500"/>
+        </a:spcBef>
+        <a:buFont typeface="Arial" panose="020B0604020202020204" pitchFamily="34" charset="0"/>
+        <a:buChar char="•"/>
+        <a:defRPr sz="1800" kern="1200">
+          <a:solidFill>
+            <a:schemeClr val="tx1"/>
+          </a:solidFill>
+          <a:latin typeface="+mn-lt"/>
+          <a:ea typeface="+mn-ea"/>
+          <a:cs typeface="+mn-cs"/>
+        </a:defRPr>
+      </a:lvl9pPr>
+    </p:bodyStyle>
+    <p:otherStyle>
+      <a:defPPr>
+        <a:defRPr lang="de-DE"/>
+      </a:defPPr>
+      <a:lvl1pPr marL="0" algn="l" defTabSz="914400" rtl="0" eaLnBrk="1" latinLnBrk="0" hangingPunct="1">
+        <a:defRPr sz="1800" kern="1200">
+          <a:solidFill>
+            <a:schemeClr val="tx1"/>
+          </a:solidFill>
+          <a:latin typeface="+mn-lt"/>
+          <a:ea typeface="+mn-ea"/>
+          <a:cs typeface="+mn-cs"/>
+        </a:defRPr>
+      </a:lvl1pPr>
+      <a:lvl2pPr marL="457200" algn="l" defTabSz="914400" rtl="0" eaLnBrk="1" latinLnBrk="0" hangingPunct="1">
+        <a:defRPr sz="1800" kern="1200">
+          <a:solidFill>
+            <a:schemeClr val="tx1"/>
+          </a:solidFill>
+          <a:latin typeface="+mn-lt"/>
+          <a:ea typeface="+mn-ea"/>
+          <a:cs typeface="+mn-cs"/>
+        </a:defRPr>
+      </a:lvl2pPr>
+      <a:lvl3pPr marL="914400" algn="l" defTabSz="914400" rtl="0" eaLnBrk="1" latinLnBrk="0" hangingPunct="1">
+        <a:defRPr sz="1800" kern="1200">
+          <a:solidFill>
+            <a:schemeClr val="tx1"/>
+          </a:solidFill>
+          <a:latin typeface="+mn-lt"/>
+          <a:ea typeface="+mn-ea"/>
+          <a:cs typeface="+mn-cs"/>
+        </a:defRPr>
+      </a:lvl3pPr>
+      <a:lvl4pPr marL="1371600" algn="l" defTabSz="914400" rtl="0" eaLnBrk="1" latinLnBrk="0" hangingPunct="1">
+        <a:defRPr sz="1800" kern="1200">
+          <a:solidFill>
+            <a:schemeClr val="tx1"/>
+          </a:solidFill>
+          <a:latin typeface="+mn-lt"/>
+          <a:ea typeface="+mn-ea"/>
+          <a:cs typeface="+mn-cs"/>
+        </a:defRPr>
+      </a:lvl4pPr>
+      <a:lvl5pPr marL="1828800" algn="l" defTabSz="914400" rtl="0" eaLnBrk="1" latinLnBrk="0" hangingPunct="1">
+        <a:defRPr sz="1800" kern="1200">
+          <a:solidFill>
+            <a:schemeClr val="tx1"/>
+          </a:solidFill>
+          <a:latin typeface="+mn-lt"/>
+          <a:ea typeface="+mn-ea"/>
+          <a:cs typeface="+mn-cs"/>
+        </a:defRPr>
+      </a:lvl5pPr>
+      <a:lvl6pPr marL="2286000" algn="l" defTabSz="914400" rtl="0" eaLnBrk="1" latinLnBrk="0" hangingPunct="1">
+        <a:defRPr sz="1800" kern="1200">
+          <a:solidFill>
+            <a:schemeClr val="tx1"/>
+          </a:solidFill>
+          <a:latin typeface="+mn-lt"/>
+          <a:ea typeface="+mn-ea"/>
+          <a:cs typeface="+mn-cs"/>
+        </a:defRPr>
+      </a:lvl6pPr>
+      <a:lvl7pPr marL="2743200" algn="l" defTabSz="914400" rtl="0" eaLnBrk="1" latinLnBrk="0" hangingPunct="1">
+        <a:defRPr sz="1800" kern="1200">
+          <a:solidFill>
+            <a:schemeClr val="tx1"/>
+          </a:solidFill>
+          <a:latin typeface="+mn-lt"/>
+          <a:ea typeface="+mn-ea"/>
+          <a:cs typeface="+mn-cs"/>
+        </a:defRPr>
+      </a:lvl7pPr>
+      <a:lvl8pPr marL="3200400" algn="l" defTabSz="914400" rtl="0" eaLnBrk="1" latinLnBrk="0" hangingPunct="1">
+        <a:defRPr sz="1800" kern="1200">
+          <a:solidFill>
+            <a:schemeClr val="tx1"/>
+          </a:solidFill>
+          <a:latin typeface="+mn-lt"/>
+          <a:ea typeface="+mn-ea"/>
+          <a:cs typeface="+mn-cs"/>
+        </a:defRPr>
+      </a:lvl8pPr>
+      <a:lvl9pPr marL="3657600" algn="l" defTabSz="914400" rtl="0" eaLnBrk="1" latinLnBrk="0" hangingPunct="1">
+        <a:defRPr sz="1800" kern="1200">
+          <a:solidFill>
+            <a:schemeClr val="tx1"/>
+          </a:solidFill>
+          <a:latin typeface="+mn-lt"/>
+          <a:ea typeface="+mn-ea"/>
+          <a:cs typeface="+mn-cs"/>
+        </a:defRPr>
+      </a:lvl9pPr>
+    </p:otherStyle>
+  </p:txStyles>
 </p:sldMaster>
 </file>
 
 <file path=ppt/slideMasters/slideMaster2.xml><?xml version="1.0" encoding="utf-8"?>
-<p:sldMaster xmlns:a="http://schemas.openxmlformats.org/drawingml/2006/main" xmlns:p="http://schemas.openxmlformats.org/presentationml/2006/main" xmlns:r="http://schemas.openxmlformats.org/officeDocument/2006/relationships" xmlns:p14="http://schemas.microsoft.com/office/powerpoint/2010/main" xmlns:p15="http://schemas.microsoft.com/office/powerpoint/2012/main" xmlns:mc="http://schemas.openxmlformats.org/markup-compatibility/2006">
+<p:sldMaster xmlns:a="http://schemas.openxmlformats.org/drawingml/2006/main" xmlns:r="http://schemas.openxmlformats.org/officeDocument/2006/relationships" xmlns:p="http://schemas.openxmlformats.org/presentationml/2006/main">
   <p:cSld>
     <p:bg>
       <p:bgPr>
         <a:solidFill>
-          <a:srgbClr val="efede3"/>
+          <a:srgbClr val="EFEDE3"/>
         </a:solidFill>
+        <a:effectLst/>
       </p:bgPr>
     </p:bg>
     <p:spTree>
@@ -7312,20 +8041,18 @@
           </a:prstGeom>
         </p:spPr>
         <p:txBody>
-          <a:bodyPr lIns="0" rIns="0" tIns="0" bIns="0" anchor="ctr">
+          <a:bodyPr lIns="0" tIns="0" rIns="0" bIns="0" anchor="ctr">
             <a:noAutofit/>
           </a:bodyPr>
+          <a:lstStyle/>
           <a:p>
             <a:pPr algn="ctr"/>
             <a:r>
-              <a:rPr b="0" lang="en-US" sz="4400" spc="-1" strike="noStrike">
+              <a:rPr lang="en-US" sz="4400" b="0" strike="noStrike" spc="-1">
                 <a:latin typeface="Arial"/>
               </a:rPr>
               <a:t>Click to edit the title text format</a:t>
             </a:r>
-            <a:endParaRPr b="0" lang="en-US" sz="4400" spc="-1" strike="noStrike">
-              <a:latin typeface="Arial"/>
-            </a:endParaRPr>
           </a:p>
         </p:txBody>
       </p:sp>
@@ -7349,9 +8076,10 @@
           </a:prstGeom>
         </p:spPr>
         <p:txBody>
-          <a:bodyPr lIns="0" rIns="0" tIns="0" bIns="0">
+          <a:bodyPr lIns="0" tIns="0" rIns="0" bIns="0">
             <a:normAutofit/>
           </a:bodyPr>
+          <a:lstStyle/>
           <a:p>
             <a:pPr marL="432000" indent="-324000">
               <a:spcBef>
@@ -7365,17 +8093,14 @@
               <a:buChar char=""/>
             </a:pPr>
             <a:r>
-              <a:rPr b="0" lang="en-US" sz="3200" spc="-1" strike="noStrike">
+              <a:rPr lang="en-US" sz="3200" b="0" strike="noStrike" spc="-1">
                 <a:latin typeface="Arial"/>
               </a:rPr>
               <a:t>Click to edit the outline text format</a:t>
             </a:r>
-            <a:endParaRPr b="0" lang="en-US" sz="3200" spc="-1" strike="noStrike">
-              <a:latin typeface="Arial"/>
-            </a:endParaRPr>
-          </a:p>
-          <a:p>
-            <a:pPr lvl="1" marL="864000" indent="-324000">
+          </a:p>
+          <a:p>
+            <a:pPr marL="864000" lvl="1" indent="-324000">
               <a:spcBef>
                 <a:spcPts val="1134"/>
               </a:spcBef>
@@ -7387,17 +8112,14 @@
               <a:buChar char=""/>
             </a:pPr>
             <a:r>
-              <a:rPr b="0" lang="en-US" sz="2800" spc="-1" strike="noStrike">
+              <a:rPr lang="en-US" sz="2800" b="0" strike="noStrike" spc="-1">
                 <a:latin typeface="Arial"/>
               </a:rPr>
               <a:t>Second Outline Level</a:t>
             </a:r>
-            <a:endParaRPr b="0" lang="en-US" sz="2800" spc="-1" strike="noStrike">
-              <a:latin typeface="Arial"/>
-            </a:endParaRPr>
-          </a:p>
-          <a:p>
-            <a:pPr lvl="2" marL="1296000" indent="-288000">
+          </a:p>
+          <a:p>
+            <a:pPr marL="1296000" lvl="2" indent="-288000">
               <a:spcBef>
                 <a:spcPts val="850"/>
               </a:spcBef>
@@ -7409,17 +8131,14 @@
               <a:buChar char=""/>
             </a:pPr>
             <a:r>
-              <a:rPr b="0" lang="en-US" sz="2400" spc="-1" strike="noStrike">
+              <a:rPr lang="en-US" sz="2400" b="0" strike="noStrike" spc="-1">
                 <a:latin typeface="Arial"/>
               </a:rPr>
               <a:t>Third Outline Level</a:t>
             </a:r>
-            <a:endParaRPr b="0" lang="en-US" sz="2400" spc="-1" strike="noStrike">
-              <a:latin typeface="Arial"/>
-            </a:endParaRPr>
-          </a:p>
-          <a:p>
-            <a:pPr lvl="3" marL="1728000" indent="-216000">
+          </a:p>
+          <a:p>
+            <a:pPr marL="1728000" lvl="3" indent="-216000">
               <a:spcBef>
                 <a:spcPts val="567"/>
               </a:spcBef>
@@ -7431,17 +8150,14 @@
               <a:buChar char=""/>
             </a:pPr>
             <a:r>
-              <a:rPr b="0" lang="en-US" sz="2000" spc="-1" strike="noStrike">
+              <a:rPr lang="en-US" sz="2000" b="0" strike="noStrike" spc="-1">
                 <a:latin typeface="Arial"/>
               </a:rPr>
               <a:t>Fourth Outline Level</a:t>
             </a:r>
-            <a:endParaRPr b="0" lang="en-US" sz="2000" spc="-1" strike="noStrike">
-              <a:latin typeface="Arial"/>
-            </a:endParaRPr>
-          </a:p>
-          <a:p>
-            <a:pPr lvl="4" marL="2160000" indent="-216000">
+          </a:p>
+          <a:p>
+            <a:pPr marL="2160000" lvl="4" indent="-216000">
               <a:spcBef>
                 <a:spcPts val="283"/>
               </a:spcBef>
@@ -7453,17 +8169,14 @@
               <a:buChar char=""/>
             </a:pPr>
             <a:r>
-              <a:rPr b="0" lang="en-US" sz="2000" spc="-1" strike="noStrike">
+              <a:rPr lang="en-US" sz="2000" b="0" strike="noStrike" spc="-1">
                 <a:latin typeface="Arial"/>
               </a:rPr>
               <a:t>Fifth Outline Level</a:t>
             </a:r>
-            <a:endParaRPr b="0" lang="en-US" sz="2000" spc="-1" strike="noStrike">
-              <a:latin typeface="Arial"/>
-            </a:endParaRPr>
-          </a:p>
-          <a:p>
-            <a:pPr lvl="5" marL="2592000" indent="-216000">
+          </a:p>
+          <a:p>
+            <a:pPr marL="2592000" lvl="5" indent="-216000">
               <a:spcBef>
                 <a:spcPts val="283"/>
               </a:spcBef>
@@ -7475,17 +8188,14 @@
               <a:buChar char=""/>
             </a:pPr>
             <a:r>
-              <a:rPr b="0" lang="en-US" sz="2000" spc="-1" strike="noStrike">
+              <a:rPr lang="en-US" sz="2000" b="0" strike="noStrike" spc="-1">
                 <a:latin typeface="Arial"/>
               </a:rPr>
               <a:t>Sixth Outline Level</a:t>
             </a:r>
-            <a:endParaRPr b="0" lang="en-US" sz="2000" spc="-1" strike="noStrike">
-              <a:latin typeface="Arial"/>
-            </a:endParaRPr>
-          </a:p>
-          <a:p>
-            <a:pPr lvl="6" marL="3024000" indent="-216000">
+          </a:p>
+          <a:p>
+            <a:pPr marL="3024000" lvl="6" indent="-216000">
               <a:spcBef>
                 <a:spcPts val="283"/>
               </a:spcBef>
@@ -7497,45 +8207,323 @@
               <a:buChar char=""/>
             </a:pPr>
             <a:r>
-              <a:rPr b="0" lang="en-US" sz="2000" spc="-1" strike="noStrike">
+              <a:rPr lang="en-US" sz="2000" b="0" strike="noStrike" spc="-1">
                 <a:latin typeface="Arial"/>
               </a:rPr>
               <a:t>Seventh Outline Level</a:t>
             </a:r>
-            <a:endParaRPr b="0" lang="en-US" sz="2000" spc="-1" strike="noStrike">
-              <a:latin typeface="Arial"/>
-            </a:endParaRPr>
           </a:p>
         </p:txBody>
       </p:sp>
     </p:spTree>
   </p:cSld>
-  <p:clrMap bg1="lt1" bg2="lt2" tx1="dk1" tx2="dk2" accent1="accent1" accent2="accent2" accent3="accent3" accent4="accent4" accent5="accent5" accent6="accent6" hlink="hlink" folHlink="folHlink"/>
+  <p:clrMap bg1="lt1" tx1="dk1" bg2="lt2" tx2="dk2" accent1="accent1" accent2="accent2" accent3="accent3" accent4="accent4" accent5="accent5" accent6="accent6" hlink="hlink" folHlink="folHlink"/>
   <p:sldLayoutIdLst>
-    <p:sldLayoutId id="2147483662" r:id="rId2"/>
-    <p:sldLayoutId id="2147483663" r:id="rId3"/>
-    <p:sldLayoutId id="2147483664" r:id="rId4"/>
-    <p:sldLayoutId id="2147483665" r:id="rId5"/>
-    <p:sldLayoutId id="2147483666" r:id="rId6"/>
-    <p:sldLayoutId id="2147483667" r:id="rId7"/>
-    <p:sldLayoutId id="2147483668" r:id="rId8"/>
-    <p:sldLayoutId id="2147483669" r:id="rId9"/>
-    <p:sldLayoutId id="2147483670" r:id="rId10"/>
-    <p:sldLayoutId id="2147483671" r:id="rId11"/>
-    <p:sldLayoutId id="2147483672" r:id="rId12"/>
-    <p:sldLayoutId id="2147483673" r:id="rId13"/>
+    <p:sldLayoutId id="2147483662" r:id="rId1"/>
+    <p:sldLayoutId id="2147483663" r:id="rId2"/>
+    <p:sldLayoutId id="2147483664" r:id="rId3"/>
+    <p:sldLayoutId id="2147483665" r:id="rId4"/>
+    <p:sldLayoutId id="2147483666" r:id="rId5"/>
+    <p:sldLayoutId id="2147483667" r:id="rId6"/>
+    <p:sldLayoutId id="2147483668" r:id="rId7"/>
+    <p:sldLayoutId id="2147483669" r:id="rId8"/>
+    <p:sldLayoutId id="2147483670" r:id="rId9"/>
+    <p:sldLayoutId id="2147483671" r:id="rId10"/>
+    <p:sldLayoutId id="2147483672" r:id="rId11"/>
+    <p:sldLayoutId id="2147483673" r:id="rId12"/>
   </p:sldLayoutIdLst>
+  <p:txStyles>
+    <p:titleStyle>
+      <a:lvl1pPr algn="l" defTabSz="914400" rtl="0" eaLnBrk="1" latinLnBrk="0" hangingPunct="1">
+        <a:lnSpc>
+          <a:spcPct val="90000"/>
+        </a:lnSpc>
+        <a:spcBef>
+          <a:spcPct val="0"/>
+        </a:spcBef>
+        <a:buNone/>
+        <a:defRPr sz="4400" kern="1200">
+          <a:solidFill>
+            <a:schemeClr val="tx1"/>
+          </a:solidFill>
+          <a:latin typeface="+mj-lt"/>
+          <a:ea typeface="+mj-ea"/>
+          <a:cs typeface="+mj-cs"/>
+        </a:defRPr>
+      </a:lvl1pPr>
+    </p:titleStyle>
+    <p:bodyStyle>
+      <a:lvl1pPr marL="228600" indent="-228600" algn="l" defTabSz="914400" rtl="0" eaLnBrk="1" latinLnBrk="0" hangingPunct="1">
+        <a:lnSpc>
+          <a:spcPct val="90000"/>
+        </a:lnSpc>
+        <a:spcBef>
+          <a:spcPts val="1000"/>
+        </a:spcBef>
+        <a:buFont typeface="Arial" panose="020B0604020202020204" pitchFamily="34" charset="0"/>
+        <a:buChar char="•"/>
+        <a:defRPr sz="2800" kern="1200">
+          <a:solidFill>
+            <a:schemeClr val="tx1"/>
+          </a:solidFill>
+          <a:latin typeface="+mn-lt"/>
+          <a:ea typeface="+mn-ea"/>
+          <a:cs typeface="+mn-cs"/>
+        </a:defRPr>
+      </a:lvl1pPr>
+      <a:lvl2pPr marL="685800" indent="-228600" algn="l" defTabSz="914400" rtl="0" eaLnBrk="1" latinLnBrk="0" hangingPunct="1">
+        <a:lnSpc>
+          <a:spcPct val="90000"/>
+        </a:lnSpc>
+        <a:spcBef>
+          <a:spcPts val="500"/>
+        </a:spcBef>
+        <a:buFont typeface="Arial" panose="020B0604020202020204" pitchFamily="34" charset="0"/>
+        <a:buChar char="•"/>
+        <a:defRPr sz="2400" kern="1200">
+          <a:solidFill>
+            <a:schemeClr val="tx1"/>
+          </a:solidFill>
+          <a:latin typeface="+mn-lt"/>
+          <a:ea typeface="+mn-ea"/>
+          <a:cs typeface="+mn-cs"/>
+        </a:defRPr>
+      </a:lvl2pPr>
+      <a:lvl3pPr marL="1143000" indent="-228600" algn="l" defTabSz="914400" rtl="0" eaLnBrk="1" latinLnBrk="0" hangingPunct="1">
+        <a:lnSpc>
+          <a:spcPct val="90000"/>
+        </a:lnSpc>
+        <a:spcBef>
+          <a:spcPts val="500"/>
+        </a:spcBef>
+        <a:buFont typeface="Arial" panose="020B0604020202020204" pitchFamily="34" charset="0"/>
+        <a:buChar char="•"/>
+        <a:defRPr sz="2000" kern="1200">
+          <a:solidFill>
+            <a:schemeClr val="tx1"/>
+          </a:solidFill>
+          <a:latin typeface="+mn-lt"/>
+          <a:ea typeface="+mn-ea"/>
+          <a:cs typeface="+mn-cs"/>
+        </a:defRPr>
+      </a:lvl3pPr>
+      <a:lvl4pPr marL="1600200" indent="-228600" algn="l" defTabSz="914400" rtl="0" eaLnBrk="1" latinLnBrk="0" hangingPunct="1">
+        <a:lnSpc>
+          <a:spcPct val="90000"/>
+        </a:lnSpc>
+        <a:spcBef>
+          <a:spcPts val="500"/>
+        </a:spcBef>
+        <a:buFont typeface="Arial" panose="020B0604020202020204" pitchFamily="34" charset="0"/>
+        <a:buChar char="•"/>
+        <a:defRPr sz="1800" kern="1200">
+          <a:solidFill>
+            <a:schemeClr val="tx1"/>
+          </a:solidFill>
+          <a:latin typeface="+mn-lt"/>
+          <a:ea typeface="+mn-ea"/>
+          <a:cs typeface="+mn-cs"/>
+        </a:defRPr>
+      </a:lvl4pPr>
+      <a:lvl5pPr marL="2057400" indent="-228600" algn="l" defTabSz="914400" rtl="0" eaLnBrk="1" latinLnBrk="0" hangingPunct="1">
+        <a:lnSpc>
+          <a:spcPct val="90000"/>
+        </a:lnSpc>
+        <a:spcBef>
+          <a:spcPts val="500"/>
+        </a:spcBef>
+        <a:buFont typeface="Arial" panose="020B0604020202020204" pitchFamily="34" charset="0"/>
+        <a:buChar char="•"/>
+        <a:defRPr sz="1800" kern="1200">
+          <a:solidFill>
+            <a:schemeClr val="tx1"/>
+          </a:solidFill>
+          <a:latin typeface="+mn-lt"/>
+          <a:ea typeface="+mn-ea"/>
+          <a:cs typeface="+mn-cs"/>
+        </a:defRPr>
+      </a:lvl5pPr>
+      <a:lvl6pPr marL="2514600" indent="-228600" algn="l" defTabSz="914400" rtl="0" eaLnBrk="1" latinLnBrk="0" hangingPunct="1">
+        <a:lnSpc>
+          <a:spcPct val="90000"/>
+        </a:lnSpc>
+        <a:spcBef>
+          <a:spcPts val="500"/>
+        </a:spcBef>
+        <a:buFont typeface="Arial" panose="020B0604020202020204" pitchFamily="34" charset="0"/>
+        <a:buChar char="•"/>
+        <a:defRPr sz="1800" kern="1200">
+          <a:solidFill>
+            <a:schemeClr val="tx1"/>
+          </a:solidFill>
+          <a:latin typeface="+mn-lt"/>
+          <a:ea typeface="+mn-ea"/>
+          <a:cs typeface="+mn-cs"/>
+        </a:defRPr>
+      </a:lvl6pPr>
+      <a:lvl7pPr marL="2971800" indent="-228600" algn="l" defTabSz="914400" rtl="0" eaLnBrk="1" latinLnBrk="0" hangingPunct="1">
+        <a:lnSpc>
+          <a:spcPct val="90000"/>
+        </a:lnSpc>
+        <a:spcBef>
+          <a:spcPts val="500"/>
+        </a:spcBef>
+        <a:buFont typeface="Arial" panose="020B0604020202020204" pitchFamily="34" charset="0"/>
+        <a:buChar char="•"/>
+        <a:defRPr sz="1800" kern="1200">
+          <a:solidFill>
+            <a:schemeClr val="tx1"/>
+          </a:solidFill>
+          <a:latin typeface="+mn-lt"/>
+          <a:ea typeface="+mn-ea"/>
+          <a:cs typeface="+mn-cs"/>
+        </a:defRPr>
+      </a:lvl7pPr>
+      <a:lvl8pPr marL="3429000" indent="-228600" algn="l" defTabSz="914400" rtl="0" eaLnBrk="1" latinLnBrk="0" hangingPunct="1">
+        <a:lnSpc>
+          <a:spcPct val="90000"/>
+        </a:lnSpc>
+        <a:spcBef>
+          <a:spcPts val="500"/>
+        </a:spcBef>
+        <a:buFont typeface="Arial" panose="020B0604020202020204" pitchFamily="34" charset="0"/>
+        <a:buChar char="•"/>
+        <a:defRPr sz="1800" kern="1200">
+          <a:solidFill>
+            <a:schemeClr val="tx1"/>
+          </a:solidFill>
+          <a:latin typeface="+mn-lt"/>
+          <a:ea typeface="+mn-ea"/>
+          <a:cs typeface="+mn-cs"/>
+        </a:defRPr>
+      </a:lvl8pPr>
+      <a:lvl9pPr marL="3886200" indent="-228600" algn="l" defTabSz="914400" rtl="0" eaLnBrk="1" latinLnBrk="0" hangingPunct="1">
+        <a:lnSpc>
+          <a:spcPct val="90000"/>
+        </a:lnSpc>
+        <a:spcBef>
+          <a:spcPts val="500"/>
+        </a:spcBef>
+        <a:buFont typeface="Arial" panose="020B0604020202020204" pitchFamily="34" charset="0"/>
+        <a:buChar char="•"/>
+        <a:defRPr sz="1800" kern="1200">
+          <a:solidFill>
+            <a:schemeClr val="tx1"/>
+          </a:solidFill>
+          <a:latin typeface="+mn-lt"/>
+          <a:ea typeface="+mn-ea"/>
+          <a:cs typeface="+mn-cs"/>
+        </a:defRPr>
+      </a:lvl9pPr>
+    </p:bodyStyle>
+    <p:otherStyle>
+      <a:defPPr>
+        <a:defRPr lang="de-DE"/>
+      </a:defPPr>
+      <a:lvl1pPr marL="0" algn="l" defTabSz="914400" rtl="0" eaLnBrk="1" latinLnBrk="0" hangingPunct="1">
+        <a:defRPr sz="1800" kern="1200">
+          <a:solidFill>
+            <a:schemeClr val="tx1"/>
+          </a:solidFill>
+          <a:latin typeface="+mn-lt"/>
+          <a:ea typeface="+mn-ea"/>
+          <a:cs typeface="+mn-cs"/>
+        </a:defRPr>
+      </a:lvl1pPr>
+      <a:lvl2pPr marL="457200" algn="l" defTabSz="914400" rtl="0" eaLnBrk="1" latinLnBrk="0" hangingPunct="1">
+        <a:defRPr sz="1800" kern="1200">
+          <a:solidFill>
+            <a:schemeClr val="tx1"/>
+          </a:solidFill>
+          <a:latin typeface="+mn-lt"/>
+          <a:ea typeface="+mn-ea"/>
+          <a:cs typeface="+mn-cs"/>
+        </a:defRPr>
+      </a:lvl2pPr>
+      <a:lvl3pPr marL="914400" algn="l" defTabSz="914400" rtl="0" eaLnBrk="1" latinLnBrk="0" hangingPunct="1">
+        <a:defRPr sz="1800" kern="1200">
+          <a:solidFill>
+            <a:schemeClr val="tx1"/>
+          </a:solidFill>
+          <a:latin typeface="+mn-lt"/>
+          <a:ea typeface="+mn-ea"/>
+          <a:cs typeface="+mn-cs"/>
+        </a:defRPr>
+      </a:lvl3pPr>
+      <a:lvl4pPr marL="1371600" algn="l" defTabSz="914400" rtl="0" eaLnBrk="1" latinLnBrk="0" hangingPunct="1">
+        <a:defRPr sz="1800" kern="1200">
+          <a:solidFill>
+            <a:schemeClr val="tx1"/>
+          </a:solidFill>
+          <a:latin typeface="+mn-lt"/>
+          <a:ea typeface="+mn-ea"/>
+          <a:cs typeface="+mn-cs"/>
+        </a:defRPr>
+      </a:lvl4pPr>
+      <a:lvl5pPr marL="1828800" algn="l" defTabSz="914400" rtl="0" eaLnBrk="1" latinLnBrk="0" hangingPunct="1">
+        <a:defRPr sz="1800" kern="1200">
+          <a:solidFill>
+            <a:schemeClr val="tx1"/>
+          </a:solidFill>
+          <a:latin typeface="+mn-lt"/>
+          <a:ea typeface="+mn-ea"/>
+          <a:cs typeface="+mn-cs"/>
+        </a:defRPr>
+      </a:lvl5pPr>
+      <a:lvl6pPr marL="2286000" algn="l" defTabSz="914400" rtl="0" eaLnBrk="1" latinLnBrk="0" hangingPunct="1">
+        <a:defRPr sz="1800" kern="1200">
+          <a:solidFill>
+            <a:schemeClr val="tx1"/>
+          </a:solidFill>
+          <a:latin typeface="+mn-lt"/>
+          <a:ea typeface="+mn-ea"/>
+          <a:cs typeface="+mn-cs"/>
+        </a:defRPr>
+      </a:lvl6pPr>
+      <a:lvl7pPr marL="2743200" algn="l" defTabSz="914400" rtl="0" eaLnBrk="1" latinLnBrk="0" hangingPunct="1">
+        <a:defRPr sz="1800" kern="1200">
+          <a:solidFill>
+            <a:schemeClr val="tx1"/>
+          </a:solidFill>
+          <a:latin typeface="+mn-lt"/>
+          <a:ea typeface="+mn-ea"/>
+          <a:cs typeface="+mn-cs"/>
+        </a:defRPr>
+      </a:lvl7pPr>
+      <a:lvl8pPr marL="3200400" algn="l" defTabSz="914400" rtl="0" eaLnBrk="1" latinLnBrk="0" hangingPunct="1">
+        <a:defRPr sz="1800" kern="1200">
+          <a:solidFill>
+            <a:schemeClr val="tx1"/>
+          </a:solidFill>
+          <a:latin typeface="+mn-lt"/>
+          <a:ea typeface="+mn-ea"/>
+          <a:cs typeface="+mn-cs"/>
+        </a:defRPr>
+      </a:lvl8pPr>
+      <a:lvl9pPr marL="3657600" algn="l" defTabSz="914400" rtl="0" eaLnBrk="1" latinLnBrk="0" hangingPunct="1">
+        <a:defRPr sz="1800" kern="1200">
+          <a:solidFill>
+            <a:schemeClr val="tx1"/>
+          </a:solidFill>
+          <a:latin typeface="+mn-lt"/>
+          <a:ea typeface="+mn-ea"/>
+          <a:cs typeface="+mn-cs"/>
+        </a:defRPr>
+      </a:lvl9pPr>
+    </p:otherStyle>
+  </p:txStyles>
 </p:sldMaster>
 </file>
 
 <file path=ppt/slideMasters/slideMaster3.xml><?xml version="1.0" encoding="utf-8"?>
-<p:sldMaster xmlns:a="http://schemas.openxmlformats.org/drawingml/2006/main" xmlns:p="http://schemas.openxmlformats.org/presentationml/2006/main" xmlns:r="http://schemas.openxmlformats.org/officeDocument/2006/relationships" xmlns:p14="http://schemas.microsoft.com/office/powerpoint/2010/main" xmlns:p15="http://schemas.microsoft.com/office/powerpoint/2012/main" xmlns:mc="http://schemas.openxmlformats.org/markup-compatibility/2006">
+<p:sldMaster xmlns:a="http://schemas.openxmlformats.org/drawingml/2006/main" xmlns:r="http://schemas.openxmlformats.org/officeDocument/2006/relationships" xmlns:p="http://schemas.openxmlformats.org/presentationml/2006/main">
   <p:cSld>
     <p:bg>
       <p:bgPr>
         <a:solidFill>
-          <a:srgbClr val="efede3"/>
+          <a:srgbClr val="EFEDE3"/>
         </a:solidFill>
+        <a:effectLst/>
       </p:bgPr>
     </p:bg>
     <p:spTree>
@@ -7608,50 +8596,329 @@
           </a:prstGeom>
         </p:spPr>
         <p:txBody>
-          <a:bodyPr lIns="0" rIns="0" tIns="0" bIns="0" anchor="ctr">
+          <a:bodyPr lIns="0" tIns="0" rIns="0" bIns="0" anchor="ctr">
             <a:noAutofit/>
           </a:bodyPr>
+          <a:lstStyle/>
           <a:p>
             <a:r>
-              <a:rPr b="0" lang="en-US" sz="1800" spc="-1" strike="noStrike">
+              <a:rPr lang="en-US" sz="1800" b="0" strike="noStrike" spc="-1">
                 <a:latin typeface="Arial"/>
               </a:rPr>
               <a:t>Click to edit the title text format</a:t>
             </a:r>
-            <a:endParaRPr b="0" lang="en-US" sz="1800" spc="-1" strike="noStrike">
-              <a:latin typeface="Arial"/>
-            </a:endParaRPr>
           </a:p>
         </p:txBody>
       </p:sp>
     </p:spTree>
   </p:cSld>
-  <p:clrMap bg1="lt1" bg2="lt2" tx1="dk1" tx2="dk2" accent1="accent1" accent2="accent2" accent3="accent3" accent4="accent4" accent5="accent5" accent6="accent6" hlink="hlink" folHlink="folHlink"/>
+  <p:clrMap bg1="lt1" tx1="dk1" bg2="lt2" tx2="dk2" accent1="accent1" accent2="accent2" accent3="accent3" accent4="accent4" accent5="accent5" accent6="accent6" hlink="hlink" folHlink="folHlink"/>
   <p:sldLayoutIdLst>
-    <p:sldLayoutId id="2147483675" r:id="rId2"/>
-    <p:sldLayoutId id="2147483676" r:id="rId3"/>
-    <p:sldLayoutId id="2147483677" r:id="rId4"/>
-    <p:sldLayoutId id="2147483678" r:id="rId5"/>
-    <p:sldLayoutId id="2147483679" r:id="rId6"/>
-    <p:sldLayoutId id="2147483680" r:id="rId7"/>
-    <p:sldLayoutId id="2147483681" r:id="rId8"/>
-    <p:sldLayoutId id="2147483682" r:id="rId9"/>
-    <p:sldLayoutId id="2147483683" r:id="rId10"/>
-    <p:sldLayoutId id="2147483684" r:id="rId11"/>
-    <p:sldLayoutId id="2147483685" r:id="rId12"/>
-    <p:sldLayoutId id="2147483686" r:id="rId13"/>
+    <p:sldLayoutId id="2147483675" r:id="rId1"/>
+    <p:sldLayoutId id="2147483676" r:id="rId2"/>
+    <p:sldLayoutId id="2147483677" r:id="rId3"/>
+    <p:sldLayoutId id="2147483678" r:id="rId4"/>
+    <p:sldLayoutId id="2147483679" r:id="rId5"/>
+    <p:sldLayoutId id="2147483680" r:id="rId6"/>
+    <p:sldLayoutId id="2147483681" r:id="rId7"/>
+    <p:sldLayoutId id="2147483682" r:id="rId8"/>
+    <p:sldLayoutId id="2147483683" r:id="rId9"/>
+    <p:sldLayoutId id="2147483684" r:id="rId10"/>
+    <p:sldLayoutId id="2147483685" r:id="rId11"/>
+    <p:sldLayoutId id="2147483686" r:id="rId12"/>
   </p:sldLayoutIdLst>
+  <p:txStyles>
+    <p:titleStyle>
+      <a:lvl1pPr algn="l" defTabSz="914400" rtl="0" eaLnBrk="1" latinLnBrk="0" hangingPunct="1">
+        <a:lnSpc>
+          <a:spcPct val="90000"/>
+        </a:lnSpc>
+        <a:spcBef>
+          <a:spcPct val="0"/>
+        </a:spcBef>
+        <a:buNone/>
+        <a:defRPr sz="4400" kern="1200">
+          <a:solidFill>
+            <a:schemeClr val="tx1"/>
+          </a:solidFill>
+          <a:latin typeface="+mj-lt"/>
+          <a:ea typeface="+mj-ea"/>
+          <a:cs typeface="+mj-cs"/>
+        </a:defRPr>
+      </a:lvl1pPr>
+    </p:titleStyle>
+    <p:bodyStyle>
+      <a:lvl1pPr marL="228600" indent="-228600" algn="l" defTabSz="914400" rtl="0" eaLnBrk="1" latinLnBrk="0" hangingPunct="1">
+        <a:lnSpc>
+          <a:spcPct val="90000"/>
+        </a:lnSpc>
+        <a:spcBef>
+          <a:spcPts val="1000"/>
+        </a:spcBef>
+        <a:buFont typeface="Arial" panose="020B0604020202020204" pitchFamily="34" charset="0"/>
+        <a:buChar char="•"/>
+        <a:defRPr sz="2800" kern="1200">
+          <a:solidFill>
+            <a:schemeClr val="tx1"/>
+          </a:solidFill>
+          <a:latin typeface="+mn-lt"/>
+          <a:ea typeface="+mn-ea"/>
+          <a:cs typeface="+mn-cs"/>
+        </a:defRPr>
+      </a:lvl1pPr>
+      <a:lvl2pPr marL="685800" indent="-228600" algn="l" defTabSz="914400" rtl="0" eaLnBrk="1" latinLnBrk="0" hangingPunct="1">
+        <a:lnSpc>
+          <a:spcPct val="90000"/>
+        </a:lnSpc>
+        <a:spcBef>
+          <a:spcPts val="500"/>
+        </a:spcBef>
+        <a:buFont typeface="Arial" panose="020B0604020202020204" pitchFamily="34" charset="0"/>
+        <a:buChar char="•"/>
+        <a:defRPr sz="2400" kern="1200">
+          <a:solidFill>
+            <a:schemeClr val="tx1"/>
+          </a:solidFill>
+          <a:latin typeface="+mn-lt"/>
+          <a:ea typeface="+mn-ea"/>
+          <a:cs typeface="+mn-cs"/>
+        </a:defRPr>
+      </a:lvl2pPr>
+      <a:lvl3pPr marL="1143000" indent="-228600" algn="l" defTabSz="914400" rtl="0" eaLnBrk="1" latinLnBrk="0" hangingPunct="1">
+        <a:lnSpc>
+          <a:spcPct val="90000"/>
+        </a:lnSpc>
+        <a:spcBef>
+          <a:spcPts val="500"/>
+        </a:spcBef>
+        <a:buFont typeface="Arial" panose="020B0604020202020204" pitchFamily="34" charset="0"/>
+        <a:buChar char="•"/>
+        <a:defRPr sz="2000" kern="1200">
+          <a:solidFill>
+            <a:schemeClr val="tx1"/>
+          </a:solidFill>
+          <a:latin typeface="+mn-lt"/>
+          <a:ea typeface="+mn-ea"/>
+          <a:cs typeface="+mn-cs"/>
+        </a:defRPr>
+      </a:lvl3pPr>
+      <a:lvl4pPr marL="1600200" indent="-228600" algn="l" defTabSz="914400" rtl="0" eaLnBrk="1" latinLnBrk="0" hangingPunct="1">
+        <a:lnSpc>
+          <a:spcPct val="90000"/>
+        </a:lnSpc>
+        <a:spcBef>
+          <a:spcPts val="500"/>
+        </a:spcBef>
+        <a:buFont typeface="Arial" panose="020B0604020202020204" pitchFamily="34" charset="0"/>
+        <a:buChar char="•"/>
+        <a:defRPr sz="1800" kern="1200">
+          <a:solidFill>
+            <a:schemeClr val="tx1"/>
+          </a:solidFill>
+          <a:latin typeface="+mn-lt"/>
+          <a:ea typeface="+mn-ea"/>
+          <a:cs typeface="+mn-cs"/>
+        </a:defRPr>
+      </a:lvl4pPr>
+      <a:lvl5pPr marL="2057400" indent="-228600" algn="l" defTabSz="914400" rtl="0" eaLnBrk="1" latinLnBrk="0" hangingPunct="1">
+        <a:lnSpc>
+          <a:spcPct val="90000"/>
+        </a:lnSpc>
+        <a:spcBef>
+          <a:spcPts val="500"/>
+        </a:spcBef>
+        <a:buFont typeface="Arial" panose="020B0604020202020204" pitchFamily="34" charset="0"/>
+        <a:buChar char="•"/>
+        <a:defRPr sz="1800" kern="1200">
+          <a:solidFill>
+            <a:schemeClr val="tx1"/>
+          </a:solidFill>
+          <a:latin typeface="+mn-lt"/>
+          <a:ea typeface="+mn-ea"/>
+          <a:cs typeface="+mn-cs"/>
+        </a:defRPr>
+      </a:lvl5pPr>
+      <a:lvl6pPr marL="2514600" indent="-228600" algn="l" defTabSz="914400" rtl="0" eaLnBrk="1" latinLnBrk="0" hangingPunct="1">
+        <a:lnSpc>
+          <a:spcPct val="90000"/>
+        </a:lnSpc>
+        <a:spcBef>
+          <a:spcPts val="500"/>
+        </a:spcBef>
+        <a:buFont typeface="Arial" panose="020B0604020202020204" pitchFamily="34" charset="0"/>
+        <a:buChar char="•"/>
+        <a:defRPr sz="1800" kern="1200">
+          <a:solidFill>
+            <a:schemeClr val="tx1"/>
+          </a:solidFill>
+          <a:latin typeface="+mn-lt"/>
+          <a:ea typeface="+mn-ea"/>
+          <a:cs typeface="+mn-cs"/>
+        </a:defRPr>
+      </a:lvl6pPr>
+      <a:lvl7pPr marL="2971800" indent="-228600" algn="l" defTabSz="914400" rtl="0" eaLnBrk="1" latinLnBrk="0" hangingPunct="1">
+        <a:lnSpc>
+          <a:spcPct val="90000"/>
+        </a:lnSpc>
+        <a:spcBef>
+          <a:spcPts val="500"/>
+        </a:spcBef>
+        <a:buFont typeface="Arial" panose="020B0604020202020204" pitchFamily="34" charset="0"/>
+        <a:buChar char="•"/>
+        <a:defRPr sz="1800" kern="1200">
+          <a:solidFill>
+            <a:schemeClr val="tx1"/>
+          </a:solidFill>
+          <a:latin typeface="+mn-lt"/>
+          <a:ea typeface="+mn-ea"/>
+          <a:cs typeface="+mn-cs"/>
+        </a:defRPr>
+      </a:lvl7pPr>
+      <a:lvl8pPr marL="3429000" indent="-228600" algn="l" defTabSz="914400" rtl="0" eaLnBrk="1" latinLnBrk="0" hangingPunct="1">
+        <a:lnSpc>
+          <a:spcPct val="90000"/>
+        </a:lnSpc>
+        <a:spcBef>
+          <a:spcPts val="500"/>
+        </a:spcBef>
+        <a:buFont typeface="Arial" panose="020B0604020202020204" pitchFamily="34" charset="0"/>
+        <a:buChar char="•"/>
+        <a:defRPr sz="1800" kern="1200">
+          <a:solidFill>
+            <a:schemeClr val="tx1"/>
+          </a:solidFill>
+          <a:latin typeface="+mn-lt"/>
+          <a:ea typeface="+mn-ea"/>
+          <a:cs typeface="+mn-cs"/>
+        </a:defRPr>
+      </a:lvl8pPr>
+      <a:lvl9pPr marL="3886200" indent="-228600" algn="l" defTabSz="914400" rtl="0" eaLnBrk="1" latinLnBrk="0" hangingPunct="1">
+        <a:lnSpc>
+          <a:spcPct val="90000"/>
+        </a:lnSpc>
+        <a:spcBef>
+          <a:spcPts val="500"/>
+        </a:spcBef>
+        <a:buFont typeface="Arial" panose="020B0604020202020204" pitchFamily="34" charset="0"/>
+        <a:buChar char="•"/>
+        <a:defRPr sz="1800" kern="1200">
+          <a:solidFill>
+            <a:schemeClr val="tx1"/>
+          </a:solidFill>
+          <a:latin typeface="+mn-lt"/>
+          <a:ea typeface="+mn-ea"/>
+          <a:cs typeface="+mn-cs"/>
+        </a:defRPr>
+      </a:lvl9pPr>
+    </p:bodyStyle>
+    <p:otherStyle>
+      <a:defPPr>
+        <a:defRPr lang="de-DE"/>
+      </a:defPPr>
+      <a:lvl1pPr marL="0" algn="l" defTabSz="914400" rtl="0" eaLnBrk="1" latinLnBrk="0" hangingPunct="1">
+        <a:defRPr sz="1800" kern="1200">
+          <a:solidFill>
+            <a:schemeClr val="tx1"/>
+          </a:solidFill>
+          <a:latin typeface="+mn-lt"/>
+          <a:ea typeface="+mn-ea"/>
+          <a:cs typeface="+mn-cs"/>
+        </a:defRPr>
+      </a:lvl1pPr>
+      <a:lvl2pPr marL="457200" algn="l" defTabSz="914400" rtl="0" eaLnBrk="1" latinLnBrk="0" hangingPunct="1">
+        <a:defRPr sz="1800" kern="1200">
+          <a:solidFill>
+            <a:schemeClr val="tx1"/>
+          </a:solidFill>
+          <a:latin typeface="+mn-lt"/>
+          <a:ea typeface="+mn-ea"/>
+          <a:cs typeface="+mn-cs"/>
+        </a:defRPr>
+      </a:lvl2pPr>
+      <a:lvl3pPr marL="914400" algn="l" defTabSz="914400" rtl="0" eaLnBrk="1" latinLnBrk="0" hangingPunct="1">
+        <a:defRPr sz="1800" kern="1200">
+          <a:solidFill>
+            <a:schemeClr val="tx1"/>
+          </a:solidFill>
+          <a:latin typeface="+mn-lt"/>
+          <a:ea typeface="+mn-ea"/>
+          <a:cs typeface="+mn-cs"/>
+        </a:defRPr>
+      </a:lvl3pPr>
+      <a:lvl4pPr marL="1371600" algn="l" defTabSz="914400" rtl="0" eaLnBrk="1" latinLnBrk="0" hangingPunct="1">
+        <a:defRPr sz="1800" kern="1200">
+          <a:solidFill>
+            <a:schemeClr val="tx1"/>
+          </a:solidFill>
+          <a:latin typeface="+mn-lt"/>
+          <a:ea typeface="+mn-ea"/>
+          <a:cs typeface="+mn-cs"/>
+        </a:defRPr>
+      </a:lvl4pPr>
+      <a:lvl5pPr marL="1828800" algn="l" defTabSz="914400" rtl="0" eaLnBrk="1" latinLnBrk="0" hangingPunct="1">
+        <a:defRPr sz="1800" kern="1200">
+          <a:solidFill>
+            <a:schemeClr val="tx1"/>
+          </a:solidFill>
+          <a:latin typeface="+mn-lt"/>
+          <a:ea typeface="+mn-ea"/>
+          <a:cs typeface="+mn-cs"/>
+        </a:defRPr>
+      </a:lvl5pPr>
+      <a:lvl6pPr marL="2286000" algn="l" defTabSz="914400" rtl="0" eaLnBrk="1" latinLnBrk="0" hangingPunct="1">
+        <a:defRPr sz="1800" kern="1200">
+          <a:solidFill>
+            <a:schemeClr val="tx1"/>
+          </a:solidFill>
+          <a:latin typeface="+mn-lt"/>
+          <a:ea typeface="+mn-ea"/>
+          <a:cs typeface="+mn-cs"/>
+        </a:defRPr>
+      </a:lvl6pPr>
+      <a:lvl7pPr marL="2743200" algn="l" defTabSz="914400" rtl="0" eaLnBrk="1" latinLnBrk="0" hangingPunct="1">
+        <a:defRPr sz="1800" kern="1200">
+          <a:solidFill>
+            <a:schemeClr val="tx1"/>
+          </a:solidFill>
+          <a:latin typeface="+mn-lt"/>
+          <a:ea typeface="+mn-ea"/>
+          <a:cs typeface="+mn-cs"/>
+        </a:defRPr>
+      </a:lvl7pPr>
+      <a:lvl8pPr marL="3200400" algn="l" defTabSz="914400" rtl="0" eaLnBrk="1" latinLnBrk="0" hangingPunct="1">
+        <a:defRPr sz="1800" kern="1200">
+          <a:solidFill>
+            <a:schemeClr val="tx1"/>
+          </a:solidFill>
+          <a:latin typeface="+mn-lt"/>
+          <a:ea typeface="+mn-ea"/>
+          <a:cs typeface="+mn-cs"/>
+        </a:defRPr>
+      </a:lvl8pPr>
+      <a:lvl9pPr marL="3657600" algn="l" defTabSz="914400" rtl="0" eaLnBrk="1" latinLnBrk="0" hangingPunct="1">
+        <a:defRPr sz="1800" kern="1200">
+          <a:solidFill>
+            <a:schemeClr val="tx1"/>
+          </a:solidFill>
+          <a:latin typeface="+mn-lt"/>
+          <a:ea typeface="+mn-ea"/>
+          <a:cs typeface="+mn-cs"/>
+        </a:defRPr>
+      </a:lvl9pPr>
+    </p:otherStyle>
+  </p:txStyles>
 </p:sldMaster>
 </file>
 
 <file path=ppt/slideMasters/slideMaster4.xml><?xml version="1.0" encoding="utf-8"?>
-<p:sldMaster xmlns:a="http://schemas.openxmlformats.org/drawingml/2006/main" xmlns:p="http://schemas.openxmlformats.org/presentationml/2006/main" xmlns:r="http://schemas.openxmlformats.org/officeDocument/2006/relationships" xmlns:p14="http://schemas.microsoft.com/office/powerpoint/2010/main" xmlns:p15="http://schemas.microsoft.com/office/powerpoint/2012/main" xmlns:mc="http://schemas.openxmlformats.org/markup-compatibility/2006">
+<p:sldMaster xmlns:a="http://schemas.openxmlformats.org/drawingml/2006/main" xmlns:r="http://schemas.openxmlformats.org/officeDocument/2006/relationships" xmlns:p="http://schemas.openxmlformats.org/presentationml/2006/main">
   <p:cSld>
     <p:bg>
       <p:bgPr>
         <a:solidFill>
-          <a:srgbClr val="efede3"/>
+          <a:srgbClr val="EFEDE3"/>
         </a:solidFill>
+        <a:effectLst/>
       </p:bgPr>
     </p:bg>
     <p:spTree>
@@ -7724,20 +8991,18 @@
           </a:prstGeom>
         </p:spPr>
         <p:txBody>
-          <a:bodyPr lIns="0" rIns="0" tIns="0" bIns="0" anchor="ctr">
+          <a:bodyPr lIns="0" tIns="0" rIns="0" bIns="0" anchor="ctr">
             <a:noAutofit/>
           </a:bodyPr>
+          <a:lstStyle/>
           <a:p>
             <a:pPr algn="ctr"/>
             <a:r>
-              <a:rPr b="0" lang="en-US" sz="4400" spc="-1" strike="noStrike">
+              <a:rPr lang="en-US" sz="4400" b="0" strike="noStrike" spc="-1">
                 <a:latin typeface="Arial"/>
               </a:rPr>
               <a:t>Click to edit the title text format</a:t>
             </a:r>
-            <a:endParaRPr b="0" lang="en-US" sz="4400" spc="-1" strike="noStrike">
-              <a:latin typeface="Arial"/>
-            </a:endParaRPr>
           </a:p>
         </p:txBody>
       </p:sp>
@@ -7761,9 +9026,10 @@
           </a:prstGeom>
         </p:spPr>
         <p:txBody>
-          <a:bodyPr lIns="0" rIns="0" tIns="0" bIns="0">
+          <a:bodyPr lIns="0" tIns="0" rIns="0" bIns="0">
             <a:normAutofit/>
           </a:bodyPr>
+          <a:lstStyle/>
           <a:p>
             <a:pPr marL="432000" indent="-324000">
               <a:spcBef>
@@ -7777,17 +9043,14 @@
               <a:buChar char=""/>
             </a:pPr>
             <a:r>
-              <a:rPr b="0" lang="en-US" sz="3200" spc="-1" strike="noStrike">
+              <a:rPr lang="en-US" sz="3200" b="0" strike="noStrike" spc="-1">
                 <a:latin typeface="Arial"/>
               </a:rPr>
               <a:t>Click to edit the outline text format</a:t>
             </a:r>
-            <a:endParaRPr b="0" lang="en-US" sz="3200" spc="-1" strike="noStrike">
-              <a:latin typeface="Arial"/>
-            </a:endParaRPr>
-          </a:p>
-          <a:p>
-            <a:pPr lvl="1" marL="864000" indent="-324000">
+          </a:p>
+          <a:p>
+            <a:pPr marL="864000" lvl="1" indent="-324000">
               <a:spcBef>
                 <a:spcPts val="1134"/>
               </a:spcBef>
@@ -7799,17 +9062,14 @@
               <a:buChar char=""/>
             </a:pPr>
             <a:r>
-              <a:rPr b="0" lang="en-US" sz="2800" spc="-1" strike="noStrike">
+              <a:rPr lang="en-US" sz="2800" b="0" strike="noStrike" spc="-1">
                 <a:latin typeface="Arial"/>
               </a:rPr>
               <a:t>Second Outline Level</a:t>
             </a:r>
-            <a:endParaRPr b="0" lang="en-US" sz="2800" spc="-1" strike="noStrike">
-              <a:latin typeface="Arial"/>
-            </a:endParaRPr>
-          </a:p>
-          <a:p>
-            <a:pPr lvl="2" marL="1296000" indent="-288000">
+          </a:p>
+          <a:p>
+            <a:pPr marL="1296000" lvl="2" indent="-288000">
               <a:spcBef>
                 <a:spcPts val="850"/>
               </a:spcBef>
@@ -7821,17 +9081,14 @@
               <a:buChar char=""/>
             </a:pPr>
             <a:r>
-              <a:rPr b="0" lang="en-US" sz="2400" spc="-1" strike="noStrike">
+              <a:rPr lang="en-US" sz="2400" b="0" strike="noStrike" spc="-1">
                 <a:latin typeface="Arial"/>
               </a:rPr>
               <a:t>Third Outline Level</a:t>
             </a:r>
-            <a:endParaRPr b="0" lang="en-US" sz="2400" spc="-1" strike="noStrike">
-              <a:latin typeface="Arial"/>
-            </a:endParaRPr>
-          </a:p>
-          <a:p>
-            <a:pPr lvl="3" marL="1728000" indent="-216000">
+          </a:p>
+          <a:p>
+            <a:pPr marL="1728000" lvl="3" indent="-216000">
               <a:spcBef>
                 <a:spcPts val="567"/>
               </a:spcBef>
@@ -7843,17 +9100,14 @@
               <a:buChar char=""/>
             </a:pPr>
             <a:r>
-              <a:rPr b="0" lang="en-US" sz="2000" spc="-1" strike="noStrike">
+              <a:rPr lang="en-US" sz="2000" b="0" strike="noStrike" spc="-1">
                 <a:latin typeface="Arial"/>
               </a:rPr>
               <a:t>Fourth Outline Level</a:t>
             </a:r>
-            <a:endParaRPr b="0" lang="en-US" sz="2000" spc="-1" strike="noStrike">
-              <a:latin typeface="Arial"/>
-            </a:endParaRPr>
-          </a:p>
-          <a:p>
-            <a:pPr lvl="4" marL="2160000" indent="-216000">
+          </a:p>
+          <a:p>
+            <a:pPr marL="2160000" lvl="4" indent="-216000">
               <a:spcBef>
                 <a:spcPts val="283"/>
               </a:spcBef>
@@ -7865,17 +9119,14 @@
               <a:buChar char=""/>
             </a:pPr>
             <a:r>
-              <a:rPr b="0" lang="en-US" sz="2000" spc="-1" strike="noStrike">
+              <a:rPr lang="en-US" sz="2000" b="0" strike="noStrike" spc="-1">
                 <a:latin typeface="Arial"/>
               </a:rPr>
               <a:t>Fifth Outline Level</a:t>
             </a:r>
-            <a:endParaRPr b="0" lang="en-US" sz="2000" spc="-1" strike="noStrike">
-              <a:latin typeface="Arial"/>
-            </a:endParaRPr>
-          </a:p>
-          <a:p>
-            <a:pPr lvl="5" marL="2592000" indent="-216000">
+          </a:p>
+          <a:p>
+            <a:pPr marL="2592000" lvl="5" indent="-216000">
               <a:spcBef>
                 <a:spcPts val="283"/>
               </a:spcBef>
@@ -7887,17 +9138,14 @@
               <a:buChar char=""/>
             </a:pPr>
             <a:r>
-              <a:rPr b="0" lang="en-US" sz="2000" spc="-1" strike="noStrike">
+              <a:rPr lang="en-US" sz="2000" b="0" strike="noStrike" spc="-1">
                 <a:latin typeface="Arial"/>
               </a:rPr>
               <a:t>Sixth Outline Level</a:t>
             </a:r>
-            <a:endParaRPr b="0" lang="en-US" sz="2000" spc="-1" strike="noStrike">
-              <a:latin typeface="Arial"/>
-            </a:endParaRPr>
-          </a:p>
-          <a:p>
-            <a:pPr lvl="6" marL="3024000" indent="-216000">
+          </a:p>
+          <a:p>
+            <a:pPr marL="3024000" lvl="6" indent="-216000">
               <a:spcBef>
                 <a:spcPts val="283"/>
               </a:spcBef>
@@ -7909,45 +9157,323 @@
               <a:buChar char=""/>
             </a:pPr>
             <a:r>
-              <a:rPr b="0" lang="en-US" sz="2000" spc="-1" strike="noStrike">
+              <a:rPr lang="en-US" sz="2000" b="0" strike="noStrike" spc="-1">
                 <a:latin typeface="Arial"/>
               </a:rPr>
               <a:t>Seventh Outline Level</a:t>
             </a:r>
-            <a:endParaRPr b="0" lang="en-US" sz="2000" spc="-1" strike="noStrike">
-              <a:latin typeface="Arial"/>
-            </a:endParaRPr>
           </a:p>
         </p:txBody>
       </p:sp>
     </p:spTree>
   </p:cSld>
-  <p:clrMap bg1="lt1" bg2="lt2" tx1="dk1" tx2="dk2" accent1="accent1" accent2="accent2" accent3="accent3" accent4="accent4" accent5="accent5" accent6="accent6" hlink="hlink" folHlink="folHlink"/>
+  <p:clrMap bg1="lt1" tx1="dk1" bg2="lt2" tx2="dk2" accent1="accent1" accent2="accent2" accent3="accent3" accent4="accent4" accent5="accent5" accent6="accent6" hlink="hlink" folHlink="folHlink"/>
   <p:sldLayoutIdLst>
-    <p:sldLayoutId id="2147483688" r:id="rId2"/>
-    <p:sldLayoutId id="2147483689" r:id="rId3"/>
-    <p:sldLayoutId id="2147483690" r:id="rId4"/>
-    <p:sldLayoutId id="2147483691" r:id="rId5"/>
-    <p:sldLayoutId id="2147483692" r:id="rId6"/>
-    <p:sldLayoutId id="2147483693" r:id="rId7"/>
-    <p:sldLayoutId id="2147483694" r:id="rId8"/>
-    <p:sldLayoutId id="2147483695" r:id="rId9"/>
-    <p:sldLayoutId id="2147483696" r:id="rId10"/>
-    <p:sldLayoutId id="2147483697" r:id="rId11"/>
-    <p:sldLayoutId id="2147483698" r:id="rId12"/>
-    <p:sldLayoutId id="2147483699" r:id="rId13"/>
+    <p:sldLayoutId id="2147483688" r:id="rId1"/>
+    <p:sldLayoutId id="2147483689" r:id="rId2"/>
+    <p:sldLayoutId id="2147483690" r:id="rId3"/>
+    <p:sldLayoutId id="2147483691" r:id="rId4"/>
+    <p:sldLayoutId id="2147483692" r:id="rId5"/>
+    <p:sldLayoutId id="2147483693" r:id="rId6"/>
+    <p:sldLayoutId id="2147483694" r:id="rId7"/>
+    <p:sldLayoutId id="2147483695" r:id="rId8"/>
+    <p:sldLayoutId id="2147483696" r:id="rId9"/>
+    <p:sldLayoutId id="2147483697" r:id="rId10"/>
+    <p:sldLayoutId id="2147483698" r:id="rId11"/>
+    <p:sldLayoutId id="2147483699" r:id="rId12"/>
   </p:sldLayoutIdLst>
+  <p:txStyles>
+    <p:titleStyle>
+      <a:lvl1pPr algn="l" defTabSz="914400" rtl="0" eaLnBrk="1" latinLnBrk="0" hangingPunct="1">
+        <a:lnSpc>
+          <a:spcPct val="90000"/>
+        </a:lnSpc>
+        <a:spcBef>
+          <a:spcPct val="0"/>
+        </a:spcBef>
+        <a:buNone/>
+        <a:defRPr sz="4400" kern="1200">
+          <a:solidFill>
+            <a:schemeClr val="tx1"/>
+          </a:solidFill>
+          <a:latin typeface="+mj-lt"/>
+          <a:ea typeface="+mj-ea"/>
+          <a:cs typeface="+mj-cs"/>
+        </a:defRPr>
+      </a:lvl1pPr>
+    </p:titleStyle>
+    <p:bodyStyle>
+      <a:lvl1pPr marL="228600" indent="-228600" algn="l" defTabSz="914400" rtl="0" eaLnBrk="1" latinLnBrk="0" hangingPunct="1">
+        <a:lnSpc>
+          <a:spcPct val="90000"/>
+        </a:lnSpc>
+        <a:spcBef>
+          <a:spcPts val="1000"/>
+        </a:spcBef>
+        <a:buFont typeface="Arial" panose="020B0604020202020204" pitchFamily="34" charset="0"/>
+        <a:buChar char="•"/>
+        <a:defRPr sz="2800" kern="1200">
+          <a:solidFill>
+            <a:schemeClr val="tx1"/>
+          </a:solidFill>
+          <a:latin typeface="+mn-lt"/>
+          <a:ea typeface="+mn-ea"/>
+          <a:cs typeface="+mn-cs"/>
+        </a:defRPr>
+      </a:lvl1pPr>
+      <a:lvl2pPr marL="685800" indent="-228600" algn="l" defTabSz="914400" rtl="0" eaLnBrk="1" latinLnBrk="0" hangingPunct="1">
+        <a:lnSpc>
+          <a:spcPct val="90000"/>
+        </a:lnSpc>
+        <a:spcBef>
+          <a:spcPts val="500"/>
+        </a:spcBef>
+        <a:buFont typeface="Arial" panose="020B0604020202020204" pitchFamily="34" charset="0"/>
+        <a:buChar char="•"/>
+        <a:defRPr sz="2400" kern="1200">
+          <a:solidFill>
+            <a:schemeClr val="tx1"/>
+          </a:solidFill>
+          <a:latin typeface="+mn-lt"/>
+          <a:ea typeface="+mn-ea"/>
+          <a:cs typeface="+mn-cs"/>
+        </a:defRPr>
+      </a:lvl2pPr>
+      <a:lvl3pPr marL="1143000" indent="-228600" algn="l" defTabSz="914400" rtl="0" eaLnBrk="1" latinLnBrk="0" hangingPunct="1">
+        <a:lnSpc>
+          <a:spcPct val="90000"/>
+        </a:lnSpc>
+        <a:spcBef>
+          <a:spcPts val="500"/>
+        </a:spcBef>
+        <a:buFont typeface="Arial" panose="020B0604020202020204" pitchFamily="34" charset="0"/>
+        <a:buChar char="•"/>
+        <a:defRPr sz="2000" kern="1200">
+          <a:solidFill>
+            <a:schemeClr val="tx1"/>
+          </a:solidFill>
+          <a:latin typeface="+mn-lt"/>
+          <a:ea typeface="+mn-ea"/>
+          <a:cs typeface="+mn-cs"/>
+        </a:defRPr>
+      </a:lvl3pPr>
+      <a:lvl4pPr marL="1600200" indent="-228600" algn="l" defTabSz="914400" rtl="0" eaLnBrk="1" latinLnBrk="0" hangingPunct="1">
+        <a:lnSpc>
+          <a:spcPct val="90000"/>
+        </a:lnSpc>
+        <a:spcBef>
+          <a:spcPts val="500"/>
+        </a:spcBef>
+        <a:buFont typeface="Arial" panose="020B0604020202020204" pitchFamily="34" charset="0"/>
+        <a:buChar char="•"/>
+        <a:defRPr sz="1800" kern="1200">
+          <a:solidFill>
+            <a:schemeClr val="tx1"/>
+          </a:solidFill>
+          <a:latin typeface="+mn-lt"/>
+          <a:ea typeface="+mn-ea"/>
+          <a:cs typeface="+mn-cs"/>
+        </a:defRPr>
+      </a:lvl4pPr>
+      <a:lvl5pPr marL="2057400" indent="-228600" algn="l" defTabSz="914400" rtl="0" eaLnBrk="1" latinLnBrk="0" hangingPunct="1">
+        <a:lnSpc>
+          <a:spcPct val="90000"/>
+        </a:lnSpc>
+        <a:spcBef>
+          <a:spcPts val="500"/>
+        </a:spcBef>
+        <a:buFont typeface="Arial" panose="020B0604020202020204" pitchFamily="34" charset="0"/>
+        <a:buChar char="•"/>
+        <a:defRPr sz="1800" kern="1200">
+          <a:solidFill>
+            <a:schemeClr val="tx1"/>
+          </a:solidFill>
+          <a:latin typeface="+mn-lt"/>
+          <a:ea typeface="+mn-ea"/>
+          <a:cs typeface="+mn-cs"/>
+        </a:defRPr>
+      </a:lvl5pPr>
+      <a:lvl6pPr marL="2514600" indent="-228600" algn="l" defTabSz="914400" rtl="0" eaLnBrk="1" latinLnBrk="0" hangingPunct="1">
+        <a:lnSpc>
+          <a:spcPct val="90000"/>
+        </a:lnSpc>
+        <a:spcBef>
+          <a:spcPts val="500"/>
+        </a:spcBef>
+        <a:buFont typeface="Arial" panose="020B0604020202020204" pitchFamily="34" charset="0"/>
+        <a:buChar char="•"/>
+        <a:defRPr sz="1800" kern="1200">
+          <a:solidFill>
+            <a:schemeClr val="tx1"/>
+          </a:solidFill>
+          <a:latin typeface="+mn-lt"/>
+          <a:ea typeface="+mn-ea"/>
+          <a:cs typeface="+mn-cs"/>
+        </a:defRPr>
+      </a:lvl6pPr>
+      <a:lvl7pPr marL="2971800" indent="-228600" algn="l" defTabSz="914400" rtl="0" eaLnBrk="1" latinLnBrk="0" hangingPunct="1">
+        <a:lnSpc>
+          <a:spcPct val="90000"/>
+        </a:lnSpc>
+        <a:spcBef>
+          <a:spcPts val="500"/>
+        </a:spcBef>
+        <a:buFont typeface="Arial" panose="020B0604020202020204" pitchFamily="34" charset="0"/>
+        <a:buChar char="•"/>
+        <a:defRPr sz="1800" kern="1200">
+          <a:solidFill>
+            <a:schemeClr val="tx1"/>
+          </a:solidFill>
+          <a:latin typeface="+mn-lt"/>
+          <a:ea typeface="+mn-ea"/>
+          <a:cs typeface="+mn-cs"/>
+        </a:defRPr>
+      </a:lvl7pPr>
+      <a:lvl8pPr marL="3429000" indent="-228600" algn="l" defTabSz="914400" rtl="0" eaLnBrk="1" latinLnBrk="0" hangingPunct="1">
+        <a:lnSpc>
+          <a:spcPct val="90000"/>
+        </a:lnSpc>
+        <a:spcBef>
+          <a:spcPts val="500"/>
+        </a:spcBef>
+        <a:buFont typeface="Arial" panose="020B0604020202020204" pitchFamily="34" charset="0"/>
+        <a:buChar char="•"/>
+        <a:defRPr sz="1800" kern="1200">
+          <a:solidFill>
+            <a:schemeClr val="tx1"/>
+          </a:solidFill>
+          <a:latin typeface="+mn-lt"/>
+          <a:ea typeface="+mn-ea"/>
+          <a:cs typeface="+mn-cs"/>
+        </a:defRPr>
+      </a:lvl8pPr>
+      <a:lvl9pPr marL="3886200" indent="-228600" algn="l" defTabSz="914400" rtl="0" eaLnBrk="1" latinLnBrk="0" hangingPunct="1">
+        <a:lnSpc>
+          <a:spcPct val="90000"/>
+        </a:lnSpc>
+        <a:spcBef>
+          <a:spcPts val="500"/>
+        </a:spcBef>
+        <a:buFont typeface="Arial" panose="020B0604020202020204" pitchFamily="34" charset="0"/>
+        <a:buChar char="•"/>
+        <a:defRPr sz="1800" kern="1200">
+          <a:solidFill>
+            <a:schemeClr val="tx1"/>
+          </a:solidFill>
+          <a:latin typeface="+mn-lt"/>
+          <a:ea typeface="+mn-ea"/>
+          <a:cs typeface="+mn-cs"/>
+        </a:defRPr>
+      </a:lvl9pPr>
+    </p:bodyStyle>
+    <p:otherStyle>
+      <a:defPPr>
+        <a:defRPr lang="de-DE"/>
+      </a:defPPr>
+      <a:lvl1pPr marL="0" algn="l" defTabSz="914400" rtl="0" eaLnBrk="1" latinLnBrk="0" hangingPunct="1">
+        <a:defRPr sz="1800" kern="1200">
+          <a:solidFill>
+            <a:schemeClr val="tx1"/>
+          </a:solidFill>
+          <a:latin typeface="+mn-lt"/>
+          <a:ea typeface="+mn-ea"/>
+          <a:cs typeface="+mn-cs"/>
+        </a:defRPr>
+      </a:lvl1pPr>
+      <a:lvl2pPr marL="457200" algn="l" defTabSz="914400" rtl="0" eaLnBrk="1" latinLnBrk="0" hangingPunct="1">
+        <a:defRPr sz="1800" kern="1200">
+          <a:solidFill>
+            <a:schemeClr val="tx1"/>
+          </a:solidFill>
+          <a:latin typeface="+mn-lt"/>
+          <a:ea typeface="+mn-ea"/>
+          <a:cs typeface="+mn-cs"/>
+        </a:defRPr>
+      </a:lvl2pPr>
+      <a:lvl3pPr marL="914400" algn="l" defTabSz="914400" rtl="0" eaLnBrk="1" latinLnBrk="0" hangingPunct="1">
+        <a:defRPr sz="1800" kern="1200">
+          <a:solidFill>
+            <a:schemeClr val="tx1"/>
+          </a:solidFill>
+          <a:latin typeface="+mn-lt"/>
+          <a:ea typeface="+mn-ea"/>
+          <a:cs typeface="+mn-cs"/>
+        </a:defRPr>
+      </a:lvl3pPr>
+      <a:lvl4pPr marL="1371600" algn="l" defTabSz="914400" rtl="0" eaLnBrk="1" latinLnBrk="0" hangingPunct="1">
+        <a:defRPr sz="1800" kern="1200">
+          <a:solidFill>
+            <a:schemeClr val="tx1"/>
+          </a:solidFill>
+          <a:latin typeface="+mn-lt"/>
+          <a:ea typeface="+mn-ea"/>
+          <a:cs typeface="+mn-cs"/>
+        </a:defRPr>
+      </a:lvl4pPr>
+      <a:lvl5pPr marL="1828800" algn="l" defTabSz="914400" rtl="0" eaLnBrk="1" latinLnBrk="0" hangingPunct="1">
+        <a:defRPr sz="1800" kern="1200">
+          <a:solidFill>
+            <a:schemeClr val="tx1"/>
+          </a:solidFill>
+          <a:latin typeface="+mn-lt"/>
+          <a:ea typeface="+mn-ea"/>
+          <a:cs typeface="+mn-cs"/>
+        </a:defRPr>
+      </a:lvl5pPr>
+      <a:lvl6pPr marL="2286000" algn="l" defTabSz="914400" rtl="0" eaLnBrk="1" latinLnBrk="0" hangingPunct="1">
+        <a:defRPr sz="1800" kern="1200">
+          <a:solidFill>
+            <a:schemeClr val="tx1"/>
+          </a:solidFill>
+          <a:latin typeface="+mn-lt"/>
+          <a:ea typeface="+mn-ea"/>
+          <a:cs typeface="+mn-cs"/>
+        </a:defRPr>
+      </a:lvl6pPr>
+      <a:lvl7pPr marL="2743200" algn="l" defTabSz="914400" rtl="0" eaLnBrk="1" latinLnBrk="0" hangingPunct="1">
+        <a:defRPr sz="1800" kern="1200">
+          <a:solidFill>
+            <a:schemeClr val="tx1"/>
+          </a:solidFill>
+          <a:latin typeface="+mn-lt"/>
+          <a:ea typeface="+mn-ea"/>
+          <a:cs typeface="+mn-cs"/>
+        </a:defRPr>
+      </a:lvl7pPr>
+      <a:lvl8pPr marL="3200400" algn="l" defTabSz="914400" rtl="0" eaLnBrk="1" latinLnBrk="0" hangingPunct="1">
+        <a:defRPr sz="1800" kern="1200">
+          <a:solidFill>
+            <a:schemeClr val="tx1"/>
+          </a:solidFill>
+          <a:latin typeface="+mn-lt"/>
+          <a:ea typeface="+mn-ea"/>
+          <a:cs typeface="+mn-cs"/>
+        </a:defRPr>
+      </a:lvl8pPr>
+      <a:lvl9pPr marL="3657600" algn="l" defTabSz="914400" rtl="0" eaLnBrk="1" latinLnBrk="0" hangingPunct="1">
+        <a:defRPr sz="1800" kern="1200">
+          <a:solidFill>
+            <a:schemeClr val="tx1"/>
+          </a:solidFill>
+          <a:latin typeface="+mn-lt"/>
+          <a:ea typeface="+mn-ea"/>
+          <a:cs typeface="+mn-cs"/>
+        </a:defRPr>
+      </a:lvl9pPr>
+    </p:otherStyle>
+  </p:txStyles>
 </p:sldMaster>
 </file>
 
 <file path=ppt/slideMasters/slideMaster5.xml><?xml version="1.0" encoding="utf-8"?>
-<p:sldMaster xmlns:a="http://schemas.openxmlformats.org/drawingml/2006/main" xmlns:p="http://schemas.openxmlformats.org/presentationml/2006/main" xmlns:r="http://schemas.openxmlformats.org/officeDocument/2006/relationships" xmlns:p14="http://schemas.microsoft.com/office/powerpoint/2010/main" xmlns:p15="http://schemas.microsoft.com/office/powerpoint/2012/main" xmlns:mc="http://schemas.openxmlformats.org/markup-compatibility/2006">
+<p:sldMaster xmlns:a="http://schemas.openxmlformats.org/drawingml/2006/main" xmlns:r="http://schemas.openxmlformats.org/officeDocument/2006/relationships" xmlns:p="http://schemas.openxmlformats.org/presentationml/2006/main">
   <p:cSld>
     <p:bg>
       <p:bgPr>
         <a:solidFill>
-          <a:srgbClr val="efede3"/>
+          <a:srgbClr val="EFEDE3"/>
         </a:solidFill>
+        <a:effectLst/>
       </p:bgPr>
     </p:bg>
     <p:spTree>
@@ -8020,19 +9546,17 @@
           </a:prstGeom>
         </p:spPr>
         <p:txBody>
-          <a:bodyPr lIns="0" rIns="0" tIns="0" bIns="0" anchor="ctr">
+          <a:bodyPr lIns="0" tIns="0" rIns="0" bIns="0" anchor="ctr">
             <a:noAutofit/>
           </a:bodyPr>
+          <a:lstStyle/>
           <a:p>
             <a:r>
-              <a:rPr b="0" lang="en-US" sz="1800" spc="-1" strike="noStrike">
+              <a:rPr lang="en-US" sz="1800" b="0" strike="noStrike" spc="-1">
                 <a:latin typeface="Arial"/>
               </a:rPr>
               <a:t>Click to edit the title text format</a:t>
             </a:r>
-            <a:endParaRPr b="0" lang="en-US" sz="1800" spc="-1" strike="noStrike">
-              <a:latin typeface="Arial"/>
-            </a:endParaRPr>
           </a:p>
         </p:txBody>
       </p:sp>
@@ -8056,9 +9580,10 @@
           </a:prstGeom>
         </p:spPr>
         <p:txBody>
-          <a:bodyPr lIns="0" rIns="0" tIns="0" bIns="0">
+          <a:bodyPr lIns="0" tIns="0" rIns="0" bIns="0">
             <a:normAutofit/>
           </a:bodyPr>
+          <a:lstStyle/>
           <a:p>
             <a:pPr marL="432000" indent="-324000">
               <a:spcBef>
@@ -8072,17 +9597,14 @@
               <a:buChar char=""/>
             </a:pPr>
             <a:r>
-              <a:rPr b="0" lang="en-US" sz="3200" spc="-1" strike="noStrike">
+              <a:rPr lang="en-US" sz="3200" b="0" strike="noStrike" spc="-1">
                 <a:latin typeface="Arial"/>
               </a:rPr>
               <a:t>Click to edit the outline text format</a:t>
             </a:r>
-            <a:endParaRPr b="0" lang="en-US" sz="3200" spc="-1" strike="noStrike">
-              <a:latin typeface="Arial"/>
-            </a:endParaRPr>
-          </a:p>
-          <a:p>
-            <a:pPr lvl="1" marL="864000" indent="-324000">
+          </a:p>
+          <a:p>
+            <a:pPr marL="864000" lvl="1" indent="-324000">
               <a:spcBef>
                 <a:spcPts val="1134"/>
               </a:spcBef>
@@ -8094,17 +9616,14 @@
               <a:buChar char=""/>
             </a:pPr>
             <a:r>
-              <a:rPr b="0" lang="en-US" sz="2800" spc="-1" strike="noStrike">
+              <a:rPr lang="en-US" sz="2800" b="0" strike="noStrike" spc="-1">
                 <a:latin typeface="Arial"/>
               </a:rPr>
               <a:t>Second Outline Level</a:t>
             </a:r>
-            <a:endParaRPr b="0" lang="en-US" sz="2800" spc="-1" strike="noStrike">
-              <a:latin typeface="Arial"/>
-            </a:endParaRPr>
-          </a:p>
-          <a:p>
-            <a:pPr lvl="2" marL="1296000" indent="-288000">
+          </a:p>
+          <a:p>
+            <a:pPr marL="1296000" lvl="2" indent="-288000">
               <a:spcBef>
                 <a:spcPts val="850"/>
               </a:spcBef>
@@ -8116,17 +9635,14 @@
               <a:buChar char=""/>
             </a:pPr>
             <a:r>
-              <a:rPr b="0" lang="en-US" sz="2400" spc="-1" strike="noStrike">
+              <a:rPr lang="en-US" sz="2400" b="0" strike="noStrike" spc="-1">
                 <a:latin typeface="Arial"/>
               </a:rPr>
               <a:t>Third Outline Level</a:t>
             </a:r>
-            <a:endParaRPr b="0" lang="en-US" sz="2400" spc="-1" strike="noStrike">
-              <a:latin typeface="Arial"/>
-            </a:endParaRPr>
-          </a:p>
-          <a:p>
-            <a:pPr lvl="3" marL="1728000" indent="-216000">
+          </a:p>
+          <a:p>
+            <a:pPr marL="1728000" lvl="3" indent="-216000">
               <a:spcBef>
                 <a:spcPts val="567"/>
               </a:spcBef>
@@ -8138,17 +9654,14 @@
               <a:buChar char=""/>
             </a:pPr>
             <a:r>
-              <a:rPr b="0" lang="en-US" sz="2000" spc="-1" strike="noStrike">
+              <a:rPr lang="en-US" sz="2000" b="0" strike="noStrike" spc="-1">
                 <a:latin typeface="Arial"/>
               </a:rPr>
               <a:t>Fourth Outline Level</a:t>
             </a:r>
-            <a:endParaRPr b="0" lang="en-US" sz="2000" spc="-1" strike="noStrike">
-              <a:latin typeface="Arial"/>
-            </a:endParaRPr>
-          </a:p>
-          <a:p>
-            <a:pPr lvl="4" marL="2160000" indent="-216000">
+          </a:p>
+          <a:p>
+            <a:pPr marL="2160000" lvl="4" indent="-216000">
               <a:spcBef>
                 <a:spcPts val="283"/>
               </a:spcBef>
@@ -8160,17 +9673,14 @@
               <a:buChar char=""/>
             </a:pPr>
             <a:r>
-              <a:rPr b="0" lang="en-US" sz="2000" spc="-1" strike="noStrike">
+              <a:rPr lang="en-US" sz="2000" b="0" strike="noStrike" spc="-1">
                 <a:latin typeface="Arial"/>
               </a:rPr>
               <a:t>Fifth Outline Level</a:t>
             </a:r>
-            <a:endParaRPr b="0" lang="en-US" sz="2000" spc="-1" strike="noStrike">
-              <a:latin typeface="Arial"/>
-            </a:endParaRPr>
-          </a:p>
-          <a:p>
-            <a:pPr lvl="5" marL="2592000" indent="-216000">
+          </a:p>
+          <a:p>
+            <a:pPr marL="2592000" lvl="5" indent="-216000">
               <a:spcBef>
                 <a:spcPts val="283"/>
               </a:spcBef>
@@ -8182,17 +9692,14 @@
               <a:buChar char=""/>
             </a:pPr>
             <a:r>
-              <a:rPr b="0" lang="en-US" sz="2000" spc="-1" strike="noStrike">
+              <a:rPr lang="en-US" sz="2000" b="0" strike="noStrike" spc="-1">
                 <a:latin typeface="Arial"/>
               </a:rPr>
               <a:t>Sixth Outline Level</a:t>
             </a:r>
-            <a:endParaRPr b="0" lang="en-US" sz="2000" spc="-1" strike="noStrike">
-              <a:latin typeface="Arial"/>
-            </a:endParaRPr>
-          </a:p>
-          <a:p>
-            <a:pPr lvl="6" marL="3024000" indent="-216000">
+          </a:p>
+          <a:p>
+            <a:pPr marL="3024000" lvl="6" indent="-216000">
               <a:spcBef>
                 <a:spcPts val="283"/>
               </a:spcBef>
@@ -8204,39 +9711,316 @@
               <a:buChar char=""/>
             </a:pPr>
             <a:r>
-              <a:rPr b="0" lang="en-US" sz="2000" spc="-1" strike="noStrike">
+              <a:rPr lang="en-US" sz="2000" b="0" strike="noStrike" spc="-1">
                 <a:latin typeface="Arial"/>
               </a:rPr>
               <a:t>Seventh Outline Level</a:t>
             </a:r>
-            <a:endParaRPr b="0" lang="en-US" sz="2000" spc="-1" strike="noStrike">
-              <a:latin typeface="Arial"/>
-            </a:endParaRPr>
           </a:p>
         </p:txBody>
       </p:sp>
     </p:spTree>
   </p:cSld>
-  <p:clrMap bg1="lt1" bg2="lt2" tx1="dk1" tx2="dk2" accent1="accent1" accent2="accent2" accent3="accent3" accent4="accent4" accent5="accent5" accent6="accent6" hlink="hlink" folHlink="folHlink"/>
+  <p:clrMap bg1="lt1" tx1="dk1" bg2="lt2" tx2="dk2" accent1="accent1" accent2="accent2" accent3="accent3" accent4="accent4" accent5="accent5" accent6="accent6" hlink="hlink" folHlink="folHlink"/>
   <p:sldLayoutIdLst>
-    <p:sldLayoutId id="2147483701" r:id="rId2"/>
-    <p:sldLayoutId id="2147483702" r:id="rId3"/>
-    <p:sldLayoutId id="2147483703" r:id="rId4"/>
-    <p:sldLayoutId id="2147483704" r:id="rId5"/>
-    <p:sldLayoutId id="2147483705" r:id="rId6"/>
-    <p:sldLayoutId id="2147483706" r:id="rId7"/>
-    <p:sldLayoutId id="2147483707" r:id="rId8"/>
-    <p:sldLayoutId id="2147483708" r:id="rId9"/>
-    <p:sldLayoutId id="2147483709" r:id="rId10"/>
-    <p:sldLayoutId id="2147483710" r:id="rId11"/>
-    <p:sldLayoutId id="2147483711" r:id="rId12"/>
-    <p:sldLayoutId id="2147483712" r:id="rId13"/>
+    <p:sldLayoutId id="2147483701" r:id="rId1"/>
+    <p:sldLayoutId id="2147483702" r:id="rId2"/>
+    <p:sldLayoutId id="2147483703" r:id="rId3"/>
+    <p:sldLayoutId id="2147483704" r:id="rId4"/>
+    <p:sldLayoutId id="2147483705" r:id="rId5"/>
+    <p:sldLayoutId id="2147483706" r:id="rId6"/>
+    <p:sldLayoutId id="2147483707" r:id="rId7"/>
+    <p:sldLayoutId id="2147483708" r:id="rId8"/>
+    <p:sldLayoutId id="2147483709" r:id="rId9"/>
+    <p:sldLayoutId id="2147483710" r:id="rId10"/>
+    <p:sldLayoutId id="2147483711" r:id="rId11"/>
+    <p:sldLayoutId id="2147483712" r:id="rId12"/>
   </p:sldLayoutIdLst>
+  <p:txStyles>
+    <p:titleStyle>
+      <a:lvl1pPr algn="l" defTabSz="914400" rtl="0" eaLnBrk="1" latinLnBrk="0" hangingPunct="1">
+        <a:lnSpc>
+          <a:spcPct val="90000"/>
+        </a:lnSpc>
+        <a:spcBef>
+          <a:spcPct val="0"/>
+        </a:spcBef>
+        <a:buNone/>
+        <a:defRPr sz="4400" kern="1200">
+          <a:solidFill>
+            <a:schemeClr val="tx1"/>
+          </a:solidFill>
+          <a:latin typeface="+mj-lt"/>
+          <a:ea typeface="+mj-ea"/>
+          <a:cs typeface="+mj-cs"/>
+        </a:defRPr>
+      </a:lvl1pPr>
+    </p:titleStyle>
+    <p:bodyStyle>
+      <a:lvl1pPr marL="228600" indent="-228600" algn="l" defTabSz="914400" rtl="0" eaLnBrk="1" latinLnBrk="0" hangingPunct="1">
+        <a:lnSpc>
+          <a:spcPct val="90000"/>
+        </a:lnSpc>
+        <a:spcBef>
+          <a:spcPts val="1000"/>
+        </a:spcBef>
+        <a:buFont typeface="Arial" panose="020B0604020202020204" pitchFamily="34" charset="0"/>
+        <a:buChar char="•"/>
+        <a:defRPr sz="2800" kern="1200">
+          <a:solidFill>
+            <a:schemeClr val="tx1"/>
+          </a:solidFill>
+          <a:latin typeface="+mn-lt"/>
+          <a:ea typeface="+mn-ea"/>
+          <a:cs typeface="+mn-cs"/>
+        </a:defRPr>
+      </a:lvl1pPr>
+      <a:lvl2pPr marL="685800" indent="-228600" algn="l" defTabSz="914400" rtl="0" eaLnBrk="1" latinLnBrk="0" hangingPunct="1">
+        <a:lnSpc>
+          <a:spcPct val="90000"/>
+        </a:lnSpc>
+        <a:spcBef>
+          <a:spcPts val="500"/>
+        </a:spcBef>
+        <a:buFont typeface="Arial" panose="020B0604020202020204" pitchFamily="34" charset="0"/>
+        <a:buChar char="•"/>
+        <a:defRPr sz="2400" kern="1200">
+          <a:solidFill>
+            <a:schemeClr val="tx1"/>
+          </a:solidFill>
+          <a:latin typeface="+mn-lt"/>
+          <a:ea typeface="+mn-ea"/>
+          <a:cs typeface="+mn-cs"/>
+        </a:defRPr>
+      </a:lvl2pPr>
+      <a:lvl3pPr marL="1143000" indent="-228600" algn="l" defTabSz="914400" rtl="0" eaLnBrk="1" latinLnBrk="0" hangingPunct="1">
+        <a:lnSpc>
+          <a:spcPct val="90000"/>
+        </a:lnSpc>
+        <a:spcBef>
+          <a:spcPts val="500"/>
+        </a:spcBef>
+        <a:buFont typeface="Arial" panose="020B0604020202020204" pitchFamily="34" charset="0"/>
+        <a:buChar char="•"/>
+        <a:defRPr sz="2000" kern="1200">
+          <a:solidFill>
+            <a:schemeClr val="tx1"/>
+          </a:solidFill>
+          <a:latin typeface="+mn-lt"/>
+          <a:ea typeface="+mn-ea"/>
+          <a:cs typeface="+mn-cs"/>
+        </a:defRPr>
+      </a:lvl3pPr>
+      <a:lvl4pPr marL="1600200" indent="-228600" algn="l" defTabSz="914400" rtl="0" eaLnBrk="1" latinLnBrk="0" hangingPunct="1">
+        <a:lnSpc>
+          <a:spcPct val="90000"/>
+        </a:lnSpc>
+        <a:spcBef>
+          <a:spcPts val="500"/>
+        </a:spcBef>
+        <a:buFont typeface="Arial" panose="020B0604020202020204" pitchFamily="34" charset="0"/>
+        <a:buChar char="•"/>
+        <a:defRPr sz="1800" kern="1200">
+          <a:solidFill>
+            <a:schemeClr val="tx1"/>
+          </a:solidFill>
+          <a:latin typeface="+mn-lt"/>
+          <a:ea typeface="+mn-ea"/>
+          <a:cs typeface="+mn-cs"/>
+        </a:defRPr>
+      </a:lvl4pPr>
+      <a:lvl5pPr marL="2057400" indent="-228600" algn="l" defTabSz="914400" rtl="0" eaLnBrk="1" latinLnBrk="0" hangingPunct="1">
+        <a:lnSpc>
+          <a:spcPct val="90000"/>
+        </a:lnSpc>
+        <a:spcBef>
+          <a:spcPts val="500"/>
+        </a:spcBef>
+        <a:buFont typeface="Arial" panose="020B0604020202020204" pitchFamily="34" charset="0"/>
+        <a:buChar char="•"/>
+        <a:defRPr sz="1800" kern="1200">
+          <a:solidFill>
+            <a:schemeClr val="tx1"/>
+          </a:solidFill>
+          <a:latin typeface="+mn-lt"/>
+          <a:ea typeface="+mn-ea"/>
+          <a:cs typeface="+mn-cs"/>
+        </a:defRPr>
+      </a:lvl5pPr>
+      <a:lvl6pPr marL="2514600" indent="-228600" algn="l" defTabSz="914400" rtl="0" eaLnBrk="1" latinLnBrk="0" hangingPunct="1">
+        <a:lnSpc>
+          <a:spcPct val="90000"/>
+        </a:lnSpc>
+        <a:spcBef>
+          <a:spcPts val="500"/>
+        </a:spcBef>
+        <a:buFont typeface="Arial" panose="020B0604020202020204" pitchFamily="34" charset="0"/>
+        <a:buChar char="•"/>
+        <a:defRPr sz="1800" kern="1200">
+          <a:solidFill>
+            <a:schemeClr val="tx1"/>
+          </a:solidFill>
+          <a:latin typeface="+mn-lt"/>
+          <a:ea typeface="+mn-ea"/>
+          <a:cs typeface="+mn-cs"/>
+        </a:defRPr>
+      </a:lvl6pPr>
+      <a:lvl7pPr marL="2971800" indent="-228600" algn="l" defTabSz="914400" rtl="0" eaLnBrk="1" latinLnBrk="0" hangingPunct="1">
+        <a:lnSpc>
+          <a:spcPct val="90000"/>
+        </a:lnSpc>
+        <a:spcBef>
+          <a:spcPts val="500"/>
+        </a:spcBef>
+        <a:buFont typeface="Arial" panose="020B0604020202020204" pitchFamily="34" charset="0"/>
+        <a:buChar char="•"/>
+        <a:defRPr sz="1800" kern="1200">
+          <a:solidFill>
+            <a:schemeClr val="tx1"/>
+          </a:solidFill>
+          <a:latin typeface="+mn-lt"/>
+          <a:ea typeface="+mn-ea"/>
+          <a:cs typeface="+mn-cs"/>
+        </a:defRPr>
+      </a:lvl7pPr>
+      <a:lvl8pPr marL="3429000" indent="-228600" algn="l" defTabSz="914400" rtl="0" eaLnBrk="1" latinLnBrk="0" hangingPunct="1">
+        <a:lnSpc>
+          <a:spcPct val="90000"/>
+        </a:lnSpc>
+        <a:spcBef>
+          <a:spcPts val="500"/>
+        </a:spcBef>
+        <a:buFont typeface="Arial" panose="020B0604020202020204" pitchFamily="34" charset="0"/>
+        <a:buChar char="•"/>
+        <a:defRPr sz="1800" kern="1200">
+          <a:solidFill>
+            <a:schemeClr val="tx1"/>
+          </a:solidFill>
+          <a:latin typeface="+mn-lt"/>
+          <a:ea typeface="+mn-ea"/>
+          <a:cs typeface="+mn-cs"/>
+        </a:defRPr>
+      </a:lvl8pPr>
+      <a:lvl9pPr marL="3886200" indent="-228600" algn="l" defTabSz="914400" rtl="0" eaLnBrk="1" latinLnBrk="0" hangingPunct="1">
+        <a:lnSpc>
+          <a:spcPct val="90000"/>
+        </a:lnSpc>
+        <a:spcBef>
+          <a:spcPts val="500"/>
+        </a:spcBef>
+        <a:buFont typeface="Arial" panose="020B0604020202020204" pitchFamily="34" charset="0"/>
+        <a:buChar char="•"/>
+        <a:defRPr sz="1800" kern="1200">
+          <a:solidFill>
+            <a:schemeClr val="tx1"/>
+          </a:solidFill>
+          <a:latin typeface="+mn-lt"/>
+          <a:ea typeface="+mn-ea"/>
+          <a:cs typeface="+mn-cs"/>
+        </a:defRPr>
+      </a:lvl9pPr>
+    </p:bodyStyle>
+    <p:otherStyle>
+      <a:defPPr>
+        <a:defRPr lang="de-DE"/>
+      </a:defPPr>
+      <a:lvl1pPr marL="0" algn="l" defTabSz="914400" rtl="0" eaLnBrk="1" latinLnBrk="0" hangingPunct="1">
+        <a:defRPr sz="1800" kern="1200">
+          <a:solidFill>
+            <a:schemeClr val="tx1"/>
+          </a:solidFill>
+          <a:latin typeface="+mn-lt"/>
+          <a:ea typeface="+mn-ea"/>
+          <a:cs typeface="+mn-cs"/>
+        </a:defRPr>
+      </a:lvl1pPr>
+      <a:lvl2pPr marL="457200" algn="l" defTabSz="914400" rtl="0" eaLnBrk="1" latinLnBrk="0" hangingPunct="1">
+        <a:defRPr sz="1800" kern="1200">
+          <a:solidFill>
+            <a:schemeClr val="tx1"/>
+          </a:solidFill>
+          <a:latin typeface="+mn-lt"/>
+          <a:ea typeface="+mn-ea"/>
+          <a:cs typeface="+mn-cs"/>
+        </a:defRPr>
+      </a:lvl2pPr>
+      <a:lvl3pPr marL="914400" algn="l" defTabSz="914400" rtl="0" eaLnBrk="1" latinLnBrk="0" hangingPunct="1">
+        <a:defRPr sz="1800" kern="1200">
+          <a:solidFill>
+            <a:schemeClr val="tx1"/>
+          </a:solidFill>
+          <a:latin typeface="+mn-lt"/>
+          <a:ea typeface="+mn-ea"/>
+          <a:cs typeface="+mn-cs"/>
+        </a:defRPr>
+      </a:lvl3pPr>
+      <a:lvl4pPr marL="1371600" algn="l" defTabSz="914400" rtl="0" eaLnBrk="1" latinLnBrk="0" hangingPunct="1">
+        <a:defRPr sz="1800" kern="1200">
+          <a:solidFill>
+            <a:schemeClr val="tx1"/>
+          </a:solidFill>
+          <a:latin typeface="+mn-lt"/>
+          <a:ea typeface="+mn-ea"/>
+          <a:cs typeface="+mn-cs"/>
+        </a:defRPr>
+      </a:lvl4pPr>
+      <a:lvl5pPr marL="1828800" algn="l" defTabSz="914400" rtl="0" eaLnBrk="1" latinLnBrk="0" hangingPunct="1">
+        <a:defRPr sz="1800" kern="1200">
+          <a:solidFill>
+            <a:schemeClr val="tx1"/>
+          </a:solidFill>
+          <a:latin typeface="+mn-lt"/>
+          <a:ea typeface="+mn-ea"/>
+          <a:cs typeface="+mn-cs"/>
+        </a:defRPr>
+      </a:lvl5pPr>
+      <a:lvl6pPr marL="2286000" algn="l" defTabSz="914400" rtl="0" eaLnBrk="1" latinLnBrk="0" hangingPunct="1">
+        <a:defRPr sz="1800" kern="1200">
+          <a:solidFill>
+            <a:schemeClr val="tx1"/>
+          </a:solidFill>
+          <a:latin typeface="+mn-lt"/>
+          <a:ea typeface="+mn-ea"/>
+          <a:cs typeface="+mn-cs"/>
+        </a:defRPr>
+      </a:lvl6pPr>
+      <a:lvl7pPr marL="2743200" algn="l" defTabSz="914400" rtl="0" eaLnBrk="1" latinLnBrk="0" hangingPunct="1">
+        <a:defRPr sz="1800" kern="1200">
+          <a:solidFill>
+            <a:schemeClr val="tx1"/>
+          </a:solidFill>
+          <a:latin typeface="+mn-lt"/>
+          <a:ea typeface="+mn-ea"/>
+          <a:cs typeface="+mn-cs"/>
+        </a:defRPr>
+      </a:lvl7pPr>
+      <a:lvl8pPr marL="3200400" algn="l" defTabSz="914400" rtl="0" eaLnBrk="1" latinLnBrk="0" hangingPunct="1">
+        <a:defRPr sz="1800" kern="1200">
+          <a:solidFill>
+            <a:schemeClr val="tx1"/>
+          </a:solidFill>
+          <a:latin typeface="+mn-lt"/>
+          <a:ea typeface="+mn-ea"/>
+          <a:cs typeface="+mn-cs"/>
+        </a:defRPr>
+      </a:lvl8pPr>
+      <a:lvl9pPr marL="3657600" algn="l" defTabSz="914400" rtl="0" eaLnBrk="1" latinLnBrk="0" hangingPunct="1">
+        <a:defRPr sz="1800" kern="1200">
+          <a:solidFill>
+            <a:schemeClr val="tx1"/>
+          </a:solidFill>
+          <a:latin typeface="+mn-lt"/>
+          <a:ea typeface="+mn-ea"/>
+          <a:cs typeface="+mn-cs"/>
+        </a:defRPr>
+      </a:lvl9pPr>
+    </p:otherStyle>
+  </p:txStyles>
 </p:sldMaster>
 </file>
 
 <file path=ppt/slides/slide1.xml><?xml version="1.0" encoding="utf-8"?>
-<p:sld xmlns:a="http://schemas.openxmlformats.org/drawingml/2006/main" xmlns:p="http://schemas.openxmlformats.org/presentationml/2006/main" xmlns:r="http://schemas.openxmlformats.org/officeDocument/2006/relationships" xmlns:p14="http://schemas.microsoft.com/office/powerpoint/2010/main" xmlns:p15="http://schemas.microsoft.com/office/powerpoint/2012/main" xmlns:mc="http://schemas.openxmlformats.org/markup-compatibility/2006">
+<p:sld xmlns:a="http://schemas.openxmlformats.org/drawingml/2006/main" xmlns:r="http://schemas.openxmlformats.org/officeDocument/2006/relationships" xmlns:p="http://schemas.openxmlformats.org/presentationml/2006/main">
   <p:cSld>
     <p:spTree>
       <p:nvGrpSpPr>
@@ -8272,15 +10056,22 @@
           </a:ln>
         </p:spPr>
         <p:style>
-          <a:lnRef idx="0"/>
-          <a:fillRef idx="0"/>
-          <a:effectRef idx="0"/>
+          <a:lnRef idx="0">
+            <a:scrgbClr r="0" g="0" b="0"/>
+          </a:lnRef>
+          <a:fillRef idx="0">
+            <a:scrgbClr r="0" g="0" b="0"/>
+          </a:fillRef>
+          <a:effectRef idx="0">
+            <a:scrgbClr r="0" g="0" b="0"/>
+          </a:effectRef>
           <a:fontRef idx="minor"/>
         </p:style>
         <p:txBody>
-          <a:bodyPr lIns="90000" rIns="90000" tIns="45000" bIns="45000" anchor="b">
+          <a:bodyPr lIns="90000" tIns="45000" rIns="90000" bIns="45000" anchor="b">
             <a:noAutofit/>
           </a:bodyPr>
+          <a:lstStyle/>
           <a:p>
             <a:pPr algn="ctr">
               <a:lnSpc>
@@ -8288,15 +10079,15 @@
               </a:lnSpc>
             </a:pPr>
             <a:r>
-              <a:rPr b="0" lang="de-DE" sz="7200" spc="-1" strike="noStrike" cap="all">
+              <a:rPr lang="de-DE" sz="7200" b="0" strike="noStrike" cap="all" spc="-1">
                 <a:solidFill>
-                  <a:srgbClr val="191b0e"/>
+                  <a:srgbClr val="191B0E"/>
                 </a:solidFill>
                 <a:latin typeface="Franklin Gothic Book"/>
               </a:rPr>
               <a:t>WordCounter</a:t>
             </a:r>
-            <a:endParaRPr b="0" lang="en-US" sz="7200" spc="-1" strike="noStrike">
+            <a:endParaRPr lang="en-US" sz="7200" b="0" strike="noStrike" spc="-1">
               <a:latin typeface="Arial"/>
             </a:endParaRPr>
           </a:p>
@@ -8304,19 +10095,14 @@
       </p:sp>
     </p:spTree>
   </p:cSld>
-  <mc:AlternateContent>
-    <mc:Choice Requires="p14">
-      <p:transition spd="slow" p14:dur="2000"/>
-    </mc:Choice>
-    <mc:Fallback>
-      <p:transition spd="slow"/>
-    </mc:Fallback>
-  </mc:AlternateContent>
+  <p:clrMapOvr>
+    <a:masterClrMapping/>
+  </p:clrMapOvr>
 </p:sld>
 </file>
 
 <file path=ppt/slides/slide10.xml><?xml version="1.0" encoding="utf-8"?>
-<p:sld xmlns:a="http://schemas.openxmlformats.org/drawingml/2006/main" xmlns:p="http://schemas.openxmlformats.org/presentationml/2006/main" xmlns:r="http://schemas.openxmlformats.org/officeDocument/2006/relationships" xmlns:p14="http://schemas.microsoft.com/office/powerpoint/2010/main" xmlns:p15="http://schemas.microsoft.com/office/powerpoint/2012/main" xmlns:mc="http://schemas.openxmlformats.org/markup-compatibility/2006">
+<p:sld xmlns:a="http://schemas.openxmlformats.org/drawingml/2006/main" xmlns:r="http://schemas.openxmlformats.org/officeDocument/2006/relationships" xmlns:p="http://schemas.openxmlformats.org/presentationml/2006/main">
   <p:cSld>
     <p:spTree>
       <p:nvGrpSpPr>
@@ -8352,20 +10138,18 @@
           </a:ln>
         </p:spPr>
         <p:txBody>
-          <a:bodyPr lIns="0" rIns="0" tIns="0" bIns="0" anchor="ctr">
+          <a:bodyPr lIns="0" tIns="0" rIns="0" bIns="0" anchor="ctr">
             <a:noAutofit/>
           </a:bodyPr>
+          <a:lstStyle/>
           <a:p>
             <a:pPr algn="ctr"/>
             <a:r>
-              <a:rPr b="0" lang="en-US" sz="4400" spc="-1" strike="noStrike">
+              <a:rPr lang="en-US" sz="4400" b="0" strike="noStrike" spc="-1">
                 <a:latin typeface="Arial"/>
               </a:rPr>
               <a:t>Word Counter</a:t>
             </a:r>
-            <a:endParaRPr b="0" lang="en-US" sz="4400" spc="-1" strike="noStrike">
-              <a:latin typeface="Arial"/>
-            </a:endParaRPr>
           </a:p>
         </p:txBody>
       </p:sp>
@@ -8389,15 +10173,22 @@
           </a:ln>
         </p:spPr>
         <p:style>
-          <a:lnRef idx="0"/>
-          <a:fillRef idx="0"/>
-          <a:effectRef idx="0"/>
+          <a:lnRef idx="0">
+            <a:scrgbClr r="0" g="0" b="0"/>
+          </a:lnRef>
+          <a:fillRef idx="0">
+            <a:scrgbClr r="0" g="0" b="0"/>
+          </a:fillRef>
+          <a:effectRef idx="0">
+            <a:scrgbClr r="0" g="0" b="0"/>
+          </a:effectRef>
           <a:fontRef idx="minor"/>
         </p:style>
         <p:txBody>
-          <a:bodyPr lIns="90000" rIns="90000" tIns="45000" bIns="45000">
+          <a:bodyPr lIns="90000" tIns="45000" rIns="90000" bIns="45000">
             <a:noAutofit/>
           </a:bodyPr>
+          <a:lstStyle/>
           <a:p>
             <a:pPr marL="384120" indent="-383400">
               <a:lnSpc>
@@ -8410,21 +10201,21 @@
                 <a:spcPts val="201"/>
               </a:spcAft>
               <a:buClr>
-                <a:srgbClr val="191b0e"/>
+                <a:srgbClr val="191B0E"/>
               </a:buClr>
               <a:buFont typeface="Franklin Gothic Book"/>
               <a:buChar char="■"/>
             </a:pPr>
             <a:r>
-              <a:rPr b="0" lang="de-DE" sz="2000" spc="-1" strike="noStrike">
+              <a:rPr lang="de-DE" sz="2000" b="0" strike="noStrike" spc="-1">
                 <a:solidFill>
-                  <a:srgbClr val="191b0e"/>
+                  <a:srgbClr val="191B0E"/>
                 </a:solidFill>
                 <a:latin typeface="Franklin Gothic Book"/>
               </a:rPr>
               <a:t>Bugs müssen behoben werden</a:t>
             </a:r>
-            <a:endParaRPr b="0" lang="en-US" sz="2000" spc="-1" strike="noStrike">
+            <a:endParaRPr lang="en-US" sz="2000" b="0" strike="noStrike" spc="-1">
               <a:latin typeface="Arial"/>
             </a:endParaRPr>
           </a:p>
@@ -8440,21 +10231,21 @@
                 <a:spcPts val="201"/>
               </a:spcAft>
               <a:buClr>
-                <a:srgbClr val="191b0e"/>
+                <a:srgbClr val="191B0E"/>
               </a:buClr>
               <a:buFont typeface="Franklin Gothic Book"/>
               <a:buChar char="■"/>
             </a:pPr>
             <a:r>
-              <a:rPr b="0" lang="de-DE" sz="2000" spc="-1" strike="noStrike">
+              <a:rPr lang="de-DE" sz="2000" b="0" strike="noStrike" spc="-1">
                 <a:solidFill>
-                  <a:srgbClr val="191b0e"/>
+                  <a:srgbClr val="191B0E"/>
                 </a:solidFill>
                 <a:latin typeface="Franklin Gothic Book"/>
               </a:rPr>
               <a:t>Sätze und Paragraphen sollen gezählt werden</a:t>
             </a:r>
-            <a:endParaRPr b="0" lang="en-US" sz="2000" spc="-1" strike="noStrike">
+            <a:endParaRPr lang="en-US" sz="2000" b="0" strike="noStrike" spc="-1">
               <a:latin typeface="Arial"/>
             </a:endParaRPr>
           </a:p>
@@ -8462,19 +10253,14 @@
       </p:sp>
     </p:spTree>
   </p:cSld>
-  <mc:AlternateContent>
-    <mc:Choice Requires="p14">
-      <p:transition spd="slow" p14:dur="2000"/>
-    </mc:Choice>
-    <mc:Fallback>
-      <p:transition spd="slow"/>
-    </mc:Fallback>
-  </mc:AlternateContent>
+  <p:clrMapOvr>
+    <a:masterClrMapping/>
+  </p:clrMapOvr>
 </p:sld>
 </file>
 
 <file path=ppt/slides/slide11.xml><?xml version="1.0" encoding="utf-8"?>
-<p:sld xmlns:a="http://schemas.openxmlformats.org/drawingml/2006/main" xmlns:p="http://schemas.openxmlformats.org/presentationml/2006/main" xmlns:r="http://schemas.openxmlformats.org/officeDocument/2006/relationships" xmlns:p14="http://schemas.microsoft.com/office/powerpoint/2010/main" xmlns:p15="http://schemas.microsoft.com/office/powerpoint/2012/main" xmlns:mc="http://schemas.openxmlformats.org/markup-compatibility/2006">
+<p:sld xmlns:a="http://schemas.openxmlformats.org/drawingml/2006/main" xmlns:r="http://schemas.openxmlformats.org/officeDocument/2006/relationships" xmlns:p="http://schemas.openxmlformats.org/presentationml/2006/main">
   <p:cSld>
     <p:spTree>
       <p:nvGrpSpPr>
@@ -8510,20 +10296,18 @@
           </a:ln>
         </p:spPr>
         <p:txBody>
-          <a:bodyPr lIns="0" rIns="0" tIns="0" bIns="0" anchor="ctr">
+          <a:bodyPr lIns="0" tIns="0" rIns="0" bIns="0" anchor="ctr">
             <a:noAutofit/>
           </a:bodyPr>
+          <a:lstStyle/>
           <a:p>
             <a:pPr algn="ctr"/>
             <a:r>
-              <a:rPr b="0" lang="en-US" sz="4400" spc="-1" strike="noStrike">
+              <a:rPr lang="en-US" sz="4400" b="0" strike="noStrike" spc="-1">
                 <a:latin typeface="Arial"/>
               </a:rPr>
               <a:t>Darkmode</a:t>
             </a:r>
-            <a:endParaRPr b="0" lang="en-US" sz="4400" spc="-1" strike="noStrike">
-              <a:latin typeface="Arial"/>
-            </a:endParaRPr>
           </a:p>
         </p:txBody>
       </p:sp>
@@ -8547,15 +10331,22 @@
           </a:ln>
         </p:spPr>
         <p:style>
-          <a:lnRef idx="0"/>
-          <a:fillRef idx="0"/>
-          <a:effectRef idx="0"/>
+          <a:lnRef idx="0">
+            <a:scrgbClr r="0" g="0" b="0"/>
+          </a:lnRef>
+          <a:fillRef idx="0">
+            <a:scrgbClr r="0" g="0" b="0"/>
+          </a:fillRef>
+          <a:effectRef idx="0">
+            <a:scrgbClr r="0" g="0" b="0"/>
+          </a:effectRef>
           <a:fontRef idx="minor"/>
         </p:style>
         <p:txBody>
-          <a:bodyPr lIns="90000" rIns="90000" tIns="45000" bIns="45000">
+          <a:bodyPr lIns="90000" tIns="45000" rIns="90000" bIns="45000">
             <a:noAutofit/>
           </a:bodyPr>
+          <a:lstStyle/>
           <a:p>
             <a:pPr marL="384120" indent="-383400">
               <a:lnSpc>
@@ -8568,21 +10359,21 @@
                 <a:spcPts val="201"/>
               </a:spcAft>
               <a:buClr>
-                <a:srgbClr val="191b0e"/>
+                <a:srgbClr val="191B0E"/>
               </a:buClr>
               <a:buFont typeface="Franklin Gothic Book"/>
               <a:buChar char="■"/>
             </a:pPr>
             <a:r>
-              <a:rPr b="0" lang="de-DE" sz="2000" spc="-1" strike="noStrike">
+              <a:rPr lang="de-DE" sz="2000" b="0" strike="noStrike" spc="-1" dirty="0">
                 <a:solidFill>
-                  <a:srgbClr val="191b0e"/>
+                  <a:srgbClr val="191B0E"/>
                 </a:solidFill>
                 <a:latin typeface="Franklin Gothic Book"/>
               </a:rPr>
               <a:t>Soll mit allen Browsern kompatibel sein</a:t>
             </a:r>
-            <a:endParaRPr b="0" lang="en-US" sz="2000" spc="-1" strike="noStrike">
+            <a:endParaRPr lang="en-US" sz="2000" b="0" strike="noStrike" spc="-1" dirty="0">
               <a:latin typeface="Arial"/>
             </a:endParaRPr>
           </a:p>
@@ -8598,30 +10389,21 @@
                 <a:spcPts val="201"/>
               </a:spcAft>
               <a:buClr>
-                <a:srgbClr val="191b0e"/>
+                <a:srgbClr val="191B0E"/>
               </a:buClr>
               <a:buFont typeface="Franklin Gothic Book"/>
               <a:buChar char="■"/>
             </a:pPr>
             <a:r>
-              <a:rPr b="0" lang="de-DE" sz="2000" spc="-1" strike="noStrike">
+              <a:rPr lang="de-DE" sz="2000" b="0" strike="noStrike" spc="-1" dirty="0">
                 <a:solidFill>
-                  <a:srgbClr val="191b0e"/>
+                  <a:srgbClr val="191B0E"/>
                 </a:solidFill>
                 <a:latin typeface="Franklin Gothic Book"/>
               </a:rPr>
-              <a:t>→ </a:t>
+              <a:t>→ Speichern in Cookies</a:t>
             </a:r>
-            <a:r>
-              <a:rPr b="0" lang="de-DE" sz="2000" spc="-1" strike="noStrike">
-                <a:solidFill>
-                  <a:srgbClr val="191b0e"/>
-                </a:solidFill>
-                <a:latin typeface="Franklin Gothic Book"/>
-              </a:rPr>
-              <a:t>Speichern in Cookies</a:t>
-            </a:r>
-            <a:endParaRPr b="0" lang="en-US" sz="2000" spc="-1" strike="noStrike">
+            <a:endParaRPr lang="en-US" sz="2000" b="0" strike="noStrike" spc="-1" dirty="0">
               <a:latin typeface="Arial"/>
             </a:endParaRPr>
           </a:p>
@@ -8637,12 +10419,12 @@
                 <a:spcPts val="201"/>
               </a:spcAft>
               <a:buClr>
-                <a:srgbClr val="191b0e"/>
+                <a:srgbClr val="191B0E"/>
               </a:buClr>
               <a:buFont typeface="Franklin Gothic Book"/>
               <a:buChar char="■"/>
             </a:pPr>
-            <a:endParaRPr b="0" lang="en-US" sz="2000" spc="-1" strike="noStrike">
+            <a:endParaRPr lang="en-US" sz="2000" b="0" strike="noStrike" spc="-1" dirty="0">
               <a:latin typeface="Arial"/>
             </a:endParaRPr>
           </a:p>
@@ -8650,19 +10432,14 @@
       </p:sp>
     </p:spTree>
   </p:cSld>
-  <mc:AlternateContent>
-    <mc:Choice Requires="p14">
-      <p:transition spd="slow" p14:dur="2000"/>
-    </mc:Choice>
-    <mc:Fallback>
-      <p:transition spd="slow"/>
-    </mc:Fallback>
-  </mc:AlternateContent>
+  <p:clrMapOvr>
+    <a:masterClrMapping/>
+  </p:clrMapOvr>
 </p:sld>
 </file>
 
 <file path=ppt/slides/slide2.xml><?xml version="1.0" encoding="utf-8"?>
-<p:sld xmlns:a="http://schemas.openxmlformats.org/drawingml/2006/main" xmlns:p="http://schemas.openxmlformats.org/presentationml/2006/main" xmlns:r="http://schemas.openxmlformats.org/officeDocument/2006/relationships" xmlns:p14="http://schemas.microsoft.com/office/powerpoint/2010/main" xmlns:p15="http://schemas.microsoft.com/office/powerpoint/2012/main" xmlns:mc="http://schemas.openxmlformats.org/markup-compatibility/2006">
+<p:sld xmlns:a="http://schemas.openxmlformats.org/drawingml/2006/main" xmlns:r="http://schemas.openxmlformats.org/officeDocument/2006/relationships" xmlns:p="http://schemas.openxmlformats.org/presentationml/2006/main">
   <p:cSld>
     <p:spTree>
       <p:nvGrpSpPr>
@@ -8698,15 +10475,22 @@
           </a:ln>
         </p:spPr>
         <p:style>
-          <a:lnRef idx="0"/>
-          <a:fillRef idx="0"/>
-          <a:effectRef idx="0"/>
+          <a:lnRef idx="0">
+            <a:scrgbClr r="0" g="0" b="0"/>
+          </a:lnRef>
+          <a:fillRef idx="0">
+            <a:scrgbClr r="0" g="0" b="0"/>
+          </a:fillRef>
+          <a:effectRef idx="0">
+            <a:scrgbClr r="0" g="0" b="0"/>
+          </a:effectRef>
           <a:fontRef idx="minor"/>
         </p:style>
         <p:txBody>
-          <a:bodyPr lIns="90000" rIns="90000" tIns="45000" bIns="45000">
+          <a:bodyPr lIns="90000" tIns="45000" rIns="90000" bIns="45000">
             <a:noAutofit/>
           </a:bodyPr>
+          <a:lstStyle/>
           <a:p>
             <a:pPr>
               <a:lnSpc>
@@ -8714,15 +10498,15 @@
               </a:lnSpc>
             </a:pPr>
             <a:r>
-              <a:rPr b="0" lang="de-DE" sz="4400" spc="-1" strike="noStrike">
+              <a:rPr lang="de-DE" sz="4400" b="0" strike="noStrike" spc="-1">
                 <a:solidFill>
-                  <a:srgbClr val="191b0e"/>
+                  <a:srgbClr val="191B0E"/>
                 </a:solidFill>
                 <a:latin typeface="Franklin Gothic Book"/>
               </a:rPr>
               <a:t>Gliederung</a:t>
             </a:r>
-            <a:endParaRPr b="0" lang="en-US" sz="4400" spc="-1" strike="noStrike">
+            <a:endParaRPr lang="en-US" sz="4400" b="0" strike="noStrike" spc="-1">
               <a:latin typeface="Arial"/>
             </a:endParaRPr>
           </a:p>
@@ -8748,15 +10532,22 @@
           </a:ln>
         </p:spPr>
         <p:style>
-          <a:lnRef idx="0"/>
-          <a:fillRef idx="0"/>
-          <a:effectRef idx="0"/>
+          <a:lnRef idx="0">
+            <a:scrgbClr r="0" g="0" b="0"/>
+          </a:lnRef>
+          <a:fillRef idx="0">
+            <a:scrgbClr r="0" g="0" b="0"/>
+          </a:fillRef>
+          <a:effectRef idx="0">
+            <a:scrgbClr r="0" g="0" b="0"/>
+          </a:effectRef>
           <a:fontRef idx="minor"/>
         </p:style>
         <p:txBody>
-          <a:bodyPr lIns="90000" rIns="90000" tIns="45000" bIns="45000">
+          <a:bodyPr lIns="90000" tIns="45000" rIns="90000" bIns="45000">
             <a:noAutofit/>
           </a:bodyPr>
+          <a:lstStyle/>
           <a:p>
             <a:pPr marL="384120" indent="-383400">
               <a:lnSpc>
@@ -8769,21 +10560,21 @@
                 <a:spcPts val="201"/>
               </a:spcAft>
               <a:buClr>
-                <a:srgbClr val="191b0e"/>
+                <a:srgbClr val="191B0E"/>
               </a:buClr>
               <a:buFont typeface="Franklin Gothic Book"/>
               <a:buChar char="■"/>
             </a:pPr>
             <a:r>
-              <a:rPr b="0" lang="de-DE" sz="2000" spc="-1" strike="noStrike">
+              <a:rPr lang="de-DE" sz="2000" b="0" strike="noStrike" spc="-1">
                 <a:solidFill>
-                  <a:srgbClr val="191b0e"/>
+                  <a:srgbClr val="191B0E"/>
                 </a:solidFill>
                 <a:latin typeface="Franklin Gothic Book"/>
               </a:rPr>
               <a:t>Idee</a:t>
             </a:r>
-            <a:endParaRPr b="0" lang="en-US" sz="2000" spc="-1" strike="noStrike">
+            <a:endParaRPr lang="en-US" sz="2000" b="0" strike="noStrike" spc="-1">
               <a:latin typeface="Arial"/>
             </a:endParaRPr>
           </a:p>
@@ -8799,21 +10590,21 @@
                 <a:spcPts val="201"/>
               </a:spcAft>
               <a:buClr>
-                <a:srgbClr val="191b0e"/>
+                <a:srgbClr val="191B0E"/>
               </a:buClr>
               <a:buFont typeface="Franklin Gothic Book"/>
               <a:buChar char="■"/>
             </a:pPr>
             <a:r>
-              <a:rPr b="0" lang="de-DE" sz="2000" spc="-1" strike="noStrike">
+              <a:rPr lang="de-DE" sz="2000" b="0" strike="noStrike" spc="-1">
                 <a:solidFill>
-                  <a:srgbClr val="191b0e"/>
+                  <a:srgbClr val="191B0E"/>
                 </a:solidFill>
                 <a:latin typeface="Franklin Gothic Book"/>
               </a:rPr>
               <a:t>Anforderungen</a:t>
             </a:r>
-            <a:endParaRPr b="0" lang="en-US" sz="2000" spc="-1" strike="noStrike">
+            <a:endParaRPr lang="en-US" sz="2000" b="0" strike="noStrike" spc="-1">
               <a:latin typeface="Arial"/>
             </a:endParaRPr>
           </a:p>
@@ -8829,21 +10620,21 @@
                 <a:spcPts val="201"/>
               </a:spcAft>
               <a:buClr>
-                <a:srgbClr val="191b0e"/>
+                <a:srgbClr val="191B0E"/>
               </a:buClr>
               <a:buFont typeface="Franklin Gothic Book"/>
               <a:buChar char="■"/>
             </a:pPr>
             <a:r>
-              <a:rPr b="0" lang="de-DE" sz="2000" spc="-1" strike="noStrike">
+              <a:rPr lang="de-DE" sz="2000" b="0" strike="noStrike" spc="-1">
                 <a:solidFill>
-                  <a:srgbClr val="191b0e"/>
+                  <a:srgbClr val="191B0E"/>
                 </a:solidFill>
                 <a:latin typeface="Franklin Gothic Book"/>
               </a:rPr>
               <a:t>Aufbau</a:t>
             </a:r>
-            <a:endParaRPr b="0" lang="en-US" sz="2000" spc="-1" strike="noStrike">
+            <a:endParaRPr lang="en-US" sz="2000" b="0" strike="noStrike" spc="-1">
               <a:latin typeface="Arial"/>
             </a:endParaRPr>
           </a:p>
@@ -8859,21 +10650,21 @@
                 <a:spcPts val="201"/>
               </a:spcAft>
               <a:buClr>
-                <a:srgbClr val="191b0e"/>
+                <a:srgbClr val="191B0E"/>
               </a:buClr>
               <a:buFont typeface="Franklin Gothic Book"/>
               <a:buChar char="■"/>
             </a:pPr>
             <a:r>
-              <a:rPr b="0" lang="de-DE" sz="2000" spc="-1" strike="noStrike">
+              <a:rPr lang="de-DE" sz="2000" b="0" strike="noStrike" spc="-1">
                 <a:solidFill>
-                  <a:srgbClr val="191b0e"/>
+                  <a:srgbClr val="191B0E"/>
                 </a:solidFill>
                 <a:latin typeface="Franklin Gothic Book"/>
               </a:rPr>
               <a:t>Verwendete Technologien</a:t>
             </a:r>
-            <a:endParaRPr b="0" lang="en-US" sz="2000" spc="-1" strike="noStrike">
+            <a:endParaRPr lang="en-US" sz="2000" b="0" strike="noStrike" spc="-1">
               <a:latin typeface="Arial"/>
             </a:endParaRPr>
           </a:p>
@@ -8889,21 +10680,21 @@
                 <a:spcPts val="201"/>
               </a:spcAft>
               <a:buClr>
-                <a:srgbClr val="191b0e"/>
+                <a:srgbClr val="191B0E"/>
               </a:buClr>
               <a:buFont typeface="Franklin Gothic Book"/>
               <a:buChar char="■"/>
             </a:pPr>
             <a:r>
-              <a:rPr b="0" lang="de-DE" sz="2000" spc="-1" strike="noStrike">
+              <a:rPr lang="de-DE" sz="2000" b="0" strike="noStrike" spc="-1">
                 <a:solidFill>
-                  <a:srgbClr val="191b0e"/>
+                  <a:srgbClr val="191B0E"/>
                 </a:solidFill>
                 <a:latin typeface="Franklin Gothic Book"/>
               </a:rPr>
               <a:t>Webseite</a:t>
             </a:r>
-            <a:endParaRPr b="0" lang="en-US" sz="2000" spc="-1" strike="noStrike">
+            <a:endParaRPr lang="en-US" sz="2000" b="0" strike="noStrike" spc="-1">
               <a:latin typeface="Arial"/>
             </a:endParaRPr>
           </a:p>
@@ -8911,19 +10702,14 @@
       </p:sp>
     </p:spTree>
   </p:cSld>
-  <mc:AlternateContent>
-    <mc:Choice Requires="p14">
-      <p:transition spd="slow" p14:dur="2000"/>
-    </mc:Choice>
-    <mc:Fallback>
-      <p:transition spd="slow"/>
-    </mc:Fallback>
-  </mc:AlternateContent>
+  <p:clrMapOvr>
+    <a:masterClrMapping/>
+  </p:clrMapOvr>
 </p:sld>
 </file>
 
 <file path=ppt/slides/slide3.xml><?xml version="1.0" encoding="utf-8"?>
-<p:sld xmlns:a="http://schemas.openxmlformats.org/drawingml/2006/main" xmlns:p="http://schemas.openxmlformats.org/presentationml/2006/main" xmlns:r="http://schemas.openxmlformats.org/officeDocument/2006/relationships" xmlns:p14="http://schemas.microsoft.com/office/powerpoint/2010/main" xmlns:p15="http://schemas.microsoft.com/office/powerpoint/2012/main" xmlns:mc="http://schemas.openxmlformats.org/markup-compatibility/2006">
+<p:sld xmlns:a="http://schemas.openxmlformats.org/drawingml/2006/main" xmlns:r="http://schemas.openxmlformats.org/officeDocument/2006/relationships" xmlns:p="http://schemas.openxmlformats.org/presentationml/2006/main">
   <p:cSld>
     <p:spTree>
       <p:nvGrpSpPr>
@@ -8959,15 +10745,22 @@
           </a:ln>
         </p:spPr>
         <p:style>
-          <a:lnRef idx="0"/>
-          <a:fillRef idx="0"/>
-          <a:effectRef idx="0"/>
+          <a:lnRef idx="0">
+            <a:scrgbClr r="0" g="0" b="0"/>
+          </a:lnRef>
+          <a:fillRef idx="0">
+            <a:scrgbClr r="0" g="0" b="0"/>
+          </a:fillRef>
+          <a:effectRef idx="0">
+            <a:scrgbClr r="0" g="0" b="0"/>
+          </a:effectRef>
           <a:fontRef idx="minor"/>
         </p:style>
         <p:txBody>
-          <a:bodyPr lIns="90000" rIns="90000" tIns="45000" bIns="45000">
+          <a:bodyPr lIns="90000" tIns="45000" rIns="90000" bIns="45000">
             <a:noAutofit/>
           </a:bodyPr>
+          <a:lstStyle/>
           <a:p>
             <a:pPr>
               <a:lnSpc>
@@ -8975,15 +10768,15 @@
               </a:lnSpc>
             </a:pPr>
             <a:r>
-              <a:rPr b="0" lang="de-DE" sz="4400" spc="-1" strike="noStrike">
+              <a:rPr lang="de-DE" sz="4400" b="0" strike="noStrike" spc="-1">
                 <a:solidFill>
-                  <a:srgbClr val="191b0e"/>
+                  <a:srgbClr val="191B0E"/>
                 </a:solidFill>
                 <a:latin typeface="Franklin Gothic Book"/>
               </a:rPr>
               <a:t>Idee</a:t>
             </a:r>
-            <a:endParaRPr b="0" lang="en-US" sz="4400" spc="-1" strike="noStrike">
+            <a:endParaRPr lang="en-US" sz="4400" b="0" strike="noStrike" spc="-1">
               <a:latin typeface="Arial"/>
             </a:endParaRPr>
           </a:p>
@@ -9009,15 +10802,22 @@
           </a:ln>
         </p:spPr>
         <p:style>
-          <a:lnRef idx="0"/>
-          <a:fillRef idx="0"/>
-          <a:effectRef idx="0"/>
+          <a:lnRef idx="0">
+            <a:scrgbClr r="0" g="0" b="0"/>
+          </a:lnRef>
+          <a:fillRef idx="0">
+            <a:scrgbClr r="0" g="0" b="0"/>
+          </a:fillRef>
+          <a:effectRef idx="0">
+            <a:scrgbClr r="0" g="0" b="0"/>
+          </a:effectRef>
           <a:fontRef idx="minor"/>
         </p:style>
         <p:txBody>
-          <a:bodyPr lIns="90000" rIns="90000" tIns="45000" bIns="45000">
+          <a:bodyPr lIns="90000" tIns="45000" rIns="90000" bIns="45000">
             <a:noAutofit/>
           </a:bodyPr>
+          <a:lstStyle/>
           <a:p>
             <a:pPr marL="384120" indent="-383400">
               <a:lnSpc>
@@ -9030,21 +10830,21 @@
                 <a:spcPts val="201"/>
               </a:spcAft>
               <a:buClr>
-                <a:srgbClr val="191b0e"/>
+                <a:srgbClr val="191B0E"/>
               </a:buClr>
               <a:buFont typeface="Franklin Gothic Book"/>
               <a:buChar char="■"/>
             </a:pPr>
             <a:r>
-              <a:rPr b="0" lang="en-US" sz="2000" spc="-1" strike="noStrike">
+              <a:rPr lang="en-US" sz="2000" b="0" strike="noStrike" spc="-1">
                 <a:solidFill>
-                  <a:srgbClr val="191b0e"/>
+                  <a:srgbClr val="191B0E"/>
                 </a:solidFill>
                 <a:latin typeface="Franklin Gothic Book"/>
               </a:rPr>
               <a:t>Eine interaktive Seite, in welche man einen Text eingibt, und diese die Anzahl der Worte und Buchstaben ausgibt.</a:t>
             </a:r>
-            <a:endParaRPr b="0" lang="en-US" sz="2000" spc="-1" strike="noStrike">
+            <a:endParaRPr lang="en-US" sz="2000" b="0" strike="noStrike" spc="-1">
               <a:latin typeface="Arial"/>
             </a:endParaRPr>
           </a:p>
@@ -9060,21 +10860,21 @@
                 <a:spcPts val="201"/>
               </a:spcAft>
               <a:buClr>
-                <a:srgbClr val="191b0e"/>
+                <a:srgbClr val="191B0E"/>
               </a:buClr>
               <a:buFont typeface="Franklin Gothic Book"/>
               <a:buChar char="■"/>
             </a:pPr>
             <a:r>
-              <a:rPr b="0" lang="en-US" sz="2000" spc="-1" strike="noStrike">
+              <a:rPr lang="en-US" sz="2000" b="0" strike="noStrike" spc="-1">
                 <a:solidFill>
-                  <a:srgbClr val="191b0e"/>
+                  <a:srgbClr val="191B0E"/>
                 </a:solidFill>
                 <a:latin typeface="Franklin Gothic Book"/>
               </a:rPr>
               <a:t>Login und Registrierung für zukünftige Erweiterung (Text speichern, …)</a:t>
             </a:r>
-            <a:endParaRPr b="0" lang="en-US" sz="2000" spc="-1" strike="noStrike">
+            <a:endParaRPr lang="en-US" sz="2000" b="0" strike="noStrike" spc="-1">
               <a:latin typeface="Arial"/>
             </a:endParaRPr>
           </a:p>
@@ -9090,21 +10890,21 @@
                 <a:spcPts val="201"/>
               </a:spcAft>
               <a:buClr>
-                <a:srgbClr val="191b0e"/>
+                <a:srgbClr val="191B0E"/>
               </a:buClr>
               <a:buFont typeface="Franklin Gothic Book"/>
               <a:buChar char="■"/>
             </a:pPr>
             <a:r>
-              <a:rPr b="0" lang="en-US" sz="2000" spc="-1" strike="noStrike">
+              <a:rPr lang="en-US" sz="2000" b="0" strike="noStrike" spc="-1">
                 <a:solidFill>
-                  <a:srgbClr val="191b0e"/>
+                  <a:srgbClr val="191B0E"/>
                 </a:solidFill>
                 <a:latin typeface="Franklin Gothic Book"/>
               </a:rPr>
               <a:t>Dark mode, für eine Möglichkeit das Interface nach user Wunsch anzupassen</a:t>
             </a:r>
-            <a:endParaRPr b="0" lang="en-US" sz="2000" spc="-1" strike="noStrike">
+            <a:endParaRPr lang="en-US" sz="2000" b="0" strike="noStrike" spc="-1">
               <a:latin typeface="Arial"/>
             </a:endParaRPr>
           </a:p>
@@ -9112,19 +10912,14 @@
       </p:sp>
     </p:spTree>
   </p:cSld>
-  <mc:AlternateContent>
-    <mc:Choice Requires="p14">
-      <p:transition spd="slow" p14:dur="2000"/>
-    </mc:Choice>
-    <mc:Fallback>
-      <p:transition spd="slow"/>
-    </mc:Fallback>
-  </mc:AlternateContent>
+  <p:clrMapOvr>
+    <a:masterClrMapping/>
+  </p:clrMapOvr>
 </p:sld>
 </file>
 
 <file path=ppt/slides/slide4.xml><?xml version="1.0" encoding="utf-8"?>
-<p:sld xmlns:a="http://schemas.openxmlformats.org/drawingml/2006/main" xmlns:p="http://schemas.openxmlformats.org/presentationml/2006/main" xmlns:r="http://schemas.openxmlformats.org/officeDocument/2006/relationships" xmlns:p14="http://schemas.microsoft.com/office/powerpoint/2010/main" xmlns:p15="http://schemas.microsoft.com/office/powerpoint/2012/main" xmlns:mc="http://schemas.openxmlformats.org/markup-compatibility/2006">
+<p:sld xmlns:a="http://schemas.openxmlformats.org/drawingml/2006/main" xmlns:r="http://schemas.openxmlformats.org/officeDocument/2006/relationships" xmlns:p="http://schemas.openxmlformats.org/presentationml/2006/main">
   <p:cSld>
     <p:spTree>
       <p:nvGrpSpPr>
@@ -9160,15 +10955,22 @@
           </a:ln>
         </p:spPr>
         <p:style>
-          <a:lnRef idx="0"/>
-          <a:fillRef idx="0"/>
-          <a:effectRef idx="0"/>
+          <a:lnRef idx="0">
+            <a:scrgbClr r="0" g="0" b="0"/>
+          </a:lnRef>
+          <a:fillRef idx="0">
+            <a:scrgbClr r="0" g="0" b="0"/>
+          </a:fillRef>
+          <a:effectRef idx="0">
+            <a:scrgbClr r="0" g="0" b="0"/>
+          </a:effectRef>
           <a:fontRef idx="minor"/>
         </p:style>
         <p:txBody>
-          <a:bodyPr lIns="90000" rIns="90000" tIns="45000" bIns="45000">
+          <a:bodyPr lIns="90000" tIns="45000" rIns="90000" bIns="45000">
             <a:noAutofit/>
           </a:bodyPr>
+          <a:lstStyle/>
           <a:p>
             <a:pPr>
               <a:lnSpc>
@@ -9176,15 +10978,15 @@
               </a:lnSpc>
             </a:pPr>
             <a:r>
-              <a:rPr b="0" lang="de-DE" sz="4400" spc="-1" strike="noStrike">
+              <a:rPr lang="de-DE" sz="4400" b="0" strike="noStrike" spc="-1">
                 <a:solidFill>
-                  <a:srgbClr val="191b0e"/>
+                  <a:srgbClr val="191B0E"/>
                 </a:solidFill>
                 <a:latin typeface="Franklin Gothic Book"/>
               </a:rPr>
               <a:t>Anforderungen</a:t>
             </a:r>
-            <a:endParaRPr b="0" lang="en-US" sz="4400" spc="-1" strike="noStrike">
+            <a:endParaRPr lang="en-US" sz="4400" b="0" strike="noStrike" spc="-1">
               <a:latin typeface="Arial"/>
             </a:endParaRPr>
           </a:p>
@@ -9210,15 +11012,22 @@
           </a:ln>
         </p:spPr>
         <p:style>
-          <a:lnRef idx="0"/>
-          <a:fillRef idx="0"/>
-          <a:effectRef idx="0"/>
+          <a:lnRef idx="0">
+            <a:scrgbClr r="0" g="0" b="0"/>
+          </a:lnRef>
+          <a:fillRef idx="0">
+            <a:scrgbClr r="0" g="0" b="0"/>
+          </a:fillRef>
+          <a:effectRef idx="0">
+            <a:scrgbClr r="0" g="0" b="0"/>
+          </a:effectRef>
           <a:fontRef idx="minor"/>
         </p:style>
         <p:txBody>
-          <a:bodyPr lIns="90000" rIns="90000" tIns="45000" bIns="45000">
+          <a:bodyPr lIns="90000" tIns="45000" rIns="90000" bIns="45000">
             <a:noAutofit/>
           </a:bodyPr>
+          <a:lstStyle/>
           <a:p>
             <a:pPr marL="384120" indent="-383400">
               <a:lnSpc>
@@ -9231,21 +11040,21 @@
                 <a:spcPts val="201"/>
               </a:spcAft>
               <a:buClr>
-                <a:srgbClr val="191b0e"/>
+                <a:srgbClr val="191B0E"/>
               </a:buClr>
               <a:buFont typeface="Franklin Gothic Book"/>
               <a:buChar char="■"/>
             </a:pPr>
             <a:r>
-              <a:rPr b="0" lang="de-DE" sz="2000" spc="-1" strike="noStrike">
+              <a:rPr lang="de-DE" sz="2000" b="0" strike="noStrike" spc="-1">
                 <a:solidFill>
-                  <a:srgbClr val="191b0e"/>
+                  <a:srgbClr val="191B0E"/>
                 </a:solidFill>
                 <a:latin typeface="Franklin Gothic Book"/>
               </a:rPr>
               <a:t>Nutzer sollen sich registrieren und anmelden können</a:t>
             </a:r>
-            <a:endParaRPr b="0" lang="en-US" sz="2000" spc="-1" strike="noStrike">
+            <a:endParaRPr lang="en-US" sz="2000" b="0" strike="noStrike" spc="-1">
               <a:latin typeface="Arial"/>
             </a:endParaRPr>
           </a:p>
@@ -9261,21 +11070,21 @@
                 <a:spcPts val="201"/>
               </a:spcAft>
               <a:buClr>
-                <a:srgbClr val="191b0e"/>
+                <a:srgbClr val="191B0E"/>
               </a:buClr>
               <a:buFont typeface="Franklin Gothic Book"/>
               <a:buChar char="■"/>
             </a:pPr>
             <a:r>
-              <a:rPr b="0" lang="de-DE" sz="2000" spc="-1" strike="noStrike">
+              <a:rPr lang="de-DE" sz="2000" b="0" strike="noStrike" spc="-1">
                 <a:solidFill>
-                  <a:srgbClr val="191b0e"/>
+                  <a:srgbClr val="191B0E"/>
                 </a:solidFill>
                 <a:latin typeface="Franklin Gothic Book"/>
               </a:rPr>
               <a:t>Darkmode soll einheitlich für alle Webseiten ein-/ausgeschaltet werden können</a:t>
             </a:r>
-            <a:endParaRPr b="0" lang="en-US" sz="2000" spc="-1" strike="noStrike">
+            <a:endParaRPr lang="en-US" sz="2000" b="0" strike="noStrike" spc="-1">
               <a:latin typeface="Arial"/>
             </a:endParaRPr>
           </a:p>
@@ -9291,26 +11100,26 @@
                 <a:spcPts val="201"/>
               </a:spcAft>
               <a:buClr>
-                <a:srgbClr val="191b0e"/>
+                <a:srgbClr val="191B0E"/>
               </a:buClr>
               <a:buFont typeface="Franklin Gothic Book"/>
               <a:buChar char="■"/>
             </a:pPr>
             <a:r>
-              <a:rPr b="0" lang="de-DE" sz="2000" spc="-1" strike="noStrike">
+              <a:rPr lang="de-DE" sz="2000" b="0" strike="noStrike" spc="-1">
                 <a:solidFill>
-                  <a:srgbClr val="191b0e"/>
+                  <a:srgbClr val="191B0E"/>
                 </a:solidFill>
                 <a:latin typeface="Franklin Gothic Book"/>
               </a:rPr>
               <a:t>Funktion „WordCounter“ soll erfüllt werden </a:t>
             </a:r>
-            <a:endParaRPr b="0" lang="en-US" sz="2000" spc="-1" strike="noStrike">
-              <a:latin typeface="Arial"/>
-            </a:endParaRPr>
-          </a:p>
-          <a:p>
-            <a:pPr lvl="1" marL="914400" indent="-383400">
+            <a:endParaRPr lang="en-US" sz="2000" b="0" strike="noStrike" spc="-1">
+              <a:latin typeface="Arial"/>
+            </a:endParaRPr>
+          </a:p>
+          <a:p>
+            <a:pPr marL="914400" lvl="1" indent="-383400">
               <a:lnSpc>
                 <a:spcPct val="94000"/>
               </a:lnSpc>
@@ -9321,26 +11130,26 @@
                 <a:spcPts val="201"/>
               </a:spcAft>
               <a:buClr>
-                <a:srgbClr val="191b0e"/>
+                <a:srgbClr val="191B0E"/>
               </a:buClr>
               <a:buFont typeface="Franklin Gothic Book"/>
               <a:buChar char="–"/>
             </a:pPr>
             <a:r>
-              <a:rPr b="0" i="1" lang="de-DE" sz="2000" spc="-1" strike="noStrike">
+              <a:rPr lang="de-DE" sz="2000" b="0" i="1" strike="noStrike" spc="-1">
                 <a:solidFill>
-                  <a:srgbClr val="191b0e"/>
+                  <a:srgbClr val="191B0E"/>
                 </a:solidFill>
                 <a:latin typeface="Franklin Gothic Book"/>
               </a:rPr>
               <a:t>Zeichen werden gezählt und ausgegeben</a:t>
             </a:r>
-            <a:endParaRPr b="0" lang="en-US" sz="2000" spc="-1" strike="noStrike">
-              <a:latin typeface="Arial"/>
-            </a:endParaRPr>
-          </a:p>
-          <a:p>
-            <a:pPr lvl="1" marL="914400" indent="-383400">
+            <a:endParaRPr lang="en-US" sz="2000" b="0" strike="noStrike" spc="-1">
+              <a:latin typeface="Arial"/>
+            </a:endParaRPr>
+          </a:p>
+          <a:p>
+            <a:pPr marL="914400" lvl="1" indent="-383400">
               <a:lnSpc>
                 <a:spcPct val="94000"/>
               </a:lnSpc>
@@ -9351,21 +11160,21 @@
                 <a:spcPts val="201"/>
               </a:spcAft>
               <a:buClr>
-                <a:srgbClr val="191b0e"/>
+                <a:srgbClr val="191B0E"/>
               </a:buClr>
               <a:buFont typeface="Franklin Gothic Book"/>
               <a:buChar char="–"/>
             </a:pPr>
             <a:r>
-              <a:rPr b="0" i="1" lang="de-DE" sz="2000" spc="-1" strike="noStrike">
+              <a:rPr lang="de-DE" sz="2000" b="0" i="1" strike="noStrike" spc="-1">
                 <a:solidFill>
-                  <a:srgbClr val="191b0e"/>
+                  <a:srgbClr val="191B0E"/>
                 </a:solidFill>
                 <a:latin typeface="Franklin Gothic Book"/>
               </a:rPr>
               <a:t>Wörter werden gezählt und ausgegeben</a:t>
             </a:r>
-            <a:endParaRPr b="0" lang="en-US" sz="2000" spc="-1" strike="noStrike">
+            <a:endParaRPr lang="en-US" sz="2000" b="0" strike="noStrike" spc="-1">
               <a:latin typeface="Arial"/>
             </a:endParaRPr>
           </a:p>
@@ -9373,19 +11182,14 @@
       </p:sp>
     </p:spTree>
   </p:cSld>
-  <mc:AlternateContent>
-    <mc:Choice Requires="p14">
-      <p:transition spd="slow" p14:dur="2000"/>
-    </mc:Choice>
-    <mc:Fallback>
-      <p:transition spd="slow"/>
-    </mc:Fallback>
-  </mc:AlternateContent>
+  <p:clrMapOvr>
+    <a:masterClrMapping/>
+  </p:clrMapOvr>
 </p:sld>
 </file>
 
 <file path=ppt/slides/slide5.xml><?xml version="1.0" encoding="utf-8"?>
-<p:sld xmlns:a="http://schemas.openxmlformats.org/drawingml/2006/main" xmlns:p="http://schemas.openxmlformats.org/presentationml/2006/main" xmlns:r="http://schemas.openxmlformats.org/officeDocument/2006/relationships" xmlns:p14="http://schemas.microsoft.com/office/powerpoint/2010/main" xmlns:p15="http://schemas.microsoft.com/office/powerpoint/2012/main" xmlns:mc="http://schemas.openxmlformats.org/markup-compatibility/2006">
+<p:sld xmlns:a="http://schemas.openxmlformats.org/drawingml/2006/main" xmlns:r="http://schemas.openxmlformats.org/officeDocument/2006/relationships" xmlns:p="http://schemas.openxmlformats.org/presentationml/2006/main">
   <p:cSld>
     <p:spTree>
       <p:nvGrpSpPr>
@@ -9421,15 +11225,22 @@
           </a:ln>
         </p:spPr>
         <p:style>
-          <a:lnRef idx="0"/>
-          <a:fillRef idx="0"/>
-          <a:effectRef idx="0"/>
+          <a:lnRef idx="0">
+            <a:scrgbClr r="0" g="0" b="0"/>
+          </a:lnRef>
+          <a:fillRef idx="0">
+            <a:scrgbClr r="0" g="0" b="0"/>
+          </a:fillRef>
+          <a:effectRef idx="0">
+            <a:scrgbClr r="0" g="0" b="0"/>
+          </a:effectRef>
           <a:fontRef idx="minor"/>
         </p:style>
         <p:txBody>
-          <a:bodyPr lIns="90000" rIns="90000" tIns="45000" bIns="45000">
+          <a:bodyPr lIns="90000" tIns="45000" rIns="90000" bIns="45000">
             <a:noAutofit/>
           </a:bodyPr>
+          <a:lstStyle/>
           <a:p>
             <a:pPr>
               <a:lnSpc>
@@ -9437,15 +11248,15 @@
               </a:lnSpc>
             </a:pPr>
             <a:r>
-              <a:rPr b="0" lang="de-DE" sz="4400" spc="-1" strike="noStrike">
+              <a:rPr lang="de-DE" sz="4400" b="0" strike="noStrike" spc="-1">
                 <a:solidFill>
-                  <a:srgbClr val="191b0e"/>
+                  <a:srgbClr val="191B0E"/>
                 </a:solidFill>
                 <a:latin typeface="Franklin Gothic Book"/>
               </a:rPr>
               <a:t>Aufbau</a:t>
             </a:r>
-            <a:endParaRPr b="0" lang="en-US" sz="4400" spc="-1" strike="noStrike">
+            <a:endParaRPr lang="en-US" sz="4400" b="0" strike="noStrike" spc="-1">
               <a:latin typeface="Arial"/>
             </a:endParaRPr>
           </a:p>
@@ -9453,30 +11264,7 @@
       </p:sp>
       <p:pic>
         <p:nvPicPr>
-          <p:cNvPr id="205" name="Inhaltsplatzhalter 4" descr=""/>
-          <p:cNvPicPr/>
-          <p:nvPr/>
-        </p:nvPicPr>
-        <p:blipFill>
-          <a:blip r:embed="rId1"/>
-          <a:stretch/>
-        </p:blipFill>
-        <p:spPr>
-          <a:xfrm>
-            <a:off x="1335960" y="2171880"/>
-            <a:ext cx="4759200" cy="4216320"/>
-          </a:xfrm>
-          <a:prstGeom prst="rect">
-            <a:avLst/>
-          </a:prstGeom>
-          <a:ln>
-            <a:noFill/>
-          </a:ln>
-        </p:spPr>
-      </p:pic>
-      <p:pic>
-        <p:nvPicPr>
-          <p:cNvPr id="206" name="Grafik 6" descr=""/>
+          <p:cNvPr id="205" name="Inhaltsplatzhalter 4"/>
           <p:cNvPicPr/>
           <p:nvPr/>
         </p:nvPicPr>
@@ -9486,8 +11274,8 @@
         </p:blipFill>
         <p:spPr>
           <a:xfrm>
-            <a:off x="1335960" y="2172960"/>
-            <a:ext cx="7705080" cy="4214880"/>
+            <a:off x="1335960" y="2171880"/>
+            <a:ext cx="4759200" cy="4216320"/>
           </a:xfrm>
           <a:prstGeom prst="rect">
             <a:avLst/>
@@ -9497,16 +11285,34 @@
           </a:ln>
         </p:spPr>
       </p:pic>
+      <p:pic>
+        <p:nvPicPr>
+          <p:cNvPr id="206" name="Grafik 6"/>
+          <p:cNvPicPr/>
+          <p:nvPr/>
+        </p:nvPicPr>
+        <p:blipFill>
+          <a:blip r:embed="rId3"/>
+          <a:stretch/>
+        </p:blipFill>
+        <p:spPr>
+          <a:xfrm>
+            <a:off x="1335960" y="2172960"/>
+            <a:ext cx="7705080" cy="4214880"/>
+          </a:xfrm>
+          <a:prstGeom prst="rect">
+            <a:avLst/>
+          </a:prstGeom>
+          <a:ln>
+            <a:noFill/>
+          </a:ln>
+        </p:spPr>
+      </p:pic>
     </p:spTree>
   </p:cSld>
-  <mc:AlternateContent>
-    <mc:Choice Requires="p14">
-      <p:transition spd="slow" p14:dur="2000"/>
-    </mc:Choice>
-    <mc:Fallback>
-      <p:transition spd="slow"/>
-    </mc:Fallback>
-  </mc:AlternateContent>
+  <p:clrMapOvr>
+    <a:masterClrMapping/>
+  </p:clrMapOvr>
   <p:timing>
     <p:tnLst>
       <p:par>
@@ -9528,7 +11334,7 @@
                             </p:stCondLst>
                             <p:childTnLst>
                               <p:par>
-                                <p:cTn id="5" nodeType="clickEffect" fill="hold" presetClass="entr" presetID="9">
+                                <p:cTn id="5" presetID="9" presetClass="entr" fill="hold" nodeType="clickEffect">
                                   <p:stCondLst>
                                     <p:cond delay="0"/>
                                   </p:stCondLst>
@@ -9551,7 +11357,7 @@
                                         <p:strVal val="visible"/>
                                       </p:to>
                                     </p:set>
-                                    <p:animEffect filter="dissolve" transition="in">
+                                    <p:animEffect transition="in" filter="dissolve">
                                       <p:cBhvr additive="repl">
                                         <p:cTn id="7" dur="500"/>
                                         <p:tgtEl>
@@ -9571,14 +11377,14 @@
                 </p:childTnLst>
               </p:cTn>
               <p:prevCondLst>
-                <p:cond evt="onPrev">
+                <p:cond evt="onPrev" delay="0">
                   <p:tgtEl>
                     <p:sldTgt/>
                   </p:tgtEl>
                 </p:cond>
               </p:prevCondLst>
               <p:nextCondLst>
-                <p:cond evt="onNext">
+                <p:cond evt="onNext" delay="0">
                   <p:tgtEl>
                     <p:sldTgt/>
                   </p:tgtEl>
@@ -9594,7 +11400,7 @@
 </file>
 
 <file path=ppt/slides/slide6.xml><?xml version="1.0" encoding="utf-8"?>
-<p:sld xmlns:a="http://schemas.openxmlformats.org/drawingml/2006/main" xmlns:p="http://schemas.openxmlformats.org/presentationml/2006/main" xmlns:r="http://schemas.openxmlformats.org/officeDocument/2006/relationships" xmlns:p14="http://schemas.microsoft.com/office/powerpoint/2010/main" xmlns:p15="http://schemas.microsoft.com/office/powerpoint/2012/main" xmlns:mc="http://schemas.openxmlformats.org/markup-compatibility/2006">
+<p:sld xmlns:a="http://schemas.openxmlformats.org/drawingml/2006/main" xmlns:r="http://schemas.openxmlformats.org/officeDocument/2006/relationships" xmlns:p="http://schemas.openxmlformats.org/presentationml/2006/main">
   <p:cSld>
     <p:spTree>
       <p:nvGrpSpPr>
@@ -9630,15 +11436,22 @@
           </a:ln>
         </p:spPr>
         <p:style>
-          <a:lnRef idx="0"/>
-          <a:fillRef idx="0"/>
-          <a:effectRef idx="0"/>
+          <a:lnRef idx="0">
+            <a:scrgbClr r="0" g="0" b="0"/>
+          </a:lnRef>
+          <a:fillRef idx="0">
+            <a:scrgbClr r="0" g="0" b="0"/>
+          </a:fillRef>
+          <a:effectRef idx="0">
+            <a:scrgbClr r="0" g="0" b="0"/>
+          </a:effectRef>
           <a:fontRef idx="minor"/>
         </p:style>
         <p:txBody>
-          <a:bodyPr lIns="90000" rIns="90000" tIns="45000" bIns="45000">
+          <a:bodyPr lIns="90000" tIns="45000" rIns="90000" bIns="45000">
             <a:noAutofit/>
           </a:bodyPr>
+          <a:lstStyle/>
           <a:p>
             <a:pPr>
               <a:lnSpc>
@@ -9646,15 +11459,15 @@
               </a:lnSpc>
             </a:pPr>
             <a:r>
-              <a:rPr b="0" lang="de-DE" sz="4400" spc="-1" strike="noStrike">
+              <a:rPr lang="de-DE" sz="4400" b="0" strike="noStrike" spc="-1" dirty="0">
                 <a:solidFill>
-                  <a:srgbClr val="191b0e"/>
+                  <a:srgbClr val="191B0E"/>
                 </a:solidFill>
                 <a:latin typeface="Franklin Gothic Book"/>
               </a:rPr>
               <a:t>Verwendete Technologien</a:t>
             </a:r>
-            <a:endParaRPr b="0" lang="en-US" sz="4400" spc="-1" strike="noStrike">
+            <a:endParaRPr lang="en-US" sz="4400" b="0" strike="noStrike" spc="-1" dirty="0">
               <a:latin typeface="Arial"/>
             </a:endParaRPr>
           </a:p>
@@ -9680,15 +11493,22 @@
           </a:ln>
         </p:spPr>
         <p:style>
-          <a:lnRef idx="0"/>
-          <a:fillRef idx="0"/>
-          <a:effectRef idx="0"/>
+          <a:lnRef idx="0">
+            <a:scrgbClr r="0" g="0" b="0"/>
+          </a:lnRef>
+          <a:fillRef idx="0">
+            <a:scrgbClr r="0" g="0" b="0"/>
+          </a:fillRef>
+          <a:effectRef idx="0">
+            <a:scrgbClr r="0" g="0" b="0"/>
+          </a:effectRef>
           <a:fontRef idx="minor"/>
         </p:style>
         <p:txBody>
-          <a:bodyPr lIns="90000" rIns="90000" tIns="45000" bIns="45000">
+          <a:bodyPr lIns="90000" tIns="45000" rIns="90000" bIns="45000">
             <a:noAutofit/>
           </a:bodyPr>
+          <a:lstStyle/>
           <a:p>
             <a:pPr marL="384120" indent="-383400">
               <a:lnSpc>
@@ -9701,26 +11521,26 @@
                 <a:spcPts val="201"/>
               </a:spcAft>
               <a:buClr>
-                <a:srgbClr val="191b0e"/>
+                <a:srgbClr val="191B0E"/>
               </a:buClr>
               <a:buFont typeface="Franklin Gothic Book"/>
               <a:buChar char="■"/>
             </a:pPr>
             <a:r>
-              <a:rPr b="0" lang="de-DE" sz="2000" spc="-1" strike="noStrike">
+              <a:rPr lang="de-DE" sz="2000" b="0" strike="noStrike" spc="-1">
                 <a:solidFill>
-                  <a:srgbClr val="191b0e"/>
+                  <a:srgbClr val="191B0E"/>
                 </a:solidFill>
                 <a:latin typeface="Franklin Gothic Book"/>
               </a:rPr>
               <a:t>HTML</a:t>
             </a:r>
-            <a:endParaRPr b="0" lang="en-US" sz="2000" spc="-1" strike="noStrike">
-              <a:latin typeface="Arial"/>
-            </a:endParaRPr>
-          </a:p>
-          <a:p>
-            <a:pPr lvl="1" marL="914400" indent="-383400">
+            <a:endParaRPr lang="en-US" sz="2000" b="0" strike="noStrike" spc="-1">
+              <a:latin typeface="Arial"/>
+            </a:endParaRPr>
+          </a:p>
+          <a:p>
+            <a:pPr marL="914400" lvl="1" indent="-383400">
               <a:lnSpc>
                 <a:spcPct val="94000"/>
               </a:lnSpc>
@@ -9731,21 +11551,21 @@
                 <a:spcPts val="201"/>
               </a:spcAft>
               <a:buClr>
-                <a:srgbClr val="191b0e"/>
+                <a:srgbClr val="191B0E"/>
               </a:buClr>
               <a:buFont typeface="Franklin Gothic Book"/>
               <a:buChar char="–"/>
             </a:pPr>
             <a:r>
-              <a:rPr b="0" i="1" lang="de-DE" sz="2000" spc="-1" strike="noStrike">
+              <a:rPr lang="de-DE" sz="2000" b="0" i="1" strike="noStrike" spc="-1">
                 <a:solidFill>
-                  <a:srgbClr val="191b0e"/>
+                  <a:srgbClr val="191B0E"/>
                 </a:solidFill>
                 <a:latin typeface="Franklin Gothic Book"/>
               </a:rPr>
               <a:t>Seitenstruktur</a:t>
             </a:r>
-            <a:endParaRPr b="0" lang="en-US" sz="2000" spc="-1" strike="noStrike">
+            <a:endParaRPr lang="en-US" sz="2000" b="0" strike="noStrike" spc="-1">
               <a:latin typeface="Arial"/>
             </a:endParaRPr>
           </a:p>
@@ -9761,26 +11581,26 @@
                 <a:spcPts val="201"/>
               </a:spcAft>
               <a:buClr>
-                <a:srgbClr val="191b0e"/>
+                <a:srgbClr val="191B0E"/>
               </a:buClr>
               <a:buFont typeface="Franklin Gothic Book"/>
               <a:buChar char="■"/>
             </a:pPr>
             <a:r>
-              <a:rPr b="0" lang="de-DE" sz="2000" spc="-1" strike="noStrike">
+              <a:rPr lang="de-DE" sz="2000" b="0" strike="noStrike" spc="-1">
                 <a:solidFill>
-                  <a:srgbClr val="191b0e"/>
+                  <a:srgbClr val="191B0E"/>
                 </a:solidFill>
                 <a:latin typeface="Franklin Gothic Book"/>
               </a:rPr>
               <a:t>CSS</a:t>
             </a:r>
-            <a:endParaRPr b="0" lang="en-US" sz="2000" spc="-1" strike="noStrike">
-              <a:latin typeface="Arial"/>
-            </a:endParaRPr>
-          </a:p>
-          <a:p>
-            <a:pPr lvl="1" marL="914400" indent="-383400">
+            <a:endParaRPr lang="en-US" sz="2000" b="0" strike="noStrike" spc="-1">
+              <a:latin typeface="Arial"/>
+            </a:endParaRPr>
+          </a:p>
+          <a:p>
+            <a:pPr marL="914400" lvl="1" indent="-383400">
               <a:lnSpc>
                 <a:spcPct val="94000"/>
               </a:lnSpc>
@@ -9791,21 +11611,21 @@
                 <a:spcPts val="201"/>
               </a:spcAft>
               <a:buClr>
-                <a:srgbClr val="191b0e"/>
+                <a:srgbClr val="191B0E"/>
               </a:buClr>
               <a:buFont typeface="Franklin Gothic Book"/>
               <a:buChar char="–"/>
             </a:pPr>
             <a:r>
-              <a:rPr b="0" i="1" lang="de-DE" sz="2000" spc="-1" strike="noStrike">
+              <a:rPr lang="de-DE" sz="2000" b="0" i="1" strike="noStrike" spc="-1">
                 <a:solidFill>
-                  <a:srgbClr val="191b0e"/>
+                  <a:srgbClr val="191B0E"/>
                 </a:solidFill>
                 <a:latin typeface="Franklin Gothic Book"/>
               </a:rPr>
               <a:t>Gestaltung / Design, responsive Design</a:t>
             </a:r>
-            <a:endParaRPr b="0" lang="en-US" sz="2000" spc="-1" strike="noStrike">
+            <a:endParaRPr lang="en-US" sz="2000" b="0" strike="noStrike" spc="-1">
               <a:latin typeface="Arial"/>
             </a:endParaRPr>
           </a:p>
@@ -9821,26 +11641,26 @@
                 <a:spcPts val="201"/>
               </a:spcAft>
               <a:buClr>
-                <a:srgbClr val="191b0e"/>
+                <a:srgbClr val="191B0E"/>
               </a:buClr>
               <a:buFont typeface="Franklin Gothic Book"/>
               <a:buChar char="■"/>
             </a:pPr>
             <a:r>
-              <a:rPr b="0" lang="de-DE" sz="2000" spc="-1" strike="noStrike">
+              <a:rPr lang="de-DE" sz="2000" b="0" strike="noStrike" spc="-1">
                 <a:solidFill>
-                  <a:srgbClr val="191b0e"/>
+                  <a:srgbClr val="191B0E"/>
                 </a:solidFill>
                 <a:latin typeface="Franklin Gothic Book"/>
               </a:rPr>
               <a:t>JavaScript</a:t>
             </a:r>
-            <a:endParaRPr b="0" lang="en-US" sz="2000" spc="-1" strike="noStrike">
-              <a:latin typeface="Arial"/>
-            </a:endParaRPr>
-          </a:p>
-          <a:p>
-            <a:pPr lvl="1" marL="914400" indent="-383400">
+            <a:endParaRPr lang="en-US" sz="2000" b="0" strike="noStrike" spc="-1">
+              <a:latin typeface="Arial"/>
+            </a:endParaRPr>
+          </a:p>
+          <a:p>
+            <a:pPr marL="914400" lvl="1" indent="-383400">
               <a:lnSpc>
                 <a:spcPct val="94000"/>
               </a:lnSpc>
@@ -9851,21 +11671,21 @@
                 <a:spcPts val="201"/>
               </a:spcAft>
               <a:buClr>
-                <a:srgbClr val="191b0e"/>
+                <a:srgbClr val="191B0E"/>
               </a:buClr>
               <a:buFont typeface="Franklin Gothic Book"/>
               <a:buChar char="–"/>
             </a:pPr>
             <a:r>
-              <a:rPr b="0" i="1" lang="de-DE" sz="2000" spc="-1" strike="noStrike">
+              <a:rPr lang="de-DE" sz="2000" b="0" i="1" strike="noStrike" spc="-1">
                 <a:solidFill>
-                  <a:srgbClr val="191b0e"/>
+                  <a:srgbClr val="191B0E"/>
                 </a:solidFill>
                 <a:latin typeface="Franklin Gothic Book"/>
               </a:rPr>
               <a:t>Funktionalität z.B. WordCounter, darkmode, Anmeldung, Registrierung</a:t>
             </a:r>
-            <a:endParaRPr b="0" lang="en-US" sz="2000" spc="-1" strike="noStrike">
+            <a:endParaRPr lang="en-US" sz="2000" b="0" strike="noStrike" spc="-1">
               <a:latin typeface="Arial"/>
             </a:endParaRPr>
           </a:p>
@@ -9873,19 +11693,14 @@
       </p:sp>
     </p:spTree>
   </p:cSld>
-  <mc:AlternateContent>
-    <mc:Choice Requires="p14">
-      <p:transition spd="slow" p14:dur="2000"/>
-    </mc:Choice>
-    <mc:Fallback>
-      <p:transition spd="slow"/>
-    </mc:Fallback>
-  </mc:AlternateContent>
+  <p:clrMapOvr>
+    <a:masterClrMapping/>
+  </p:clrMapOvr>
 </p:sld>
 </file>
 
 <file path=ppt/slides/slide7.xml><?xml version="1.0" encoding="utf-8"?>
-<p:sld xmlns:a="http://schemas.openxmlformats.org/drawingml/2006/main" xmlns:p="http://schemas.openxmlformats.org/presentationml/2006/main" xmlns:r="http://schemas.openxmlformats.org/officeDocument/2006/relationships" xmlns:p14="http://schemas.microsoft.com/office/powerpoint/2010/main" xmlns:p15="http://schemas.microsoft.com/office/powerpoint/2012/main" xmlns:mc="http://schemas.openxmlformats.org/markup-compatibility/2006">
+<p:sld xmlns:a="http://schemas.openxmlformats.org/drawingml/2006/main" xmlns:r="http://schemas.openxmlformats.org/officeDocument/2006/relationships" xmlns:p="http://schemas.openxmlformats.org/presentationml/2006/main">
   <p:cSld>
     <p:spTree>
       <p:nvGrpSpPr>
@@ -9921,15 +11736,22 @@
           </a:ln>
         </p:spPr>
         <p:style>
-          <a:lnRef idx="0"/>
-          <a:fillRef idx="0"/>
-          <a:effectRef idx="0"/>
+          <a:lnRef idx="0">
+            <a:scrgbClr r="0" g="0" b="0"/>
+          </a:lnRef>
+          <a:fillRef idx="0">
+            <a:scrgbClr r="0" g="0" b="0"/>
+          </a:fillRef>
+          <a:effectRef idx="0">
+            <a:scrgbClr r="0" g="0" b="0"/>
+          </a:effectRef>
           <a:fontRef idx="minor"/>
         </p:style>
         <p:txBody>
-          <a:bodyPr lIns="90000" rIns="90000" tIns="45000" bIns="45000">
+          <a:bodyPr lIns="90000" tIns="45000" rIns="90000" bIns="45000">
             <a:noAutofit/>
           </a:bodyPr>
+          <a:lstStyle/>
           <a:p>
             <a:pPr algn="ctr">
               <a:lnSpc>
@@ -9937,35 +11759,49 @@
               </a:lnSpc>
             </a:pPr>
             <a:r>
-              <a:rPr b="0" lang="de-DE" sz="4400" spc="-1" strike="noStrike">
+              <a:rPr lang="de-DE" sz="4400" b="0" strike="noStrike" spc="-1" dirty="0">
                 <a:solidFill>
-                  <a:srgbClr val="191b0e"/>
+                  <a:srgbClr val="191B0E"/>
                 </a:solidFill>
                 <a:latin typeface="Franklin Gothic Book"/>
               </a:rPr>
               <a:t>Webseite</a:t>
             </a:r>
-            <a:endParaRPr b="0" lang="en-US" sz="4400" spc="-1" strike="noStrike">
-              <a:latin typeface="Arial"/>
-            </a:endParaRPr>
+          </a:p>
+          <a:p>
+            <a:pPr algn="ctr">
+              <a:lnSpc>
+                <a:spcPct val="89000"/>
+              </a:lnSpc>
+            </a:pPr>
+            <a:r>
+              <a:rPr lang="en-US" sz="1000" spc="-1" dirty="0">
+                <a:hlinkClick r:id="rId2"/>
+              </a:rPr>
+              <a:t>file:///Users/philipp.thuemler/Documents/STUDIUM/Kurse/Web_Engineering/Programmentwurf/WebEngineering_WordCounter/login.html</a:t>
+            </a:r>
+            <a:endParaRPr lang="en-US" sz="1000" spc="-1" dirty="0"/>
+          </a:p>
+          <a:p>
+            <a:pPr algn="ctr">
+              <a:lnSpc>
+                <a:spcPct val="89000"/>
+              </a:lnSpc>
+            </a:pPr>
+            <a:endParaRPr lang="en-US" sz="1000" spc="-1" dirty="0"/>
           </a:p>
         </p:txBody>
       </p:sp>
     </p:spTree>
   </p:cSld>
-  <mc:AlternateContent>
-    <mc:Choice Requires="p14">
-      <p:transition spd="slow" p14:dur="2000"/>
-    </mc:Choice>
-    <mc:Fallback>
-      <p:transition spd="slow"/>
-    </mc:Fallback>
-  </mc:AlternateContent>
+  <p:clrMapOvr>
+    <a:masterClrMapping/>
+  </p:clrMapOvr>
 </p:sld>
 </file>
 
 <file path=ppt/slides/slide8.xml><?xml version="1.0" encoding="utf-8"?>
-<p:sld xmlns:a="http://schemas.openxmlformats.org/drawingml/2006/main" xmlns:p="http://schemas.openxmlformats.org/presentationml/2006/main" xmlns:r="http://schemas.openxmlformats.org/officeDocument/2006/relationships" xmlns:p14="http://schemas.microsoft.com/office/powerpoint/2010/main" xmlns:p15="http://schemas.microsoft.com/office/powerpoint/2012/main" xmlns:mc="http://schemas.openxmlformats.org/markup-compatibility/2006">
+<p:sld xmlns:a="http://schemas.openxmlformats.org/drawingml/2006/main" xmlns:r="http://schemas.openxmlformats.org/officeDocument/2006/relationships" xmlns:p="http://schemas.openxmlformats.org/presentationml/2006/main">
   <p:cSld>
     <p:spTree>
       <p:nvGrpSpPr>
@@ -10001,15 +11837,22 @@
           </a:ln>
         </p:spPr>
         <p:style>
-          <a:lnRef idx="0"/>
-          <a:fillRef idx="0"/>
-          <a:effectRef idx="0"/>
+          <a:lnRef idx="0">
+            <a:scrgbClr r="0" g="0" b="0"/>
+          </a:lnRef>
+          <a:fillRef idx="0">
+            <a:scrgbClr r="0" g="0" b="0"/>
+          </a:fillRef>
+          <a:effectRef idx="0">
+            <a:scrgbClr r="0" g="0" b="0"/>
+          </a:effectRef>
           <a:fontRef idx="minor"/>
         </p:style>
         <p:txBody>
-          <a:bodyPr lIns="90000" rIns="90000" tIns="45000" bIns="45000">
+          <a:bodyPr lIns="90000" tIns="45000" rIns="90000" bIns="45000">
             <a:noAutofit/>
           </a:bodyPr>
+          <a:lstStyle/>
           <a:p>
             <a:pPr algn="ctr">
               <a:lnSpc>
@@ -10017,15 +11860,15 @@
               </a:lnSpc>
             </a:pPr>
             <a:r>
-              <a:rPr b="0" lang="de-DE" sz="4400" spc="-1" strike="noStrike">
+              <a:rPr lang="de-DE" sz="4400" b="0" strike="noStrike" spc="-1">
                 <a:solidFill>
-                  <a:srgbClr val="191b0e"/>
+                  <a:srgbClr val="191B0E"/>
                 </a:solidFill>
                 <a:latin typeface="Franklin Gothic Book"/>
               </a:rPr>
               <a:t>Ideen zur</a:t>
             </a:r>
-            <a:endParaRPr b="0" lang="en-US" sz="4400" spc="-1" strike="noStrike">
+            <a:endParaRPr lang="en-US" sz="4400" b="0" strike="noStrike" spc="-1">
               <a:latin typeface="Arial"/>
             </a:endParaRPr>
           </a:p>
@@ -10036,15 +11879,15 @@
               </a:lnSpc>
             </a:pPr>
             <a:r>
-              <a:rPr b="0" lang="de-DE" sz="4400" spc="-1" strike="noStrike">
+              <a:rPr lang="de-DE" sz="4400" b="0" strike="noStrike" spc="-1">
                 <a:solidFill>
-                  <a:srgbClr val="191b0e"/>
+                  <a:srgbClr val="191B0E"/>
                 </a:solidFill>
                 <a:latin typeface="Franklin Gothic Book"/>
               </a:rPr>
               <a:t>Verbesserung und Erweiterung</a:t>
             </a:r>
-            <a:endParaRPr b="0" lang="en-US" sz="4400" spc="-1" strike="noStrike">
+            <a:endParaRPr lang="en-US" sz="4400" b="0" strike="noStrike" spc="-1">
               <a:latin typeface="Arial"/>
             </a:endParaRPr>
           </a:p>
@@ -10052,19 +11895,14 @@
       </p:sp>
     </p:spTree>
   </p:cSld>
-  <mc:AlternateContent>
-    <mc:Choice Requires="p14">
-      <p:transition spd="slow" p14:dur="2000"/>
-    </mc:Choice>
-    <mc:Fallback>
-      <p:transition spd="slow"/>
-    </mc:Fallback>
-  </mc:AlternateContent>
+  <p:clrMapOvr>
+    <a:masterClrMapping/>
+  </p:clrMapOvr>
 </p:sld>
 </file>
 
 <file path=ppt/slides/slide9.xml><?xml version="1.0" encoding="utf-8"?>
-<p:sld xmlns:a="http://schemas.openxmlformats.org/drawingml/2006/main" xmlns:p="http://schemas.openxmlformats.org/presentationml/2006/main" xmlns:r="http://schemas.openxmlformats.org/officeDocument/2006/relationships" xmlns:p14="http://schemas.microsoft.com/office/powerpoint/2010/main" xmlns:p15="http://schemas.microsoft.com/office/powerpoint/2012/main" xmlns:mc="http://schemas.openxmlformats.org/markup-compatibility/2006">
+<p:sld xmlns:a="http://schemas.openxmlformats.org/drawingml/2006/main" xmlns:r="http://schemas.openxmlformats.org/officeDocument/2006/relationships" xmlns:p="http://schemas.openxmlformats.org/presentationml/2006/main">
   <p:cSld>
     <p:spTree>
       <p:nvGrpSpPr>
@@ -10100,20 +11938,18 @@
           </a:ln>
         </p:spPr>
         <p:txBody>
-          <a:bodyPr lIns="0" rIns="0" tIns="0" bIns="0" anchor="ctr">
+          <a:bodyPr lIns="0" tIns="0" rIns="0" bIns="0" anchor="ctr">
             <a:noAutofit/>
           </a:bodyPr>
+          <a:lstStyle/>
           <a:p>
             <a:pPr algn="ctr"/>
             <a:r>
-              <a:rPr b="0" lang="en-US" sz="4400" spc="-1" strike="noStrike">
+              <a:rPr lang="en-US" sz="4400" b="0" strike="noStrike" spc="-1">
                 <a:latin typeface="Arial"/>
               </a:rPr>
               <a:t>Login und Registrierung</a:t>
             </a:r>
-            <a:endParaRPr b="0" lang="en-US" sz="4400" spc="-1" strike="noStrike">
-              <a:latin typeface="Arial"/>
-            </a:endParaRPr>
           </a:p>
         </p:txBody>
       </p:sp>
@@ -10137,15 +11973,22 @@
           </a:ln>
         </p:spPr>
         <p:style>
-          <a:lnRef idx="0"/>
-          <a:fillRef idx="0"/>
-          <a:effectRef idx="0"/>
+          <a:lnRef idx="0">
+            <a:scrgbClr r="0" g="0" b="0"/>
+          </a:lnRef>
+          <a:fillRef idx="0">
+            <a:scrgbClr r="0" g="0" b="0"/>
+          </a:fillRef>
+          <a:effectRef idx="0">
+            <a:scrgbClr r="0" g="0" b="0"/>
+          </a:effectRef>
           <a:fontRef idx="minor"/>
         </p:style>
         <p:txBody>
-          <a:bodyPr lIns="90000" rIns="90000" tIns="45000" bIns="45000">
+          <a:bodyPr lIns="90000" tIns="45000" rIns="90000" bIns="45000">
             <a:noAutofit/>
           </a:bodyPr>
+          <a:lstStyle/>
           <a:p>
             <a:pPr marL="384120" indent="-383400">
               <a:lnSpc>
@@ -10158,21 +12001,21 @@
                 <a:spcPts val="201"/>
               </a:spcAft>
               <a:buClr>
-                <a:srgbClr val="191b0e"/>
+                <a:srgbClr val="191B0E"/>
               </a:buClr>
               <a:buFont typeface="Franklin Gothic Book"/>
               <a:buChar char="■"/>
             </a:pPr>
             <a:r>
-              <a:rPr b="0" lang="de-DE" sz="2000" spc="-1" strike="noStrike">
+              <a:rPr lang="de-DE" sz="2000" b="0" strike="noStrike" spc="-1" dirty="0">
                 <a:solidFill>
-                  <a:srgbClr val="191b0e"/>
+                  <a:srgbClr val="191B0E"/>
                 </a:solidFill>
                 <a:latin typeface="Franklin Gothic Book"/>
               </a:rPr>
               <a:t>Registrierte Nutzer sollen in Datenbank gespeichert werden</a:t>
             </a:r>
-            <a:endParaRPr b="0" lang="en-US" sz="2000" spc="-1" strike="noStrike">
+            <a:endParaRPr lang="en-US" sz="2000" b="0" strike="noStrike" spc="-1" dirty="0">
               <a:latin typeface="Arial"/>
             </a:endParaRPr>
           </a:p>
@@ -10188,21 +12031,70 @@
                 <a:spcPts val="201"/>
               </a:spcAft>
               <a:buClr>
-                <a:srgbClr val="191b0e"/>
+                <a:srgbClr val="191B0E"/>
               </a:buClr>
               <a:buFont typeface="Franklin Gothic Book"/>
               <a:buChar char="■"/>
             </a:pPr>
             <a:r>
-              <a:rPr b="0" lang="de-DE" sz="2000" spc="-1" strike="noStrike">
+              <a:rPr lang="de-DE" sz="2000" b="0" strike="noStrike" spc="-1" dirty="0">
                 <a:solidFill>
-                  <a:srgbClr val="191b0e"/>
+                  <a:srgbClr val="191B0E"/>
                 </a:solidFill>
                 <a:latin typeface="Franklin Gothic Book"/>
               </a:rPr>
               <a:t>Nutzer sollen Texte Abspeichern und Abrufen können</a:t>
             </a:r>
-            <a:endParaRPr b="0" lang="en-US" sz="2000" spc="-1" strike="noStrike">
+          </a:p>
+          <a:p>
+            <a:pPr marL="384120" indent="-383400">
+              <a:lnSpc>
+                <a:spcPct val="94000"/>
+              </a:lnSpc>
+              <a:spcBef>
+                <a:spcPts val="1001"/>
+              </a:spcBef>
+              <a:spcAft>
+                <a:spcPts val="201"/>
+              </a:spcAft>
+              <a:buClr>
+                <a:srgbClr val="191B0E"/>
+              </a:buClr>
+              <a:buFont typeface="Franklin Gothic Book"/>
+              <a:buChar char="■"/>
+            </a:pPr>
+            <a:r>
+              <a:rPr lang="de-DE" sz="2000" spc="-1" dirty="0">
+                <a:solidFill>
+                  <a:srgbClr val="191B0E"/>
+                </a:solidFill>
+                <a:latin typeface="Franklin Gothic Book"/>
+              </a:rPr>
+              <a:t>Nutzer sollen vom Impressum zurück zum Login gelangen</a:t>
+            </a:r>
+            <a:endParaRPr lang="de-DE" sz="2000" b="0" strike="noStrike" spc="-1" dirty="0">
+              <a:solidFill>
+                <a:srgbClr val="191B0E"/>
+              </a:solidFill>
+              <a:latin typeface="Franklin Gothic Book"/>
+            </a:endParaRPr>
+          </a:p>
+          <a:p>
+            <a:pPr marL="720">
+              <a:lnSpc>
+                <a:spcPct val="94000"/>
+              </a:lnSpc>
+              <a:spcBef>
+                <a:spcPts val="1001"/>
+              </a:spcBef>
+              <a:spcAft>
+                <a:spcPts val="201"/>
+              </a:spcAft>
+              <a:buClr>
+                <a:srgbClr val="191B0E"/>
+              </a:buClr>
+            </a:pPr>
+            <a:endParaRPr lang="en-US" sz="2000" b="0" strike="noStrike" spc="-1" dirty="0">
               <a:latin typeface="Arial"/>
             </a:endParaRPr>
           </a:p>
@@ -10210,14 +12102,9 @@
       </p:sp>
     </p:spTree>
   </p:cSld>
-  <mc:AlternateContent>
-    <mc:Choice Requires="p14">
-      <p:transition spd="slow" p14:dur="2000"/>
-    </mc:Choice>
-    <mc:Fallback>
-      <p:transition spd="slow"/>
-    </mc:Fallback>
-  </mc:AlternateContent>
+  <p:clrMapOvr>
+    <a:masterClrMapping/>
+  </p:clrMapOvr>
 </p:sld>
 </file>
 
@@ -10232,34 +12119,34 @@
         <a:sysClr val="window" lastClr="FFFFFF"/>
       </a:lt1>
       <a:dk2>
-        <a:srgbClr val="191b0e"/>
+        <a:srgbClr val="191B0E"/>
       </a:dk2>
       <a:lt2>
-        <a:srgbClr val="efede3"/>
+        <a:srgbClr val="EFEDE3"/>
       </a:lt2>
       <a:accent1>
-        <a:srgbClr val="8c8d86"/>
+        <a:srgbClr val="8C8D86"/>
       </a:accent1>
       <a:accent2>
-        <a:srgbClr val="e6c069"/>
+        <a:srgbClr val="E6C069"/>
       </a:accent2>
       <a:accent3>
-        <a:srgbClr val="897b61"/>
+        <a:srgbClr val="897B61"/>
       </a:accent3>
       <a:accent4>
-        <a:srgbClr val="8dab8e"/>
+        <a:srgbClr val="8DAB8E"/>
       </a:accent4>
       <a:accent5>
-        <a:srgbClr val="77a2bb"/>
+        <a:srgbClr val="77A2BB"/>
       </a:accent5>
       <a:accent6>
-        <a:srgbClr val="e28394"/>
+        <a:srgbClr val="E28394"/>
       </a:accent6>
       <a:hlink>
-        <a:srgbClr val="77a2bb"/>
+        <a:srgbClr val="77A2BB"/>
       </a:hlink>
       <a:folHlink>
-        <a:srgbClr val="957a99"/>
+        <a:srgbClr val="957A99"/>
       </a:folHlink>
     </a:clrScheme>
     <a:fontScheme name="Office">
@@ -10444,6 +12331,8 @@
       </a:bgFillStyleLst>
     </a:fmtScheme>
   </a:themeElements>
+  <a:objectDefaults/>
+  <a:extraClrSchemeLst/>
 </a:theme>
 </file>
 
@@ -10458,34 +12347,34 @@
         <a:sysClr val="window" lastClr="FFFFFF"/>
       </a:lt1>
       <a:dk2>
-        <a:srgbClr val="191b0e"/>
+        <a:srgbClr val="191B0E"/>
       </a:dk2>
       <a:lt2>
-        <a:srgbClr val="efede3"/>
+        <a:srgbClr val="EFEDE3"/>
       </a:lt2>
       <a:accent1>
-        <a:srgbClr val="8c8d86"/>
+        <a:srgbClr val="8C8D86"/>
       </a:accent1>
       <a:accent2>
-        <a:srgbClr val="e6c069"/>
+        <a:srgbClr val="E6C069"/>
       </a:accent2>
       <a:accent3>
-        <a:srgbClr val="897b61"/>
+        <a:srgbClr val="897B61"/>
       </a:accent3>
       <a:accent4>
-        <a:srgbClr val="8dab8e"/>
+        <a:srgbClr val="8DAB8E"/>
       </a:accent4>
       <a:accent5>
-        <a:srgbClr val="77a2bb"/>
+        <a:srgbClr val="77A2BB"/>
       </a:accent5>
       <a:accent6>
-        <a:srgbClr val="e28394"/>
+        <a:srgbClr val="E28394"/>
       </a:accent6>
       <a:hlink>
-        <a:srgbClr val="77a2bb"/>
+        <a:srgbClr val="77A2BB"/>
       </a:hlink>
       <a:folHlink>
-        <a:srgbClr val="957a99"/>
+        <a:srgbClr val="957A99"/>
       </a:folHlink>
     </a:clrScheme>
     <a:fontScheme name="Office">
@@ -10670,6 +12559,8 @@
       </a:bgFillStyleLst>
     </a:fmtScheme>
   </a:themeElements>
+  <a:objectDefaults/>
+  <a:extraClrSchemeLst/>
 </a:theme>
 </file>
 
@@ -10684,34 +12575,34 @@
         <a:sysClr val="window" lastClr="FFFFFF"/>
       </a:lt1>
       <a:dk2>
-        <a:srgbClr val="191b0e"/>
+        <a:srgbClr val="191B0E"/>
       </a:dk2>
       <a:lt2>
-        <a:srgbClr val="efede3"/>
+        <a:srgbClr val="EFEDE3"/>
       </a:lt2>
       <a:accent1>
-        <a:srgbClr val="8c8d86"/>
+        <a:srgbClr val="8C8D86"/>
       </a:accent1>
       <a:accent2>
-        <a:srgbClr val="e6c069"/>
+        <a:srgbClr val="E6C069"/>
       </a:accent2>
       <a:accent3>
-        <a:srgbClr val="897b61"/>
+        <a:srgbClr val="897B61"/>
       </a:accent3>
       <a:accent4>
-        <a:srgbClr val="8dab8e"/>
+        <a:srgbClr val="8DAB8E"/>
       </a:accent4>
       <a:accent5>
-        <a:srgbClr val="77a2bb"/>
+        <a:srgbClr val="77A2BB"/>
       </a:accent5>
       <a:accent6>
-        <a:srgbClr val="e28394"/>
+        <a:srgbClr val="E28394"/>
       </a:accent6>
       <a:hlink>
-        <a:srgbClr val="77a2bb"/>
+        <a:srgbClr val="77A2BB"/>
       </a:hlink>
       <a:folHlink>
-        <a:srgbClr val="957a99"/>
+        <a:srgbClr val="957A99"/>
       </a:folHlink>
     </a:clrScheme>
     <a:fontScheme name="Office">
@@ -10896,6 +12787,8 @@
       </a:bgFillStyleLst>
     </a:fmtScheme>
   </a:themeElements>
+  <a:objectDefaults/>
+  <a:extraClrSchemeLst/>
 </a:theme>
 </file>
 
@@ -10910,34 +12803,34 @@
         <a:sysClr val="window" lastClr="FFFFFF"/>
       </a:lt1>
       <a:dk2>
-        <a:srgbClr val="191b0e"/>
+        <a:srgbClr val="191B0E"/>
       </a:dk2>
       <a:lt2>
-        <a:srgbClr val="efede3"/>
+        <a:srgbClr val="EFEDE3"/>
       </a:lt2>
       <a:accent1>
-        <a:srgbClr val="8c8d86"/>
+        <a:srgbClr val="8C8D86"/>
       </a:accent1>
       <a:accent2>
-        <a:srgbClr val="e6c069"/>
+        <a:srgbClr val="E6C069"/>
       </a:accent2>
       <a:accent3>
-        <a:srgbClr val="897b61"/>
+        <a:srgbClr val="897B61"/>
       </a:accent3>
       <a:accent4>
-        <a:srgbClr val="8dab8e"/>
+        <a:srgbClr val="8DAB8E"/>
       </a:accent4>
       <a:accent5>
-        <a:srgbClr val="77a2bb"/>
+        <a:srgbClr val="77A2BB"/>
       </a:accent5>
       <a:accent6>
-        <a:srgbClr val="e28394"/>
+        <a:srgbClr val="E28394"/>
       </a:accent6>
       <a:hlink>
-        <a:srgbClr val="77a2bb"/>
+        <a:srgbClr val="77A2BB"/>
       </a:hlink>
       <a:folHlink>
-        <a:srgbClr val="957a99"/>
+        <a:srgbClr val="957A99"/>
       </a:folHlink>
     </a:clrScheme>
     <a:fontScheme name="Office">
@@ -11122,6 +13015,8 @@
       </a:bgFillStyleLst>
     </a:fmtScheme>
   </a:themeElements>
+  <a:objectDefaults/>
+  <a:extraClrSchemeLst/>
 </a:theme>
 </file>
 
@@ -11136,34 +13031,34 @@
         <a:sysClr val="window" lastClr="FFFFFF"/>
       </a:lt1>
       <a:dk2>
-        <a:srgbClr val="191b0e"/>
+        <a:srgbClr val="191B0E"/>
       </a:dk2>
       <a:lt2>
-        <a:srgbClr val="efede3"/>
+        <a:srgbClr val="EFEDE3"/>
       </a:lt2>
       <a:accent1>
-        <a:srgbClr val="8c8d86"/>
+        <a:srgbClr val="8C8D86"/>
       </a:accent1>
       <a:accent2>
-        <a:srgbClr val="e6c069"/>
+        <a:srgbClr val="E6C069"/>
       </a:accent2>
       <a:accent3>
-        <a:srgbClr val="897b61"/>
+        <a:srgbClr val="897B61"/>
       </a:accent3>
       <a:accent4>
-        <a:srgbClr val="8dab8e"/>
+        <a:srgbClr val="8DAB8E"/>
       </a:accent4>
       <a:accent5>
-        <a:srgbClr val="77a2bb"/>
+        <a:srgbClr val="77A2BB"/>
       </a:accent5>
       <a:accent6>
-        <a:srgbClr val="e28394"/>
+        <a:srgbClr val="E28394"/>
       </a:accent6>
       <a:hlink>
-        <a:srgbClr val="77a2bb"/>
+        <a:srgbClr val="77A2BB"/>
       </a:hlink>
       <a:folHlink>
-        <a:srgbClr val="957a99"/>
+        <a:srgbClr val="957A99"/>
       </a:folHlink>
     </a:clrScheme>
     <a:fontScheme name="Office">
@@ -11348,5 +13243,7 @@
       </a:bgFillStyleLst>
     </a:fmtScheme>
   </a:themeElements>
+  <a:objectDefaults/>
+  <a:extraClrSchemeLst/>
 </a:theme>
 </file>